--- a/lec/anninbon13.pptx
+++ b/lec/anninbon13.pptx
@@ -5,20 +5,21 @@
     <p:sldMasterId id="2147483706" r:id="rId1"/>
   </p:sldMasterIdLst>
   <p:notesMasterIdLst>
-    <p:notesMasterId r:id="rId10"/>
+    <p:notesMasterId r:id="rId11"/>
   </p:notesMasterIdLst>
   <p:handoutMasterIdLst>
-    <p:handoutMasterId r:id="rId11"/>
+    <p:handoutMasterId r:id="rId12"/>
   </p:handoutMasterIdLst>
   <p:sldIdLst>
     <p:sldId id="552" r:id="rId2"/>
-    <p:sldId id="668" r:id="rId3"/>
-    <p:sldId id="669" r:id="rId4"/>
-    <p:sldId id="692" r:id="rId5"/>
-    <p:sldId id="693" r:id="rId6"/>
+    <p:sldId id="692" r:id="rId3"/>
+    <p:sldId id="697" r:id="rId4"/>
+    <p:sldId id="693" r:id="rId5"/>
+    <p:sldId id="698" r:id="rId6"/>
     <p:sldId id="694" r:id="rId7"/>
     <p:sldId id="695" r:id="rId8"/>
     <p:sldId id="696" r:id="rId9"/>
+    <p:sldId id="699" r:id="rId10"/>
   </p:sldIdLst>
   <p:sldSz cx="9144000" cy="6858000" type="screen4x3"/>
   <p:notesSz cx="7099300" cy="10234613"/>
@@ -153,13 +154,14 @@
         <p14:section name="既定のセクション" id="{7C747A5F-8C29-4C6A-BF6D-361D478D3FFF}">
           <p14:sldIdLst>
             <p14:sldId id="552"/>
-            <p14:sldId id="668"/>
-            <p14:sldId id="669"/>
             <p14:sldId id="692"/>
+            <p14:sldId id="697"/>
             <p14:sldId id="693"/>
+            <p14:sldId id="698"/>
             <p14:sldId id="694"/>
             <p14:sldId id="695"/>
             <p14:sldId id="696"/>
+            <p14:sldId id="699"/>
           </p14:sldIdLst>
         </p14:section>
       </p14:sectionLst>
@@ -2399,14 +2401,44 @@
           <a:chExt cx="0" cy="0"/>
         </a:xfrm>
       </p:grpSpPr>
-      <mc:AlternateContent xmlns:mc="http://schemas.openxmlformats.org/markup-compatibility/2006" xmlns:a14="http://schemas.microsoft.com/office/drawing/2010/main">
-        <mc:Choice Requires="a14">
+      <p:pic>
+        <p:nvPicPr>
+          <p:cNvPr id="8" name="図 7">
+            <a:extLst>
+              <a:ext uri="{FF2B5EF4-FFF2-40B4-BE49-F238E27FC236}">
+                <a16:creationId xmlns:a16="http://schemas.microsoft.com/office/drawing/2014/main" id="{4030FCA0-7728-44F4-AD87-C4F878438B99}"/>
+              </a:ext>
+            </a:extLst>
+          </p:cNvPr>
+          <p:cNvPicPr>
+            <a:picLocks noChangeAspect="1"/>
+          </p:cNvPicPr>
+          <p:nvPr/>
+        </p:nvPicPr>
+        <p:blipFill>
+          <a:blip r:embed="rId2"/>
+          <a:stretch>
+            <a:fillRect/>
+          </a:stretch>
+        </p:blipFill>
+        <p:spPr>
+          <a:xfrm>
+            <a:off x="1547664" y="1916832"/>
+            <a:ext cx="4248472" cy="1909426"/>
+          </a:xfrm>
+          <a:prstGeom prst="rect">
+            <a:avLst/>
+          </a:prstGeom>
+        </p:spPr>
+      </p:pic>
+      <mc:AlternateContent xmlns:mc="http://schemas.openxmlformats.org/markup-compatibility/2006">
+        <mc:Choice xmlns:a14="http://schemas.microsoft.com/office/drawing/2010/main" Requires="a14">
           <p:sp>
             <p:nvSpPr>
               <p:cNvPr id="2" name="コンテンツ プレースホルダー 1">
                 <a:extLst>
                   <a:ext uri="{FF2B5EF4-FFF2-40B4-BE49-F238E27FC236}">
-                    <a16:creationId xmlns:a16="http://schemas.microsoft.com/office/drawing/2014/main" id="{ACA52B67-3F21-482C-8D69-7AA975430C6B}"/>
+                    <a16:creationId xmlns:a16="http://schemas.microsoft.com/office/drawing/2014/main" id="{9E90BE13-76E7-485F-8A13-5C34D647D79B}"/>
                   </a:ext>
                 </a:extLst>
               </p:cNvPr>
@@ -2423,170 +2455,184 @@
               <a:lstStyle/>
               <a:p>
                 <a:r>
+                  <a:rPr kumimoji="1" lang="ja-JP" altLang="en-US" b="0">
+                    <a:latin typeface="Cambria Math" panose="02040503050406030204" pitchFamily="18" charset="0"/>
+                  </a:rPr>
+                  <a:t>このスライドで使う共通の記号</a:t>
+                </a:r>
+                <a:endParaRPr kumimoji="1" lang="en-US" altLang="ja-JP" b="0">
+                  <a:latin typeface="Cambria Math" panose="02040503050406030204" pitchFamily="18" charset="0"/>
+                </a:endParaRPr>
+              </a:p>
+              <a:p>
+                <a:pPr lvl="1"/>
+                <a14:m>
+                  <m:oMath xmlns:m="http://schemas.openxmlformats.org/officeDocument/2006/math">
+                    <m:r>
+                      <a:rPr kumimoji="1" lang="en-US" altLang="ja-JP" b="0" i="1" smtClean="0">
+                        <a:latin typeface="Cambria Math" panose="02040503050406030204" pitchFamily="18" charset="0"/>
+                      </a:rPr>
+                      <m:t>𝐸</m:t>
+                    </m:r>
+                  </m:oMath>
+                </a14:m>
+                <a:r>
                   <a:rPr kumimoji="1" lang="ja-JP" altLang="en-US"/>
-                  <a:t>準同型暗号で投票しよう</a:t>
+                  <a:t> </a:t>
+                </a:r>
+                <a:r>
+                  <a:rPr kumimoji="1" lang="en-US" altLang="ja-JP"/>
+                  <a:t>: </a:t>
+                </a:r>
+                <a:r>
+                  <a:rPr kumimoji="1" lang="ja-JP" altLang="en-US"/>
+                  <a:t>楕円曲線</a:t>
+                </a:r>
+                <a:r>
+                  <a:rPr kumimoji="1" lang="en-US" altLang="ja-JP"/>
+                  <a:t>, </a:t>
+                </a:r>
+                <a14:m>
+                  <m:oMath xmlns:m="http://schemas.openxmlformats.org/officeDocument/2006/math">
+                    <m:r>
+                      <a:rPr kumimoji="1" lang="en-US" altLang="ja-JP" b="0" i="1" smtClean="0">
+                        <a:latin typeface="Cambria Math" panose="02040503050406030204" pitchFamily="18" charset="0"/>
+                      </a:rPr>
+                      <m:t>𝑃</m:t>
+                    </m:r>
+                  </m:oMath>
+                </a14:m>
+                <a:r>
+                  <a:rPr kumimoji="1" lang="en-US" altLang="ja-JP"/>
+                  <a:t> : </a:t>
+                </a:r>
+                <a14:m>
+                  <m:oMath xmlns:m="http://schemas.openxmlformats.org/officeDocument/2006/math">
+                    <m:r>
+                      <a:rPr kumimoji="1" lang="en-US" altLang="ja-JP" b="0" i="1" smtClean="0">
+                        <a:latin typeface="Cambria Math" panose="02040503050406030204" pitchFamily="18" charset="0"/>
+                      </a:rPr>
+                      <m:t>𝐸</m:t>
+                    </m:r>
+                  </m:oMath>
+                </a14:m>
+                <a:r>
+                  <a:rPr kumimoji="1" lang="ja-JP" altLang="en-US"/>
+                  <a:t>上の点</a:t>
                 </a:r>
                 <a:endParaRPr kumimoji="1" lang="en-US" altLang="ja-JP"/>
               </a:p>
               <a:p>
                 <a:pPr lvl="1"/>
+                <a14:m>
+                  <m:oMath xmlns:m="http://schemas.openxmlformats.org/officeDocument/2006/math">
+                    <m:r>
+                      <a:rPr kumimoji="1" lang="en-US" altLang="ja-JP" b="0" i="1" smtClean="0">
+                        <a:latin typeface="Cambria Math" panose="02040503050406030204" pitchFamily="18" charset="0"/>
+                      </a:rPr>
+                      <m:t>𝐺</m:t>
+                    </m:r>
+                    <m:r>
+                      <a:rPr kumimoji="1" lang="en-US" altLang="ja-JP" b="0" i="1" smtClean="0">
+                        <a:latin typeface="Cambria Math" panose="02040503050406030204" pitchFamily="18" charset="0"/>
+                      </a:rPr>
+                      <m:t>={0,</m:t>
+                    </m:r>
+                    <m:r>
+                      <a:rPr kumimoji="1" lang="en-US" altLang="ja-JP" b="0" i="1" smtClean="0">
+                        <a:latin typeface="Cambria Math" panose="02040503050406030204" pitchFamily="18" charset="0"/>
+                      </a:rPr>
+                      <m:t>𝑃</m:t>
+                    </m:r>
+                    <m:r>
+                      <a:rPr kumimoji="1" lang="en-US" altLang="ja-JP" b="0" i="1" smtClean="0">
+                        <a:latin typeface="Cambria Math" panose="02040503050406030204" pitchFamily="18" charset="0"/>
+                      </a:rPr>
+                      <m:t>,2</m:t>
+                    </m:r>
+                    <m:r>
+                      <a:rPr kumimoji="1" lang="en-US" altLang="ja-JP" b="0" i="1" smtClean="0">
+                        <a:latin typeface="Cambria Math" panose="02040503050406030204" pitchFamily="18" charset="0"/>
+                      </a:rPr>
+                      <m:t>𝑃</m:t>
+                    </m:r>
+                    <m:r>
+                      <a:rPr kumimoji="1" lang="en-US" altLang="ja-JP" b="0" i="1" smtClean="0">
+                        <a:latin typeface="Cambria Math" panose="02040503050406030204" pitchFamily="18" charset="0"/>
+                      </a:rPr>
+                      <m:t>, …, </m:t>
+                    </m:r>
+                    <m:d>
+                      <m:dPr>
+                        <m:ctrlPr>
+                          <a:rPr kumimoji="1" lang="en-US" altLang="ja-JP" b="0" i="1" smtClean="0">
+                            <a:latin typeface="Cambria Math" panose="02040503050406030204" pitchFamily="18" charset="0"/>
+                          </a:rPr>
+                        </m:ctrlPr>
+                      </m:dPr>
+                      <m:e>
+                        <m:r>
+                          <a:rPr kumimoji="1" lang="en-US" altLang="ja-JP" b="0" i="1" smtClean="0">
+                            <a:latin typeface="Cambria Math" panose="02040503050406030204" pitchFamily="18" charset="0"/>
+                          </a:rPr>
+                          <m:t>𝑝</m:t>
+                        </m:r>
+                        <m:r>
+                          <a:rPr kumimoji="1" lang="en-US" altLang="ja-JP" b="0" i="1" smtClean="0">
+                            <a:latin typeface="Cambria Math" panose="02040503050406030204" pitchFamily="18" charset="0"/>
+                          </a:rPr>
+                          <m:t>−1</m:t>
+                        </m:r>
+                      </m:e>
+                    </m:d>
+                    <m:r>
+                      <a:rPr kumimoji="1" lang="en-US" altLang="ja-JP" b="0" i="1" smtClean="0">
+                        <a:latin typeface="Cambria Math" panose="02040503050406030204" pitchFamily="18" charset="0"/>
+                      </a:rPr>
+                      <m:t>𝑃</m:t>
+                    </m:r>
+                    <m:r>
+                      <a:rPr kumimoji="1" lang="en-US" altLang="ja-JP" b="0" i="1" smtClean="0">
+                        <a:latin typeface="Cambria Math" panose="02040503050406030204" pitchFamily="18" charset="0"/>
+                      </a:rPr>
+                      <m:t>}</m:t>
+                    </m:r>
+                  </m:oMath>
+                </a14:m>
                 <a:r>
                   <a:rPr kumimoji="1" lang="ja-JP" altLang="en-US"/>
-                  <a:t>賛成</a:t>
-                </a:r>
-                <a:r>
-                  <a:rPr kumimoji="1" lang="en-US" altLang="ja-JP"/>
-                  <a:t>(1)</a:t>
-                </a:r>
-                <a:r>
-                  <a:rPr kumimoji="1" lang="ja-JP" altLang="en-US"/>
-                  <a:t>か反対</a:t>
-                </a:r>
-                <a:r>
-                  <a:rPr kumimoji="1" lang="en-US" altLang="ja-JP"/>
-                  <a:t>(0)</a:t>
-                </a:r>
-                <a:r>
-                  <a:rPr kumimoji="1" lang="ja-JP" altLang="en-US"/>
-                  <a:t>の暗号文を集計サーバに送る</a:t>
-                </a:r>
+                  <a:t>とする</a:t>
+                </a:r>
+                <a14:m>
+                  <m:oMath xmlns:m="http://schemas.openxmlformats.org/officeDocument/2006/math">
+                    <m:r>
+                      <a:rPr kumimoji="1" lang="en-US" altLang="ja-JP" b="0" i="1" smtClean="0">
+                        <a:latin typeface="Cambria Math" panose="02040503050406030204" pitchFamily="18" charset="0"/>
+                      </a:rPr>
+                      <m:t>(</m:t>
+                    </m:r>
+                    <m:r>
+                      <a:rPr kumimoji="1" lang="en-US" altLang="ja-JP" b="0" i="1" smtClean="0">
+                        <a:latin typeface="Cambria Math" panose="02040503050406030204" pitchFamily="18" charset="0"/>
+                      </a:rPr>
+                      <m:t>𝑝𝑃</m:t>
+                    </m:r>
+                    <m:r>
+                      <a:rPr kumimoji="1" lang="en-US" altLang="ja-JP" b="0" i="1" smtClean="0">
+                        <a:latin typeface="Cambria Math" panose="02040503050406030204" pitchFamily="18" charset="0"/>
+                      </a:rPr>
+                      <m:t>=0)</m:t>
+                    </m:r>
+                  </m:oMath>
+                </a14:m>
                 <a:endParaRPr kumimoji="1" lang="en-US" altLang="ja-JP"/>
               </a:p>
               <a:p>
                 <a:pPr lvl="1"/>
-                <a:r>
-                  <a:rPr kumimoji="1" lang="ja-JP" altLang="en-US"/>
-                  <a:t>集計してから復号</a:t>
-                </a:r>
                 <a:endParaRPr kumimoji="1" lang="en-US" altLang="ja-JP"/>
               </a:p>
               <a:p>
                 <a:pPr lvl="1"/>
-                <a:r>
-                  <a:rPr lang="ja-JP" altLang="en-US"/>
-                  <a:t>攻撃者が</a:t>
-                </a:r>
-                <a14:m>
-                  <m:oMath xmlns:m="http://schemas.openxmlformats.org/officeDocument/2006/math">
-                    <m:r>
-                      <a:rPr lang="en-US" altLang="ja-JP" b="0" i="1" smtClean="0">
-                        <a:latin typeface="Cambria Math" panose="02040503050406030204" pitchFamily="18" charset="0"/>
-                      </a:rPr>
-                      <m:t>𝐸𝑛𝑐</m:t>
-                    </m:r>
-                    <m:r>
-                      <a:rPr lang="en-US" altLang="ja-JP" b="0" i="1" smtClean="0">
-                        <a:latin typeface="Cambria Math" panose="02040503050406030204" pitchFamily="18" charset="0"/>
-                      </a:rPr>
-                      <m:t>(10)</m:t>
-                    </m:r>
-                  </m:oMath>
-                </a14:m>
-                <a:r>
-                  <a:rPr lang="ja-JP" altLang="en-US"/>
-                  <a:t>を</a:t>
-                </a:r>
-                <a:br>
-                  <a:rPr lang="en-US" altLang="ja-JP"/>
-                </a:br>
-                <a:r>
-                  <a:rPr lang="ja-JP" altLang="en-US"/>
-                  <a:t>送ったら</a:t>
-                </a:r>
-                <a:r>
-                  <a:rPr lang="en-US" altLang="ja-JP"/>
-                  <a:t>?</a:t>
-                </a:r>
-              </a:p>
-              <a:p>
-                <a:pPr lvl="1"/>
-                <a:endParaRPr lang="en-US" altLang="ja-JP"/>
-              </a:p>
-              <a:p>
-                <a:pPr lvl="1"/>
-                <a:endParaRPr lang="en-US" altLang="ja-JP"/>
-              </a:p>
-              <a:p>
-                <a:pPr lvl="1"/>
-                <a:endParaRPr lang="en-US" altLang="ja-JP"/>
-              </a:p>
-              <a:p>
-                <a:pPr lvl="1"/>
-                <a:endParaRPr lang="en-US" altLang="ja-JP"/>
-              </a:p>
-              <a:p>
-                <a:pPr lvl="1"/>
-                <a:r>
-                  <a:rPr lang="ja-JP" altLang="en-US"/>
-                  <a:t>暗号文</a:t>
-                </a:r>
-                <a14:m>
-                  <m:oMath xmlns:m="http://schemas.openxmlformats.org/officeDocument/2006/math">
-                    <m:r>
-                      <a:rPr lang="en-US" altLang="ja-JP" b="0" i="1" smtClean="0">
-                        <a:latin typeface="Cambria Math" panose="02040503050406030204" pitchFamily="18" charset="0"/>
-                      </a:rPr>
-                      <m:t>𝑐</m:t>
-                    </m:r>
-                  </m:oMath>
-                </a14:m>
-                <a:r>
-                  <a:rPr lang="ja-JP" altLang="en-US"/>
-                  <a:t>が</a:t>
-                </a:r>
-                <a14:m>
-                  <m:oMath xmlns:m="http://schemas.openxmlformats.org/officeDocument/2006/math">
-                    <m:r>
-                      <a:rPr lang="en-US" altLang="ja-JP" b="0" i="1" smtClean="0">
-                        <a:latin typeface="Cambria Math" panose="02040503050406030204" pitchFamily="18" charset="0"/>
-                      </a:rPr>
-                      <m:t>𝐷𝑒𝑐</m:t>
-                    </m:r>
-                    <m:d>
-                      <m:dPr>
-                        <m:ctrlPr>
-                          <a:rPr lang="en-US" altLang="ja-JP" b="0" i="1" smtClean="0">
-                            <a:latin typeface="Cambria Math" panose="02040503050406030204" pitchFamily="18" charset="0"/>
-                          </a:rPr>
-                        </m:ctrlPr>
-                      </m:dPr>
-                      <m:e>
-                        <m:r>
-                          <a:rPr lang="en-US" altLang="ja-JP" b="0" i="1" smtClean="0">
-                            <a:latin typeface="Cambria Math" panose="02040503050406030204" pitchFamily="18" charset="0"/>
-                          </a:rPr>
-                          <m:t>𝑐</m:t>
-                        </m:r>
-                      </m:e>
-                    </m:d>
-                    <m:r>
-                      <a:rPr lang="en-US" altLang="ja-JP" b="0" i="1" smtClean="0">
-                        <a:latin typeface="Cambria Math" panose="02040503050406030204" pitchFamily="18" charset="0"/>
-                      </a:rPr>
-                      <m:t>∈{0,1}</m:t>
-                    </m:r>
-                  </m:oMath>
-                </a14:m>
-                <a:r>
-                  <a:rPr lang="ja-JP" altLang="en-US"/>
-                  <a:t>であることは知りたい</a:t>
-                </a:r>
-                <a:endParaRPr lang="en-US" altLang="ja-JP"/>
-              </a:p>
-              <a:p>
-                <a:pPr lvl="1"/>
-                <a:r>
-                  <a:rPr lang="ja-JP" altLang="en-US"/>
-                  <a:t>でも、どちらかは知りたくない</a:t>
-                </a:r>
-                <a:r>
-                  <a:rPr lang="en-US" altLang="ja-JP"/>
-                  <a:t>/</a:t>
-                </a:r>
-                <a:r>
-                  <a:rPr lang="ja-JP" altLang="en-US"/>
-                  <a:t>知られないようにしたい</a:t>
-                </a:r>
                 <a:endParaRPr lang="en-US" altLang="ja-JP"/>
               </a:p>
               <a:p>
@@ -2595,52 +2641,61 @@
               </a:p>
               <a:p>
                 <a:pPr lvl="1"/>
+                <a:endParaRPr lang="en-US" altLang="ja-JP"/>
+              </a:p>
+              <a:p>
+                <a:pPr lvl="1"/>
+                <a:r>
+                  <a:rPr kumimoji="1" lang="ja-JP" altLang="en-US"/>
+                  <a:t>トーラス上を巻きつきながら進み</a:t>
+                </a:r>
+                <a14:m>
+                  <m:oMath xmlns:m="http://schemas.openxmlformats.org/officeDocument/2006/math">
+                    <m:r>
+                      <a:rPr kumimoji="1" lang="en-US" altLang="ja-JP" b="0" i="1" smtClean="0">
+                        <a:latin typeface="Cambria Math" panose="02040503050406030204" pitchFamily="18" charset="0"/>
+                      </a:rPr>
+                      <m:t>𝑝</m:t>
+                    </m:r>
+                  </m:oMath>
+                </a14:m>
+                <a:r>
+                  <a:rPr kumimoji="1" lang="ja-JP" altLang="en-US"/>
+                  <a:t>倍すると</a:t>
+                </a:r>
+                <a14:m>
+                  <m:oMath xmlns:m="http://schemas.openxmlformats.org/officeDocument/2006/math">
+                    <m:r>
+                      <a:rPr kumimoji="1" lang="en-US" altLang="ja-JP" b="0" i="1" smtClean="0">
+                        <a:latin typeface="Cambria Math" panose="02040503050406030204" pitchFamily="18" charset="0"/>
+                      </a:rPr>
+                      <m:t>𝑂</m:t>
+                    </m:r>
+                  </m:oMath>
+                </a14:m>
+                <a:r>
+                  <a:rPr kumimoji="1" lang="ja-JP" altLang="en-US"/>
+                  <a:t>に戻る</a:t>
+                </a:r>
                 <a:endParaRPr kumimoji="1" lang="en-US" altLang="ja-JP"/>
               </a:p>
               <a:p>
-                <a:pPr lvl="2"/>
-                <a:endParaRPr lang="en-US" altLang="ja-JP"/>
-              </a:p>
-              <a:p>
-                <a:pPr lvl="2"/>
+                <a:r>
+                  <a:rPr kumimoji="1" lang="ja-JP" altLang="en-US"/>
+                  <a:t>計算が容易なもの</a:t>
+                </a:r>
                 <a:endParaRPr kumimoji="1" lang="en-US" altLang="ja-JP"/>
-              </a:p>
-              <a:p>
-                <a:pPr lvl="2"/>
-                <a:endParaRPr lang="en-US" altLang="ja-JP"/>
-              </a:p>
-              <a:p>
-                <a:pPr lvl="2"/>
-                <a:endParaRPr kumimoji="1" lang="en-US" altLang="ja-JP"/>
-              </a:p>
-              <a:p>
-                <a:pPr lvl="2"/>
-                <a:endParaRPr lang="en-US" altLang="ja-JP"/>
-              </a:p>
-              <a:p>
-                <a:pPr lvl="2"/>
-                <a:endParaRPr kumimoji="1" lang="en-US" altLang="ja-JP"/>
-              </a:p>
-              <a:p>
-                <a:pPr lvl="2"/>
-                <a:endParaRPr kumimoji="1" lang="en-US" altLang="ja-JP"/>
-              </a:p>
-              <a:p>
-                <a:pPr marL="218250" lvl="1" indent="0">
-                  <a:buNone/>
-                </a:pPr>
-                <a:endParaRPr kumimoji="1" lang="ja-JP" altLang="en-US"/>
               </a:p>
             </p:txBody>
           </p:sp>
         </mc:Choice>
-        <mc:Fallback xmlns="">
+        <mc:Fallback>
           <p:sp>
             <p:nvSpPr>
               <p:cNvPr id="2" name="コンテンツ プレースホルダー 1">
                 <a:extLst>
                   <a:ext uri="{FF2B5EF4-FFF2-40B4-BE49-F238E27FC236}">
-                    <a16:creationId xmlns:a16="http://schemas.microsoft.com/office/drawing/2014/main" id="{ACA52B67-3F21-482C-8D69-7AA975430C6B}"/>
+                    <a16:creationId xmlns:a16="http://schemas.microsoft.com/office/drawing/2014/main" id="{9E90BE13-76E7-485F-8A13-5C34D647D79B}"/>
                   </a:ext>
                 </a:extLst>
               </p:cNvPr>
@@ -2653,7 +2708,7 @@
             </p:nvSpPr>
             <p:spPr>
               <a:blipFill>
-                <a:blip r:embed="rId2"/>
+                <a:blip r:embed="rId3"/>
                 <a:stretch>
                   <a:fillRect l="-1200" t="-1038"/>
                 </a:stretch>
@@ -2676,74 +2731,10 @@
       </mc:AlternateContent>
       <p:sp>
         <p:nvSpPr>
-          <p:cNvPr id="4" name="タイトル 3">
+          <p:cNvPr id="3" name="スライド番号プレースホルダー 2">
             <a:extLst>
               <a:ext uri="{FF2B5EF4-FFF2-40B4-BE49-F238E27FC236}">
-                <a16:creationId xmlns:a16="http://schemas.microsoft.com/office/drawing/2014/main" id="{3E68C144-B468-45FA-A93B-FF6D1BBDE1CF}"/>
-              </a:ext>
-            </a:extLst>
-          </p:cNvPr>
-          <p:cNvSpPr>
-            <a:spLocks noGrp="1"/>
-          </p:cNvSpPr>
-          <p:nvPr>
-            <p:ph type="title"/>
-          </p:nvPr>
-        </p:nvSpPr>
-        <p:spPr/>
-        <p:txBody>
-          <a:bodyPr/>
-          <a:lstStyle/>
-          <a:p>
-            <a:r>
-              <a:rPr kumimoji="1" lang="ja-JP" altLang="en-US"/>
-              <a:t>ゼロ知識証明</a:t>
-            </a:r>
-          </a:p>
-        </p:txBody>
-      </p:sp>
-      <p:pic>
-        <p:nvPicPr>
-          <p:cNvPr id="6" name="図 5">
-            <a:extLst>
-              <a:ext uri="{FF2B5EF4-FFF2-40B4-BE49-F238E27FC236}">
-                <a16:creationId xmlns:a16="http://schemas.microsoft.com/office/drawing/2014/main" id="{FEC2D228-1AFD-4660-8DC8-57C7B26BB948}"/>
-              </a:ext>
-            </a:extLst>
-          </p:cNvPr>
-          <p:cNvPicPr>
-            <a:picLocks noChangeAspect="1"/>
-          </p:cNvPicPr>
-          <p:nvPr/>
-        </p:nvPicPr>
-        <p:blipFill>
-          <a:blip r:embed="rId3">
-            <a:extLst>
-              <a:ext uri="{28A0092B-C50C-407E-A947-70E740481C1C}">
-                <a14:useLocalDpi xmlns:a14="http://schemas.microsoft.com/office/drawing/2010/main" val="0"/>
-              </a:ext>
-            </a:extLst>
-          </a:blip>
-          <a:stretch>
-            <a:fillRect/>
-          </a:stretch>
-        </p:blipFill>
-        <p:spPr>
-          <a:xfrm>
-            <a:off x="3203847" y="1844824"/>
-            <a:ext cx="5661563" cy="2880320"/>
-          </a:xfrm>
-          <a:prstGeom prst="rect">
-            <a:avLst/>
-          </a:prstGeom>
-        </p:spPr>
-      </p:pic>
-      <p:sp>
-        <p:nvSpPr>
-          <p:cNvPr id="5" name="スライド番号プレースホルダー 4">
-            <a:extLst>
-              <a:ext uri="{FF2B5EF4-FFF2-40B4-BE49-F238E27FC236}">
-                <a16:creationId xmlns:a16="http://schemas.microsoft.com/office/drawing/2014/main" id="{D4CF5C08-8FAF-4067-8CE2-7E13D0A2F6BE}"/>
+                <a16:creationId xmlns:a16="http://schemas.microsoft.com/office/drawing/2014/main" id="{F0416A37-61B2-4546-9FE3-9FABD6E1DD2E}"/>
               </a:ext>
             </a:extLst>
           </p:cNvPr>
@@ -2780,350 +2771,12 @@
           </a:p>
         </p:txBody>
       </p:sp>
-    </p:spTree>
-    <p:extLst>
-      <p:ext uri="{BB962C8B-B14F-4D97-AF65-F5344CB8AC3E}">
-        <p14:creationId xmlns:p14="http://schemas.microsoft.com/office/powerpoint/2010/main" val="3699425750"/>
-      </p:ext>
-    </p:extLst>
-  </p:cSld>
-  <p:clrMapOvr>
-    <a:masterClrMapping/>
-  </p:clrMapOvr>
-</p:sld>
-</file>
-
-<file path=ppt/slides/slide3.xml><?xml version="1.0" encoding="utf-8"?>
-<p:sld xmlns:a="http://schemas.openxmlformats.org/drawingml/2006/main" xmlns:r="http://schemas.openxmlformats.org/officeDocument/2006/relationships" xmlns:p="http://schemas.openxmlformats.org/presentationml/2006/main">
-  <p:cSld>
-    <p:spTree>
-      <p:nvGrpSpPr>
-        <p:cNvPr id="1" name=""/>
-        <p:cNvGrpSpPr/>
-        <p:nvPr/>
-      </p:nvGrpSpPr>
-      <p:grpSpPr>
-        <a:xfrm>
-          <a:off x="0" y="0"/>
-          <a:ext cx="0" cy="0"/>
-          <a:chOff x="0" y="0"/>
-          <a:chExt cx="0" cy="0"/>
-        </a:xfrm>
-      </p:grpSpPr>
-      <mc:AlternateContent xmlns:mc="http://schemas.openxmlformats.org/markup-compatibility/2006" xmlns:a14="http://schemas.microsoft.com/office/drawing/2010/main">
-        <mc:Choice Requires="a14">
-          <p:sp>
-            <p:nvSpPr>
-              <p:cNvPr id="2" name="コンテンツ プレースホルダー 1">
-                <a:extLst>
-                  <a:ext uri="{FF2B5EF4-FFF2-40B4-BE49-F238E27FC236}">
-                    <a16:creationId xmlns:a16="http://schemas.microsoft.com/office/drawing/2014/main" id="{73830C11-8931-4324-A829-A7A3C37E2AC8}"/>
-                  </a:ext>
-                </a:extLst>
-              </p:cNvPr>
-              <p:cNvSpPr>
-                <a:spLocks noGrp="1"/>
-              </p:cNvSpPr>
-              <p:nvPr>
-                <p:ph idx="1"/>
-              </p:nvPr>
-            </p:nvSpPr>
-            <p:spPr/>
-            <p:txBody>
-              <a:bodyPr/>
-              <a:lstStyle/>
-              <a:p>
-                <a:r>
-                  <a:rPr kumimoji="1" lang="ja-JP" altLang="en-US"/>
-                  <a:t>証明</a:t>
-                </a:r>
-                <a:endParaRPr kumimoji="1" lang="en-US" altLang="ja-JP"/>
-              </a:p>
-              <a:p>
-                <a:pPr lvl="1"/>
-                <a:r>
-                  <a:rPr lang="ja-JP" altLang="en-US"/>
-                  <a:t>ある命題が成り立つことを相手に納得してもらう手続き</a:t>
-                </a:r>
-                <a:endParaRPr lang="en-US" altLang="ja-JP"/>
-              </a:p>
-              <a:p>
-                <a:r>
-                  <a:rPr kumimoji="1" lang="en-US" altLang="ja-JP"/>
-                  <a:t>ZKP</a:t>
-                </a:r>
-              </a:p>
-              <a:p>
-                <a:pPr lvl="1"/>
-                <a:r>
-                  <a:rPr kumimoji="1" lang="ja-JP" altLang="en-US"/>
-                  <a:t>ある命題が成り立つことや、あることを知っていることを</a:t>
-                </a:r>
-                <a:br>
-                  <a:rPr kumimoji="1" lang="en-US" altLang="ja-JP"/>
-                </a:br>
-                <a:r>
-                  <a:rPr kumimoji="1" lang="ja-JP" altLang="en-US"/>
-                  <a:t>その情報を相手に伝えずに納得してもらう手法</a:t>
-                </a:r>
-                <a:endParaRPr kumimoji="1" lang="en-US" altLang="ja-JP"/>
-              </a:p>
-              <a:p>
-                <a:r>
-                  <a:rPr kumimoji="1" lang="ja-JP" altLang="en-US"/>
-                  <a:t>納得してもらいたい例</a:t>
-                </a:r>
-                <a:endParaRPr kumimoji="1" lang="en-US" altLang="ja-JP"/>
-              </a:p>
-              <a:p>
-                <a:pPr lvl="1"/>
-                <a14:m>
-                  <m:oMath xmlns:m="http://schemas.openxmlformats.org/officeDocument/2006/math">
-                    <m:r>
-                      <a:rPr kumimoji="1" lang="en-US" altLang="ja-JP" b="0" i="1" smtClean="0">
-                        <a:latin typeface="Cambria Math" panose="02040503050406030204" pitchFamily="18" charset="0"/>
-                      </a:rPr>
-                      <m:t>𝑛</m:t>
-                    </m:r>
-                    <m:r>
-                      <a:rPr kumimoji="1" lang="en-US" altLang="ja-JP" b="0" i="1" smtClean="0">
-                        <a:latin typeface="Cambria Math" panose="02040503050406030204" pitchFamily="18" charset="0"/>
-                      </a:rPr>
-                      <m:t>=</m:t>
-                    </m:r>
-                    <m:r>
-                      <a:rPr kumimoji="1" lang="en-US" altLang="ja-JP" b="0" i="1" smtClean="0">
-                        <a:latin typeface="Cambria Math" panose="02040503050406030204" pitchFamily="18" charset="0"/>
-                      </a:rPr>
-                      <m:t>𝑝𝑞</m:t>
-                    </m:r>
-                  </m:oMath>
-                </a14:m>
-                <a:r>
-                  <a:rPr kumimoji="1" lang="en-US" altLang="ja-JP"/>
-                  <a:t> (</a:t>
-                </a:r>
-                <a14:m>
-                  <m:oMath xmlns:m="http://schemas.openxmlformats.org/officeDocument/2006/math">
-                    <m:r>
-                      <a:rPr kumimoji="1" lang="en-US" altLang="ja-JP" b="0" i="1" smtClean="0">
-                        <a:latin typeface="Cambria Math" panose="02040503050406030204" pitchFamily="18" charset="0"/>
-                      </a:rPr>
-                      <m:t>𝑝</m:t>
-                    </m:r>
-                    <m:r>
-                      <a:rPr kumimoji="1" lang="en-US" altLang="ja-JP" b="0" i="1" smtClean="0">
-                        <a:latin typeface="Cambria Math" panose="02040503050406030204" pitchFamily="18" charset="0"/>
-                      </a:rPr>
-                      <m:t>,</m:t>
-                    </m:r>
-                    <m:r>
-                      <a:rPr kumimoji="1" lang="en-US" altLang="ja-JP" b="0" i="1" smtClean="0">
-                        <a:latin typeface="Cambria Math" panose="02040503050406030204" pitchFamily="18" charset="0"/>
-                      </a:rPr>
-                      <m:t>𝑞</m:t>
-                    </m:r>
-                  </m:oMath>
-                </a14:m>
-                <a:r>
-                  <a:rPr kumimoji="1" lang="ja-JP" altLang="en-US"/>
-                  <a:t>は素数</a:t>
-                </a:r>
-                <a:r>
-                  <a:rPr kumimoji="1" lang="en-US" altLang="ja-JP"/>
-                  <a:t>)</a:t>
-                </a:r>
-                <a:r>
-                  <a:rPr kumimoji="1" lang="ja-JP" altLang="en-US"/>
-                  <a:t>の</a:t>
-                </a:r>
-                <a14:m>
-                  <m:oMath xmlns:m="http://schemas.openxmlformats.org/officeDocument/2006/math">
-                    <m:r>
-                      <a:rPr kumimoji="1" lang="en-US" altLang="ja-JP" b="0" i="1" smtClean="0">
-                        <a:latin typeface="Cambria Math" panose="02040503050406030204" pitchFamily="18" charset="0"/>
-                      </a:rPr>
-                      <m:t>𝑝</m:t>
-                    </m:r>
-                  </m:oMath>
-                </a14:m>
-                <a:r>
-                  <a:rPr kumimoji="1" lang="ja-JP" altLang="en-US"/>
-                  <a:t>や</a:t>
-                </a:r>
-                <a14:m>
-                  <m:oMath xmlns:m="http://schemas.openxmlformats.org/officeDocument/2006/math">
-                    <m:r>
-                      <a:rPr kumimoji="1" lang="en-US" altLang="ja-JP" b="0" i="1" smtClean="0">
-                        <a:latin typeface="Cambria Math" panose="02040503050406030204" pitchFamily="18" charset="0"/>
-                      </a:rPr>
-                      <m:t>𝑞</m:t>
-                    </m:r>
-                  </m:oMath>
-                </a14:m>
-                <a:r>
-                  <a:rPr kumimoji="1" lang="ja-JP" altLang="en-US"/>
-                  <a:t>を教えずにそれを知っていること</a:t>
-                </a:r>
-                <a:endParaRPr kumimoji="1" lang="en-US" altLang="ja-JP"/>
-              </a:p>
-              <a:p>
-                <a:pPr lvl="1"/>
-                <a14:m>
-                  <m:oMath xmlns:m="http://schemas.openxmlformats.org/officeDocument/2006/math">
-                    <m:r>
-                      <a:rPr kumimoji="1" lang="en-US" altLang="ja-JP" b="0" i="1" smtClean="0">
-                        <a:latin typeface="Cambria Math" panose="02040503050406030204" pitchFamily="18" charset="0"/>
-                      </a:rPr>
-                      <m:t>𝑄</m:t>
-                    </m:r>
-                    <m:r>
-                      <a:rPr kumimoji="1" lang="en-US" altLang="ja-JP" b="0" i="1" smtClean="0">
-                        <a:latin typeface="Cambria Math" panose="02040503050406030204" pitchFamily="18" charset="0"/>
-                      </a:rPr>
-                      <m:t>=</m:t>
-                    </m:r>
-                    <m:r>
-                      <a:rPr kumimoji="1" lang="en-US" altLang="ja-JP" b="0" i="1" smtClean="0">
-                        <a:latin typeface="Cambria Math" panose="02040503050406030204" pitchFamily="18" charset="0"/>
-                      </a:rPr>
-                      <m:t>𝑠𝑃</m:t>
-                    </m:r>
-                  </m:oMath>
-                </a14:m>
-                <a:r>
-                  <a:rPr kumimoji="1" lang="ja-JP" altLang="en-US"/>
-                  <a:t>の</a:t>
-                </a:r>
-                <a14:m>
-                  <m:oMath xmlns:m="http://schemas.openxmlformats.org/officeDocument/2006/math">
-                    <m:r>
-                      <a:rPr kumimoji="1" lang="en-US" altLang="ja-JP" b="0" i="1" smtClean="0">
-                        <a:latin typeface="Cambria Math" panose="02040503050406030204" pitchFamily="18" charset="0"/>
-                      </a:rPr>
-                      <m:t>𝑠</m:t>
-                    </m:r>
-                  </m:oMath>
-                </a14:m>
-                <a:r>
-                  <a:rPr kumimoji="1" lang="ja-JP" altLang="en-US"/>
-                  <a:t>を教えずにそれを知っていること</a:t>
-                </a:r>
-                <a:endParaRPr kumimoji="1" lang="en-US" altLang="ja-JP"/>
-              </a:p>
-              <a:p>
-                <a:pPr lvl="1"/>
-                <a:r>
-                  <a:rPr kumimoji="1" lang="ja-JP" altLang="en-US"/>
-                  <a:t>暗号文</a:t>
-                </a:r>
-                <a14:m>
-                  <m:oMath xmlns:m="http://schemas.openxmlformats.org/officeDocument/2006/math">
-                    <m:r>
-                      <a:rPr kumimoji="1" lang="en-US" altLang="ja-JP" b="0" i="1" smtClean="0">
-                        <a:latin typeface="Cambria Math" panose="02040503050406030204" pitchFamily="18" charset="0"/>
-                      </a:rPr>
-                      <m:t>𝑐</m:t>
-                    </m:r>
-                  </m:oMath>
-                </a14:m>
-                <a:r>
-                  <a:rPr kumimoji="1" lang="ja-JP" altLang="en-US"/>
-                  <a:t>が</a:t>
-                </a:r>
-                <a:r>
-                  <a:rPr kumimoji="1" lang="en-US" altLang="ja-JP"/>
-                  <a:t>0</a:t>
-                </a:r>
-                <a:r>
-                  <a:rPr kumimoji="1" lang="ja-JP" altLang="en-US"/>
-                  <a:t>か</a:t>
-                </a:r>
-                <a:r>
-                  <a:rPr kumimoji="1" lang="en-US" altLang="ja-JP"/>
-                  <a:t>1</a:t>
-                </a:r>
-                <a:r>
-                  <a:rPr kumimoji="1" lang="ja-JP" altLang="en-US"/>
-                  <a:t>のどちらかの暗号文であること</a:t>
-                </a:r>
-                <a:endParaRPr kumimoji="1" lang="en-US" altLang="ja-JP"/>
-              </a:p>
-              <a:p>
-                <a:endParaRPr lang="en-US" altLang="ja-JP"/>
-              </a:p>
-              <a:p>
-                <a:r>
-                  <a:rPr kumimoji="1" lang="ja-JP" altLang="en-US"/>
-                  <a:t>何かの知識</a:t>
-                </a:r>
-                <a:r>
-                  <a:rPr kumimoji="1" lang="en-US" altLang="ja-JP"/>
-                  <a:t>w (witness)</a:t>
-                </a:r>
-                <a:r>
-                  <a:rPr kumimoji="1" lang="ja-JP" altLang="en-US"/>
-                  <a:t>を知っていることを納得させる</a:t>
-                </a:r>
-                <a:endParaRPr kumimoji="1" lang="en-US" altLang="ja-JP"/>
-              </a:p>
-              <a:p>
-                <a:pPr lvl="1"/>
-                <a:r>
-                  <a:rPr kumimoji="1" lang="ja-JP" altLang="en-US"/>
-                  <a:t>知識の証明</a:t>
-                </a:r>
-                <a:endParaRPr kumimoji="1" lang="en-US" altLang="ja-JP"/>
-              </a:p>
-            </p:txBody>
-          </p:sp>
-        </mc:Choice>
-        <mc:Fallback xmlns="">
-          <p:sp>
-            <p:nvSpPr>
-              <p:cNvPr id="2" name="コンテンツ プレースホルダー 1">
-                <a:extLst>
-                  <a:ext uri="{FF2B5EF4-FFF2-40B4-BE49-F238E27FC236}">
-                    <a16:creationId xmlns:a16="http://schemas.microsoft.com/office/drawing/2014/main" id="{73830C11-8931-4324-A829-A7A3C37E2AC8}"/>
-                  </a:ext>
-                </a:extLst>
-              </p:cNvPr>
-              <p:cNvSpPr>
-                <a:spLocks noGrp="1" noRot="1" noChangeAspect="1" noMove="1" noResize="1" noEditPoints="1" noAdjustHandles="1" noChangeArrowheads="1" noChangeShapeType="1" noTextEdit="1"/>
-              </p:cNvSpPr>
-              <p:nvPr>
-                <p:ph idx="1"/>
-              </p:nvPr>
-            </p:nvSpPr>
-            <p:spPr>
-              <a:blipFill>
-                <a:blip r:embed="rId2"/>
-                <a:stretch>
-                  <a:fillRect l="-1200" t="-1038" b="-3115"/>
-                </a:stretch>
-              </a:blipFill>
-            </p:spPr>
-            <p:txBody>
-              <a:bodyPr/>
-              <a:lstStyle/>
-              <a:p>
-                <a:r>
-                  <a:rPr lang="ja-JP" altLang="en-US">
-                    <a:noFill/>
-                  </a:rPr>
-                  <a:t> </a:t>
-                </a:r>
-              </a:p>
-            </p:txBody>
-          </p:sp>
-        </mc:Fallback>
-      </mc:AlternateContent>
       <p:sp>
         <p:nvSpPr>
           <p:cNvPr id="4" name="タイトル 3">
             <a:extLst>
               <a:ext uri="{FF2B5EF4-FFF2-40B4-BE49-F238E27FC236}">
-                <a16:creationId xmlns:a16="http://schemas.microsoft.com/office/drawing/2014/main" id="{247972B4-2338-451D-AAC0-44EC62FF16B6}"/>
+                <a16:creationId xmlns:a16="http://schemas.microsoft.com/office/drawing/2014/main" id="{73265BB0-C954-4216-B28C-05EF2E201F83}"/>
               </a:ext>
             </a:extLst>
           </p:cNvPr>
@@ -3140,59 +2793,1119 @@
           <a:lstStyle/>
           <a:p>
             <a:r>
-              <a:rPr kumimoji="1" lang="en-US" altLang="ja-JP"/>
-              <a:t>ZKP(Zero Knowledge Proof)</a:t>
-            </a:r>
-            <a:endParaRPr kumimoji="1" lang="ja-JP" altLang="en-US"/>
-          </a:p>
-        </p:txBody>
-      </p:sp>
-      <p:sp>
-        <p:nvSpPr>
-          <p:cNvPr id="5" name="スライド番号プレースホルダー 4">
-            <a:extLst>
-              <a:ext uri="{FF2B5EF4-FFF2-40B4-BE49-F238E27FC236}">
-                <a16:creationId xmlns:a16="http://schemas.microsoft.com/office/drawing/2014/main" id="{0C317CC9-7BF6-4E2C-A1AC-903673D43406}"/>
-              </a:ext>
-            </a:extLst>
-          </p:cNvPr>
-          <p:cNvSpPr>
-            <a:spLocks noGrp="1"/>
-          </p:cNvSpPr>
-          <p:nvPr>
-            <p:ph type="sldNum" sz="quarter" idx="12"/>
-          </p:nvPr>
-        </p:nvSpPr>
-        <p:spPr/>
-        <p:txBody>
-          <a:bodyPr/>
-          <a:lstStyle/>
-          <a:p>
-            <a:pPr>
-              <a:defRPr/>
-            </a:pPr>
-            <a:r>
-              <a:rPr lang="en-US" altLang="ja-JP"/>
-              <a:t>    </a:t>
-            </a:r>
-            <a:fld id="{B2782DEB-472A-4FE5-AC34-C17109CF5A91}" type="slidenum">
-              <a:rPr lang="en-US" altLang="ja-JP" smtClean="0"/>
-              <a:pPr>
-                <a:defRPr/>
-              </a:pPr>
-              <a:t>3</a:t>
-            </a:fld>
-            <a:r>
-              <a:rPr lang="en-US" altLang="ja-JP"/>
-              <a:t> / 25</a:t>
+              <a:rPr kumimoji="1" lang="ja-JP" altLang="en-US"/>
+              <a:t>楕円曲線の性質の復習</a:t>
             </a:r>
           </a:p>
         </p:txBody>
       </p:sp>
+      <p:grpSp>
+        <p:nvGrpSpPr>
+          <p:cNvPr id="30" name="グループ化 29">
+            <a:extLst>
+              <a:ext uri="{FF2B5EF4-FFF2-40B4-BE49-F238E27FC236}">
+                <a16:creationId xmlns:a16="http://schemas.microsoft.com/office/drawing/2014/main" id="{EC620543-15D0-4E72-99E7-844FD3082B01}"/>
+              </a:ext>
+            </a:extLst>
+          </p:cNvPr>
+          <p:cNvGrpSpPr/>
+          <p:nvPr/>
+        </p:nvGrpSpPr>
+        <p:grpSpPr>
+          <a:xfrm>
+            <a:off x="251520" y="4968751"/>
+            <a:ext cx="3816424" cy="908521"/>
+            <a:chOff x="107504" y="4829342"/>
+            <a:chExt cx="3816424" cy="908521"/>
+          </a:xfrm>
+        </p:grpSpPr>
+        <p:sp>
+          <p:nvSpPr>
+            <p:cNvPr id="9" name="四角形: 角を丸くする 8">
+              <a:extLst>
+                <a:ext uri="{FF2B5EF4-FFF2-40B4-BE49-F238E27FC236}">
+                  <a16:creationId xmlns:a16="http://schemas.microsoft.com/office/drawing/2014/main" id="{9475689F-E67C-431F-A7B9-8071A426EB74}"/>
+                </a:ext>
+              </a:extLst>
+            </p:cNvPr>
+            <p:cNvSpPr/>
+            <p:nvPr/>
+          </p:nvSpPr>
+          <p:spPr>
+            <a:xfrm>
+              <a:off x="1043608" y="4967560"/>
+              <a:ext cx="1872208" cy="693688"/>
+            </a:xfrm>
+            <a:prstGeom prst="roundRect">
+              <a:avLst/>
+            </a:prstGeom>
+            <a:ln>
+              <a:solidFill>
+                <a:schemeClr val="tx1"/>
+              </a:solidFill>
+            </a:ln>
+          </p:spPr>
+          <p:style>
+            <a:lnRef idx="1">
+              <a:schemeClr val="accent1"/>
+            </a:lnRef>
+            <a:fillRef idx="0">
+              <a:schemeClr val="accent1"/>
+            </a:fillRef>
+            <a:effectRef idx="0">
+              <a:schemeClr val="accent1"/>
+            </a:effectRef>
+            <a:fontRef idx="minor">
+              <a:schemeClr val="tx1"/>
+            </a:fontRef>
+          </p:style>
+          <p:txBody>
+            <a:bodyPr rtlCol="0" anchor="ctr"/>
+            <a:lstStyle/>
+            <a:p>
+              <a:pPr algn="ctr"/>
+              <a:r>
+                <a:rPr kumimoji="1" lang="ja-JP" altLang="en-US" sz="2400"/>
+                <a:t>スカラー倍</a:t>
+              </a:r>
+            </a:p>
+          </p:txBody>
+        </p:sp>
+        <p:cxnSp>
+          <p:nvCxnSpPr>
+            <p:cNvPr id="13" name="直線矢印コネクタ 12">
+              <a:extLst>
+                <a:ext uri="{FF2B5EF4-FFF2-40B4-BE49-F238E27FC236}">
+                  <a16:creationId xmlns:a16="http://schemas.microsoft.com/office/drawing/2014/main" id="{C5F74096-0FD6-418D-9CAA-E4E1092A16A6}"/>
+                </a:ext>
+              </a:extLst>
+            </p:cNvPr>
+            <p:cNvCxnSpPr>
+              <a:cxnSpLocks/>
+            </p:cNvCxnSpPr>
+            <p:nvPr/>
+          </p:nvCxnSpPr>
+          <p:spPr>
+            <a:xfrm>
+              <a:off x="683568" y="5085184"/>
+              <a:ext cx="360040" cy="0"/>
+            </a:xfrm>
+            <a:prstGeom prst="straightConnector1">
+              <a:avLst/>
+            </a:prstGeom>
+            <a:ln w="12700">
+              <a:solidFill>
+                <a:schemeClr val="tx1"/>
+              </a:solidFill>
+              <a:tailEnd type="triangle"/>
+            </a:ln>
+          </p:spPr>
+          <p:style>
+            <a:lnRef idx="1">
+              <a:schemeClr val="accent1"/>
+            </a:lnRef>
+            <a:fillRef idx="0">
+              <a:schemeClr val="accent1"/>
+            </a:fillRef>
+            <a:effectRef idx="0">
+              <a:schemeClr val="accent1"/>
+            </a:effectRef>
+            <a:fontRef idx="minor">
+              <a:schemeClr val="tx1"/>
+            </a:fontRef>
+          </p:style>
+        </p:cxnSp>
+        <p:cxnSp>
+          <p:nvCxnSpPr>
+            <p:cNvPr id="16" name="直線矢印コネクタ 15">
+              <a:extLst>
+                <a:ext uri="{FF2B5EF4-FFF2-40B4-BE49-F238E27FC236}">
+                  <a16:creationId xmlns:a16="http://schemas.microsoft.com/office/drawing/2014/main" id="{4EA2390B-890D-4162-9895-3A6316560349}"/>
+                </a:ext>
+              </a:extLst>
+            </p:cNvPr>
+            <p:cNvCxnSpPr>
+              <a:cxnSpLocks/>
+            </p:cNvCxnSpPr>
+            <p:nvPr/>
+          </p:nvCxnSpPr>
+          <p:spPr>
+            <a:xfrm>
+              <a:off x="683568" y="5517232"/>
+              <a:ext cx="360040" cy="0"/>
+            </a:xfrm>
+            <a:prstGeom prst="straightConnector1">
+              <a:avLst/>
+            </a:prstGeom>
+            <a:ln w="12700">
+              <a:solidFill>
+                <a:schemeClr val="tx1"/>
+              </a:solidFill>
+              <a:tailEnd type="triangle"/>
+            </a:ln>
+          </p:spPr>
+          <p:style>
+            <a:lnRef idx="1">
+              <a:schemeClr val="accent1"/>
+            </a:lnRef>
+            <a:fillRef idx="0">
+              <a:schemeClr val="accent1"/>
+            </a:fillRef>
+            <a:effectRef idx="0">
+              <a:schemeClr val="accent1"/>
+            </a:effectRef>
+            <a:fontRef idx="minor">
+              <a:schemeClr val="tx1"/>
+            </a:fontRef>
+          </p:style>
+        </p:cxnSp>
+        <mc:AlternateContent xmlns:mc="http://schemas.openxmlformats.org/markup-compatibility/2006">
+          <mc:Choice xmlns:a14="http://schemas.microsoft.com/office/drawing/2010/main" Requires="a14">
+            <p:sp>
+              <p:nvSpPr>
+                <p:cNvPr id="17" name="テキスト ボックス 16">
+                  <a:extLst>
+                    <a:ext uri="{FF2B5EF4-FFF2-40B4-BE49-F238E27FC236}">
+                      <a16:creationId xmlns:a16="http://schemas.microsoft.com/office/drawing/2014/main" id="{497D039A-C287-40A6-A017-634BB7D353B6}"/>
+                    </a:ext>
+                  </a:extLst>
+                </p:cNvPr>
+                <p:cNvSpPr txBox="1"/>
+                <p:nvPr/>
+              </p:nvSpPr>
+              <p:spPr>
+                <a:xfrm>
+                  <a:off x="107504" y="4829342"/>
+                  <a:ext cx="648072" cy="461665"/>
+                </a:xfrm>
+                <a:prstGeom prst="rect">
+                  <a:avLst/>
+                </a:prstGeom>
+                <a:noFill/>
+                <a:ln w="19050" cap="rnd">
+                  <a:noFill/>
+                </a:ln>
+              </p:spPr>
+              <p:txBody>
+                <a:bodyPr wrap="square" rtlCol="0">
+                  <a:spAutoFit/>
+                </a:bodyPr>
+                <a:lstStyle/>
+                <a:p>
+                  <a14:m>
+                    <m:oMathPara xmlns:m="http://schemas.openxmlformats.org/officeDocument/2006/math">
+                      <m:oMathParaPr>
+                        <m:jc m:val="centerGroup"/>
+                      </m:oMathParaPr>
+                      <m:oMath xmlns:m="http://schemas.openxmlformats.org/officeDocument/2006/math">
+                        <m:r>
+                          <a:rPr kumimoji="1" lang="en-US" altLang="ja-JP" sz="2400" b="0" i="1" smtClean="0">
+                            <a:latin typeface="Cambria Math" panose="02040503050406030204" pitchFamily="18" charset="0"/>
+                          </a:rPr>
+                          <m:t> </m:t>
+                        </m:r>
+                        <m:r>
+                          <a:rPr kumimoji="1" lang="en-US" altLang="ja-JP" sz="2400" b="0" i="1" smtClean="0">
+                            <a:latin typeface="Cambria Math" panose="02040503050406030204" pitchFamily="18" charset="0"/>
+                          </a:rPr>
+                          <m:t>𝑎</m:t>
+                        </m:r>
+                      </m:oMath>
+                    </m:oMathPara>
+                  </a14:m>
+                  <a:endParaRPr kumimoji="1" lang="ja-JP" altLang="en-US" sz="2400">
+                    <a:latin typeface="Courier New" pitchFamily="49" charset="0"/>
+                    <a:ea typeface="ＭＳ ゴシック" pitchFamily="49" charset="-128"/>
+                    <a:cs typeface="Courier New" pitchFamily="49" charset="0"/>
+                  </a:endParaRPr>
+                </a:p>
+              </p:txBody>
+            </p:sp>
+          </mc:Choice>
+          <mc:Fallback>
+            <p:sp>
+              <p:nvSpPr>
+                <p:cNvPr id="17" name="テキスト ボックス 16">
+                  <a:extLst>
+                    <a:ext uri="{FF2B5EF4-FFF2-40B4-BE49-F238E27FC236}">
+                      <a16:creationId xmlns:a16="http://schemas.microsoft.com/office/drawing/2014/main" id="{497D039A-C287-40A6-A017-634BB7D353B6}"/>
+                    </a:ext>
+                  </a:extLst>
+                </p:cNvPr>
+                <p:cNvSpPr txBox="1">
+                  <a:spLocks noRot="1" noChangeAspect="1" noMove="1" noResize="1" noEditPoints="1" noAdjustHandles="1" noChangeArrowheads="1" noChangeShapeType="1" noTextEdit="1"/>
+                </p:cNvSpPr>
+                <p:nvPr/>
+              </p:nvSpPr>
+              <p:spPr>
+                <a:xfrm>
+                  <a:off x="107504" y="4829342"/>
+                  <a:ext cx="648072" cy="461665"/>
+                </a:xfrm>
+                <a:prstGeom prst="rect">
+                  <a:avLst/>
+                </a:prstGeom>
+                <a:blipFill>
+                  <a:blip r:embed="rId4"/>
+                  <a:stretch>
+                    <a:fillRect/>
+                  </a:stretch>
+                </a:blipFill>
+                <a:ln w="19050" cap="rnd">
+                  <a:noFill/>
+                </a:ln>
+              </p:spPr>
+              <p:txBody>
+                <a:bodyPr/>
+                <a:lstStyle/>
+                <a:p>
+                  <a:r>
+                    <a:rPr lang="ja-JP" altLang="en-US">
+                      <a:noFill/>
+                    </a:rPr>
+                    <a:t> </a:t>
+                  </a:r>
+                </a:p>
+              </p:txBody>
+            </p:sp>
+          </mc:Fallback>
+        </mc:AlternateContent>
+        <mc:AlternateContent xmlns:mc="http://schemas.openxmlformats.org/markup-compatibility/2006">
+          <mc:Choice xmlns:a14="http://schemas.microsoft.com/office/drawing/2010/main" Requires="a14">
+            <p:sp>
+              <p:nvSpPr>
+                <p:cNvPr id="18" name="テキスト ボックス 17">
+                  <a:extLst>
+                    <a:ext uri="{FF2B5EF4-FFF2-40B4-BE49-F238E27FC236}">
+                      <a16:creationId xmlns:a16="http://schemas.microsoft.com/office/drawing/2014/main" id="{53F8A081-E3C9-4B23-8CE6-F53AEE2D6BBB}"/>
+                    </a:ext>
+                  </a:extLst>
+                </p:cNvPr>
+                <p:cNvSpPr txBox="1"/>
+                <p:nvPr/>
+              </p:nvSpPr>
+              <p:spPr>
+                <a:xfrm>
+                  <a:off x="107504" y="5276198"/>
+                  <a:ext cx="648072" cy="461665"/>
+                </a:xfrm>
+                <a:prstGeom prst="rect">
+                  <a:avLst/>
+                </a:prstGeom>
+                <a:noFill/>
+                <a:ln w="19050" cap="rnd">
+                  <a:noFill/>
+                </a:ln>
+              </p:spPr>
+              <p:txBody>
+                <a:bodyPr wrap="square" rtlCol="0">
+                  <a:spAutoFit/>
+                </a:bodyPr>
+                <a:lstStyle/>
+                <a:p>
+                  <a14:m>
+                    <m:oMathPara xmlns:m="http://schemas.openxmlformats.org/officeDocument/2006/math">
+                      <m:oMathParaPr>
+                        <m:jc m:val="centerGroup"/>
+                      </m:oMathParaPr>
+                      <m:oMath xmlns:m="http://schemas.openxmlformats.org/officeDocument/2006/math">
+                        <m:r>
+                          <a:rPr kumimoji="1" lang="en-US" altLang="ja-JP" sz="2400" b="0" i="1" smtClean="0">
+                            <a:latin typeface="Cambria Math" panose="02040503050406030204" pitchFamily="18" charset="0"/>
+                          </a:rPr>
+                          <m:t> </m:t>
+                        </m:r>
+                        <m:r>
+                          <a:rPr kumimoji="1" lang="en-US" altLang="ja-JP" sz="2400" b="0" i="1" smtClean="0">
+                            <a:latin typeface="Cambria Math" panose="02040503050406030204" pitchFamily="18" charset="0"/>
+                          </a:rPr>
+                          <m:t>𝑃</m:t>
+                        </m:r>
+                      </m:oMath>
+                    </m:oMathPara>
+                  </a14:m>
+                  <a:endParaRPr kumimoji="1" lang="ja-JP" altLang="en-US" sz="2400">
+                    <a:latin typeface="Courier New" pitchFamily="49" charset="0"/>
+                    <a:ea typeface="ＭＳ ゴシック" pitchFamily="49" charset="-128"/>
+                    <a:cs typeface="Courier New" pitchFamily="49" charset="0"/>
+                  </a:endParaRPr>
+                </a:p>
+              </p:txBody>
+            </p:sp>
+          </mc:Choice>
+          <mc:Fallback>
+            <p:sp>
+              <p:nvSpPr>
+                <p:cNvPr id="18" name="テキスト ボックス 17">
+                  <a:extLst>
+                    <a:ext uri="{FF2B5EF4-FFF2-40B4-BE49-F238E27FC236}">
+                      <a16:creationId xmlns:a16="http://schemas.microsoft.com/office/drawing/2014/main" id="{53F8A081-E3C9-4B23-8CE6-F53AEE2D6BBB}"/>
+                    </a:ext>
+                  </a:extLst>
+                </p:cNvPr>
+                <p:cNvSpPr txBox="1">
+                  <a:spLocks noRot="1" noChangeAspect="1" noMove="1" noResize="1" noEditPoints="1" noAdjustHandles="1" noChangeArrowheads="1" noChangeShapeType="1" noTextEdit="1"/>
+                </p:cNvSpPr>
+                <p:nvPr/>
+              </p:nvSpPr>
+              <p:spPr>
+                <a:xfrm>
+                  <a:off x="107504" y="5276198"/>
+                  <a:ext cx="648072" cy="461665"/>
+                </a:xfrm>
+                <a:prstGeom prst="rect">
+                  <a:avLst/>
+                </a:prstGeom>
+                <a:blipFill>
+                  <a:blip r:embed="rId5"/>
+                  <a:stretch>
+                    <a:fillRect/>
+                  </a:stretch>
+                </a:blipFill>
+                <a:ln w="19050" cap="rnd">
+                  <a:noFill/>
+                </a:ln>
+              </p:spPr>
+              <p:txBody>
+                <a:bodyPr/>
+                <a:lstStyle/>
+                <a:p>
+                  <a:r>
+                    <a:rPr lang="ja-JP" altLang="en-US">
+                      <a:noFill/>
+                    </a:rPr>
+                    <a:t> </a:t>
+                  </a:r>
+                </a:p>
+              </p:txBody>
+            </p:sp>
+          </mc:Fallback>
+        </mc:AlternateContent>
+        <p:cxnSp>
+          <p:nvCxnSpPr>
+            <p:cNvPr id="19" name="直線矢印コネクタ 18">
+              <a:extLst>
+                <a:ext uri="{FF2B5EF4-FFF2-40B4-BE49-F238E27FC236}">
+                  <a16:creationId xmlns:a16="http://schemas.microsoft.com/office/drawing/2014/main" id="{11CD2B2C-48FA-4D74-818A-97CA33D5905F}"/>
+                </a:ext>
+              </a:extLst>
+            </p:cNvPr>
+            <p:cNvCxnSpPr>
+              <a:cxnSpLocks/>
+            </p:cNvCxnSpPr>
+            <p:nvPr/>
+          </p:nvCxnSpPr>
+          <p:spPr>
+            <a:xfrm>
+              <a:off x="2915816" y="5301891"/>
+              <a:ext cx="360040" cy="0"/>
+            </a:xfrm>
+            <a:prstGeom prst="straightConnector1">
+              <a:avLst/>
+            </a:prstGeom>
+            <a:ln w="12700">
+              <a:solidFill>
+                <a:schemeClr val="tx1"/>
+              </a:solidFill>
+              <a:tailEnd type="triangle"/>
+            </a:ln>
+          </p:spPr>
+          <p:style>
+            <a:lnRef idx="1">
+              <a:schemeClr val="accent1"/>
+            </a:lnRef>
+            <a:fillRef idx="0">
+              <a:schemeClr val="accent1"/>
+            </a:fillRef>
+            <a:effectRef idx="0">
+              <a:schemeClr val="accent1"/>
+            </a:effectRef>
+            <a:fontRef idx="minor">
+              <a:schemeClr val="tx1"/>
+            </a:fontRef>
+          </p:style>
+        </p:cxnSp>
+        <mc:AlternateContent xmlns:mc="http://schemas.openxmlformats.org/markup-compatibility/2006">
+          <mc:Choice xmlns:a14="http://schemas.microsoft.com/office/drawing/2010/main" Requires="a14">
+            <p:sp>
+              <p:nvSpPr>
+                <p:cNvPr id="29" name="テキスト ボックス 28">
+                  <a:extLst>
+                    <a:ext uri="{FF2B5EF4-FFF2-40B4-BE49-F238E27FC236}">
+                      <a16:creationId xmlns:a16="http://schemas.microsoft.com/office/drawing/2014/main" id="{8A8322A3-F6DA-434C-BB98-8A568D1DAC01}"/>
+                    </a:ext>
+                  </a:extLst>
+                </p:cNvPr>
+                <p:cNvSpPr txBox="1"/>
+                <p:nvPr/>
+              </p:nvSpPr>
+              <p:spPr>
+                <a:xfrm>
+                  <a:off x="3275856" y="5085184"/>
+                  <a:ext cx="648072" cy="461665"/>
+                </a:xfrm>
+                <a:prstGeom prst="rect">
+                  <a:avLst/>
+                </a:prstGeom>
+                <a:noFill/>
+                <a:ln w="19050" cap="rnd">
+                  <a:noFill/>
+                </a:ln>
+              </p:spPr>
+              <p:txBody>
+                <a:bodyPr wrap="square" rtlCol="0">
+                  <a:spAutoFit/>
+                </a:bodyPr>
+                <a:lstStyle/>
+                <a:p>
+                  <a14:m>
+                    <m:oMathPara xmlns:m="http://schemas.openxmlformats.org/officeDocument/2006/math">
+                      <m:oMathParaPr>
+                        <m:jc m:val="centerGroup"/>
+                      </m:oMathParaPr>
+                      <m:oMath xmlns:m="http://schemas.openxmlformats.org/officeDocument/2006/math">
+                        <m:r>
+                          <a:rPr kumimoji="1" lang="en-US" altLang="ja-JP" sz="2400" b="0" i="1" smtClean="0">
+                            <a:latin typeface="Cambria Math" panose="02040503050406030204" pitchFamily="18" charset="0"/>
+                          </a:rPr>
+                          <m:t>𝑎𝑃</m:t>
+                        </m:r>
+                      </m:oMath>
+                    </m:oMathPara>
+                  </a14:m>
+                  <a:endParaRPr kumimoji="1" lang="ja-JP" altLang="en-US" sz="2400">
+                    <a:latin typeface="Courier New" pitchFamily="49" charset="0"/>
+                    <a:ea typeface="ＭＳ ゴシック" pitchFamily="49" charset="-128"/>
+                    <a:cs typeface="Courier New" pitchFamily="49" charset="0"/>
+                  </a:endParaRPr>
+                </a:p>
+              </p:txBody>
+            </p:sp>
+          </mc:Choice>
+          <mc:Fallback>
+            <p:sp>
+              <p:nvSpPr>
+                <p:cNvPr id="29" name="テキスト ボックス 28">
+                  <a:extLst>
+                    <a:ext uri="{FF2B5EF4-FFF2-40B4-BE49-F238E27FC236}">
+                      <a16:creationId xmlns:a16="http://schemas.microsoft.com/office/drawing/2014/main" id="{8A8322A3-F6DA-434C-BB98-8A568D1DAC01}"/>
+                    </a:ext>
+                  </a:extLst>
+                </p:cNvPr>
+                <p:cNvSpPr txBox="1">
+                  <a:spLocks noRot="1" noChangeAspect="1" noMove="1" noResize="1" noEditPoints="1" noAdjustHandles="1" noChangeArrowheads="1" noChangeShapeType="1" noTextEdit="1"/>
+                </p:cNvSpPr>
+                <p:nvPr/>
+              </p:nvSpPr>
+              <p:spPr>
+                <a:xfrm>
+                  <a:off x="3275856" y="5085184"/>
+                  <a:ext cx="648072" cy="461665"/>
+                </a:xfrm>
+                <a:prstGeom prst="rect">
+                  <a:avLst/>
+                </a:prstGeom>
+                <a:blipFill>
+                  <a:blip r:embed="rId6"/>
+                  <a:stretch>
+                    <a:fillRect/>
+                  </a:stretch>
+                </a:blipFill>
+                <a:ln w="19050" cap="rnd">
+                  <a:noFill/>
+                </a:ln>
+              </p:spPr>
+              <p:txBody>
+                <a:bodyPr/>
+                <a:lstStyle/>
+                <a:p>
+                  <a:r>
+                    <a:rPr lang="ja-JP" altLang="en-US">
+                      <a:noFill/>
+                    </a:rPr>
+                    <a:t> </a:t>
+                  </a:r>
+                </a:p>
+              </p:txBody>
+            </p:sp>
+          </mc:Fallback>
+        </mc:AlternateContent>
+      </p:grpSp>
+      <p:grpSp>
+        <p:nvGrpSpPr>
+          <p:cNvPr id="31" name="グループ化 30">
+            <a:extLst>
+              <a:ext uri="{FF2B5EF4-FFF2-40B4-BE49-F238E27FC236}">
+                <a16:creationId xmlns:a16="http://schemas.microsoft.com/office/drawing/2014/main" id="{EE6D9AE4-C398-44A5-9603-71D6C0146A46}"/>
+              </a:ext>
+            </a:extLst>
+          </p:cNvPr>
+          <p:cNvGrpSpPr/>
+          <p:nvPr/>
+        </p:nvGrpSpPr>
+        <p:grpSpPr>
+          <a:xfrm>
+            <a:off x="4355976" y="4968751"/>
+            <a:ext cx="4680520" cy="908521"/>
+            <a:chOff x="107504" y="4829342"/>
+            <a:chExt cx="4680520" cy="908521"/>
+          </a:xfrm>
+        </p:grpSpPr>
+        <p:sp>
+          <p:nvSpPr>
+            <p:cNvPr id="32" name="四角形: 角を丸くする 31">
+              <a:extLst>
+                <a:ext uri="{FF2B5EF4-FFF2-40B4-BE49-F238E27FC236}">
+                  <a16:creationId xmlns:a16="http://schemas.microsoft.com/office/drawing/2014/main" id="{39BFE84C-01AB-4B44-9CEF-334B3DE46D41}"/>
+                </a:ext>
+              </a:extLst>
+            </p:cNvPr>
+            <p:cNvSpPr/>
+            <p:nvPr/>
+          </p:nvSpPr>
+          <p:spPr>
+            <a:xfrm>
+              <a:off x="1043608" y="4967560"/>
+              <a:ext cx="1872208" cy="693688"/>
+            </a:xfrm>
+            <a:prstGeom prst="roundRect">
+              <a:avLst/>
+            </a:prstGeom>
+            <a:ln>
+              <a:solidFill>
+                <a:schemeClr val="tx1"/>
+              </a:solidFill>
+            </a:ln>
+          </p:spPr>
+          <p:style>
+            <a:lnRef idx="1">
+              <a:schemeClr val="accent1"/>
+            </a:lnRef>
+            <a:fillRef idx="0">
+              <a:schemeClr val="accent1"/>
+            </a:fillRef>
+            <a:effectRef idx="0">
+              <a:schemeClr val="accent1"/>
+            </a:effectRef>
+            <a:fontRef idx="minor">
+              <a:schemeClr val="tx1"/>
+            </a:fontRef>
+          </p:style>
+          <p:txBody>
+            <a:bodyPr rtlCol="0" anchor="ctr"/>
+            <a:lstStyle/>
+            <a:p>
+              <a:pPr algn="ctr"/>
+              <a:r>
+                <a:rPr kumimoji="1" lang="ja-JP" altLang="en-US" sz="2400"/>
+                <a:t>加算</a:t>
+              </a:r>
+            </a:p>
+          </p:txBody>
+        </p:sp>
+        <p:cxnSp>
+          <p:nvCxnSpPr>
+            <p:cNvPr id="33" name="直線矢印コネクタ 32">
+              <a:extLst>
+                <a:ext uri="{FF2B5EF4-FFF2-40B4-BE49-F238E27FC236}">
+                  <a16:creationId xmlns:a16="http://schemas.microsoft.com/office/drawing/2014/main" id="{7AE7398D-C66A-44C1-A497-C334019A5E27}"/>
+                </a:ext>
+              </a:extLst>
+            </p:cNvPr>
+            <p:cNvCxnSpPr>
+              <a:cxnSpLocks/>
+            </p:cNvCxnSpPr>
+            <p:nvPr/>
+          </p:nvCxnSpPr>
+          <p:spPr>
+            <a:xfrm>
+              <a:off x="683568" y="5085184"/>
+              <a:ext cx="360040" cy="0"/>
+            </a:xfrm>
+            <a:prstGeom prst="straightConnector1">
+              <a:avLst/>
+            </a:prstGeom>
+            <a:ln w="12700">
+              <a:solidFill>
+                <a:schemeClr val="tx1"/>
+              </a:solidFill>
+              <a:tailEnd type="triangle"/>
+            </a:ln>
+          </p:spPr>
+          <p:style>
+            <a:lnRef idx="1">
+              <a:schemeClr val="accent1"/>
+            </a:lnRef>
+            <a:fillRef idx="0">
+              <a:schemeClr val="accent1"/>
+            </a:fillRef>
+            <a:effectRef idx="0">
+              <a:schemeClr val="accent1"/>
+            </a:effectRef>
+            <a:fontRef idx="minor">
+              <a:schemeClr val="tx1"/>
+            </a:fontRef>
+          </p:style>
+        </p:cxnSp>
+        <p:cxnSp>
+          <p:nvCxnSpPr>
+            <p:cNvPr id="34" name="直線矢印コネクタ 33">
+              <a:extLst>
+                <a:ext uri="{FF2B5EF4-FFF2-40B4-BE49-F238E27FC236}">
+                  <a16:creationId xmlns:a16="http://schemas.microsoft.com/office/drawing/2014/main" id="{E6ACFFFB-6F33-4EDA-958A-0697FFF1A6A9}"/>
+                </a:ext>
+              </a:extLst>
+            </p:cNvPr>
+            <p:cNvCxnSpPr>
+              <a:cxnSpLocks/>
+            </p:cNvCxnSpPr>
+            <p:nvPr/>
+          </p:nvCxnSpPr>
+          <p:spPr>
+            <a:xfrm>
+              <a:off x="683568" y="5517232"/>
+              <a:ext cx="360040" cy="0"/>
+            </a:xfrm>
+            <a:prstGeom prst="straightConnector1">
+              <a:avLst/>
+            </a:prstGeom>
+            <a:ln w="12700">
+              <a:solidFill>
+                <a:schemeClr val="tx1"/>
+              </a:solidFill>
+              <a:tailEnd type="triangle"/>
+            </a:ln>
+          </p:spPr>
+          <p:style>
+            <a:lnRef idx="1">
+              <a:schemeClr val="accent1"/>
+            </a:lnRef>
+            <a:fillRef idx="0">
+              <a:schemeClr val="accent1"/>
+            </a:fillRef>
+            <a:effectRef idx="0">
+              <a:schemeClr val="accent1"/>
+            </a:effectRef>
+            <a:fontRef idx="minor">
+              <a:schemeClr val="tx1"/>
+            </a:fontRef>
+          </p:style>
+        </p:cxnSp>
+        <mc:AlternateContent xmlns:mc="http://schemas.openxmlformats.org/markup-compatibility/2006">
+          <mc:Choice xmlns:a14="http://schemas.microsoft.com/office/drawing/2010/main" Requires="a14">
+            <p:sp>
+              <p:nvSpPr>
+                <p:cNvPr id="35" name="テキスト ボックス 34">
+                  <a:extLst>
+                    <a:ext uri="{FF2B5EF4-FFF2-40B4-BE49-F238E27FC236}">
+                      <a16:creationId xmlns:a16="http://schemas.microsoft.com/office/drawing/2014/main" id="{6B36513E-CD9C-40A5-9945-1DD6A51F0C19}"/>
+                    </a:ext>
+                  </a:extLst>
+                </p:cNvPr>
+                <p:cNvSpPr txBox="1"/>
+                <p:nvPr/>
+              </p:nvSpPr>
+              <p:spPr>
+                <a:xfrm>
+                  <a:off x="107504" y="4829342"/>
+                  <a:ext cx="648072" cy="461665"/>
+                </a:xfrm>
+                <a:prstGeom prst="rect">
+                  <a:avLst/>
+                </a:prstGeom>
+                <a:noFill/>
+                <a:ln w="19050" cap="rnd">
+                  <a:noFill/>
+                </a:ln>
+              </p:spPr>
+              <p:txBody>
+                <a:bodyPr wrap="square" rtlCol="0">
+                  <a:spAutoFit/>
+                </a:bodyPr>
+                <a:lstStyle/>
+                <a:p>
+                  <a14:m>
+                    <m:oMathPara xmlns:m="http://schemas.openxmlformats.org/officeDocument/2006/math">
+                      <m:oMathParaPr>
+                        <m:jc m:val="centerGroup"/>
+                      </m:oMathParaPr>
+                      <m:oMath xmlns:m="http://schemas.openxmlformats.org/officeDocument/2006/math">
+                        <m:r>
+                          <a:rPr kumimoji="1" lang="en-US" altLang="ja-JP" sz="2400" b="0" i="1" smtClean="0">
+                            <a:latin typeface="Cambria Math" panose="02040503050406030204" pitchFamily="18" charset="0"/>
+                          </a:rPr>
+                          <m:t> </m:t>
+                        </m:r>
+                        <m:r>
+                          <a:rPr kumimoji="1" lang="en-US" altLang="ja-JP" sz="2400" b="0" i="1" smtClean="0">
+                            <a:latin typeface="Cambria Math" panose="02040503050406030204" pitchFamily="18" charset="0"/>
+                          </a:rPr>
+                          <m:t>𝑎𝑃</m:t>
+                        </m:r>
+                      </m:oMath>
+                    </m:oMathPara>
+                  </a14:m>
+                  <a:endParaRPr kumimoji="1" lang="ja-JP" altLang="en-US" sz="2400" i="1">
+                    <a:latin typeface="Courier New" pitchFamily="49" charset="0"/>
+                    <a:ea typeface="ＭＳ ゴシック" pitchFamily="49" charset="-128"/>
+                    <a:cs typeface="Courier New" pitchFamily="49" charset="0"/>
+                  </a:endParaRPr>
+                </a:p>
+              </p:txBody>
+            </p:sp>
+          </mc:Choice>
+          <mc:Fallback>
+            <p:sp>
+              <p:nvSpPr>
+                <p:cNvPr id="35" name="テキスト ボックス 34">
+                  <a:extLst>
+                    <a:ext uri="{FF2B5EF4-FFF2-40B4-BE49-F238E27FC236}">
+                      <a16:creationId xmlns:a16="http://schemas.microsoft.com/office/drawing/2014/main" id="{6B36513E-CD9C-40A5-9945-1DD6A51F0C19}"/>
+                    </a:ext>
+                  </a:extLst>
+                </p:cNvPr>
+                <p:cNvSpPr txBox="1">
+                  <a:spLocks noRot="1" noChangeAspect="1" noMove="1" noResize="1" noEditPoints="1" noAdjustHandles="1" noChangeArrowheads="1" noChangeShapeType="1" noTextEdit="1"/>
+                </p:cNvSpPr>
+                <p:nvPr/>
+              </p:nvSpPr>
+              <p:spPr>
+                <a:xfrm>
+                  <a:off x="107504" y="4829342"/>
+                  <a:ext cx="648072" cy="461665"/>
+                </a:xfrm>
+                <a:prstGeom prst="rect">
+                  <a:avLst/>
+                </a:prstGeom>
+                <a:blipFill>
+                  <a:blip r:embed="rId7"/>
+                  <a:stretch>
+                    <a:fillRect/>
+                  </a:stretch>
+                </a:blipFill>
+                <a:ln w="19050" cap="rnd">
+                  <a:noFill/>
+                </a:ln>
+              </p:spPr>
+              <p:txBody>
+                <a:bodyPr/>
+                <a:lstStyle/>
+                <a:p>
+                  <a:r>
+                    <a:rPr lang="ja-JP" altLang="en-US">
+                      <a:noFill/>
+                    </a:rPr>
+                    <a:t> </a:t>
+                  </a:r>
+                </a:p>
+              </p:txBody>
+            </p:sp>
+          </mc:Fallback>
+        </mc:AlternateContent>
+        <mc:AlternateContent xmlns:mc="http://schemas.openxmlformats.org/markup-compatibility/2006">
+          <mc:Choice xmlns:a14="http://schemas.microsoft.com/office/drawing/2010/main" Requires="a14">
+            <p:sp>
+              <p:nvSpPr>
+                <p:cNvPr id="36" name="テキスト ボックス 35">
+                  <a:extLst>
+                    <a:ext uri="{FF2B5EF4-FFF2-40B4-BE49-F238E27FC236}">
+                      <a16:creationId xmlns:a16="http://schemas.microsoft.com/office/drawing/2014/main" id="{0A3CC095-B2DF-4168-A576-5DB13CD644FF}"/>
+                    </a:ext>
+                  </a:extLst>
+                </p:cNvPr>
+                <p:cNvSpPr txBox="1"/>
+                <p:nvPr/>
+              </p:nvSpPr>
+              <p:spPr>
+                <a:xfrm>
+                  <a:off x="107504" y="5276198"/>
+                  <a:ext cx="648072" cy="461665"/>
+                </a:xfrm>
+                <a:prstGeom prst="rect">
+                  <a:avLst/>
+                </a:prstGeom>
+                <a:noFill/>
+                <a:ln w="19050" cap="rnd">
+                  <a:noFill/>
+                </a:ln>
+              </p:spPr>
+              <p:txBody>
+                <a:bodyPr wrap="square" rtlCol="0">
+                  <a:spAutoFit/>
+                </a:bodyPr>
+                <a:lstStyle/>
+                <a:p>
+                  <a14:m>
+                    <m:oMathPara xmlns:m="http://schemas.openxmlformats.org/officeDocument/2006/math">
+                      <m:oMathParaPr>
+                        <m:jc m:val="centerGroup"/>
+                      </m:oMathParaPr>
+                      <m:oMath xmlns:m="http://schemas.openxmlformats.org/officeDocument/2006/math">
+                        <m:r>
+                          <a:rPr kumimoji="1" lang="en-US" altLang="ja-JP" sz="2400" b="0" i="1" smtClean="0">
+                            <a:latin typeface="Cambria Math" panose="02040503050406030204" pitchFamily="18" charset="0"/>
+                          </a:rPr>
+                          <m:t> </m:t>
+                        </m:r>
+                        <m:r>
+                          <a:rPr kumimoji="1" lang="en-US" altLang="ja-JP" sz="2400" b="0" i="1" smtClean="0">
+                            <a:latin typeface="Cambria Math" panose="02040503050406030204" pitchFamily="18" charset="0"/>
+                          </a:rPr>
+                          <m:t>𝑏𝑃</m:t>
+                        </m:r>
+                      </m:oMath>
+                    </m:oMathPara>
+                  </a14:m>
+                  <a:endParaRPr kumimoji="1" lang="ja-JP" altLang="en-US" sz="2400">
+                    <a:latin typeface="Courier New" pitchFamily="49" charset="0"/>
+                    <a:ea typeface="ＭＳ ゴシック" pitchFamily="49" charset="-128"/>
+                    <a:cs typeface="Courier New" pitchFamily="49" charset="0"/>
+                  </a:endParaRPr>
+                </a:p>
+              </p:txBody>
+            </p:sp>
+          </mc:Choice>
+          <mc:Fallback>
+            <p:sp>
+              <p:nvSpPr>
+                <p:cNvPr id="36" name="テキスト ボックス 35">
+                  <a:extLst>
+                    <a:ext uri="{FF2B5EF4-FFF2-40B4-BE49-F238E27FC236}">
+                      <a16:creationId xmlns:a16="http://schemas.microsoft.com/office/drawing/2014/main" id="{0A3CC095-B2DF-4168-A576-5DB13CD644FF}"/>
+                    </a:ext>
+                  </a:extLst>
+                </p:cNvPr>
+                <p:cNvSpPr txBox="1">
+                  <a:spLocks noRot="1" noChangeAspect="1" noMove="1" noResize="1" noEditPoints="1" noAdjustHandles="1" noChangeArrowheads="1" noChangeShapeType="1" noTextEdit="1"/>
+                </p:cNvSpPr>
+                <p:nvPr/>
+              </p:nvSpPr>
+              <p:spPr>
+                <a:xfrm>
+                  <a:off x="107504" y="5276198"/>
+                  <a:ext cx="648072" cy="461665"/>
+                </a:xfrm>
+                <a:prstGeom prst="rect">
+                  <a:avLst/>
+                </a:prstGeom>
+                <a:blipFill>
+                  <a:blip r:embed="rId8"/>
+                  <a:stretch>
+                    <a:fillRect/>
+                  </a:stretch>
+                </a:blipFill>
+                <a:ln w="19050" cap="rnd">
+                  <a:noFill/>
+                </a:ln>
+              </p:spPr>
+              <p:txBody>
+                <a:bodyPr/>
+                <a:lstStyle/>
+                <a:p>
+                  <a:r>
+                    <a:rPr lang="ja-JP" altLang="en-US">
+                      <a:noFill/>
+                    </a:rPr>
+                    <a:t> </a:t>
+                  </a:r>
+                </a:p>
+              </p:txBody>
+            </p:sp>
+          </mc:Fallback>
+        </mc:AlternateContent>
+        <p:cxnSp>
+          <p:nvCxnSpPr>
+            <p:cNvPr id="37" name="直線矢印コネクタ 36">
+              <a:extLst>
+                <a:ext uri="{FF2B5EF4-FFF2-40B4-BE49-F238E27FC236}">
+                  <a16:creationId xmlns:a16="http://schemas.microsoft.com/office/drawing/2014/main" id="{E78AAE73-9FC5-40D1-80C7-99C99210412B}"/>
+                </a:ext>
+              </a:extLst>
+            </p:cNvPr>
+            <p:cNvCxnSpPr>
+              <a:cxnSpLocks/>
+            </p:cNvCxnSpPr>
+            <p:nvPr/>
+          </p:nvCxnSpPr>
+          <p:spPr>
+            <a:xfrm>
+              <a:off x="2915816" y="5301891"/>
+              <a:ext cx="360040" cy="0"/>
+            </a:xfrm>
+            <a:prstGeom prst="straightConnector1">
+              <a:avLst/>
+            </a:prstGeom>
+            <a:ln w="12700">
+              <a:solidFill>
+                <a:schemeClr val="tx1"/>
+              </a:solidFill>
+              <a:tailEnd type="triangle"/>
+            </a:ln>
+          </p:spPr>
+          <p:style>
+            <a:lnRef idx="1">
+              <a:schemeClr val="accent1"/>
+            </a:lnRef>
+            <a:fillRef idx="0">
+              <a:schemeClr val="accent1"/>
+            </a:fillRef>
+            <a:effectRef idx="0">
+              <a:schemeClr val="accent1"/>
+            </a:effectRef>
+            <a:fontRef idx="minor">
+              <a:schemeClr val="tx1"/>
+            </a:fontRef>
+          </p:style>
+        </p:cxnSp>
+        <mc:AlternateContent xmlns:mc="http://schemas.openxmlformats.org/markup-compatibility/2006">
+          <mc:Choice xmlns:a14="http://schemas.microsoft.com/office/drawing/2010/main" Requires="a14">
+            <p:sp>
+              <p:nvSpPr>
+                <p:cNvPr id="38" name="テキスト ボックス 37">
+                  <a:extLst>
+                    <a:ext uri="{FF2B5EF4-FFF2-40B4-BE49-F238E27FC236}">
+                      <a16:creationId xmlns:a16="http://schemas.microsoft.com/office/drawing/2014/main" id="{22D9C42D-BBF8-4483-9D40-2A6007E21F0C}"/>
+                    </a:ext>
+                  </a:extLst>
+                </p:cNvPr>
+                <p:cNvSpPr txBox="1"/>
+                <p:nvPr/>
+              </p:nvSpPr>
+              <p:spPr>
+                <a:xfrm>
+                  <a:off x="3275856" y="5085184"/>
+                  <a:ext cx="1512168" cy="461665"/>
+                </a:xfrm>
+                <a:prstGeom prst="rect">
+                  <a:avLst/>
+                </a:prstGeom>
+                <a:noFill/>
+                <a:ln w="19050" cap="rnd">
+                  <a:noFill/>
+                </a:ln>
+              </p:spPr>
+              <p:txBody>
+                <a:bodyPr wrap="square" rtlCol="0">
+                  <a:spAutoFit/>
+                </a:bodyPr>
+                <a:lstStyle/>
+                <a:p>
+                  <a14:m>
+                    <m:oMathPara xmlns:m="http://schemas.openxmlformats.org/officeDocument/2006/math">
+                      <m:oMathParaPr>
+                        <m:jc m:val="centerGroup"/>
+                      </m:oMathParaPr>
+                      <m:oMath xmlns:m="http://schemas.openxmlformats.org/officeDocument/2006/math">
+                        <m:d>
+                          <m:dPr>
+                            <m:ctrlPr>
+                              <a:rPr kumimoji="1" lang="en-US" altLang="ja-JP" sz="2400" b="0" i="1" smtClean="0">
+                                <a:latin typeface="Cambria Math" panose="02040503050406030204" pitchFamily="18" charset="0"/>
+                                <a:ea typeface="ＭＳ ゴシック" pitchFamily="49" charset="-128"/>
+                                <a:cs typeface="Courier New" pitchFamily="49" charset="0"/>
+                              </a:rPr>
+                            </m:ctrlPr>
+                          </m:dPr>
+                          <m:e>
+                            <m:r>
+                              <a:rPr kumimoji="1" lang="en-US" altLang="ja-JP" sz="2400" b="0" i="1" smtClean="0">
+                                <a:latin typeface="Cambria Math" panose="02040503050406030204" pitchFamily="18" charset="0"/>
+                                <a:ea typeface="ＭＳ ゴシック" pitchFamily="49" charset="-128"/>
+                                <a:cs typeface="Courier New" pitchFamily="49" charset="0"/>
+                              </a:rPr>
+                              <m:t>𝑎</m:t>
+                            </m:r>
+                            <m:r>
+                              <a:rPr kumimoji="1" lang="en-US" altLang="ja-JP" sz="2400" b="0" i="1" smtClean="0">
+                                <a:latin typeface="Cambria Math" panose="02040503050406030204" pitchFamily="18" charset="0"/>
+                                <a:ea typeface="ＭＳ ゴシック" pitchFamily="49" charset="-128"/>
+                                <a:cs typeface="Courier New" pitchFamily="49" charset="0"/>
+                              </a:rPr>
+                              <m:t>+</m:t>
+                            </m:r>
+                            <m:r>
+                              <a:rPr kumimoji="1" lang="en-US" altLang="ja-JP" sz="2400" b="0" i="1" smtClean="0">
+                                <a:latin typeface="Cambria Math" panose="02040503050406030204" pitchFamily="18" charset="0"/>
+                                <a:ea typeface="ＭＳ ゴシック" pitchFamily="49" charset="-128"/>
+                                <a:cs typeface="Courier New" pitchFamily="49" charset="0"/>
+                              </a:rPr>
+                              <m:t>𝑏</m:t>
+                            </m:r>
+                          </m:e>
+                        </m:d>
+                        <m:r>
+                          <a:rPr kumimoji="1" lang="en-US" altLang="ja-JP" sz="2400" b="0" i="1" smtClean="0">
+                            <a:latin typeface="Cambria Math" panose="02040503050406030204" pitchFamily="18" charset="0"/>
+                            <a:ea typeface="ＭＳ ゴシック" pitchFamily="49" charset="-128"/>
+                            <a:cs typeface="Courier New" pitchFamily="49" charset="0"/>
+                          </a:rPr>
+                          <m:t>𝑃</m:t>
+                        </m:r>
+                      </m:oMath>
+                    </m:oMathPara>
+                  </a14:m>
+                  <a:endParaRPr kumimoji="1" lang="ja-JP" altLang="en-US" sz="2400">
+                    <a:latin typeface="Courier New" pitchFamily="49" charset="0"/>
+                    <a:ea typeface="ＭＳ ゴシック" pitchFamily="49" charset="-128"/>
+                    <a:cs typeface="Courier New" pitchFamily="49" charset="0"/>
+                  </a:endParaRPr>
+                </a:p>
+              </p:txBody>
+            </p:sp>
+          </mc:Choice>
+          <mc:Fallback>
+            <p:sp>
+              <p:nvSpPr>
+                <p:cNvPr id="38" name="テキスト ボックス 37">
+                  <a:extLst>
+                    <a:ext uri="{FF2B5EF4-FFF2-40B4-BE49-F238E27FC236}">
+                      <a16:creationId xmlns:a16="http://schemas.microsoft.com/office/drawing/2014/main" id="{22D9C42D-BBF8-4483-9D40-2A6007E21F0C}"/>
+                    </a:ext>
+                  </a:extLst>
+                </p:cNvPr>
+                <p:cNvSpPr txBox="1">
+                  <a:spLocks noRot="1" noChangeAspect="1" noMove="1" noResize="1" noEditPoints="1" noAdjustHandles="1" noChangeArrowheads="1" noChangeShapeType="1" noTextEdit="1"/>
+                </p:cNvSpPr>
+                <p:nvPr/>
+              </p:nvSpPr>
+              <p:spPr>
+                <a:xfrm>
+                  <a:off x="3275856" y="5085184"/>
+                  <a:ext cx="1512168" cy="461665"/>
+                </a:xfrm>
+                <a:prstGeom prst="rect">
+                  <a:avLst/>
+                </a:prstGeom>
+                <a:blipFill>
+                  <a:blip r:embed="rId9"/>
+                  <a:stretch>
+                    <a:fillRect/>
+                  </a:stretch>
+                </a:blipFill>
+                <a:ln w="19050" cap="rnd">
+                  <a:noFill/>
+                </a:ln>
+              </p:spPr>
+              <p:txBody>
+                <a:bodyPr/>
+                <a:lstStyle/>
+                <a:p>
+                  <a:r>
+                    <a:rPr lang="ja-JP" altLang="en-US">
+                      <a:noFill/>
+                    </a:rPr>
+                    <a:t> </a:t>
+                  </a:r>
+                </a:p>
+              </p:txBody>
+            </p:sp>
+          </mc:Fallback>
+        </mc:AlternateContent>
+      </p:grpSp>
     </p:spTree>
     <p:extLst>
       <p:ext uri="{BB962C8B-B14F-4D97-AF65-F5344CB8AC3E}">
-        <p14:creationId xmlns:p14="http://schemas.microsoft.com/office/powerpoint/2010/main" val="1191943625"/>
+        <p14:creationId xmlns:p14="http://schemas.microsoft.com/office/powerpoint/2010/main" val="3049584271"/>
       </p:ext>
     </p:extLst>
   </p:cSld>
@@ -3202,7 +3915,7 @@
 </p:sld>
 </file>
 
-<file path=ppt/slides/slide4.xml><?xml version="1.0" encoding="utf-8"?>
+<file path=ppt/slides/slide3.xml><?xml version="1.0" encoding="utf-8"?>
 <p:sld xmlns:a="http://schemas.openxmlformats.org/drawingml/2006/main" xmlns:r="http://schemas.openxmlformats.org/officeDocument/2006/relationships" xmlns:p="http://schemas.openxmlformats.org/presentationml/2006/main">
   <p:cSld>
     <p:spTree>
@@ -3243,180 +3956,6 @@
               <a:lstStyle/>
               <a:p>
                 <a:r>
-                  <a:rPr kumimoji="1" lang="ja-JP" altLang="en-US" b="0">
-                    <a:latin typeface="Cambria Math" panose="02040503050406030204" pitchFamily="18" charset="0"/>
-                  </a:rPr>
-                  <a:t>このスライドで使う共通の記号</a:t>
-                </a:r>
-                <a:endParaRPr kumimoji="1" lang="en-US" altLang="ja-JP" b="0">
-                  <a:latin typeface="Cambria Math" panose="02040503050406030204" pitchFamily="18" charset="0"/>
-                </a:endParaRPr>
-              </a:p>
-              <a:p>
-                <a:pPr lvl="1"/>
-                <a14:m>
-                  <m:oMath xmlns:m="http://schemas.openxmlformats.org/officeDocument/2006/math">
-                    <m:r>
-                      <a:rPr kumimoji="1" lang="en-US" altLang="ja-JP" b="0" i="1" smtClean="0">
-                        <a:latin typeface="Cambria Math" panose="02040503050406030204" pitchFamily="18" charset="0"/>
-                      </a:rPr>
-                      <m:t>𝐸</m:t>
-                    </m:r>
-                  </m:oMath>
-                </a14:m>
-                <a:r>
-                  <a:rPr kumimoji="1" lang="ja-JP" altLang="en-US"/>
-                  <a:t> </a:t>
-                </a:r>
-                <a:r>
-                  <a:rPr kumimoji="1" lang="en-US" altLang="ja-JP"/>
-                  <a:t>: </a:t>
-                </a:r>
-                <a:r>
-                  <a:rPr kumimoji="1" lang="ja-JP" altLang="en-US"/>
-                  <a:t>楕円曲線</a:t>
-                </a:r>
-                <a:r>
-                  <a:rPr kumimoji="1" lang="en-US" altLang="ja-JP"/>
-                  <a:t>, </a:t>
-                </a:r>
-                <a14:m>
-                  <m:oMath xmlns:m="http://schemas.openxmlformats.org/officeDocument/2006/math">
-                    <m:r>
-                      <a:rPr kumimoji="1" lang="en-US" altLang="ja-JP" b="0" i="1" smtClean="0">
-                        <a:latin typeface="Cambria Math" panose="02040503050406030204" pitchFamily="18" charset="0"/>
-                      </a:rPr>
-                      <m:t>𝑃</m:t>
-                    </m:r>
-                  </m:oMath>
-                </a14:m>
-                <a:r>
-                  <a:rPr kumimoji="1" lang="en-US" altLang="ja-JP"/>
-                  <a:t> : </a:t>
-                </a:r>
-                <a14:m>
-                  <m:oMath xmlns:m="http://schemas.openxmlformats.org/officeDocument/2006/math">
-                    <m:r>
-                      <a:rPr kumimoji="1" lang="en-US" altLang="ja-JP" b="0" i="1" smtClean="0">
-                        <a:latin typeface="Cambria Math" panose="02040503050406030204" pitchFamily="18" charset="0"/>
-                      </a:rPr>
-                      <m:t>𝐸</m:t>
-                    </m:r>
-                  </m:oMath>
-                </a14:m>
-                <a:r>
-                  <a:rPr kumimoji="1" lang="ja-JP" altLang="en-US"/>
-                  <a:t>上の点</a:t>
-                </a:r>
-                <a:endParaRPr kumimoji="1" lang="en-US" altLang="ja-JP"/>
-              </a:p>
-              <a:p>
-                <a:pPr lvl="1"/>
-                <a14:m>
-                  <m:oMath xmlns:m="http://schemas.openxmlformats.org/officeDocument/2006/math">
-                    <m:r>
-                      <a:rPr kumimoji="1" lang="en-US" altLang="ja-JP" b="0" i="1" smtClean="0">
-                        <a:latin typeface="Cambria Math" panose="02040503050406030204" pitchFamily="18" charset="0"/>
-                      </a:rPr>
-                      <m:t>𝐺</m:t>
-                    </m:r>
-                    <m:r>
-                      <a:rPr kumimoji="1" lang="en-US" altLang="ja-JP" b="0" i="1" smtClean="0">
-                        <a:latin typeface="Cambria Math" panose="02040503050406030204" pitchFamily="18" charset="0"/>
-                      </a:rPr>
-                      <m:t>={0,</m:t>
-                    </m:r>
-                    <m:r>
-                      <a:rPr kumimoji="1" lang="en-US" altLang="ja-JP" b="0" i="1" smtClean="0">
-                        <a:latin typeface="Cambria Math" panose="02040503050406030204" pitchFamily="18" charset="0"/>
-                      </a:rPr>
-                      <m:t>𝑃</m:t>
-                    </m:r>
-                    <m:r>
-                      <a:rPr kumimoji="1" lang="en-US" altLang="ja-JP" b="0" i="1" smtClean="0">
-                        <a:latin typeface="Cambria Math" panose="02040503050406030204" pitchFamily="18" charset="0"/>
-                      </a:rPr>
-                      <m:t>,2</m:t>
-                    </m:r>
-                    <m:r>
-                      <a:rPr kumimoji="1" lang="en-US" altLang="ja-JP" b="0" i="1" smtClean="0">
-                        <a:latin typeface="Cambria Math" panose="02040503050406030204" pitchFamily="18" charset="0"/>
-                      </a:rPr>
-                      <m:t>𝑃</m:t>
-                    </m:r>
-                    <m:r>
-                      <a:rPr kumimoji="1" lang="en-US" altLang="ja-JP" b="0" i="1" smtClean="0">
-                        <a:latin typeface="Cambria Math" panose="02040503050406030204" pitchFamily="18" charset="0"/>
-                      </a:rPr>
-                      <m:t>, …, </m:t>
-                    </m:r>
-                    <m:d>
-                      <m:dPr>
-                        <m:ctrlPr>
-                          <a:rPr kumimoji="1" lang="en-US" altLang="ja-JP" b="0" i="1" smtClean="0">
-                            <a:latin typeface="Cambria Math" panose="02040503050406030204" pitchFamily="18" charset="0"/>
-                          </a:rPr>
-                        </m:ctrlPr>
-                      </m:dPr>
-                      <m:e>
-                        <m:r>
-                          <a:rPr kumimoji="1" lang="en-US" altLang="ja-JP" b="0" i="1" smtClean="0">
-                            <a:latin typeface="Cambria Math" panose="02040503050406030204" pitchFamily="18" charset="0"/>
-                          </a:rPr>
-                          <m:t>𝑝</m:t>
-                        </m:r>
-                        <m:r>
-                          <a:rPr kumimoji="1" lang="en-US" altLang="ja-JP" b="0" i="1" smtClean="0">
-                            <a:latin typeface="Cambria Math" panose="02040503050406030204" pitchFamily="18" charset="0"/>
-                          </a:rPr>
-                          <m:t>−1</m:t>
-                        </m:r>
-                      </m:e>
-                    </m:d>
-                    <m:r>
-                      <a:rPr kumimoji="1" lang="en-US" altLang="ja-JP" b="0" i="1" smtClean="0">
-                        <a:latin typeface="Cambria Math" panose="02040503050406030204" pitchFamily="18" charset="0"/>
-                      </a:rPr>
-                      <m:t>𝑃</m:t>
-                    </m:r>
-                    <m:r>
-                      <a:rPr kumimoji="1" lang="en-US" altLang="ja-JP" b="0" i="1" smtClean="0">
-                        <a:latin typeface="Cambria Math" panose="02040503050406030204" pitchFamily="18" charset="0"/>
-                      </a:rPr>
-                      <m:t>}</m:t>
-                    </m:r>
-                  </m:oMath>
-                </a14:m>
-                <a:r>
-                  <a:rPr kumimoji="1" lang="ja-JP" altLang="en-US"/>
-                  <a:t>とする</a:t>
-                </a:r>
-                <a14:m>
-                  <m:oMath xmlns:m="http://schemas.openxmlformats.org/officeDocument/2006/math">
-                    <m:r>
-                      <a:rPr kumimoji="1" lang="en-US" altLang="ja-JP" b="0" i="1" smtClean="0">
-                        <a:latin typeface="Cambria Math" panose="02040503050406030204" pitchFamily="18" charset="0"/>
-                      </a:rPr>
-                      <m:t>(</m:t>
-                    </m:r>
-                    <m:r>
-                      <a:rPr kumimoji="1" lang="en-US" altLang="ja-JP" b="0" i="1" smtClean="0">
-                        <a:latin typeface="Cambria Math" panose="02040503050406030204" pitchFamily="18" charset="0"/>
-                      </a:rPr>
-                      <m:t>𝑝𝑃</m:t>
-                    </m:r>
-                    <m:r>
-                      <a:rPr kumimoji="1" lang="en-US" altLang="ja-JP" b="0" i="1" smtClean="0">
-                        <a:latin typeface="Cambria Math" panose="02040503050406030204" pitchFamily="18" charset="0"/>
-                      </a:rPr>
-                      <m:t>=0)</m:t>
-                    </m:r>
-                  </m:oMath>
-                </a14:m>
-                <a:endParaRPr kumimoji="1" lang="en-US" altLang="ja-JP"/>
-              </a:p>
-              <a:p>
-                <a:r>
                   <a:rPr kumimoji="1" lang="ja-JP" altLang="en-US"/>
                   <a:t>楕円離散対数問題</a:t>
                 </a:r>
@@ -3651,27 +4190,23 @@
               <a:p>
                 <a:r>
                   <a:rPr kumimoji="1" lang="ja-JP" altLang="en-US" b="0"/>
-                  <a:t>楕円曲線暗号の基本</a:t>
-                </a:r>
-                <a:endParaRPr kumimoji="1" lang="en-US" altLang="ja-JP" b="0"/>
-              </a:p>
-              <a:p>
-                <a:pPr lvl="1"/>
-                <a:r>
-                  <a:rPr lang="en-US" altLang="ja-JP"/>
+                  <a:t>楕円曲線暗号は</a:t>
+                </a:r>
+                <a:r>
+                  <a:rPr kumimoji="1" lang="en-US" altLang="ja-JP" b="0"/>
                   <a:t>ECDLP</a:t>
                 </a:r>
                 <a:r>
-                  <a:rPr lang="ja-JP" altLang="en-US"/>
+                  <a:rPr kumimoji="1" lang="ja-JP" altLang="en-US" b="0"/>
                   <a:t>や</a:t>
                 </a:r>
                 <a:r>
-                  <a:rPr lang="en-US" altLang="ja-JP"/>
-                  <a:t>ECDHLP</a:t>
-                </a:r>
-                <a:r>
-                  <a:rPr lang="ja-JP" altLang="en-US"/>
-                  <a:t>が難しいパラメータを用いる</a:t>
+                  <a:rPr kumimoji="1" lang="en-US" altLang="ja-JP" b="0"/>
+                  <a:t>ECDHP</a:t>
+                </a:r>
+                <a:r>
+                  <a:rPr kumimoji="1" lang="ja-JP" altLang="en-US" b="0"/>
+                  <a:t>が困難なことを仮定</a:t>
                 </a:r>
                 <a:endParaRPr kumimoji="1" lang="en-US" altLang="ja-JP" b="0"/>
               </a:p>
@@ -3679,27 +4214,7 @@
                 <a:endParaRPr kumimoji="1" lang="en-US" altLang="ja-JP" b="0"/>
               </a:p>
               <a:p>
-                <a:r>
-                  <a:rPr kumimoji="1" lang="ja-JP" altLang="en-US" b="0"/>
-                  <a:t>楕円曲線</a:t>
-                </a:r>
-                <a:r>
-                  <a:rPr kumimoji="1" lang="en-US" altLang="ja-JP" b="0"/>
-                  <a:t>DH</a:t>
-                </a:r>
-                <a:r>
-                  <a:rPr kumimoji="1" lang="ja-JP" altLang="en-US" b="0"/>
-                  <a:t>鍵共有は</a:t>
-                </a:r>
-                <a:r>
-                  <a:rPr kumimoji="1" lang="en-US" altLang="ja-JP" b="0"/>
-                  <a:t>ECDHP</a:t>
-                </a:r>
-                <a:r>
-                  <a:rPr kumimoji="1" lang="ja-JP" altLang="en-US" b="0"/>
-                  <a:t>が難しければ安全</a:t>
-                </a:r>
-                <a:endParaRPr kumimoji="1" lang="en-US" altLang="ja-JP" b="0"/>
+                <a:endParaRPr lang="en-US" altLang="ja-JP"/>
               </a:p>
             </p:txBody>
           </p:sp>
@@ -3725,7 +4240,7 @@
               <a:blipFill>
                 <a:blip r:embed="rId2"/>
                 <a:stretch>
-                  <a:fillRect l="-1200" t="-1038" b="-6023"/>
+                  <a:fillRect l="-1200" t="-1454"/>
                 </a:stretch>
               </a:blipFill>
             </p:spPr>
@@ -3777,7 +4292,7 @@
               <a:pPr>
                 <a:defRPr/>
               </a:pPr>
-              <a:t>4</a:t>
+              <a:t>3</a:t>
             </a:fld>
             <a:r>
               <a:rPr lang="en-US" altLang="ja-JP"/>
@@ -3809,15 +4324,1305 @@
           <a:p>
             <a:r>
               <a:rPr kumimoji="1" lang="ja-JP" altLang="en-US"/>
-              <a:t>楕円曲線の性質の復習</a:t>
+              <a:t>楕円曲線暗号で使う計算困難な問題</a:t>
             </a:r>
           </a:p>
         </p:txBody>
       </p:sp>
+      <p:grpSp>
+        <p:nvGrpSpPr>
+          <p:cNvPr id="5" name="グループ化 4">
+            <a:extLst>
+              <a:ext uri="{FF2B5EF4-FFF2-40B4-BE49-F238E27FC236}">
+                <a16:creationId xmlns:a16="http://schemas.microsoft.com/office/drawing/2014/main" id="{819AEA3C-0049-4287-B345-251AA869F1B6}"/>
+              </a:ext>
+            </a:extLst>
+          </p:cNvPr>
+          <p:cNvGrpSpPr/>
+          <p:nvPr/>
+        </p:nvGrpSpPr>
+        <p:grpSpPr>
+          <a:xfrm>
+            <a:off x="323528" y="4429594"/>
+            <a:ext cx="3816424" cy="908521"/>
+            <a:chOff x="107504" y="4829342"/>
+            <a:chExt cx="3816424" cy="908521"/>
+          </a:xfrm>
+        </p:grpSpPr>
+        <p:sp>
+          <p:nvSpPr>
+            <p:cNvPr id="6" name="四角形: 角を丸くする 5">
+              <a:extLst>
+                <a:ext uri="{FF2B5EF4-FFF2-40B4-BE49-F238E27FC236}">
+                  <a16:creationId xmlns:a16="http://schemas.microsoft.com/office/drawing/2014/main" id="{ED3EA787-8796-4FFE-8829-87780C2DB9F9}"/>
+                </a:ext>
+              </a:extLst>
+            </p:cNvPr>
+            <p:cNvSpPr/>
+            <p:nvPr/>
+          </p:nvSpPr>
+          <p:spPr>
+            <a:xfrm>
+              <a:off x="1043608" y="4967560"/>
+              <a:ext cx="1872208" cy="693688"/>
+            </a:xfrm>
+            <a:prstGeom prst="roundRect">
+              <a:avLst/>
+            </a:prstGeom>
+            <a:ln>
+              <a:solidFill>
+                <a:schemeClr val="tx1"/>
+              </a:solidFill>
+            </a:ln>
+          </p:spPr>
+          <p:style>
+            <a:lnRef idx="1">
+              <a:schemeClr val="accent1"/>
+            </a:lnRef>
+            <a:fillRef idx="0">
+              <a:schemeClr val="accent1"/>
+            </a:fillRef>
+            <a:effectRef idx="0">
+              <a:schemeClr val="accent1"/>
+            </a:effectRef>
+            <a:fontRef idx="minor">
+              <a:schemeClr val="tx1"/>
+            </a:fontRef>
+          </p:style>
+          <p:txBody>
+            <a:bodyPr rtlCol="0" anchor="ctr"/>
+            <a:lstStyle/>
+            <a:p>
+              <a:pPr algn="ctr"/>
+              <a:r>
+                <a:rPr kumimoji="1" lang="en-US" altLang="ja-JP" sz="2400"/>
+                <a:t>DLP</a:t>
+              </a:r>
+              <a:endParaRPr kumimoji="1" lang="ja-JP" altLang="en-US" sz="2400"/>
+            </a:p>
+          </p:txBody>
+        </p:sp>
+        <p:cxnSp>
+          <p:nvCxnSpPr>
+            <p:cNvPr id="7" name="直線矢印コネクタ 6">
+              <a:extLst>
+                <a:ext uri="{FF2B5EF4-FFF2-40B4-BE49-F238E27FC236}">
+                  <a16:creationId xmlns:a16="http://schemas.microsoft.com/office/drawing/2014/main" id="{D1DD15B1-7C7F-425B-9D5F-27696ECFA803}"/>
+                </a:ext>
+              </a:extLst>
+            </p:cNvPr>
+            <p:cNvCxnSpPr>
+              <a:cxnSpLocks/>
+            </p:cNvCxnSpPr>
+            <p:nvPr/>
+          </p:nvCxnSpPr>
+          <p:spPr>
+            <a:xfrm>
+              <a:off x="683568" y="5085184"/>
+              <a:ext cx="360040" cy="0"/>
+            </a:xfrm>
+            <a:prstGeom prst="straightConnector1">
+              <a:avLst/>
+            </a:prstGeom>
+            <a:ln w="12700">
+              <a:solidFill>
+                <a:schemeClr val="tx1"/>
+              </a:solidFill>
+              <a:tailEnd type="triangle"/>
+            </a:ln>
+          </p:spPr>
+          <p:style>
+            <a:lnRef idx="1">
+              <a:schemeClr val="accent1"/>
+            </a:lnRef>
+            <a:fillRef idx="0">
+              <a:schemeClr val="accent1"/>
+            </a:fillRef>
+            <a:effectRef idx="0">
+              <a:schemeClr val="accent1"/>
+            </a:effectRef>
+            <a:fontRef idx="minor">
+              <a:schemeClr val="tx1"/>
+            </a:fontRef>
+          </p:style>
+        </p:cxnSp>
+        <p:cxnSp>
+          <p:nvCxnSpPr>
+            <p:cNvPr id="8" name="直線矢印コネクタ 7">
+              <a:extLst>
+                <a:ext uri="{FF2B5EF4-FFF2-40B4-BE49-F238E27FC236}">
+                  <a16:creationId xmlns:a16="http://schemas.microsoft.com/office/drawing/2014/main" id="{D9FAD72A-C831-4665-B152-3A2031EFC9C6}"/>
+                </a:ext>
+              </a:extLst>
+            </p:cNvPr>
+            <p:cNvCxnSpPr>
+              <a:cxnSpLocks/>
+            </p:cNvCxnSpPr>
+            <p:nvPr/>
+          </p:nvCxnSpPr>
+          <p:spPr>
+            <a:xfrm>
+              <a:off x="683568" y="5517232"/>
+              <a:ext cx="360040" cy="0"/>
+            </a:xfrm>
+            <a:prstGeom prst="straightConnector1">
+              <a:avLst/>
+            </a:prstGeom>
+            <a:ln w="12700">
+              <a:solidFill>
+                <a:schemeClr val="tx1"/>
+              </a:solidFill>
+              <a:tailEnd type="triangle"/>
+            </a:ln>
+          </p:spPr>
+          <p:style>
+            <a:lnRef idx="1">
+              <a:schemeClr val="accent1"/>
+            </a:lnRef>
+            <a:fillRef idx="0">
+              <a:schemeClr val="accent1"/>
+            </a:fillRef>
+            <a:effectRef idx="0">
+              <a:schemeClr val="accent1"/>
+            </a:effectRef>
+            <a:fontRef idx="minor">
+              <a:schemeClr val="tx1"/>
+            </a:fontRef>
+          </p:style>
+        </p:cxnSp>
+        <mc:AlternateContent xmlns:mc="http://schemas.openxmlformats.org/markup-compatibility/2006">
+          <mc:Choice xmlns:a14="http://schemas.microsoft.com/office/drawing/2010/main" Requires="a14">
+            <p:sp>
+              <p:nvSpPr>
+                <p:cNvPr id="9" name="テキスト ボックス 8">
+                  <a:extLst>
+                    <a:ext uri="{FF2B5EF4-FFF2-40B4-BE49-F238E27FC236}">
+                      <a16:creationId xmlns:a16="http://schemas.microsoft.com/office/drawing/2014/main" id="{C10B8AE7-1B3C-428F-A466-88F2B3B76B2A}"/>
+                    </a:ext>
+                  </a:extLst>
+                </p:cNvPr>
+                <p:cNvSpPr txBox="1"/>
+                <p:nvPr/>
+              </p:nvSpPr>
+              <p:spPr>
+                <a:xfrm>
+                  <a:off x="107504" y="4829342"/>
+                  <a:ext cx="648072" cy="461665"/>
+                </a:xfrm>
+                <a:prstGeom prst="rect">
+                  <a:avLst/>
+                </a:prstGeom>
+                <a:noFill/>
+                <a:ln w="19050" cap="rnd">
+                  <a:noFill/>
+                </a:ln>
+              </p:spPr>
+              <p:txBody>
+                <a:bodyPr wrap="square" rtlCol="0">
+                  <a:spAutoFit/>
+                </a:bodyPr>
+                <a:lstStyle/>
+                <a:p>
+                  <a14:m>
+                    <m:oMathPara xmlns:m="http://schemas.openxmlformats.org/officeDocument/2006/math">
+                      <m:oMathParaPr>
+                        <m:jc m:val="centerGroup"/>
+                      </m:oMathParaPr>
+                      <m:oMath xmlns:m="http://schemas.openxmlformats.org/officeDocument/2006/math">
+                        <m:r>
+                          <a:rPr kumimoji="1" lang="en-US" altLang="ja-JP" sz="2400" b="0" i="1" smtClean="0">
+                            <a:latin typeface="Cambria Math" panose="02040503050406030204" pitchFamily="18" charset="0"/>
+                          </a:rPr>
+                          <m:t> </m:t>
+                        </m:r>
+                        <m:r>
+                          <a:rPr kumimoji="1" lang="en-US" altLang="ja-JP" sz="2400" b="0" i="1" smtClean="0">
+                            <a:latin typeface="Cambria Math" panose="02040503050406030204" pitchFamily="18" charset="0"/>
+                          </a:rPr>
+                          <m:t>𝑃</m:t>
+                        </m:r>
+                      </m:oMath>
+                    </m:oMathPara>
+                  </a14:m>
+                  <a:endParaRPr kumimoji="1" lang="ja-JP" altLang="en-US" sz="2400">
+                    <a:latin typeface="Courier New" pitchFamily="49" charset="0"/>
+                    <a:ea typeface="ＭＳ ゴシック" pitchFamily="49" charset="-128"/>
+                    <a:cs typeface="Courier New" pitchFamily="49" charset="0"/>
+                  </a:endParaRPr>
+                </a:p>
+              </p:txBody>
+            </p:sp>
+          </mc:Choice>
+          <mc:Fallback>
+            <p:sp>
+              <p:nvSpPr>
+                <p:cNvPr id="9" name="テキスト ボックス 8">
+                  <a:extLst>
+                    <a:ext uri="{FF2B5EF4-FFF2-40B4-BE49-F238E27FC236}">
+                      <a16:creationId xmlns:a16="http://schemas.microsoft.com/office/drawing/2014/main" id="{C10B8AE7-1B3C-428F-A466-88F2B3B76B2A}"/>
+                    </a:ext>
+                  </a:extLst>
+                </p:cNvPr>
+                <p:cNvSpPr txBox="1">
+                  <a:spLocks noRot="1" noChangeAspect="1" noMove="1" noResize="1" noEditPoints="1" noAdjustHandles="1" noChangeArrowheads="1" noChangeShapeType="1" noTextEdit="1"/>
+                </p:cNvSpPr>
+                <p:nvPr/>
+              </p:nvSpPr>
+              <p:spPr>
+                <a:xfrm>
+                  <a:off x="107504" y="4829342"/>
+                  <a:ext cx="648072" cy="461665"/>
+                </a:xfrm>
+                <a:prstGeom prst="rect">
+                  <a:avLst/>
+                </a:prstGeom>
+                <a:blipFill>
+                  <a:blip r:embed="rId3"/>
+                  <a:stretch>
+                    <a:fillRect/>
+                  </a:stretch>
+                </a:blipFill>
+                <a:ln w="19050" cap="rnd">
+                  <a:noFill/>
+                </a:ln>
+              </p:spPr>
+              <p:txBody>
+                <a:bodyPr/>
+                <a:lstStyle/>
+                <a:p>
+                  <a:r>
+                    <a:rPr lang="ja-JP" altLang="en-US">
+                      <a:noFill/>
+                    </a:rPr>
+                    <a:t> </a:t>
+                  </a:r>
+                </a:p>
+              </p:txBody>
+            </p:sp>
+          </mc:Fallback>
+        </mc:AlternateContent>
+        <mc:AlternateContent xmlns:mc="http://schemas.openxmlformats.org/markup-compatibility/2006">
+          <mc:Choice xmlns:a14="http://schemas.microsoft.com/office/drawing/2010/main" Requires="a14">
+            <p:sp>
+              <p:nvSpPr>
+                <p:cNvPr id="10" name="テキスト ボックス 9">
+                  <a:extLst>
+                    <a:ext uri="{FF2B5EF4-FFF2-40B4-BE49-F238E27FC236}">
+                      <a16:creationId xmlns:a16="http://schemas.microsoft.com/office/drawing/2014/main" id="{004D195F-43BC-4DD3-A772-47A356605995}"/>
+                    </a:ext>
+                  </a:extLst>
+                </p:cNvPr>
+                <p:cNvSpPr txBox="1"/>
+                <p:nvPr/>
+              </p:nvSpPr>
+              <p:spPr>
+                <a:xfrm>
+                  <a:off x="107504" y="5276198"/>
+                  <a:ext cx="648072" cy="461665"/>
+                </a:xfrm>
+                <a:prstGeom prst="rect">
+                  <a:avLst/>
+                </a:prstGeom>
+                <a:noFill/>
+                <a:ln w="19050" cap="rnd">
+                  <a:noFill/>
+                </a:ln>
+              </p:spPr>
+              <p:txBody>
+                <a:bodyPr wrap="square" rtlCol="0">
+                  <a:spAutoFit/>
+                </a:bodyPr>
+                <a:lstStyle/>
+                <a:p>
+                  <a14:m>
+                    <m:oMathPara xmlns:m="http://schemas.openxmlformats.org/officeDocument/2006/math">
+                      <m:oMathParaPr>
+                        <m:jc m:val="centerGroup"/>
+                      </m:oMathParaPr>
+                      <m:oMath xmlns:m="http://schemas.openxmlformats.org/officeDocument/2006/math">
+                        <m:r>
+                          <a:rPr kumimoji="1" lang="en-US" altLang="ja-JP" sz="2400" b="0" i="1" smtClean="0">
+                            <a:latin typeface="Cambria Math" panose="02040503050406030204" pitchFamily="18" charset="0"/>
+                          </a:rPr>
+                          <m:t> </m:t>
+                        </m:r>
+                        <m:r>
+                          <a:rPr kumimoji="1" lang="en-US" altLang="ja-JP" sz="2400" b="0" i="1" smtClean="0">
+                            <a:latin typeface="Cambria Math" panose="02040503050406030204" pitchFamily="18" charset="0"/>
+                          </a:rPr>
+                          <m:t>𝑎𝑃</m:t>
+                        </m:r>
+                      </m:oMath>
+                    </m:oMathPara>
+                  </a14:m>
+                  <a:endParaRPr kumimoji="1" lang="ja-JP" altLang="en-US" sz="2400">
+                    <a:latin typeface="Courier New" pitchFamily="49" charset="0"/>
+                    <a:ea typeface="ＭＳ ゴシック" pitchFamily="49" charset="-128"/>
+                    <a:cs typeface="Courier New" pitchFamily="49" charset="0"/>
+                  </a:endParaRPr>
+                </a:p>
+              </p:txBody>
+            </p:sp>
+          </mc:Choice>
+          <mc:Fallback>
+            <p:sp>
+              <p:nvSpPr>
+                <p:cNvPr id="10" name="テキスト ボックス 9">
+                  <a:extLst>
+                    <a:ext uri="{FF2B5EF4-FFF2-40B4-BE49-F238E27FC236}">
+                      <a16:creationId xmlns:a16="http://schemas.microsoft.com/office/drawing/2014/main" id="{004D195F-43BC-4DD3-A772-47A356605995}"/>
+                    </a:ext>
+                  </a:extLst>
+                </p:cNvPr>
+                <p:cNvSpPr txBox="1">
+                  <a:spLocks noRot="1" noChangeAspect="1" noMove="1" noResize="1" noEditPoints="1" noAdjustHandles="1" noChangeArrowheads="1" noChangeShapeType="1" noTextEdit="1"/>
+                </p:cNvSpPr>
+                <p:nvPr/>
+              </p:nvSpPr>
+              <p:spPr>
+                <a:xfrm>
+                  <a:off x="107504" y="5276198"/>
+                  <a:ext cx="648072" cy="461665"/>
+                </a:xfrm>
+                <a:prstGeom prst="rect">
+                  <a:avLst/>
+                </a:prstGeom>
+                <a:blipFill>
+                  <a:blip r:embed="rId4"/>
+                  <a:stretch>
+                    <a:fillRect/>
+                  </a:stretch>
+                </a:blipFill>
+                <a:ln w="19050" cap="rnd">
+                  <a:noFill/>
+                </a:ln>
+              </p:spPr>
+              <p:txBody>
+                <a:bodyPr/>
+                <a:lstStyle/>
+                <a:p>
+                  <a:r>
+                    <a:rPr lang="ja-JP" altLang="en-US">
+                      <a:noFill/>
+                    </a:rPr>
+                    <a:t> </a:t>
+                  </a:r>
+                </a:p>
+              </p:txBody>
+            </p:sp>
+          </mc:Fallback>
+        </mc:AlternateContent>
+        <p:cxnSp>
+          <p:nvCxnSpPr>
+            <p:cNvPr id="11" name="直線矢印コネクタ 10">
+              <a:extLst>
+                <a:ext uri="{FF2B5EF4-FFF2-40B4-BE49-F238E27FC236}">
+                  <a16:creationId xmlns:a16="http://schemas.microsoft.com/office/drawing/2014/main" id="{214DF745-308A-4F5E-87BF-5E08995145AA}"/>
+                </a:ext>
+              </a:extLst>
+            </p:cNvPr>
+            <p:cNvCxnSpPr>
+              <a:cxnSpLocks/>
+            </p:cNvCxnSpPr>
+            <p:nvPr/>
+          </p:nvCxnSpPr>
+          <p:spPr>
+            <a:xfrm>
+              <a:off x="2915816" y="5301891"/>
+              <a:ext cx="360040" cy="0"/>
+            </a:xfrm>
+            <a:prstGeom prst="straightConnector1">
+              <a:avLst/>
+            </a:prstGeom>
+            <a:ln w="12700">
+              <a:solidFill>
+                <a:schemeClr val="tx1"/>
+              </a:solidFill>
+              <a:tailEnd type="triangle"/>
+            </a:ln>
+          </p:spPr>
+          <p:style>
+            <a:lnRef idx="1">
+              <a:schemeClr val="accent1"/>
+            </a:lnRef>
+            <a:fillRef idx="0">
+              <a:schemeClr val="accent1"/>
+            </a:fillRef>
+            <a:effectRef idx="0">
+              <a:schemeClr val="accent1"/>
+            </a:effectRef>
+            <a:fontRef idx="minor">
+              <a:schemeClr val="tx1"/>
+            </a:fontRef>
+          </p:style>
+        </p:cxnSp>
+        <mc:AlternateContent xmlns:mc="http://schemas.openxmlformats.org/markup-compatibility/2006">
+          <mc:Choice xmlns:a14="http://schemas.microsoft.com/office/drawing/2010/main" Requires="a14">
+            <p:sp>
+              <p:nvSpPr>
+                <p:cNvPr id="12" name="テキスト ボックス 11">
+                  <a:extLst>
+                    <a:ext uri="{FF2B5EF4-FFF2-40B4-BE49-F238E27FC236}">
+                      <a16:creationId xmlns:a16="http://schemas.microsoft.com/office/drawing/2014/main" id="{CEFB03B3-310A-4BC6-A9F9-72AF2B99EA8A}"/>
+                    </a:ext>
+                  </a:extLst>
+                </p:cNvPr>
+                <p:cNvSpPr txBox="1"/>
+                <p:nvPr/>
+              </p:nvSpPr>
+              <p:spPr>
+                <a:xfrm>
+                  <a:off x="3275856" y="5085184"/>
+                  <a:ext cx="648072" cy="461665"/>
+                </a:xfrm>
+                <a:prstGeom prst="rect">
+                  <a:avLst/>
+                </a:prstGeom>
+                <a:noFill/>
+                <a:ln w="19050" cap="rnd">
+                  <a:noFill/>
+                </a:ln>
+              </p:spPr>
+              <p:txBody>
+                <a:bodyPr wrap="square" rtlCol="0">
+                  <a:spAutoFit/>
+                </a:bodyPr>
+                <a:lstStyle/>
+                <a:p>
+                  <a14:m>
+                    <m:oMathPara xmlns:m="http://schemas.openxmlformats.org/officeDocument/2006/math">
+                      <m:oMathParaPr>
+                        <m:jc m:val="centerGroup"/>
+                      </m:oMathParaPr>
+                      <m:oMath xmlns:m="http://schemas.openxmlformats.org/officeDocument/2006/math">
+                        <m:r>
+                          <a:rPr kumimoji="1" lang="en-US" altLang="ja-JP" sz="2400" b="0" i="1" smtClean="0">
+                            <a:latin typeface="Cambria Math" panose="02040503050406030204" pitchFamily="18" charset="0"/>
+                          </a:rPr>
+                          <m:t>𝑎</m:t>
+                        </m:r>
+                      </m:oMath>
+                    </m:oMathPara>
+                  </a14:m>
+                  <a:endParaRPr kumimoji="1" lang="ja-JP" altLang="en-US" sz="2400">
+                    <a:latin typeface="Courier New" pitchFamily="49" charset="0"/>
+                    <a:ea typeface="ＭＳ ゴシック" pitchFamily="49" charset="-128"/>
+                    <a:cs typeface="Courier New" pitchFamily="49" charset="0"/>
+                  </a:endParaRPr>
+                </a:p>
+              </p:txBody>
+            </p:sp>
+          </mc:Choice>
+          <mc:Fallback>
+            <p:sp>
+              <p:nvSpPr>
+                <p:cNvPr id="12" name="テキスト ボックス 11">
+                  <a:extLst>
+                    <a:ext uri="{FF2B5EF4-FFF2-40B4-BE49-F238E27FC236}">
+                      <a16:creationId xmlns:a16="http://schemas.microsoft.com/office/drawing/2014/main" id="{CEFB03B3-310A-4BC6-A9F9-72AF2B99EA8A}"/>
+                    </a:ext>
+                  </a:extLst>
+                </p:cNvPr>
+                <p:cNvSpPr txBox="1">
+                  <a:spLocks noRot="1" noChangeAspect="1" noMove="1" noResize="1" noEditPoints="1" noAdjustHandles="1" noChangeArrowheads="1" noChangeShapeType="1" noTextEdit="1"/>
+                </p:cNvSpPr>
+                <p:nvPr/>
+              </p:nvSpPr>
+              <p:spPr>
+                <a:xfrm>
+                  <a:off x="3275856" y="5085184"/>
+                  <a:ext cx="648072" cy="461665"/>
+                </a:xfrm>
+                <a:prstGeom prst="rect">
+                  <a:avLst/>
+                </a:prstGeom>
+                <a:blipFill>
+                  <a:blip r:embed="rId5"/>
+                  <a:stretch>
+                    <a:fillRect/>
+                  </a:stretch>
+                </a:blipFill>
+                <a:ln w="19050" cap="rnd">
+                  <a:noFill/>
+                </a:ln>
+              </p:spPr>
+              <p:txBody>
+                <a:bodyPr/>
+                <a:lstStyle/>
+                <a:p>
+                  <a:r>
+                    <a:rPr lang="ja-JP" altLang="en-US">
+                      <a:noFill/>
+                    </a:rPr>
+                    <a:t> </a:t>
+                  </a:r>
+                </a:p>
+              </p:txBody>
+            </p:sp>
+          </mc:Fallback>
+        </mc:AlternateContent>
+      </p:grpSp>
+      <mc:AlternateContent xmlns:mc="http://schemas.openxmlformats.org/markup-compatibility/2006">
+        <mc:Choice xmlns:a14="http://schemas.microsoft.com/office/drawing/2010/main" Requires="a14">
+          <p:sp>
+            <p:nvSpPr>
+              <p:cNvPr id="13" name="テキスト ボックス 12">
+                <a:extLst>
+                  <a:ext uri="{FF2B5EF4-FFF2-40B4-BE49-F238E27FC236}">
+                    <a16:creationId xmlns:a16="http://schemas.microsoft.com/office/drawing/2014/main" id="{657E4B65-55B0-4AED-9C19-A05B506EAC0C}"/>
+                  </a:ext>
+                </a:extLst>
+              </p:cNvPr>
+              <p:cNvSpPr txBox="1"/>
+              <p:nvPr/>
+            </p:nvSpPr>
+            <p:spPr>
+              <a:xfrm>
+                <a:off x="3113584" y="4737338"/>
+                <a:ext cx="648072" cy="707886"/>
+              </a:xfrm>
+              <a:prstGeom prst="rect">
+                <a:avLst/>
+              </a:prstGeom>
+              <a:noFill/>
+              <a:ln w="19050" cap="rnd">
+                <a:noFill/>
+              </a:ln>
+            </p:spPr>
+            <p:txBody>
+              <a:bodyPr wrap="square" rtlCol="0">
+                <a:spAutoFit/>
+              </a:bodyPr>
+              <a:lstStyle/>
+              <a:p>
+                <a14:m>
+                  <m:oMathPara xmlns:m="http://schemas.openxmlformats.org/officeDocument/2006/math">
+                    <m:oMathParaPr>
+                      <m:jc m:val="centerGroup"/>
+                    </m:oMathParaPr>
+                    <m:oMath xmlns:m="http://schemas.openxmlformats.org/officeDocument/2006/math">
+                      <m:r>
+                        <a:rPr kumimoji="1" lang="en-US" altLang="ja-JP" sz="4000" b="0" i="1" smtClean="0">
+                          <a:solidFill>
+                            <a:srgbClr val="FF0000"/>
+                          </a:solidFill>
+                          <a:latin typeface="Cambria Math" panose="02040503050406030204" pitchFamily="18" charset="0"/>
+                        </a:rPr>
+                        <m:t>×</m:t>
+                      </m:r>
+                    </m:oMath>
+                  </m:oMathPara>
+                </a14:m>
+                <a:endParaRPr kumimoji="1" lang="ja-JP" altLang="en-US" sz="4000">
+                  <a:solidFill>
+                    <a:srgbClr val="FF0000"/>
+                  </a:solidFill>
+                  <a:latin typeface="Courier New" pitchFamily="49" charset="0"/>
+                  <a:ea typeface="ＭＳ ゴシック" pitchFamily="49" charset="-128"/>
+                  <a:cs typeface="Courier New" pitchFamily="49" charset="0"/>
+                </a:endParaRPr>
+              </a:p>
+            </p:txBody>
+          </p:sp>
+        </mc:Choice>
+        <mc:Fallback>
+          <p:sp>
+            <p:nvSpPr>
+              <p:cNvPr id="13" name="テキスト ボックス 12">
+                <a:extLst>
+                  <a:ext uri="{FF2B5EF4-FFF2-40B4-BE49-F238E27FC236}">
+                    <a16:creationId xmlns:a16="http://schemas.microsoft.com/office/drawing/2014/main" id="{657E4B65-55B0-4AED-9C19-A05B506EAC0C}"/>
+                  </a:ext>
+                </a:extLst>
+              </p:cNvPr>
+              <p:cNvSpPr txBox="1">
+                <a:spLocks noRot="1" noChangeAspect="1" noMove="1" noResize="1" noEditPoints="1" noAdjustHandles="1" noChangeArrowheads="1" noChangeShapeType="1" noTextEdit="1"/>
+              </p:cNvSpPr>
+              <p:nvPr/>
+            </p:nvSpPr>
+            <p:spPr>
+              <a:xfrm>
+                <a:off x="3113584" y="4737338"/>
+                <a:ext cx="648072" cy="707886"/>
+              </a:xfrm>
+              <a:prstGeom prst="rect">
+                <a:avLst/>
+              </a:prstGeom>
+              <a:blipFill>
+                <a:blip r:embed="rId6"/>
+                <a:stretch>
+                  <a:fillRect/>
+                </a:stretch>
+              </a:blipFill>
+              <a:ln w="19050" cap="rnd">
+                <a:noFill/>
+              </a:ln>
+            </p:spPr>
+            <p:txBody>
+              <a:bodyPr/>
+              <a:lstStyle/>
+              <a:p>
+                <a:r>
+                  <a:rPr lang="ja-JP" altLang="en-US">
+                    <a:noFill/>
+                  </a:rPr>
+                  <a:t> </a:t>
+                </a:r>
+              </a:p>
+            </p:txBody>
+          </p:sp>
+        </mc:Fallback>
+      </mc:AlternateContent>
+      <p:grpSp>
+        <p:nvGrpSpPr>
+          <p:cNvPr id="14" name="グループ化 13">
+            <a:extLst>
+              <a:ext uri="{FF2B5EF4-FFF2-40B4-BE49-F238E27FC236}">
+                <a16:creationId xmlns:a16="http://schemas.microsoft.com/office/drawing/2014/main" id="{087795A4-456C-439D-B1E2-AF088675F19B}"/>
+              </a:ext>
+            </a:extLst>
+          </p:cNvPr>
+          <p:cNvGrpSpPr/>
+          <p:nvPr/>
+        </p:nvGrpSpPr>
+        <p:grpSpPr>
+          <a:xfrm>
+            <a:off x="4788024" y="4429594"/>
+            <a:ext cx="3816424" cy="908521"/>
+            <a:chOff x="107504" y="4829342"/>
+            <a:chExt cx="3816424" cy="908521"/>
+          </a:xfrm>
+        </p:grpSpPr>
+        <p:sp>
+          <p:nvSpPr>
+            <p:cNvPr id="15" name="四角形: 角を丸くする 14">
+              <a:extLst>
+                <a:ext uri="{FF2B5EF4-FFF2-40B4-BE49-F238E27FC236}">
+                  <a16:creationId xmlns:a16="http://schemas.microsoft.com/office/drawing/2014/main" id="{CFE5AF92-16C5-4848-B0F2-5DF9FC508D7E}"/>
+                </a:ext>
+              </a:extLst>
+            </p:cNvPr>
+            <p:cNvSpPr/>
+            <p:nvPr/>
+          </p:nvSpPr>
+          <p:spPr>
+            <a:xfrm>
+              <a:off x="1043608" y="4967560"/>
+              <a:ext cx="1872208" cy="693688"/>
+            </a:xfrm>
+            <a:prstGeom prst="roundRect">
+              <a:avLst/>
+            </a:prstGeom>
+            <a:ln>
+              <a:solidFill>
+                <a:schemeClr val="tx1"/>
+              </a:solidFill>
+            </a:ln>
+          </p:spPr>
+          <p:style>
+            <a:lnRef idx="1">
+              <a:schemeClr val="accent1"/>
+            </a:lnRef>
+            <a:fillRef idx="0">
+              <a:schemeClr val="accent1"/>
+            </a:fillRef>
+            <a:effectRef idx="0">
+              <a:schemeClr val="accent1"/>
+            </a:effectRef>
+            <a:fontRef idx="minor">
+              <a:schemeClr val="tx1"/>
+            </a:fontRef>
+          </p:style>
+          <p:txBody>
+            <a:bodyPr rtlCol="0" anchor="ctr"/>
+            <a:lstStyle/>
+            <a:p>
+              <a:pPr algn="ctr"/>
+              <a:r>
+                <a:rPr kumimoji="1" lang="en-US" altLang="ja-JP" sz="2400"/>
+                <a:t>DHP</a:t>
+              </a:r>
+              <a:endParaRPr kumimoji="1" lang="ja-JP" altLang="en-US" sz="2400"/>
+            </a:p>
+          </p:txBody>
+        </p:sp>
+        <p:cxnSp>
+          <p:nvCxnSpPr>
+            <p:cNvPr id="16" name="直線矢印コネクタ 15">
+              <a:extLst>
+                <a:ext uri="{FF2B5EF4-FFF2-40B4-BE49-F238E27FC236}">
+                  <a16:creationId xmlns:a16="http://schemas.microsoft.com/office/drawing/2014/main" id="{5C3D73A1-4FC0-40D5-B7A0-7595CA36D538}"/>
+                </a:ext>
+              </a:extLst>
+            </p:cNvPr>
+            <p:cNvCxnSpPr>
+              <a:cxnSpLocks/>
+            </p:cNvCxnSpPr>
+            <p:nvPr/>
+          </p:nvCxnSpPr>
+          <p:spPr>
+            <a:xfrm>
+              <a:off x="683568" y="5085184"/>
+              <a:ext cx="360040" cy="0"/>
+            </a:xfrm>
+            <a:prstGeom prst="straightConnector1">
+              <a:avLst/>
+            </a:prstGeom>
+            <a:ln w="12700">
+              <a:solidFill>
+                <a:schemeClr val="tx1"/>
+              </a:solidFill>
+              <a:tailEnd type="triangle"/>
+            </a:ln>
+          </p:spPr>
+          <p:style>
+            <a:lnRef idx="1">
+              <a:schemeClr val="accent1"/>
+            </a:lnRef>
+            <a:fillRef idx="0">
+              <a:schemeClr val="accent1"/>
+            </a:fillRef>
+            <a:effectRef idx="0">
+              <a:schemeClr val="accent1"/>
+            </a:effectRef>
+            <a:fontRef idx="minor">
+              <a:schemeClr val="tx1"/>
+            </a:fontRef>
+          </p:style>
+        </p:cxnSp>
+        <p:cxnSp>
+          <p:nvCxnSpPr>
+            <p:cNvPr id="17" name="直線矢印コネクタ 16">
+              <a:extLst>
+                <a:ext uri="{FF2B5EF4-FFF2-40B4-BE49-F238E27FC236}">
+                  <a16:creationId xmlns:a16="http://schemas.microsoft.com/office/drawing/2014/main" id="{73613181-87EE-4780-884B-98FBDF97D41F}"/>
+                </a:ext>
+              </a:extLst>
+            </p:cNvPr>
+            <p:cNvCxnSpPr>
+              <a:cxnSpLocks/>
+            </p:cNvCxnSpPr>
+            <p:nvPr/>
+          </p:nvCxnSpPr>
+          <p:spPr>
+            <a:xfrm>
+              <a:off x="683568" y="5517232"/>
+              <a:ext cx="360040" cy="0"/>
+            </a:xfrm>
+            <a:prstGeom prst="straightConnector1">
+              <a:avLst/>
+            </a:prstGeom>
+            <a:ln w="12700">
+              <a:solidFill>
+                <a:schemeClr val="tx1"/>
+              </a:solidFill>
+              <a:tailEnd type="triangle"/>
+            </a:ln>
+          </p:spPr>
+          <p:style>
+            <a:lnRef idx="1">
+              <a:schemeClr val="accent1"/>
+            </a:lnRef>
+            <a:fillRef idx="0">
+              <a:schemeClr val="accent1"/>
+            </a:fillRef>
+            <a:effectRef idx="0">
+              <a:schemeClr val="accent1"/>
+            </a:effectRef>
+            <a:fontRef idx="minor">
+              <a:schemeClr val="tx1"/>
+            </a:fontRef>
+          </p:style>
+        </p:cxnSp>
+        <mc:AlternateContent xmlns:mc="http://schemas.openxmlformats.org/markup-compatibility/2006">
+          <mc:Choice xmlns:a14="http://schemas.microsoft.com/office/drawing/2010/main" Requires="a14">
+            <p:sp>
+              <p:nvSpPr>
+                <p:cNvPr id="18" name="テキスト ボックス 17">
+                  <a:extLst>
+                    <a:ext uri="{FF2B5EF4-FFF2-40B4-BE49-F238E27FC236}">
+                      <a16:creationId xmlns:a16="http://schemas.microsoft.com/office/drawing/2014/main" id="{34E74A04-6C3F-407A-9C0C-C5CD8A376B05}"/>
+                    </a:ext>
+                  </a:extLst>
+                </p:cNvPr>
+                <p:cNvSpPr txBox="1"/>
+                <p:nvPr/>
+              </p:nvSpPr>
+              <p:spPr>
+                <a:xfrm>
+                  <a:off x="107504" y="4829342"/>
+                  <a:ext cx="648072" cy="461665"/>
+                </a:xfrm>
+                <a:prstGeom prst="rect">
+                  <a:avLst/>
+                </a:prstGeom>
+                <a:noFill/>
+                <a:ln w="19050" cap="rnd">
+                  <a:noFill/>
+                </a:ln>
+              </p:spPr>
+              <p:txBody>
+                <a:bodyPr wrap="square" rtlCol="0">
+                  <a:spAutoFit/>
+                </a:bodyPr>
+                <a:lstStyle/>
+                <a:p>
+                  <a14:m>
+                    <m:oMathPara xmlns:m="http://schemas.openxmlformats.org/officeDocument/2006/math">
+                      <m:oMathParaPr>
+                        <m:jc m:val="centerGroup"/>
+                      </m:oMathParaPr>
+                      <m:oMath xmlns:m="http://schemas.openxmlformats.org/officeDocument/2006/math">
+                        <m:r>
+                          <a:rPr kumimoji="1" lang="en-US" altLang="ja-JP" sz="2400" b="0" i="1" smtClean="0">
+                            <a:latin typeface="Cambria Math" panose="02040503050406030204" pitchFamily="18" charset="0"/>
+                          </a:rPr>
+                          <m:t> </m:t>
+                        </m:r>
+                        <m:r>
+                          <a:rPr kumimoji="1" lang="en-US" altLang="ja-JP" sz="2400" b="0" i="1" smtClean="0">
+                            <a:latin typeface="Cambria Math" panose="02040503050406030204" pitchFamily="18" charset="0"/>
+                          </a:rPr>
+                          <m:t>𝑎𝑃</m:t>
+                        </m:r>
+                      </m:oMath>
+                    </m:oMathPara>
+                  </a14:m>
+                  <a:endParaRPr kumimoji="1" lang="ja-JP" altLang="en-US" sz="2400">
+                    <a:latin typeface="Courier New" pitchFamily="49" charset="0"/>
+                    <a:ea typeface="ＭＳ ゴシック" pitchFamily="49" charset="-128"/>
+                    <a:cs typeface="Courier New" pitchFamily="49" charset="0"/>
+                  </a:endParaRPr>
+                </a:p>
+              </p:txBody>
+            </p:sp>
+          </mc:Choice>
+          <mc:Fallback>
+            <p:sp>
+              <p:nvSpPr>
+                <p:cNvPr id="18" name="テキスト ボックス 17">
+                  <a:extLst>
+                    <a:ext uri="{FF2B5EF4-FFF2-40B4-BE49-F238E27FC236}">
+                      <a16:creationId xmlns:a16="http://schemas.microsoft.com/office/drawing/2014/main" id="{34E74A04-6C3F-407A-9C0C-C5CD8A376B05}"/>
+                    </a:ext>
+                  </a:extLst>
+                </p:cNvPr>
+                <p:cNvSpPr txBox="1">
+                  <a:spLocks noRot="1" noChangeAspect="1" noMove="1" noResize="1" noEditPoints="1" noAdjustHandles="1" noChangeArrowheads="1" noChangeShapeType="1" noTextEdit="1"/>
+                </p:cNvSpPr>
+                <p:nvPr/>
+              </p:nvSpPr>
+              <p:spPr>
+                <a:xfrm>
+                  <a:off x="107504" y="4829342"/>
+                  <a:ext cx="648072" cy="461665"/>
+                </a:xfrm>
+                <a:prstGeom prst="rect">
+                  <a:avLst/>
+                </a:prstGeom>
+                <a:blipFill>
+                  <a:blip r:embed="rId7"/>
+                  <a:stretch>
+                    <a:fillRect/>
+                  </a:stretch>
+                </a:blipFill>
+                <a:ln w="19050" cap="rnd">
+                  <a:noFill/>
+                </a:ln>
+              </p:spPr>
+              <p:txBody>
+                <a:bodyPr/>
+                <a:lstStyle/>
+                <a:p>
+                  <a:r>
+                    <a:rPr lang="ja-JP" altLang="en-US">
+                      <a:noFill/>
+                    </a:rPr>
+                    <a:t> </a:t>
+                  </a:r>
+                </a:p>
+              </p:txBody>
+            </p:sp>
+          </mc:Fallback>
+        </mc:AlternateContent>
+        <mc:AlternateContent xmlns:mc="http://schemas.openxmlformats.org/markup-compatibility/2006">
+          <mc:Choice xmlns:a14="http://schemas.microsoft.com/office/drawing/2010/main" Requires="a14">
+            <p:sp>
+              <p:nvSpPr>
+                <p:cNvPr id="19" name="テキスト ボックス 18">
+                  <a:extLst>
+                    <a:ext uri="{FF2B5EF4-FFF2-40B4-BE49-F238E27FC236}">
+                      <a16:creationId xmlns:a16="http://schemas.microsoft.com/office/drawing/2014/main" id="{5B676C2D-0932-4685-A03E-0B7F282BCB06}"/>
+                    </a:ext>
+                  </a:extLst>
+                </p:cNvPr>
+                <p:cNvSpPr txBox="1"/>
+                <p:nvPr/>
+              </p:nvSpPr>
+              <p:spPr>
+                <a:xfrm>
+                  <a:off x="107504" y="5276198"/>
+                  <a:ext cx="648072" cy="461665"/>
+                </a:xfrm>
+                <a:prstGeom prst="rect">
+                  <a:avLst/>
+                </a:prstGeom>
+                <a:noFill/>
+                <a:ln w="19050" cap="rnd">
+                  <a:noFill/>
+                </a:ln>
+              </p:spPr>
+              <p:txBody>
+                <a:bodyPr wrap="square" rtlCol="0">
+                  <a:spAutoFit/>
+                </a:bodyPr>
+                <a:lstStyle/>
+                <a:p>
+                  <a14:m>
+                    <m:oMathPara xmlns:m="http://schemas.openxmlformats.org/officeDocument/2006/math">
+                      <m:oMathParaPr>
+                        <m:jc m:val="centerGroup"/>
+                      </m:oMathParaPr>
+                      <m:oMath xmlns:m="http://schemas.openxmlformats.org/officeDocument/2006/math">
+                        <m:r>
+                          <a:rPr kumimoji="1" lang="en-US" altLang="ja-JP" sz="2400" b="0" i="1" smtClean="0">
+                            <a:latin typeface="Cambria Math" panose="02040503050406030204" pitchFamily="18" charset="0"/>
+                          </a:rPr>
+                          <m:t> </m:t>
+                        </m:r>
+                        <m:r>
+                          <a:rPr kumimoji="1" lang="en-US" altLang="ja-JP" sz="2400" b="0" i="1" smtClean="0">
+                            <a:latin typeface="Cambria Math" panose="02040503050406030204" pitchFamily="18" charset="0"/>
+                          </a:rPr>
+                          <m:t>𝑏𝑃</m:t>
+                        </m:r>
+                      </m:oMath>
+                    </m:oMathPara>
+                  </a14:m>
+                  <a:endParaRPr kumimoji="1" lang="ja-JP" altLang="en-US" sz="2400">
+                    <a:latin typeface="Courier New" pitchFamily="49" charset="0"/>
+                    <a:ea typeface="ＭＳ ゴシック" pitchFamily="49" charset="-128"/>
+                    <a:cs typeface="Courier New" pitchFamily="49" charset="0"/>
+                  </a:endParaRPr>
+                </a:p>
+              </p:txBody>
+            </p:sp>
+          </mc:Choice>
+          <mc:Fallback>
+            <p:sp>
+              <p:nvSpPr>
+                <p:cNvPr id="19" name="テキスト ボックス 18">
+                  <a:extLst>
+                    <a:ext uri="{FF2B5EF4-FFF2-40B4-BE49-F238E27FC236}">
+                      <a16:creationId xmlns:a16="http://schemas.microsoft.com/office/drawing/2014/main" id="{5B676C2D-0932-4685-A03E-0B7F282BCB06}"/>
+                    </a:ext>
+                  </a:extLst>
+                </p:cNvPr>
+                <p:cNvSpPr txBox="1">
+                  <a:spLocks noRot="1" noChangeAspect="1" noMove="1" noResize="1" noEditPoints="1" noAdjustHandles="1" noChangeArrowheads="1" noChangeShapeType="1" noTextEdit="1"/>
+                </p:cNvSpPr>
+                <p:nvPr/>
+              </p:nvSpPr>
+              <p:spPr>
+                <a:xfrm>
+                  <a:off x="107504" y="5276198"/>
+                  <a:ext cx="648072" cy="461665"/>
+                </a:xfrm>
+                <a:prstGeom prst="rect">
+                  <a:avLst/>
+                </a:prstGeom>
+                <a:blipFill>
+                  <a:blip r:embed="rId8"/>
+                  <a:stretch>
+                    <a:fillRect/>
+                  </a:stretch>
+                </a:blipFill>
+                <a:ln w="19050" cap="rnd">
+                  <a:noFill/>
+                </a:ln>
+              </p:spPr>
+              <p:txBody>
+                <a:bodyPr/>
+                <a:lstStyle/>
+                <a:p>
+                  <a:r>
+                    <a:rPr lang="ja-JP" altLang="en-US">
+                      <a:noFill/>
+                    </a:rPr>
+                    <a:t> </a:t>
+                  </a:r>
+                </a:p>
+              </p:txBody>
+            </p:sp>
+          </mc:Fallback>
+        </mc:AlternateContent>
+        <p:cxnSp>
+          <p:nvCxnSpPr>
+            <p:cNvPr id="20" name="直線矢印コネクタ 19">
+              <a:extLst>
+                <a:ext uri="{FF2B5EF4-FFF2-40B4-BE49-F238E27FC236}">
+                  <a16:creationId xmlns:a16="http://schemas.microsoft.com/office/drawing/2014/main" id="{4A1BADD6-405F-48B6-B445-639A3F99AA03}"/>
+                </a:ext>
+              </a:extLst>
+            </p:cNvPr>
+            <p:cNvCxnSpPr>
+              <a:cxnSpLocks/>
+            </p:cNvCxnSpPr>
+            <p:nvPr/>
+          </p:nvCxnSpPr>
+          <p:spPr>
+            <a:xfrm>
+              <a:off x="2915816" y="5301891"/>
+              <a:ext cx="360040" cy="0"/>
+            </a:xfrm>
+            <a:prstGeom prst="straightConnector1">
+              <a:avLst/>
+            </a:prstGeom>
+            <a:ln w="12700">
+              <a:solidFill>
+                <a:schemeClr val="tx1"/>
+              </a:solidFill>
+              <a:tailEnd type="triangle"/>
+            </a:ln>
+          </p:spPr>
+          <p:style>
+            <a:lnRef idx="1">
+              <a:schemeClr val="accent1"/>
+            </a:lnRef>
+            <a:fillRef idx="0">
+              <a:schemeClr val="accent1"/>
+            </a:fillRef>
+            <a:effectRef idx="0">
+              <a:schemeClr val="accent1"/>
+            </a:effectRef>
+            <a:fontRef idx="minor">
+              <a:schemeClr val="tx1"/>
+            </a:fontRef>
+          </p:style>
+        </p:cxnSp>
+        <mc:AlternateContent xmlns:mc="http://schemas.openxmlformats.org/markup-compatibility/2006">
+          <mc:Choice xmlns:a14="http://schemas.microsoft.com/office/drawing/2010/main" Requires="a14">
+            <p:sp>
+              <p:nvSpPr>
+                <p:cNvPr id="21" name="テキスト ボックス 20">
+                  <a:extLst>
+                    <a:ext uri="{FF2B5EF4-FFF2-40B4-BE49-F238E27FC236}">
+                      <a16:creationId xmlns:a16="http://schemas.microsoft.com/office/drawing/2014/main" id="{28380D62-FD1B-41D0-8719-1AA9FC2F1FA1}"/>
+                    </a:ext>
+                  </a:extLst>
+                </p:cNvPr>
+                <p:cNvSpPr txBox="1"/>
+                <p:nvPr/>
+              </p:nvSpPr>
+              <p:spPr>
+                <a:xfrm>
+                  <a:off x="3275856" y="5085184"/>
+                  <a:ext cx="648072" cy="461665"/>
+                </a:xfrm>
+                <a:prstGeom prst="rect">
+                  <a:avLst/>
+                </a:prstGeom>
+                <a:noFill/>
+                <a:ln w="19050" cap="rnd">
+                  <a:noFill/>
+                </a:ln>
+              </p:spPr>
+              <p:txBody>
+                <a:bodyPr wrap="square" rtlCol="0">
+                  <a:spAutoFit/>
+                </a:bodyPr>
+                <a:lstStyle/>
+                <a:p>
+                  <a14:m>
+                    <m:oMathPara xmlns:m="http://schemas.openxmlformats.org/officeDocument/2006/math">
+                      <m:oMathParaPr>
+                        <m:jc m:val="centerGroup"/>
+                      </m:oMathParaPr>
+                      <m:oMath xmlns:m="http://schemas.openxmlformats.org/officeDocument/2006/math">
+                        <m:r>
+                          <a:rPr kumimoji="1" lang="en-US" altLang="ja-JP" sz="2400" b="0" i="1" smtClean="0">
+                            <a:latin typeface="Cambria Math" panose="02040503050406030204" pitchFamily="18" charset="0"/>
+                            <a:ea typeface="ＭＳ ゴシック" pitchFamily="49" charset="-128"/>
+                            <a:cs typeface="Courier New" pitchFamily="49" charset="0"/>
+                          </a:rPr>
+                          <m:t>𝑎𝑏𝑃</m:t>
+                        </m:r>
+                      </m:oMath>
+                    </m:oMathPara>
+                  </a14:m>
+                  <a:endParaRPr kumimoji="1" lang="ja-JP" altLang="en-US" sz="2400">
+                    <a:latin typeface="Courier New" pitchFamily="49" charset="0"/>
+                    <a:ea typeface="ＭＳ ゴシック" pitchFamily="49" charset="-128"/>
+                    <a:cs typeface="Courier New" pitchFamily="49" charset="0"/>
+                  </a:endParaRPr>
+                </a:p>
+              </p:txBody>
+            </p:sp>
+          </mc:Choice>
+          <mc:Fallback>
+            <p:sp>
+              <p:nvSpPr>
+                <p:cNvPr id="21" name="テキスト ボックス 20">
+                  <a:extLst>
+                    <a:ext uri="{FF2B5EF4-FFF2-40B4-BE49-F238E27FC236}">
+                      <a16:creationId xmlns:a16="http://schemas.microsoft.com/office/drawing/2014/main" id="{28380D62-FD1B-41D0-8719-1AA9FC2F1FA1}"/>
+                    </a:ext>
+                  </a:extLst>
+                </p:cNvPr>
+                <p:cNvSpPr txBox="1">
+                  <a:spLocks noRot="1" noChangeAspect="1" noMove="1" noResize="1" noEditPoints="1" noAdjustHandles="1" noChangeArrowheads="1" noChangeShapeType="1" noTextEdit="1"/>
+                </p:cNvSpPr>
+                <p:nvPr/>
+              </p:nvSpPr>
+              <p:spPr>
+                <a:xfrm>
+                  <a:off x="3275856" y="5085184"/>
+                  <a:ext cx="648072" cy="461665"/>
+                </a:xfrm>
+                <a:prstGeom prst="rect">
+                  <a:avLst/>
+                </a:prstGeom>
+                <a:blipFill>
+                  <a:blip r:embed="rId9"/>
+                  <a:stretch>
+                    <a:fillRect l="-2830" r="-12264"/>
+                  </a:stretch>
+                </a:blipFill>
+                <a:ln w="19050" cap="rnd">
+                  <a:noFill/>
+                </a:ln>
+              </p:spPr>
+              <p:txBody>
+                <a:bodyPr/>
+                <a:lstStyle/>
+                <a:p>
+                  <a:r>
+                    <a:rPr lang="ja-JP" altLang="en-US">
+                      <a:noFill/>
+                    </a:rPr>
+                    <a:t> </a:t>
+                  </a:r>
+                </a:p>
+              </p:txBody>
+            </p:sp>
+          </mc:Fallback>
+        </mc:AlternateContent>
+      </p:grpSp>
+      <mc:AlternateContent xmlns:mc="http://schemas.openxmlformats.org/markup-compatibility/2006">
+        <mc:Choice xmlns:a14="http://schemas.microsoft.com/office/drawing/2010/main" Requires="a14">
+          <p:sp>
+            <p:nvSpPr>
+              <p:cNvPr id="22" name="テキスト ボックス 21">
+                <a:extLst>
+                  <a:ext uri="{FF2B5EF4-FFF2-40B4-BE49-F238E27FC236}">
+                    <a16:creationId xmlns:a16="http://schemas.microsoft.com/office/drawing/2014/main" id="{97727CA8-8D01-45ED-8C63-EDD17B697A29}"/>
+                  </a:ext>
+                </a:extLst>
+              </p:cNvPr>
+              <p:cNvSpPr txBox="1"/>
+              <p:nvPr/>
+            </p:nvSpPr>
+            <p:spPr>
+              <a:xfrm>
+                <a:off x="7578080" y="4737338"/>
+                <a:ext cx="648072" cy="707886"/>
+              </a:xfrm>
+              <a:prstGeom prst="rect">
+                <a:avLst/>
+              </a:prstGeom>
+              <a:noFill/>
+              <a:ln w="19050" cap="rnd">
+                <a:noFill/>
+              </a:ln>
+            </p:spPr>
+            <p:txBody>
+              <a:bodyPr wrap="square" rtlCol="0">
+                <a:spAutoFit/>
+              </a:bodyPr>
+              <a:lstStyle/>
+              <a:p>
+                <a14:m>
+                  <m:oMathPara xmlns:m="http://schemas.openxmlformats.org/officeDocument/2006/math">
+                    <m:oMathParaPr>
+                      <m:jc m:val="centerGroup"/>
+                    </m:oMathParaPr>
+                    <m:oMath xmlns:m="http://schemas.openxmlformats.org/officeDocument/2006/math">
+                      <m:r>
+                        <a:rPr kumimoji="1" lang="en-US" altLang="ja-JP" sz="4000" b="0" i="1" smtClean="0">
+                          <a:solidFill>
+                            <a:srgbClr val="FF0000"/>
+                          </a:solidFill>
+                          <a:latin typeface="Cambria Math" panose="02040503050406030204" pitchFamily="18" charset="0"/>
+                        </a:rPr>
+                        <m:t>×</m:t>
+                      </m:r>
+                    </m:oMath>
+                  </m:oMathPara>
+                </a14:m>
+                <a:endParaRPr kumimoji="1" lang="ja-JP" altLang="en-US" sz="4000">
+                  <a:solidFill>
+                    <a:srgbClr val="FF0000"/>
+                  </a:solidFill>
+                  <a:latin typeface="Courier New" pitchFamily="49" charset="0"/>
+                  <a:ea typeface="ＭＳ ゴシック" pitchFamily="49" charset="-128"/>
+                  <a:cs typeface="Courier New" pitchFamily="49" charset="0"/>
+                </a:endParaRPr>
+              </a:p>
+            </p:txBody>
+          </p:sp>
+        </mc:Choice>
+        <mc:Fallback>
+          <p:sp>
+            <p:nvSpPr>
+              <p:cNvPr id="22" name="テキスト ボックス 21">
+                <a:extLst>
+                  <a:ext uri="{FF2B5EF4-FFF2-40B4-BE49-F238E27FC236}">
+                    <a16:creationId xmlns:a16="http://schemas.microsoft.com/office/drawing/2014/main" id="{97727CA8-8D01-45ED-8C63-EDD17B697A29}"/>
+                  </a:ext>
+                </a:extLst>
+              </p:cNvPr>
+              <p:cNvSpPr txBox="1">
+                <a:spLocks noRot="1" noChangeAspect="1" noMove="1" noResize="1" noEditPoints="1" noAdjustHandles="1" noChangeArrowheads="1" noChangeShapeType="1" noTextEdit="1"/>
+              </p:cNvSpPr>
+              <p:nvPr/>
+            </p:nvSpPr>
+            <p:spPr>
+              <a:xfrm>
+                <a:off x="7578080" y="4737338"/>
+                <a:ext cx="648072" cy="707886"/>
+              </a:xfrm>
+              <a:prstGeom prst="rect">
+                <a:avLst/>
+              </a:prstGeom>
+              <a:blipFill>
+                <a:blip r:embed="rId10"/>
+                <a:stretch>
+                  <a:fillRect/>
+                </a:stretch>
+              </a:blipFill>
+              <a:ln w="19050" cap="rnd">
+                <a:noFill/>
+              </a:ln>
+            </p:spPr>
+            <p:txBody>
+              <a:bodyPr/>
+              <a:lstStyle/>
+              <a:p>
+                <a:r>
+                  <a:rPr lang="ja-JP" altLang="en-US">
+                    <a:noFill/>
+                  </a:rPr>
+                  <a:t> </a:t>
+                </a:r>
+              </a:p>
+            </p:txBody>
+          </p:sp>
+        </mc:Fallback>
+      </mc:AlternateContent>
     </p:spTree>
     <p:extLst>
       <p:ext uri="{BB962C8B-B14F-4D97-AF65-F5344CB8AC3E}">
-        <p14:creationId xmlns:p14="http://schemas.microsoft.com/office/powerpoint/2010/main" val="3049584271"/>
+        <p14:creationId xmlns:p14="http://schemas.microsoft.com/office/powerpoint/2010/main" val="106551989"/>
       </p:ext>
     </p:extLst>
   </p:cSld>
@@ -3827,7 +5632,7 @@
 </p:sld>
 </file>
 
-<file path=ppt/slides/slide5.xml><?xml version="1.0" encoding="utf-8"?>
+<file path=ppt/slides/slide4.xml><?xml version="1.0" encoding="utf-8"?>
 <p:sld xmlns:a="http://schemas.openxmlformats.org/drawingml/2006/main" xmlns:r="http://schemas.openxmlformats.org/officeDocument/2006/relationships" xmlns:p="http://schemas.openxmlformats.org/presentationml/2006/main">
   <p:cSld>
     <p:spTree>
@@ -3844,8 +5649,8 @@
           <a:chExt cx="0" cy="0"/>
         </a:xfrm>
       </p:grpSpPr>
-      <mc:AlternateContent xmlns:mc="http://schemas.openxmlformats.org/markup-compatibility/2006">
-        <mc:Choice xmlns:a14="http://schemas.microsoft.com/office/drawing/2010/main" Requires="a14">
+      <mc:AlternateContent xmlns:mc="http://schemas.openxmlformats.org/markup-compatibility/2006" xmlns:a14="http://schemas.microsoft.com/office/drawing/2010/main">
+        <mc:Choice Requires="a14">
           <p:sp>
             <p:nvSpPr>
               <p:cNvPr id="2" name="コンテンツ プレースホルダー 1">
@@ -4393,7 +6198,7 @@
             </p:txBody>
           </p:sp>
         </mc:Choice>
-        <mc:Fallback>
+        <mc:Fallback xmlns="">
           <p:sp>
             <p:nvSpPr>
               <p:cNvPr id="2" name="コンテンツ プレースホルダー 1">
@@ -4466,7 +6271,7 @@
               <a:pPr>
                 <a:defRPr/>
               </a:pPr>
-              <a:t>5</a:t>
+              <a:t>4</a:t>
             </a:fld>
             <a:r>
               <a:rPr lang="en-US" altLang="ja-JP"/>
@@ -4524,6 +6329,456 @@
 </p:sld>
 </file>
 
+<file path=ppt/slides/slide5.xml><?xml version="1.0" encoding="utf-8"?>
+<p:sld xmlns:a="http://schemas.openxmlformats.org/drawingml/2006/main" xmlns:r="http://schemas.openxmlformats.org/officeDocument/2006/relationships" xmlns:p="http://schemas.openxmlformats.org/presentationml/2006/main">
+  <p:cSld>
+    <p:spTree>
+      <p:nvGrpSpPr>
+        <p:cNvPr id="1" name=""/>
+        <p:cNvGrpSpPr/>
+        <p:nvPr/>
+      </p:nvGrpSpPr>
+      <p:grpSpPr>
+        <a:xfrm>
+          <a:off x="0" y="0"/>
+          <a:ext cx="0" cy="0"/>
+          <a:chOff x="0" y="0"/>
+          <a:chExt cx="0" cy="0"/>
+        </a:xfrm>
+      </p:grpSpPr>
+      <mc:AlternateContent xmlns:mc="http://schemas.openxmlformats.org/markup-compatibility/2006">
+        <mc:Choice xmlns:a14="http://schemas.microsoft.com/office/drawing/2010/main" Requires="a14">
+          <p:sp>
+            <p:nvSpPr>
+              <p:cNvPr id="2" name="コンテンツ プレースホルダー 1">
+                <a:extLst>
+                  <a:ext uri="{FF2B5EF4-FFF2-40B4-BE49-F238E27FC236}">
+                    <a16:creationId xmlns:a16="http://schemas.microsoft.com/office/drawing/2014/main" id="{88B8A96E-10CC-46C0-A7D1-96D0E8D3EF5D}"/>
+                  </a:ext>
+                </a:extLst>
+              </p:cNvPr>
+              <p:cNvSpPr>
+                <a:spLocks noGrp="1"/>
+              </p:cNvSpPr>
+              <p:nvPr>
+                <p:ph idx="1"/>
+              </p:nvPr>
+            </p:nvSpPr>
+            <p:spPr/>
+            <p:txBody>
+              <a:bodyPr/>
+              <a:lstStyle/>
+              <a:p>
+                <a:r>
+                  <a:rPr kumimoji="1" lang="ja-JP" altLang="en-US"/>
+                  <a:t>攻撃者は公開鍵と暗号文を知っている</a:t>
+                </a:r>
+                <a:endParaRPr kumimoji="1" lang="en-US" altLang="ja-JP"/>
+              </a:p>
+              <a:p>
+                <a:pPr lvl="1"/>
+                <a14:m>
+                  <m:oMath xmlns:m="http://schemas.openxmlformats.org/officeDocument/2006/math">
+                    <m:r>
+                      <a:rPr kumimoji="1" lang="en-US" altLang="ja-JP" b="0" i="1" smtClean="0">
+                        <a:latin typeface="Cambria Math" panose="02040503050406030204" pitchFamily="18" charset="0"/>
+                      </a:rPr>
+                      <m:t>𝑃</m:t>
+                    </m:r>
+                    <m:r>
+                      <a:rPr kumimoji="1" lang="en-US" altLang="ja-JP" b="0" i="1" smtClean="0">
+                        <a:latin typeface="Cambria Math" panose="02040503050406030204" pitchFamily="18" charset="0"/>
+                      </a:rPr>
+                      <m:t>, </m:t>
+                    </m:r>
+                    <m:r>
+                      <a:rPr kumimoji="1" lang="en-US" altLang="ja-JP" b="0" i="1" smtClean="0">
+                        <a:latin typeface="Cambria Math" panose="02040503050406030204" pitchFamily="18" charset="0"/>
+                      </a:rPr>
+                      <m:t>𝑆</m:t>
+                    </m:r>
+                    <m:r>
+                      <a:rPr kumimoji="1" lang="en-US" altLang="ja-JP" b="0" i="1" smtClean="0">
+                        <a:latin typeface="Cambria Math" panose="02040503050406030204" pitchFamily="18" charset="0"/>
+                      </a:rPr>
+                      <m:t>=</m:t>
+                    </m:r>
+                    <m:r>
+                      <a:rPr kumimoji="1" lang="en-US" altLang="ja-JP" b="0" i="1" smtClean="0">
+                        <a:latin typeface="Cambria Math" panose="02040503050406030204" pitchFamily="18" charset="0"/>
+                      </a:rPr>
+                      <m:t>𝑠𝑃</m:t>
+                    </m:r>
+                    <m:r>
+                      <a:rPr kumimoji="1" lang="en-US" altLang="ja-JP" b="0" i="1" smtClean="0">
+                        <a:latin typeface="Cambria Math" panose="02040503050406030204" pitchFamily="18" charset="0"/>
+                      </a:rPr>
+                      <m:t>, </m:t>
+                    </m:r>
+                    <m:r>
+                      <a:rPr kumimoji="1" lang="en-US" altLang="ja-JP" b="0" i="1" smtClean="0">
+                        <a:latin typeface="Cambria Math" panose="02040503050406030204" pitchFamily="18" charset="0"/>
+                      </a:rPr>
+                      <m:t>𝐸𝑛𝑐</m:t>
+                    </m:r>
+                    <m:d>
+                      <m:dPr>
+                        <m:ctrlPr>
+                          <a:rPr kumimoji="1" lang="en-US" altLang="ja-JP" b="0" i="1" smtClean="0">
+                            <a:latin typeface="Cambria Math" panose="02040503050406030204" pitchFamily="18" charset="0"/>
+                          </a:rPr>
+                        </m:ctrlPr>
+                      </m:dPr>
+                      <m:e>
+                        <m:r>
+                          <a:rPr kumimoji="1" lang="en-US" altLang="ja-JP" b="0" i="1" smtClean="0">
+                            <a:latin typeface="Cambria Math" panose="02040503050406030204" pitchFamily="18" charset="0"/>
+                          </a:rPr>
+                          <m:t>𝑀</m:t>
+                        </m:r>
+                      </m:e>
+                    </m:d>
+                    <m:r>
+                      <a:rPr kumimoji="1" lang="en-US" altLang="ja-JP" b="0" i="1" smtClean="0">
+                        <a:latin typeface="Cambria Math" panose="02040503050406030204" pitchFamily="18" charset="0"/>
+                      </a:rPr>
+                      <m:t>=(</m:t>
+                    </m:r>
+                    <m:r>
+                      <a:rPr kumimoji="1" lang="en-US" altLang="ja-JP" b="0" i="1" smtClean="0">
+                        <a:latin typeface="Cambria Math" panose="02040503050406030204" pitchFamily="18" charset="0"/>
+                      </a:rPr>
+                      <m:t>𝑀</m:t>
+                    </m:r>
+                    <m:r>
+                      <a:rPr kumimoji="1" lang="en-US" altLang="ja-JP" b="0" i="1" smtClean="0">
+                        <a:latin typeface="Cambria Math" panose="02040503050406030204" pitchFamily="18" charset="0"/>
+                      </a:rPr>
+                      <m:t>+</m:t>
+                    </m:r>
+                    <m:r>
+                      <a:rPr kumimoji="1" lang="en-US" altLang="ja-JP" b="0" i="1" smtClean="0">
+                        <a:latin typeface="Cambria Math" panose="02040503050406030204" pitchFamily="18" charset="0"/>
+                      </a:rPr>
+                      <m:t>𝑟𝑆</m:t>
+                    </m:r>
+                    <m:r>
+                      <a:rPr kumimoji="1" lang="en-US" altLang="ja-JP" b="0" i="1" smtClean="0">
+                        <a:latin typeface="Cambria Math" panose="02040503050406030204" pitchFamily="18" charset="0"/>
+                      </a:rPr>
+                      <m:t>,</m:t>
+                    </m:r>
+                    <m:r>
+                      <a:rPr kumimoji="1" lang="en-US" altLang="ja-JP" b="0" i="1" smtClean="0">
+                        <a:latin typeface="Cambria Math" panose="02040503050406030204" pitchFamily="18" charset="0"/>
+                      </a:rPr>
+                      <m:t>𝑟𝑃</m:t>
+                    </m:r>
+                    <m:r>
+                      <a:rPr kumimoji="1" lang="en-US" altLang="ja-JP" b="0" i="1" smtClean="0">
+                        <a:latin typeface="Cambria Math" panose="02040503050406030204" pitchFamily="18" charset="0"/>
+                      </a:rPr>
+                      <m:t>)</m:t>
+                    </m:r>
+                  </m:oMath>
+                </a14:m>
+                <a:endParaRPr kumimoji="1" lang="en-US" altLang="ja-JP"/>
+              </a:p>
+              <a:p>
+                <a:pPr lvl="1"/>
+                <a14:m>
+                  <m:oMath xmlns:m="http://schemas.openxmlformats.org/officeDocument/2006/math">
+                    <m:r>
+                      <a:rPr kumimoji="1" lang="en-US" altLang="ja-JP" b="0" i="1" smtClean="0">
+                        <a:latin typeface="Cambria Math" panose="02040503050406030204" pitchFamily="18" charset="0"/>
+                      </a:rPr>
+                      <m:t>𝑃</m:t>
+                    </m:r>
+                  </m:oMath>
+                </a14:m>
+                <a:r>
+                  <a:rPr kumimoji="1" lang="ja-JP" altLang="en-US"/>
+                  <a:t>と</a:t>
+                </a:r>
+                <a14:m>
+                  <m:oMath xmlns:m="http://schemas.openxmlformats.org/officeDocument/2006/math">
+                    <m:r>
+                      <a:rPr kumimoji="1" lang="en-US" altLang="ja-JP" b="0" i="1" smtClean="0">
+                        <a:latin typeface="Cambria Math" panose="02040503050406030204" pitchFamily="18" charset="0"/>
+                      </a:rPr>
+                      <m:t>𝑆</m:t>
+                    </m:r>
+                    <m:r>
+                      <a:rPr kumimoji="1" lang="en-US" altLang="ja-JP" b="0" i="1" smtClean="0">
+                        <a:latin typeface="Cambria Math" panose="02040503050406030204" pitchFamily="18" charset="0"/>
+                      </a:rPr>
+                      <m:t>=</m:t>
+                    </m:r>
+                    <m:r>
+                      <a:rPr kumimoji="1" lang="en-US" altLang="ja-JP" b="0" i="1" smtClean="0">
+                        <a:latin typeface="Cambria Math" panose="02040503050406030204" pitchFamily="18" charset="0"/>
+                      </a:rPr>
+                      <m:t>𝑠𝑃</m:t>
+                    </m:r>
+                  </m:oMath>
+                </a14:m>
+                <a:r>
+                  <a:rPr kumimoji="1" lang="ja-JP" altLang="en-US"/>
+                  <a:t>と</a:t>
+                </a:r>
+                <a14:m>
+                  <m:oMath xmlns:m="http://schemas.openxmlformats.org/officeDocument/2006/math">
+                    <m:r>
+                      <a:rPr kumimoji="1" lang="en-US" altLang="ja-JP" b="0" i="1" smtClean="0">
+                        <a:latin typeface="Cambria Math" panose="02040503050406030204" pitchFamily="18" charset="0"/>
+                      </a:rPr>
+                      <m:t>𝑟𝑃</m:t>
+                    </m:r>
+                  </m:oMath>
+                </a14:m>
+                <a:r>
+                  <a:rPr kumimoji="1" lang="ja-JP" altLang="en-US"/>
+                  <a:t>から</a:t>
+                </a:r>
+                <a14:m>
+                  <m:oMath xmlns:m="http://schemas.openxmlformats.org/officeDocument/2006/math">
+                    <m:r>
+                      <a:rPr kumimoji="1" lang="en-US" altLang="ja-JP" b="0" i="1" smtClean="0">
+                        <a:latin typeface="Cambria Math" panose="02040503050406030204" pitchFamily="18" charset="0"/>
+                      </a:rPr>
+                      <m:t>𝑟𝑆</m:t>
+                    </m:r>
+                    <m:r>
+                      <a:rPr kumimoji="1" lang="en-US" altLang="ja-JP" b="0" i="1" smtClean="0">
+                        <a:latin typeface="Cambria Math" panose="02040503050406030204" pitchFamily="18" charset="0"/>
+                      </a:rPr>
+                      <m:t>=</m:t>
+                    </m:r>
+                    <m:r>
+                      <a:rPr kumimoji="1" lang="en-US" altLang="ja-JP" b="0" i="1" smtClean="0">
+                        <a:latin typeface="Cambria Math" panose="02040503050406030204" pitchFamily="18" charset="0"/>
+                      </a:rPr>
+                      <m:t>𝑟𝑠𝑃</m:t>
+                    </m:r>
+                  </m:oMath>
+                </a14:m>
+                <a:r>
+                  <a:rPr kumimoji="1" lang="ja-JP" altLang="en-US"/>
+                  <a:t>を求められると</a:t>
+                </a:r>
+                <a14:m>
+                  <m:oMath xmlns:m="http://schemas.openxmlformats.org/officeDocument/2006/math">
+                    <m:r>
+                      <a:rPr kumimoji="1" lang="en-US" altLang="ja-JP" b="0" i="1" smtClean="0">
+                        <a:latin typeface="Cambria Math" panose="02040503050406030204" pitchFamily="18" charset="0"/>
+                      </a:rPr>
+                      <m:t>𝑀</m:t>
+                    </m:r>
+                  </m:oMath>
+                </a14:m>
+                <a:r>
+                  <a:rPr kumimoji="1" lang="ja-JP" altLang="en-US"/>
+                  <a:t>が分かる</a:t>
+                </a:r>
+                <a:endParaRPr kumimoji="1" lang="en-US" altLang="ja-JP"/>
+              </a:p>
+              <a:p>
+                <a:r>
+                  <a:rPr kumimoji="1" lang="ja-JP" altLang="en-US"/>
+                  <a:t>「</a:t>
+                </a:r>
+                <a14:m>
+                  <m:oMath xmlns:m="http://schemas.openxmlformats.org/officeDocument/2006/math">
+                    <m:r>
+                      <a:rPr kumimoji="1" lang="en-US" altLang="ja-JP" b="0" i="1" smtClean="0">
+                        <a:latin typeface="Cambria Math" panose="02040503050406030204" pitchFamily="18" charset="0"/>
+                      </a:rPr>
+                      <m:t>𝑃</m:t>
+                    </m:r>
+                    <m:r>
+                      <a:rPr kumimoji="1" lang="en-US" altLang="ja-JP" b="0" i="1" smtClean="0">
+                        <a:latin typeface="Cambria Math" panose="02040503050406030204" pitchFamily="18" charset="0"/>
+                      </a:rPr>
+                      <m:t>,</m:t>
+                    </m:r>
+                    <m:r>
+                      <a:rPr kumimoji="1" lang="en-US" altLang="ja-JP" b="0" i="1" smtClean="0">
+                        <a:latin typeface="Cambria Math" panose="02040503050406030204" pitchFamily="18" charset="0"/>
+                      </a:rPr>
+                      <m:t>𝑠𝑃</m:t>
+                    </m:r>
+                    <m:r>
+                      <a:rPr kumimoji="1" lang="en-US" altLang="ja-JP" b="0" i="1" smtClean="0">
+                        <a:latin typeface="Cambria Math" panose="02040503050406030204" pitchFamily="18" charset="0"/>
+                      </a:rPr>
+                      <m:t>,</m:t>
+                    </m:r>
+                    <m:r>
+                      <a:rPr kumimoji="1" lang="en-US" altLang="ja-JP" b="0" i="1" smtClean="0">
+                        <a:latin typeface="Cambria Math" panose="02040503050406030204" pitchFamily="18" charset="0"/>
+                      </a:rPr>
+                      <m:t>𝑟𝑃</m:t>
+                    </m:r>
+                  </m:oMath>
+                </a14:m>
+                <a:r>
+                  <a:rPr kumimoji="1" lang="ja-JP" altLang="en-US"/>
+                  <a:t>から</a:t>
+                </a:r>
+                <a14:m>
+                  <m:oMath xmlns:m="http://schemas.openxmlformats.org/officeDocument/2006/math">
+                    <m:r>
+                      <a:rPr kumimoji="1" lang="en-US" altLang="ja-JP" b="0" i="1" smtClean="0">
+                        <a:latin typeface="Cambria Math" panose="02040503050406030204" pitchFamily="18" charset="0"/>
+                      </a:rPr>
+                      <m:t>𝑟𝑠𝑃</m:t>
+                    </m:r>
+                  </m:oMath>
+                </a14:m>
+                <a:r>
+                  <a:rPr kumimoji="1" lang="ja-JP" altLang="en-US"/>
+                  <a:t>」これは</a:t>
+                </a:r>
+                <a:r>
+                  <a:rPr kumimoji="1" lang="en-US" altLang="ja-JP"/>
+                  <a:t>ECDHP</a:t>
+                </a:r>
+                <a:endParaRPr kumimoji="1" lang="ja-JP" altLang="en-US"/>
+              </a:p>
+            </p:txBody>
+          </p:sp>
+        </mc:Choice>
+        <mc:Fallback>
+          <p:sp>
+            <p:nvSpPr>
+              <p:cNvPr id="2" name="コンテンツ プレースホルダー 1">
+                <a:extLst>
+                  <a:ext uri="{FF2B5EF4-FFF2-40B4-BE49-F238E27FC236}">
+                    <a16:creationId xmlns:a16="http://schemas.microsoft.com/office/drawing/2014/main" id="{88B8A96E-10CC-46C0-A7D1-96D0E8D3EF5D}"/>
+                  </a:ext>
+                </a:extLst>
+              </p:cNvPr>
+              <p:cNvSpPr>
+                <a:spLocks noGrp="1" noRot="1" noChangeAspect="1" noMove="1" noResize="1" noEditPoints="1" noAdjustHandles="1" noChangeArrowheads="1" noChangeShapeType="1" noTextEdit="1"/>
+              </p:cNvSpPr>
+              <p:nvPr>
+                <p:ph idx="1"/>
+              </p:nvPr>
+            </p:nvSpPr>
+            <p:spPr>
+              <a:blipFill>
+                <a:blip r:embed="rId2"/>
+                <a:stretch>
+                  <a:fillRect l="-1200" t="-1038"/>
+                </a:stretch>
+              </a:blipFill>
+            </p:spPr>
+            <p:txBody>
+              <a:bodyPr/>
+              <a:lstStyle/>
+              <a:p>
+                <a:r>
+                  <a:rPr lang="ja-JP" altLang="en-US">
+                    <a:noFill/>
+                  </a:rPr>
+                  <a:t> </a:t>
+                </a:r>
+              </a:p>
+            </p:txBody>
+          </p:sp>
+        </mc:Fallback>
+      </mc:AlternateContent>
+      <p:sp>
+        <p:nvSpPr>
+          <p:cNvPr id="3" name="スライド番号プレースホルダー 2">
+            <a:extLst>
+              <a:ext uri="{FF2B5EF4-FFF2-40B4-BE49-F238E27FC236}">
+                <a16:creationId xmlns:a16="http://schemas.microsoft.com/office/drawing/2014/main" id="{DC2ACA9D-B870-4AE3-A835-632354CEED80}"/>
+              </a:ext>
+            </a:extLst>
+          </p:cNvPr>
+          <p:cNvSpPr>
+            <a:spLocks noGrp="1"/>
+          </p:cNvSpPr>
+          <p:nvPr>
+            <p:ph type="sldNum" sz="quarter" idx="12"/>
+          </p:nvPr>
+        </p:nvSpPr>
+        <p:spPr/>
+        <p:txBody>
+          <a:bodyPr/>
+          <a:lstStyle/>
+          <a:p>
+            <a:pPr>
+              <a:defRPr/>
+            </a:pPr>
+            <a:r>
+              <a:rPr lang="en-US" altLang="ja-JP"/>
+              <a:t>    </a:t>
+            </a:r>
+            <a:fld id="{B2782DEB-472A-4FE5-AC34-C17109CF5A91}" type="slidenum">
+              <a:rPr lang="en-US" altLang="ja-JP" smtClean="0"/>
+              <a:pPr>
+                <a:defRPr/>
+              </a:pPr>
+              <a:t>5</a:t>
+            </a:fld>
+            <a:r>
+              <a:rPr lang="en-US" altLang="ja-JP"/>
+              <a:t> / 25</a:t>
+            </a:r>
+          </a:p>
+        </p:txBody>
+      </p:sp>
+      <p:sp>
+        <p:nvSpPr>
+          <p:cNvPr id="4" name="タイトル 3">
+            <a:extLst>
+              <a:ext uri="{FF2B5EF4-FFF2-40B4-BE49-F238E27FC236}">
+                <a16:creationId xmlns:a16="http://schemas.microsoft.com/office/drawing/2014/main" id="{9C9A8AFD-0283-4F93-9677-74B5359BE725}"/>
+              </a:ext>
+            </a:extLst>
+          </p:cNvPr>
+          <p:cNvSpPr>
+            <a:spLocks noGrp="1"/>
+          </p:cNvSpPr>
+          <p:nvPr>
+            <p:ph type="title"/>
+          </p:nvPr>
+        </p:nvSpPr>
+        <p:spPr/>
+        <p:txBody>
+          <a:bodyPr/>
+          <a:lstStyle/>
+          <a:p>
+            <a:r>
+              <a:rPr kumimoji="1" lang="ja-JP" altLang="en-US"/>
+              <a:t>楕円</a:t>
+            </a:r>
+            <a:r>
+              <a:rPr kumimoji="1" lang="en-US" altLang="ja-JP"/>
+              <a:t>ElGamal</a:t>
+            </a:r>
+            <a:r>
+              <a:rPr kumimoji="1" lang="ja-JP" altLang="en-US"/>
+              <a:t>暗号の安全性</a:t>
+            </a:r>
+          </a:p>
+        </p:txBody>
+      </p:sp>
+    </p:spTree>
+    <p:extLst>
+      <p:ext uri="{BB962C8B-B14F-4D97-AF65-F5344CB8AC3E}">
+        <p14:creationId xmlns:p14="http://schemas.microsoft.com/office/powerpoint/2010/main" val="3626309233"/>
+      </p:ext>
+    </p:extLst>
+  </p:cSld>
+  <p:clrMapOvr>
+    <a:masterClrMapping/>
+  </p:clrMapOvr>
+</p:sld>
+</file>
+
 <file path=ppt/slides/slide6.xml><?xml version="1.0" encoding="utf-8"?>
 <p:sld xmlns:a="http://schemas.openxmlformats.org/drawingml/2006/main" xmlns:r="http://schemas.openxmlformats.org/officeDocument/2006/relationships" xmlns:p="http://schemas.openxmlformats.org/presentationml/2006/main">
   <p:cSld>
@@ -4769,6 +7024,18 @@
                           </a:rPr>
                           <m:t>𝑚</m:t>
                         </m:r>
+                        <m:r>
+                          <a:rPr kumimoji="1" lang="en-US" altLang="ja-JP" b="0" i="1" smtClean="0">
+                            <a:latin typeface="Cambria Math" panose="02040503050406030204" pitchFamily="18" charset="0"/>
+                          </a:rPr>
+                          <m:t>;</m:t>
+                        </m:r>
+                        <m:r>
+                          <a:rPr kumimoji="1" lang="en-US" altLang="ja-JP" b="0" i="1" smtClean="0">
+                            <a:latin typeface="Cambria Math" panose="02040503050406030204" pitchFamily="18" charset="0"/>
+                          </a:rPr>
+                          <m:t>𝑟</m:t>
+                        </m:r>
                       </m:e>
                     </m:d>
                     <m:r>
@@ -4818,6 +7085,56 @@
                 <a:r>
                   <a:rPr kumimoji="1" lang="ja-JP" altLang="en-US"/>
                   <a:t>とする</a:t>
+                </a:r>
+                <a:endParaRPr kumimoji="1" lang="en-US" altLang="ja-JP"/>
+              </a:p>
+              <a:p>
+                <a:pPr lvl="2"/>
+                <a14:m>
+                  <m:oMath xmlns:m="http://schemas.openxmlformats.org/officeDocument/2006/math">
+                    <m:r>
+                      <a:rPr lang="en-US" altLang="ja-JP" b="0" i="1" smtClean="0">
+                        <a:latin typeface="Cambria Math" panose="02040503050406030204" pitchFamily="18" charset="0"/>
+                      </a:rPr>
+                      <m:t>𝑟</m:t>
+                    </m:r>
+                  </m:oMath>
+                </a14:m>
+                <a:r>
+                  <a:rPr lang="ja-JP" altLang="en-US"/>
+                  <a:t>を省略して</a:t>
+                </a:r>
+                <a14:m>
+                  <m:oMath xmlns:m="http://schemas.openxmlformats.org/officeDocument/2006/math">
+                    <m:r>
+                      <a:rPr kumimoji="1" lang="en-US" altLang="ja-JP" b="0" i="1" smtClean="0">
+                        <a:latin typeface="Cambria Math" panose="02040503050406030204" pitchFamily="18" charset="0"/>
+                      </a:rPr>
+                      <m:t>𝐸𝑛𝑐</m:t>
+                    </m:r>
+                    <m:r>
+                      <a:rPr kumimoji="1" lang="en-US" altLang="ja-JP" b="0" i="1" smtClean="0">
+                        <a:latin typeface="Cambria Math" panose="02040503050406030204" pitchFamily="18" charset="0"/>
+                      </a:rPr>
+                      <m:t>(</m:t>
+                    </m:r>
+                    <m:r>
+                      <a:rPr kumimoji="1" lang="en-US" altLang="ja-JP" b="0" i="1" smtClean="0">
+                        <a:latin typeface="Cambria Math" panose="02040503050406030204" pitchFamily="18" charset="0"/>
+                      </a:rPr>
+                      <m:t>𝑚</m:t>
+                    </m:r>
+                    <m:r>
+                      <a:rPr kumimoji="1" lang="en-US" altLang="ja-JP" b="0" i="1" smtClean="0">
+                        <a:latin typeface="Cambria Math" panose="02040503050406030204" pitchFamily="18" charset="0"/>
+                      </a:rPr>
+                      <m:t>)</m:t>
+                    </m:r>
+                  </m:oMath>
+                </a14:m>
+                <a:r>
+                  <a:rPr kumimoji="1" lang="ja-JP" altLang="en-US"/>
+                  <a:t>とも書く</a:t>
                 </a:r>
                 <a:endParaRPr kumimoji="1" lang="en-US" altLang="ja-JP"/>
               </a:p>
@@ -4937,10 +7254,6 @@
               </a:p>
               <a:p>
                 <a:pPr lvl="1"/>
-                <a:r>
-                  <a:rPr kumimoji="1" lang="ja-JP" altLang="en-US"/>
-                  <a:t>これでは</a:t>
-                </a:r>
                 <a14:m>
                   <m:oMath xmlns:m="http://schemas.openxmlformats.org/officeDocument/2006/math">
                     <m:r>
@@ -5063,12 +7376,8 @@
                 </a14:m>
                 <a:r>
                   <a:rPr kumimoji="1" lang="ja-JP" altLang="en-US"/>
-                  <a:t>なので復号できてない</a:t>
-                </a:r>
-                <a:endParaRPr kumimoji="1" lang="en-US" altLang="ja-JP"/>
-              </a:p>
-              <a:p>
-                <a:pPr lvl="1"/>
+                  <a:t>なので復号ではない</a:t>
+                </a:r>
                 <a14:m>
                   <m:oMath xmlns:m="http://schemas.openxmlformats.org/officeDocument/2006/math">
                     <m:r>
@@ -5334,7 +7643,7 @@
               <a:blipFill>
                 <a:blip r:embed="rId2"/>
                 <a:stretch>
-                  <a:fillRect l="-1200" t="-1038" b="-3219"/>
+                  <a:fillRect l="-1200" t="-1038" r="-133" b="-3011"/>
                 </a:stretch>
               </a:blipFill>
             </p:spPr>
@@ -5461,8 +7770,8 @@
           <a:chExt cx="0" cy="0"/>
         </a:xfrm>
       </p:grpSpPr>
-      <mc:AlternateContent xmlns:mc="http://schemas.openxmlformats.org/markup-compatibility/2006">
-        <mc:Choice xmlns:a14="http://schemas.microsoft.com/office/drawing/2010/main" Requires="a14">
+      <mc:AlternateContent xmlns:mc="http://schemas.openxmlformats.org/markup-compatibility/2006" xmlns:a14="http://schemas.microsoft.com/office/drawing/2010/main">
+        <mc:Choice Requires="a14">
           <p:sp>
             <p:nvSpPr>
               <p:cNvPr id="2" name="コンテンツ プレースホルダー 1">
@@ -5724,7 +8033,7 @@
                     <m:sSup>
                       <m:sSupPr>
                         <m:ctrlPr>
-                          <a:rPr kumimoji="1" lang="en-US" altLang="ja-JP" b="0" i="0" smtClean="0">
+                          <a:rPr kumimoji="1" lang="en-US" altLang="ja-JP" b="0" i="1" smtClean="0">
                             <a:latin typeface="Cambria Math" panose="02040503050406030204" pitchFamily="18" charset="0"/>
                           </a:rPr>
                         </m:ctrlPr>
@@ -5779,7 +8088,7 @@
             </p:txBody>
           </p:sp>
         </mc:Choice>
-        <mc:Fallback>
+        <mc:Fallback xmlns="">
           <p:sp>
             <p:nvSpPr>
               <p:cNvPr id="2" name="コンテンツ プレースホルダー 1">
@@ -7517,6 +9826,18 @@
                   <a:t>!</a:t>
                 </a:r>
               </a:p>
+              <a:p>
+                <a:pPr lvl="1"/>
+                <a:r>
+                  <a:rPr kumimoji="1" lang="ja-JP" altLang="en-US" b="0">
+                    <a:latin typeface="Cambria Math" panose="02040503050406030204" pitchFamily="18" charset="0"/>
+                  </a:rPr>
+                  <a:t>加法準同型暗号</a:t>
+                </a:r>
+                <a:endParaRPr kumimoji="1" lang="en-US" altLang="ja-JP" b="0">
+                  <a:latin typeface="Cambria Math" panose="02040503050406030204" pitchFamily="18" charset="0"/>
+                </a:endParaRPr>
+              </a:p>
             </p:txBody>
           </p:sp>
         </mc:Choice>
@@ -7541,7 +9862,7 @@
               <a:blipFill>
                 <a:blip r:embed="rId2"/>
                 <a:stretch>
-                  <a:fillRect l="-1200" t="-1038" r="-600"/>
+                  <a:fillRect l="-1200" t="-1038" r="-600" b="-3634"/>
                 </a:stretch>
               </a:blipFill>
             </p:spPr>
@@ -7638,6 +9959,778 @@
     <p:extLst>
       <p:ext uri="{BB962C8B-B14F-4D97-AF65-F5344CB8AC3E}">
         <p14:creationId xmlns:p14="http://schemas.microsoft.com/office/powerpoint/2010/main" val="1024539694"/>
+      </p:ext>
+    </p:extLst>
+  </p:cSld>
+  <p:clrMapOvr>
+    <a:masterClrMapping/>
+  </p:clrMapOvr>
+</p:sld>
+</file>
+
+<file path=ppt/slides/slide9.xml><?xml version="1.0" encoding="utf-8"?>
+<p:sld xmlns:a="http://schemas.openxmlformats.org/drawingml/2006/main" xmlns:r="http://schemas.openxmlformats.org/officeDocument/2006/relationships" xmlns:p="http://schemas.openxmlformats.org/presentationml/2006/main">
+  <p:cSld>
+    <p:spTree>
+      <p:nvGrpSpPr>
+        <p:cNvPr id="1" name=""/>
+        <p:cNvGrpSpPr/>
+        <p:nvPr/>
+      </p:nvGrpSpPr>
+      <p:grpSpPr>
+        <a:xfrm>
+          <a:off x="0" y="0"/>
+          <a:ext cx="0" cy="0"/>
+          <a:chOff x="0" y="0"/>
+          <a:chExt cx="0" cy="0"/>
+        </a:xfrm>
+      </p:grpSpPr>
+      <mc:AlternateContent xmlns:mc="http://schemas.openxmlformats.org/markup-compatibility/2006">
+        <mc:Choice xmlns:a14="http://schemas.microsoft.com/office/drawing/2010/main" Requires="a14">
+          <p:sp>
+            <p:nvSpPr>
+              <p:cNvPr id="2" name="コンテンツ プレースホルダー 1">
+                <a:extLst>
+                  <a:ext uri="{FF2B5EF4-FFF2-40B4-BE49-F238E27FC236}">
+                    <a16:creationId xmlns:a16="http://schemas.microsoft.com/office/drawing/2014/main" id="{2E503ECC-2524-4039-836A-1DA1EC154401}"/>
+                  </a:ext>
+                </a:extLst>
+              </p:cNvPr>
+              <p:cNvSpPr>
+                <a:spLocks noGrp="1"/>
+              </p:cNvSpPr>
+              <p:nvPr>
+                <p:ph idx="1"/>
+              </p:nvPr>
+            </p:nvSpPr>
+            <p:spPr/>
+            <p:txBody>
+              <a:bodyPr/>
+              <a:lstStyle/>
+              <a:p>
+                <a14:m>
+                  <m:oMath xmlns:m="http://schemas.openxmlformats.org/officeDocument/2006/math">
+                    <m:r>
+                      <a:rPr kumimoji="1" lang="en-US" altLang="ja-JP" b="0" i="1" smtClean="0">
+                        <a:latin typeface="Cambria Math" panose="02040503050406030204" pitchFamily="18" charset="0"/>
+                      </a:rPr>
+                      <m:t>𝑚</m:t>
+                    </m:r>
+                    <m:r>
+                      <a:rPr kumimoji="1" lang="en-US" altLang="ja-JP" b="0" i="1" smtClean="0">
+                        <a:latin typeface="Cambria Math" panose="02040503050406030204" pitchFamily="18" charset="0"/>
+                      </a:rPr>
+                      <m:t>=0</m:t>
+                    </m:r>
+                  </m:oMath>
+                </a14:m>
+                <a:r>
+                  <a:rPr kumimoji="1" lang="ja-JP" altLang="en-US"/>
+                  <a:t> </a:t>
+                </a:r>
+                <a:r>
+                  <a:rPr kumimoji="1" lang="en-US" altLang="ja-JP"/>
+                  <a:t>or 1</a:t>
+                </a:r>
+                <a:r>
+                  <a:rPr kumimoji="1" lang="ja-JP" altLang="en-US"/>
+                  <a:t>のとき暗号文</a:t>
+                </a:r>
+                <a14:m>
+                  <m:oMath xmlns:m="http://schemas.openxmlformats.org/officeDocument/2006/math">
+                    <m:r>
+                      <a:rPr kumimoji="1" lang="en-US" altLang="ja-JP" b="0" i="1" smtClean="0">
+                        <a:latin typeface="Cambria Math" panose="02040503050406030204" pitchFamily="18" charset="0"/>
+                      </a:rPr>
+                      <m:t>𝑐</m:t>
+                    </m:r>
+                  </m:oMath>
+                </a14:m>
+                <a:r>
+                  <a:rPr kumimoji="1" lang="ja-JP" altLang="en-US"/>
+                  <a:t>が与えられたとき</a:t>
+                </a:r>
+                <a:br>
+                  <a:rPr kumimoji="1" lang="en-US" altLang="ja-JP"/>
+                </a:br>
+                <a14:m>
+                  <m:oMath xmlns:m="http://schemas.openxmlformats.org/officeDocument/2006/math">
+                    <m:r>
+                      <a:rPr kumimoji="1" lang="en-US" altLang="ja-JP" b="0" i="1" smtClean="0">
+                        <a:latin typeface="Cambria Math" panose="02040503050406030204" pitchFamily="18" charset="0"/>
+                      </a:rPr>
+                      <m:t>𝑑𝑒𝑐</m:t>
+                    </m:r>
+                    <m:d>
+                      <m:dPr>
+                        <m:ctrlPr>
+                          <a:rPr kumimoji="1" lang="en-US" altLang="ja-JP" b="0" i="1" smtClean="0">
+                            <a:latin typeface="Cambria Math" panose="02040503050406030204" pitchFamily="18" charset="0"/>
+                          </a:rPr>
+                        </m:ctrlPr>
+                      </m:dPr>
+                      <m:e>
+                        <m:r>
+                          <a:rPr kumimoji="1" lang="en-US" altLang="ja-JP" b="0" i="1" smtClean="0">
+                            <a:latin typeface="Cambria Math" panose="02040503050406030204" pitchFamily="18" charset="0"/>
+                          </a:rPr>
+                          <m:t>𝑐</m:t>
+                        </m:r>
+                      </m:e>
+                    </m:d>
+                    <m:r>
+                      <a:rPr kumimoji="1" lang="en-US" altLang="ja-JP" b="0" i="1" smtClean="0">
+                        <a:latin typeface="Cambria Math" panose="02040503050406030204" pitchFamily="18" charset="0"/>
+                      </a:rPr>
+                      <m:t>=0</m:t>
+                    </m:r>
+                  </m:oMath>
+                </a14:m>
+                <a:r>
+                  <a:rPr kumimoji="1" lang="ja-JP" altLang="en-US"/>
+                  <a:t>か</a:t>
+                </a:r>
+                <a:r>
+                  <a:rPr kumimoji="1" lang="en-US" altLang="ja-JP"/>
+                  <a:t>1</a:t>
+                </a:r>
+                <a:r>
+                  <a:rPr kumimoji="1" lang="ja-JP" altLang="en-US"/>
+                  <a:t>を当てられてはいけない</a:t>
+                </a:r>
+                <a:r>
+                  <a:rPr kumimoji="1" lang="en-US" altLang="ja-JP"/>
+                  <a:t>(IND-CCA)</a:t>
+                </a:r>
+              </a:p>
+              <a:p>
+                <a:r>
+                  <a:rPr kumimoji="1" lang="en-US" altLang="ja-JP"/>
+                  <a:t>Lifted ElGamal</a:t>
+                </a:r>
+                <a:r>
+                  <a:rPr kumimoji="1" lang="ja-JP" altLang="en-US"/>
+                  <a:t>暗号で考えてみると</a:t>
+                </a:r>
+                <a:endParaRPr kumimoji="1" lang="en-US" altLang="ja-JP"/>
+              </a:p>
+              <a:p>
+                <a:pPr lvl="1"/>
+                <a14:m>
+                  <m:oMath xmlns:m="http://schemas.openxmlformats.org/officeDocument/2006/math">
+                    <m:r>
+                      <a:rPr kumimoji="1" lang="en-US" altLang="ja-JP" b="0" i="1" smtClean="0">
+                        <a:latin typeface="Cambria Math" panose="02040503050406030204" pitchFamily="18" charset="0"/>
+                      </a:rPr>
+                      <m:t>𝐸𝑛𝑐</m:t>
+                    </m:r>
+                    <m:d>
+                      <m:dPr>
+                        <m:ctrlPr>
+                          <a:rPr kumimoji="1" lang="en-US" altLang="ja-JP" b="0" i="1" smtClean="0">
+                            <a:latin typeface="Cambria Math" panose="02040503050406030204" pitchFamily="18" charset="0"/>
+                          </a:rPr>
+                        </m:ctrlPr>
+                      </m:dPr>
+                      <m:e>
+                        <m:r>
+                          <a:rPr kumimoji="1" lang="en-US" altLang="ja-JP" b="0" i="1" smtClean="0">
+                            <a:latin typeface="Cambria Math" panose="02040503050406030204" pitchFamily="18" charset="0"/>
+                          </a:rPr>
+                          <m:t>0;</m:t>
+                        </m:r>
+                        <m:r>
+                          <a:rPr kumimoji="1" lang="en-US" altLang="ja-JP" b="0" i="1" smtClean="0">
+                            <a:latin typeface="Cambria Math" panose="02040503050406030204" pitchFamily="18" charset="0"/>
+                          </a:rPr>
+                          <m:t>𝑟</m:t>
+                        </m:r>
+                      </m:e>
+                    </m:d>
+                    <m:r>
+                      <a:rPr kumimoji="1" lang="en-US" altLang="ja-JP" b="0" i="1" smtClean="0">
+                        <a:latin typeface="Cambria Math" panose="02040503050406030204" pitchFamily="18" charset="0"/>
+                      </a:rPr>
+                      <m:t>=</m:t>
+                    </m:r>
+                    <m:d>
+                      <m:dPr>
+                        <m:ctrlPr>
+                          <a:rPr kumimoji="1" lang="en-US" altLang="ja-JP" b="0" i="1" smtClean="0">
+                            <a:latin typeface="Cambria Math" panose="02040503050406030204" pitchFamily="18" charset="0"/>
+                          </a:rPr>
+                        </m:ctrlPr>
+                      </m:dPr>
+                      <m:e>
+                        <m:r>
+                          <a:rPr kumimoji="1" lang="en-US" altLang="ja-JP" b="0" i="1" smtClean="0">
+                            <a:latin typeface="Cambria Math" panose="02040503050406030204" pitchFamily="18" charset="0"/>
+                          </a:rPr>
+                          <m:t>𝑟𝑆</m:t>
+                        </m:r>
+                        <m:r>
+                          <a:rPr kumimoji="1" lang="en-US" altLang="ja-JP" b="0" i="1" smtClean="0">
+                            <a:latin typeface="Cambria Math" panose="02040503050406030204" pitchFamily="18" charset="0"/>
+                          </a:rPr>
+                          <m:t>, </m:t>
+                        </m:r>
+                        <m:r>
+                          <a:rPr kumimoji="1" lang="en-US" altLang="ja-JP" b="0" i="1" smtClean="0">
+                            <a:latin typeface="Cambria Math" panose="02040503050406030204" pitchFamily="18" charset="0"/>
+                          </a:rPr>
+                          <m:t>𝑟𝑃</m:t>
+                        </m:r>
+                      </m:e>
+                    </m:d>
+                  </m:oMath>
+                </a14:m>
+                <a:endParaRPr kumimoji="1" lang="en-US" altLang="ja-JP" b="0"/>
+              </a:p>
+              <a:p>
+                <a:pPr lvl="1"/>
+                <a14:m>
+                  <m:oMath xmlns:m="http://schemas.openxmlformats.org/officeDocument/2006/math">
+                    <m:r>
+                      <a:rPr kumimoji="1" lang="en-US" altLang="ja-JP" b="0" i="1" smtClean="0">
+                        <a:latin typeface="Cambria Math" panose="02040503050406030204" pitchFamily="18" charset="0"/>
+                      </a:rPr>
+                      <m:t>𝐸𝑛𝑐</m:t>
+                    </m:r>
+                    <m:d>
+                      <m:dPr>
+                        <m:ctrlPr>
+                          <a:rPr kumimoji="1" lang="en-US" altLang="ja-JP" b="0" i="1" smtClean="0">
+                            <a:latin typeface="Cambria Math" panose="02040503050406030204" pitchFamily="18" charset="0"/>
+                          </a:rPr>
+                        </m:ctrlPr>
+                      </m:dPr>
+                      <m:e>
+                        <m:r>
+                          <a:rPr kumimoji="1" lang="en-US" altLang="ja-JP" b="0" i="1" smtClean="0">
+                            <a:latin typeface="Cambria Math" panose="02040503050406030204" pitchFamily="18" charset="0"/>
+                          </a:rPr>
+                          <m:t>𝑚</m:t>
+                        </m:r>
+                        <m:r>
+                          <a:rPr kumimoji="1" lang="en-US" altLang="ja-JP" b="0" i="1" smtClean="0">
+                            <a:latin typeface="Cambria Math" panose="02040503050406030204" pitchFamily="18" charset="0"/>
+                          </a:rPr>
+                          <m:t>;</m:t>
+                        </m:r>
+                        <m:r>
+                          <a:rPr kumimoji="1" lang="en-US" altLang="ja-JP" b="0" i="1" smtClean="0">
+                            <a:latin typeface="Cambria Math" panose="02040503050406030204" pitchFamily="18" charset="0"/>
+                          </a:rPr>
+                          <m:t>𝑟</m:t>
+                        </m:r>
+                      </m:e>
+                    </m:d>
+                    <m:r>
+                      <a:rPr kumimoji="1" lang="en-US" altLang="ja-JP" b="0" i="1" smtClean="0">
+                        <a:latin typeface="Cambria Math" panose="02040503050406030204" pitchFamily="18" charset="0"/>
+                      </a:rPr>
+                      <m:t>=(</m:t>
+                    </m:r>
+                    <m:r>
+                      <a:rPr kumimoji="1" lang="en-US" altLang="ja-JP" b="0" i="1" smtClean="0">
+                        <a:latin typeface="Cambria Math" panose="02040503050406030204" pitchFamily="18" charset="0"/>
+                      </a:rPr>
+                      <m:t>𝑚</m:t>
+                    </m:r>
+                    <m:r>
+                      <a:rPr kumimoji="1" lang="en-US" altLang="ja-JP" b="0" i="1" smtClean="0">
+                        <a:latin typeface="Cambria Math" panose="02040503050406030204" pitchFamily="18" charset="0"/>
+                      </a:rPr>
+                      <m:t>+</m:t>
+                    </m:r>
+                    <m:r>
+                      <a:rPr kumimoji="1" lang="en-US" altLang="ja-JP" b="0" i="1" smtClean="0">
+                        <a:latin typeface="Cambria Math" panose="02040503050406030204" pitchFamily="18" charset="0"/>
+                      </a:rPr>
+                      <m:t>𝑟𝑆</m:t>
+                    </m:r>
+                    <m:r>
+                      <a:rPr kumimoji="1" lang="en-US" altLang="ja-JP" b="0" i="1" smtClean="0">
+                        <a:latin typeface="Cambria Math" panose="02040503050406030204" pitchFamily="18" charset="0"/>
+                      </a:rPr>
+                      <m:t>, </m:t>
+                    </m:r>
+                    <m:r>
+                      <a:rPr kumimoji="1" lang="en-US" altLang="ja-JP" b="0" i="1" smtClean="0">
+                        <a:latin typeface="Cambria Math" panose="02040503050406030204" pitchFamily="18" charset="0"/>
+                      </a:rPr>
+                      <m:t>𝑟𝑃</m:t>
+                    </m:r>
+                    <m:r>
+                      <a:rPr kumimoji="1" lang="en-US" altLang="ja-JP" b="0" i="1" smtClean="0">
+                        <a:latin typeface="Cambria Math" panose="02040503050406030204" pitchFamily="18" charset="0"/>
+                      </a:rPr>
+                      <m:t>)</m:t>
+                    </m:r>
+                  </m:oMath>
+                </a14:m>
+                <a:endParaRPr kumimoji="1" lang="en-US" altLang="ja-JP"/>
+              </a:p>
+              <a:p>
+                <a:pPr lvl="1"/>
+                <a:r>
+                  <a:rPr kumimoji="1" lang="ja-JP" altLang="en-US"/>
+                  <a:t>暗号文の一つ目の成分を</a:t>
+                </a:r>
+                <a14:m>
+                  <m:oMath xmlns:m="http://schemas.openxmlformats.org/officeDocument/2006/math">
+                    <m:r>
+                      <a:rPr kumimoji="1" lang="en-US" altLang="ja-JP" b="0" i="1" smtClean="0">
+                        <a:latin typeface="Cambria Math" panose="02040503050406030204" pitchFamily="18" charset="0"/>
+                      </a:rPr>
+                      <m:t>𝑇</m:t>
+                    </m:r>
+                  </m:oMath>
+                </a14:m>
+                <a:r>
+                  <a:rPr kumimoji="1" lang="ja-JP" altLang="en-US"/>
+                  <a:t>とすると</a:t>
+                </a:r>
+                <a:endParaRPr kumimoji="1" lang="en-US" altLang="ja-JP"/>
+              </a:p>
+              <a:p>
+                <a:r>
+                  <a:rPr kumimoji="1" lang="ja-JP" altLang="en-US"/>
+                  <a:t>「</a:t>
+                </a:r>
+                <a14:m>
+                  <m:oMath xmlns:m="http://schemas.openxmlformats.org/officeDocument/2006/math">
+                    <m:r>
+                      <a:rPr kumimoji="1" lang="en-US" altLang="ja-JP" b="0" i="1" smtClean="0">
+                        <a:latin typeface="Cambria Math" panose="02040503050406030204" pitchFamily="18" charset="0"/>
+                      </a:rPr>
+                      <m:t>𝑃</m:t>
+                    </m:r>
+                    <m:r>
+                      <a:rPr kumimoji="1" lang="en-US" altLang="ja-JP" b="0" i="1" smtClean="0">
+                        <a:latin typeface="Cambria Math" panose="02040503050406030204" pitchFamily="18" charset="0"/>
+                      </a:rPr>
+                      <m:t>,</m:t>
+                    </m:r>
+                    <m:r>
+                      <a:rPr kumimoji="1" lang="en-US" altLang="ja-JP" b="0" i="1" smtClean="0">
+                        <a:latin typeface="Cambria Math" panose="02040503050406030204" pitchFamily="18" charset="0"/>
+                      </a:rPr>
+                      <m:t>𝑠𝑃</m:t>
+                    </m:r>
+                    <m:r>
+                      <a:rPr kumimoji="1" lang="en-US" altLang="ja-JP" b="0" i="1" smtClean="0">
+                        <a:latin typeface="Cambria Math" panose="02040503050406030204" pitchFamily="18" charset="0"/>
+                      </a:rPr>
+                      <m:t>,</m:t>
+                    </m:r>
+                    <m:r>
+                      <a:rPr kumimoji="1" lang="en-US" altLang="ja-JP" b="0" i="1" smtClean="0">
+                        <a:latin typeface="Cambria Math" panose="02040503050406030204" pitchFamily="18" charset="0"/>
+                      </a:rPr>
+                      <m:t>𝑟𝑃</m:t>
+                    </m:r>
+                    <m:r>
+                      <a:rPr kumimoji="1" lang="en-US" altLang="ja-JP" b="0" i="1" smtClean="0">
+                        <a:latin typeface="Cambria Math" panose="02040503050406030204" pitchFamily="18" charset="0"/>
+                      </a:rPr>
+                      <m:t>,</m:t>
+                    </m:r>
+                    <m:r>
+                      <a:rPr kumimoji="1" lang="en-US" altLang="ja-JP" b="0" i="1" smtClean="0">
+                        <a:latin typeface="Cambria Math" panose="02040503050406030204" pitchFamily="18" charset="0"/>
+                      </a:rPr>
+                      <m:t>𝑇</m:t>
+                    </m:r>
+                  </m:oMath>
+                </a14:m>
+                <a:r>
+                  <a:rPr kumimoji="1" lang="ja-JP" altLang="en-US"/>
+                  <a:t>」</a:t>
+                </a:r>
+                <a:r>
+                  <a:rPr kumimoji="1" lang="en-US" altLang="ja-JP"/>
+                  <a:t>given</a:t>
+                </a:r>
+                <a:r>
+                  <a:rPr kumimoji="1" lang="ja-JP" altLang="en-US"/>
+                  <a:t>で</a:t>
+                </a:r>
+                <a14:m>
+                  <m:oMath xmlns:m="http://schemas.openxmlformats.org/officeDocument/2006/math">
+                    <m:r>
+                      <a:rPr kumimoji="1" lang="en-US" altLang="ja-JP" b="0" i="1" smtClean="0">
+                        <a:latin typeface="Cambria Math" panose="02040503050406030204" pitchFamily="18" charset="0"/>
+                      </a:rPr>
+                      <m:t>𝑇</m:t>
+                    </m:r>
+                    <m:r>
+                      <a:rPr kumimoji="1" lang="en-US" altLang="ja-JP" b="0" i="1" smtClean="0">
+                        <a:latin typeface="Cambria Math" panose="02040503050406030204" pitchFamily="18" charset="0"/>
+                      </a:rPr>
+                      <m:t>=</m:t>
+                    </m:r>
+                    <m:r>
+                      <a:rPr kumimoji="1" lang="en-US" altLang="ja-JP" b="0" i="1" smtClean="0">
+                        <a:latin typeface="Cambria Math" panose="02040503050406030204" pitchFamily="18" charset="0"/>
+                      </a:rPr>
+                      <m:t>𝑟𝑠𝑃</m:t>
+                    </m:r>
+                  </m:oMath>
+                </a14:m>
+                <a:r>
+                  <a:rPr kumimoji="1" lang="ja-JP" altLang="en-US"/>
+                  <a:t>か否か判れば</a:t>
+                </a:r>
+                <a:br>
+                  <a:rPr kumimoji="1" lang="en-US" altLang="ja-JP" b="0" i="1">
+                    <a:latin typeface="Cambria Math" panose="02040503050406030204" pitchFamily="18" charset="0"/>
+                  </a:rPr>
+                </a:br>
+                <a14:m>
+                  <m:oMath xmlns:m="http://schemas.openxmlformats.org/officeDocument/2006/math">
+                    <m:r>
+                      <a:rPr kumimoji="1" lang="en-US" altLang="ja-JP" b="0" i="1" smtClean="0">
+                        <a:latin typeface="Cambria Math" panose="02040503050406030204" pitchFamily="18" charset="0"/>
+                      </a:rPr>
+                      <m:t>𝑑𝑒𝑐</m:t>
+                    </m:r>
+                    <m:d>
+                      <m:dPr>
+                        <m:ctrlPr>
+                          <a:rPr kumimoji="1" lang="en-US" altLang="ja-JP" b="0" i="1" smtClean="0">
+                            <a:latin typeface="Cambria Math" panose="02040503050406030204" pitchFamily="18" charset="0"/>
+                          </a:rPr>
+                        </m:ctrlPr>
+                      </m:dPr>
+                      <m:e>
+                        <m:r>
+                          <a:rPr kumimoji="1" lang="en-US" altLang="ja-JP" b="0" i="1" smtClean="0">
+                            <a:latin typeface="Cambria Math" panose="02040503050406030204" pitchFamily="18" charset="0"/>
+                          </a:rPr>
+                          <m:t>𝑐</m:t>
+                        </m:r>
+                      </m:e>
+                    </m:d>
+                    <m:r>
+                      <a:rPr kumimoji="1" lang="en-US" altLang="ja-JP" b="0" i="1" smtClean="0">
+                        <a:latin typeface="Cambria Math" panose="02040503050406030204" pitchFamily="18" charset="0"/>
+                      </a:rPr>
+                      <m:t>=0</m:t>
+                    </m:r>
+                  </m:oMath>
+                </a14:m>
+                <a:r>
+                  <a:rPr kumimoji="1" lang="ja-JP" altLang="en-US"/>
+                  <a:t>か</a:t>
+                </a:r>
+                <a14:m>
+                  <m:oMath xmlns:m="http://schemas.openxmlformats.org/officeDocument/2006/math">
+                    <m:r>
+                      <a:rPr kumimoji="1" lang="en-US" altLang="ja-JP" b="0" i="1" smtClean="0">
+                        <a:latin typeface="Cambria Math" panose="02040503050406030204" pitchFamily="18" charset="0"/>
+                      </a:rPr>
+                      <m:t>≠0</m:t>
+                    </m:r>
+                  </m:oMath>
+                </a14:m>
+                <a:r>
+                  <a:rPr kumimoji="1" lang="ja-JP" altLang="en-US"/>
+                  <a:t>か判別できる→安全でない</a:t>
+                </a:r>
+                <a:endParaRPr kumimoji="1" lang="en-US" altLang="ja-JP"/>
+              </a:p>
+              <a:p>
+                <a:r>
+                  <a:rPr kumimoji="1" lang="en-US" altLang="ja-JP"/>
+                  <a:t>DDH(Decisional DH)</a:t>
+                </a:r>
+              </a:p>
+              <a:p>
+                <a:pPr lvl="1"/>
+                <a:r>
+                  <a:rPr kumimoji="1" lang="ja-JP" altLang="en-US" b="0"/>
+                  <a:t>「</a:t>
+                </a:r>
+                <a14:m>
+                  <m:oMath xmlns:m="http://schemas.openxmlformats.org/officeDocument/2006/math">
+                    <m:r>
+                      <a:rPr kumimoji="1" lang="en-US" altLang="ja-JP" b="0" i="1" smtClean="0">
+                        <a:latin typeface="Cambria Math" panose="02040503050406030204" pitchFamily="18" charset="0"/>
+                      </a:rPr>
+                      <m:t>𝑃</m:t>
+                    </m:r>
+                    <m:r>
+                      <a:rPr kumimoji="1" lang="en-US" altLang="ja-JP" b="0" i="1" smtClean="0">
+                        <a:latin typeface="Cambria Math" panose="02040503050406030204" pitchFamily="18" charset="0"/>
+                      </a:rPr>
+                      <m:t>,</m:t>
+                    </m:r>
+                    <m:r>
+                      <a:rPr kumimoji="1" lang="en-US" altLang="ja-JP" b="0" i="1" smtClean="0">
+                        <a:latin typeface="Cambria Math" panose="02040503050406030204" pitchFamily="18" charset="0"/>
+                      </a:rPr>
+                      <m:t>𝑎𝑃</m:t>
+                    </m:r>
+                    <m:r>
+                      <a:rPr kumimoji="1" lang="en-US" altLang="ja-JP" b="0" i="1" smtClean="0">
+                        <a:latin typeface="Cambria Math" panose="02040503050406030204" pitchFamily="18" charset="0"/>
+                      </a:rPr>
+                      <m:t>,</m:t>
+                    </m:r>
+                    <m:r>
+                      <a:rPr kumimoji="1" lang="en-US" altLang="ja-JP" b="0" i="1" smtClean="0">
+                        <a:latin typeface="Cambria Math" panose="02040503050406030204" pitchFamily="18" charset="0"/>
+                      </a:rPr>
+                      <m:t>𝑏𝑃</m:t>
+                    </m:r>
+                    <m:r>
+                      <a:rPr kumimoji="1" lang="en-US" altLang="ja-JP" b="0" i="1" smtClean="0">
+                        <a:latin typeface="Cambria Math" panose="02040503050406030204" pitchFamily="18" charset="0"/>
+                      </a:rPr>
+                      <m:t>,</m:t>
+                    </m:r>
+                    <m:r>
+                      <a:rPr kumimoji="1" lang="en-US" altLang="ja-JP" b="0" i="1" smtClean="0">
+                        <a:latin typeface="Cambria Math" panose="02040503050406030204" pitchFamily="18" charset="0"/>
+                      </a:rPr>
+                      <m:t>𝑇</m:t>
+                    </m:r>
+                  </m:oMath>
+                </a14:m>
+                <a:r>
+                  <a:rPr kumimoji="1" lang="ja-JP" altLang="en-US" b="0"/>
+                  <a:t>」</a:t>
+                </a:r>
+                <a:r>
+                  <a:rPr lang="en-US" altLang="ja-JP"/>
+                  <a:t>given</a:t>
+                </a:r>
+                <a:r>
+                  <a:rPr lang="ja-JP" altLang="en-US"/>
+                  <a:t>のとき「</a:t>
+                </a:r>
+                <a14:m>
+                  <m:oMath xmlns:m="http://schemas.openxmlformats.org/officeDocument/2006/math">
+                    <m:r>
+                      <a:rPr lang="en-US" altLang="ja-JP" b="0" i="1" smtClean="0">
+                        <a:latin typeface="Cambria Math" panose="02040503050406030204" pitchFamily="18" charset="0"/>
+                      </a:rPr>
+                      <m:t>𝑇</m:t>
+                    </m:r>
+                    <m:r>
+                      <a:rPr lang="en-US" altLang="ja-JP" b="0" i="1" smtClean="0">
+                        <a:latin typeface="Cambria Math" panose="02040503050406030204" pitchFamily="18" charset="0"/>
+                      </a:rPr>
+                      <m:t>=</m:t>
+                    </m:r>
+                    <m:r>
+                      <a:rPr lang="en-US" altLang="ja-JP" b="0" i="1" smtClean="0">
+                        <a:latin typeface="Cambria Math" panose="02040503050406030204" pitchFamily="18" charset="0"/>
+                      </a:rPr>
+                      <m:t>𝑎𝑏𝑃</m:t>
+                    </m:r>
+                  </m:oMath>
+                </a14:m>
+                <a:r>
+                  <a:rPr lang="ja-JP" altLang="en-US"/>
+                  <a:t>か否か」を判定せよ</a:t>
+                </a:r>
+                <a:endParaRPr lang="en-US" altLang="ja-JP"/>
+              </a:p>
+              <a:p>
+                <a:pPr lvl="1"/>
+                <a:r>
+                  <a:rPr kumimoji="1" lang="ja-JP" altLang="en-US" b="0"/>
+                  <a:t>従来の</a:t>
+                </a:r>
+                <a:r>
+                  <a:rPr kumimoji="1" lang="en-US" altLang="ja-JP" b="0"/>
+                  <a:t>DH</a:t>
+                </a:r>
+                <a:r>
+                  <a:rPr kumimoji="1" lang="ja-JP" altLang="en-US" b="0"/>
+                  <a:t>は</a:t>
+                </a:r>
+                <a:r>
+                  <a:rPr kumimoji="1" lang="en-US" altLang="ja-JP" b="0"/>
+                  <a:t>CDH(Computational DH)</a:t>
+                </a:r>
+                <a:r>
+                  <a:rPr kumimoji="1" lang="ja-JP" altLang="en-US" b="0"/>
+                  <a:t>という</a:t>
+                </a:r>
+                <a:endParaRPr kumimoji="1" lang="en-US" altLang="ja-JP" b="0"/>
+              </a:p>
+              <a:p>
+                <a:pPr lvl="1"/>
+                <a:r>
+                  <a:rPr kumimoji="1" lang="en-US" altLang="ja-JP" b="0"/>
+                  <a:t>DDH</a:t>
+                </a:r>
+                <a:r>
+                  <a:rPr kumimoji="1" lang="ja-JP" altLang="en-US" b="0"/>
+                  <a:t>が困難なら</a:t>
+                </a:r>
+                <a:r>
+                  <a:rPr kumimoji="1" lang="en-US" altLang="ja-JP" b="0"/>
+                  <a:t>Lifted ElGamal</a:t>
+                </a:r>
+                <a:r>
+                  <a:rPr kumimoji="1" lang="ja-JP" altLang="en-US" b="0"/>
+                  <a:t>暗号は</a:t>
+                </a:r>
+                <a:r>
+                  <a:rPr kumimoji="1" lang="en-US" altLang="ja-JP" b="0"/>
+                  <a:t>IND-CCA</a:t>
+                </a:r>
+                <a:r>
+                  <a:rPr kumimoji="1" lang="ja-JP" altLang="en-US" b="0"/>
+                  <a:t>安全</a:t>
+                </a:r>
+                <a:endParaRPr kumimoji="1" lang="en-US" altLang="ja-JP" b="0"/>
+              </a:p>
+              <a:p>
+                <a:pPr lvl="2"/>
+                <a:r>
+                  <a:rPr lang="ja-JP" altLang="en-US"/>
+                  <a:t>注意 </a:t>
+                </a:r>
+                <a:r>
+                  <a:rPr lang="en-US" altLang="ja-JP"/>
+                  <a:t>: </a:t>
+                </a:r>
+                <a:r>
+                  <a:rPr lang="ja-JP" altLang="en-US"/>
+                  <a:t>準同型暗号は</a:t>
+                </a:r>
+                <a:r>
+                  <a:rPr lang="en-US" altLang="ja-JP"/>
+                  <a:t>IND-CCA2</a:t>
+                </a:r>
+                <a:r>
+                  <a:rPr lang="ja-JP" altLang="en-US"/>
+                  <a:t>安全にはならない</a:t>
+                </a:r>
+                <a:endParaRPr kumimoji="1" lang="en-US" altLang="ja-JP" b="0"/>
+              </a:p>
+            </p:txBody>
+          </p:sp>
+        </mc:Choice>
+        <mc:Fallback>
+          <p:sp>
+            <p:nvSpPr>
+              <p:cNvPr id="2" name="コンテンツ プレースホルダー 1">
+                <a:extLst>
+                  <a:ext uri="{FF2B5EF4-FFF2-40B4-BE49-F238E27FC236}">
+                    <a16:creationId xmlns:a16="http://schemas.microsoft.com/office/drawing/2014/main" id="{2E503ECC-2524-4039-836A-1DA1EC154401}"/>
+                  </a:ext>
+                </a:extLst>
+              </p:cNvPr>
+              <p:cNvSpPr>
+                <a:spLocks noGrp="1" noRot="1" noChangeAspect="1" noMove="1" noResize="1" noEditPoints="1" noAdjustHandles="1" noChangeArrowheads="1" noChangeShapeType="1" noTextEdit="1"/>
+              </p:cNvSpPr>
+              <p:nvPr>
+                <p:ph idx="1"/>
+              </p:nvPr>
+            </p:nvSpPr>
+            <p:spPr>
+              <a:blipFill>
+                <a:blip r:embed="rId2"/>
+                <a:stretch>
+                  <a:fillRect l="-1200" t="-1454" b="-9034"/>
+                </a:stretch>
+              </a:blipFill>
+            </p:spPr>
+            <p:txBody>
+              <a:bodyPr/>
+              <a:lstStyle/>
+              <a:p>
+                <a:r>
+                  <a:rPr lang="ja-JP" altLang="en-US">
+                    <a:noFill/>
+                  </a:rPr>
+                  <a:t> </a:t>
+                </a:r>
+              </a:p>
+            </p:txBody>
+          </p:sp>
+        </mc:Fallback>
+      </mc:AlternateContent>
+      <p:sp>
+        <p:nvSpPr>
+          <p:cNvPr id="3" name="スライド番号プレースホルダー 2">
+            <a:extLst>
+              <a:ext uri="{FF2B5EF4-FFF2-40B4-BE49-F238E27FC236}">
+                <a16:creationId xmlns:a16="http://schemas.microsoft.com/office/drawing/2014/main" id="{6C2CA84E-22D7-4599-BAA0-D0345B95DF7E}"/>
+              </a:ext>
+            </a:extLst>
+          </p:cNvPr>
+          <p:cNvSpPr>
+            <a:spLocks noGrp="1"/>
+          </p:cNvSpPr>
+          <p:nvPr>
+            <p:ph type="sldNum" sz="quarter" idx="12"/>
+          </p:nvPr>
+        </p:nvSpPr>
+        <p:spPr/>
+        <p:txBody>
+          <a:bodyPr/>
+          <a:lstStyle/>
+          <a:p>
+            <a:pPr>
+              <a:defRPr/>
+            </a:pPr>
+            <a:r>
+              <a:rPr lang="en-US" altLang="ja-JP"/>
+              <a:t>    </a:t>
+            </a:r>
+            <a:fld id="{B2782DEB-472A-4FE5-AC34-C17109CF5A91}" type="slidenum">
+              <a:rPr lang="en-US" altLang="ja-JP" smtClean="0"/>
+              <a:pPr>
+                <a:defRPr/>
+              </a:pPr>
+              <a:t>9</a:t>
+            </a:fld>
+            <a:r>
+              <a:rPr lang="en-US" altLang="ja-JP"/>
+              <a:t> / 25</a:t>
+            </a:r>
+          </a:p>
+        </p:txBody>
+      </p:sp>
+      <p:sp>
+        <p:nvSpPr>
+          <p:cNvPr id="4" name="タイトル 3">
+            <a:extLst>
+              <a:ext uri="{FF2B5EF4-FFF2-40B4-BE49-F238E27FC236}">
+                <a16:creationId xmlns:a16="http://schemas.microsoft.com/office/drawing/2014/main" id="{FF71B9C5-5462-4293-830D-672E8F14B590}"/>
+              </a:ext>
+            </a:extLst>
+          </p:cNvPr>
+          <p:cNvSpPr>
+            <a:spLocks noGrp="1"/>
+          </p:cNvSpPr>
+          <p:nvPr>
+            <p:ph type="title"/>
+          </p:nvPr>
+        </p:nvSpPr>
+        <p:spPr/>
+        <p:txBody>
+          <a:bodyPr/>
+          <a:lstStyle/>
+          <a:p>
+            <a:r>
+              <a:rPr kumimoji="1" lang="ja-JP" altLang="en-US"/>
+              <a:t>公開鍵暗号に求められる要件</a:t>
+            </a:r>
+          </a:p>
+        </p:txBody>
+      </p:sp>
+    </p:spTree>
+    <p:extLst>
+      <p:ext uri="{BB962C8B-B14F-4D97-AF65-F5344CB8AC3E}">
+        <p14:creationId xmlns:p14="http://schemas.microsoft.com/office/powerpoint/2010/main" val="1913315976"/>
       </p:ext>
     </p:extLst>
   </p:cSld>

--- a/lec/anninbon13.pptx
+++ b/lec/anninbon13.pptx
@@ -5,10 +5,10 @@
     <p:sldMasterId id="2147483706" r:id="rId1"/>
   </p:sldMasterIdLst>
   <p:notesMasterIdLst>
-    <p:notesMasterId r:id="rId11"/>
+    <p:notesMasterId r:id="rId13"/>
   </p:notesMasterIdLst>
   <p:handoutMasterIdLst>
-    <p:handoutMasterId r:id="rId12"/>
+    <p:handoutMasterId r:id="rId14"/>
   </p:handoutMasterIdLst>
   <p:sldIdLst>
     <p:sldId id="552" r:id="rId2"/>
@@ -19,7 +19,9 @@
     <p:sldId id="694" r:id="rId7"/>
     <p:sldId id="695" r:id="rId8"/>
     <p:sldId id="696" r:id="rId9"/>
-    <p:sldId id="699" r:id="rId10"/>
+    <p:sldId id="568" r:id="rId10"/>
+    <p:sldId id="569" r:id="rId11"/>
+    <p:sldId id="699" r:id="rId12"/>
   </p:sldIdLst>
   <p:sldSz cx="9144000" cy="6858000" type="screen4x3"/>
   <p:notesSz cx="7099300" cy="10234613"/>
@@ -161,6 +163,8 @@
             <p14:sldId id="694"/>
             <p14:sldId id="695"/>
             <p14:sldId id="696"/>
+            <p14:sldId id="568"/>
+            <p14:sldId id="569"/>
             <p14:sldId id="699"/>
           </p14:sldIdLst>
         </p14:section>
@@ -2384,6 +2388,1107 @@
 </p:sld>
 </file>
 
+<file path=ppt/slides/slide10.xml><?xml version="1.0" encoding="utf-8"?>
+<p:sld xmlns:a="http://schemas.openxmlformats.org/drawingml/2006/main" xmlns:r="http://schemas.openxmlformats.org/officeDocument/2006/relationships" xmlns:p="http://schemas.openxmlformats.org/presentationml/2006/main">
+  <p:cSld>
+    <p:spTree>
+      <p:nvGrpSpPr>
+        <p:cNvPr id="1" name=""/>
+        <p:cNvGrpSpPr/>
+        <p:nvPr/>
+      </p:nvGrpSpPr>
+      <p:grpSpPr>
+        <a:xfrm>
+          <a:off x="0" y="0"/>
+          <a:ext cx="0" cy="0"/>
+          <a:chOff x="0" y="0"/>
+          <a:chExt cx="0" cy="0"/>
+        </a:xfrm>
+      </p:grpSpPr>
+      <mc:AlternateContent xmlns:mc="http://schemas.openxmlformats.org/markup-compatibility/2006">
+        <mc:Choice xmlns:a14="http://schemas.microsoft.com/office/drawing/2010/main" Requires="a14">
+          <p:sp>
+            <p:nvSpPr>
+              <p:cNvPr id="2" name="コンテンツ プレースホルダー 1">
+                <a:extLst>
+                  <a:ext uri="{FF2B5EF4-FFF2-40B4-BE49-F238E27FC236}">
+                    <a16:creationId xmlns:a16="http://schemas.microsoft.com/office/drawing/2014/main" id="{4CA35295-6160-4D4D-880E-3E10C2C8E8D5}"/>
+                  </a:ext>
+                </a:extLst>
+              </p:cNvPr>
+              <p:cNvSpPr>
+                <a:spLocks noGrp="1"/>
+              </p:cNvSpPr>
+              <p:nvPr>
+                <p:ph idx="1"/>
+              </p:nvPr>
+            </p:nvSpPr>
+            <p:spPr/>
+            <p:txBody>
+              <a:bodyPr/>
+              <a:lstStyle/>
+              <a:p>
+                <a:r>
+                  <a:rPr kumimoji="1" lang="en-US" altLang="ja-JP"/>
+                  <a:t>CCA1 ; </a:t>
+                </a:r>
+                <a:r>
+                  <a:rPr kumimoji="1" lang="ja-JP" altLang="en-US"/>
+                  <a:t>ゲーム開始前に情報収集可</a:t>
+                </a:r>
+                <a:endParaRPr kumimoji="1" lang="en-US" altLang="ja-JP"/>
+              </a:p>
+              <a:p>
+                <a:r>
+                  <a:rPr lang="en-US" altLang="ja-JP"/>
+                  <a:t>CCA2 ; </a:t>
+                </a:r>
+                <a:r>
+                  <a:rPr lang="ja-JP" altLang="en-US"/>
+                  <a:t>ゲーム開始後に情報収集可</a:t>
+                </a:r>
+                <a:r>
+                  <a:rPr lang="en-US" altLang="ja-JP"/>
+                  <a:t>(</a:t>
+                </a:r>
+                <a:r>
+                  <a:rPr lang="ja-JP" altLang="en-US"/>
+                  <a:t>適応的</a:t>
+                </a:r>
+                <a:r>
+                  <a:rPr lang="en-US" altLang="ja-JP"/>
+                  <a:t>CCA)</a:t>
+                </a:r>
+              </a:p>
+              <a:p>
+                <a:endParaRPr lang="en-US" altLang="ja-JP"/>
+              </a:p>
+              <a:p>
+                <a:endParaRPr lang="en-US" altLang="ja-JP"/>
+              </a:p>
+              <a:p>
+                <a:endParaRPr lang="en-US" altLang="ja-JP"/>
+              </a:p>
+              <a:p>
+                <a:endParaRPr lang="en-US" altLang="ja-JP"/>
+              </a:p>
+              <a:p>
+                <a:endParaRPr lang="en-US" altLang="ja-JP"/>
+              </a:p>
+              <a:p>
+                <a:r>
+                  <a:rPr kumimoji="1" lang="en-US" altLang="ja-JP"/>
+                  <a:t>CCA1/2</a:t>
+                </a:r>
+                <a:r>
+                  <a:rPr kumimoji="1" lang="ja-JP" altLang="en-US"/>
+                  <a:t>に対してアリスが勝つなら</a:t>
+                </a:r>
+                <a:r>
+                  <a:rPr kumimoji="1" lang="en-US" altLang="ja-JP"/>
+                  <a:t>IND-CCA1/2</a:t>
+                </a:r>
+                <a:r>
+                  <a:rPr kumimoji="1" lang="ja-JP" altLang="en-US"/>
+                  <a:t>安全</a:t>
+                </a:r>
+                <a:endParaRPr kumimoji="1" lang="en-US" altLang="ja-JP"/>
+              </a:p>
+              <a:p>
+                <a:r>
+                  <a:rPr kumimoji="1" lang="ja-JP" altLang="en-US"/>
+                  <a:t>準同型暗号は</a:t>
+                </a:r>
+                <a:r>
+                  <a:rPr kumimoji="1" lang="en-US" altLang="ja-JP"/>
+                  <a:t>IND-CCA2</a:t>
+                </a:r>
+                <a:r>
+                  <a:rPr kumimoji="1" lang="ja-JP" altLang="en-US"/>
+                  <a:t>安全にはなり得ない</a:t>
+                </a:r>
+                <a:endParaRPr kumimoji="1" lang="en-US" altLang="ja-JP"/>
+              </a:p>
+              <a:p>
+                <a:pPr lvl="1"/>
+                <a:r>
+                  <a:rPr lang="ja-JP" altLang="en-US"/>
+                  <a:t>攻撃者は</a:t>
+                </a:r>
+                <a14:m>
+                  <m:oMath xmlns:m="http://schemas.openxmlformats.org/officeDocument/2006/math">
+                    <m:r>
+                      <a:rPr kumimoji="1" lang="en-US" altLang="ja-JP" b="0" i="1" smtClean="0">
+                        <a:latin typeface="Cambria Math" panose="02040503050406030204" pitchFamily="18" charset="0"/>
+                      </a:rPr>
+                      <m:t>𝑐</m:t>
+                    </m:r>
+                  </m:oMath>
+                </a14:m>
+                <a:r>
+                  <a:rPr kumimoji="1" lang="ja-JP" altLang="en-US"/>
+                  <a:t>に対して</a:t>
+                </a:r>
+                <a14:m>
+                  <m:oMath xmlns:m="http://schemas.openxmlformats.org/officeDocument/2006/math">
+                    <m:r>
+                      <a:rPr kumimoji="1" lang="en-US" altLang="ja-JP" b="0" i="1" smtClean="0">
+                        <a:latin typeface="Cambria Math" panose="02040503050406030204" pitchFamily="18" charset="0"/>
+                      </a:rPr>
+                      <m:t>𝑐</m:t>
+                    </m:r>
+                    <m:r>
+                      <a:rPr kumimoji="1" lang="en-US" altLang="ja-JP" b="0" i="1" smtClean="0">
+                        <a:latin typeface="Cambria Math" panose="02040503050406030204" pitchFamily="18" charset="0"/>
+                      </a:rPr>
+                      <m:t>′=</m:t>
+                    </m:r>
+                    <m:r>
+                      <a:rPr kumimoji="1" lang="en-US" altLang="ja-JP" b="0" i="1" smtClean="0">
+                        <a:latin typeface="Cambria Math" panose="02040503050406030204" pitchFamily="18" charset="0"/>
+                      </a:rPr>
+                      <m:t>𝑐</m:t>
+                    </m:r>
+                    <m:r>
+                      <a:rPr kumimoji="1" lang="en-US" altLang="ja-JP" b="0" i="1" smtClean="0">
+                        <a:latin typeface="Cambria Math" panose="02040503050406030204" pitchFamily="18" charset="0"/>
+                      </a:rPr>
+                      <m:t>+</m:t>
+                    </m:r>
+                    <m:r>
+                      <a:rPr kumimoji="1" lang="en-US" altLang="ja-JP" b="0" i="1" smtClean="0">
+                        <a:latin typeface="Cambria Math" panose="02040503050406030204" pitchFamily="18" charset="0"/>
+                      </a:rPr>
+                      <m:t>𝐸𝑛𝑐</m:t>
+                    </m:r>
+                    <m:r>
+                      <a:rPr kumimoji="1" lang="en-US" altLang="ja-JP" b="0" i="1" smtClean="0">
+                        <a:latin typeface="Cambria Math" panose="02040503050406030204" pitchFamily="18" charset="0"/>
+                      </a:rPr>
+                      <m:t>(0)</m:t>
+                    </m:r>
+                  </m:oMath>
+                </a14:m>
+                <a:r>
+                  <a:rPr kumimoji="1" lang="ja-JP" altLang="en-US"/>
+                  <a:t>の答えを教えてもらえる</a:t>
+                </a:r>
+                <a:endParaRPr kumimoji="1" lang="en-US" altLang="ja-JP"/>
+              </a:p>
+              <a:p>
+                <a:pPr lvl="1"/>
+                <a:r>
+                  <a:rPr kumimoji="1" lang="ja-JP" altLang="en-US"/>
+                  <a:t>準同型演算するために「評価鍵」が必要な</a:t>
+                </a:r>
+                <a:r>
+                  <a:rPr kumimoji="1" lang="en-US" altLang="ja-JP"/>
+                  <a:t>HE</a:t>
+                </a:r>
+                <a:r>
+                  <a:rPr kumimoji="1" lang="ja-JP" altLang="en-US"/>
+                  <a:t>もある</a:t>
+                </a:r>
+                <a:endParaRPr kumimoji="1" lang="en-US" altLang="ja-JP"/>
+              </a:p>
+              <a:p>
+                <a:endParaRPr lang="en-US" altLang="ja-JP"/>
+              </a:p>
+            </p:txBody>
+          </p:sp>
+        </mc:Choice>
+        <mc:Fallback>
+          <p:sp>
+            <p:nvSpPr>
+              <p:cNvPr id="2" name="コンテンツ プレースホルダー 1">
+                <a:extLst>
+                  <a:ext uri="{FF2B5EF4-FFF2-40B4-BE49-F238E27FC236}">
+                    <a16:creationId xmlns:a16="http://schemas.microsoft.com/office/drawing/2014/main" id="{4CA35295-6160-4D4D-880E-3E10C2C8E8D5}"/>
+                  </a:ext>
+                </a:extLst>
+              </p:cNvPr>
+              <p:cNvSpPr>
+                <a:spLocks noGrp="1" noRot="1" noChangeAspect="1" noMove="1" noResize="1" noEditPoints="1" noAdjustHandles="1" noChangeArrowheads="1" noChangeShapeType="1" noTextEdit="1"/>
+              </p:cNvSpPr>
+              <p:nvPr>
+                <p:ph idx="1"/>
+              </p:nvPr>
+            </p:nvSpPr>
+            <p:spPr>
+              <a:blipFill>
+                <a:blip r:embed="rId2"/>
+                <a:stretch>
+                  <a:fillRect l="-1200" t="-1454" b="-6438"/>
+                </a:stretch>
+              </a:blipFill>
+            </p:spPr>
+            <p:txBody>
+              <a:bodyPr/>
+              <a:lstStyle/>
+              <a:p>
+                <a:r>
+                  <a:rPr lang="ja-JP" altLang="en-US">
+                    <a:noFill/>
+                  </a:rPr>
+                  <a:t> </a:t>
+                </a:r>
+              </a:p>
+            </p:txBody>
+          </p:sp>
+        </mc:Fallback>
+      </mc:AlternateContent>
+      <p:sp>
+        <p:nvSpPr>
+          <p:cNvPr id="3" name="スライド番号プレースホルダー 2">
+            <a:extLst>
+              <a:ext uri="{FF2B5EF4-FFF2-40B4-BE49-F238E27FC236}">
+                <a16:creationId xmlns:a16="http://schemas.microsoft.com/office/drawing/2014/main" id="{666C0074-716A-4F8A-9FC3-BF36C3914F53}"/>
+              </a:ext>
+            </a:extLst>
+          </p:cNvPr>
+          <p:cNvSpPr>
+            <a:spLocks noGrp="1"/>
+          </p:cNvSpPr>
+          <p:nvPr>
+            <p:ph type="sldNum" sz="quarter" idx="12"/>
+          </p:nvPr>
+        </p:nvSpPr>
+        <p:spPr/>
+        <p:txBody>
+          <a:bodyPr/>
+          <a:lstStyle/>
+          <a:p>
+            <a:pPr>
+              <a:defRPr/>
+            </a:pPr>
+            <a:r>
+              <a:rPr lang="en-US" altLang="ja-JP"/>
+              <a:t>    </a:t>
+            </a:r>
+            <a:fld id="{B2782DEB-472A-4FE5-AC34-C17109CF5A91}" type="slidenum">
+              <a:rPr lang="en-US" altLang="ja-JP" smtClean="0"/>
+              <a:pPr>
+                <a:defRPr/>
+              </a:pPr>
+              <a:t>10</a:t>
+            </a:fld>
+            <a:r>
+              <a:rPr lang="en-US" altLang="ja-JP"/>
+              <a:t> / 24</a:t>
+            </a:r>
+          </a:p>
+        </p:txBody>
+      </p:sp>
+      <p:sp>
+        <p:nvSpPr>
+          <p:cNvPr id="4" name="タイトル 3">
+            <a:extLst>
+              <a:ext uri="{FF2B5EF4-FFF2-40B4-BE49-F238E27FC236}">
+                <a16:creationId xmlns:a16="http://schemas.microsoft.com/office/drawing/2014/main" id="{B62458BE-6609-4EA0-AD3E-A31586BB69BB}"/>
+              </a:ext>
+            </a:extLst>
+          </p:cNvPr>
+          <p:cNvSpPr>
+            <a:spLocks noGrp="1"/>
+          </p:cNvSpPr>
+          <p:nvPr>
+            <p:ph type="title"/>
+          </p:nvPr>
+        </p:nvSpPr>
+        <p:spPr/>
+        <p:txBody>
+          <a:bodyPr/>
+          <a:lstStyle/>
+          <a:p>
+            <a:r>
+              <a:rPr kumimoji="1" lang="en-US" altLang="ja-JP"/>
+              <a:t>IND-CCA1</a:t>
+            </a:r>
+            <a:r>
+              <a:rPr kumimoji="1" lang="ja-JP" altLang="en-US"/>
+              <a:t>と</a:t>
+            </a:r>
+            <a:r>
+              <a:rPr kumimoji="1" lang="en-US" altLang="ja-JP"/>
+              <a:t>IND-CCA2</a:t>
+            </a:r>
+            <a:endParaRPr kumimoji="1" lang="ja-JP" altLang="en-US"/>
+          </a:p>
+        </p:txBody>
+      </p:sp>
+      <p:pic>
+        <p:nvPicPr>
+          <p:cNvPr id="8" name="図 7">
+            <a:extLst>
+              <a:ext uri="{FF2B5EF4-FFF2-40B4-BE49-F238E27FC236}">
+                <a16:creationId xmlns:a16="http://schemas.microsoft.com/office/drawing/2014/main" id="{8E0CA005-9EC3-4C11-B051-0701E509EAC7}"/>
+              </a:ext>
+            </a:extLst>
+          </p:cNvPr>
+          <p:cNvPicPr>
+            <a:picLocks noChangeAspect="1"/>
+          </p:cNvPicPr>
+          <p:nvPr/>
+        </p:nvPicPr>
+        <p:blipFill>
+          <a:blip r:embed="rId3">
+            <a:extLst>
+              <a:ext uri="{28A0092B-C50C-407E-A947-70E740481C1C}">
+                <a14:useLocalDpi xmlns:a14="http://schemas.microsoft.com/office/drawing/2010/main" val="0"/>
+              </a:ext>
+            </a:extLst>
+          </a:blip>
+          <a:stretch>
+            <a:fillRect/>
+          </a:stretch>
+        </p:blipFill>
+        <p:spPr>
+          <a:xfrm>
+            <a:off x="2267744" y="1700808"/>
+            <a:ext cx="4320480" cy="3110746"/>
+          </a:xfrm>
+          <a:prstGeom prst="rect">
+            <a:avLst/>
+          </a:prstGeom>
+        </p:spPr>
+      </p:pic>
+    </p:spTree>
+    <p:extLst>
+      <p:ext uri="{BB962C8B-B14F-4D97-AF65-F5344CB8AC3E}">
+        <p14:creationId xmlns:p14="http://schemas.microsoft.com/office/powerpoint/2010/main" val="734285910"/>
+      </p:ext>
+    </p:extLst>
+  </p:cSld>
+  <p:clrMapOvr>
+    <a:masterClrMapping/>
+  </p:clrMapOvr>
+</p:sld>
+</file>
+
+<file path=ppt/slides/slide11.xml><?xml version="1.0" encoding="utf-8"?>
+<p:sld xmlns:a="http://schemas.openxmlformats.org/drawingml/2006/main" xmlns:r="http://schemas.openxmlformats.org/officeDocument/2006/relationships" xmlns:p="http://schemas.openxmlformats.org/presentationml/2006/main">
+  <p:cSld>
+    <p:spTree>
+      <p:nvGrpSpPr>
+        <p:cNvPr id="1" name=""/>
+        <p:cNvGrpSpPr/>
+        <p:nvPr/>
+      </p:nvGrpSpPr>
+      <p:grpSpPr>
+        <a:xfrm>
+          <a:off x="0" y="0"/>
+          <a:ext cx="0" cy="0"/>
+          <a:chOff x="0" y="0"/>
+          <a:chExt cx="0" cy="0"/>
+        </a:xfrm>
+      </p:grpSpPr>
+      <mc:AlternateContent xmlns:mc="http://schemas.openxmlformats.org/markup-compatibility/2006">
+        <mc:Choice xmlns:a14="http://schemas.microsoft.com/office/drawing/2010/main" Requires="a14">
+          <p:sp>
+            <p:nvSpPr>
+              <p:cNvPr id="2" name="コンテンツ プレースホルダー 1">
+                <a:extLst>
+                  <a:ext uri="{FF2B5EF4-FFF2-40B4-BE49-F238E27FC236}">
+                    <a16:creationId xmlns:a16="http://schemas.microsoft.com/office/drawing/2014/main" id="{2E503ECC-2524-4039-836A-1DA1EC154401}"/>
+                  </a:ext>
+                </a:extLst>
+              </p:cNvPr>
+              <p:cNvSpPr>
+                <a:spLocks noGrp="1"/>
+              </p:cNvSpPr>
+              <p:nvPr>
+                <p:ph idx="1"/>
+              </p:nvPr>
+            </p:nvSpPr>
+            <p:spPr/>
+            <p:txBody>
+              <a:bodyPr/>
+              <a:lstStyle/>
+              <a:p>
+                <a:r>
+                  <a:rPr lang="en-US" altLang="ja-JP"/>
+                  <a:t>Lifted ElGamal</a:t>
+                </a:r>
+                <a:r>
+                  <a:rPr lang="ja-JP" altLang="en-US"/>
+                  <a:t>暗号</a:t>
+                </a:r>
+                <a:endParaRPr lang="en-US" altLang="ja-JP"/>
+              </a:p>
+              <a:p>
+                <a:pPr lvl="1"/>
+                <a14:m>
+                  <m:oMath xmlns:m="http://schemas.openxmlformats.org/officeDocument/2006/math">
+                    <m:r>
+                      <a:rPr kumimoji="1" lang="en-US" altLang="ja-JP" b="0" i="1" smtClean="0">
+                        <a:latin typeface="Cambria Math" panose="02040503050406030204" pitchFamily="18" charset="0"/>
+                      </a:rPr>
+                      <m:t>𝑑𝑒𝑐</m:t>
+                    </m:r>
+                    <m:d>
+                      <m:dPr>
+                        <m:ctrlPr>
+                          <a:rPr kumimoji="1" lang="en-US" altLang="ja-JP" b="0" i="1" smtClean="0">
+                            <a:latin typeface="Cambria Math" panose="02040503050406030204" pitchFamily="18" charset="0"/>
+                          </a:rPr>
+                        </m:ctrlPr>
+                      </m:dPr>
+                      <m:e>
+                        <m:r>
+                          <a:rPr kumimoji="1" lang="en-US" altLang="ja-JP" b="0" i="1" smtClean="0">
+                            <a:latin typeface="Cambria Math" panose="02040503050406030204" pitchFamily="18" charset="0"/>
+                          </a:rPr>
+                          <m:t>𝑐</m:t>
+                        </m:r>
+                      </m:e>
+                    </m:d>
+                    <m:r>
+                      <a:rPr kumimoji="1" lang="en-US" altLang="ja-JP" b="0" i="1" smtClean="0">
+                        <a:latin typeface="Cambria Math" panose="02040503050406030204" pitchFamily="18" charset="0"/>
+                      </a:rPr>
+                      <m:t>=0</m:t>
+                    </m:r>
+                  </m:oMath>
+                </a14:m>
+                <a:r>
+                  <a:rPr kumimoji="1" lang="ja-JP" altLang="en-US"/>
+                  <a:t>か否か当てられてはいけない</a:t>
+                </a:r>
+                <a:r>
+                  <a:rPr kumimoji="1" lang="en-US" altLang="ja-JP"/>
+                  <a:t>(IND-CPA)</a:t>
+                </a:r>
+              </a:p>
+              <a:p>
+                <a:pPr lvl="1"/>
+                <a14:m>
+                  <m:oMath xmlns:m="http://schemas.openxmlformats.org/officeDocument/2006/math">
+                    <m:r>
+                      <a:rPr kumimoji="1" lang="en-US" altLang="ja-JP" b="0" i="1" smtClean="0">
+                        <a:latin typeface="Cambria Math" panose="02040503050406030204" pitchFamily="18" charset="0"/>
+                      </a:rPr>
+                      <m:t>𝐸𝑛𝑐</m:t>
+                    </m:r>
+                    <m:d>
+                      <m:dPr>
+                        <m:ctrlPr>
+                          <a:rPr kumimoji="1" lang="en-US" altLang="ja-JP" b="0" i="1" smtClean="0">
+                            <a:latin typeface="Cambria Math" panose="02040503050406030204" pitchFamily="18" charset="0"/>
+                          </a:rPr>
+                        </m:ctrlPr>
+                      </m:dPr>
+                      <m:e>
+                        <m:r>
+                          <a:rPr kumimoji="1" lang="en-US" altLang="ja-JP" b="0" i="1" smtClean="0">
+                            <a:latin typeface="Cambria Math" panose="02040503050406030204" pitchFamily="18" charset="0"/>
+                          </a:rPr>
+                          <m:t>0;</m:t>
+                        </m:r>
+                        <m:r>
+                          <a:rPr kumimoji="1" lang="en-US" altLang="ja-JP" b="0" i="1" smtClean="0">
+                            <a:latin typeface="Cambria Math" panose="02040503050406030204" pitchFamily="18" charset="0"/>
+                          </a:rPr>
+                          <m:t>𝑟</m:t>
+                        </m:r>
+                      </m:e>
+                    </m:d>
+                    <m:r>
+                      <a:rPr kumimoji="1" lang="en-US" altLang="ja-JP" b="0" i="1" smtClean="0">
+                        <a:latin typeface="Cambria Math" panose="02040503050406030204" pitchFamily="18" charset="0"/>
+                      </a:rPr>
+                      <m:t>=</m:t>
+                    </m:r>
+                    <m:d>
+                      <m:dPr>
+                        <m:ctrlPr>
+                          <a:rPr kumimoji="1" lang="en-US" altLang="ja-JP" b="0" i="1" smtClean="0">
+                            <a:latin typeface="Cambria Math" panose="02040503050406030204" pitchFamily="18" charset="0"/>
+                          </a:rPr>
+                        </m:ctrlPr>
+                      </m:dPr>
+                      <m:e>
+                        <m:r>
+                          <a:rPr kumimoji="1" lang="en-US" altLang="ja-JP" b="0" i="1" smtClean="0">
+                            <a:latin typeface="Cambria Math" panose="02040503050406030204" pitchFamily="18" charset="0"/>
+                          </a:rPr>
+                          <m:t>𝑟𝑆</m:t>
+                        </m:r>
+                        <m:r>
+                          <a:rPr kumimoji="1" lang="en-US" altLang="ja-JP" b="0" i="1" smtClean="0">
+                            <a:latin typeface="Cambria Math" panose="02040503050406030204" pitchFamily="18" charset="0"/>
+                          </a:rPr>
+                          <m:t>, </m:t>
+                        </m:r>
+                        <m:r>
+                          <a:rPr kumimoji="1" lang="en-US" altLang="ja-JP" b="0" i="1" smtClean="0">
+                            <a:latin typeface="Cambria Math" panose="02040503050406030204" pitchFamily="18" charset="0"/>
+                          </a:rPr>
+                          <m:t>𝑟𝑃</m:t>
+                        </m:r>
+                      </m:e>
+                    </m:d>
+                  </m:oMath>
+                </a14:m>
+                <a:endParaRPr kumimoji="1" lang="en-US" altLang="ja-JP" b="0"/>
+              </a:p>
+              <a:p>
+                <a:pPr lvl="1"/>
+                <a14:m>
+                  <m:oMath xmlns:m="http://schemas.openxmlformats.org/officeDocument/2006/math">
+                    <m:r>
+                      <a:rPr kumimoji="1" lang="en-US" altLang="ja-JP" b="0" i="1" smtClean="0">
+                        <a:latin typeface="Cambria Math" panose="02040503050406030204" pitchFamily="18" charset="0"/>
+                      </a:rPr>
+                      <m:t>𝐸𝑛𝑐</m:t>
+                    </m:r>
+                    <m:d>
+                      <m:dPr>
+                        <m:ctrlPr>
+                          <a:rPr kumimoji="1" lang="en-US" altLang="ja-JP" b="0" i="1" smtClean="0">
+                            <a:latin typeface="Cambria Math" panose="02040503050406030204" pitchFamily="18" charset="0"/>
+                          </a:rPr>
+                        </m:ctrlPr>
+                      </m:dPr>
+                      <m:e>
+                        <m:r>
+                          <a:rPr kumimoji="1" lang="en-US" altLang="ja-JP" b="0" i="1" smtClean="0">
+                            <a:latin typeface="Cambria Math" panose="02040503050406030204" pitchFamily="18" charset="0"/>
+                          </a:rPr>
+                          <m:t>𝑚</m:t>
+                        </m:r>
+                        <m:r>
+                          <a:rPr kumimoji="1" lang="en-US" altLang="ja-JP" b="0" i="1" smtClean="0">
+                            <a:latin typeface="Cambria Math" panose="02040503050406030204" pitchFamily="18" charset="0"/>
+                          </a:rPr>
+                          <m:t>;</m:t>
+                        </m:r>
+                        <m:r>
+                          <a:rPr kumimoji="1" lang="en-US" altLang="ja-JP" b="0" i="1" smtClean="0">
+                            <a:latin typeface="Cambria Math" panose="02040503050406030204" pitchFamily="18" charset="0"/>
+                          </a:rPr>
+                          <m:t>𝑟</m:t>
+                        </m:r>
+                      </m:e>
+                    </m:d>
+                    <m:r>
+                      <a:rPr kumimoji="1" lang="en-US" altLang="ja-JP" b="0" i="1" smtClean="0">
+                        <a:latin typeface="Cambria Math" panose="02040503050406030204" pitchFamily="18" charset="0"/>
+                      </a:rPr>
+                      <m:t>=(</m:t>
+                    </m:r>
+                    <m:r>
+                      <a:rPr kumimoji="1" lang="en-US" altLang="ja-JP" b="0" i="1" smtClean="0">
+                        <a:latin typeface="Cambria Math" panose="02040503050406030204" pitchFamily="18" charset="0"/>
+                      </a:rPr>
+                      <m:t>𝑚</m:t>
+                    </m:r>
+                    <m:r>
+                      <a:rPr kumimoji="1" lang="en-US" altLang="ja-JP" b="0" i="1" smtClean="0">
+                        <a:latin typeface="Cambria Math" panose="02040503050406030204" pitchFamily="18" charset="0"/>
+                      </a:rPr>
+                      <m:t>+</m:t>
+                    </m:r>
+                    <m:r>
+                      <a:rPr kumimoji="1" lang="en-US" altLang="ja-JP" b="0" i="1" smtClean="0">
+                        <a:latin typeface="Cambria Math" panose="02040503050406030204" pitchFamily="18" charset="0"/>
+                      </a:rPr>
+                      <m:t>𝑟𝑆</m:t>
+                    </m:r>
+                    <m:r>
+                      <a:rPr kumimoji="1" lang="en-US" altLang="ja-JP" b="0" i="1" smtClean="0">
+                        <a:latin typeface="Cambria Math" panose="02040503050406030204" pitchFamily="18" charset="0"/>
+                      </a:rPr>
+                      <m:t>, </m:t>
+                    </m:r>
+                    <m:r>
+                      <a:rPr kumimoji="1" lang="en-US" altLang="ja-JP" b="0" i="1" smtClean="0">
+                        <a:latin typeface="Cambria Math" panose="02040503050406030204" pitchFamily="18" charset="0"/>
+                      </a:rPr>
+                      <m:t>𝑟𝑃</m:t>
+                    </m:r>
+                    <m:r>
+                      <a:rPr kumimoji="1" lang="en-US" altLang="ja-JP" b="0" i="1" smtClean="0">
+                        <a:latin typeface="Cambria Math" panose="02040503050406030204" pitchFamily="18" charset="0"/>
+                      </a:rPr>
+                      <m:t>)</m:t>
+                    </m:r>
+                  </m:oMath>
+                </a14:m>
+                <a:endParaRPr kumimoji="1" lang="en-US" altLang="ja-JP"/>
+              </a:p>
+              <a:p>
+                <a:pPr lvl="1"/>
+                <a:r>
+                  <a:rPr kumimoji="1" lang="ja-JP" altLang="en-US"/>
+                  <a:t>暗号文の一つ目の成分を</a:t>
+                </a:r>
+                <a14:m>
+                  <m:oMath xmlns:m="http://schemas.openxmlformats.org/officeDocument/2006/math">
+                    <m:r>
+                      <a:rPr kumimoji="1" lang="en-US" altLang="ja-JP" b="0" i="1" smtClean="0">
+                        <a:latin typeface="Cambria Math" panose="02040503050406030204" pitchFamily="18" charset="0"/>
+                      </a:rPr>
+                      <m:t>𝑇</m:t>
+                    </m:r>
+                    <m:r>
+                      <a:rPr kumimoji="1" lang="en-US" altLang="ja-JP" b="0" i="1" smtClean="0">
+                        <a:latin typeface="Cambria Math" panose="02040503050406030204" pitchFamily="18" charset="0"/>
+                      </a:rPr>
+                      <m:t>=</m:t>
+                    </m:r>
+                    <m:r>
+                      <a:rPr kumimoji="1" lang="en-US" altLang="ja-JP" b="0" i="1" smtClean="0">
+                        <a:latin typeface="Cambria Math" panose="02040503050406030204" pitchFamily="18" charset="0"/>
+                      </a:rPr>
+                      <m:t>𝑚</m:t>
+                    </m:r>
+                    <m:r>
+                      <a:rPr kumimoji="1" lang="en-US" altLang="ja-JP" b="0" i="1" smtClean="0">
+                        <a:latin typeface="Cambria Math" panose="02040503050406030204" pitchFamily="18" charset="0"/>
+                      </a:rPr>
+                      <m:t>+</m:t>
+                    </m:r>
+                    <m:r>
+                      <a:rPr kumimoji="1" lang="en-US" altLang="ja-JP" b="0" i="1" smtClean="0">
+                        <a:latin typeface="Cambria Math" panose="02040503050406030204" pitchFamily="18" charset="0"/>
+                      </a:rPr>
+                      <m:t>𝑟𝑆</m:t>
+                    </m:r>
+                  </m:oMath>
+                </a14:m>
+                <a:r>
+                  <a:rPr kumimoji="1" lang="ja-JP" altLang="en-US"/>
+                  <a:t>とすると</a:t>
+                </a:r>
+                <a:endParaRPr kumimoji="1" lang="en-US" altLang="ja-JP"/>
+              </a:p>
+              <a:p>
+                <a:r>
+                  <a:rPr kumimoji="1" lang="ja-JP" altLang="en-US"/>
+                  <a:t>「</a:t>
+                </a:r>
+                <a14:m>
+                  <m:oMath xmlns:m="http://schemas.openxmlformats.org/officeDocument/2006/math">
+                    <m:r>
+                      <a:rPr kumimoji="1" lang="en-US" altLang="ja-JP" b="0" i="1" smtClean="0">
+                        <a:latin typeface="Cambria Math" panose="02040503050406030204" pitchFamily="18" charset="0"/>
+                      </a:rPr>
+                      <m:t>𝑃</m:t>
+                    </m:r>
+                    <m:r>
+                      <a:rPr kumimoji="1" lang="en-US" altLang="ja-JP" b="0" i="1" smtClean="0">
+                        <a:latin typeface="Cambria Math" panose="02040503050406030204" pitchFamily="18" charset="0"/>
+                      </a:rPr>
+                      <m:t>,</m:t>
+                    </m:r>
+                    <m:r>
+                      <a:rPr kumimoji="1" lang="en-US" altLang="ja-JP" b="0" i="1" smtClean="0">
+                        <a:latin typeface="Cambria Math" panose="02040503050406030204" pitchFamily="18" charset="0"/>
+                      </a:rPr>
+                      <m:t>𝑠𝑃</m:t>
+                    </m:r>
+                    <m:r>
+                      <a:rPr kumimoji="1" lang="en-US" altLang="ja-JP" b="0" i="1" smtClean="0">
+                        <a:latin typeface="Cambria Math" panose="02040503050406030204" pitchFamily="18" charset="0"/>
+                      </a:rPr>
+                      <m:t>,</m:t>
+                    </m:r>
+                    <m:r>
+                      <a:rPr kumimoji="1" lang="en-US" altLang="ja-JP" b="0" i="1" smtClean="0">
+                        <a:latin typeface="Cambria Math" panose="02040503050406030204" pitchFamily="18" charset="0"/>
+                      </a:rPr>
+                      <m:t>𝑟𝑃</m:t>
+                    </m:r>
+                    <m:r>
+                      <a:rPr kumimoji="1" lang="en-US" altLang="ja-JP" b="0" i="1" smtClean="0">
+                        <a:latin typeface="Cambria Math" panose="02040503050406030204" pitchFamily="18" charset="0"/>
+                      </a:rPr>
+                      <m:t>,</m:t>
+                    </m:r>
+                    <m:r>
+                      <a:rPr kumimoji="1" lang="en-US" altLang="ja-JP" b="0" i="1" smtClean="0">
+                        <a:latin typeface="Cambria Math" panose="02040503050406030204" pitchFamily="18" charset="0"/>
+                      </a:rPr>
+                      <m:t>𝑇</m:t>
+                    </m:r>
+                  </m:oMath>
+                </a14:m>
+                <a:r>
+                  <a:rPr kumimoji="1" lang="ja-JP" altLang="en-US"/>
+                  <a:t>」</a:t>
+                </a:r>
+                <a:r>
+                  <a:rPr kumimoji="1" lang="en-US" altLang="ja-JP"/>
+                  <a:t>given</a:t>
+                </a:r>
+                <a:r>
+                  <a:rPr kumimoji="1" lang="ja-JP" altLang="en-US"/>
+                  <a:t>で</a:t>
+                </a:r>
+                <a14:m>
+                  <m:oMath xmlns:m="http://schemas.openxmlformats.org/officeDocument/2006/math">
+                    <m:r>
+                      <a:rPr kumimoji="1" lang="en-US" altLang="ja-JP" b="0" i="1" smtClean="0">
+                        <a:latin typeface="Cambria Math" panose="02040503050406030204" pitchFamily="18" charset="0"/>
+                      </a:rPr>
+                      <m:t>𝑇</m:t>
+                    </m:r>
+                    <m:r>
+                      <a:rPr kumimoji="1" lang="en-US" altLang="ja-JP" b="0" i="1" smtClean="0">
+                        <a:latin typeface="Cambria Math" panose="02040503050406030204" pitchFamily="18" charset="0"/>
+                      </a:rPr>
+                      <m:t>=</m:t>
+                    </m:r>
+                    <m:r>
+                      <a:rPr kumimoji="1" lang="en-US" altLang="ja-JP" b="0" i="1" smtClean="0">
+                        <a:latin typeface="Cambria Math" panose="02040503050406030204" pitchFamily="18" charset="0"/>
+                      </a:rPr>
+                      <m:t>𝑟𝑠𝑃</m:t>
+                    </m:r>
+                  </m:oMath>
+                </a14:m>
+                <a:r>
+                  <a:rPr kumimoji="1" lang="ja-JP" altLang="en-US"/>
+                  <a:t>か否か判れば</a:t>
+                </a:r>
+                <a:br>
+                  <a:rPr kumimoji="1" lang="en-US" altLang="ja-JP" b="0" i="1">
+                    <a:latin typeface="Cambria Math" panose="02040503050406030204" pitchFamily="18" charset="0"/>
+                  </a:rPr>
+                </a:br>
+                <a14:m>
+                  <m:oMath xmlns:m="http://schemas.openxmlformats.org/officeDocument/2006/math">
+                    <m:r>
+                      <a:rPr kumimoji="1" lang="en-US" altLang="ja-JP" b="0" i="1" smtClean="0">
+                        <a:latin typeface="Cambria Math" panose="02040503050406030204" pitchFamily="18" charset="0"/>
+                      </a:rPr>
+                      <m:t>𝑑𝑒𝑐</m:t>
+                    </m:r>
+                    <m:d>
+                      <m:dPr>
+                        <m:ctrlPr>
+                          <a:rPr kumimoji="1" lang="en-US" altLang="ja-JP" b="0" i="1" smtClean="0">
+                            <a:latin typeface="Cambria Math" panose="02040503050406030204" pitchFamily="18" charset="0"/>
+                          </a:rPr>
+                        </m:ctrlPr>
+                      </m:dPr>
+                      <m:e>
+                        <m:r>
+                          <a:rPr kumimoji="1" lang="en-US" altLang="ja-JP" b="0" i="1" smtClean="0">
+                            <a:latin typeface="Cambria Math" panose="02040503050406030204" pitchFamily="18" charset="0"/>
+                          </a:rPr>
+                          <m:t>𝑐</m:t>
+                        </m:r>
+                      </m:e>
+                    </m:d>
+                    <m:r>
+                      <a:rPr kumimoji="1" lang="en-US" altLang="ja-JP" b="0" i="1" smtClean="0">
+                        <a:latin typeface="Cambria Math" panose="02040503050406030204" pitchFamily="18" charset="0"/>
+                      </a:rPr>
+                      <m:t>=0</m:t>
+                    </m:r>
+                  </m:oMath>
+                </a14:m>
+                <a:r>
+                  <a:rPr kumimoji="1" lang="ja-JP" altLang="en-US"/>
+                  <a:t>か</a:t>
+                </a:r>
+                <a14:m>
+                  <m:oMath xmlns:m="http://schemas.openxmlformats.org/officeDocument/2006/math">
+                    <m:r>
+                      <a:rPr kumimoji="1" lang="en-US" altLang="ja-JP" b="0" i="1" smtClean="0">
+                        <a:latin typeface="Cambria Math" panose="02040503050406030204" pitchFamily="18" charset="0"/>
+                      </a:rPr>
+                      <m:t>≠0</m:t>
+                    </m:r>
+                  </m:oMath>
+                </a14:m>
+                <a:r>
+                  <a:rPr kumimoji="1" lang="ja-JP" altLang="en-US"/>
+                  <a:t>か判別できる→安全でない</a:t>
+                </a:r>
+                <a:endParaRPr kumimoji="1" lang="en-US" altLang="ja-JP"/>
+              </a:p>
+              <a:p>
+                <a:r>
+                  <a:rPr kumimoji="1" lang="en-US" altLang="ja-JP"/>
+                  <a:t>DDH(Decisional DH)</a:t>
+                </a:r>
+              </a:p>
+              <a:p>
+                <a:pPr lvl="1"/>
+                <a:r>
+                  <a:rPr kumimoji="1" lang="ja-JP" altLang="en-US" b="0"/>
+                  <a:t>「</a:t>
+                </a:r>
+                <a14:m>
+                  <m:oMath xmlns:m="http://schemas.openxmlformats.org/officeDocument/2006/math">
+                    <m:r>
+                      <a:rPr kumimoji="1" lang="en-US" altLang="ja-JP" b="0" i="1" smtClean="0">
+                        <a:latin typeface="Cambria Math" panose="02040503050406030204" pitchFamily="18" charset="0"/>
+                      </a:rPr>
+                      <m:t>𝑃</m:t>
+                    </m:r>
+                    <m:r>
+                      <a:rPr kumimoji="1" lang="en-US" altLang="ja-JP" b="0" i="1" smtClean="0">
+                        <a:latin typeface="Cambria Math" panose="02040503050406030204" pitchFamily="18" charset="0"/>
+                      </a:rPr>
+                      <m:t>,</m:t>
+                    </m:r>
+                    <m:r>
+                      <a:rPr kumimoji="1" lang="en-US" altLang="ja-JP" b="0" i="1" smtClean="0">
+                        <a:latin typeface="Cambria Math" panose="02040503050406030204" pitchFamily="18" charset="0"/>
+                      </a:rPr>
+                      <m:t>𝑎𝑃</m:t>
+                    </m:r>
+                    <m:r>
+                      <a:rPr kumimoji="1" lang="en-US" altLang="ja-JP" b="0" i="1" smtClean="0">
+                        <a:latin typeface="Cambria Math" panose="02040503050406030204" pitchFamily="18" charset="0"/>
+                      </a:rPr>
+                      <m:t>,</m:t>
+                    </m:r>
+                    <m:r>
+                      <a:rPr kumimoji="1" lang="en-US" altLang="ja-JP" b="0" i="1" smtClean="0">
+                        <a:latin typeface="Cambria Math" panose="02040503050406030204" pitchFamily="18" charset="0"/>
+                      </a:rPr>
+                      <m:t>𝑏𝑃</m:t>
+                    </m:r>
+                    <m:r>
+                      <a:rPr kumimoji="1" lang="en-US" altLang="ja-JP" b="0" i="1" smtClean="0">
+                        <a:latin typeface="Cambria Math" panose="02040503050406030204" pitchFamily="18" charset="0"/>
+                      </a:rPr>
+                      <m:t>,</m:t>
+                    </m:r>
+                    <m:r>
+                      <a:rPr kumimoji="1" lang="en-US" altLang="ja-JP" b="0" i="1" smtClean="0">
+                        <a:latin typeface="Cambria Math" panose="02040503050406030204" pitchFamily="18" charset="0"/>
+                      </a:rPr>
+                      <m:t>𝑇</m:t>
+                    </m:r>
+                  </m:oMath>
+                </a14:m>
+                <a:r>
+                  <a:rPr kumimoji="1" lang="ja-JP" altLang="en-US" b="0"/>
+                  <a:t>」</a:t>
+                </a:r>
+                <a:r>
+                  <a:rPr lang="en-US" altLang="ja-JP"/>
+                  <a:t>given</a:t>
+                </a:r>
+                <a:r>
+                  <a:rPr lang="ja-JP" altLang="en-US"/>
+                  <a:t>のとき「</a:t>
+                </a:r>
+                <a14:m>
+                  <m:oMath xmlns:m="http://schemas.openxmlformats.org/officeDocument/2006/math">
+                    <m:r>
+                      <a:rPr lang="en-US" altLang="ja-JP" b="0" i="1" smtClean="0">
+                        <a:latin typeface="Cambria Math" panose="02040503050406030204" pitchFamily="18" charset="0"/>
+                      </a:rPr>
+                      <m:t>𝑇</m:t>
+                    </m:r>
+                    <m:r>
+                      <a:rPr lang="en-US" altLang="ja-JP" b="0" i="1" smtClean="0">
+                        <a:latin typeface="Cambria Math" panose="02040503050406030204" pitchFamily="18" charset="0"/>
+                      </a:rPr>
+                      <m:t>=</m:t>
+                    </m:r>
+                    <m:r>
+                      <a:rPr lang="en-US" altLang="ja-JP" b="0" i="1" smtClean="0">
+                        <a:latin typeface="Cambria Math" panose="02040503050406030204" pitchFamily="18" charset="0"/>
+                      </a:rPr>
+                      <m:t>𝑎𝑏𝑃</m:t>
+                    </m:r>
+                  </m:oMath>
+                </a14:m>
+                <a:r>
+                  <a:rPr lang="ja-JP" altLang="en-US"/>
+                  <a:t>か否か」を判定せよ</a:t>
+                </a:r>
+                <a:endParaRPr lang="en-US" altLang="ja-JP"/>
+              </a:p>
+              <a:p>
+                <a:pPr lvl="1"/>
+                <a:r>
+                  <a:rPr kumimoji="1" lang="ja-JP" altLang="en-US" b="0"/>
+                  <a:t>従来の</a:t>
+                </a:r>
+                <a:r>
+                  <a:rPr kumimoji="1" lang="en-US" altLang="ja-JP" b="0"/>
+                  <a:t>DH</a:t>
+                </a:r>
+                <a:r>
+                  <a:rPr kumimoji="1" lang="ja-JP" altLang="en-US" b="0"/>
+                  <a:t>は</a:t>
+                </a:r>
+                <a:r>
+                  <a:rPr kumimoji="1" lang="en-US" altLang="ja-JP" b="0"/>
+                  <a:t>CDH(Computational DH)</a:t>
+                </a:r>
+                <a:r>
+                  <a:rPr kumimoji="1" lang="ja-JP" altLang="en-US" b="0"/>
+                  <a:t>という</a:t>
+                </a:r>
+                <a:endParaRPr kumimoji="1" lang="en-US" altLang="ja-JP" b="0"/>
+              </a:p>
+              <a:p>
+                <a:r>
+                  <a:rPr kumimoji="1" lang="en-US" altLang="ja-JP" b="0"/>
+                  <a:t>DDH</a:t>
+                </a:r>
+                <a:r>
+                  <a:rPr kumimoji="1" lang="ja-JP" altLang="en-US" b="0"/>
+                  <a:t>が困難なら</a:t>
+                </a:r>
+                <a:r>
+                  <a:rPr kumimoji="1" lang="en-US" altLang="ja-JP" b="0"/>
+                  <a:t>Lifted ElGamal</a:t>
+                </a:r>
+                <a:r>
+                  <a:rPr kumimoji="1" lang="ja-JP" altLang="en-US" b="0"/>
+                  <a:t>暗号は</a:t>
+                </a:r>
+                <a:r>
+                  <a:rPr kumimoji="1" lang="en-US" altLang="ja-JP" b="0"/>
+                  <a:t>IND-CPA</a:t>
+                </a:r>
+                <a:r>
+                  <a:rPr kumimoji="1" lang="ja-JP" altLang="en-US" b="0"/>
+                  <a:t>安全</a:t>
+                </a:r>
+                <a:endParaRPr kumimoji="1" lang="en-US" altLang="ja-JP" b="0"/>
+              </a:p>
+            </p:txBody>
+          </p:sp>
+        </mc:Choice>
+        <mc:Fallback>
+          <p:sp>
+            <p:nvSpPr>
+              <p:cNvPr id="2" name="コンテンツ プレースホルダー 1">
+                <a:extLst>
+                  <a:ext uri="{FF2B5EF4-FFF2-40B4-BE49-F238E27FC236}">
+                    <a16:creationId xmlns:a16="http://schemas.microsoft.com/office/drawing/2014/main" id="{2E503ECC-2524-4039-836A-1DA1EC154401}"/>
+                  </a:ext>
+                </a:extLst>
+              </p:cNvPr>
+              <p:cNvSpPr>
+                <a:spLocks noGrp="1" noRot="1" noChangeAspect="1" noMove="1" noResize="1" noEditPoints="1" noAdjustHandles="1" noChangeArrowheads="1" noChangeShapeType="1" noTextEdit="1"/>
+              </p:cNvSpPr>
+              <p:nvPr>
+                <p:ph idx="1"/>
+              </p:nvPr>
+            </p:nvSpPr>
+            <p:spPr>
+              <a:blipFill>
+                <a:blip r:embed="rId2"/>
+                <a:stretch>
+                  <a:fillRect l="-1200" t="-1454"/>
+                </a:stretch>
+              </a:blipFill>
+            </p:spPr>
+            <p:txBody>
+              <a:bodyPr/>
+              <a:lstStyle/>
+              <a:p>
+                <a:r>
+                  <a:rPr lang="ja-JP" altLang="en-US">
+                    <a:noFill/>
+                  </a:rPr>
+                  <a:t> </a:t>
+                </a:r>
+              </a:p>
+            </p:txBody>
+          </p:sp>
+        </mc:Fallback>
+      </mc:AlternateContent>
+      <p:sp>
+        <p:nvSpPr>
+          <p:cNvPr id="3" name="スライド番号プレースホルダー 2">
+            <a:extLst>
+              <a:ext uri="{FF2B5EF4-FFF2-40B4-BE49-F238E27FC236}">
+                <a16:creationId xmlns:a16="http://schemas.microsoft.com/office/drawing/2014/main" id="{6C2CA84E-22D7-4599-BAA0-D0345B95DF7E}"/>
+              </a:ext>
+            </a:extLst>
+          </p:cNvPr>
+          <p:cNvSpPr>
+            <a:spLocks noGrp="1"/>
+          </p:cNvSpPr>
+          <p:nvPr>
+            <p:ph type="sldNum" sz="quarter" idx="12"/>
+          </p:nvPr>
+        </p:nvSpPr>
+        <p:spPr/>
+        <p:txBody>
+          <a:bodyPr/>
+          <a:lstStyle/>
+          <a:p>
+            <a:pPr>
+              <a:defRPr/>
+            </a:pPr>
+            <a:r>
+              <a:rPr lang="en-US" altLang="ja-JP"/>
+              <a:t>    </a:t>
+            </a:r>
+            <a:fld id="{B2782DEB-472A-4FE5-AC34-C17109CF5A91}" type="slidenum">
+              <a:rPr lang="en-US" altLang="ja-JP" smtClean="0"/>
+              <a:pPr>
+                <a:defRPr/>
+              </a:pPr>
+              <a:t>11</a:t>
+            </a:fld>
+            <a:r>
+              <a:rPr lang="en-US" altLang="ja-JP"/>
+              <a:t> / 25</a:t>
+            </a:r>
+          </a:p>
+        </p:txBody>
+      </p:sp>
+      <p:sp>
+        <p:nvSpPr>
+          <p:cNvPr id="4" name="タイトル 3">
+            <a:extLst>
+              <a:ext uri="{FF2B5EF4-FFF2-40B4-BE49-F238E27FC236}">
+                <a16:creationId xmlns:a16="http://schemas.microsoft.com/office/drawing/2014/main" id="{FF71B9C5-5462-4293-830D-672E8F14B590}"/>
+              </a:ext>
+            </a:extLst>
+          </p:cNvPr>
+          <p:cNvSpPr>
+            <a:spLocks noGrp="1"/>
+          </p:cNvSpPr>
+          <p:nvPr>
+            <p:ph type="title"/>
+          </p:nvPr>
+        </p:nvSpPr>
+        <p:spPr/>
+        <p:txBody>
+          <a:bodyPr/>
+          <a:lstStyle/>
+          <a:p>
+            <a:r>
+              <a:rPr kumimoji="1" lang="en-US" altLang="ja-JP"/>
+              <a:t>Lifted ElGamal</a:t>
+            </a:r>
+            <a:r>
+              <a:rPr kumimoji="1" lang="ja-JP" altLang="en-US"/>
+              <a:t>暗号で考えてみると</a:t>
+            </a:r>
+            <a:endParaRPr kumimoji="1" lang="en-US" altLang="ja-JP"/>
+          </a:p>
+        </p:txBody>
+      </p:sp>
+    </p:spTree>
+    <p:extLst>
+      <p:ext uri="{BB962C8B-B14F-4D97-AF65-F5344CB8AC3E}">
+        <p14:creationId xmlns:p14="http://schemas.microsoft.com/office/powerpoint/2010/main" val="1913315976"/>
+      </p:ext>
+    </p:extLst>
+  </p:cSld>
+  <p:clrMapOvr>
+    <a:masterClrMapping/>
+  </p:clrMapOvr>
+</p:sld>
+</file>
+
 <file path=ppt/slides/slide2.xml><?xml version="1.0" encoding="utf-8"?>
 <p:sld xmlns:a="http://schemas.openxmlformats.org/drawingml/2006/main" xmlns:r="http://schemas.openxmlformats.org/officeDocument/2006/relationships" xmlns:p="http://schemas.openxmlformats.org/presentationml/2006/main">
   <p:cSld>
@@ -2431,8 +3536,8 @@
           </a:prstGeom>
         </p:spPr>
       </p:pic>
-      <mc:AlternateContent xmlns:mc="http://schemas.openxmlformats.org/markup-compatibility/2006">
-        <mc:Choice xmlns:a14="http://schemas.microsoft.com/office/drawing/2010/main" Requires="a14">
+      <mc:AlternateContent xmlns:mc="http://schemas.openxmlformats.org/markup-compatibility/2006" xmlns:a14="http://schemas.microsoft.com/office/drawing/2010/main">
+        <mc:Choice Requires="a14">
           <p:sp>
             <p:nvSpPr>
               <p:cNvPr id="2" name="コンテンツ プレースホルダー 1">
@@ -2689,7 +3794,7 @@
             </p:txBody>
           </p:sp>
         </mc:Choice>
-        <mc:Fallback>
+        <mc:Fallback xmlns="">
           <p:sp>
             <p:nvSpPr>
               <p:cNvPr id="2" name="コンテンツ プレースホルダー 1">
@@ -2959,8 +4064,8 @@
             </a:fontRef>
           </p:style>
         </p:cxnSp>
-        <mc:AlternateContent xmlns:mc="http://schemas.openxmlformats.org/markup-compatibility/2006">
-          <mc:Choice xmlns:a14="http://schemas.microsoft.com/office/drawing/2010/main" Requires="a14">
+        <mc:AlternateContent xmlns:mc="http://schemas.openxmlformats.org/markup-compatibility/2006" xmlns:a14="http://schemas.microsoft.com/office/drawing/2010/main">
+          <mc:Choice Requires="a14">
             <p:sp>
               <p:nvSpPr>
                 <p:cNvPr id="17" name="テキスト ボックス 16">
@@ -2992,6 +4097,7 @@
                 </a:bodyPr>
                 <a:lstStyle/>
                 <a:p>
+                  <a:pPr/>
                   <a14:m>
                     <m:oMathPara xmlns:m="http://schemas.openxmlformats.org/officeDocument/2006/math">
                       <m:oMathParaPr>
@@ -3022,7 +4128,7 @@
               </p:txBody>
             </p:sp>
           </mc:Choice>
-          <mc:Fallback>
+          <mc:Fallback xmlns="">
             <p:sp>
               <p:nvSpPr>
                 <p:cNvPr id="17" name="テキスト ボックス 16">
@@ -3070,8 +4176,8 @@
             </p:sp>
           </mc:Fallback>
         </mc:AlternateContent>
-        <mc:AlternateContent xmlns:mc="http://schemas.openxmlformats.org/markup-compatibility/2006">
-          <mc:Choice xmlns:a14="http://schemas.microsoft.com/office/drawing/2010/main" Requires="a14">
+        <mc:AlternateContent xmlns:mc="http://schemas.openxmlformats.org/markup-compatibility/2006" xmlns:a14="http://schemas.microsoft.com/office/drawing/2010/main">
+          <mc:Choice Requires="a14">
             <p:sp>
               <p:nvSpPr>
                 <p:cNvPr id="18" name="テキスト ボックス 17">
@@ -3103,6 +4209,7 @@
                 </a:bodyPr>
                 <a:lstStyle/>
                 <a:p>
+                  <a:pPr/>
                   <a14:m>
                     <m:oMathPara xmlns:m="http://schemas.openxmlformats.org/officeDocument/2006/math">
                       <m:oMathParaPr>
@@ -3133,7 +4240,7 @@
               </p:txBody>
             </p:sp>
           </mc:Choice>
-          <mc:Fallback>
+          <mc:Fallback xmlns="">
             <p:sp>
               <p:nvSpPr>
                 <p:cNvPr id="18" name="テキスト ボックス 17">
@@ -3225,8 +4332,8 @@
             </a:fontRef>
           </p:style>
         </p:cxnSp>
-        <mc:AlternateContent xmlns:mc="http://schemas.openxmlformats.org/markup-compatibility/2006">
-          <mc:Choice xmlns:a14="http://schemas.microsoft.com/office/drawing/2010/main" Requires="a14">
+        <mc:AlternateContent xmlns:mc="http://schemas.openxmlformats.org/markup-compatibility/2006" xmlns:a14="http://schemas.microsoft.com/office/drawing/2010/main">
+          <mc:Choice Requires="a14">
             <p:sp>
               <p:nvSpPr>
                 <p:cNvPr id="29" name="テキスト ボックス 28">
@@ -3258,6 +4365,7 @@
                 </a:bodyPr>
                 <a:lstStyle/>
                 <a:p>
+                  <a:pPr/>
                   <a14:m>
                     <m:oMathPara xmlns:m="http://schemas.openxmlformats.org/officeDocument/2006/math">
                       <m:oMathParaPr>
@@ -3282,7 +4390,7 @@
               </p:txBody>
             </p:sp>
           </mc:Choice>
-          <mc:Fallback>
+          <mc:Fallback xmlns="">
             <p:sp>
               <p:nvSpPr>
                 <p:cNvPr id="29" name="テキスト ボックス 28">
@@ -3491,8 +4599,8 @@
             </a:fontRef>
           </p:style>
         </p:cxnSp>
-        <mc:AlternateContent xmlns:mc="http://schemas.openxmlformats.org/markup-compatibility/2006">
-          <mc:Choice xmlns:a14="http://schemas.microsoft.com/office/drawing/2010/main" Requires="a14">
+        <mc:AlternateContent xmlns:mc="http://schemas.openxmlformats.org/markup-compatibility/2006" xmlns:a14="http://schemas.microsoft.com/office/drawing/2010/main">
+          <mc:Choice Requires="a14">
             <p:sp>
               <p:nvSpPr>
                 <p:cNvPr id="35" name="テキスト ボックス 34">
@@ -3524,6 +4632,7 @@
                 </a:bodyPr>
                 <a:lstStyle/>
                 <a:p>
+                  <a:pPr/>
                   <a14:m>
                     <m:oMathPara xmlns:m="http://schemas.openxmlformats.org/officeDocument/2006/math">
                       <m:oMathParaPr>
@@ -3554,7 +4663,7 @@
               </p:txBody>
             </p:sp>
           </mc:Choice>
-          <mc:Fallback>
+          <mc:Fallback xmlns="">
             <p:sp>
               <p:nvSpPr>
                 <p:cNvPr id="35" name="テキスト ボックス 34">
@@ -3602,8 +4711,8 @@
             </p:sp>
           </mc:Fallback>
         </mc:AlternateContent>
-        <mc:AlternateContent xmlns:mc="http://schemas.openxmlformats.org/markup-compatibility/2006">
-          <mc:Choice xmlns:a14="http://schemas.microsoft.com/office/drawing/2010/main" Requires="a14">
+        <mc:AlternateContent xmlns:mc="http://schemas.openxmlformats.org/markup-compatibility/2006" xmlns:a14="http://schemas.microsoft.com/office/drawing/2010/main">
+          <mc:Choice Requires="a14">
             <p:sp>
               <p:nvSpPr>
                 <p:cNvPr id="36" name="テキスト ボックス 35">
@@ -3635,6 +4744,7 @@
                 </a:bodyPr>
                 <a:lstStyle/>
                 <a:p>
+                  <a:pPr/>
                   <a14:m>
                     <m:oMathPara xmlns:m="http://schemas.openxmlformats.org/officeDocument/2006/math">
                       <m:oMathParaPr>
@@ -3665,7 +4775,7 @@
               </p:txBody>
             </p:sp>
           </mc:Choice>
-          <mc:Fallback>
+          <mc:Fallback xmlns="">
             <p:sp>
               <p:nvSpPr>
                 <p:cNvPr id="36" name="テキスト ボックス 35">
@@ -3757,8 +4867,8 @@
             </a:fontRef>
           </p:style>
         </p:cxnSp>
-        <mc:AlternateContent xmlns:mc="http://schemas.openxmlformats.org/markup-compatibility/2006">
-          <mc:Choice xmlns:a14="http://schemas.microsoft.com/office/drawing/2010/main" Requires="a14">
+        <mc:AlternateContent xmlns:mc="http://schemas.openxmlformats.org/markup-compatibility/2006" xmlns:a14="http://schemas.microsoft.com/office/drawing/2010/main">
+          <mc:Choice Requires="a14">
             <p:sp>
               <p:nvSpPr>
                 <p:cNvPr id="38" name="テキスト ボックス 37">
@@ -3790,6 +4900,7 @@
                 </a:bodyPr>
                 <a:lstStyle/>
                 <a:p>
+                  <a:pPr/>
                   <a14:m>
                     <m:oMathPara xmlns:m="http://schemas.openxmlformats.org/officeDocument/2006/math">
                       <m:oMathParaPr>
@@ -3853,7 +4964,7 @@
               </p:txBody>
             </p:sp>
           </mc:Choice>
-          <mc:Fallback>
+          <mc:Fallback xmlns="">
             <p:sp>
               <p:nvSpPr>
                 <p:cNvPr id="38" name="テキスト ボックス 37">
@@ -3932,8 +5043,8 @@
           <a:chExt cx="0" cy="0"/>
         </a:xfrm>
       </p:grpSpPr>
-      <mc:AlternateContent xmlns:mc="http://schemas.openxmlformats.org/markup-compatibility/2006">
-        <mc:Choice xmlns:a14="http://schemas.microsoft.com/office/drawing/2010/main" Requires="a14">
+      <mc:AlternateContent xmlns:mc="http://schemas.openxmlformats.org/markup-compatibility/2006" xmlns:a14="http://schemas.microsoft.com/office/drawing/2010/main">
+        <mc:Choice Requires="a14">
           <p:sp>
             <p:nvSpPr>
               <p:cNvPr id="2" name="コンテンツ プレースホルダー 1">
@@ -4219,7 +5330,7 @@
             </p:txBody>
           </p:sp>
         </mc:Choice>
-        <mc:Fallback>
+        <mc:Fallback xmlns="">
           <p:sp>
             <p:nvSpPr>
               <p:cNvPr id="2" name="コンテンツ プレースホルダー 1">
@@ -4490,8 +5601,8 @@
             </a:fontRef>
           </p:style>
         </p:cxnSp>
-        <mc:AlternateContent xmlns:mc="http://schemas.openxmlformats.org/markup-compatibility/2006">
-          <mc:Choice xmlns:a14="http://schemas.microsoft.com/office/drawing/2010/main" Requires="a14">
+        <mc:AlternateContent xmlns:mc="http://schemas.openxmlformats.org/markup-compatibility/2006" xmlns:a14="http://schemas.microsoft.com/office/drawing/2010/main">
+          <mc:Choice Requires="a14">
             <p:sp>
               <p:nvSpPr>
                 <p:cNvPr id="9" name="テキスト ボックス 8">
@@ -4523,6 +5634,7 @@
                 </a:bodyPr>
                 <a:lstStyle/>
                 <a:p>
+                  <a:pPr/>
                   <a14:m>
                     <m:oMathPara xmlns:m="http://schemas.openxmlformats.org/officeDocument/2006/math">
                       <m:oMathParaPr>
@@ -4553,7 +5665,7 @@
               </p:txBody>
             </p:sp>
           </mc:Choice>
-          <mc:Fallback>
+          <mc:Fallback xmlns="">
             <p:sp>
               <p:nvSpPr>
                 <p:cNvPr id="9" name="テキスト ボックス 8">
@@ -4601,8 +5713,8 @@
             </p:sp>
           </mc:Fallback>
         </mc:AlternateContent>
-        <mc:AlternateContent xmlns:mc="http://schemas.openxmlformats.org/markup-compatibility/2006">
-          <mc:Choice xmlns:a14="http://schemas.microsoft.com/office/drawing/2010/main" Requires="a14">
+        <mc:AlternateContent xmlns:mc="http://schemas.openxmlformats.org/markup-compatibility/2006" xmlns:a14="http://schemas.microsoft.com/office/drawing/2010/main">
+          <mc:Choice Requires="a14">
             <p:sp>
               <p:nvSpPr>
                 <p:cNvPr id="10" name="テキスト ボックス 9">
@@ -4634,6 +5746,7 @@
                 </a:bodyPr>
                 <a:lstStyle/>
                 <a:p>
+                  <a:pPr/>
                   <a14:m>
                     <m:oMathPara xmlns:m="http://schemas.openxmlformats.org/officeDocument/2006/math">
                       <m:oMathParaPr>
@@ -4664,7 +5777,7 @@
               </p:txBody>
             </p:sp>
           </mc:Choice>
-          <mc:Fallback>
+          <mc:Fallback xmlns="">
             <p:sp>
               <p:nvSpPr>
                 <p:cNvPr id="10" name="テキスト ボックス 9">
@@ -4756,8 +5869,8 @@
             </a:fontRef>
           </p:style>
         </p:cxnSp>
-        <mc:AlternateContent xmlns:mc="http://schemas.openxmlformats.org/markup-compatibility/2006">
-          <mc:Choice xmlns:a14="http://schemas.microsoft.com/office/drawing/2010/main" Requires="a14">
+        <mc:AlternateContent xmlns:mc="http://schemas.openxmlformats.org/markup-compatibility/2006" xmlns:a14="http://schemas.microsoft.com/office/drawing/2010/main">
+          <mc:Choice Requires="a14">
             <p:sp>
               <p:nvSpPr>
                 <p:cNvPr id="12" name="テキスト ボックス 11">
@@ -4789,6 +5902,7 @@
                 </a:bodyPr>
                 <a:lstStyle/>
                 <a:p>
+                  <a:pPr/>
                   <a14:m>
                     <m:oMathPara xmlns:m="http://schemas.openxmlformats.org/officeDocument/2006/math">
                       <m:oMathParaPr>
@@ -4813,7 +5927,7 @@
               </p:txBody>
             </p:sp>
           </mc:Choice>
-          <mc:Fallback>
+          <mc:Fallback xmlns="">
             <p:sp>
               <p:nvSpPr>
                 <p:cNvPr id="12" name="テキスト ボックス 11">
@@ -4862,8 +5976,8 @@
           </mc:Fallback>
         </mc:AlternateContent>
       </p:grpSp>
-      <mc:AlternateContent xmlns:mc="http://schemas.openxmlformats.org/markup-compatibility/2006">
-        <mc:Choice xmlns:a14="http://schemas.microsoft.com/office/drawing/2010/main" Requires="a14">
+      <mc:AlternateContent xmlns:mc="http://schemas.openxmlformats.org/markup-compatibility/2006" xmlns:a14="http://schemas.microsoft.com/office/drawing/2010/main">
+        <mc:Choice Requires="a14">
           <p:sp>
             <p:nvSpPr>
               <p:cNvPr id="13" name="テキスト ボックス 12">
@@ -4895,6 +6009,7 @@
               </a:bodyPr>
               <a:lstStyle/>
               <a:p>
+                <a:pPr/>
                 <a14:m>
                   <m:oMathPara xmlns:m="http://schemas.openxmlformats.org/officeDocument/2006/math">
                     <m:oMathParaPr>
@@ -4925,7 +6040,7 @@
             </p:txBody>
           </p:sp>
         </mc:Choice>
-        <mc:Fallback>
+        <mc:Fallback xmlns="">
           <p:sp>
             <p:nvSpPr>
               <p:cNvPr id="13" name="テキスト ボックス 12">
@@ -5134,8 +6249,8 @@
             </a:fontRef>
           </p:style>
         </p:cxnSp>
-        <mc:AlternateContent xmlns:mc="http://schemas.openxmlformats.org/markup-compatibility/2006">
-          <mc:Choice xmlns:a14="http://schemas.microsoft.com/office/drawing/2010/main" Requires="a14">
+        <mc:AlternateContent xmlns:mc="http://schemas.openxmlformats.org/markup-compatibility/2006" xmlns:a14="http://schemas.microsoft.com/office/drawing/2010/main">
+          <mc:Choice Requires="a14">
             <p:sp>
               <p:nvSpPr>
                 <p:cNvPr id="18" name="テキスト ボックス 17">
@@ -5167,6 +6282,7 @@
                 </a:bodyPr>
                 <a:lstStyle/>
                 <a:p>
+                  <a:pPr/>
                   <a14:m>
                     <m:oMathPara xmlns:m="http://schemas.openxmlformats.org/officeDocument/2006/math">
                       <m:oMathParaPr>
@@ -5197,7 +6313,7 @@
               </p:txBody>
             </p:sp>
           </mc:Choice>
-          <mc:Fallback>
+          <mc:Fallback xmlns="">
             <p:sp>
               <p:nvSpPr>
                 <p:cNvPr id="18" name="テキスト ボックス 17">
@@ -5245,8 +6361,8 @@
             </p:sp>
           </mc:Fallback>
         </mc:AlternateContent>
-        <mc:AlternateContent xmlns:mc="http://schemas.openxmlformats.org/markup-compatibility/2006">
-          <mc:Choice xmlns:a14="http://schemas.microsoft.com/office/drawing/2010/main" Requires="a14">
+        <mc:AlternateContent xmlns:mc="http://schemas.openxmlformats.org/markup-compatibility/2006" xmlns:a14="http://schemas.microsoft.com/office/drawing/2010/main">
+          <mc:Choice Requires="a14">
             <p:sp>
               <p:nvSpPr>
                 <p:cNvPr id="19" name="テキスト ボックス 18">
@@ -5278,6 +6394,7 @@
                 </a:bodyPr>
                 <a:lstStyle/>
                 <a:p>
+                  <a:pPr/>
                   <a14:m>
                     <m:oMathPara xmlns:m="http://schemas.openxmlformats.org/officeDocument/2006/math">
                       <m:oMathParaPr>
@@ -5308,7 +6425,7 @@
               </p:txBody>
             </p:sp>
           </mc:Choice>
-          <mc:Fallback>
+          <mc:Fallback xmlns="">
             <p:sp>
               <p:nvSpPr>
                 <p:cNvPr id="19" name="テキスト ボックス 18">
@@ -5400,8 +6517,8 @@
             </a:fontRef>
           </p:style>
         </p:cxnSp>
-        <mc:AlternateContent xmlns:mc="http://schemas.openxmlformats.org/markup-compatibility/2006">
-          <mc:Choice xmlns:a14="http://schemas.microsoft.com/office/drawing/2010/main" Requires="a14">
+        <mc:AlternateContent xmlns:mc="http://schemas.openxmlformats.org/markup-compatibility/2006" xmlns:a14="http://schemas.microsoft.com/office/drawing/2010/main">
+          <mc:Choice Requires="a14">
             <p:sp>
               <p:nvSpPr>
                 <p:cNvPr id="21" name="テキスト ボックス 20">
@@ -5433,6 +6550,7 @@
                 </a:bodyPr>
                 <a:lstStyle/>
                 <a:p>
+                  <a:pPr/>
                   <a14:m>
                     <m:oMathPara xmlns:m="http://schemas.openxmlformats.org/officeDocument/2006/math">
                       <m:oMathParaPr>
@@ -5459,7 +6577,7 @@
               </p:txBody>
             </p:sp>
           </mc:Choice>
-          <mc:Fallback>
+          <mc:Fallback xmlns="">
             <p:sp>
               <p:nvSpPr>
                 <p:cNvPr id="21" name="テキスト ボックス 20">
@@ -5508,8 +6626,8 @@
           </mc:Fallback>
         </mc:AlternateContent>
       </p:grpSp>
-      <mc:AlternateContent xmlns:mc="http://schemas.openxmlformats.org/markup-compatibility/2006">
-        <mc:Choice xmlns:a14="http://schemas.microsoft.com/office/drawing/2010/main" Requires="a14">
+      <mc:AlternateContent xmlns:mc="http://schemas.openxmlformats.org/markup-compatibility/2006" xmlns:a14="http://schemas.microsoft.com/office/drawing/2010/main">
+        <mc:Choice Requires="a14">
           <p:sp>
             <p:nvSpPr>
               <p:cNvPr id="22" name="テキスト ボックス 21">
@@ -5541,6 +6659,7 @@
               </a:bodyPr>
               <a:lstStyle/>
               <a:p>
+                <a:pPr/>
                 <a14:m>
                   <m:oMathPara xmlns:m="http://schemas.openxmlformats.org/officeDocument/2006/math">
                     <m:oMathParaPr>
@@ -5571,7 +6690,7 @@
             </p:txBody>
           </p:sp>
         </mc:Choice>
-        <mc:Fallback>
+        <mc:Fallback xmlns="">
           <p:sp>
             <p:nvSpPr>
               <p:cNvPr id="22" name="テキスト ボックス 21">
@@ -6346,8 +7465,8 @@
           <a:chExt cx="0" cy="0"/>
         </a:xfrm>
       </p:grpSpPr>
-      <mc:AlternateContent xmlns:mc="http://schemas.openxmlformats.org/markup-compatibility/2006">
-        <mc:Choice xmlns:a14="http://schemas.microsoft.com/office/drawing/2010/main" Requires="a14">
+      <mc:AlternateContent xmlns:mc="http://schemas.openxmlformats.org/markup-compatibility/2006" xmlns:a14="http://schemas.microsoft.com/office/drawing/2010/main">
+        <mc:Choice Requires="a14">
           <p:sp>
             <p:nvSpPr>
               <p:cNvPr id="2" name="コンテンツ プレースホルダー 1">
@@ -6648,7 +7767,7 @@
             </p:txBody>
           </p:sp>
         </mc:Choice>
-        <mc:Fallback>
+        <mc:Fallback xmlns="">
           <p:sp>
             <p:nvSpPr>
               <p:cNvPr id="2" name="コンテンツ プレースホルダー 1">
@@ -6796,8 +7915,8 @@
           <a:chExt cx="0" cy="0"/>
         </a:xfrm>
       </p:grpSpPr>
-      <mc:AlternateContent xmlns:mc="http://schemas.openxmlformats.org/markup-compatibility/2006">
-        <mc:Choice xmlns:a14="http://schemas.microsoft.com/office/drawing/2010/main" Requires="a14">
+      <mc:AlternateContent xmlns:mc="http://schemas.openxmlformats.org/markup-compatibility/2006" xmlns:a14="http://schemas.microsoft.com/office/drawing/2010/main">
+        <mc:Choice Requires="a14">
           <p:sp>
             <p:nvSpPr>
               <p:cNvPr id="2" name="コンテンツ プレースホルダー 1">
@@ -7622,7 +8741,7 @@
             </p:txBody>
           </p:sp>
         </mc:Choice>
-        <mc:Fallback>
+        <mc:Fallback xmlns="">
           <p:sp>
             <p:nvSpPr>
               <p:cNvPr id="2" name="コンテンツ プレースホルダー 1">
@@ -8228,8 +9347,8 @@
           <a:chExt cx="0" cy="0"/>
         </a:xfrm>
       </p:grpSpPr>
-      <mc:AlternateContent xmlns:mc="http://schemas.openxmlformats.org/markup-compatibility/2006">
-        <mc:Choice xmlns:a14="http://schemas.microsoft.com/office/drawing/2010/main" Requires="a14">
+      <mc:AlternateContent xmlns:mc="http://schemas.openxmlformats.org/markup-compatibility/2006" xmlns:a14="http://schemas.microsoft.com/office/drawing/2010/main">
+        <mc:Choice Requires="a14">
           <p:sp>
             <p:nvSpPr>
               <p:cNvPr id="2" name="コンテンツ プレースホルダー 1">
@@ -9841,7 +10960,7 @@
             </p:txBody>
           </p:sp>
         </mc:Choice>
-        <mc:Fallback>
+        <mc:Fallback xmlns="">
           <p:sp>
             <p:nvSpPr>
               <p:cNvPr id="2" name="コンテンツ プレースホルダー 1">
@@ -9992,7 +11111,7 @@
               <p:cNvPr id="2" name="コンテンツ プレースホルダー 1">
                 <a:extLst>
                   <a:ext uri="{FF2B5EF4-FFF2-40B4-BE49-F238E27FC236}">
-                    <a16:creationId xmlns:a16="http://schemas.microsoft.com/office/drawing/2014/main" id="{2E503ECC-2524-4039-836A-1DA1EC154401}"/>
+                    <a16:creationId xmlns:a16="http://schemas.microsoft.com/office/drawing/2014/main" id="{89673A04-5970-45B3-8F32-9EF76366D92C}"/>
                   </a:ext>
                 </a:extLst>
               </p:cNvPr>
@@ -10008,274 +11127,105 @@
               <a:bodyPr/>
               <a:lstStyle/>
               <a:p>
-                <a14:m>
-                  <m:oMath xmlns:m="http://schemas.openxmlformats.org/officeDocument/2006/math">
-                    <m:r>
-                      <a:rPr kumimoji="1" lang="en-US" altLang="ja-JP" b="0" i="1" smtClean="0">
-                        <a:latin typeface="Cambria Math" panose="02040503050406030204" pitchFamily="18" charset="0"/>
-                      </a:rPr>
-                      <m:t>𝑚</m:t>
-                    </m:r>
-                    <m:r>
-                      <a:rPr kumimoji="1" lang="en-US" altLang="ja-JP" b="0" i="1" smtClean="0">
-                        <a:latin typeface="Cambria Math" panose="02040503050406030204" pitchFamily="18" charset="0"/>
-                      </a:rPr>
-                      <m:t>=0</m:t>
-                    </m:r>
-                  </m:oMath>
-                </a14:m>
                 <a:r>
                   <a:rPr kumimoji="1" lang="ja-JP" altLang="en-US"/>
-                  <a:t> </a:t>
+                  <a:t>攻撃者と挑戦者アリスのゲーム</a:t>
                 </a:r>
                 <a:r>
                   <a:rPr kumimoji="1" lang="en-US" altLang="ja-JP"/>
-                  <a:t>or 1</a:t>
-                </a:r>
-                <a:r>
-                  <a:rPr kumimoji="1" lang="ja-JP" altLang="en-US"/>
-                  <a:t>のとき暗号文</a:t>
-                </a:r>
-                <a14:m>
-                  <m:oMath xmlns:m="http://schemas.openxmlformats.org/officeDocument/2006/math">
-                    <m:r>
-                      <a:rPr kumimoji="1" lang="en-US" altLang="ja-JP" b="0" i="1" smtClean="0">
-                        <a:latin typeface="Cambria Math" panose="02040503050406030204" pitchFamily="18" charset="0"/>
-                      </a:rPr>
-                      <m:t>𝑐</m:t>
-                    </m:r>
-                  </m:oMath>
-                </a14:m>
-                <a:r>
-                  <a:rPr kumimoji="1" lang="ja-JP" altLang="en-US"/>
-                  <a:t>が与えられたとき</a:t>
-                </a:r>
-                <a:br>
-                  <a:rPr kumimoji="1" lang="en-US" altLang="ja-JP"/>
-                </a:br>
-                <a14:m>
-                  <m:oMath xmlns:m="http://schemas.openxmlformats.org/officeDocument/2006/math">
-                    <m:r>
-                      <a:rPr kumimoji="1" lang="en-US" altLang="ja-JP" b="0" i="1" smtClean="0">
-                        <a:latin typeface="Cambria Math" panose="02040503050406030204" pitchFamily="18" charset="0"/>
-                      </a:rPr>
-                      <m:t>𝑑𝑒𝑐</m:t>
-                    </m:r>
-                    <m:d>
-                      <m:dPr>
-                        <m:ctrlPr>
-                          <a:rPr kumimoji="1" lang="en-US" altLang="ja-JP" b="0" i="1" smtClean="0">
-                            <a:latin typeface="Cambria Math" panose="02040503050406030204" pitchFamily="18" charset="0"/>
-                          </a:rPr>
-                        </m:ctrlPr>
-                      </m:dPr>
-                      <m:e>
-                        <m:r>
-                          <a:rPr kumimoji="1" lang="en-US" altLang="ja-JP" b="0" i="1" smtClean="0">
-                            <a:latin typeface="Cambria Math" panose="02040503050406030204" pitchFamily="18" charset="0"/>
-                          </a:rPr>
-                          <m:t>𝑐</m:t>
-                        </m:r>
-                      </m:e>
-                    </m:d>
-                    <m:r>
-                      <a:rPr kumimoji="1" lang="en-US" altLang="ja-JP" b="0" i="1" smtClean="0">
-                        <a:latin typeface="Cambria Math" panose="02040503050406030204" pitchFamily="18" charset="0"/>
-                      </a:rPr>
-                      <m:t>=0</m:t>
-                    </m:r>
-                  </m:oMath>
-                </a14:m>
-                <a:r>
-                  <a:rPr kumimoji="1" lang="ja-JP" altLang="en-US"/>
-                  <a:t>か</a:t>
-                </a:r>
-                <a:r>
-                  <a:rPr kumimoji="1" lang="en-US" altLang="ja-JP"/>
-                  <a:t>1</a:t>
-                </a:r>
-                <a:r>
-                  <a:rPr kumimoji="1" lang="ja-JP" altLang="en-US"/>
-                  <a:t>を当てられてはいけない</a:t>
-                </a:r>
-                <a:r>
-                  <a:rPr kumimoji="1" lang="en-US" altLang="ja-JP"/>
-                  <a:t>(IND-CCA)</a:t>
-                </a:r>
-              </a:p>
-              <a:p>
-                <a:r>
-                  <a:rPr kumimoji="1" lang="en-US" altLang="ja-JP"/>
-                  <a:t>Lifted ElGamal</a:t>
-                </a:r>
-                <a:r>
-                  <a:rPr kumimoji="1" lang="ja-JP" altLang="en-US"/>
-                  <a:t>暗号で考えてみると</a:t>
+                  <a:t>IND(</a:t>
+                </a:r>
+                <a:r>
+                  <a:rPr lang="en-US" altLang="ja-JP"/>
+                  <a:t>istinguishability)</a:t>
                 </a:r>
                 <a:endParaRPr kumimoji="1" lang="en-US" altLang="ja-JP"/>
               </a:p>
               <a:p>
                 <a:pPr lvl="1"/>
+                <a:r>
+                  <a:rPr kumimoji="1" lang="ja-JP" altLang="en-US"/>
+                  <a:t>攻撃者が</a:t>
+                </a:r>
+                <a:r>
+                  <a:rPr kumimoji="1" lang="en-US" altLang="ja-JP"/>
+                  <a:t>2</a:t>
+                </a:r>
+                <a:r>
+                  <a:rPr kumimoji="1" lang="ja-JP" altLang="en-US"/>
+                  <a:t>個の平文</a:t>
+                </a:r>
                 <a14:m>
                   <m:oMath xmlns:m="http://schemas.openxmlformats.org/officeDocument/2006/math">
-                    <m:r>
-                      <a:rPr kumimoji="1" lang="en-US" altLang="ja-JP" b="0" i="1" smtClean="0">
-                        <a:latin typeface="Cambria Math" panose="02040503050406030204" pitchFamily="18" charset="0"/>
-                      </a:rPr>
-                      <m:t>𝐸𝑛𝑐</m:t>
-                    </m:r>
-                    <m:d>
-                      <m:dPr>
+                    <m:sSub>
+                      <m:sSubPr>
                         <m:ctrlPr>
                           <a:rPr kumimoji="1" lang="en-US" altLang="ja-JP" b="0" i="1" smtClean="0">
                             <a:latin typeface="Cambria Math" panose="02040503050406030204" pitchFamily="18" charset="0"/>
                           </a:rPr>
                         </m:ctrlPr>
-                      </m:dPr>
+                      </m:sSubPr>
                       <m:e>
                         <m:r>
                           <a:rPr kumimoji="1" lang="en-US" altLang="ja-JP" b="0" i="1" smtClean="0">
                             <a:latin typeface="Cambria Math" panose="02040503050406030204" pitchFamily="18" charset="0"/>
                           </a:rPr>
-                          <m:t>0;</m:t>
+                          <m:t>𝑚</m:t>
                         </m:r>
+                      </m:e>
+                      <m:sub>
                         <m:r>
                           <a:rPr kumimoji="1" lang="en-US" altLang="ja-JP" b="0" i="1" smtClean="0">
                             <a:latin typeface="Cambria Math" panose="02040503050406030204" pitchFamily="18" charset="0"/>
                           </a:rPr>
-                          <m:t>𝑟</m:t>
+                          <m:t>1</m:t>
                         </m:r>
-                      </m:e>
-                    </m:d>
-                    <m:r>
-                      <a:rPr kumimoji="1" lang="en-US" altLang="ja-JP" b="0" i="1" smtClean="0">
-                        <a:latin typeface="Cambria Math" panose="02040503050406030204" pitchFamily="18" charset="0"/>
-                      </a:rPr>
-                      <m:t>=</m:t>
-                    </m:r>
-                    <m:d>
-                      <m:dPr>
+                      </m:sub>
+                    </m:sSub>
+                    <m:r>
+                      <a:rPr kumimoji="1" lang="en-US" altLang="ja-JP" b="0" i="1" smtClean="0">
+                        <a:latin typeface="Cambria Math" panose="02040503050406030204" pitchFamily="18" charset="0"/>
+                      </a:rPr>
+                      <m:t>,</m:t>
+                    </m:r>
+                    <m:sSub>
+                      <m:sSubPr>
                         <m:ctrlPr>
                           <a:rPr kumimoji="1" lang="en-US" altLang="ja-JP" b="0" i="1" smtClean="0">
                             <a:latin typeface="Cambria Math" panose="02040503050406030204" pitchFamily="18" charset="0"/>
                           </a:rPr>
                         </m:ctrlPr>
-                      </m:dPr>
+                      </m:sSubPr>
                       <m:e>
                         <m:r>
                           <a:rPr kumimoji="1" lang="en-US" altLang="ja-JP" b="0" i="1" smtClean="0">
                             <a:latin typeface="Cambria Math" panose="02040503050406030204" pitchFamily="18" charset="0"/>
                           </a:rPr>
-                          <m:t>𝑟𝑆</m:t>
+                          <m:t>𝑚</m:t>
                         </m:r>
+                      </m:e>
+                      <m:sub>
                         <m:r>
                           <a:rPr kumimoji="1" lang="en-US" altLang="ja-JP" b="0" i="1" smtClean="0">
                             <a:latin typeface="Cambria Math" panose="02040503050406030204" pitchFamily="18" charset="0"/>
                           </a:rPr>
-                          <m:t>, </m:t>
+                          <m:t>2</m:t>
                         </m:r>
-                        <m:r>
-                          <a:rPr kumimoji="1" lang="en-US" altLang="ja-JP" b="0" i="1" smtClean="0">
-                            <a:latin typeface="Cambria Math" panose="02040503050406030204" pitchFamily="18" charset="0"/>
-                          </a:rPr>
-                          <m:t>𝑟𝑃</m:t>
-                        </m:r>
-                      </m:e>
-                    </m:d>
+                      </m:sub>
+                    </m:sSub>
                   </m:oMath>
                 </a14:m>
-                <a:endParaRPr kumimoji="1" lang="en-US" altLang="ja-JP" b="0"/>
-              </a:p>
-              <a:p>
-                <a:pPr lvl="1"/>
-                <a14:m>
-                  <m:oMath xmlns:m="http://schemas.openxmlformats.org/officeDocument/2006/math">
-                    <m:r>
-                      <a:rPr kumimoji="1" lang="en-US" altLang="ja-JP" b="0" i="1" smtClean="0">
-                        <a:latin typeface="Cambria Math" panose="02040503050406030204" pitchFamily="18" charset="0"/>
-                      </a:rPr>
-                      <m:t>𝐸𝑛𝑐</m:t>
-                    </m:r>
-                    <m:d>
-                      <m:dPr>
-                        <m:ctrlPr>
-                          <a:rPr kumimoji="1" lang="en-US" altLang="ja-JP" b="0" i="1" smtClean="0">
-                            <a:latin typeface="Cambria Math" panose="02040503050406030204" pitchFamily="18" charset="0"/>
-                          </a:rPr>
-                        </m:ctrlPr>
-                      </m:dPr>
-                      <m:e>
-                        <m:r>
-                          <a:rPr kumimoji="1" lang="en-US" altLang="ja-JP" b="0" i="1" smtClean="0">
-                            <a:latin typeface="Cambria Math" panose="02040503050406030204" pitchFamily="18" charset="0"/>
-                          </a:rPr>
-                          <m:t>𝑚</m:t>
-                        </m:r>
-                        <m:r>
-                          <a:rPr kumimoji="1" lang="en-US" altLang="ja-JP" b="0" i="1" smtClean="0">
-                            <a:latin typeface="Cambria Math" panose="02040503050406030204" pitchFamily="18" charset="0"/>
-                          </a:rPr>
-                          <m:t>;</m:t>
-                        </m:r>
-                        <m:r>
-                          <a:rPr kumimoji="1" lang="en-US" altLang="ja-JP" b="0" i="1" smtClean="0">
-                            <a:latin typeface="Cambria Math" panose="02040503050406030204" pitchFamily="18" charset="0"/>
-                          </a:rPr>
-                          <m:t>𝑟</m:t>
-                        </m:r>
-                      </m:e>
-                    </m:d>
-                    <m:r>
-                      <a:rPr kumimoji="1" lang="en-US" altLang="ja-JP" b="0" i="1" smtClean="0">
-                        <a:latin typeface="Cambria Math" panose="02040503050406030204" pitchFamily="18" charset="0"/>
-                      </a:rPr>
-                      <m:t>=(</m:t>
-                    </m:r>
-                    <m:r>
-                      <a:rPr kumimoji="1" lang="en-US" altLang="ja-JP" b="0" i="1" smtClean="0">
-                        <a:latin typeface="Cambria Math" panose="02040503050406030204" pitchFamily="18" charset="0"/>
-                      </a:rPr>
-                      <m:t>𝑚</m:t>
-                    </m:r>
-                    <m:r>
-                      <a:rPr kumimoji="1" lang="en-US" altLang="ja-JP" b="0" i="1" smtClean="0">
-                        <a:latin typeface="Cambria Math" panose="02040503050406030204" pitchFamily="18" charset="0"/>
-                      </a:rPr>
-                      <m:t>+</m:t>
-                    </m:r>
-                    <m:r>
-                      <a:rPr kumimoji="1" lang="en-US" altLang="ja-JP" b="0" i="1" smtClean="0">
-                        <a:latin typeface="Cambria Math" panose="02040503050406030204" pitchFamily="18" charset="0"/>
-                      </a:rPr>
-                      <m:t>𝑟𝑆</m:t>
-                    </m:r>
-                    <m:r>
-                      <a:rPr kumimoji="1" lang="en-US" altLang="ja-JP" b="0" i="1" smtClean="0">
-                        <a:latin typeface="Cambria Math" panose="02040503050406030204" pitchFamily="18" charset="0"/>
-                      </a:rPr>
-                      <m:t>, </m:t>
-                    </m:r>
-                    <m:r>
-                      <a:rPr kumimoji="1" lang="en-US" altLang="ja-JP" b="0" i="1" smtClean="0">
-                        <a:latin typeface="Cambria Math" panose="02040503050406030204" pitchFamily="18" charset="0"/>
-                      </a:rPr>
-                      <m:t>𝑟𝑃</m:t>
-                    </m:r>
-                    <m:r>
-                      <a:rPr kumimoji="1" lang="en-US" altLang="ja-JP" b="0" i="1" smtClean="0">
-                        <a:latin typeface="Cambria Math" panose="02040503050406030204" pitchFamily="18" charset="0"/>
-                      </a:rPr>
-                      <m:t>)</m:t>
-                    </m:r>
-                  </m:oMath>
-                </a14:m>
+                <a:r>
+                  <a:rPr kumimoji="1" lang="ja-JP" altLang="en-US"/>
+                  <a:t>を選びアリスに渡す</a:t>
+                </a:r>
                 <a:endParaRPr kumimoji="1" lang="en-US" altLang="ja-JP"/>
               </a:p>
               <a:p>
                 <a:pPr lvl="1"/>
                 <a:r>
                   <a:rPr kumimoji="1" lang="ja-JP" altLang="en-US"/>
-                  <a:t>暗号文の一つ目の成分を</a:t>
+                  <a:t>アリスはどちらかの平文を選び、その暗号文</a:t>
                 </a:r>
                 <a14:m>
                   <m:oMath xmlns:m="http://schemas.openxmlformats.org/officeDocument/2006/math">
@@ -10283,20 +11233,21 @@
                       <a:rPr kumimoji="1" lang="en-US" altLang="ja-JP" b="0" i="1" smtClean="0">
                         <a:latin typeface="Cambria Math" panose="02040503050406030204" pitchFamily="18" charset="0"/>
                       </a:rPr>
-                      <m:t>𝑇</m:t>
+                      <m:t>𝑐</m:t>
                     </m:r>
                   </m:oMath>
                 </a14:m>
                 <a:r>
                   <a:rPr kumimoji="1" lang="ja-JP" altLang="en-US"/>
-                  <a:t>とすると</a:t>
+                  <a:t>を攻撃者に渡す</a:t>
                 </a:r>
                 <a:endParaRPr kumimoji="1" lang="en-US" altLang="ja-JP"/>
               </a:p>
               <a:p>
+                <a:pPr lvl="1"/>
                 <a:r>
                   <a:rPr kumimoji="1" lang="ja-JP" altLang="en-US"/>
-                  <a:t>「</a:t>
+                  <a:t>攻撃者は暗号文</a:t>
                 </a:r>
                 <a14:m>
                   <m:oMath xmlns:m="http://schemas.openxmlformats.org/officeDocument/2006/math">
@@ -10304,315 +11255,126 @@
                       <a:rPr kumimoji="1" lang="en-US" altLang="ja-JP" b="0" i="1" smtClean="0">
                         <a:latin typeface="Cambria Math" panose="02040503050406030204" pitchFamily="18" charset="0"/>
                       </a:rPr>
-                      <m:t>𝑃</m:t>
-                    </m:r>
-                    <m:r>
-                      <a:rPr kumimoji="1" lang="en-US" altLang="ja-JP" b="0" i="1" smtClean="0">
-                        <a:latin typeface="Cambria Math" panose="02040503050406030204" pitchFamily="18" charset="0"/>
-                      </a:rPr>
-                      <m:t>,</m:t>
-                    </m:r>
-                    <m:r>
-                      <a:rPr kumimoji="1" lang="en-US" altLang="ja-JP" b="0" i="1" smtClean="0">
-                        <a:latin typeface="Cambria Math" panose="02040503050406030204" pitchFamily="18" charset="0"/>
-                      </a:rPr>
-                      <m:t>𝑠𝑃</m:t>
-                    </m:r>
-                    <m:r>
-                      <a:rPr kumimoji="1" lang="en-US" altLang="ja-JP" b="0" i="1" smtClean="0">
-                        <a:latin typeface="Cambria Math" panose="02040503050406030204" pitchFamily="18" charset="0"/>
-                      </a:rPr>
-                      <m:t>,</m:t>
-                    </m:r>
-                    <m:r>
-                      <a:rPr kumimoji="1" lang="en-US" altLang="ja-JP" b="0" i="1" smtClean="0">
-                        <a:latin typeface="Cambria Math" panose="02040503050406030204" pitchFamily="18" charset="0"/>
-                      </a:rPr>
-                      <m:t>𝑟𝑃</m:t>
-                    </m:r>
-                    <m:r>
-                      <a:rPr kumimoji="1" lang="en-US" altLang="ja-JP" b="0" i="1" smtClean="0">
-                        <a:latin typeface="Cambria Math" panose="02040503050406030204" pitchFamily="18" charset="0"/>
-                      </a:rPr>
-                      <m:t>,</m:t>
-                    </m:r>
-                    <m:r>
-                      <a:rPr kumimoji="1" lang="en-US" altLang="ja-JP" b="0" i="1" smtClean="0">
-                        <a:latin typeface="Cambria Math" panose="02040503050406030204" pitchFamily="18" charset="0"/>
-                      </a:rPr>
-                      <m:t>𝑇</m:t>
+                      <m:t>𝑐</m:t>
                     </m:r>
                   </m:oMath>
                 </a14:m>
                 <a:r>
                   <a:rPr kumimoji="1" lang="ja-JP" altLang="en-US"/>
-                  <a:t>」</a:t>
-                </a:r>
-                <a:r>
-                  <a:rPr kumimoji="1" lang="en-US" altLang="ja-JP"/>
-                  <a:t>given</a:t>
-                </a:r>
-                <a:r>
-                  <a:rPr kumimoji="1" lang="ja-JP" altLang="en-US"/>
-                  <a:t>で</a:t>
-                </a:r>
-                <a14:m>
-                  <m:oMath xmlns:m="http://schemas.openxmlformats.org/officeDocument/2006/math">
-                    <m:r>
-                      <a:rPr kumimoji="1" lang="en-US" altLang="ja-JP" b="0" i="1" smtClean="0">
-                        <a:latin typeface="Cambria Math" panose="02040503050406030204" pitchFamily="18" charset="0"/>
-                      </a:rPr>
-                      <m:t>𝑇</m:t>
-                    </m:r>
-                    <m:r>
-                      <a:rPr kumimoji="1" lang="en-US" altLang="ja-JP" b="0" i="1" smtClean="0">
-                        <a:latin typeface="Cambria Math" panose="02040503050406030204" pitchFamily="18" charset="0"/>
-                      </a:rPr>
-                      <m:t>=</m:t>
-                    </m:r>
-                    <m:r>
-                      <a:rPr kumimoji="1" lang="en-US" altLang="ja-JP" b="0" i="1" smtClean="0">
-                        <a:latin typeface="Cambria Math" panose="02040503050406030204" pitchFamily="18" charset="0"/>
-                      </a:rPr>
-                      <m:t>𝑟𝑠𝑃</m:t>
-                    </m:r>
-                  </m:oMath>
-                </a14:m>
-                <a:r>
-                  <a:rPr kumimoji="1" lang="ja-JP" altLang="en-US"/>
-                  <a:t>か否か判れば</a:t>
-                </a:r>
-                <a:br>
-                  <a:rPr kumimoji="1" lang="en-US" altLang="ja-JP" b="0" i="1">
-                    <a:latin typeface="Cambria Math" panose="02040503050406030204" pitchFamily="18" charset="0"/>
-                  </a:rPr>
-                </a:br>
-                <a14:m>
-                  <m:oMath xmlns:m="http://schemas.openxmlformats.org/officeDocument/2006/math">
-                    <m:r>
-                      <a:rPr kumimoji="1" lang="en-US" altLang="ja-JP" b="0" i="1" smtClean="0">
-                        <a:latin typeface="Cambria Math" panose="02040503050406030204" pitchFamily="18" charset="0"/>
-                      </a:rPr>
-                      <m:t>𝑑𝑒𝑐</m:t>
-                    </m:r>
-                    <m:d>
-                      <m:dPr>
-                        <m:ctrlPr>
-                          <a:rPr kumimoji="1" lang="en-US" altLang="ja-JP" b="0" i="1" smtClean="0">
-                            <a:latin typeface="Cambria Math" panose="02040503050406030204" pitchFamily="18" charset="0"/>
-                          </a:rPr>
-                        </m:ctrlPr>
-                      </m:dPr>
-                      <m:e>
-                        <m:r>
-                          <a:rPr kumimoji="1" lang="en-US" altLang="ja-JP" b="0" i="1" smtClean="0">
-                            <a:latin typeface="Cambria Math" panose="02040503050406030204" pitchFamily="18" charset="0"/>
-                          </a:rPr>
-                          <m:t>𝑐</m:t>
-                        </m:r>
-                      </m:e>
-                    </m:d>
-                    <m:r>
-                      <a:rPr kumimoji="1" lang="en-US" altLang="ja-JP" b="0" i="1" smtClean="0">
-                        <a:latin typeface="Cambria Math" panose="02040503050406030204" pitchFamily="18" charset="0"/>
-                      </a:rPr>
-                      <m:t>=0</m:t>
-                    </m:r>
-                  </m:oMath>
-                </a14:m>
-                <a:r>
-                  <a:rPr kumimoji="1" lang="ja-JP" altLang="en-US"/>
-                  <a:t>か</a:t>
-                </a:r>
-                <a14:m>
-                  <m:oMath xmlns:m="http://schemas.openxmlformats.org/officeDocument/2006/math">
-                    <m:r>
-                      <a:rPr kumimoji="1" lang="en-US" altLang="ja-JP" b="0" i="1" smtClean="0">
-                        <a:latin typeface="Cambria Math" panose="02040503050406030204" pitchFamily="18" charset="0"/>
-                      </a:rPr>
-                      <m:t>≠0</m:t>
-                    </m:r>
-                  </m:oMath>
-                </a14:m>
-                <a:r>
-                  <a:rPr kumimoji="1" lang="ja-JP" altLang="en-US"/>
-                  <a:t>か判別できる→安全でない</a:t>
+                  <a:t>がどちらの平文を暗号化したものか当てる</a:t>
                 </a:r>
                 <a:endParaRPr kumimoji="1" lang="en-US" altLang="ja-JP"/>
               </a:p>
               <a:p>
+                <a:pPr lvl="2"/>
+                <a:r>
+                  <a:rPr kumimoji="1" lang="ja-JP" altLang="en-US"/>
+                  <a:t>当てたら攻撃者の勝ち（攻撃成功）</a:t>
+                </a:r>
+                <a:endParaRPr kumimoji="1" lang="en-US" altLang="ja-JP"/>
+              </a:p>
+              <a:p>
+                <a:pPr lvl="2"/>
+                <a:r>
+                  <a:rPr kumimoji="1" lang="ja-JP" altLang="en-US"/>
+                  <a:t>攻撃者に非常に有利なゲーム</a:t>
+                </a:r>
+                <a:endParaRPr kumimoji="1" lang="en-US" altLang="ja-JP"/>
+              </a:p>
+              <a:p>
+                <a:endParaRPr kumimoji="1" lang="en-US" altLang="ja-JP"/>
+              </a:p>
+              <a:p>
+                <a:r>
+                  <a:rPr kumimoji="1" lang="ja-JP" altLang="en-US"/>
+                  <a:t>攻撃の種類</a:t>
+                </a:r>
+                <a:endParaRPr kumimoji="1" lang="en-US" altLang="ja-JP"/>
+              </a:p>
+              <a:p>
+                <a:r>
+                  <a:rPr kumimoji="1" lang="ja-JP" altLang="en-US"/>
+                  <a:t>選択平文攻撃</a:t>
+                </a:r>
                 <a:r>
                   <a:rPr kumimoji="1" lang="en-US" altLang="ja-JP"/>
-                  <a:t>DDH(Decisional DH)</a:t>
+                  <a:t>CPA</a:t>
                 </a:r>
               </a:p>
               <a:p>
                 <a:pPr lvl="1"/>
                 <a:r>
-                  <a:rPr kumimoji="1" lang="ja-JP" altLang="en-US" b="0"/>
-                  <a:t>「</a:t>
-                </a:r>
-                <a14:m>
-                  <m:oMath xmlns:m="http://schemas.openxmlformats.org/officeDocument/2006/math">
-                    <m:r>
-                      <a:rPr kumimoji="1" lang="en-US" altLang="ja-JP" b="0" i="1" smtClean="0">
-                        <a:latin typeface="Cambria Math" panose="02040503050406030204" pitchFamily="18" charset="0"/>
-                      </a:rPr>
-                      <m:t>𝑃</m:t>
-                    </m:r>
-                    <m:r>
-                      <a:rPr kumimoji="1" lang="en-US" altLang="ja-JP" b="0" i="1" smtClean="0">
-                        <a:latin typeface="Cambria Math" panose="02040503050406030204" pitchFamily="18" charset="0"/>
-                      </a:rPr>
-                      <m:t>,</m:t>
-                    </m:r>
-                    <m:r>
-                      <a:rPr kumimoji="1" lang="en-US" altLang="ja-JP" b="0" i="1" smtClean="0">
-                        <a:latin typeface="Cambria Math" panose="02040503050406030204" pitchFamily="18" charset="0"/>
-                      </a:rPr>
-                      <m:t>𝑎𝑃</m:t>
-                    </m:r>
-                    <m:r>
-                      <a:rPr kumimoji="1" lang="en-US" altLang="ja-JP" b="0" i="1" smtClean="0">
-                        <a:latin typeface="Cambria Math" panose="02040503050406030204" pitchFamily="18" charset="0"/>
-                      </a:rPr>
-                      <m:t>,</m:t>
-                    </m:r>
-                    <m:r>
-                      <a:rPr kumimoji="1" lang="en-US" altLang="ja-JP" b="0" i="1" smtClean="0">
-                        <a:latin typeface="Cambria Math" panose="02040503050406030204" pitchFamily="18" charset="0"/>
-                      </a:rPr>
-                      <m:t>𝑏𝑃</m:t>
-                    </m:r>
-                    <m:r>
-                      <a:rPr kumimoji="1" lang="en-US" altLang="ja-JP" b="0" i="1" smtClean="0">
-                        <a:latin typeface="Cambria Math" panose="02040503050406030204" pitchFamily="18" charset="0"/>
-                      </a:rPr>
-                      <m:t>,</m:t>
-                    </m:r>
-                    <m:r>
-                      <a:rPr kumimoji="1" lang="en-US" altLang="ja-JP" b="0" i="1" smtClean="0">
-                        <a:latin typeface="Cambria Math" panose="02040503050406030204" pitchFamily="18" charset="0"/>
-                      </a:rPr>
-                      <m:t>𝑇</m:t>
-                    </m:r>
-                  </m:oMath>
-                </a14:m>
-                <a:r>
-                  <a:rPr kumimoji="1" lang="ja-JP" altLang="en-US" b="0"/>
-                  <a:t>」</a:t>
+                  <a:rPr kumimoji="1" lang="ja-JP" altLang="en-US"/>
+                  <a:t>自分が選んだ平文の暗号文を取得できる</a:t>
+                </a:r>
+                <a:r>
+                  <a:rPr kumimoji="1" lang="en-US" altLang="ja-JP"/>
+                  <a:t>(PKE</a:t>
+                </a:r>
+                <a:r>
+                  <a:rPr kumimoji="1" lang="ja-JP" altLang="en-US"/>
+                  <a:t>はいつでも可能</a:t>
+                </a:r>
+                <a:r>
+                  <a:rPr kumimoji="1" lang="en-US" altLang="ja-JP"/>
+                  <a:t>)</a:t>
+                </a:r>
+              </a:p>
+              <a:p>
+                <a:r>
+                  <a:rPr kumimoji="1" lang="ja-JP" altLang="en-US"/>
+                  <a:t>選択暗号文攻撃</a:t>
+                </a:r>
+                <a:r>
+                  <a:rPr kumimoji="1" lang="en-US" altLang="ja-JP"/>
+                  <a:t>CCA(</a:t>
                 </a:r>
                 <a:r>
                   <a:rPr lang="en-US" altLang="ja-JP"/>
-                  <a:t>given</a:t>
-                </a:r>
-                <a:r>
-                  <a:rPr lang="ja-JP" altLang="en-US"/>
-                  <a:t>のとき「</a:t>
-                </a:r>
-                <a14:m>
-                  <m:oMath xmlns:m="http://schemas.openxmlformats.org/officeDocument/2006/math">
-                    <m:r>
-                      <a:rPr lang="en-US" altLang="ja-JP" b="0" i="1" smtClean="0">
-                        <a:latin typeface="Cambria Math" panose="02040503050406030204" pitchFamily="18" charset="0"/>
-                      </a:rPr>
-                      <m:t>𝑇</m:t>
-                    </m:r>
-                    <m:r>
-                      <a:rPr lang="en-US" altLang="ja-JP" b="0" i="1" smtClean="0">
-                        <a:latin typeface="Cambria Math" panose="02040503050406030204" pitchFamily="18" charset="0"/>
-                      </a:rPr>
-                      <m:t>=</m:t>
-                    </m:r>
-                    <m:r>
-                      <a:rPr lang="en-US" altLang="ja-JP" b="0" i="1" smtClean="0">
-                        <a:latin typeface="Cambria Math" panose="02040503050406030204" pitchFamily="18" charset="0"/>
-                      </a:rPr>
-                      <m:t>𝑎𝑏𝑃</m:t>
-                    </m:r>
-                  </m:oMath>
-                </a14:m>
-                <a:r>
-                  <a:rPr lang="ja-JP" altLang="en-US"/>
-                  <a:t>か否か」を判定せよ</a:t>
-                </a:r>
-                <a:endParaRPr lang="en-US" altLang="ja-JP"/>
+                  <a:t>Chosen Ciphertext Attack</a:t>
+                </a:r>
+                <a:r>
+                  <a:rPr kumimoji="1" lang="en-US" altLang="ja-JP"/>
+                  <a:t>)</a:t>
+                </a:r>
               </a:p>
               <a:p>
                 <a:pPr lvl="1"/>
                 <a:r>
-                  <a:rPr kumimoji="1" lang="ja-JP" altLang="en-US" b="0"/>
-                  <a:t>従来の</a:t>
-                </a:r>
-                <a:r>
-                  <a:rPr kumimoji="1" lang="en-US" altLang="ja-JP" b="0"/>
-                  <a:t>DH</a:t>
-                </a:r>
-                <a:r>
-                  <a:rPr kumimoji="1" lang="ja-JP" altLang="en-US" b="0"/>
-                  <a:t>は</a:t>
-                </a:r>
-                <a:r>
-                  <a:rPr kumimoji="1" lang="en-US" altLang="ja-JP" b="0"/>
-                  <a:t>CDH(Computational DH)</a:t>
-                </a:r>
-                <a:r>
-                  <a:rPr kumimoji="1" lang="ja-JP" altLang="en-US" b="0"/>
-                  <a:t>という</a:t>
-                </a:r>
-                <a:endParaRPr kumimoji="1" lang="en-US" altLang="ja-JP" b="0"/>
-              </a:p>
-              <a:p>
-                <a:pPr lvl="1"/>
-                <a:r>
-                  <a:rPr kumimoji="1" lang="en-US" altLang="ja-JP" b="0"/>
-                  <a:t>DDH</a:t>
-                </a:r>
-                <a:r>
-                  <a:rPr kumimoji="1" lang="ja-JP" altLang="en-US" b="0"/>
-                  <a:t>が困難なら</a:t>
-                </a:r>
-                <a:r>
-                  <a:rPr kumimoji="1" lang="en-US" altLang="ja-JP" b="0"/>
-                  <a:t>Lifted ElGamal</a:t>
-                </a:r>
-                <a:r>
-                  <a:rPr kumimoji="1" lang="ja-JP" altLang="en-US" b="0"/>
-                  <a:t>暗号は</a:t>
-                </a:r>
-                <a:r>
-                  <a:rPr kumimoji="1" lang="en-US" altLang="ja-JP" b="0"/>
-                  <a:t>IND-CCA</a:t>
-                </a:r>
-                <a:r>
-                  <a:rPr kumimoji="1" lang="ja-JP" altLang="en-US" b="0"/>
-                  <a:t>安全</a:t>
-                </a:r>
-                <a:endParaRPr kumimoji="1" lang="en-US" altLang="ja-JP" b="0"/>
+                  <a:rPr kumimoji="1" lang="ja-JP" altLang="en-US"/>
+                  <a:t>自分が選んだ暗号文</a:t>
+                </a:r>
+                <a:r>
+                  <a:rPr kumimoji="1" lang="en-US" altLang="ja-JP"/>
+                  <a:t>(</a:t>
+                </a:r>
+                <a14:m>
+                  <m:oMath xmlns:m="http://schemas.openxmlformats.org/officeDocument/2006/math">
+                    <m:r>
+                      <a:rPr kumimoji="1" lang="en-US" altLang="ja-JP" b="0" i="1" smtClean="0">
+                        <a:latin typeface="Cambria Math" panose="02040503050406030204" pitchFamily="18" charset="0"/>
+                      </a:rPr>
+                      <m:t>≠</m:t>
+                    </m:r>
+                  </m:oMath>
+                </a14:m>
+                <a:r>
+                  <a:rPr kumimoji="1" lang="ja-JP" altLang="en-US"/>
+                  <a:t>ターゲット暗号文</a:t>
+                </a:r>
+                <a:r>
+                  <a:rPr kumimoji="1" lang="en-US" altLang="ja-JP"/>
+                  <a:t>)</a:t>
+                </a:r>
+                <a:r>
+                  <a:rPr kumimoji="1" lang="ja-JP" altLang="en-US"/>
+                  <a:t>の平文を取得できる</a:t>
+                </a:r>
+                <a:endParaRPr kumimoji="1" lang="en-US" altLang="ja-JP"/>
               </a:p>
               <a:p>
                 <a:pPr lvl="2"/>
-                <a:r>
-                  <a:rPr lang="ja-JP" altLang="en-US"/>
-                  <a:t>注意 </a:t>
-                </a:r>
-                <a:r>
-                  <a:rPr lang="en-US" altLang="ja-JP"/>
-                  <a:t>: </a:t>
-                </a:r>
-                <a:r>
-                  <a:rPr lang="ja-JP" altLang="en-US"/>
-                  <a:t>準同型暗号は</a:t>
-                </a:r>
-                <a:r>
-                  <a:rPr lang="en-US" altLang="ja-JP"/>
-                  <a:t>IND-CCA2</a:t>
-                </a:r>
-                <a:r>
-                  <a:rPr lang="ja-JP" altLang="en-US"/>
-                  <a:t>安全にはならない</a:t>
-                </a:r>
-                <a:endParaRPr kumimoji="1" lang="en-US" altLang="ja-JP" b="0"/>
+                <a:endParaRPr kumimoji="1" lang="ja-JP" altLang="en-US"/>
               </a:p>
             </p:txBody>
           </p:sp>
@@ -10623,7 +11385,7 @@
               <p:cNvPr id="2" name="コンテンツ プレースホルダー 1">
                 <a:extLst>
                   <a:ext uri="{FF2B5EF4-FFF2-40B4-BE49-F238E27FC236}">
-                    <a16:creationId xmlns:a16="http://schemas.microsoft.com/office/drawing/2014/main" id="{2E503ECC-2524-4039-836A-1DA1EC154401}"/>
+                    <a16:creationId xmlns:a16="http://schemas.microsoft.com/office/drawing/2014/main" id="{89673A04-5970-45B3-8F32-9EF76366D92C}"/>
                   </a:ext>
                 </a:extLst>
               </p:cNvPr>
@@ -10638,7 +11400,7 @@
               <a:blipFill>
                 <a:blip r:embed="rId2"/>
                 <a:stretch>
-                  <a:fillRect l="-1200" t="-1454" b="-9034"/>
+                  <a:fillRect l="-1200" t="-1454" r="-200" b="-4361"/>
                 </a:stretch>
               </a:blipFill>
             </p:spPr>
@@ -10662,7 +11424,7 @@
           <p:cNvPr id="3" name="スライド番号プレースホルダー 2">
             <a:extLst>
               <a:ext uri="{FF2B5EF4-FFF2-40B4-BE49-F238E27FC236}">
-                <a16:creationId xmlns:a16="http://schemas.microsoft.com/office/drawing/2014/main" id="{6C2CA84E-22D7-4599-BAA0-D0345B95DF7E}"/>
+                <a16:creationId xmlns:a16="http://schemas.microsoft.com/office/drawing/2014/main" id="{E87F167A-72A1-44A3-8EF5-5B56DEF2454A}"/>
               </a:ext>
             </a:extLst>
           </p:cNvPr>
@@ -10694,7 +11456,7 @@
             </a:fld>
             <a:r>
               <a:rPr lang="en-US" altLang="ja-JP"/>
-              <a:t> / 25</a:t>
+              <a:t> / 24</a:t>
             </a:r>
           </a:p>
         </p:txBody>
@@ -10704,7 +11466,7 @@
           <p:cNvPr id="4" name="タイトル 3">
             <a:extLst>
               <a:ext uri="{FF2B5EF4-FFF2-40B4-BE49-F238E27FC236}">
-                <a16:creationId xmlns:a16="http://schemas.microsoft.com/office/drawing/2014/main" id="{FF71B9C5-5462-4293-830D-672E8F14B590}"/>
+                <a16:creationId xmlns:a16="http://schemas.microsoft.com/office/drawing/2014/main" id="{7820C120-FDE3-491F-B7D7-0D531084CD26}"/>
               </a:ext>
             </a:extLst>
           </p:cNvPr>
@@ -10722,15 +11484,113 @@
           <a:p>
             <a:r>
               <a:rPr kumimoji="1" lang="ja-JP" altLang="en-US"/>
-              <a:t>公開鍵暗号に求められる要件</a:t>
+              <a:t>公開鍵暗号</a:t>
+            </a:r>
+            <a:r>
+              <a:rPr lang="en-US" altLang="ja-JP"/>
+              <a:t>PKE</a:t>
+            </a:r>
+            <a:r>
+              <a:rPr kumimoji="1" lang="ja-JP" altLang="en-US"/>
+              <a:t>に求められる安全性要件</a:t>
             </a:r>
           </a:p>
         </p:txBody>
       </p:sp>
+      <p:pic>
+        <p:nvPicPr>
+          <p:cNvPr id="8" name="図 7">
+            <a:extLst>
+              <a:ext uri="{FF2B5EF4-FFF2-40B4-BE49-F238E27FC236}">
+                <a16:creationId xmlns:a16="http://schemas.microsoft.com/office/drawing/2014/main" id="{ADC35459-1D47-4969-91FF-4638E68ABB90}"/>
+              </a:ext>
+            </a:extLst>
+          </p:cNvPr>
+          <p:cNvPicPr>
+            <a:picLocks noChangeAspect="1"/>
+          </p:cNvPicPr>
+          <p:nvPr/>
+        </p:nvPicPr>
+        <p:blipFill>
+          <a:blip r:embed="rId3"/>
+          <a:stretch>
+            <a:fillRect/>
+          </a:stretch>
+        </p:blipFill>
+        <p:spPr>
+          <a:xfrm>
+            <a:off x="3312368" y="3373765"/>
+            <a:ext cx="5652120" cy="840572"/>
+          </a:xfrm>
+          <a:prstGeom prst="rect">
+            <a:avLst/>
+          </a:prstGeom>
+        </p:spPr>
+      </p:pic>
+      <p:pic>
+        <p:nvPicPr>
+          <p:cNvPr id="10" name="図 9">
+            <a:extLst>
+              <a:ext uri="{FF2B5EF4-FFF2-40B4-BE49-F238E27FC236}">
+                <a16:creationId xmlns:a16="http://schemas.microsoft.com/office/drawing/2014/main" id="{58360B0A-9703-45D7-AF2D-1E09094AC1BE}"/>
+              </a:ext>
+            </a:extLst>
+          </p:cNvPr>
+          <p:cNvPicPr>
+            <a:picLocks noChangeAspect="1"/>
+          </p:cNvPicPr>
+          <p:nvPr/>
+        </p:nvPicPr>
+        <p:blipFill>
+          <a:blip r:embed="rId4"/>
+          <a:stretch>
+            <a:fillRect/>
+          </a:stretch>
+        </p:blipFill>
+        <p:spPr>
+          <a:xfrm>
+            <a:off x="7200800" y="2581677"/>
+            <a:ext cx="1368152" cy="1062036"/>
+          </a:xfrm>
+          <a:prstGeom prst="rect">
+            <a:avLst/>
+          </a:prstGeom>
+        </p:spPr>
+      </p:pic>
+      <p:pic>
+        <p:nvPicPr>
+          <p:cNvPr id="12" name="図 11">
+            <a:extLst>
+              <a:ext uri="{FF2B5EF4-FFF2-40B4-BE49-F238E27FC236}">
+                <a16:creationId xmlns:a16="http://schemas.microsoft.com/office/drawing/2014/main" id="{56093717-79D2-460F-B84C-51F4395A40B7}"/>
+              </a:ext>
+            </a:extLst>
+          </p:cNvPr>
+          <p:cNvPicPr>
+            <a:picLocks noChangeAspect="1"/>
+          </p:cNvPicPr>
+          <p:nvPr/>
+        </p:nvPicPr>
+        <p:blipFill>
+          <a:blip r:embed="rId5"/>
+          <a:stretch>
+            <a:fillRect/>
+          </a:stretch>
+        </p:blipFill>
+        <p:spPr>
+          <a:xfrm>
+            <a:off x="3672409" y="4489263"/>
+            <a:ext cx="3528392" cy="523913"/>
+          </a:xfrm>
+          <a:prstGeom prst="rect">
+            <a:avLst/>
+          </a:prstGeom>
+        </p:spPr>
+      </p:pic>
     </p:spTree>
     <p:extLst>
       <p:ext uri="{BB962C8B-B14F-4D97-AF65-F5344CB8AC3E}">
-        <p14:creationId xmlns:p14="http://schemas.microsoft.com/office/powerpoint/2010/main" val="1913315976"/>
+        <p14:creationId xmlns:p14="http://schemas.microsoft.com/office/powerpoint/2010/main" val="2087405924"/>
       </p:ext>
     </p:extLst>
   </p:cSld>

--- a/lec/anninbon13.pptx
+++ b/lec/anninbon13.pptx
@@ -5,23 +5,31 @@
     <p:sldMasterId id="2147483706" r:id="rId1"/>
   </p:sldMasterIdLst>
   <p:notesMasterIdLst>
-    <p:notesMasterId r:id="rId13"/>
+    <p:notesMasterId r:id="rId21"/>
   </p:notesMasterIdLst>
   <p:handoutMasterIdLst>
-    <p:handoutMasterId r:id="rId14"/>
+    <p:handoutMasterId r:id="rId22"/>
   </p:handoutMasterIdLst>
   <p:sldIdLst>
     <p:sldId id="552" r:id="rId2"/>
-    <p:sldId id="692" r:id="rId3"/>
-    <p:sldId id="697" r:id="rId4"/>
-    <p:sldId id="693" r:id="rId5"/>
-    <p:sldId id="698" r:id="rId6"/>
-    <p:sldId id="694" r:id="rId7"/>
-    <p:sldId id="695" r:id="rId8"/>
-    <p:sldId id="696" r:id="rId9"/>
-    <p:sldId id="568" r:id="rId10"/>
-    <p:sldId id="569" r:id="rId11"/>
-    <p:sldId id="699" r:id="rId12"/>
+    <p:sldId id="708" r:id="rId3"/>
+    <p:sldId id="692" r:id="rId4"/>
+    <p:sldId id="697" r:id="rId5"/>
+    <p:sldId id="693" r:id="rId6"/>
+    <p:sldId id="698" r:id="rId7"/>
+    <p:sldId id="694" r:id="rId8"/>
+    <p:sldId id="695" r:id="rId9"/>
+    <p:sldId id="696" r:id="rId10"/>
+    <p:sldId id="568" r:id="rId11"/>
+    <p:sldId id="569" r:id="rId12"/>
+    <p:sldId id="699" r:id="rId13"/>
+    <p:sldId id="668" r:id="rId14"/>
+    <p:sldId id="700" r:id="rId15"/>
+    <p:sldId id="701" r:id="rId16"/>
+    <p:sldId id="704" r:id="rId17"/>
+    <p:sldId id="705" r:id="rId18"/>
+    <p:sldId id="703" r:id="rId19"/>
+    <p:sldId id="707" r:id="rId20"/>
   </p:sldIdLst>
   <p:sldSz cx="9144000" cy="6858000" type="screen4x3"/>
   <p:notesSz cx="7099300" cy="10234613"/>
@@ -156,6 +164,7 @@
         <p14:section name="既定のセクション" id="{7C747A5F-8C29-4C6A-BF6D-361D478D3FFF}">
           <p14:sldIdLst>
             <p14:sldId id="552"/>
+            <p14:sldId id="708"/>
             <p14:sldId id="692"/>
             <p14:sldId id="697"/>
             <p14:sldId id="693"/>
@@ -166,6 +175,13 @@
             <p14:sldId id="568"/>
             <p14:sldId id="569"/>
             <p14:sldId id="699"/>
+            <p14:sldId id="668"/>
+            <p14:sldId id="700"/>
+            <p14:sldId id="701"/>
+            <p14:sldId id="704"/>
+            <p14:sldId id="705"/>
+            <p14:sldId id="703"/>
+            <p14:sldId id="707"/>
           </p14:sldIdLst>
         </p14:section>
       </p14:sectionLst>
@@ -1470,7 +1486,7 @@
             </a:fld>
             <a:r>
               <a:rPr lang="en-US" altLang="ja-JP"/>
-              <a:t> / 25</a:t>
+              <a:t> / 19</a:t>
             </a:r>
           </a:p>
         </p:txBody>
@@ -1849,7 +1865,7 @@
     <p:sldLayoutId id="2147483719" r:id="rId2"/>
     <p:sldLayoutId id="2147483720" r:id="rId3"/>
   </p:sldLayoutIdLst>
-  <p:hf hdr="0" ftr="0" dt="0"/>
+  <p:hf sldNum="0" hdr="0" ftr="0" dt="0"/>
   <p:txStyles>
     <p:titleStyle>
       <a:lvl1pPr algn="l" rtl="0" eaLnBrk="0" fontAlgn="base" hangingPunct="0">
@@ -2405,8 +2421,479 @@
           <a:chExt cx="0" cy="0"/>
         </a:xfrm>
       </p:grpSpPr>
-      <mc:AlternateContent xmlns:mc="http://schemas.openxmlformats.org/markup-compatibility/2006">
-        <mc:Choice xmlns:a14="http://schemas.microsoft.com/office/drawing/2010/main" Requires="a14">
+      <mc:AlternateContent xmlns:mc="http://schemas.openxmlformats.org/markup-compatibility/2006" xmlns:a14="http://schemas.microsoft.com/office/drawing/2010/main">
+        <mc:Choice Requires="a14">
+          <p:sp>
+            <p:nvSpPr>
+              <p:cNvPr id="2" name="コンテンツ プレースホルダー 1">
+                <a:extLst>
+                  <a:ext uri="{FF2B5EF4-FFF2-40B4-BE49-F238E27FC236}">
+                    <a16:creationId xmlns:a16="http://schemas.microsoft.com/office/drawing/2014/main" id="{89673A04-5970-45B3-8F32-9EF76366D92C}"/>
+                  </a:ext>
+                </a:extLst>
+              </p:cNvPr>
+              <p:cNvSpPr>
+                <a:spLocks noGrp="1"/>
+              </p:cNvSpPr>
+              <p:nvPr>
+                <p:ph idx="1"/>
+              </p:nvPr>
+            </p:nvSpPr>
+            <p:spPr/>
+            <p:txBody>
+              <a:bodyPr/>
+              <a:lstStyle/>
+              <a:p>
+                <a:r>
+                  <a:rPr kumimoji="1" lang="ja-JP" altLang="en-US"/>
+                  <a:t>攻撃者と挑戦者アリスのゲーム</a:t>
+                </a:r>
+                <a:r>
+                  <a:rPr kumimoji="1" lang="en-US" altLang="ja-JP"/>
+                  <a:t>IND(</a:t>
+                </a:r>
+                <a:r>
+                  <a:rPr lang="en-US" altLang="ja-JP"/>
+                  <a:t>istinguishability)</a:t>
+                </a:r>
+                <a:endParaRPr kumimoji="1" lang="en-US" altLang="ja-JP"/>
+              </a:p>
+              <a:p>
+                <a:pPr lvl="1"/>
+                <a:r>
+                  <a:rPr kumimoji="1" lang="ja-JP" altLang="en-US"/>
+                  <a:t>攻撃者が</a:t>
+                </a:r>
+                <a:r>
+                  <a:rPr kumimoji="1" lang="en-US" altLang="ja-JP"/>
+                  <a:t>2</a:t>
+                </a:r>
+                <a:r>
+                  <a:rPr kumimoji="1" lang="ja-JP" altLang="en-US"/>
+                  <a:t>個の平文</a:t>
+                </a:r>
+                <a14:m>
+                  <m:oMath xmlns:m="http://schemas.openxmlformats.org/officeDocument/2006/math">
+                    <m:sSub>
+                      <m:sSubPr>
+                        <m:ctrlPr>
+                          <a:rPr kumimoji="1" lang="en-US" altLang="ja-JP" b="0" i="1" smtClean="0">
+                            <a:latin typeface="Cambria Math" panose="02040503050406030204" pitchFamily="18" charset="0"/>
+                          </a:rPr>
+                        </m:ctrlPr>
+                      </m:sSubPr>
+                      <m:e>
+                        <m:r>
+                          <a:rPr kumimoji="1" lang="en-US" altLang="ja-JP" b="0" i="1" smtClean="0">
+                            <a:latin typeface="Cambria Math" panose="02040503050406030204" pitchFamily="18" charset="0"/>
+                          </a:rPr>
+                          <m:t>𝑚</m:t>
+                        </m:r>
+                      </m:e>
+                      <m:sub>
+                        <m:r>
+                          <a:rPr kumimoji="1" lang="en-US" altLang="ja-JP" b="0" i="1" smtClean="0">
+                            <a:latin typeface="Cambria Math" panose="02040503050406030204" pitchFamily="18" charset="0"/>
+                          </a:rPr>
+                          <m:t>1</m:t>
+                        </m:r>
+                      </m:sub>
+                    </m:sSub>
+                    <m:r>
+                      <a:rPr kumimoji="1" lang="en-US" altLang="ja-JP" b="0" i="1" smtClean="0">
+                        <a:latin typeface="Cambria Math" panose="02040503050406030204" pitchFamily="18" charset="0"/>
+                      </a:rPr>
+                      <m:t>,</m:t>
+                    </m:r>
+                    <m:sSub>
+                      <m:sSubPr>
+                        <m:ctrlPr>
+                          <a:rPr kumimoji="1" lang="en-US" altLang="ja-JP" b="0" i="1" smtClean="0">
+                            <a:latin typeface="Cambria Math" panose="02040503050406030204" pitchFamily="18" charset="0"/>
+                          </a:rPr>
+                        </m:ctrlPr>
+                      </m:sSubPr>
+                      <m:e>
+                        <m:r>
+                          <a:rPr kumimoji="1" lang="en-US" altLang="ja-JP" b="0" i="1" smtClean="0">
+                            <a:latin typeface="Cambria Math" panose="02040503050406030204" pitchFamily="18" charset="0"/>
+                          </a:rPr>
+                          <m:t>𝑚</m:t>
+                        </m:r>
+                      </m:e>
+                      <m:sub>
+                        <m:r>
+                          <a:rPr kumimoji="1" lang="en-US" altLang="ja-JP" b="0" i="1" smtClean="0">
+                            <a:latin typeface="Cambria Math" panose="02040503050406030204" pitchFamily="18" charset="0"/>
+                          </a:rPr>
+                          <m:t>2</m:t>
+                        </m:r>
+                      </m:sub>
+                    </m:sSub>
+                  </m:oMath>
+                </a14:m>
+                <a:r>
+                  <a:rPr kumimoji="1" lang="ja-JP" altLang="en-US"/>
+                  <a:t>を選びアリスに渡す</a:t>
+                </a:r>
+                <a:endParaRPr kumimoji="1" lang="en-US" altLang="ja-JP"/>
+              </a:p>
+              <a:p>
+                <a:pPr lvl="1"/>
+                <a:r>
+                  <a:rPr kumimoji="1" lang="ja-JP" altLang="en-US"/>
+                  <a:t>アリスはどちらかの平文を選び、その暗号文</a:t>
+                </a:r>
+                <a14:m>
+                  <m:oMath xmlns:m="http://schemas.openxmlformats.org/officeDocument/2006/math">
+                    <m:r>
+                      <a:rPr kumimoji="1" lang="en-US" altLang="ja-JP" b="0" i="1" smtClean="0">
+                        <a:latin typeface="Cambria Math" panose="02040503050406030204" pitchFamily="18" charset="0"/>
+                      </a:rPr>
+                      <m:t>𝑐</m:t>
+                    </m:r>
+                  </m:oMath>
+                </a14:m>
+                <a:r>
+                  <a:rPr kumimoji="1" lang="ja-JP" altLang="en-US"/>
+                  <a:t>を攻撃者に渡す</a:t>
+                </a:r>
+                <a:endParaRPr kumimoji="1" lang="en-US" altLang="ja-JP"/>
+              </a:p>
+              <a:p>
+                <a:pPr lvl="1"/>
+                <a:r>
+                  <a:rPr kumimoji="1" lang="ja-JP" altLang="en-US"/>
+                  <a:t>攻撃者は暗号文</a:t>
+                </a:r>
+                <a14:m>
+                  <m:oMath xmlns:m="http://schemas.openxmlformats.org/officeDocument/2006/math">
+                    <m:r>
+                      <a:rPr kumimoji="1" lang="en-US" altLang="ja-JP" b="0" i="1" smtClean="0">
+                        <a:latin typeface="Cambria Math" panose="02040503050406030204" pitchFamily="18" charset="0"/>
+                      </a:rPr>
+                      <m:t>𝑐</m:t>
+                    </m:r>
+                  </m:oMath>
+                </a14:m>
+                <a:r>
+                  <a:rPr kumimoji="1" lang="ja-JP" altLang="en-US"/>
+                  <a:t>がどちらの平文を暗号化したものか当てる</a:t>
+                </a:r>
+                <a:endParaRPr kumimoji="1" lang="en-US" altLang="ja-JP"/>
+              </a:p>
+              <a:p>
+                <a:pPr lvl="2"/>
+                <a:r>
+                  <a:rPr kumimoji="1" lang="ja-JP" altLang="en-US"/>
+                  <a:t>当てたら攻撃者の勝ち（攻撃成功）</a:t>
+                </a:r>
+                <a:endParaRPr kumimoji="1" lang="en-US" altLang="ja-JP"/>
+              </a:p>
+              <a:p>
+                <a:pPr lvl="2"/>
+                <a:r>
+                  <a:rPr kumimoji="1" lang="ja-JP" altLang="en-US"/>
+                  <a:t>攻撃者に非常に有利なゲーム</a:t>
+                </a:r>
+                <a:endParaRPr kumimoji="1" lang="en-US" altLang="ja-JP"/>
+              </a:p>
+              <a:p>
+                <a:endParaRPr kumimoji="1" lang="en-US" altLang="ja-JP"/>
+              </a:p>
+              <a:p>
+                <a:r>
+                  <a:rPr kumimoji="1" lang="ja-JP" altLang="en-US"/>
+                  <a:t>攻撃の種類</a:t>
+                </a:r>
+                <a:endParaRPr kumimoji="1" lang="en-US" altLang="ja-JP"/>
+              </a:p>
+              <a:p>
+                <a:r>
+                  <a:rPr kumimoji="1" lang="ja-JP" altLang="en-US"/>
+                  <a:t>選択平文攻撃</a:t>
+                </a:r>
+                <a:r>
+                  <a:rPr kumimoji="1" lang="en-US" altLang="ja-JP"/>
+                  <a:t>CPA</a:t>
+                </a:r>
+              </a:p>
+              <a:p>
+                <a:pPr lvl="1"/>
+                <a:r>
+                  <a:rPr kumimoji="1" lang="ja-JP" altLang="en-US"/>
+                  <a:t>自分が選んだ平文の暗号文を取得できる</a:t>
+                </a:r>
+                <a:r>
+                  <a:rPr kumimoji="1" lang="en-US" altLang="ja-JP"/>
+                  <a:t>(PKE</a:t>
+                </a:r>
+                <a:r>
+                  <a:rPr kumimoji="1" lang="ja-JP" altLang="en-US"/>
+                  <a:t>はいつでも可能</a:t>
+                </a:r>
+                <a:r>
+                  <a:rPr kumimoji="1" lang="en-US" altLang="ja-JP"/>
+                  <a:t>)</a:t>
+                </a:r>
+              </a:p>
+              <a:p>
+                <a:r>
+                  <a:rPr kumimoji="1" lang="ja-JP" altLang="en-US"/>
+                  <a:t>選択暗号文攻撃</a:t>
+                </a:r>
+                <a:r>
+                  <a:rPr kumimoji="1" lang="en-US" altLang="ja-JP"/>
+                  <a:t>CCA(</a:t>
+                </a:r>
+                <a:r>
+                  <a:rPr lang="en-US" altLang="ja-JP"/>
+                  <a:t>Chosen Ciphertext Attack</a:t>
+                </a:r>
+                <a:r>
+                  <a:rPr kumimoji="1" lang="en-US" altLang="ja-JP"/>
+                  <a:t>)</a:t>
+                </a:r>
+              </a:p>
+              <a:p>
+                <a:pPr lvl="1"/>
+                <a:r>
+                  <a:rPr kumimoji="1" lang="ja-JP" altLang="en-US"/>
+                  <a:t>自分が選んだ暗号文</a:t>
+                </a:r>
+                <a:r>
+                  <a:rPr kumimoji="1" lang="en-US" altLang="ja-JP"/>
+                  <a:t>(</a:t>
+                </a:r>
+                <a14:m>
+                  <m:oMath xmlns:m="http://schemas.openxmlformats.org/officeDocument/2006/math">
+                    <m:r>
+                      <a:rPr kumimoji="1" lang="en-US" altLang="ja-JP" b="0" i="1" smtClean="0">
+                        <a:latin typeface="Cambria Math" panose="02040503050406030204" pitchFamily="18" charset="0"/>
+                      </a:rPr>
+                      <m:t>≠</m:t>
+                    </m:r>
+                  </m:oMath>
+                </a14:m>
+                <a:r>
+                  <a:rPr kumimoji="1" lang="ja-JP" altLang="en-US"/>
+                  <a:t>ターゲット暗号文</a:t>
+                </a:r>
+                <a:r>
+                  <a:rPr kumimoji="1" lang="en-US" altLang="ja-JP"/>
+                  <a:t>)</a:t>
+                </a:r>
+                <a:r>
+                  <a:rPr kumimoji="1" lang="ja-JP" altLang="en-US"/>
+                  <a:t>の平文を取得できる</a:t>
+                </a:r>
+                <a:endParaRPr kumimoji="1" lang="en-US" altLang="ja-JP"/>
+              </a:p>
+              <a:p>
+                <a:pPr lvl="2"/>
+                <a:endParaRPr kumimoji="1" lang="ja-JP" altLang="en-US"/>
+              </a:p>
+            </p:txBody>
+          </p:sp>
+        </mc:Choice>
+        <mc:Fallback xmlns="">
+          <p:sp>
+            <p:nvSpPr>
+              <p:cNvPr id="2" name="コンテンツ プレースホルダー 1">
+                <a:extLst>
+                  <a:ext uri="{FF2B5EF4-FFF2-40B4-BE49-F238E27FC236}">
+                    <a16:creationId xmlns:a16="http://schemas.microsoft.com/office/drawing/2014/main" id="{89673A04-5970-45B3-8F32-9EF76366D92C}"/>
+                  </a:ext>
+                </a:extLst>
+              </p:cNvPr>
+              <p:cNvSpPr>
+                <a:spLocks noGrp="1" noRot="1" noChangeAspect="1" noMove="1" noResize="1" noEditPoints="1" noAdjustHandles="1" noChangeArrowheads="1" noChangeShapeType="1" noTextEdit="1"/>
+              </p:cNvSpPr>
+              <p:nvPr>
+                <p:ph idx="1"/>
+              </p:nvPr>
+            </p:nvSpPr>
+            <p:spPr>
+              <a:blipFill>
+                <a:blip r:embed="rId2"/>
+                <a:stretch>
+                  <a:fillRect l="-1200" t="-1454" r="-200" b="-4361"/>
+                </a:stretch>
+              </a:blipFill>
+            </p:spPr>
+            <p:txBody>
+              <a:bodyPr/>
+              <a:lstStyle/>
+              <a:p>
+                <a:r>
+                  <a:rPr lang="ja-JP" altLang="en-US">
+                    <a:noFill/>
+                  </a:rPr>
+                  <a:t> </a:t>
+                </a:r>
+              </a:p>
+            </p:txBody>
+          </p:sp>
+        </mc:Fallback>
+      </mc:AlternateContent>
+      <p:sp>
+        <p:nvSpPr>
+          <p:cNvPr id="4" name="タイトル 3">
+            <a:extLst>
+              <a:ext uri="{FF2B5EF4-FFF2-40B4-BE49-F238E27FC236}">
+                <a16:creationId xmlns:a16="http://schemas.microsoft.com/office/drawing/2014/main" id="{7820C120-FDE3-491F-B7D7-0D531084CD26}"/>
+              </a:ext>
+            </a:extLst>
+          </p:cNvPr>
+          <p:cNvSpPr>
+            <a:spLocks noGrp="1"/>
+          </p:cNvSpPr>
+          <p:nvPr>
+            <p:ph type="title"/>
+          </p:nvPr>
+        </p:nvSpPr>
+        <p:spPr/>
+        <p:txBody>
+          <a:bodyPr/>
+          <a:lstStyle/>
+          <a:p>
+            <a:r>
+              <a:rPr kumimoji="1" lang="ja-JP" altLang="en-US"/>
+              <a:t>公開鍵暗号</a:t>
+            </a:r>
+            <a:r>
+              <a:rPr lang="en-US" altLang="ja-JP"/>
+              <a:t>PKE</a:t>
+            </a:r>
+            <a:r>
+              <a:rPr kumimoji="1" lang="ja-JP" altLang="en-US"/>
+              <a:t>に求められる安全性要件</a:t>
+            </a:r>
+          </a:p>
+        </p:txBody>
+      </p:sp>
+      <p:pic>
+        <p:nvPicPr>
+          <p:cNvPr id="8" name="図 7">
+            <a:extLst>
+              <a:ext uri="{FF2B5EF4-FFF2-40B4-BE49-F238E27FC236}">
+                <a16:creationId xmlns:a16="http://schemas.microsoft.com/office/drawing/2014/main" id="{ADC35459-1D47-4969-91FF-4638E68ABB90}"/>
+              </a:ext>
+            </a:extLst>
+          </p:cNvPr>
+          <p:cNvPicPr>
+            <a:picLocks noChangeAspect="1"/>
+          </p:cNvPicPr>
+          <p:nvPr/>
+        </p:nvPicPr>
+        <p:blipFill>
+          <a:blip r:embed="rId3"/>
+          <a:stretch>
+            <a:fillRect/>
+          </a:stretch>
+        </p:blipFill>
+        <p:spPr>
+          <a:xfrm>
+            <a:off x="3312368" y="3373765"/>
+            <a:ext cx="5652120" cy="840572"/>
+          </a:xfrm>
+          <a:prstGeom prst="rect">
+            <a:avLst/>
+          </a:prstGeom>
+        </p:spPr>
+      </p:pic>
+      <p:pic>
+        <p:nvPicPr>
+          <p:cNvPr id="10" name="図 9">
+            <a:extLst>
+              <a:ext uri="{FF2B5EF4-FFF2-40B4-BE49-F238E27FC236}">
+                <a16:creationId xmlns:a16="http://schemas.microsoft.com/office/drawing/2014/main" id="{58360B0A-9703-45D7-AF2D-1E09094AC1BE}"/>
+              </a:ext>
+            </a:extLst>
+          </p:cNvPr>
+          <p:cNvPicPr>
+            <a:picLocks noChangeAspect="1"/>
+          </p:cNvPicPr>
+          <p:nvPr/>
+        </p:nvPicPr>
+        <p:blipFill>
+          <a:blip r:embed="rId4"/>
+          <a:stretch>
+            <a:fillRect/>
+          </a:stretch>
+        </p:blipFill>
+        <p:spPr>
+          <a:xfrm>
+            <a:off x="7200800" y="2581677"/>
+            <a:ext cx="1368152" cy="1062036"/>
+          </a:xfrm>
+          <a:prstGeom prst="rect">
+            <a:avLst/>
+          </a:prstGeom>
+        </p:spPr>
+      </p:pic>
+      <p:pic>
+        <p:nvPicPr>
+          <p:cNvPr id="12" name="図 11">
+            <a:extLst>
+              <a:ext uri="{FF2B5EF4-FFF2-40B4-BE49-F238E27FC236}">
+                <a16:creationId xmlns:a16="http://schemas.microsoft.com/office/drawing/2014/main" id="{56093717-79D2-460F-B84C-51F4395A40B7}"/>
+              </a:ext>
+            </a:extLst>
+          </p:cNvPr>
+          <p:cNvPicPr>
+            <a:picLocks noChangeAspect="1"/>
+          </p:cNvPicPr>
+          <p:nvPr/>
+        </p:nvPicPr>
+        <p:blipFill>
+          <a:blip r:embed="rId5"/>
+          <a:stretch>
+            <a:fillRect/>
+          </a:stretch>
+        </p:blipFill>
+        <p:spPr>
+          <a:xfrm>
+            <a:off x="3672409" y="4489263"/>
+            <a:ext cx="3528392" cy="523913"/>
+          </a:xfrm>
+          <a:prstGeom prst="rect">
+            <a:avLst/>
+          </a:prstGeom>
+        </p:spPr>
+      </p:pic>
+    </p:spTree>
+    <p:extLst>
+      <p:ext uri="{BB962C8B-B14F-4D97-AF65-F5344CB8AC3E}">
+        <p14:creationId xmlns:p14="http://schemas.microsoft.com/office/powerpoint/2010/main" val="2087405924"/>
+      </p:ext>
+    </p:extLst>
+  </p:cSld>
+  <p:clrMapOvr>
+    <a:masterClrMapping/>
+  </p:clrMapOvr>
+</p:sld>
+</file>
+
+<file path=ppt/slides/slide11.xml><?xml version="1.0" encoding="utf-8"?>
+<p:sld xmlns:a="http://schemas.openxmlformats.org/drawingml/2006/main" xmlns:r="http://schemas.openxmlformats.org/officeDocument/2006/relationships" xmlns:p="http://schemas.openxmlformats.org/presentationml/2006/main">
+  <p:cSld>
+    <p:spTree>
+      <p:nvGrpSpPr>
+        <p:cNvPr id="1" name=""/>
+        <p:cNvGrpSpPr/>
+        <p:nvPr/>
+      </p:nvGrpSpPr>
+      <p:grpSpPr>
+        <a:xfrm>
+          <a:off x="0" y="0"/>
+          <a:ext cx="0" cy="0"/>
+          <a:chOff x="0" y="0"/>
+          <a:chExt cx="0" cy="0"/>
+        </a:xfrm>
+      </p:grpSpPr>
+      <mc:AlternateContent xmlns:mc="http://schemas.openxmlformats.org/markup-compatibility/2006" xmlns:a14="http://schemas.microsoft.com/office/drawing/2010/main">
+        <mc:Choice Requires="a14">
           <p:sp>
             <p:nvSpPr>
               <p:cNvPr id="2" name="コンテンツ プレースホルダー 1">
@@ -2597,7 +3084,7 @@
             </p:txBody>
           </p:sp>
         </mc:Choice>
-        <mc:Fallback>
+        <mc:Fallback xmlns="">
           <p:sp>
             <p:nvSpPr>
               <p:cNvPr id="2" name="コンテンツ プレースホルダー 1">
@@ -2637,48 +3124,6 @@
           </p:sp>
         </mc:Fallback>
       </mc:AlternateContent>
-      <p:sp>
-        <p:nvSpPr>
-          <p:cNvPr id="3" name="スライド番号プレースホルダー 2">
-            <a:extLst>
-              <a:ext uri="{FF2B5EF4-FFF2-40B4-BE49-F238E27FC236}">
-                <a16:creationId xmlns:a16="http://schemas.microsoft.com/office/drawing/2014/main" id="{666C0074-716A-4F8A-9FC3-BF36C3914F53}"/>
-              </a:ext>
-            </a:extLst>
-          </p:cNvPr>
-          <p:cNvSpPr>
-            <a:spLocks noGrp="1"/>
-          </p:cNvSpPr>
-          <p:nvPr>
-            <p:ph type="sldNum" sz="quarter" idx="12"/>
-          </p:nvPr>
-        </p:nvSpPr>
-        <p:spPr/>
-        <p:txBody>
-          <a:bodyPr/>
-          <a:lstStyle/>
-          <a:p>
-            <a:pPr>
-              <a:defRPr/>
-            </a:pPr>
-            <a:r>
-              <a:rPr lang="en-US" altLang="ja-JP"/>
-              <a:t>    </a:t>
-            </a:r>
-            <a:fld id="{B2782DEB-472A-4FE5-AC34-C17109CF5A91}" type="slidenum">
-              <a:rPr lang="en-US" altLang="ja-JP" smtClean="0"/>
-              <a:pPr>
-                <a:defRPr/>
-              </a:pPr>
-              <a:t>10</a:t>
-            </a:fld>
-            <a:r>
-              <a:rPr lang="en-US" altLang="ja-JP"/>
-              <a:t> / 24</a:t>
-            </a:r>
-          </a:p>
-        </p:txBody>
-      </p:sp>
       <p:sp>
         <p:nvSpPr>
           <p:cNvPr id="4" name="タイトル 3">
@@ -2765,7 +3210,7 @@
 </p:sld>
 </file>
 
-<file path=ppt/slides/slide11.xml><?xml version="1.0" encoding="utf-8"?>
+<file path=ppt/slides/slide12.xml><?xml version="1.0" encoding="utf-8"?>
 <p:sld xmlns:a="http://schemas.openxmlformats.org/drawingml/2006/main" xmlns:r="http://schemas.openxmlformats.org/officeDocument/2006/relationships" xmlns:p="http://schemas.openxmlformats.org/presentationml/2006/main">
   <p:cSld>
     <p:spTree>
@@ -2782,8 +3227,8 @@
           <a:chExt cx="0" cy="0"/>
         </a:xfrm>
       </p:grpSpPr>
-      <mc:AlternateContent xmlns:mc="http://schemas.openxmlformats.org/markup-compatibility/2006">
-        <mc:Choice xmlns:a14="http://schemas.microsoft.com/office/drawing/2010/main" Requires="a14">
+      <mc:AlternateContent xmlns:mc="http://schemas.openxmlformats.org/markup-compatibility/2006" xmlns:a14="http://schemas.microsoft.com/office/drawing/2010/main">
+        <mc:Choice Requires="a14">
           <p:sp>
             <p:nvSpPr>
               <p:cNvPr id="2" name="コンテンツ プレースホルダー 1">
@@ -2911,7 +3356,7 @@
                           <a:rPr kumimoji="1" lang="en-US" altLang="ja-JP" b="0" i="1" smtClean="0">
                             <a:latin typeface="Cambria Math" panose="02040503050406030204" pitchFamily="18" charset="0"/>
                           </a:rPr>
-                          <m:t>𝑟𝑆</m:t>
+                          <m:t>𝑟𝑄</m:t>
                         </m:r>
                         <m:r>
                           <a:rPr kumimoji="1" lang="en-US" altLang="ja-JP" b="0" i="1" smtClean="0">
@@ -2992,7 +3437,7 @@
                       <a:rPr kumimoji="1" lang="en-US" altLang="ja-JP" b="0" i="1" smtClean="0">
                         <a:latin typeface="Cambria Math" panose="02040503050406030204" pitchFamily="18" charset="0"/>
                       </a:rPr>
-                      <m:t>𝑟𝑆</m:t>
+                      <m:t>𝑟𝑄</m:t>
                     </m:r>
                     <m:r>
                       <a:rPr kumimoji="1" lang="en-US" altLang="ja-JP" b="0" i="1" smtClean="0">
@@ -3052,7 +3497,7 @@
                       <a:rPr kumimoji="1" lang="en-US" altLang="ja-JP" b="0" i="1" smtClean="0">
                         <a:latin typeface="Cambria Math" panose="02040503050406030204" pitchFamily="18" charset="0"/>
                       </a:rPr>
-                      <m:t>𝑟𝑆</m:t>
+                      <m:t>𝑟𝑄</m:t>
                     </m:r>
                   </m:oMath>
                 </a14:m>
@@ -3361,7 +3806,7 @@
             </p:txBody>
           </p:sp>
         </mc:Choice>
-        <mc:Fallback>
+        <mc:Fallback xmlns="">
           <p:sp>
             <p:nvSpPr>
               <p:cNvPr id="2" name="コンテンツ プレースホルダー 1">
@@ -3401,48 +3846,6 @@
           </p:sp>
         </mc:Fallback>
       </mc:AlternateContent>
-      <p:sp>
-        <p:nvSpPr>
-          <p:cNvPr id="3" name="スライド番号プレースホルダー 2">
-            <a:extLst>
-              <a:ext uri="{FF2B5EF4-FFF2-40B4-BE49-F238E27FC236}">
-                <a16:creationId xmlns:a16="http://schemas.microsoft.com/office/drawing/2014/main" id="{6C2CA84E-22D7-4599-BAA0-D0345B95DF7E}"/>
-              </a:ext>
-            </a:extLst>
-          </p:cNvPr>
-          <p:cNvSpPr>
-            <a:spLocks noGrp="1"/>
-          </p:cNvSpPr>
-          <p:nvPr>
-            <p:ph type="sldNum" sz="quarter" idx="12"/>
-          </p:nvPr>
-        </p:nvSpPr>
-        <p:spPr/>
-        <p:txBody>
-          <a:bodyPr/>
-          <a:lstStyle/>
-          <a:p>
-            <a:pPr>
-              <a:defRPr/>
-            </a:pPr>
-            <a:r>
-              <a:rPr lang="en-US" altLang="ja-JP"/>
-              <a:t>    </a:t>
-            </a:r>
-            <a:fld id="{B2782DEB-472A-4FE5-AC34-C17109CF5A91}" type="slidenum">
-              <a:rPr lang="en-US" altLang="ja-JP" smtClean="0"/>
-              <a:pPr>
-                <a:defRPr/>
-              </a:pPr>
-              <a:t>11</a:t>
-            </a:fld>
-            <a:r>
-              <a:rPr lang="en-US" altLang="ja-JP"/>
-              <a:t> / 25</a:t>
-            </a:r>
-          </a:p>
-        </p:txBody>
-      </p:sp>
       <p:sp>
         <p:nvSpPr>
           <p:cNvPr id="4" name="タイトル 3">
@@ -3489,7 +3892,6316 @@
 </p:sld>
 </file>
 
+<file path=ppt/slides/slide13.xml><?xml version="1.0" encoding="utf-8"?>
+<p:sld xmlns:a="http://schemas.openxmlformats.org/drawingml/2006/main" xmlns:r="http://schemas.openxmlformats.org/officeDocument/2006/relationships" xmlns:p="http://schemas.openxmlformats.org/presentationml/2006/main">
+  <p:cSld>
+    <p:spTree>
+      <p:nvGrpSpPr>
+        <p:cNvPr id="1" name=""/>
+        <p:cNvGrpSpPr/>
+        <p:nvPr/>
+      </p:nvGrpSpPr>
+      <p:grpSpPr>
+        <a:xfrm>
+          <a:off x="0" y="0"/>
+          <a:ext cx="0" cy="0"/>
+          <a:chOff x="0" y="0"/>
+          <a:chExt cx="0" cy="0"/>
+        </a:xfrm>
+      </p:grpSpPr>
+      <mc:AlternateContent xmlns:mc="http://schemas.openxmlformats.org/markup-compatibility/2006" xmlns:a14="http://schemas.microsoft.com/office/drawing/2010/main">
+        <mc:Choice Requires="a14">
+          <p:sp>
+            <p:nvSpPr>
+              <p:cNvPr id="2" name="コンテンツ プレースホルダー 1">
+                <a:extLst>
+                  <a:ext uri="{FF2B5EF4-FFF2-40B4-BE49-F238E27FC236}">
+                    <a16:creationId xmlns:a16="http://schemas.microsoft.com/office/drawing/2014/main" id="{ACA52B67-3F21-482C-8D69-7AA975430C6B}"/>
+                  </a:ext>
+                </a:extLst>
+              </p:cNvPr>
+              <p:cNvSpPr>
+                <a:spLocks noGrp="1"/>
+              </p:cNvSpPr>
+              <p:nvPr>
+                <p:ph idx="1"/>
+              </p:nvPr>
+            </p:nvSpPr>
+            <p:spPr/>
+            <p:txBody>
+              <a:bodyPr/>
+              <a:lstStyle/>
+              <a:p>
+                <a:r>
+                  <a:rPr kumimoji="1" lang="ja-JP" altLang="en-US"/>
+                  <a:t>準同型暗号で投票しよう</a:t>
+                </a:r>
+                <a:endParaRPr kumimoji="1" lang="en-US" altLang="ja-JP"/>
+              </a:p>
+              <a:p>
+                <a:pPr lvl="1"/>
+                <a:r>
+                  <a:rPr kumimoji="1" lang="ja-JP" altLang="en-US"/>
+                  <a:t>賛成</a:t>
+                </a:r>
+                <a:r>
+                  <a:rPr kumimoji="1" lang="en-US" altLang="ja-JP"/>
+                  <a:t>(1)</a:t>
+                </a:r>
+                <a:r>
+                  <a:rPr kumimoji="1" lang="ja-JP" altLang="en-US"/>
+                  <a:t>か反対</a:t>
+                </a:r>
+                <a:r>
+                  <a:rPr kumimoji="1" lang="en-US" altLang="ja-JP"/>
+                  <a:t>(0)</a:t>
+                </a:r>
+                <a:r>
+                  <a:rPr kumimoji="1" lang="ja-JP" altLang="en-US"/>
+                  <a:t>の暗号文を集計サーバに送る</a:t>
+                </a:r>
+                <a:endParaRPr kumimoji="1" lang="en-US" altLang="ja-JP"/>
+              </a:p>
+              <a:p>
+                <a:pPr lvl="1"/>
+                <a:r>
+                  <a:rPr kumimoji="1" lang="ja-JP" altLang="en-US"/>
+                  <a:t>集計してから復号</a:t>
+                </a:r>
+                <a:endParaRPr kumimoji="1" lang="en-US" altLang="ja-JP"/>
+              </a:p>
+              <a:p>
+                <a:pPr lvl="1"/>
+                <a:r>
+                  <a:rPr lang="ja-JP" altLang="en-US"/>
+                  <a:t>攻撃者が</a:t>
+                </a:r>
+                <a14:m>
+                  <m:oMath xmlns:m="http://schemas.openxmlformats.org/officeDocument/2006/math">
+                    <m:r>
+                      <a:rPr lang="en-US" altLang="ja-JP" b="0" i="1" smtClean="0">
+                        <a:latin typeface="Cambria Math" panose="02040503050406030204" pitchFamily="18" charset="0"/>
+                      </a:rPr>
+                      <m:t>𝐸𝑛𝑐</m:t>
+                    </m:r>
+                    <m:r>
+                      <a:rPr lang="en-US" altLang="ja-JP" b="0" i="1" smtClean="0">
+                        <a:latin typeface="Cambria Math" panose="02040503050406030204" pitchFamily="18" charset="0"/>
+                      </a:rPr>
+                      <m:t>(10)</m:t>
+                    </m:r>
+                  </m:oMath>
+                </a14:m>
+                <a:r>
+                  <a:rPr lang="ja-JP" altLang="en-US"/>
+                  <a:t>を</a:t>
+                </a:r>
+                <a:br>
+                  <a:rPr lang="en-US" altLang="ja-JP"/>
+                </a:br>
+                <a:r>
+                  <a:rPr lang="ja-JP" altLang="en-US"/>
+                  <a:t>送ったら</a:t>
+                </a:r>
+                <a:r>
+                  <a:rPr lang="en-US" altLang="ja-JP"/>
+                  <a:t>?</a:t>
+                </a:r>
+              </a:p>
+              <a:p>
+                <a:pPr lvl="1"/>
+                <a:endParaRPr lang="en-US" altLang="ja-JP"/>
+              </a:p>
+              <a:p>
+                <a:pPr lvl="1"/>
+                <a:endParaRPr lang="en-US" altLang="ja-JP"/>
+              </a:p>
+              <a:p>
+                <a:pPr lvl="1"/>
+                <a:endParaRPr lang="en-US" altLang="ja-JP"/>
+              </a:p>
+              <a:p>
+                <a:r>
+                  <a:rPr lang="ja-JP" altLang="en-US"/>
+                  <a:t>要件</a:t>
+                </a:r>
+                <a:endParaRPr lang="en-US" altLang="ja-JP"/>
+              </a:p>
+              <a:p>
+                <a:pPr lvl="1"/>
+                <a:r>
+                  <a:rPr lang="ja-JP" altLang="en-US"/>
+                  <a:t>暗号文</a:t>
+                </a:r>
+                <a14:m>
+                  <m:oMath xmlns:m="http://schemas.openxmlformats.org/officeDocument/2006/math">
+                    <m:r>
+                      <a:rPr lang="en-US" altLang="ja-JP" b="0" i="1" smtClean="0">
+                        <a:latin typeface="Cambria Math" panose="02040503050406030204" pitchFamily="18" charset="0"/>
+                      </a:rPr>
+                      <m:t>𝑐</m:t>
+                    </m:r>
+                  </m:oMath>
+                </a14:m>
+                <a:r>
+                  <a:rPr lang="ja-JP" altLang="en-US"/>
+                  <a:t>が</a:t>
+                </a:r>
+                <a14:m>
+                  <m:oMath xmlns:m="http://schemas.openxmlformats.org/officeDocument/2006/math">
+                    <m:r>
+                      <a:rPr lang="en-US" altLang="ja-JP" b="0" i="1" smtClean="0">
+                        <a:latin typeface="Cambria Math" panose="02040503050406030204" pitchFamily="18" charset="0"/>
+                      </a:rPr>
+                      <m:t>𝐷𝑒𝑐</m:t>
+                    </m:r>
+                    <m:d>
+                      <m:dPr>
+                        <m:ctrlPr>
+                          <a:rPr lang="en-US" altLang="ja-JP" b="0" i="1" smtClean="0">
+                            <a:latin typeface="Cambria Math" panose="02040503050406030204" pitchFamily="18" charset="0"/>
+                          </a:rPr>
+                        </m:ctrlPr>
+                      </m:dPr>
+                      <m:e>
+                        <m:r>
+                          <a:rPr lang="en-US" altLang="ja-JP" b="0" i="1" smtClean="0">
+                            <a:latin typeface="Cambria Math" panose="02040503050406030204" pitchFamily="18" charset="0"/>
+                          </a:rPr>
+                          <m:t>𝑐</m:t>
+                        </m:r>
+                      </m:e>
+                    </m:d>
+                    <m:r>
+                      <a:rPr lang="en-US" altLang="ja-JP" b="0" i="1" smtClean="0">
+                        <a:latin typeface="Cambria Math" panose="02040503050406030204" pitchFamily="18" charset="0"/>
+                      </a:rPr>
+                      <m:t>∈{0,1}</m:t>
+                    </m:r>
+                  </m:oMath>
+                </a14:m>
+                <a:r>
+                  <a:rPr lang="ja-JP" altLang="en-US"/>
+                  <a:t>であることは知りたい</a:t>
+                </a:r>
+                <a:endParaRPr lang="en-US" altLang="ja-JP"/>
+              </a:p>
+              <a:p>
+                <a:pPr lvl="2"/>
+                <a:r>
+                  <a:rPr lang="ja-JP" altLang="en-US"/>
+                  <a:t>でも、どちらかは知りたくない</a:t>
+                </a:r>
+                <a:r>
+                  <a:rPr lang="en-US" altLang="ja-JP"/>
+                  <a:t>/</a:t>
+                </a:r>
+                <a:r>
+                  <a:rPr lang="ja-JP" altLang="en-US"/>
+                  <a:t>知られないようにしたい</a:t>
+                </a:r>
+                <a:endParaRPr lang="en-US" altLang="ja-JP"/>
+              </a:p>
+              <a:p>
+                <a:pPr lvl="1"/>
+                <a:r>
+                  <a:rPr kumimoji="1" lang="ja-JP" altLang="en-US"/>
+                  <a:t>「確認する人</a:t>
+                </a:r>
+                <a:r>
+                  <a:rPr kumimoji="1" lang="en-US" altLang="ja-JP"/>
+                  <a:t>C</a:t>
+                </a:r>
+                <a:r>
+                  <a:rPr kumimoji="1" lang="ja-JP" altLang="en-US"/>
+                  <a:t>に暗号文</a:t>
+                </a:r>
+                <a14:m>
+                  <m:oMath xmlns:m="http://schemas.openxmlformats.org/officeDocument/2006/math">
+                    <m:r>
+                      <a:rPr kumimoji="1" lang="en-US" altLang="ja-JP" b="0" i="1" smtClean="0">
+                        <a:latin typeface="Cambria Math" panose="02040503050406030204" pitchFamily="18" charset="0"/>
+                      </a:rPr>
+                      <m:t>𝑐</m:t>
+                    </m:r>
+                  </m:oMath>
+                </a14:m>
+                <a:r>
+                  <a:rPr kumimoji="1" lang="ja-JP" altLang="en-US"/>
+                  <a:t>を渡して正しく復号していること」</a:t>
+                </a:r>
+                <a:br>
+                  <a:rPr lang="en-US" altLang="ja-JP" i="1">
+                    <a:latin typeface="Cambria Math" panose="02040503050406030204" pitchFamily="18" charset="0"/>
+                  </a:rPr>
+                </a:br>
+                <a14:m>
+                  <m:oMath xmlns:m="http://schemas.openxmlformats.org/officeDocument/2006/math">
+                    <m:r>
+                      <a:rPr kumimoji="1" lang="en-US" altLang="ja-JP" b="0" i="1" smtClean="0">
+                        <a:latin typeface="Cambria Math" panose="02040503050406030204" pitchFamily="18" charset="0"/>
+                      </a:rPr>
+                      <m:t>𝐷𝑒𝑐</m:t>
+                    </m:r>
+                    <m:d>
+                      <m:dPr>
+                        <m:ctrlPr>
+                          <a:rPr kumimoji="1" lang="en-US" altLang="ja-JP" b="0" i="1" smtClean="0">
+                            <a:latin typeface="Cambria Math" panose="02040503050406030204" pitchFamily="18" charset="0"/>
+                          </a:rPr>
+                        </m:ctrlPr>
+                      </m:dPr>
+                      <m:e>
+                        <m:r>
+                          <a:rPr kumimoji="1" lang="en-US" altLang="ja-JP" b="0" i="1" smtClean="0">
+                            <a:latin typeface="Cambria Math" panose="02040503050406030204" pitchFamily="18" charset="0"/>
+                          </a:rPr>
+                          <m:t>𝑐</m:t>
+                        </m:r>
+                      </m:e>
+                    </m:d>
+                    <m:r>
+                      <a:rPr kumimoji="1" lang="en-US" altLang="ja-JP" b="0" i="1" smtClean="0">
+                        <a:latin typeface="Cambria Math" panose="02040503050406030204" pitchFamily="18" charset="0"/>
+                      </a:rPr>
+                      <m:t>=</m:t>
+                    </m:r>
+                    <m:r>
+                      <a:rPr kumimoji="1" lang="en-US" altLang="ja-JP" b="0" i="1" smtClean="0">
+                        <a:latin typeface="Cambria Math" panose="02040503050406030204" pitchFamily="18" charset="0"/>
+                      </a:rPr>
+                      <m:t>𝑚</m:t>
+                    </m:r>
+                  </m:oMath>
+                </a14:m>
+                <a:r>
+                  <a:rPr kumimoji="1" lang="ja-JP" altLang="en-US"/>
+                  <a:t>を確認したい</a:t>
+                </a:r>
+                <a:endParaRPr kumimoji="1" lang="en-US" altLang="ja-JP"/>
+              </a:p>
+              <a:p>
+                <a:pPr marL="218250" lvl="1" indent="0">
+                  <a:buNone/>
+                </a:pPr>
+                <a:endParaRPr kumimoji="1" lang="ja-JP" altLang="en-US"/>
+              </a:p>
+            </p:txBody>
+          </p:sp>
+        </mc:Choice>
+        <mc:Fallback xmlns="">
+          <p:sp>
+            <p:nvSpPr>
+              <p:cNvPr id="2" name="コンテンツ プレースホルダー 1">
+                <a:extLst>
+                  <a:ext uri="{FF2B5EF4-FFF2-40B4-BE49-F238E27FC236}">
+                    <a16:creationId xmlns:a16="http://schemas.microsoft.com/office/drawing/2014/main" id="{ACA52B67-3F21-482C-8D69-7AA975430C6B}"/>
+                  </a:ext>
+                </a:extLst>
+              </p:cNvPr>
+              <p:cNvSpPr>
+                <a:spLocks noGrp="1" noRot="1" noChangeAspect="1" noMove="1" noResize="1" noEditPoints="1" noAdjustHandles="1" noChangeArrowheads="1" noChangeShapeType="1" noTextEdit="1"/>
+              </p:cNvSpPr>
+              <p:nvPr>
+                <p:ph idx="1"/>
+              </p:nvPr>
+            </p:nvSpPr>
+            <p:spPr>
+              <a:blipFill>
+                <a:blip r:embed="rId2"/>
+                <a:stretch>
+                  <a:fillRect l="-1200" t="-1038" b="-2181"/>
+                </a:stretch>
+              </a:blipFill>
+            </p:spPr>
+            <p:txBody>
+              <a:bodyPr/>
+              <a:lstStyle/>
+              <a:p>
+                <a:r>
+                  <a:rPr lang="ja-JP" altLang="en-US">
+                    <a:noFill/>
+                  </a:rPr>
+                  <a:t> </a:t>
+                </a:r>
+              </a:p>
+            </p:txBody>
+          </p:sp>
+        </mc:Fallback>
+      </mc:AlternateContent>
+      <p:sp>
+        <p:nvSpPr>
+          <p:cNvPr id="4" name="タイトル 3">
+            <a:extLst>
+              <a:ext uri="{FF2B5EF4-FFF2-40B4-BE49-F238E27FC236}">
+                <a16:creationId xmlns:a16="http://schemas.microsoft.com/office/drawing/2014/main" id="{3E68C144-B468-45FA-A93B-FF6D1BBDE1CF}"/>
+              </a:ext>
+            </a:extLst>
+          </p:cNvPr>
+          <p:cNvSpPr>
+            <a:spLocks noGrp="1"/>
+          </p:cNvSpPr>
+          <p:nvPr>
+            <p:ph type="title"/>
+          </p:nvPr>
+        </p:nvSpPr>
+        <p:spPr/>
+        <p:txBody>
+          <a:bodyPr/>
+          <a:lstStyle/>
+          <a:p>
+            <a:r>
+              <a:rPr kumimoji="1" lang="ja-JP" altLang="en-US"/>
+              <a:t>ゼロ知識証明</a:t>
+            </a:r>
+            <a:r>
+              <a:rPr lang="en-US" altLang="ja-JP"/>
+              <a:t>ZKP</a:t>
+            </a:r>
+            <a:endParaRPr kumimoji="1" lang="ja-JP" altLang="en-US"/>
+          </a:p>
+        </p:txBody>
+      </p:sp>
+      <p:pic>
+        <p:nvPicPr>
+          <p:cNvPr id="6" name="図 5">
+            <a:extLst>
+              <a:ext uri="{FF2B5EF4-FFF2-40B4-BE49-F238E27FC236}">
+                <a16:creationId xmlns:a16="http://schemas.microsoft.com/office/drawing/2014/main" id="{FEC2D228-1AFD-4660-8DC8-57C7B26BB948}"/>
+              </a:ext>
+            </a:extLst>
+          </p:cNvPr>
+          <p:cNvPicPr>
+            <a:picLocks noChangeAspect="1"/>
+          </p:cNvPicPr>
+          <p:nvPr/>
+        </p:nvPicPr>
+        <p:blipFill>
+          <a:blip r:embed="rId3">
+            <a:extLst>
+              <a:ext uri="{28A0092B-C50C-407E-A947-70E740481C1C}">
+                <a14:useLocalDpi xmlns:a14="http://schemas.microsoft.com/office/drawing/2010/main" val="0"/>
+              </a:ext>
+            </a:extLst>
+          </a:blip>
+          <a:stretch>
+            <a:fillRect/>
+          </a:stretch>
+        </p:blipFill>
+        <p:spPr>
+          <a:xfrm>
+            <a:off x="3203847" y="1844824"/>
+            <a:ext cx="5661563" cy="2880320"/>
+          </a:xfrm>
+          <a:prstGeom prst="rect">
+            <a:avLst/>
+          </a:prstGeom>
+        </p:spPr>
+      </p:pic>
+    </p:spTree>
+    <p:extLst>
+      <p:ext uri="{BB962C8B-B14F-4D97-AF65-F5344CB8AC3E}">
+        <p14:creationId xmlns:p14="http://schemas.microsoft.com/office/powerpoint/2010/main" val="3699425750"/>
+      </p:ext>
+    </p:extLst>
+  </p:cSld>
+  <p:clrMapOvr>
+    <a:masterClrMapping/>
+  </p:clrMapOvr>
+</p:sld>
+</file>
+
+<file path=ppt/slides/slide14.xml><?xml version="1.0" encoding="utf-8"?>
+<p:sld xmlns:a="http://schemas.openxmlformats.org/drawingml/2006/main" xmlns:r="http://schemas.openxmlformats.org/officeDocument/2006/relationships" xmlns:p="http://schemas.openxmlformats.org/presentationml/2006/main">
+  <p:cSld>
+    <p:spTree>
+      <p:nvGrpSpPr>
+        <p:cNvPr id="1" name=""/>
+        <p:cNvGrpSpPr/>
+        <p:nvPr/>
+      </p:nvGrpSpPr>
+      <p:grpSpPr>
+        <a:xfrm>
+          <a:off x="0" y="0"/>
+          <a:ext cx="0" cy="0"/>
+          <a:chOff x="0" y="0"/>
+          <a:chExt cx="0" cy="0"/>
+        </a:xfrm>
+      </p:grpSpPr>
+      <mc:AlternateContent xmlns:mc="http://schemas.openxmlformats.org/markup-compatibility/2006" xmlns:a14="http://schemas.microsoft.com/office/drawing/2010/main">
+        <mc:Choice Requires="a14">
+          <p:sp>
+            <p:nvSpPr>
+              <p:cNvPr id="2" name="コンテンツ プレースホルダー 1">
+                <a:extLst>
+                  <a:ext uri="{FF2B5EF4-FFF2-40B4-BE49-F238E27FC236}">
+                    <a16:creationId xmlns:a16="http://schemas.microsoft.com/office/drawing/2014/main" id="{E4118053-D409-4C4F-9A8D-C873BA0A24E7}"/>
+                  </a:ext>
+                </a:extLst>
+              </p:cNvPr>
+              <p:cNvSpPr>
+                <a:spLocks noGrp="1"/>
+              </p:cNvSpPr>
+              <p:nvPr>
+                <p:ph idx="1"/>
+              </p:nvPr>
+            </p:nvSpPr>
+            <p:spPr/>
+            <p:txBody>
+              <a:bodyPr/>
+              <a:lstStyle/>
+              <a:p>
+                <a:r>
+                  <a:rPr kumimoji="1" lang="ja-JP" altLang="en-US"/>
+                  <a:t>公開情報</a:t>
+                </a:r>
+                <a14:m>
+                  <m:oMath xmlns:m="http://schemas.openxmlformats.org/officeDocument/2006/math">
+                    <m:r>
+                      <a:rPr kumimoji="1" lang="en-US" altLang="ja-JP" b="0" i="1" smtClean="0">
+                        <a:latin typeface="Cambria Math" panose="02040503050406030204" pitchFamily="18" charset="0"/>
+                      </a:rPr>
+                      <m:t>𝑋</m:t>
+                    </m:r>
+                  </m:oMath>
+                </a14:m>
+                <a:r>
+                  <a:rPr kumimoji="1" lang="ja-JP" altLang="en-US"/>
+                  <a:t>に対応する秘密の知識</a:t>
+                </a:r>
+                <a14:m>
+                  <m:oMath xmlns:m="http://schemas.openxmlformats.org/officeDocument/2006/math">
+                    <m:r>
+                      <a:rPr kumimoji="1" lang="en-US" altLang="ja-JP" b="0" i="1" smtClean="0">
+                        <a:latin typeface="Cambria Math" panose="02040503050406030204" pitchFamily="18" charset="0"/>
+                      </a:rPr>
+                      <m:t>𝑊</m:t>
+                    </m:r>
+                  </m:oMath>
+                </a14:m>
+                <a:r>
+                  <a:rPr kumimoji="1" lang="ja-JP" altLang="en-US"/>
+                  <a:t>であることを</a:t>
+                </a:r>
+                <a:br>
+                  <a:rPr kumimoji="1" lang="en-US" altLang="ja-JP"/>
+                </a:br>
+                <a14:m>
+                  <m:oMath xmlns:m="http://schemas.openxmlformats.org/officeDocument/2006/math">
+                    <m:d>
+                      <m:dPr>
+                        <m:ctrlPr>
+                          <a:rPr kumimoji="1" lang="en-US" altLang="ja-JP" b="0" i="1" smtClean="0">
+                            <a:latin typeface="Cambria Math" panose="02040503050406030204" pitchFamily="18" charset="0"/>
+                          </a:rPr>
+                        </m:ctrlPr>
+                      </m:dPr>
+                      <m:e>
+                        <m:r>
+                          <a:rPr kumimoji="1" lang="en-US" altLang="ja-JP" b="0" i="1" smtClean="0">
+                            <a:latin typeface="Cambria Math" panose="02040503050406030204" pitchFamily="18" charset="0"/>
+                          </a:rPr>
+                          <m:t>𝑋</m:t>
+                        </m:r>
+                        <m:r>
+                          <a:rPr kumimoji="1" lang="en-US" altLang="ja-JP" b="0" i="1" smtClean="0">
+                            <a:latin typeface="Cambria Math" panose="02040503050406030204" pitchFamily="18" charset="0"/>
+                          </a:rPr>
+                          <m:t>,</m:t>
+                        </m:r>
+                        <m:r>
+                          <a:rPr kumimoji="1" lang="en-US" altLang="ja-JP" b="0" i="1" smtClean="0">
+                            <a:latin typeface="Cambria Math" panose="02040503050406030204" pitchFamily="18" charset="0"/>
+                          </a:rPr>
+                          <m:t>𝑊</m:t>
+                        </m:r>
+                      </m:e>
+                    </m:d>
+                    <m:r>
+                      <a:rPr kumimoji="1" lang="en-US" altLang="ja-JP" b="0" i="1" smtClean="0">
+                        <a:latin typeface="Cambria Math" panose="02040503050406030204" pitchFamily="18" charset="0"/>
+                      </a:rPr>
+                      <m:t>∈</m:t>
+                    </m:r>
+                    <m:r>
+                      <a:rPr kumimoji="1" lang="en-US" altLang="ja-JP" b="0" i="1" smtClean="0">
+                        <a:latin typeface="Cambria Math" panose="02040503050406030204" pitchFamily="18" charset="0"/>
+                      </a:rPr>
+                      <m:t>𝑅</m:t>
+                    </m:r>
+                  </m:oMath>
+                </a14:m>
+                <a:r>
+                  <a:rPr kumimoji="1" lang="ja-JP" altLang="en-US"/>
+                  <a:t>と表す</a:t>
+                </a:r>
+                <a:r>
+                  <a:rPr kumimoji="1" lang="en-US" altLang="ja-JP"/>
+                  <a:t>(R</a:t>
+                </a:r>
+                <a:r>
+                  <a:rPr kumimoji="1" lang="ja-JP" altLang="en-US"/>
+                  <a:t>は</a:t>
+                </a:r>
+                <a:r>
+                  <a:rPr kumimoji="1" lang="en-US" altLang="ja-JP"/>
+                  <a:t>relation)</a:t>
+                </a:r>
+              </a:p>
+              <a:p>
+                <a:pPr lvl="1"/>
+                <a:r>
+                  <a:rPr kumimoji="1" lang="ja-JP" altLang="en-US"/>
+                  <a:t>例</a:t>
+                </a:r>
+                <a:r>
+                  <a:rPr lang="en-US" altLang="ja-JP"/>
+                  <a:t> : </a:t>
+                </a:r>
+                <a14:m>
+                  <m:oMath xmlns:m="http://schemas.openxmlformats.org/officeDocument/2006/math">
+                    <m:r>
+                      <a:rPr kumimoji="1" lang="en-US" altLang="ja-JP" b="0" i="1" smtClean="0">
+                        <a:latin typeface="Cambria Math" panose="02040503050406030204" pitchFamily="18" charset="0"/>
+                      </a:rPr>
+                      <m:t>𝑄</m:t>
+                    </m:r>
+                    <m:r>
+                      <a:rPr kumimoji="1" lang="en-US" altLang="ja-JP" b="0" i="1" smtClean="0">
+                        <a:latin typeface="Cambria Math" panose="02040503050406030204" pitchFamily="18" charset="0"/>
+                      </a:rPr>
+                      <m:t>=</m:t>
+                    </m:r>
+                    <m:r>
+                      <a:rPr kumimoji="1" lang="en-US" altLang="ja-JP" b="0" i="1" smtClean="0">
+                        <a:latin typeface="Cambria Math" panose="02040503050406030204" pitchFamily="18" charset="0"/>
+                      </a:rPr>
+                      <m:t>𝑥𝑃</m:t>
+                    </m:r>
+                  </m:oMath>
+                </a14:m>
+                <a:r>
+                  <a:rPr kumimoji="1" lang="ja-JP" altLang="en-US"/>
+                  <a:t>のとき</a:t>
+                </a:r>
+                <a14:m>
+                  <m:oMath xmlns:m="http://schemas.openxmlformats.org/officeDocument/2006/math">
+                    <m:r>
+                      <a:rPr kumimoji="1" lang="en-US" altLang="ja-JP" b="0" i="1" smtClean="0">
+                        <a:latin typeface="Cambria Math" panose="02040503050406030204" pitchFamily="18" charset="0"/>
+                      </a:rPr>
+                      <m:t>𝑋</m:t>
+                    </m:r>
+                    <m:r>
+                      <a:rPr kumimoji="1" lang="en-US" altLang="ja-JP" b="0" i="1" smtClean="0">
+                        <a:latin typeface="Cambria Math" panose="02040503050406030204" pitchFamily="18" charset="0"/>
+                      </a:rPr>
+                      <m:t>=(</m:t>
+                    </m:r>
+                    <m:r>
+                      <a:rPr kumimoji="1" lang="en-US" altLang="ja-JP" b="0" i="1" smtClean="0">
+                        <a:latin typeface="Cambria Math" panose="02040503050406030204" pitchFamily="18" charset="0"/>
+                      </a:rPr>
+                      <m:t>𝑃</m:t>
+                    </m:r>
+                    <m:r>
+                      <a:rPr kumimoji="1" lang="en-US" altLang="ja-JP" b="0" i="1" smtClean="0">
+                        <a:latin typeface="Cambria Math" panose="02040503050406030204" pitchFamily="18" charset="0"/>
+                      </a:rPr>
+                      <m:t>,</m:t>
+                    </m:r>
+                    <m:r>
+                      <a:rPr kumimoji="1" lang="en-US" altLang="ja-JP" b="0" i="1" smtClean="0">
+                        <a:latin typeface="Cambria Math" panose="02040503050406030204" pitchFamily="18" charset="0"/>
+                      </a:rPr>
+                      <m:t>𝑄</m:t>
+                    </m:r>
+                    <m:r>
+                      <a:rPr kumimoji="1" lang="en-US" altLang="ja-JP" b="0" i="1" smtClean="0">
+                        <a:latin typeface="Cambria Math" panose="02040503050406030204" pitchFamily="18" charset="0"/>
+                      </a:rPr>
+                      <m:t>)</m:t>
+                    </m:r>
+                  </m:oMath>
+                </a14:m>
+                <a:r>
+                  <a:rPr kumimoji="1" lang="en-US" altLang="ja-JP"/>
+                  <a:t>, </a:t>
+                </a:r>
+                <a14:m>
+                  <m:oMath xmlns:m="http://schemas.openxmlformats.org/officeDocument/2006/math">
+                    <m:r>
+                      <a:rPr kumimoji="1" lang="en-US" altLang="ja-JP" b="0" i="1" smtClean="0">
+                        <a:latin typeface="Cambria Math" panose="02040503050406030204" pitchFamily="18" charset="0"/>
+                      </a:rPr>
+                      <m:t>𝑊</m:t>
+                    </m:r>
+                    <m:r>
+                      <a:rPr kumimoji="1" lang="en-US" altLang="ja-JP" b="0" i="1" smtClean="0">
+                        <a:latin typeface="Cambria Math" panose="02040503050406030204" pitchFamily="18" charset="0"/>
+                      </a:rPr>
+                      <m:t>=</m:t>
+                    </m:r>
+                    <m:r>
+                      <a:rPr kumimoji="1" lang="en-US" altLang="ja-JP" b="0" i="1" smtClean="0">
+                        <a:latin typeface="Cambria Math" panose="02040503050406030204" pitchFamily="18" charset="0"/>
+                      </a:rPr>
+                      <m:t>𝑥</m:t>
+                    </m:r>
+                  </m:oMath>
+                </a14:m>
+                <a:r>
+                  <a:rPr kumimoji="1" lang="en-US" altLang="ja-JP"/>
+                  <a:t>, R</a:t>
+                </a:r>
+                <a:r>
+                  <a:rPr kumimoji="1" lang="ja-JP" altLang="en-US"/>
+                  <a:t>は</a:t>
+                </a:r>
+                <a14:m>
+                  <m:oMath xmlns:m="http://schemas.openxmlformats.org/officeDocument/2006/math">
+                    <m:r>
+                      <a:rPr kumimoji="1" lang="en-US" altLang="ja-JP" b="0" i="1" smtClean="0">
+                        <a:latin typeface="Cambria Math" panose="02040503050406030204" pitchFamily="18" charset="0"/>
+                      </a:rPr>
+                      <m:t>𝐷𝐿</m:t>
+                    </m:r>
+                    <m:sSub>
+                      <m:sSubPr>
+                        <m:ctrlPr>
+                          <a:rPr kumimoji="1" lang="en-US" altLang="ja-JP" b="0" i="1" smtClean="0">
+                            <a:latin typeface="Cambria Math" panose="02040503050406030204" pitchFamily="18" charset="0"/>
+                          </a:rPr>
+                        </m:ctrlPr>
+                      </m:sSubPr>
+                      <m:e>
+                        <m:r>
+                          <a:rPr kumimoji="1" lang="en-US" altLang="ja-JP" b="0" i="1" smtClean="0">
+                            <a:latin typeface="Cambria Math" panose="02040503050406030204" pitchFamily="18" charset="0"/>
+                          </a:rPr>
+                          <m:t>𝑃</m:t>
+                        </m:r>
+                      </m:e>
+                      <m:sub>
+                        <m:r>
+                          <a:rPr kumimoji="1" lang="en-US" altLang="ja-JP" b="0" i="1" smtClean="0">
+                            <a:latin typeface="Cambria Math" panose="02040503050406030204" pitchFamily="18" charset="0"/>
+                          </a:rPr>
+                          <m:t>𝑃</m:t>
+                        </m:r>
+                      </m:sub>
+                    </m:sSub>
+                  </m:oMath>
+                </a14:m>
+                <a:endParaRPr kumimoji="1" lang="en-US" altLang="ja-JP"/>
+              </a:p>
+            </p:txBody>
+          </p:sp>
+        </mc:Choice>
+        <mc:Fallback xmlns="">
+          <p:sp>
+            <p:nvSpPr>
+              <p:cNvPr id="2" name="コンテンツ プレースホルダー 1">
+                <a:extLst>
+                  <a:ext uri="{FF2B5EF4-FFF2-40B4-BE49-F238E27FC236}">
+                    <a16:creationId xmlns:a16="http://schemas.microsoft.com/office/drawing/2014/main" id="{E4118053-D409-4C4F-9A8D-C873BA0A24E7}"/>
+                  </a:ext>
+                </a:extLst>
+              </p:cNvPr>
+              <p:cNvSpPr>
+                <a:spLocks noGrp="1" noRot="1" noChangeAspect="1" noMove="1" noResize="1" noEditPoints="1" noAdjustHandles="1" noChangeArrowheads="1" noChangeShapeType="1" noTextEdit="1"/>
+              </p:cNvSpPr>
+              <p:nvPr>
+                <p:ph idx="1"/>
+              </p:nvPr>
+            </p:nvSpPr>
+            <p:spPr>
+              <a:blipFill>
+                <a:blip r:embed="rId2"/>
+                <a:stretch>
+                  <a:fillRect l="-1200" t="-1038"/>
+                </a:stretch>
+              </a:blipFill>
+            </p:spPr>
+            <p:txBody>
+              <a:bodyPr/>
+              <a:lstStyle/>
+              <a:p>
+                <a:r>
+                  <a:rPr lang="ja-JP" altLang="en-US">
+                    <a:noFill/>
+                  </a:rPr>
+                  <a:t> </a:t>
+                </a:r>
+              </a:p>
+            </p:txBody>
+          </p:sp>
+        </mc:Fallback>
+      </mc:AlternateContent>
+      <p:sp>
+        <p:nvSpPr>
+          <p:cNvPr id="4" name="タイトル 3">
+            <a:extLst>
+              <a:ext uri="{FF2B5EF4-FFF2-40B4-BE49-F238E27FC236}">
+                <a16:creationId xmlns:a16="http://schemas.microsoft.com/office/drawing/2014/main" id="{CDBBEAC6-4E6D-46D8-A215-3872829D2BDD}"/>
+              </a:ext>
+            </a:extLst>
+          </p:cNvPr>
+          <p:cNvSpPr>
+            <a:spLocks noGrp="1"/>
+          </p:cNvSpPr>
+          <p:nvPr>
+            <p:ph type="title"/>
+          </p:nvPr>
+        </p:nvSpPr>
+        <p:spPr/>
+        <p:txBody>
+          <a:bodyPr/>
+          <a:lstStyle/>
+          <a:p>
+            <a:r>
+              <a:rPr kumimoji="1" lang="en-US" altLang="ja-JP"/>
+              <a:t>Σ</a:t>
+            </a:r>
+            <a:r>
+              <a:rPr kumimoji="1" lang="ja-JP" altLang="en-US"/>
+              <a:t>プロトコル</a:t>
+            </a:r>
+          </a:p>
+        </p:txBody>
+      </p:sp>
+      <p:sp>
+        <p:nvSpPr>
+          <p:cNvPr id="6" name="四角形: 角を丸くする 5">
+            <a:extLst>
+              <a:ext uri="{FF2B5EF4-FFF2-40B4-BE49-F238E27FC236}">
+                <a16:creationId xmlns:a16="http://schemas.microsoft.com/office/drawing/2014/main" id="{18E2F110-74D1-4024-8CB9-82DB54264191}"/>
+              </a:ext>
+            </a:extLst>
+          </p:cNvPr>
+          <p:cNvSpPr/>
+          <p:nvPr/>
+        </p:nvSpPr>
+        <p:spPr>
+          <a:xfrm>
+            <a:off x="1115615" y="5324581"/>
+            <a:ext cx="1291349" cy="693688"/>
+          </a:xfrm>
+          <a:prstGeom prst="roundRect">
+            <a:avLst/>
+          </a:prstGeom>
+          <a:ln>
+            <a:solidFill>
+              <a:schemeClr val="tx1"/>
+            </a:solidFill>
+          </a:ln>
+        </p:spPr>
+        <p:style>
+          <a:lnRef idx="1">
+            <a:schemeClr val="accent1"/>
+          </a:lnRef>
+          <a:fillRef idx="0">
+            <a:schemeClr val="accent1"/>
+          </a:fillRef>
+          <a:effectRef idx="0">
+            <a:schemeClr val="accent1"/>
+          </a:effectRef>
+          <a:fontRef idx="minor">
+            <a:schemeClr val="tx1"/>
+          </a:fontRef>
+        </p:style>
+        <p:txBody>
+          <a:bodyPr rtlCol="0" anchor="ctr"/>
+          <a:lstStyle/>
+          <a:p>
+            <a:pPr algn="ctr"/>
+            <a:r>
+              <a:rPr kumimoji="1" lang="en-US" altLang="ja-JP" sz="2400"/>
+              <a:t>judge</a:t>
+            </a:r>
+            <a:endParaRPr kumimoji="1" lang="ja-JP" altLang="en-US" sz="2400"/>
+          </a:p>
+        </p:txBody>
+      </p:sp>
+      <mc:AlternateContent xmlns:mc="http://schemas.openxmlformats.org/markup-compatibility/2006" xmlns:a14="http://schemas.microsoft.com/office/drawing/2010/main">
+        <mc:Choice Requires="a14">
+          <p:sp>
+            <p:nvSpPr>
+              <p:cNvPr id="9" name="テキスト ボックス 8">
+                <a:extLst>
+                  <a:ext uri="{FF2B5EF4-FFF2-40B4-BE49-F238E27FC236}">
+                    <a16:creationId xmlns:a16="http://schemas.microsoft.com/office/drawing/2014/main" id="{AB834E09-8C70-42A6-96FC-6FF3AC76B40E}"/>
+                  </a:ext>
+                </a:extLst>
+              </p:cNvPr>
+              <p:cNvSpPr txBox="1"/>
+              <p:nvPr/>
+            </p:nvSpPr>
+            <p:spPr>
+              <a:xfrm>
+                <a:off x="6231239" y="4281743"/>
+                <a:ext cx="648072" cy="461665"/>
+              </a:xfrm>
+              <a:prstGeom prst="rect">
+                <a:avLst/>
+              </a:prstGeom>
+              <a:noFill/>
+              <a:ln w="19050" cap="rnd">
+                <a:noFill/>
+              </a:ln>
+            </p:spPr>
+            <p:txBody>
+              <a:bodyPr wrap="square" rtlCol="0">
+                <a:spAutoFit/>
+              </a:bodyPr>
+              <a:lstStyle/>
+              <a:p>
+                <a:pPr/>
+                <a14:m>
+                  <m:oMathPara xmlns:m="http://schemas.openxmlformats.org/officeDocument/2006/math">
+                    <m:oMathParaPr>
+                      <m:jc m:val="centerGroup"/>
+                    </m:oMathParaPr>
+                    <m:oMath xmlns:m="http://schemas.openxmlformats.org/officeDocument/2006/math">
+                      <m:r>
+                        <a:rPr kumimoji="1" lang="en-US" altLang="ja-JP" sz="2400" b="0" i="1" smtClean="0">
+                          <a:latin typeface="Cambria Math" panose="02040503050406030204" pitchFamily="18" charset="0"/>
+                        </a:rPr>
+                        <m:t>𝐴</m:t>
+                      </m:r>
+                    </m:oMath>
+                  </m:oMathPara>
+                </a14:m>
+                <a:endParaRPr kumimoji="1" lang="ja-JP" altLang="en-US" sz="2400">
+                  <a:latin typeface="Courier New" pitchFamily="49" charset="0"/>
+                  <a:ea typeface="ＭＳ ゴシック" pitchFamily="49" charset="-128"/>
+                  <a:cs typeface="Courier New" pitchFamily="49" charset="0"/>
+                </a:endParaRPr>
+              </a:p>
+            </p:txBody>
+          </p:sp>
+        </mc:Choice>
+        <mc:Fallback xmlns="">
+          <p:sp>
+            <p:nvSpPr>
+              <p:cNvPr id="9" name="テキスト ボックス 8">
+                <a:extLst>
+                  <a:ext uri="{FF2B5EF4-FFF2-40B4-BE49-F238E27FC236}">
+                    <a16:creationId xmlns:a16="http://schemas.microsoft.com/office/drawing/2014/main" id="{AB834E09-8C70-42A6-96FC-6FF3AC76B40E}"/>
+                  </a:ext>
+                </a:extLst>
+              </p:cNvPr>
+              <p:cNvSpPr txBox="1">
+                <a:spLocks noRot="1" noChangeAspect="1" noMove="1" noResize="1" noEditPoints="1" noAdjustHandles="1" noChangeArrowheads="1" noChangeShapeType="1" noTextEdit="1"/>
+              </p:cNvSpPr>
+              <p:nvPr/>
+            </p:nvSpPr>
+            <p:spPr>
+              <a:xfrm>
+                <a:off x="6231239" y="4281743"/>
+                <a:ext cx="648072" cy="461665"/>
+              </a:xfrm>
+              <a:prstGeom prst="rect">
+                <a:avLst/>
+              </a:prstGeom>
+              <a:blipFill>
+                <a:blip r:embed="rId3"/>
+                <a:stretch>
+                  <a:fillRect/>
+                </a:stretch>
+              </a:blipFill>
+              <a:ln w="19050" cap="rnd">
+                <a:noFill/>
+              </a:ln>
+            </p:spPr>
+            <p:txBody>
+              <a:bodyPr/>
+              <a:lstStyle/>
+              <a:p>
+                <a:r>
+                  <a:rPr lang="ja-JP" altLang="en-US">
+                    <a:noFill/>
+                  </a:rPr>
+                  <a:t> </a:t>
+                </a:r>
+              </a:p>
+            </p:txBody>
+          </p:sp>
+        </mc:Fallback>
+      </mc:AlternateContent>
+      <p:cxnSp>
+        <p:nvCxnSpPr>
+          <p:cNvPr id="11" name="直線矢印コネクタ 10">
+            <a:extLst>
+              <a:ext uri="{FF2B5EF4-FFF2-40B4-BE49-F238E27FC236}">
+                <a16:creationId xmlns:a16="http://schemas.microsoft.com/office/drawing/2014/main" id="{30F7B170-42FC-4388-A1F5-259A07AEB955}"/>
+              </a:ext>
+            </a:extLst>
+          </p:cNvPr>
+          <p:cNvCxnSpPr>
+            <a:cxnSpLocks/>
+          </p:cNvCxnSpPr>
+          <p:nvPr/>
+        </p:nvCxnSpPr>
+        <p:spPr>
+          <a:xfrm flipH="1">
+            <a:off x="2411761" y="4497767"/>
+            <a:ext cx="3819478" cy="0"/>
+          </a:xfrm>
+          <a:prstGeom prst="straightConnector1">
+            <a:avLst/>
+          </a:prstGeom>
+          <a:ln w="12700">
+            <a:solidFill>
+              <a:schemeClr val="tx1"/>
+            </a:solidFill>
+            <a:tailEnd type="triangle"/>
+          </a:ln>
+        </p:spPr>
+        <p:style>
+          <a:lnRef idx="1">
+            <a:schemeClr val="accent1"/>
+          </a:lnRef>
+          <a:fillRef idx="0">
+            <a:schemeClr val="accent1"/>
+          </a:fillRef>
+          <a:effectRef idx="0">
+            <a:schemeClr val="accent1"/>
+          </a:effectRef>
+          <a:fontRef idx="minor">
+            <a:schemeClr val="tx1"/>
+          </a:fontRef>
+        </p:style>
+      </p:cxnSp>
+      <mc:AlternateContent xmlns:mc="http://schemas.openxmlformats.org/markup-compatibility/2006" xmlns:a14="http://schemas.microsoft.com/office/drawing/2010/main">
+        <mc:Choice Requires="a14">
+          <p:sp>
+            <p:nvSpPr>
+              <p:cNvPr id="12" name="テキスト ボックス 11">
+                <a:extLst>
+                  <a:ext uri="{FF2B5EF4-FFF2-40B4-BE49-F238E27FC236}">
+                    <a16:creationId xmlns:a16="http://schemas.microsoft.com/office/drawing/2014/main" id="{60B1FE59-7BDC-4416-970D-1BF006853AED}"/>
+                  </a:ext>
+                </a:extLst>
+              </p:cNvPr>
+              <p:cNvSpPr txBox="1"/>
+              <p:nvPr/>
+            </p:nvSpPr>
+            <p:spPr>
+              <a:xfrm>
+                <a:off x="5111552" y="2850744"/>
+                <a:ext cx="3708920" cy="461665"/>
+              </a:xfrm>
+              <a:prstGeom prst="rect">
+                <a:avLst/>
+              </a:prstGeom>
+              <a:noFill/>
+              <a:ln w="19050" cap="rnd">
+                <a:noFill/>
+              </a:ln>
+            </p:spPr>
+            <p:txBody>
+              <a:bodyPr wrap="square" rtlCol="0">
+                <a:spAutoFit/>
+              </a:bodyPr>
+              <a:lstStyle/>
+              <a:p>
+                <a:r>
+                  <a:rPr kumimoji="1" lang="ja-JP" altLang="en-US" sz="2400">
+                    <a:latin typeface="游ゴシック" panose="020B0400000000000000" pitchFamily="50" charset="-128"/>
+                    <a:ea typeface="游ゴシック" panose="020B0400000000000000" pitchFamily="50" charset="-128"/>
+                    <a:cs typeface="Courier New" pitchFamily="49" charset="0"/>
+                  </a:rPr>
+                  <a:t>証明者</a:t>
+                </a:r>
+                <a:r>
+                  <a:rPr kumimoji="1" lang="en-US" altLang="ja-JP" sz="2400">
+                    <a:latin typeface="游ゴシック" panose="020B0400000000000000" pitchFamily="50" charset="-128"/>
+                    <a:ea typeface="游ゴシック" panose="020B0400000000000000" pitchFamily="50" charset="-128"/>
+                    <a:cs typeface="Courier New" pitchFamily="49" charset="0"/>
+                  </a:rPr>
+                  <a:t>P : </a:t>
+                </a:r>
+                <a14:m>
+                  <m:oMath xmlns:m="http://schemas.openxmlformats.org/officeDocument/2006/math">
+                    <m:r>
+                      <a:rPr kumimoji="1" lang="en-US" altLang="ja-JP" sz="2400" b="0" i="1" smtClean="0">
+                        <a:latin typeface="Cambria Math" panose="02040503050406030204" pitchFamily="18" charset="0"/>
+                        <a:ea typeface="游ゴシック" panose="020B0400000000000000" pitchFamily="50" charset="-128"/>
+                        <a:cs typeface="Courier New" pitchFamily="49" charset="0"/>
+                      </a:rPr>
+                      <m:t>𝑊</m:t>
+                    </m:r>
+                  </m:oMath>
+                </a14:m>
+                <a:r>
+                  <a:rPr kumimoji="1" lang="ja-JP" altLang="en-US" sz="2400">
+                    <a:latin typeface="游ゴシック" panose="020B0400000000000000" pitchFamily="50" charset="-128"/>
+                    <a:ea typeface="游ゴシック" panose="020B0400000000000000" pitchFamily="50" charset="-128"/>
+                    <a:cs typeface="Courier New" pitchFamily="49" charset="0"/>
+                  </a:rPr>
+                  <a:t>を知っている</a:t>
+                </a:r>
+              </a:p>
+            </p:txBody>
+          </p:sp>
+        </mc:Choice>
+        <mc:Fallback xmlns="">
+          <p:sp>
+            <p:nvSpPr>
+              <p:cNvPr id="12" name="テキスト ボックス 11">
+                <a:extLst>
+                  <a:ext uri="{FF2B5EF4-FFF2-40B4-BE49-F238E27FC236}">
+                    <a16:creationId xmlns:a16="http://schemas.microsoft.com/office/drawing/2014/main" id="{60B1FE59-7BDC-4416-970D-1BF006853AED}"/>
+                  </a:ext>
+                </a:extLst>
+              </p:cNvPr>
+              <p:cNvSpPr txBox="1">
+                <a:spLocks noRot="1" noChangeAspect="1" noMove="1" noResize="1" noEditPoints="1" noAdjustHandles="1" noChangeArrowheads="1" noChangeShapeType="1" noTextEdit="1"/>
+              </p:cNvSpPr>
+              <p:nvPr/>
+            </p:nvSpPr>
+            <p:spPr>
+              <a:xfrm>
+                <a:off x="5111552" y="2850744"/>
+                <a:ext cx="3708920" cy="461665"/>
+              </a:xfrm>
+              <a:prstGeom prst="rect">
+                <a:avLst/>
+              </a:prstGeom>
+              <a:blipFill>
+                <a:blip r:embed="rId4"/>
+                <a:stretch>
+                  <a:fillRect l="-2632" t="-10667" r="-1974" b="-30667"/>
+                </a:stretch>
+              </a:blipFill>
+              <a:ln w="19050" cap="rnd">
+                <a:noFill/>
+              </a:ln>
+            </p:spPr>
+            <p:txBody>
+              <a:bodyPr/>
+              <a:lstStyle/>
+              <a:p>
+                <a:r>
+                  <a:rPr lang="ja-JP" altLang="en-US">
+                    <a:noFill/>
+                  </a:rPr>
+                  <a:t> </a:t>
+                </a:r>
+              </a:p>
+            </p:txBody>
+          </p:sp>
+        </mc:Fallback>
+      </mc:AlternateContent>
+      <p:pic>
+        <p:nvPicPr>
+          <p:cNvPr id="16" name="図 15">
+            <a:extLst>
+              <a:ext uri="{FF2B5EF4-FFF2-40B4-BE49-F238E27FC236}">
+                <a16:creationId xmlns:a16="http://schemas.microsoft.com/office/drawing/2014/main" id="{7D238943-8053-4043-8028-C27D2551A61E}"/>
+              </a:ext>
+            </a:extLst>
+          </p:cNvPr>
+          <p:cNvPicPr>
+            <a:picLocks noChangeAspect="1"/>
+          </p:cNvPicPr>
+          <p:nvPr/>
+        </p:nvPicPr>
+        <p:blipFill>
+          <a:blip r:embed="rId5" cstate="print">
+            <a:extLst>
+              <a:ext uri="{28A0092B-C50C-407E-A947-70E740481C1C}">
+                <a14:useLocalDpi xmlns:a14="http://schemas.microsoft.com/office/drawing/2010/main" val="0"/>
+              </a:ext>
+            </a:extLst>
+          </a:blip>
+          <a:stretch>
+            <a:fillRect/>
+          </a:stretch>
+        </p:blipFill>
+        <p:spPr>
+          <a:xfrm>
+            <a:off x="1547664" y="3316868"/>
+            <a:ext cx="981997" cy="981997"/>
+          </a:xfrm>
+          <a:prstGeom prst="rect">
+            <a:avLst/>
+          </a:prstGeom>
+        </p:spPr>
+      </p:pic>
+      <p:pic>
+        <p:nvPicPr>
+          <p:cNvPr id="17" name="図 16">
+            <a:extLst>
+              <a:ext uri="{FF2B5EF4-FFF2-40B4-BE49-F238E27FC236}">
+                <a16:creationId xmlns:a16="http://schemas.microsoft.com/office/drawing/2014/main" id="{2659555D-2DC7-4307-951E-9BC7C43FD2FB}"/>
+              </a:ext>
+            </a:extLst>
+          </p:cNvPr>
+          <p:cNvPicPr>
+            <a:picLocks noChangeAspect="1"/>
+          </p:cNvPicPr>
+          <p:nvPr/>
+        </p:nvPicPr>
+        <p:blipFill>
+          <a:blip r:embed="rId6" cstate="print">
+            <a:extLst>
+              <a:ext uri="{28A0092B-C50C-407E-A947-70E740481C1C}">
+                <a14:useLocalDpi xmlns:a14="http://schemas.microsoft.com/office/drawing/2010/main" val="0"/>
+              </a:ext>
+            </a:extLst>
+          </a:blip>
+          <a:stretch>
+            <a:fillRect/>
+          </a:stretch>
+        </p:blipFill>
+        <p:spPr>
+          <a:xfrm>
+            <a:off x="5897280" y="3383196"/>
+            <a:ext cx="982031" cy="983759"/>
+          </a:xfrm>
+          <a:prstGeom prst="rect">
+            <a:avLst/>
+          </a:prstGeom>
+        </p:spPr>
+      </p:pic>
+      <p:sp>
+        <p:nvSpPr>
+          <p:cNvPr id="18" name="テキスト ボックス 17">
+            <a:extLst>
+              <a:ext uri="{FF2B5EF4-FFF2-40B4-BE49-F238E27FC236}">
+                <a16:creationId xmlns:a16="http://schemas.microsoft.com/office/drawing/2014/main" id="{61B7FF7F-0672-46E7-8BD9-328FEAAEA623}"/>
+              </a:ext>
+            </a:extLst>
+          </p:cNvPr>
+          <p:cNvSpPr txBox="1"/>
+          <p:nvPr/>
+        </p:nvSpPr>
+        <p:spPr>
+          <a:xfrm>
+            <a:off x="1451840" y="2818158"/>
+            <a:ext cx="1584176" cy="461665"/>
+          </a:xfrm>
+          <a:prstGeom prst="rect">
+            <a:avLst/>
+          </a:prstGeom>
+          <a:noFill/>
+          <a:ln w="19050" cap="rnd">
+            <a:noFill/>
+          </a:ln>
+        </p:spPr>
+        <p:txBody>
+          <a:bodyPr wrap="square" rtlCol="0">
+            <a:spAutoFit/>
+          </a:bodyPr>
+          <a:lstStyle/>
+          <a:p>
+            <a:r>
+              <a:rPr kumimoji="1" lang="ja-JP" altLang="en-US" sz="2400">
+                <a:latin typeface="游ゴシック" panose="020B0400000000000000" pitchFamily="50" charset="-128"/>
+                <a:ea typeface="游ゴシック" panose="020B0400000000000000" pitchFamily="50" charset="-128"/>
+                <a:cs typeface="Courier New" pitchFamily="49" charset="0"/>
+              </a:rPr>
+              <a:t>検証者</a:t>
+            </a:r>
+            <a:r>
+              <a:rPr kumimoji="1" lang="en-US" altLang="ja-JP" sz="2400">
+                <a:latin typeface="游ゴシック" panose="020B0400000000000000" pitchFamily="50" charset="-128"/>
+                <a:ea typeface="游ゴシック" panose="020B0400000000000000" pitchFamily="50" charset="-128"/>
+                <a:cs typeface="Courier New" pitchFamily="49" charset="0"/>
+              </a:rPr>
+              <a:t>V</a:t>
+            </a:r>
+            <a:endParaRPr kumimoji="1" lang="ja-JP" altLang="en-US" sz="2400">
+              <a:latin typeface="游ゴシック" panose="020B0400000000000000" pitchFamily="50" charset="-128"/>
+              <a:ea typeface="游ゴシック" panose="020B0400000000000000" pitchFamily="50" charset="-128"/>
+              <a:cs typeface="Courier New" pitchFamily="49" charset="0"/>
+            </a:endParaRPr>
+          </a:p>
+        </p:txBody>
+      </p:sp>
+      <mc:AlternateContent xmlns:mc="http://schemas.openxmlformats.org/markup-compatibility/2006" xmlns:a14="http://schemas.microsoft.com/office/drawing/2010/main">
+        <mc:Choice Requires="a14">
+          <p:sp>
+            <p:nvSpPr>
+              <p:cNvPr id="21" name="テキスト ボックス 20">
+                <a:extLst>
+                  <a:ext uri="{FF2B5EF4-FFF2-40B4-BE49-F238E27FC236}">
+                    <a16:creationId xmlns:a16="http://schemas.microsoft.com/office/drawing/2014/main" id="{7CB32915-45D9-475A-B680-900BA394F86F}"/>
+                  </a:ext>
+                </a:extLst>
+              </p:cNvPr>
+              <p:cNvSpPr txBox="1"/>
+              <p:nvPr/>
+            </p:nvSpPr>
+            <p:spPr>
+              <a:xfrm>
+                <a:off x="1451840" y="4848015"/>
+                <a:ext cx="981997" cy="461665"/>
+              </a:xfrm>
+              <a:prstGeom prst="rect">
+                <a:avLst/>
+              </a:prstGeom>
+              <a:noFill/>
+              <a:ln w="19050" cap="rnd">
+                <a:noFill/>
+              </a:ln>
+            </p:spPr>
+            <p:txBody>
+              <a:bodyPr wrap="square" rtlCol="0">
+                <a:spAutoFit/>
+              </a:bodyPr>
+              <a:lstStyle/>
+              <a:p>
+                <a:r>
+                  <a:rPr kumimoji="1" lang="ja-JP" altLang="en-US" sz="2400">
+                    <a:latin typeface="游ゴシック" panose="020B0400000000000000" pitchFamily="50" charset="-128"/>
+                    <a:ea typeface="游ゴシック" panose="020B0400000000000000" pitchFamily="50" charset="-128"/>
+                    <a:cs typeface="Courier New" pitchFamily="49" charset="0"/>
+                  </a:rPr>
+                  <a:t>乱数</a:t>
+                </a:r>
+                <a14:m>
+                  <m:oMath xmlns:m="http://schemas.openxmlformats.org/officeDocument/2006/math">
+                    <m:r>
+                      <a:rPr kumimoji="1" lang="en-US" altLang="ja-JP" sz="2400" b="0" i="1" smtClean="0">
+                        <a:latin typeface="Cambria Math" panose="02040503050406030204" pitchFamily="18" charset="0"/>
+                        <a:ea typeface="游ゴシック" panose="020B0400000000000000" pitchFamily="50" charset="-128"/>
+                        <a:cs typeface="Courier New" pitchFamily="49" charset="0"/>
+                      </a:rPr>
+                      <m:t>h</m:t>
+                    </m:r>
+                  </m:oMath>
+                </a14:m>
+                <a:endParaRPr kumimoji="1" lang="ja-JP" altLang="en-US" sz="2400">
+                  <a:latin typeface="游ゴシック" panose="020B0400000000000000" pitchFamily="50" charset="-128"/>
+                  <a:ea typeface="游ゴシック" panose="020B0400000000000000" pitchFamily="50" charset="-128"/>
+                  <a:cs typeface="Courier New" pitchFamily="49" charset="0"/>
+                </a:endParaRPr>
+              </a:p>
+            </p:txBody>
+          </p:sp>
+        </mc:Choice>
+        <mc:Fallback xmlns="">
+          <p:sp>
+            <p:nvSpPr>
+              <p:cNvPr id="21" name="テキスト ボックス 20">
+                <a:extLst>
+                  <a:ext uri="{FF2B5EF4-FFF2-40B4-BE49-F238E27FC236}">
+                    <a16:creationId xmlns:a16="http://schemas.microsoft.com/office/drawing/2014/main" id="{7CB32915-45D9-475A-B680-900BA394F86F}"/>
+                  </a:ext>
+                </a:extLst>
+              </p:cNvPr>
+              <p:cNvSpPr txBox="1">
+                <a:spLocks noRot="1" noChangeAspect="1" noMove="1" noResize="1" noEditPoints="1" noAdjustHandles="1" noChangeArrowheads="1" noChangeShapeType="1" noTextEdit="1"/>
+              </p:cNvSpPr>
+              <p:nvPr/>
+            </p:nvSpPr>
+            <p:spPr>
+              <a:xfrm>
+                <a:off x="1451840" y="4848015"/>
+                <a:ext cx="981997" cy="461665"/>
+              </a:xfrm>
+              <a:prstGeom prst="rect">
+                <a:avLst/>
+              </a:prstGeom>
+              <a:blipFill>
+                <a:blip r:embed="rId7"/>
+                <a:stretch>
+                  <a:fillRect l="-9317" t="-10526" b="-28947"/>
+                </a:stretch>
+              </a:blipFill>
+              <a:ln w="19050" cap="rnd">
+                <a:noFill/>
+              </a:ln>
+            </p:spPr>
+            <p:txBody>
+              <a:bodyPr/>
+              <a:lstStyle/>
+              <a:p>
+                <a:r>
+                  <a:rPr lang="ja-JP" altLang="en-US">
+                    <a:noFill/>
+                  </a:rPr>
+                  <a:t> </a:t>
+                </a:r>
+              </a:p>
+            </p:txBody>
+          </p:sp>
+        </mc:Fallback>
+      </mc:AlternateContent>
+      <p:cxnSp>
+        <p:nvCxnSpPr>
+          <p:cNvPr id="22" name="直線矢印コネクタ 21">
+            <a:extLst>
+              <a:ext uri="{FF2B5EF4-FFF2-40B4-BE49-F238E27FC236}">
+                <a16:creationId xmlns:a16="http://schemas.microsoft.com/office/drawing/2014/main" id="{CF7597EA-01E1-4D9A-924F-1895F9617D87}"/>
+              </a:ext>
+            </a:extLst>
+          </p:cNvPr>
+          <p:cNvCxnSpPr>
+            <a:cxnSpLocks/>
+            <a:stCxn id="21" idx="3"/>
+          </p:cNvCxnSpPr>
+          <p:nvPr/>
+        </p:nvCxnSpPr>
+        <p:spPr>
+          <a:xfrm flipV="1">
+            <a:off x="2433837" y="5077526"/>
+            <a:ext cx="3797402" cy="1322"/>
+          </a:xfrm>
+          <a:prstGeom prst="straightConnector1">
+            <a:avLst/>
+          </a:prstGeom>
+          <a:ln w="12700">
+            <a:solidFill>
+              <a:schemeClr val="tx1"/>
+            </a:solidFill>
+            <a:tailEnd type="triangle"/>
+          </a:ln>
+        </p:spPr>
+        <p:style>
+          <a:lnRef idx="1">
+            <a:schemeClr val="accent1"/>
+          </a:lnRef>
+          <a:fillRef idx="0">
+            <a:schemeClr val="accent1"/>
+          </a:fillRef>
+          <a:effectRef idx="0">
+            <a:schemeClr val="accent1"/>
+          </a:effectRef>
+          <a:fontRef idx="minor">
+            <a:schemeClr val="tx1"/>
+          </a:fontRef>
+        </p:style>
+      </p:cxnSp>
+      <mc:AlternateContent xmlns:mc="http://schemas.openxmlformats.org/markup-compatibility/2006" xmlns:a14="http://schemas.microsoft.com/office/drawing/2010/main">
+        <mc:Choice Requires="a14">
+          <p:sp>
+            <p:nvSpPr>
+              <p:cNvPr id="27" name="テキスト ボックス 26">
+                <a:extLst>
+                  <a:ext uri="{FF2B5EF4-FFF2-40B4-BE49-F238E27FC236}">
+                    <a16:creationId xmlns:a16="http://schemas.microsoft.com/office/drawing/2014/main" id="{4BF3713C-1C19-4F92-8601-A8C93EFF184B}"/>
+                  </a:ext>
+                </a:extLst>
+              </p:cNvPr>
+              <p:cNvSpPr txBox="1"/>
+              <p:nvPr/>
+            </p:nvSpPr>
+            <p:spPr>
+              <a:xfrm>
+                <a:off x="6254089" y="5440593"/>
+                <a:ext cx="648072" cy="461665"/>
+              </a:xfrm>
+              <a:prstGeom prst="rect">
+                <a:avLst/>
+              </a:prstGeom>
+              <a:noFill/>
+              <a:ln w="19050" cap="rnd">
+                <a:noFill/>
+              </a:ln>
+            </p:spPr>
+            <p:txBody>
+              <a:bodyPr wrap="square" rtlCol="0">
+                <a:spAutoFit/>
+              </a:bodyPr>
+              <a:lstStyle/>
+              <a:p>
+                <a:pPr/>
+                <a14:m>
+                  <m:oMathPara xmlns:m="http://schemas.openxmlformats.org/officeDocument/2006/math">
+                    <m:oMathParaPr>
+                      <m:jc m:val="centerGroup"/>
+                    </m:oMathParaPr>
+                    <m:oMath xmlns:m="http://schemas.openxmlformats.org/officeDocument/2006/math">
+                      <m:r>
+                        <a:rPr kumimoji="1" lang="en-US" altLang="ja-JP" sz="2400" b="0" i="1" smtClean="0">
+                          <a:latin typeface="Cambria Math" panose="02040503050406030204" pitchFamily="18" charset="0"/>
+                        </a:rPr>
+                        <m:t>𝐵</m:t>
+                      </m:r>
+                    </m:oMath>
+                  </m:oMathPara>
+                </a14:m>
+                <a:endParaRPr kumimoji="1" lang="ja-JP" altLang="en-US" sz="2400">
+                  <a:latin typeface="Courier New" pitchFamily="49" charset="0"/>
+                  <a:ea typeface="ＭＳ ゴシック" pitchFamily="49" charset="-128"/>
+                  <a:cs typeface="Courier New" pitchFamily="49" charset="0"/>
+                </a:endParaRPr>
+              </a:p>
+            </p:txBody>
+          </p:sp>
+        </mc:Choice>
+        <mc:Fallback xmlns="">
+          <p:sp>
+            <p:nvSpPr>
+              <p:cNvPr id="27" name="テキスト ボックス 26">
+                <a:extLst>
+                  <a:ext uri="{FF2B5EF4-FFF2-40B4-BE49-F238E27FC236}">
+                    <a16:creationId xmlns:a16="http://schemas.microsoft.com/office/drawing/2014/main" id="{4BF3713C-1C19-4F92-8601-A8C93EFF184B}"/>
+                  </a:ext>
+                </a:extLst>
+              </p:cNvPr>
+              <p:cNvSpPr txBox="1">
+                <a:spLocks noRot="1" noChangeAspect="1" noMove="1" noResize="1" noEditPoints="1" noAdjustHandles="1" noChangeArrowheads="1" noChangeShapeType="1" noTextEdit="1"/>
+              </p:cNvSpPr>
+              <p:nvPr/>
+            </p:nvSpPr>
+            <p:spPr>
+              <a:xfrm>
+                <a:off x="6254089" y="5440593"/>
+                <a:ext cx="648072" cy="461665"/>
+              </a:xfrm>
+              <a:prstGeom prst="rect">
+                <a:avLst/>
+              </a:prstGeom>
+              <a:blipFill>
+                <a:blip r:embed="rId8"/>
+                <a:stretch>
+                  <a:fillRect/>
+                </a:stretch>
+              </a:blipFill>
+              <a:ln w="19050" cap="rnd">
+                <a:noFill/>
+              </a:ln>
+            </p:spPr>
+            <p:txBody>
+              <a:bodyPr/>
+              <a:lstStyle/>
+              <a:p>
+                <a:r>
+                  <a:rPr lang="ja-JP" altLang="en-US">
+                    <a:noFill/>
+                  </a:rPr>
+                  <a:t> </a:t>
+                </a:r>
+              </a:p>
+            </p:txBody>
+          </p:sp>
+        </mc:Fallback>
+      </mc:AlternateContent>
+      <p:cxnSp>
+        <p:nvCxnSpPr>
+          <p:cNvPr id="28" name="直線矢印コネクタ 27">
+            <a:extLst>
+              <a:ext uri="{FF2B5EF4-FFF2-40B4-BE49-F238E27FC236}">
+                <a16:creationId xmlns:a16="http://schemas.microsoft.com/office/drawing/2014/main" id="{70858A94-63D7-4F77-82F0-44AE693ADCA5}"/>
+              </a:ext>
+            </a:extLst>
+          </p:cNvPr>
+          <p:cNvCxnSpPr>
+            <a:cxnSpLocks/>
+            <a:stCxn id="27" idx="1"/>
+          </p:cNvCxnSpPr>
+          <p:nvPr/>
+        </p:nvCxnSpPr>
+        <p:spPr>
+          <a:xfrm flipH="1" flipV="1">
+            <a:off x="2434610" y="5671425"/>
+            <a:ext cx="3819479" cy="1"/>
+          </a:xfrm>
+          <a:prstGeom prst="straightConnector1">
+            <a:avLst/>
+          </a:prstGeom>
+          <a:ln w="12700">
+            <a:solidFill>
+              <a:schemeClr val="tx1"/>
+            </a:solidFill>
+            <a:tailEnd type="triangle"/>
+          </a:ln>
+        </p:spPr>
+        <p:style>
+          <a:lnRef idx="1">
+            <a:schemeClr val="accent1"/>
+          </a:lnRef>
+          <a:fillRef idx="0">
+            <a:schemeClr val="accent1"/>
+          </a:fillRef>
+          <a:effectRef idx="0">
+            <a:schemeClr val="accent1"/>
+          </a:effectRef>
+          <a:fontRef idx="minor">
+            <a:schemeClr val="tx1"/>
+          </a:fontRef>
+        </p:style>
+      </p:cxnSp>
+      <p:cxnSp>
+        <p:nvCxnSpPr>
+          <p:cNvPr id="30" name="直線矢印コネクタ 29">
+            <a:extLst>
+              <a:ext uri="{FF2B5EF4-FFF2-40B4-BE49-F238E27FC236}">
+                <a16:creationId xmlns:a16="http://schemas.microsoft.com/office/drawing/2014/main" id="{6D59470D-2DD2-40FF-80EB-601208C302C7}"/>
+              </a:ext>
+            </a:extLst>
+          </p:cNvPr>
+          <p:cNvCxnSpPr>
+            <a:cxnSpLocks/>
+          </p:cNvCxnSpPr>
+          <p:nvPr/>
+        </p:nvCxnSpPr>
+        <p:spPr>
+          <a:xfrm>
+            <a:off x="1763688" y="6018269"/>
+            <a:ext cx="0" cy="255307"/>
+          </a:xfrm>
+          <a:prstGeom prst="straightConnector1">
+            <a:avLst/>
+          </a:prstGeom>
+          <a:ln w="12700">
+            <a:solidFill>
+              <a:schemeClr val="tx1"/>
+            </a:solidFill>
+            <a:tailEnd type="triangle"/>
+          </a:ln>
+        </p:spPr>
+        <p:style>
+          <a:lnRef idx="1">
+            <a:schemeClr val="accent1"/>
+          </a:lnRef>
+          <a:fillRef idx="0">
+            <a:schemeClr val="accent1"/>
+          </a:fillRef>
+          <a:effectRef idx="0">
+            <a:schemeClr val="accent1"/>
+          </a:effectRef>
+          <a:fontRef idx="minor">
+            <a:schemeClr val="tx1"/>
+          </a:fontRef>
+        </p:style>
+      </p:cxnSp>
+      <p:sp>
+        <p:nvSpPr>
+          <p:cNvPr id="34" name="テキスト ボックス 33">
+            <a:extLst>
+              <a:ext uri="{FF2B5EF4-FFF2-40B4-BE49-F238E27FC236}">
+                <a16:creationId xmlns:a16="http://schemas.microsoft.com/office/drawing/2014/main" id="{161D7071-4723-4AF9-9A7D-D29D70B8A4FE}"/>
+              </a:ext>
+            </a:extLst>
+          </p:cNvPr>
+          <p:cNvSpPr txBox="1"/>
+          <p:nvPr/>
+        </p:nvSpPr>
+        <p:spPr>
+          <a:xfrm>
+            <a:off x="931061" y="6279703"/>
+            <a:ext cx="1944209" cy="461665"/>
+          </a:xfrm>
+          <a:prstGeom prst="rect">
+            <a:avLst/>
+          </a:prstGeom>
+          <a:noFill/>
+          <a:ln w="19050" cap="rnd">
+            <a:noFill/>
+          </a:ln>
+        </p:spPr>
+        <p:txBody>
+          <a:bodyPr wrap="square" rtlCol="0">
+            <a:spAutoFit/>
+          </a:bodyPr>
+          <a:lstStyle/>
+          <a:p>
+            <a:r>
+              <a:rPr kumimoji="1" lang="ja-JP" altLang="en-US" sz="2400">
+                <a:latin typeface="游ゴシック" panose="020B0400000000000000" pitchFamily="50" charset="-128"/>
+                <a:ea typeface="游ゴシック" panose="020B0400000000000000" pitchFamily="50" charset="-128"/>
+                <a:cs typeface="Courier New" pitchFamily="49" charset="0"/>
+              </a:rPr>
+              <a:t>受理 </a:t>
+            </a:r>
+            <a:r>
+              <a:rPr kumimoji="1" lang="en-US" altLang="ja-JP" sz="2400">
+                <a:latin typeface="游ゴシック" panose="020B0400000000000000" pitchFamily="50" charset="-128"/>
+                <a:ea typeface="游ゴシック" panose="020B0400000000000000" pitchFamily="50" charset="-128"/>
+                <a:cs typeface="Courier New" pitchFamily="49" charset="0"/>
+              </a:rPr>
+              <a:t>or </a:t>
+            </a:r>
+            <a:r>
+              <a:rPr kumimoji="1" lang="ja-JP" altLang="en-US" sz="2400">
+                <a:latin typeface="游ゴシック" panose="020B0400000000000000" pitchFamily="50" charset="-128"/>
+                <a:ea typeface="游ゴシック" panose="020B0400000000000000" pitchFamily="50" charset="-128"/>
+                <a:cs typeface="Courier New" pitchFamily="49" charset="0"/>
+              </a:rPr>
+              <a:t>拒絶</a:t>
+            </a:r>
+          </a:p>
+        </p:txBody>
+      </p:sp>
+      <mc:AlternateContent xmlns:mc="http://schemas.openxmlformats.org/markup-compatibility/2006" xmlns:a14="http://schemas.microsoft.com/office/drawing/2010/main">
+        <mc:Choice Requires="a14">
+          <p:sp>
+            <p:nvSpPr>
+              <p:cNvPr id="35" name="テキスト ボックス 34">
+                <a:extLst>
+                  <a:ext uri="{FF2B5EF4-FFF2-40B4-BE49-F238E27FC236}">
+                    <a16:creationId xmlns:a16="http://schemas.microsoft.com/office/drawing/2014/main" id="{DD856DFE-5AF7-42DB-8AC6-7D80BE9F052F}"/>
+                  </a:ext>
+                </a:extLst>
+              </p:cNvPr>
+              <p:cNvSpPr txBox="1"/>
+              <p:nvPr/>
+            </p:nvSpPr>
+            <p:spPr>
+              <a:xfrm>
+                <a:off x="3337714" y="2561708"/>
+                <a:ext cx="1479222" cy="412849"/>
+              </a:xfrm>
+              <a:prstGeom prst="rect">
+                <a:avLst/>
+              </a:prstGeom>
+              <a:noFill/>
+              <a:ln w="19050" cap="rnd">
+                <a:noFill/>
+                <a:prstDash val="sysDash"/>
+              </a:ln>
+            </p:spPr>
+            <p:txBody>
+              <a:bodyPr wrap="square" lIns="43094" tIns="21548" rIns="43094" bIns="21548" rtlCol="0">
+                <a:spAutoFit/>
+              </a:bodyPr>
+              <a:lstStyle/>
+              <a:p>
+                <a14:m>
+                  <m:oMath xmlns:m="http://schemas.openxmlformats.org/officeDocument/2006/math">
+                    <m:r>
+                      <a:rPr lang="en-US" altLang="ja-JP" sz="2400" b="0" i="1" smtClean="0">
+                        <a:latin typeface="Cambria Math" panose="02040503050406030204" pitchFamily="18" charset="0"/>
+                        <a:ea typeface="游ゴシック" panose="020B0400000000000000" pitchFamily="50" charset="-128"/>
+                        <a:cs typeface="Courier New" pitchFamily="49" charset="0"/>
+                      </a:rPr>
+                      <m:t>𝑋</m:t>
+                    </m:r>
+                  </m:oMath>
+                </a14:m>
+                <a:r>
+                  <a:rPr lang="ja-JP" altLang="en-US" sz="2400">
+                    <a:latin typeface="游ゴシック" panose="020B0400000000000000" pitchFamily="50" charset="-128"/>
+                    <a:ea typeface="游ゴシック" panose="020B0400000000000000" pitchFamily="50" charset="-128"/>
+                    <a:cs typeface="Courier New" pitchFamily="49" charset="0"/>
+                  </a:rPr>
+                  <a:t>の共有</a:t>
+                </a:r>
+              </a:p>
+            </p:txBody>
+          </p:sp>
+        </mc:Choice>
+        <mc:Fallback xmlns="">
+          <p:sp>
+            <p:nvSpPr>
+              <p:cNvPr id="35" name="テキスト ボックス 34">
+                <a:extLst>
+                  <a:ext uri="{FF2B5EF4-FFF2-40B4-BE49-F238E27FC236}">
+                    <a16:creationId xmlns:a16="http://schemas.microsoft.com/office/drawing/2014/main" id="{DD856DFE-5AF7-42DB-8AC6-7D80BE9F052F}"/>
+                  </a:ext>
+                </a:extLst>
+              </p:cNvPr>
+              <p:cNvSpPr txBox="1">
+                <a:spLocks noRot="1" noChangeAspect="1" noMove="1" noResize="1" noEditPoints="1" noAdjustHandles="1" noChangeArrowheads="1" noChangeShapeType="1" noTextEdit="1"/>
+              </p:cNvSpPr>
+              <p:nvPr/>
+            </p:nvSpPr>
+            <p:spPr>
+              <a:xfrm>
+                <a:off x="3337714" y="2561708"/>
+                <a:ext cx="1479222" cy="412849"/>
+              </a:xfrm>
+              <a:prstGeom prst="rect">
+                <a:avLst/>
+              </a:prstGeom>
+              <a:blipFill>
+                <a:blip r:embed="rId9"/>
+                <a:stretch>
+                  <a:fillRect l="-4545" t="-17647" b="-38235"/>
+                </a:stretch>
+              </a:blipFill>
+              <a:ln w="19050" cap="rnd">
+                <a:noFill/>
+                <a:prstDash val="sysDash"/>
+              </a:ln>
+            </p:spPr>
+            <p:txBody>
+              <a:bodyPr/>
+              <a:lstStyle/>
+              <a:p>
+                <a:r>
+                  <a:rPr lang="ja-JP" altLang="en-US">
+                    <a:noFill/>
+                  </a:rPr>
+                  <a:t> </a:t>
+                </a:r>
+              </a:p>
+            </p:txBody>
+          </p:sp>
+        </mc:Fallback>
+      </mc:AlternateContent>
+      <p:cxnSp>
+        <p:nvCxnSpPr>
+          <p:cNvPr id="36" name="直線矢印コネクタ 33">
+            <a:extLst>
+              <a:ext uri="{FF2B5EF4-FFF2-40B4-BE49-F238E27FC236}">
+                <a16:creationId xmlns:a16="http://schemas.microsoft.com/office/drawing/2014/main" id="{280FDEDA-1303-435F-8221-E5302D118FAD}"/>
+              </a:ext>
+            </a:extLst>
+          </p:cNvPr>
+          <p:cNvCxnSpPr>
+            <a:cxnSpLocks/>
+            <a:stCxn id="35" idx="2"/>
+            <a:endCxn id="17" idx="1"/>
+          </p:cNvCxnSpPr>
+          <p:nvPr/>
+        </p:nvCxnSpPr>
+        <p:spPr>
+          <a:xfrm rot="16200000" flipH="1">
+            <a:off x="4537043" y="2514838"/>
+            <a:ext cx="900519" cy="1819955"/>
+          </a:xfrm>
+          <a:prstGeom prst="curvedConnector2">
+            <a:avLst/>
+          </a:prstGeom>
+          <a:ln w="3175">
+            <a:solidFill>
+              <a:schemeClr val="tx1"/>
+            </a:solidFill>
+            <a:prstDash val="lgDashDot"/>
+            <a:headEnd type="none"/>
+            <a:tailEnd type="triangle"/>
+          </a:ln>
+        </p:spPr>
+        <p:style>
+          <a:lnRef idx="1">
+            <a:schemeClr val="accent1"/>
+          </a:lnRef>
+          <a:fillRef idx="0">
+            <a:schemeClr val="accent1"/>
+          </a:fillRef>
+          <a:effectRef idx="0">
+            <a:schemeClr val="accent1"/>
+          </a:effectRef>
+          <a:fontRef idx="minor">
+            <a:schemeClr val="tx1"/>
+          </a:fontRef>
+        </p:style>
+      </p:cxnSp>
+      <p:cxnSp>
+        <p:nvCxnSpPr>
+          <p:cNvPr id="37" name="直線矢印コネクタ 33">
+            <a:extLst>
+              <a:ext uri="{FF2B5EF4-FFF2-40B4-BE49-F238E27FC236}">
+                <a16:creationId xmlns:a16="http://schemas.microsoft.com/office/drawing/2014/main" id="{2CCC82B1-670A-45D9-BA43-8B97B974F32E}"/>
+              </a:ext>
+            </a:extLst>
+          </p:cNvPr>
+          <p:cNvCxnSpPr>
+            <a:cxnSpLocks/>
+            <a:stCxn id="35" idx="2"/>
+            <a:endCxn id="16" idx="3"/>
+          </p:cNvCxnSpPr>
+          <p:nvPr/>
+        </p:nvCxnSpPr>
+        <p:spPr>
+          <a:xfrm rot="5400000">
+            <a:off x="2886838" y="2617380"/>
+            <a:ext cx="833310" cy="1547664"/>
+          </a:xfrm>
+          <a:prstGeom prst="curvedConnector2">
+            <a:avLst/>
+          </a:prstGeom>
+          <a:ln w="3175">
+            <a:solidFill>
+              <a:schemeClr val="tx1"/>
+            </a:solidFill>
+            <a:prstDash val="lgDashDot"/>
+            <a:headEnd type="none"/>
+            <a:tailEnd type="triangle"/>
+          </a:ln>
+        </p:spPr>
+        <p:style>
+          <a:lnRef idx="1">
+            <a:schemeClr val="accent1"/>
+          </a:lnRef>
+          <a:fillRef idx="0">
+            <a:schemeClr val="accent1"/>
+          </a:fillRef>
+          <a:effectRef idx="0">
+            <a:schemeClr val="accent1"/>
+          </a:effectRef>
+          <a:fontRef idx="minor">
+            <a:schemeClr val="tx1"/>
+          </a:fontRef>
+        </p:style>
+      </p:cxnSp>
+    </p:spTree>
+    <p:extLst>
+      <p:ext uri="{BB962C8B-B14F-4D97-AF65-F5344CB8AC3E}">
+        <p14:creationId xmlns:p14="http://schemas.microsoft.com/office/powerpoint/2010/main" val="3444161200"/>
+      </p:ext>
+    </p:extLst>
+  </p:cSld>
+  <p:clrMapOvr>
+    <a:masterClrMapping/>
+  </p:clrMapOvr>
+</p:sld>
+</file>
+
+<file path=ppt/slides/slide15.xml><?xml version="1.0" encoding="utf-8"?>
+<p:sld xmlns:a="http://schemas.openxmlformats.org/drawingml/2006/main" xmlns:r="http://schemas.openxmlformats.org/officeDocument/2006/relationships" xmlns:p="http://schemas.openxmlformats.org/presentationml/2006/main">
+  <p:cSld>
+    <p:spTree>
+      <p:nvGrpSpPr>
+        <p:cNvPr id="1" name=""/>
+        <p:cNvGrpSpPr/>
+        <p:nvPr/>
+      </p:nvGrpSpPr>
+      <p:grpSpPr>
+        <a:xfrm>
+          <a:off x="0" y="0"/>
+          <a:ext cx="0" cy="0"/>
+          <a:chOff x="0" y="0"/>
+          <a:chExt cx="0" cy="0"/>
+        </a:xfrm>
+      </p:grpSpPr>
+      <mc:AlternateContent xmlns:mc="http://schemas.openxmlformats.org/markup-compatibility/2006" xmlns:a14="http://schemas.microsoft.com/office/drawing/2010/main">
+        <mc:Choice Requires="a14">
+          <p:sp>
+            <p:nvSpPr>
+              <p:cNvPr id="2" name="コンテンツ プレースホルダー 1">
+                <a:extLst>
+                  <a:ext uri="{FF2B5EF4-FFF2-40B4-BE49-F238E27FC236}">
+                    <a16:creationId xmlns:a16="http://schemas.microsoft.com/office/drawing/2014/main" id="{56D019AB-F684-46D8-9969-2662AD58B374}"/>
+                  </a:ext>
+                </a:extLst>
+              </p:cNvPr>
+              <p:cNvSpPr>
+                <a:spLocks noGrp="1"/>
+              </p:cNvSpPr>
+              <p:nvPr>
+                <p:ph idx="1"/>
+              </p:nvPr>
+            </p:nvSpPr>
+            <p:spPr/>
+            <p:txBody>
+              <a:bodyPr/>
+              <a:lstStyle/>
+              <a:p>
+                <a:r>
+                  <a:rPr kumimoji="1" lang="ja-JP" altLang="en-US"/>
+                  <a:t>完全性</a:t>
+                </a:r>
+                <a:endParaRPr kumimoji="1" lang="en-US" altLang="ja-JP"/>
+              </a:p>
+              <a:p>
+                <a:pPr lvl="1"/>
+                <a:r>
+                  <a:rPr lang="ja-JP" altLang="en-US"/>
+                  <a:t>証明者</a:t>
+                </a:r>
+                <a:r>
+                  <a:rPr lang="en-US" altLang="ja-JP"/>
+                  <a:t>P</a:t>
+                </a:r>
+                <a:r>
+                  <a:rPr lang="ja-JP" altLang="en-US"/>
+                  <a:t>が</a:t>
+                </a:r>
+                <a14:m>
+                  <m:oMath xmlns:m="http://schemas.openxmlformats.org/officeDocument/2006/math">
+                    <m:d>
+                      <m:dPr>
+                        <m:ctrlPr>
+                          <a:rPr kumimoji="1" lang="en-US" altLang="ja-JP" b="0" i="1" smtClean="0">
+                            <a:latin typeface="Cambria Math" panose="02040503050406030204" pitchFamily="18" charset="0"/>
+                          </a:rPr>
+                        </m:ctrlPr>
+                      </m:dPr>
+                      <m:e>
+                        <m:r>
+                          <a:rPr kumimoji="1" lang="en-US" altLang="ja-JP" b="0" i="1" smtClean="0">
+                            <a:latin typeface="Cambria Math" panose="02040503050406030204" pitchFamily="18" charset="0"/>
+                          </a:rPr>
+                          <m:t>𝑋</m:t>
+                        </m:r>
+                        <m:r>
+                          <a:rPr kumimoji="1" lang="en-US" altLang="ja-JP" b="0" i="1" smtClean="0">
+                            <a:latin typeface="Cambria Math" panose="02040503050406030204" pitchFamily="18" charset="0"/>
+                          </a:rPr>
+                          <m:t>,</m:t>
+                        </m:r>
+                        <m:r>
+                          <a:rPr kumimoji="1" lang="en-US" altLang="ja-JP" b="0" i="1" smtClean="0">
+                            <a:latin typeface="Cambria Math" panose="02040503050406030204" pitchFamily="18" charset="0"/>
+                          </a:rPr>
+                          <m:t>𝑊</m:t>
+                        </m:r>
+                      </m:e>
+                    </m:d>
+                    <m:r>
+                      <a:rPr kumimoji="1" lang="en-US" altLang="ja-JP" b="0" i="1" smtClean="0">
+                        <a:latin typeface="Cambria Math" panose="02040503050406030204" pitchFamily="18" charset="0"/>
+                      </a:rPr>
+                      <m:t>∈</m:t>
+                    </m:r>
+                    <m:r>
+                      <a:rPr kumimoji="1" lang="en-US" altLang="ja-JP" b="0" i="1" smtClean="0">
+                        <a:latin typeface="Cambria Math" panose="02040503050406030204" pitchFamily="18" charset="0"/>
+                      </a:rPr>
+                      <m:t>𝑅</m:t>
+                    </m:r>
+                  </m:oMath>
+                </a14:m>
+                <a:r>
+                  <a:rPr kumimoji="1" lang="ja-JP" altLang="en-US" b="0"/>
+                  <a:t>となる</a:t>
+                </a:r>
+                <a14:m>
+                  <m:oMath xmlns:m="http://schemas.openxmlformats.org/officeDocument/2006/math">
+                    <m:r>
+                      <a:rPr kumimoji="1" lang="en-US" altLang="ja-JP" b="0" i="1" smtClean="0">
+                        <a:latin typeface="Cambria Math" panose="02040503050406030204" pitchFamily="18" charset="0"/>
+                      </a:rPr>
+                      <m:t>𝑊</m:t>
+                    </m:r>
+                  </m:oMath>
+                </a14:m>
+                <a:r>
+                  <a:rPr kumimoji="1" lang="ja-JP" altLang="en-US" b="0"/>
+                  <a:t>を知っていたら検証者</a:t>
+                </a:r>
+                <a:r>
+                  <a:rPr kumimoji="1" lang="en-US" altLang="ja-JP" b="0"/>
+                  <a:t>V</a:t>
+                </a:r>
+                <a:r>
+                  <a:rPr kumimoji="1" lang="ja-JP" altLang="en-US" b="0"/>
+                  <a:t>は受理</a:t>
+                </a:r>
+                <a:endParaRPr kumimoji="1" lang="en-US" altLang="ja-JP" b="0"/>
+              </a:p>
+              <a:p>
+                <a:r>
+                  <a:rPr kumimoji="1" lang="ja-JP" altLang="en-US" b="0"/>
+                  <a:t>健全性</a:t>
+                </a:r>
+                <a:endParaRPr kumimoji="1" lang="en-US" altLang="ja-JP" b="0"/>
+              </a:p>
+              <a:p>
+                <a:pPr lvl="1"/>
+                <a14:m>
+                  <m:oMath xmlns:m="http://schemas.openxmlformats.org/officeDocument/2006/math">
+                    <m:d>
+                      <m:dPr>
+                        <m:ctrlPr>
+                          <a:rPr kumimoji="1" lang="en-US" altLang="ja-JP" b="0" i="1" smtClean="0">
+                            <a:latin typeface="Cambria Math" panose="02040503050406030204" pitchFamily="18" charset="0"/>
+                          </a:rPr>
+                        </m:ctrlPr>
+                      </m:dPr>
+                      <m:e>
+                        <m:r>
+                          <a:rPr kumimoji="1" lang="en-US" altLang="ja-JP" b="0" i="1" smtClean="0">
+                            <a:latin typeface="Cambria Math" panose="02040503050406030204" pitchFamily="18" charset="0"/>
+                          </a:rPr>
+                          <m:t>𝐴</m:t>
+                        </m:r>
+                        <m:r>
+                          <a:rPr kumimoji="1" lang="en-US" altLang="ja-JP" b="0" i="1" smtClean="0">
+                            <a:latin typeface="Cambria Math" panose="02040503050406030204" pitchFamily="18" charset="0"/>
+                          </a:rPr>
+                          <m:t>,</m:t>
+                        </m:r>
+                        <m:r>
+                          <a:rPr kumimoji="1" lang="en-US" altLang="ja-JP" b="0" i="1" smtClean="0">
+                            <a:latin typeface="Cambria Math" panose="02040503050406030204" pitchFamily="18" charset="0"/>
+                          </a:rPr>
+                          <m:t>h</m:t>
+                        </m:r>
+                        <m:r>
+                          <a:rPr kumimoji="1" lang="en-US" altLang="ja-JP" b="0" i="1" smtClean="0">
+                            <a:latin typeface="Cambria Math" panose="02040503050406030204" pitchFamily="18" charset="0"/>
+                          </a:rPr>
+                          <m:t>,</m:t>
+                        </m:r>
+                        <m:r>
+                          <a:rPr kumimoji="1" lang="en-US" altLang="ja-JP" b="0" i="1" smtClean="0">
+                            <a:latin typeface="Cambria Math" panose="02040503050406030204" pitchFamily="18" charset="0"/>
+                          </a:rPr>
+                          <m:t>𝐵</m:t>
+                        </m:r>
+                      </m:e>
+                    </m:d>
+                    <m:r>
+                      <a:rPr kumimoji="1" lang="en-US" altLang="ja-JP" b="0" i="1" smtClean="0">
+                        <a:latin typeface="Cambria Math" panose="02040503050406030204" pitchFamily="18" charset="0"/>
+                      </a:rPr>
+                      <m:t>,(</m:t>
+                    </m:r>
+                    <m:r>
+                      <a:rPr kumimoji="1" lang="en-US" altLang="ja-JP" b="0" i="1" smtClean="0">
+                        <a:latin typeface="Cambria Math" panose="02040503050406030204" pitchFamily="18" charset="0"/>
+                      </a:rPr>
+                      <m:t>𝐴</m:t>
+                    </m:r>
+                    <m:r>
+                      <a:rPr kumimoji="1" lang="en-US" altLang="ja-JP" b="0" i="1" smtClean="0">
+                        <a:latin typeface="Cambria Math" panose="02040503050406030204" pitchFamily="18" charset="0"/>
+                      </a:rPr>
+                      <m:t>,</m:t>
+                    </m:r>
+                    <m:sSup>
+                      <m:sSupPr>
+                        <m:ctrlPr>
+                          <a:rPr kumimoji="1" lang="en-US" altLang="ja-JP" b="0" i="1" smtClean="0">
+                            <a:latin typeface="Cambria Math" panose="02040503050406030204" pitchFamily="18" charset="0"/>
+                          </a:rPr>
+                        </m:ctrlPr>
+                      </m:sSupPr>
+                      <m:e>
+                        <m:r>
+                          <a:rPr kumimoji="1" lang="en-US" altLang="ja-JP" b="0" i="1" smtClean="0">
+                            <a:latin typeface="Cambria Math" panose="02040503050406030204" pitchFamily="18" charset="0"/>
+                          </a:rPr>
+                          <m:t>h</m:t>
+                        </m:r>
+                      </m:e>
+                      <m:sup>
+                        <m:r>
+                          <a:rPr kumimoji="1" lang="en-US" altLang="ja-JP" b="0" i="1" smtClean="0">
+                            <a:latin typeface="Cambria Math" panose="02040503050406030204" pitchFamily="18" charset="0"/>
+                          </a:rPr>
+                          <m:t>′</m:t>
+                        </m:r>
+                      </m:sup>
+                    </m:sSup>
+                    <m:r>
+                      <a:rPr kumimoji="1" lang="en-US" altLang="ja-JP" b="0" i="1" smtClean="0">
+                        <a:latin typeface="Cambria Math" panose="02040503050406030204" pitchFamily="18" charset="0"/>
+                      </a:rPr>
+                      <m:t>,</m:t>
+                    </m:r>
+                    <m:sSup>
+                      <m:sSupPr>
+                        <m:ctrlPr>
+                          <a:rPr kumimoji="1" lang="en-US" altLang="ja-JP" b="0" i="1" smtClean="0">
+                            <a:latin typeface="Cambria Math" panose="02040503050406030204" pitchFamily="18" charset="0"/>
+                          </a:rPr>
+                        </m:ctrlPr>
+                      </m:sSupPr>
+                      <m:e>
+                        <m:r>
+                          <a:rPr kumimoji="1" lang="en-US" altLang="ja-JP" b="0" i="1" smtClean="0">
+                            <a:latin typeface="Cambria Math" panose="02040503050406030204" pitchFamily="18" charset="0"/>
+                          </a:rPr>
+                          <m:t>𝐵</m:t>
+                        </m:r>
+                      </m:e>
+                      <m:sup>
+                        <m:r>
+                          <a:rPr kumimoji="1" lang="en-US" altLang="ja-JP" b="0" i="1" smtClean="0">
+                            <a:latin typeface="Cambria Math" panose="02040503050406030204" pitchFamily="18" charset="0"/>
+                          </a:rPr>
+                          <m:t>′</m:t>
+                        </m:r>
+                      </m:sup>
+                    </m:sSup>
+                    <m:r>
+                      <a:rPr kumimoji="1" lang="en-US" altLang="ja-JP" b="0" i="1" smtClean="0">
+                        <a:latin typeface="Cambria Math" panose="02040503050406030204" pitchFamily="18" charset="0"/>
+                      </a:rPr>
+                      <m:t>)</m:t>
+                    </m:r>
+                  </m:oMath>
+                </a14:m>
+                <a:r>
+                  <a:rPr kumimoji="1" lang="ja-JP" altLang="en-US" b="0"/>
+                  <a:t> </a:t>
+                </a:r>
+                <a:r>
+                  <a:rPr kumimoji="1" lang="en-US" altLang="ja-JP" b="0"/>
+                  <a:t>(</a:t>
+                </a:r>
+                <a14:m>
+                  <m:oMath xmlns:m="http://schemas.openxmlformats.org/officeDocument/2006/math">
+                    <m:r>
+                      <a:rPr kumimoji="1" lang="en-US" altLang="ja-JP" b="0" i="1" smtClean="0">
+                        <a:latin typeface="Cambria Math" panose="02040503050406030204" pitchFamily="18" charset="0"/>
+                      </a:rPr>
+                      <m:t>h</m:t>
+                    </m:r>
+                    <m:r>
+                      <a:rPr kumimoji="1" lang="en-US" altLang="ja-JP" b="0" i="1" smtClean="0">
+                        <a:latin typeface="Cambria Math" panose="02040503050406030204" pitchFamily="18" charset="0"/>
+                      </a:rPr>
+                      <m:t>≠</m:t>
+                    </m:r>
+                    <m:r>
+                      <a:rPr kumimoji="1" lang="en-US" altLang="ja-JP" b="0" i="1" smtClean="0">
+                        <a:latin typeface="Cambria Math" panose="02040503050406030204" pitchFamily="18" charset="0"/>
+                      </a:rPr>
+                      <m:t>h</m:t>
+                    </m:r>
+                    <m:r>
+                      <a:rPr kumimoji="1" lang="en-US" altLang="ja-JP" b="0" i="1" smtClean="0">
+                        <a:latin typeface="Cambria Math" panose="02040503050406030204" pitchFamily="18" charset="0"/>
+                      </a:rPr>
+                      <m:t>′</m:t>
+                    </m:r>
+                  </m:oMath>
+                </a14:m>
+                <a:r>
+                  <a:rPr kumimoji="1" lang="en-US" altLang="ja-JP" b="0"/>
+                  <a:t>)</a:t>
+                </a:r>
+                <a:r>
+                  <a:rPr kumimoji="1" lang="ja-JP" altLang="en-US" b="0"/>
+                  <a:t>が受理されれば</a:t>
+                </a:r>
+                <a14:m>
+                  <m:oMath xmlns:m="http://schemas.openxmlformats.org/officeDocument/2006/math">
+                    <m:d>
+                      <m:dPr>
+                        <m:ctrlPr>
+                          <a:rPr kumimoji="1" lang="en-US" altLang="ja-JP" b="0" i="1" smtClean="0">
+                            <a:latin typeface="Cambria Math" panose="02040503050406030204" pitchFamily="18" charset="0"/>
+                          </a:rPr>
+                        </m:ctrlPr>
+                      </m:dPr>
+                      <m:e>
+                        <m:r>
+                          <a:rPr kumimoji="1" lang="en-US" altLang="ja-JP" b="0" i="1" smtClean="0">
+                            <a:latin typeface="Cambria Math" panose="02040503050406030204" pitchFamily="18" charset="0"/>
+                          </a:rPr>
+                          <m:t>𝑋</m:t>
+                        </m:r>
+                        <m:r>
+                          <a:rPr kumimoji="1" lang="en-US" altLang="ja-JP" b="0" i="1" smtClean="0">
+                            <a:latin typeface="Cambria Math" panose="02040503050406030204" pitchFamily="18" charset="0"/>
+                          </a:rPr>
+                          <m:t>,</m:t>
+                        </m:r>
+                        <m:r>
+                          <a:rPr kumimoji="1" lang="en-US" altLang="ja-JP" b="0" i="1" smtClean="0">
+                            <a:latin typeface="Cambria Math" panose="02040503050406030204" pitchFamily="18" charset="0"/>
+                          </a:rPr>
+                          <m:t>𝑊</m:t>
+                        </m:r>
+                      </m:e>
+                    </m:d>
+                    <m:r>
+                      <a:rPr kumimoji="1" lang="en-US" altLang="ja-JP" b="0" i="1" smtClean="0">
+                        <a:latin typeface="Cambria Math" panose="02040503050406030204" pitchFamily="18" charset="0"/>
+                      </a:rPr>
+                      <m:t>∈</m:t>
+                    </m:r>
+                    <m:r>
+                      <a:rPr kumimoji="1" lang="en-US" altLang="ja-JP" b="0" i="1" smtClean="0">
+                        <a:latin typeface="Cambria Math" panose="02040503050406030204" pitchFamily="18" charset="0"/>
+                      </a:rPr>
+                      <m:t>𝑅</m:t>
+                    </m:r>
+                  </m:oMath>
+                </a14:m>
+                <a:r>
+                  <a:rPr kumimoji="1" lang="ja-JP" altLang="en-US" b="0"/>
+                  <a:t>となる</a:t>
+                </a:r>
+                <a14:m>
+                  <m:oMath xmlns:m="http://schemas.openxmlformats.org/officeDocument/2006/math">
+                    <m:r>
+                      <a:rPr kumimoji="1" lang="en-US" altLang="ja-JP" b="0" i="1" smtClean="0">
+                        <a:latin typeface="Cambria Math" panose="02040503050406030204" pitchFamily="18" charset="0"/>
+                      </a:rPr>
+                      <m:t>𝑊</m:t>
+                    </m:r>
+                  </m:oMath>
+                </a14:m>
+                <a:r>
+                  <a:rPr kumimoji="1" lang="ja-JP" altLang="en-US" b="0"/>
+                  <a:t>を計算できる</a:t>
+                </a:r>
+                <a:endParaRPr kumimoji="1" lang="en-US" altLang="ja-JP" b="0"/>
+              </a:p>
+              <a:p>
+                <a:r>
+                  <a:rPr kumimoji="1" lang="en-US" altLang="ja-JP" b="0"/>
+                  <a:t>(special honest-verifier)</a:t>
+                </a:r>
+                <a:r>
+                  <a:rPr kumimoji="1" lang="ja-JP" altLang="en-US" b="0"/>
+                  <a:t> ゼロ知識性</a:t>
+                </a:r>
+                <a:endParaRPr kumimoji="1" lang="en-US" altLang="ja-JP" b="0"/>
+              </a:p>
+              <a:p>
+                <a:pPr lvl="1"/>
+                <a14:m>
+                  <m:oMath xmlns:m="http://schemas.openxmlformats.org/officeDocument/2006/math">
+                    <m:r>
+                      <a:rPr kumimoji="1" lang="en-US" altLang="ja-JP" b="0" i="1" smtClean="0">
+                        <a:latin typeface="Cambria Math" panose="02040503050406030204" pitchFamily="18" charset="0"/>
+                      </a:rPr>
+                      <m:t>𝑊</m:t>
+                    </m:r>
+                  </m:oMath>
+                </a14:m>
+                <a:r>
+                  <a:rPr kumimoji="1" lang="ja-JP" altLang="en-US" b="0">
+                    <a:latin typeface="Cambria Math" panose="02040503050406030204" pitchFamily="18" charset="0"/>
+                  </a:rPr>
+                  <a:t>を知らずに</a:t>
+                </a:r>
+                <a14:m>
+                  <m:oMath xmlns:m="http://schemas.openxmlformats.org/officeDocument/2006/math">
+                    <m:r>
+                      <a:rPr kumimoji="1" lang="en-US" altLang="ja-JP" b="0" i="1" smtClean="0">
+                        <a:latin typeface="Cambria Math" panose="02040503050406030204" pitchFamily="18" charset="0"/>
+                      </a:rPr>
+                      <m:t>𝑋</m:t>
+                    </m:r>
+                  </m:oMath>
+                </a14:m>
+                <a:r>
+                  <a:rPr kumimoji="1" lang="ja-JP" altLang="en-US" b="0"/>
+                  <a:t>に対して受理する</a:t>
+                </a:r>
+                <a14:m>
+                  <m:oMath xmlns:m="http://schemas.openxmlformats.org/officeDocument/2006/math">
+                    <m:r>
+                      <a:rPr kumimoji="1" lang="en-US" altLang="ja-JP" b="0" i="1" smtClean="0">
+                        <a:latin typeface="Cambria Math" panose="02040503050406030204" pitchFamily="18" charset="0"/>
+                      </a:rPr>
+                      <m:t>(</m:t>
+                    </m:r>
+                    <m:r>
+                      <a:rPr kumimoji="1" lang="en-US" altLang="ja-JP" b="0" i="1" smtClean="0">
+                        <a:latin typeface="Cambria Math" panose="02040503050406030204" pitchFamily="18" charset="0"/>
+                      </a:rPr>
+                      <m:t>𝐴</m:t>
+                    </m:r>
+                    <m:r>
+                      <a:rPr kumimoji="1" lang="en-US" altLang="ja-JP" b="0" i="1" smtClean="0">
+                        <a:latin typeface="Cambria Math" panose="02040503050406030204" pitchFamily="18" charset="0"/>
+                      </a:rPr>
+                      <m:t>,</m:t>
+                    </m:r>
+                    <m:r>
+                      <a:rPr kumimoji="1" lang="en-US" altLang="ja-JP" b="0" i="1" smtClean="0">
+                        <a:latin typeface="Cambria Math" panose="02040503050406030204" pitchFamily="18" charset="0"/>
+                      </a:rPr>
+                      <m:t>h</m:t>
+                    </m:r>
+                    <m:r>
+                      <a:rPr kumimoji="1" lang="en-US" altLang="ja-JP" b="0" i="1" smtClean="0">
+                        <a:latin typeface="Cambria Math" panose="02040503050406030204" pitchFamily="18" charset="0"/>
+                      </a:rPr>
+                      <m:t>,</m:t>
+                    </m:r>
+                    <m:r>
+                      <a:rPr kumimoji="1" lang="en-US" altLang="ja-JP" b="0" i="1" smtClean="0">
+                        <a:latin typeface="Cambria Math" panose="02040503050406030204" pitchFamily="18" charset="0"/>
+                      </a:rPr>
+                      <m:t>𝐵</m:t>
+                    </m:r>
+                    <m:r>
+                      <a:rPr kumimoji="1" lang="en-US" altLang="ja-JP" b="0" i="1" smtClean="0">
+                        <a:latin typeface="Cambria Math" panose="02040503050406030204" pitchFamily="18" charset="0"/>
+                      </a:rPr>
+                      <m:t>)</m:t>
+                    </m:r>
+                  </m:oMath>
+                </a14:m>
+                <a:r>
+                  <a:rPr kumimoji="1" lang="ja-JP" altLang="en-US" b="0"/>
+                  <a:t>を本物そっくりにシミュレートする</a:t>
+                </a:r>
+                <a14:m>
+                  <m:oMath xmlns:m="http://schemas.openxmlformats.org/officeDocument/2006/math">
+                    <m:r>
+                      <a:rPr kumimoji="1" lang="en-US" altLang="ja-JP" b="0" i="1" smtClean="0">
+                        <a:latin typeface="Cambria Math" panose="02040503050406030204" pitchFamily="18" charset="0"/>
+                      </a:rPr>
+                      <m:t>𝑀</m:t>
+                    </m:r>
+                  </m:oMath>
+                </a14:m>
+                <a:r>
+                  <a:rPr kumimoji="1" lang="ja-JP" altLang="en-US" b="0"/>
+                  <a:t>がある</a:t>
+                </a:r>
+                <a:endParaRPr kumimoji="1" lang="en-US" altLang="ja-JP" b="0"/>
+              </a:p>
+              <a:p>
+                <a:pPr lvl="1"/>
+                <a14:m>
+                  <m:oMath xmlns:m="http://schemas.openxmlformats.org/officeDocument/2006/math">
+                    <m:r>
+                      <a:rPr kumimoji="1" lang="en-US" altLang="ja-JP" b="0" i="1" smtClean="0">
+                        <a:latin typeface="Cambria Math" panose="02040503050406030204" pitchFamily="18" charset="0"/>
+                      </a:rPr>
+                      <m:t>(</m:t>
+                    </m:r>
+                    <m:r>
+                      <a:rPr kumimoji="1" lang="en-US" altLang="ja-JP" b="0" i="1" smtClean="0">
+                        <a:latin typeface="Cambria Math" panose="02040503050406030204" pitchFamily="18" charset="0"/>
+                      </a:rPr>
+                      <m:t>𝐴</m:t>
+                    </m:r>
+                    <m:r>
+                      <a:rPr kumimoji="1" lang="en-US" altLang="ja-JP" b="0" i="1" smtClean="0">
+                        <a:latin typeface="Cambria Math" panose="02040503050406030204" pitchFamily="18" charset="0"/>
+                      </a:rPr>
+                      <m:t>,</m:t>
+                    </m:r>
+                    <m:r>
+                      <a:rPr kumimoji="1" lang="en-US" altLang="ja-JP" b="0" i="1" smtClean="0">
+                        <a:latin typeface="Cambria Math" panose="02040503050406030204" pitchFamily="18" charset="0"/>
+                      </a:rPr>
+                      <m:t>h</m:t>
+                    </m:r>
+                    <m:r>
+                      <a:rPr kumimoji="1" lang="en-US" altLang="ja-JP" b="0" i="1" smtClean="0">
+                        <a:latin typeface="Cambria Math" panose="02040503050406030204" pitchFamily="18" charset="0"/>
+                      </a:rPr>
+                      <m:t>,</m:t>
+                    </m:r>
+                    <m:r>
+                      <a:rPr kumimoji="1" lang="en-US" altLang="ja-JP" b="0" i="1" smtClean="0">
+                        <a:latin typeface="Cambria Math" panose="02040503050406030204" pitchFamily="18" charset="0"/>
+                      </a:rPr>
+                      <m:t>𝐵</m:t>
+                    </m:r>
+                    <m:r>
+                      <a:rPr kumimoji="1" lang="en-US" altLang="ja-JP" b="0" i="1" smtClean="0">
+                        <a:latin typeface="Cambria Math" panose="02040503050406030204" pitchFamily="18" charset="0"/>
+                      </a:rPr>
+                      <m:t>)</m:t>
+                    </m:r>
+                  </m:oMath>
+                </a14:m>
+                <a:r>
+                  <a:rPr kumimoji="1" lang="ja-JP" altLang="en-US" b="0"/>
+                  <a:t>の情報は</a:t>
+                </a:r>
+                <a14:m>
+                  <m:oMath xmlns:m="http://schemas.openxmlformats.org/officeDocument/2006/math">
+                    <m:r>
+                      <a:rPr kumimoji="1" lang="en-US" altLang="ja-JP" b="0" i="1" smtClean="0">
+                        <a:latin typeface="Cambria Math" panose="02040503050406030204" pitchFamily="18" charset="0"/>
+                      </a:rPr>
+                      <m:t>𝑊</m:t>
+                    </m:r>
+                  </m:oMath>
+                </a14:m>
+                <a:r>
+                  <a:rPr kumimoji="1" lang="ja-JP" altLang="en-US" b="0"/>
+                  <a:t>が無くても得られるものと同じと考える</a:t>
+                </a:r>
+                <a:endParaRPr kumimoji="1" lang="en-US" altLang="ja-JP" b="0"/>
+              </a:p>
+            </p:txBody>
+          </p:sp>
+        </mc:Choice>
+        <mc:Fallback xmlns="">
+          <p:sp>
+            <p:nvSpPr>
+              <p:cNvPr id="2" name="コンテンツ プレースホルダー 1">
+                <a:extLst>
+                  <a:ext uri="{FF2B5EF4-FFF2-40B4-BE49-F238E27FC236}">
+                    <a16:creationId xmlns:a16="http://schemas.microsoft.com/office/drawing/2014/main" id="{56D019AB-F684-46D8-9969-2662AD58B374}"/>
+                  </a:ext>
+                </a:extLst>
+              </p:cNvPr>
+              <p:cNvSpPr>
+                <a:spLocks noGrp="1" noRot="1" noChangeAspect="1" noMove="1" noResize="1" noEditPoints="1" noAdjustHandles="1" noChangeArrowheads="1" noChangeShapeType="1" noTextEdit="1"/>
+              </p:cNvSpPr>
+              <p:nvPr>
+                <p:ph idx="1"/>
+              </p:nvPr>
+            </p:nvSpPr>
+            <p:spPr>
+              <a:blipFill>
+                <a:blip r:embed="rId2"/>
+                <a:stretch>
+                  <a:fillRect l="-1200" t="-1038"/>
+                </a:stretch>
+              </a:blipFill>
+            </p:spPr>
+            <p:txBody>
+              <a:bodyPr/>
+              <a:lstStyle/>
+              <a:p>
+                <a:r>
+                  <a:rPr lang="ja-JP" altLang="en-US">
+                    <a:noFill/>
+                  </a:rPr>
+                  <a:t> </a:t>
+                </a:r>
+              </a:p>
+            </p:txBody>
+          </p:sp>
+        </mc:Fallback>
+      </mc:AlternateContent>
+      <p:sp>
+        <p:nvSpPr>
+          <p:cNvPr id="4" name="タイトル 3">
+            <a:extLst>
+              <a:ext uri="{FF2B5EF4-FFF2-40B4-BE49-F238E27FC236}">
+                <a16:creationId xmlns:a16="http://schemas.microsoft.com/office/drawing/2014/main" id="{D59D5FCB-0070-4E6D-B48F-DE560EB0A714}"/>
+              </a:ext>
+            </a:extLst>
+          </p:cNvPr>
+          <p:cNvSpPr>
+            <a:spLocks noGrp="1"/>
+          </p:cNvSpPr>
+          <p:nvPr>
+            <p:ph type="title"/>
+          </p:nvPr>
+        </p:nvSpPr>
+        <p:spPr/>
+        <p:txBody>
+          <a:bodyPr/>
+          <a:lstStyle/>
+          <a:p>
+            <a:r>
+              <a:rPr kumimoji="1" lang="en-US" altLang="ja-JP"/>
+              <a:t>Σ</a:t>
+            </a:r>
+            <a:r>
+              <a:rPr kumimoji="1" lang="ja-JP" altLang="en-US"/>
+              <a:t>プロトコルの要件</a:t>
+            </a:r>
+          </a:p>
+        </p:txBody>
+      </p:sp>
+    </p:spTree>
+    <p:extLst>
+      <p:ext uri="{BB962C8B-B14F-4D97-AF65-F5344CB8AC3E}">
+        <p14:creationId xmlns:p14="http://schemas.microsoft.com/office/powerpoint/2010/main" val="1322239200"/>
+      </p:ext>
+    </p:extLst>
+  </p:cSld>
+  <p:clrMapOvr>
+    <a:masterClrMapping/>
+  </p:clrMapOvr>
+</p:sld>
+</file>
+
+<file path=ppt/slides/slide16.xml><?xml version="1.0" encoding="utf-8"?>
+<p:sld xmlns:a="http://schemas.openxmlformats.org/drawingml/2006/main" xmlns:r="http://schemas.openxmlformats.org/officeDocument/2006/relationships" xmlns:p="http://schemas.openxmlformats.org/presentationml/2006/main">
+  <p:cSld>
+    <p:spTree>
+      <p:nvGrpSpPr>
+        <p:cNvPr id="1" name=""/>
+        <p:cNvGrpSpPr/>
+        <p:nvPr/>
+      </p:nvGrpSpPr>
+      <p:grpSpPr>
+        <a:xfrm>
+          <a:off x="0" y="0"/>
+          <a:ext cx="0" cy="0"/>
+          <a:chOff x="0" y="0"/>
+          <a:chExt cx="0" cy="0"/>
+        </a:xfrm>
+      </p:grpSpPr>
+      <mc:AlternateContent xmlns:mc="http://schemas.openxmlformats.org/markup-compatibility/2006" xmlns:a14="http://schemas.microsoft.com/office/drawing/2010/main">
+        <mc:Choice Requires="a14">
+          <p:sp>
+            <p:nvSpPr>
+              <p:cNvPr id="2" name="コンテンツ プレースホルダー 1">
+                <a:extLst>
+                  <a:ext uri="{FF2B5EF4-FFF2-40B4-BE49-F238E27FC236}">
+                    <a16:creationId xmlns:a16="http://schemas.microsoft.com/office/drawing/2014/main" id="{8261E551-2CAA-4133-B381-7FC458ABD4D7}"/>
+                  </a:ext>
+                </a:extLst>
+              </p:cNvPr>
+              <p:cNvSpPr>
+                <a:spLocks noGrp="1"/>
+              </p:cNvSpPr>
+              <p:nvPr>
+                <p:ph idx="1"/>
+              </p:nvPr>
+            </p:nvSpPr>
+            <p:spPr/>
+            <p:txBody>
+              <a:bodyPr/>
+              <a:lstStyle/>
+              <a:p>
+                <a:r>
+                  <a:rPr kumimoji="1" lang="ja-JP" altLang="en-US"/>
+                  <a:t>公開情報</a:t>
+                </a:r>
+                <a14:m>
+                  <m:oMath xmlns:m="http://schemas.openxmlformats.org/officeDocument/2006/math">
+                    <m:r>
+                      <a:rPr kumimoji="1" lang="en-US" altLang="ja-JP" b="0" i="1" smtClean="0">
+                        <a:latin typeface="Cambria Math" panose="02040503050406030204" pitchFamily="18" charset="0"/>
+                      </a:rPr>
+                      <m:t>𝑋</m:t>
+                    </m:r>
+                    <m:r>
+                      <a:rPr kumimoji="1" lang="en-US" altLang="ja-JP" b="0" i="1" smtClean="0">
+                        <a:latin typeface="Cambria Math" panose="02040503050406030204" pitchFamily="18" charset="0"/>
+                      </a:rPr>
+                      <m:t>=(</m:t>
+                    </m:r>
+                    <m:r>
+                      <a:rPr kumimoji="1" lang="en-US" altLang="ja-JP" b="0" i="1" smtClean="0">
+                        <a:latin typeface="Cambria Math" panose="02040503050406030204" pitchFamily="18" charset="0"/>
+                      </a:rPr>
+                      <m:t>𝑄</m:t>
+                    </m:r>
+                    <m:r>
+                      <a:rPr kumimoji="1" lang="en-US" altLang="ja-JP" b="0" i="1" smtClean="0">
+                        <a:latin typeface="Cambria Math" panose="02040503050406030204" pitchFamily="18" charset="0"/>
+                      </a:rPr>
+                      <m:t>,</m:t>
+                    </m:r>
+                    <m:r>
+                      <a:rPr kumimoji="1" lang="en-US" altLang="ja-JP" b="0" i="1" smtClean="0">
+                        <a:latin typeface="Cambria Math" panose="02040503050406030204" pitchFamily="18" charset="0"/>
+                      </a:rPr>
+                      <m:t>𝑃</m:t>
+                    </m:r>
+                    <m:r>
+                      <a:rPr kumimoji="1" lang="en-US" altLang="ja-JP" b="0" i="1" smtClean="0">
+                        <a:latin typeface="Cambria Math" panose="02040503050406030204" pitchFamily="18" charset="0"/>
+                      </a:rPr>
+                      <m:t>)</m:t>
+                    </m:r>
+                  </m:oMath>
+                </a14:m>
+                <a:r>
+                  <a:rPr kumimoji="1" lang="en-US" altLang="ja-JP"/>
+                  <a:t>, </a:t>
+                </a:r>
+                <a14:m>
+                  <m:oMath xmlns:m="http://schemas.openxmlformats.org/officeDocument/2006/math">
+                    <m:r>
+                      <a:rPr kumimoji="1" lang="en-US" altLang="ja-JP" b="0" i="1" smtClean="0">
+                        <a:latin typeface="Cambria Math" panose="02040503050406030204" pitchFamily="18" charset="0"/>
+                      </a:rPr>
+                      <m:t>𝑄</m:t>
+                    </m:r>
+                    <m:r>
+                      <a:rPr kumimoji="1" lang="en-US" altLang="ja-JP" b="0" i="1" smtClean="0">
+                        <a:latin typeface="Cambria Math" panose="02040503050406030204" pitchFamily="18" charset="0"/>
+                      </a:rPr>
+                      <m:t>=</m:t>
+                    </m:r>
+                    <m:r>
+                      <a:rPr kumimoji="1" lang="en-US" altLang="ja-JP" b="0" i="1" smtClean="0">
+                        <a:latin typeface="Cambria Math" panose="02040503050406030204" pitchFamily="18" charset="0"/>
+                      </a:rPr>
+                      <m:t>𝑠𝑃</m:t>
+                    </m:r>
+                  </m:oMath>
+                </a14:m>
+                <a:r>
+                  <a:rPr kumimoji="1" lang="en-US" altLang="ja-JP"/>
+                  <a:t>, </a:t>
+                </a:r>
+                <a:r>
+                  <a:rPr kumimoji="1" lang="ja-JP" altLang="en-US"/>
+                  <a:t>暗号文</a:t>
+                </a:r>
+                <a14:m>
+                  <m:oMath xmlns:m="http://schemas.openxmlformats.org/officeDocument/2006/math">
+                    <m:r>
+                      <a:rPr kumimoji="1" lang="en-US" altLang="ja-JP" b="0" i="1" smtClean="0">
+                        <a:latin typeface="Cambria Math" panose="02040503050406030204" pitchFamily="18" charset="0"/>
+                      </a:rPr>
+                      <m:t>𝐶</m:t>
+                    </m:r>
+                    <m:r>
+                      <a:rPr kumimoji="1" lang="en-US" altLang="ja-JP" b="0" i="1" smtClean="0">
+                        <a:latin typeface="Cambria Math" panose="02040503050406030204" pitchFamily="18" charset="0"/>
+                      </a:rPr>
+                      <m:t>= (</m:t>
+                    </m:r>
+                    <m:r>
+                      <a:rPr kumimoji="1" lang="en-US" altLang="ja-JP" b="0" i="1" smtClean="0">
+                        <a:latin typeface="Cambria Math" panose="02040503050406030204" pitchFamily="18" charset="0"/>
+                      </a:rPr>
+                      <m:t>𝑟𝑄</m:t>
+                    </m:r>
+                    <m:r>
+                      <a:rPr kumimoji="1" lang="en-US" altLang="ja-JP" b="0" i="1" smtClean="0">
+                        <a:latin typeface="Cambria Math" panose="02040503050406030204" pitchFamily="18" charset="0"/>
+                      </a:rPr>
+                      <m:t>,</m:t>
+                    </m:r>
+                    <m:r>
+                      <a:rPr kumimoji="1" lang="en-US" altLang="ja-JP" b="0" i="1" smtClean="0">
+                        <a:latin typeface="Cambria Math" panose="02040503050406030204" pitchFamily="18" charset="0"/>
+                      </a:rPr>
+                      <m:t>𝑟𝑃</m:t>
+                    </m:r>
+                    <m:r>
+                      <a:rPr kumimoji="1" lang="en-US" altLang="ja-JP" b="0" i="1" smtClean="0">
+                        <a:latin typeface="Cambria Math" panose="02040503050406030204" pitchFamily="18" charset="0"/>
+                      </a:rPr>
+                      <m:t>)</m:t>
+                    </m:r>
+                  </m:oMath>
+                </a14:m>
+                <a:endParaRPr kumimoji="1" lang="en-US" altLang="ja-JP"/>
+              </a:p>
+              <a:p>
+                <a:r>
+                  <a:rPr kumimoji="1" lang="ja-JP" altLang="en-US"/>
+                  <a:t>証明者</a:t>
+                </a:r>
+                <a:r>
+                  <a:rPr kumimoji="1" lang="en-US" altLang="ja-JP"/>
+                  <a:t>P : </a:t>
+                </a:r>
+                <a14:m>
+                  <m:oMath xmlns:m="http://schemas.openxmlformats.org/officeDocument/2006/math">
+                    <m:r>
+                      <a:rPr kumimoji="1" lang="en-US" altLang="ja-JP" b="0" i="1" smtClean="0">
+                        <a:latin typeface="Cambria Math" panose="02040503050406030204" pitchFamily="18" charset="0"/>
+                      </a:rPr>
+                      <m:t>𝐶</m:t>
+                    </m:r>
+                    <m:r>
+                      <a:rPr kumimoji="1" lang="en-US" altLang="ja-JP" b="0" i="1" smtClean="0">
+                        <a:latin typeface="Cambria Math" panose="02040503050406030204" pitchFamily="18" charset="0"/>
+                      </a:rPr>
+                      <m:t>=</m:t>
+                    </m:r>
+                    <m:r>
+                      <a:rPr kumimoji="1" lang="en-US" altLang="ja-JP" b="0" i="1" smtClean="0">
+                        <a:latin typeface="Cambria Math" panose="02040503050406030204" pitchFamily="18" charset="0"/>
+                      </a:rPr>
+                      <m:t>𝐸𝑛𝑐</m:t>
+                    </m:r>
+                    <m:r>
+                      <a:rPr kumimoji="1" lang="en-US" altLang="ja-JP" b="0" i="1" smtClean="0">
+                        <a:latin typeface="Cambria Math" panose="02040503050406030204" pitchFamily="18" charset="0"/>
+                      </a:rPr>
+                      <m:t>(0;</m:t>
+                    </m:r>
+                    <m:r>
+                      <a:rPr kumimoji="1" lang="en-US" altLang="ja-JP" b="0" i="1" smtClean="0">
+                        <a:latin typeface="Cambria Math" panose="02040503050406030204" pitchFamily="18" charset="0"/>
+                      </a:rPr>
+                      <m:t>𝑟</m:t>
+                    </m:r>
+                    <m:r>
+                      <a:rPr kumimoji="1" lang="en-US" altLang="ja-JP" b="0" i="1" smtClean="0">
+                        <a:latin typeface="Cambria Math" panose="02040503050406030204" pitchFamily="18" charset="0"/>
+                      </a:rPr>
+                      <m:t>)</m:t>
+                    </m:r>
+                  </m:oMath>
+                </a14:m>
+                <a:r>
+                  <a:rPr kumimoji="1" lang="ja-JP" altLang="en-US"/>
+                  <a:t>となる</a:t>
+                </a:r>
+                <a14:m>
+                  <m:oMath xmlns:m="http://schemas.openxmlformats.org/officeDocument/2006/math">
+                    <m:r>
+                      <a:rPr kumimoji="1" lang="en-US" altLang="ja-JP" b="0" i="1" smtClean="0">
+                        <a:latin typeface="Cambria Math" panose="02040503050406030204" pitchFamily="18" charset="0"/>
+                      </a:rPr>
+                      <m:t>𝑟</m:t>
+                    </m:r>
+                  </m:oMath>
+                </a14:m>
+                <a:r>
+                  <a:rPr kumimoji="1" lang="ja-JP" altLang="en-US"/>
+                  <a:t>を知っている</a:t>
+                </a:r>
+                <a:endParaRPr kumimoji="1" lang="en-US" altLang="ja-JP"/>
+              </a:p>
+              <a:p>
+                <a:pPr lvl="1"/>
+                <a:r>
+                  <a:rPr kumimoji="1" lang="en-US" altLang="ja-JP"/>
+                  <a:t>P</a:t>
+                </a:r>
+                <a:r>
+                  <a:rPr kumimoji="1" lang="ja-JP" altLang="en-US"/>
+                  <a:t>→</a:t>
+                </a:r>
+                <a:r>
+                  <a:rPr kumimoji="1" lang="en-US" altLang="ja-JP"/>
+                  <a:t>V : </a:t>
+                </a:r>
+                <a:r>
+                  <a:rPr kumimoji="1" lang="ja-JP" altLang="en-US"/>
+                  <a:t>乱数</a:t>
+                </a:r>
+                <a14:m>
+                  <m:oMath xmlns:m="http://schemas.openxmlformats.org/officeDocument/2006/math">
+                    <m:r>
+                      <a:rPr kumimoji="1" lang="en-US" altLang="ja-JP" b="0" i="1" smtClean="0">
+                        <a:latin typeface="Cambria Math" panose="02040503050406030204" pitchFamily="18" charset="0"/>
+                      </a:rPr>
+                      <m:t>𝑡</m:t>
+                    </m:r>
+                  </m:oMath>
+                </a14:m>
+                <a:r>
+                  <a:rPr kumimoji="1" lang="ja-JP" altLang="en-US"/>
+                  <a:t>をとり</a:t>
+                </a:r>
+                <a14:m>
+                  <m:oMath xmlns:m="http://schemas.openxmlformats.org/officeDocument/2006/math">
+                    <m:r>
+                      <a:rPr kumimoji="1" lang="en-US" altLang="ja-JP" b="0" i="1" smtClean="0">
+                        <a:latin typeface="Cambria Math" panose="02040503050406030204" pitchFamily="18" charset="0"/>
+                      </a:rPr>
+                      <m:t>𝐴</m:t>
+                    </m:r>
+                    <m:r>
+                      <a:rPr kumimoji="1" lang="en-US" altLang="ja-JP" b="0" i="1" smtClean="0">
+                        <a:latin typeface="Cambria Math" panose="02040503050406030204" pitchFamily="18" charset="0"/>
+                      </a:rPr>
+                      <m:t>=(</m:t>
+                    </m:r>
+                    <m:r>
+                      <a:rPr kumimoji="1" lang="en-US" altLang="ja-JP" b="0" i="1" smtClean="0">
+                        <a:latin typeface="Cambria Math" panose="02040503050406030204" pitchFamily="18" charset="0"/>
+                      </a:rPr>
+                      <m:t>𝑡𝑄</m:t>
+                    </m:r>
+                    <m:r>
+                      <a:rPr kumimoji="1" lang="en-US" altLang="ja-JP" b="0" i="1" smtClean="0">
+                        <a:latin typeface="Cambria Math" panose="02040503050406030204" pitchFamily="18" charset="0"/>
+                      </a:rPr>
+                      <m:t>,</m:t>
+                    </m:r>
+                    <m:r>
+                      <a:rPr kumimoji="1" lang="en-US" altLang="ja-JP" b="0" i="1" smtClean="0">
+                        <a:latin typeface="Cambria Math" panose="02040503050406030204" pitchFamily="18" charset="0"/>
+                      </a:rPr>
+                      <m:t>𝑡𝑃</m:t>
+                    </m:r>
+                    <m:r>
+                      <a:rPr kumimoji="1" lang="en-US" altLang="ja-JP" b="0" i="1" smtClean="0">
+                        <a:latin typeface="Cambria Math" panose="02040503050406030204" pitchFamily="18" charset="0"/>
+                      </a:rPr>
+                      <m:t>)</m:t>
+                    </m:r>
+                  </m:oMath>
+                </a14:m>
+                <a:r>
+                  <a:rPr kumimoji="1" lang="ja-JP" altLang="en-US"/>
+                  <a:t>を送る</a:t>
+                </a:r>
+                <a:endParaRPr kumimoji="1" lang="en-US" altLang="ja-JP"/>
+              </a:p>
+              <a:p>
+                <a:pPr lvl="1"/>
+                <a:r>
+                  <a:rPr kumimoji="1" lang="en-US" altLang="ja-JP"/>
+                  <a:t>V</a:t>
+                </a:r>
+                <a:r>
+                  <a:rPr kumimoji="1" lang="ja-JP" altLang="en-US"/>
+                  <a:t>→</a:t>
+                </a:r>
+                <a:r>
+                  <a:rPr kumimoji="1" lang="en-US" altLang="ja-JP"/>
+                  <a:t>P : </a:t>
+                </a:r>
+                <a:r>
+                  <a:rPr kumimoji="1" lang="ja-JP" altLang="en-US"/>
+                  <a:t>乱数</a:t>
+                </a:r>
+                <a14:m>
+                  <m:oMath xmlns:m="http://schemas.openxmlformats.org/officeDocument/2006/math">
+                    <m:r>
+                      <a:rPr kumimoji="1" lang="en-US" altLang="ja-JP" b="0" i="1" smtClean="0">
+                        <a:latin typeface="Cambria Math" panose="02040503050406030204" pitchFamily="18" charset="0"/>
+                      </a:rPr>
+                      <m:t>h</m:t>
+                    </m:r>
+                  </m:oMath>
+                </a14:m>
+                <a:r>
+                  <a:rPr kumimoji="1" lang="ja-JP" altLang="en-US"/>
+                  <a:t>を送る</a:t>
+                </a:r>
+                <a:endParaRPr kumimoji="1" lang="en-US" altLang="ja-JP"/>
+              </a:p>
+              <a:p>
+                <a:pPr lvl="1"/>
+                <a:r>
+                  <a:rPr lang="en-US" altLang="ja-JP"/>
+                  <a:t>P</a:t>
+                </a:r>
+                <a:r>
+                  <a:rPr lang="ja-JP" altLang="en-US"/>
+                  <a:t>→</a:t>
+                </a:r>
+                <a:r>
+                  <a:rPr lang="en-US" altLang="ja-JP"/>
+                  <a:t>V : </a:t>
+                </a:r>
+                <a14:m>
+                  <m:oMath xmlns:m="http://schemas.openxmlformats.org/officeDocument/2006/math">
+                    <m:r>
+                      <a:rPr lang="en-US" altLang="ja-JP" b="0" i="1" smtClean="0">
+                        <a:latin typeface="Cambria Math" panose="02040503050406030204" pitchFamily="18" charset="0"/>
+                      </a:rPr>
+                      <m:t>𝑏</m:t>
+                    </m:r>
+                    <m:r>
+                      <a:rPr lang="en-US" altLang="ja-JP" b="0" i="1" smtClean="0">
+                        <a:latin typeface="Cambria Math" panose="02040503050406030204" pitchFamily="18" charset="0"/>
+                      </a:rPr>
+                      <m:t>=</m:t>
+                    </m:r>
+                    <m:r>
+                      <a:rPr lang="en-US" altLang="ja-JP" b="0" i="1" smtClean="0">
+                        <a:latin typeface="Cambria Math" panose="02040503050406030204" pitchFamily="18" charset="0"/>
+                      </a:rPr>
+                      <m:t>𝑡</m:t>
+                    </m:r>
+                    <m:r>
+                      <a:rPr lang="en-US" altLang="ja-JP" b="0" i="1" smtClean="0">
+                        <a:latin typeface="Cambria Math" panose="02040503050406030204" pitchFamily="18" charset="0"/>
+                      </a:rPr>
+                      <m:t>−</m:t>
+                    </m:r>
+                    <m:r>
+                      <a:rPr lang="en-US" altLang="ja-JP" b="0" i="1" smtClean="0">
+                        <a:latin typeface="Cambria Math" panose="02040503050406030204" pitchFamily="18" charset="0"/>
+                      </a:rPr>
+                      <m:t>h𝑟</m:t>
+                    </m:r>
+                  </m:oMath>
+                </a14:m>
+                <a:r>
+                  <a:rPr kumimoji="1" lang="ja-JP" altLang="en-US"/>
+                  <a:t>を送る</a:t>
+                </a:r>
+                <a:r>
+                  <a:rPr kumimoji="1" lang="en-US" altLang="ja-JP"/>
+                  <a:t>(</a:t>
+                </a:r>
+                <a14:m>
+                  <m:oMath xmlns:m="http://schemas.openxmlformats.org/officeDocument/2006/math">
+                    <m:r>
+                      <a:rPr kumimoji="1" lang="en-US" altLang="ja-JP" b="0" i="1" smtClean="0">
+                        <a:latin typeface="Cambria Math" panose="02040503050406030204" pitchFamily="18" charset="0"/>
+                      </a:rPr>
+                      <m:t>𝑡</m:t>
+                    </m:r>
+                    <m:r>
+                      <a:rPr kumimoji="1" lang="en-US" altLang="ja-JP" b="0" i="1" smtClean="0">
+                        <a:latin typeface="Cambria Math" panose="02040503050406030204" pitchFamily="18" charset="0"/>
+                      </a:rPr>
+                      <m:t>,</m:t>
+                    </m:r>
+                    <m:r>
+                      <a:rPr kumimoji="1" lang="en-US" altLang="ja-JP" b="0" i="1" smtClean="0">
+                        <a:latin typeface="Cambria Math" panose="02040503050406030204" pitchFamily="18" charset="0"/>
+                      </a:rPr>
+                      <m:t>𝑟</m:t>
+                    </m:r>
+                  </m:oMath>
+                </a14:m>
+                <a:r>
+                  <a:rPr kumimoji="1" lang="ja-JP" altLang="en-US"/>
+                  <a:t>が未知</a:t>
+                </a:r>
+                <a:r>
+                  <a:rPr kumimoji="1" lang="en-US" altLang="ja-JP"/>
+                  <a:t>)</a:t>
+                </a:r>
+              </a:p>
+              <a:p>
+                <a:pPr lvl="1"/>
+                <a:r>
+                  <a:rPr lang="en-US" altLang="ja-JP"/>
+                  <a:t>V : </a:t>
+                </a:r>
+                <a14:m>
+                  <m:oMath xmlns:m="http://schemas.openxmlformats.org/officeDocument/2006/math">
+                    <m:r>
+                      <a:rPr lang="en-US" altLang="ja-JP" b="0" i="1" smtClean="0">
+                        <a:latin typeface="Cambria Math" panose="02040503050406030204" pitchFamily="18" charset="0"/>
+                      </a:rPr>
+                      <m:t>h𝐶</m:t>
+                    </m:r>
+                    <m:r>
+                      <a:rPr lang="en-US" altLang="ja-JP" b="0" i="1" smtClean="0">
+                        <a:latin typeface="Cambria Math" panose="02040503050406030204" pitchFamily="18" charset="0"/>
+                      </a:rPr>
+                      <m:t>+</m:t>
+                    </m:r>
+                    <m:r>
+                      <a:rPr lang="en-US" altLang="ja-JP" b="0" i="1" smtClean="0">
+                        <a:latin typeface="Cambria Math" panose="02040503050406030204" pitchFamily="18" charset="0"/>
+                      </a:rPr>
+                      <m:t>𝑏𝑋</m:t>
+                    </m:r>
+                    <m:r>
+                      <a:rPr lang="en-US" altLang="ja-JP" b="0" i="1" smtClean="0">
+                        <a:latin typeface="Cambria Math" panose="02040503050406030204" pitchFamily="18" charset="0"/>
+                      </a:rPr>
+                      <m:t>=</m:t>
+                    </m:r>
+                    <m:r>
+                      <a:rPr lang="en-US" altLang="ja-JP" b="0" i="1" smtClean="0">
+                        <a:latin typeface="Cambria Math" panose="02040503050406030204" pitchFamily="18" charset="0"/>
+                      </a:rPr>
+                      <m:t>𝐴</m:t>
+                    </m:r>
+                  </m:oMath>
+                </a14:m>
+                <a:r>
+                  <a:rPr lang="ja-JP" altLang="en-US"/>
+                  <a:t>なら受理</a:t>
+                </a:r>
+              </a:p>
+              <a:p>
+                <a:r>
+                  <a:rPr lang="ja-JP" altLang="en-US" b="0">
+                    <a:latin typeface="Cambria Math" panose="02040503050406030204" pitchFamily="18" charset="0"/>
+                  </a:rPr>
+                  <a:t>完全性</a:t>
+                </a:r>
+                <a:endParaRPr lang="en-US" altLang="ja-JP" b="0">
+                  <a:latin typeface="Cambria Math" panose="02040503050406030204" pitchFamily="18" charset="0"/>
+                </a:endParaRPr>
+              </a:p>
+              <a:p>
+                <a:pPr lvl="1"/>
+                <a:r>
+                  <a:rPr lang="ja-JP" altLang="en-US" b="0">
+                    <a:latin typeface="Cambria Math" panose="02040503050406030204" pitchFamily="18" charset="0"/>
+                  </a:rPr>
+                  <a:t>正しければ</a:t>
+                </a:r>
+                <a14:m>
+                  <m:oMath xmlns:m="http://schemas.openxmlformats.org/officeDocument/2006/math">
+                    <m:r>
+                      <a:rPr lang="en-US" altLang="ja-JP" b="0" i="1" smtClean="0">
+                        <a:latin typeface="Cambria Math" panose="02040503050406030204" pitchFamily="18" charset="0"/>
+                      </a:rPr>
+                      <m:t>h𝐶</m:t>
+                    </m:r>
+                    <m:r>
+                      <a:rPr lang="en-US" altLang="ja-JP" b="0" i="1" smtClean="0">
+                        <a:latin typeface="Cambria Math" panose="02040503050406030204" pitchFamily="18" charset="0"/>
+                      </a:rPr>
+                      <m:t>+</m:t>
+                    </m:r>
+                    <m:r>
+                      <a:rPr lang="en-US" altLang="ja-JP" b="0" i="1" smtClean="0">
+                        <a:latin typeface="Cambria Math" panose="02040503050406030204" pitchFamily="18" charset="0"/>
+                      </a:rPr>
+                      <m:t>𝑏𝑋</m:t>
+                    </m:r>
+                    <m:r>
+                      <a:rPr lang="en-US" altLang="ja-JP" b="0" i="1" smtClean="0">
+                        <a:latin typeface="Cambria Math" panose="02040503050406030204" pitchFamily="18" charset="0"/>
+                      </a:rPr>
+                      <m:t>=</m:t>
+                    </m:r>
+                    <m:d>
+                      <m:dPr>
+                        <m:ctrlPr>
+                          <a:rPr lang="en-US" altLang="ja-JP" b="0" i="1" smtClean="0">
+                            <a:latin typeface="Cambria Math" panose="02040503050406030204" pitchFamily="18" charset="0"/>
+                          </a:rPr>
+                        </m:ctrlPr>
+                      </m:dPr>
+                      <m:e>
+                        <m:d>
+                          <m:dPr>
+                            <m:ctrlPr>
+                              <a:rPr lang="en-US" altLang="ja-JP" b="0" i="1" smtClean="0">
+                                <a:latin typeface="Cambria Math" panose="02040503050406030204" pitchFamily="18" charset="0"/>
+                              </a:rPr>
+                            </m:ctrlPr>
+                          </m:dPr>
+                          <m:e>
+                            <m:r>
+                              <a:rPr lang="en-US" altLang="ja-JP" b="0" i="1" smtClean="0">
+                                <a:latin typeface="Cambria Math" panose="02040503050406030204" pitchFamily="18" charset="0"/>
+                              </a:rPr>
+                              <m:t>h𝑟</m:t>
+                            </m:r>
+                            <m:r>
+                              <a:rPr lang="en-US" altLang="ja-JP" b="0" i="1" smtClean="0">
+                                <a:latin typeface="Cambria Math" panose="02040503050406030204" pitchFamily="18" charset="0"/>
+                              </a:rPr>
+                              <m:t>+</m:t>
+                            </m:r>
+                            <m:r>
+                              <a:rPr lang="en-US" altLang="ja-JP" b="0" i="1" smtClean="0">
+                                <a:latin typeface="Cambria Math" panose="02040503050406030204" pitchFamily="18" charset="0"/>
+                              </a:rPr>
+                              <m:t>𝑏</m:t>
+                            </m:r>
+                          </m:e>
+                        </m:d>
+                        <m:r>
+                          <a:rPr lang="en-US" altLang="ja-JP" b="0" i="1" smtClean="0">
+                            <a:latin typeface="Cambria Math" panose="02040503050406030204" pitchFamily="18" charset="0"/>
+                          </a:rPr>
+                          <m:t>𝑄</m:t>
+                        </m:r>
+                        <m:r>
+                          <a:rPr lang="en-US" altLang="ja-JP" b="0" i="1" smtClean="0">
+                            <a:latin typeface="Cambria Math" panose="02040503050406030204" pitchFamily="18" charset="0"/>
+                          </a:rPr>
+                          <m:t>,</m:t>
+                        </m:r>
+                        <m:d>
+                          <m:dPr>
+                            <m:ctrlPr>
+                              <a:rPr lang="en-US" altLang="ja-JP" b="0" i="1" smtClean="0">
+                                <a:latin typeface="Cambria Math" panose="02040503050406030204" pitchFamily="18" charset="0"/>
+                              </a:rPr>
+                            </m:ctrlPr>
+                          </m:dPr>
+                          <m:e>
+                            <m:r>
+                              <a:rPr lang="en-US" altLang="ja-JP" b="0" i="1" smtClean="0">
+                                <a:latin typeface="Cambria Math" panose="02040503050406030204" pitchFamily="18" charset="0"/>
+                              </a:rPr>
+                              <m:t>h𝑟</m:t>
+                            </m:r>
+                            <m:r>
+                              <a:rPr lang="en-US" altLang="ja-JP" b="0" i="1" smtClean="0">
+                                <a:latin typeface="Cambria Math" panose="02040503050406030204" pitchFamily="18" charset="0"/>
+                              </a:rPr>
+                              <m:t>+</m:t>
+                            </m:r>
+                            <m:r>
+                              <a:rPr lang="en-US" altLang="ja-JP" b="0" i="1" smtClean="0">
+                                <a:latin typeface="Cambria Math" panose="02040503050406030204" pitchFamily="18" charset="0"/>
+                              </a:rPr>
+                              <m:t>𝑏</m:t>
+                            </m:r>
+                          </m:e>
+                        </m:d>
+                        <m:r>
+                          <a:rPr lang="en-US" altLang="ja-JP" b="0" i="1" smtClean="0">
+                            <a:latin typeface="Cambria Math" panose="02040503050406030204" pitchFamily="18" charset="0"/>
+                          </a:rPr>
+                          <m:t>𝑃</m:t>
+                        </m:r>
+                      </m:e>
+                    </m:d>
+                    <m:r>
+                      <a:rPr lang="en-US" altLang="ja-JP" b="0" i="1" smtClean="0">
+                        <a:latin typeface="Cambria Math" panose="02040503050406030204" pitchFamily="18" charset="0"/>
+                      </a:rPr>
+                      <m:t>=</m:t>
+                    </m:r>
+                    <m:d>
+                      <m:dPr>
+                        <m:ctrlPr>
+                          <a:rPr lang="en-US" altLang="ja-JP" b="0" i="1" smtClean="0">
+                            <a:latin typeface="Cambria Math" panose="02040503050406030204" pitchFamily="18" charset="0"/>
+                          </a:rPr>
+                        </m:ctrlPr>
+                      </m:dPr>
+                      <m:e>
+                        <m:r>
+                          <a:rPr lang="en-US" altLang="ja-JP" b="0" i="1" smtClean="0">
+                            <a:latin typeface="Cambria Math" panose="02040503050406030204" pitchFamily="18" charset="0"/>
+                          </a:rPr>
+                          <m:t>𝑡𝑄</m:t>
+                        </m:r>
+                        <m:r>
+                          <a:rPr lang="en-US" altLang="ja-JP" b="0" i="1" smtClean="0">
+                            <a:latin typeface="Cambria Math" panose="02040503050406030204" pitchFamily="18" charset="0"/>
+                          </a:rPr>
+                          <m:t>,</m:t>
+                        </m:r>
+                        <m:r>
+                          <a:rPr lang="en-US" altLang="ja-JP" b="0" i="1" smtClean="0">
+                            <a:latin typeface="Cambria Math" panose="02040503050406030204" pitchFamily="18" charset="0"/>
+                          </a:rPr>
+                          <m:t>𝑡𝑃</m:t>
+                        </m:r>
+                      </m:e>
+                    </m:d>
+                    <m:r>
+                      <a:rPr lang="en-US" altLang="ja-JP" b="0" i="1" smtClean="0">
+                        <a:latin typeface="Cambria Math" panose="02040503050406030204" pitchFamily="18" charset="0"/>
+                      </a:rPr>
+                      <m:t>=</m:t>
+                    </m:r>
+                    <m:r>
+                      <a:rPr lang="en-US" altLang="ja-JP" b="0" i="1" smtClean="0">
+                        <a:latin typeface="Cambria Math" panose="02040503050406030204" pitchFamily="18" charset="0"/>
+                      </a:rPr>
+                      <m:t>𝐴</m:t>
+                    </m:r>
+                  </m:oMath>
+                </a14:m>
+                <a:endParaRPr lang="en-US" altLang="ja-JP" b="0">
+                  <a:latin typeface="Cambria Math" panose="02040503050406030204" pitchFamily="18" charset="0"/>
+                </a:endParaRPr>
+              </a:p>
+              <a:p>
+                <a:r>
+                  <a:rPr lang="ja-JP" altLang="en-US" b="0">
+                    <a:latin typeface="Cambria Math" panose="02040503050406030204" pitchFamily="18" charset="0"/>
+                  </a:rPr>
+                  <a:t>健全性</a:t>
+                </a:r>
+                <a:endParaRPr lang="en-US" altLang="ja-JP" b="0">
+                  <a:latin typeface="Cambria Math" panose="02040503050406030204" pitchFamily="18" charset="0"/>
+                </a:endParaRPr>
+              </a:p>
+              <a:p>
+                <a:pPr lvl="1"/>
+                <a14:m>
+                  <m:oMath xmlns:m="http://schemas.openxmlformats.org/officeDocument/2006/math">
+                    <m:d>
+                      <m:dPr>
+                        <m:ctrlPr>
+                          <a:rPr lang="en-US" altLang="ja-JP" b="0" i="1" smtClean="0">
+                            <a:latin typeface="Cambria Math" panose="02040503050406030204" pitchFamily="18" charset="0"/>
+                          </a:rPr>
+                        </m:ctrlPr>
+                      </m:dPr>
+                      <m:e>
+                        <m:r>
+                          <a:rPr lang="en-US" altLang="ja-JP" b="0" i="1" smtClean="0">
+                            <a:latin typeface="Cambria Math" panose="02040503050406030204" pitchFamily="18" charset="0"/>
+                          </a:rPr>
+                          <m:t>𝐴</m:t>
+                        </m:r>
+                        <m:r>
+                          <a:rPr lang="en-US" altLang="ja-JP" b="0" i="1" smtClean="0">
+                            <a:latin typeface="Cambria Math" panose="02040503050406030204" pitchFamily="18" charset="0"/>
+                          </a:rPr>
+                          <m:t>,</m:t>
+                        </m:r>
+                        <m:r>
+                          <a:rPr lang="en-US" altLang="ja-JP" b="0" i="1" smtClean="0">
+                            <a:latin typeface="Cambria Math" panose="02040503050406030204" pitchFamily="18" charset="0"/>
+                          </a:rPr>
+                          <m:t>h</m:t>
+                        </m:r>
+                        <m:r>
+                          <a:rPr lang="en-US" altLang="ja-JP" b="0" i="1" smtClean="0">
+                            <a:latin typeface="Cambria Math" panose="02040503050406030204" pitchFamily="18" charset="0"/>
+                          </a:rPr>
+                          <m:t>,</m:t>
+                        </m:r>
+                        <m:r>
+                          <a:rPr lang="en-US" altLang="ja-JP" b="0" i="1" smtClean="0">
+                            <a:latin typeface="Cambria Math" panose="02040503050406030204" pitchFamily="18" charset="0"/>
+                          </a:rPr>
+                          <m:t>𝑏</m:t>
+                        </m:r>
+                      </m:e>
+                    </m:d>
+                    <m:r>
+                      <a:rPr lang="en-US" altLang="ja-JP" b="0" i="1" smtClean="0">
+                        <a:latin typeface="Cambria Math" panose="02040503050406030204" pitchFamily="18" charset="0"/>
+                      </a:rPr>
+                      <m:t>,(</m:t>
+                    </m:r>
+                    <m:r>
+                      <a:rPr lang="en-US" altLang="ja-JP" b="0" i="1" smtClean="0">
+                        <a:latin typeface="Cambria Math" panose="02040503050406030204" pitchFamily="18" charset="0"/>
+                      </a:rPr>
+                      <m:t>𝐴</m:t>
+                    </m:r>
+                    <m:r>
+                      <a:rPr lang="en-US" altLang="ja-JP" b="0" i="1" smtClean="0">
+                        <a:latin typeface="Cambria Math" panose="02040503050406030204" pitchFamily="18" charset="0"/>
+                      </a:rPr>
+                      <m:t>,</m:t>
+                    </m:r>
+                    <m:sSup>
+                      <m:sSupPr>
+                        <m:ctrlPr>
+                          <a:rPr lang="en-US" altLang="ja-JP" b="0" i="1" smtClean="0">
+                            <a:latin typeface="Cambria Math" panose="02040503050406030204" pitchFamily="18" charset="0"/>
+                          </a:rPr>
+                        </m:ctrlPr>
+                      </m:sSupPr>
+                      <m:e>
+                        <m:r>
+                          <a:rPr lang="en-US" altLang="ja-JP" b="0" i="1" smtClean="0">
+                            <a:latin typeface="Cambria Math" panose="02040503050406030204" pitchFamily="18" charset="0"/>
+                          </a:rPr>
+                          <m:t>h</m:t>
+                        </m:r>
+                      </m:e>
+                      <m:sup>
+                        <m:r>
+                          <a:rPr lang="en-US" altLang="ja-JP" b="0" i="1" smtClean="0">
+                            <a:latin typeface="Cambria Math" panose="02040503050406030204" pitchFamily="18" charset="0"/>
+                          </a:rPr>
+                          <m:t>′</m:t>
+                        </m:r>
+                      </m:sup>
+                    </m:sSup>
+                    <m:r>
+                      <a:rPr lang="en-US" altLang="ja-JP" b="0" i="1" smtClean="0">
+                        <a:latin typeface="Cambria Math" panose="02040503050406030204" pitchFamily="18" charset="0"/>
+                      </a:rPr>
+                      <m:t>,</m:t>
+                    </m:r>
+                    <m:sSup>
+                      <m:sSupPr>
+                        <m:ctrlPr>
+                          <a:rPr lang="en-US" altLang="ja-JP" b="0" i="1" smtClean="0">
+                            <a:latin typeface="Cambria Math" panose="02040503050406030204" pitchFamily="18" charset="0"/>
+                          </a:rPr>
+                        </m:ctrlPr>
+                      </m:sSupPr>
+                      <m:e>
+                        <m:r>
+                          <a:rPr lang="en-US" altLang="ja-JP" b="0" i="1" smtClean="0">
+                            <a:latin typeface="Cambria Math" panose="02040503050406030204" pitchFamily="18" charset="0"/>
+                          </a:rPr>
+                          <m:t>𝑏</m:t>
+                        </m:r>
+                      </m:e>
+                      <m:sup>
+                        <m:r>
+                          <a:rPr lang="en-US" altLang="ja-JP" b="0" i="1" smtClean="0">
+                            <a:latin typeface="Cambria Math" panose="02040503050406030204" pitchFamily="18" charset="0"/>
+                          </a:rPr>
+                          <m:t>′</m:t>
+                        </m:r>
+                      </m:sup>
+                    </m:sSup>
+                    <m:r>
+                      <a:rPr lang="en-US" altLang="ja-JP" b="0" i="1" smtClean="0">
+                        <a:latin typeface="Cambria Math" panose="02040503050406030204" pitchFamily="18" charset="0"/>
+                      </a:rPr>
+                      <m:t>)</m:t>
+                    </m:r>
+                  </m:oMath>
+                </a14:m>
+                <a:r>
+                  <a:rPr lang="ja-JP" altLang="en-US" b="0">
+                    <a:latin typeface="Cambria Math" panose="02040503050406030204" pitchFamily="18" charset="0"/>
+                  </a:rPr>
+                  <a:t>を受理すれば</a:t>
+                </a:r>
+                <a14:m>
+                  <m:oMath xmlns:m="http://schemas.openxmlformats.org/officeDocument/2006/math">
+                    <m:r>
+                      <a:rPr lang="en-US" altLang="ja-JP" b="0" i="1" smtClean="0">
+                        <a:latin typeface="Cambria Math" panose="02040503050406030204" pitchFamily="18" charset="0"/>
+                      </a:rPr>
+                      <m:t>𝐶</m:t>
+                    </m:r>
+                    <m:r>
+                      <a:rPr lang="en-US" altLang="ja-JP" b="0" i="1" smtClean="0">
+                        <a:latin typeface="Cambria Math" panose="02040503050406030204" pitchFamily="18" charset="0"/>
+                      </a:rPr>
+                      <m:t>=(</m:t>
+                    </m:r>
+                    <m:r>
+                      <a:rPr lang="en-US" altLang="ja-JP" b="0" i="1" smtClean="0">
+                        <a:latin typeface="Cambria Math" panose="02040503050406030204" pitchFamily="18" charset="0"/>
+                      </a:rPr>
+                      <m:t>𝑟𝑄</m:t>
+                    </m:r>
+                    <m:r>
+                      <a:rPr lang="en-US" altLang="ja-JP" b="0" i="1" smtClean="0">
+                        <a:latin typeface="Cambria Math" panose="02040503050406030204" pitchFamily="18" charset="0"/>
+                      </a:rPr>
+                      <m:t>,</m:t>
+                    </m:r>
+                    <m:sSup>
+                      <m:sSupPr>
+                        <m:ctrlPr>
+                          <a:rPr lang="en-US" altLang="ja-JP" b="0" i="1" smtClean="0">
+                            <a:latin typeface="Cambria Math" panose="02040503050406030204" pitchFamily="18" charset="0"/>
+                          </a:rPr>
+                        </m:ctrlPr>
+                      </m:sSupPr>
+                      <m:e>
+                        <m:r>
+                          <a:rPr lang="en-US" altLang="ja-JP" b="0" i="1" smtClean="0">
+                            <a:latin typeface="Cambria Math" panose="02040503050406030204" pitchFamily="18" charset="0"/>
+                          </a:rPr>
+                          <m:t>𝑟</m:t>
+                        </m:r>
+                      </m:e>
+                      <m:sup>
+                        <m:r>
+                          <a:rPr lang="en-US" altLang="ja-JP" b="0" i="1" smtClean="0">
+                            <a:latin typeface="Cambria Math" panose="02040503050406030204" pitchFamily="18" charset="0"/>
+                          </a:rPr>
+                          <m:t>′</m:t>
+                        </m:r>
+                      </m:sup>
+                    </m:sSup>
+                    <m:r>
+                      <a:rPr lang="en-US" altLang="ja-JP" b="0" i="1" smtClean="0">
+                        <a:latin typeface="Cambria Math" panose="02040503050406030204" pitchFamily="18" charset="0"/>
+                      </a:rPr>
+                      <m:t>𝑃</m:t>
+                    </m:r>
+                    <m:r>
+                      <a:rPr lang="en-US" altLang="ja-JP" b="0" i="1" smtClean="0">
+                        <a:latin typeface="Cambria Math" panose="02040503050406030204" pitchFamily="18" charset="0"/>
+                      </a:rPr>
+                      <m:t>)</m:t>
+                    </m:r>
+                  </m:oMath>
+                </a14:m>
+                <a:r>
+                  <a:rPr lang="ja-JP" altLang="en-US" b="0">
+                    <a:latin typeface="Cambria Math" panose="02040503050406030204" pitchFamily="18" charset="0"/>
+                  </a:rPr>
+                  <a:t>に対して</a:t>
+                </a:r>
+                <a:br>
+                  <a:rPr lang="en-US" altLang="ja-JP" b="0">
+                    <a:latin typeface="Cambria Math" panose="02040503050406030204" pitchFamily="18" charset="0"/>
+                  </a:rPr>
+                </a:br>
+                <a14:m>
+                  <m:oMath xmlns:m="http://schemas.openxmlformats.org/officeDocument/2006/math">
+                    <m:r>
+                      <a:rPr lang="en-US" altLang="ja-JP" b="0" i="1" smtClean="0">
+                        <a:latin typeface="Cambria Math" panose="02040503050406030204" pitchFamily="18" charset="0"/>
+                      </a:rPr>
+                      <m:t>h𝐶</m:t>
+                    </m:r>
+                    <m:r>
+                      <a:rPr lang="en-US" altLang="ja-JP" b="0" i="1" smtClean="0">
+                        <a:latin typeface="Cambria Math" panose="02040503050406030204" pitchFamily="18" charset="0"/>
+                      </a:rPr>
+                      <m:t>+</m:t>
+                    </m:r>
+                    <m:r>
+                      <a:rPr lang="en-US" altLang="ja-JP" b="0" i="1" smtClean="0">
+                        <a:latin typeface="Cambria Math" panose="02040503050406030204" pitchFamily="18" charset="0"/>
+                      </a:rPr>
+                      <m:t>𝑏𝑋</m:t>
+                    </m:r>
+                    <m:r>
+                      <a:rPr lang="en-US" altLang="ja-JP" b="0" i="1" smtClean="0">
+                        <a:latin typeface="Cambria Math" panose="02040503050406030204" pitchFamily="18" charset="0"/>
+                      </a:rPr>
+                      <m:t>=</m:t>
+                    </m:r>
+                    <m:sSup>
+                      <m:sSupPr>
+                        <m:ctrlPr>
+                          <a:rPr lang="en-US" altLang="ja-JP" b="0" i="1" smtClean="0">
+                            <a:latin typeface="Cambria Math" panose="02040503050406030204" pitchFamily="18" charset="0"/>
+                          </a:rPr>
+                        </m:ctrlPr>
+                      </m:sSupPr>
+                      <m:e>
+                        <m:r>
+                          <a:rPr lang="en-US" altLang="ja-JP" b="0" i="1" smtClean="0">
+                            <a:latin typeface="Cambria Math" panose="02040503050406030204" pitchFamily="18" charset="0"/>
+                          </a:rPr>
+                          <m:t>h</m:t>
+                        </m:r>
+                      </m:e>
+                      <m:sup>
+                        <m:r>
+                          <a:rPr lang="en-US" altLang="ja-JP" b="0" i="1" smtClean="0">
+                            <a:latin typeface="Cambria Math" panose="02040503050406030204" pitchFamily="18" charset="0"/>
+                          </a:rPr>
+                          <m:t>′</m:t>
+                        </m:r>
+                      </m:sup>
+                    </m:sSup>
+                    <m:r>
+                      <a:rPr lang="en-US" altLang="ja-JP" b="0" i="1" smtClean="0">
+                        <a:latin typeface="Cambria Math" panose="02040503050406030204" pitchFamily="18" charset="0"/>
+                      </a:rPr>
+                      <m:t>𝐶</m:t>
+                    </m:r>
+                    <m:r>
+                      <a:rPr lang="en-US" altLang="ja-JP" b="0" i="1" smtClean="0">
+                        <a:latin typeface="Cambria Math" panose="02040503050406030204" pitchFamily="18" charset="0"/>
+                      </a:rPr>
+                      <m:t>+</m:t>
+                    </m:r>
+                    <m:sSup>
+                      <m:sSupPr>
+                        <m:ctrlPr>
+                          <a:rPr lang="en-US" altLang="ja-JP" b="0" i="1" smtClean="0">
+                            <a:latin typeface="Cambria Math" panose="02040503050406030204" pitchFamily="18" charset="0"/>
+                          </a:rPr>
+                        </m:ctrlPr>
+                      </m:sSupPr>
+                      <m:e>
+                        <m:r>
+                          <a:rPr lang="en-US" altLang="ja-JP" b="0" i="1" smtClean="0">
+                            <a:latin typeface="Cambria Math" panose="02040503050406030204" pitchFamily="18" charset="0"/>
+                          </a:rPr>
+                          <m:t>𝑏</m:t>
+                        </m:r>
+                      </m:e>
+                      <m:sup>
+                        <m:r>
+                          <a:rPr lang="en-US" altLang="ja-JP" b="0" i="1" smtClean="0">
+                            <a:latin typeface="Cambria Math" panose="02040503050406030204" pitchFamily="18" charset="0"/>
+                          </a:rPr>
+                          <m:t>′</m:t>
+                        </m:r>
+                      </m:sup>
+                    </m:sSup>
+                    <m:r>
+                      <a:rPr lang="en-US" altLang="ja-JP" b="0" i="1" smtClean="0">
+                        <a:latin typeface="Cambria Math" panose="02040503050406030204" pitchFamily="18" charset="0"/>
+                      </a:rPr>
+                      <m:t>𝑋</m:t>
+                    </m:r>
+                  </m:oMath>
+                </a14:m>
+                <a:r>
+                  <a:rPr lang="ja-JP" altLang="en-US" b="0">
+                    <a:latin typeface="Cambria Math" panose="02040503050406030204" pitchFamily="18" charset="0"/>
+                  </a:rPr>
+                  <a:t>より</a:t>
+                </a:r>
+                <a14:m>
+                  <m:oMath xmlns:m="http://schemas.openxmlformats.org/officeDocument/2006/math">
+                    <m:r>
+                      <a:rPr lang="en-US" altLang="ja-JP" b="0" i="1" smtClean="0">
+                        <a:latin typeface="Cambria Math" panose="02040503050406030204" pitchFamily="18" charset="0"/>
+                      </a:rPr>
+                      <m:t>𝑟</m:t>
+                    </m:r>
+                    <m:r>
+                      <a:rPr lang="en-US" altLang="ja-JP" b="0" i="1" smtClean="0">
+                        <a:latin typeface="Cambria Math" panose="02040503050406030204" pitchFamily="18" charset="0"/>
+                      </a:rPr>
+                      <m:t>=</m:t>
+                    </m:r>
+                    <m:r>
+                      <a:rPr lang="en-US" altLang="ja-JP" b="0" i="1" smtClean="0">
+                        <a:latin typeface="Cambria Math" panose="02040503050406030204" pitchFamily="18" charset="0"/>
+                      </a:rPr>
+                      <m:t>𝑟</m:t>
+                    </m:r>
+                    <m:r>
+                      <a:rPr lang="en-US" altLang="ja-JP" b="0" i="1" smtClean="0">
+                        <a:latin typeface="Cambria Math" panose="02040503050406030204" pitchFamily="18" charset="0"/>
+                      </a:rPr>
+                      <m:t>′</m:t>
+                    </m:r>
+                  </m:oMath>
+                </a14:m>
+                <a:endParaRPr lang="en-US" altLang="ja-JP" b="0">
+                  <a:latin typeface="Cambria Math" panose="02040503050406030204" pitchFamily="18" charset="0"/>
+                </a:endParaRPr>
+              </a:p>
+            </p:txBody>
+          </p:sp>
+        </mc:Choice>
+        <mc:Fallback xmlns="">
+          <p:sp>
+            <p:nvSpPr>
+              <p:cNvPr id="2" name="コンテンツ プレースホルダー 1">
+                <a:extLst>
+                  <a:ext uri="{FF2B5EF4-FFF2-40B4-BE49-F238E27FC236}">
+                    <a16:creationId xmlns:a16="http://schemas.microsoft.com/office/drawing/2014/main" id="{8261E551-2CAA-4133-B381-7FC458ABD4D7}"/>
+                  </a:ext>
+                </a:extLst>
+              </p:cNvPr>
+              <p:cNvSpPr>
+                <a:spLocks noGrp="1" noRot="1" noChangeAspect="1" noMove="1" noResize="1" noEditPoints="1" noAdjustHandles="1" noChangeArrowheads="1" noChangeShapeType="1" noTextEdit="1"/>
+              </p:cNvSpPr>
+              <p:nvPr>
+                <p:ph idx="1"/>
+              </p:nvPr>
+            </p:nvSpPr>
+            <p:spPr>
+              <a:blipFill>
+                <a:blip r:embed="rId2"/>
+                <a:stretch>
+                  <a:fillRect l="-1200" t="-1454"/>
+                </a:stretch>
+              </a:blipFill>
+            </p:spPr>
+            <p:txBody>
+              <a:bodyPr/>
+              <a:lstStyle/>
+              <a:p>
+                <a:r>
+                  <a:rPr lang="ja-JP" altLang="en-US">
+                    <a:noFill/>
+                  </a:rPr>
+                  <a:t> </a:t>
+                </a:r>
+              </a:p>
+            </p:txBody>
+          </p:sp>
+        </mc:Fallback>
+      </mc:AlternateContent>
+      <mc:AlternateContent xmlns:mc="http://schemas.openxmlformats.org/markup-compatibility/2006" xmlns:a14="http://schemas.microsoft.com/office/drawing/2010/main">
+        <mc:Choice Requires="a14">
+          <p:sp>
+            <p:nvSpPr>
+              <p:cNvPr id="4" name="タイトル 3">
+                <a:extLst>
+                  <a:ext uri="{FF2B5EF4-FFF2-40B4-BE49-F238E27FC236}">
+                    <a16:creationId xmlns:a16="http://schemas.microsoft.com/office/drawing/2014/main" id="{830ED612-0B7F-4F97-86C0-1ECB18713CB0}"/>
+                  </a:ext>
+                </a:extLst>
+              </p:cNvPr>
+              <p:cNvSpPr>
+                <a:spLocks noGrp="1"/>
+              </p:cNvSpPr>
+              <p:nvPr>
+                <p:ph type="title"/>
+              </p:nvPr>
+            </p:nvSpPr>
+            <p:spPr/>
+            <p:txBody>
+              <a:bodyPr/>
+              <a:lstStyle/>
+              <a:p>
+                <a14:m>
+                  <m:oMath xmlns:m="http://schemas.openxmlformats.org/officeDocument/2006/math">
+                    <m:r>
+                      <a:rPr kumimoji="1" lang="en-US" altLang="ja-JP" b="0" i="1" smtClean="0">
+                        <a:latin typeface="Cambria Math" panose="02040503050406030204" pitchFamily="18" charset="0"/>
+                      </a:rPr>
+                      <m:t>𝐷𝑒𝑐</m:t>
+                    </m:r>
+                    <m:d>
+                      <m:dPr>
+                        <m:ctrlPr>
+                          <a:rPr kumimoji="1" lang="en-US" altLang="ja-JP" b="0" i="1" smtClean="0">
+                            <a:latin typeface="Cambria Math" panose="02040503050406030204" pitchFamily="18" charset="0"/>
+                          </a:rPr>
+                        </m:ctrlPr>
+                      </m:dPr>
+                      <m:e>
+                        <m:r>
+                          <a:rPr kumimoji="1" lang="en-US" altLang="ja-JP" b="0" i="1" smtClean="0">
+                            <a:latin typeface="Cambria Math" panose="02040503050406030204" pitchFamily="18" charset="0"/>
+                          </a:rPr>
+                          <m:t>𝐶</m:t>
+                        </m:r>
+                      </m:e>
+                    </m:d>
+                    <m:r>
+                      <a:rPr kumimoji="1" lang="en-US" altLang="ja-JP" b="0" i="1" smtClean="0">
+                        <a:latin typeface="Cambria Math" panose="02040503050406030204" pitchFamily="18" charset="0"/>
+                      </a:rPr>
+                      <m:t>=0</m:t>
+                    </m:r>
+                  </m:oMath>
+                </a14:m>
+                <a:r>
+                  <a:rPr kumimoji="1" lang="ja-JP" altLang="en-US"/>
+                  <a:t>の</a:t>
+                </a:r>
+                <a:r>
+                  <a:rPr kumimoji="1" lang="en-US" altLang="ja-JP"/>
+                  <a:t>Σ</a:t>
+                </a:r>
+                <a:r>
+                  <a:rPr kumimoji="1" lang="ja-JP" altLang="en-US"/>
+                  <a:t>プロトコル</a:t>
+                </a:r>
+              </a:p>
+            </p:txBody>
+          </p:sp>
+        </mc:Choice>
+        <mc:Fallback xmlns="">
+          <p:sp>
+            <p:nvSpPr>
+              <p:cNvPr id="4" name="タイトル 3">
+                <a:extLst>
+                  <a:ext uri="{FF2B5EF4-FFF2-40B4-BE49-F238E27FC236}">
+                    <a16:creationId xmlns:a16="http://schemas.microsoft.com/office/drawing/2014/main" id="{830ED612-0B7F-4F97-86C0-1ECB18713CB0}"/>
+                  </a:ext>
+                </a:extLst>
+              </p:cNvPr>
+              <p:cNvSpPr>
+                <a:spLocks noGrp="1" noRot="1" noChangeAspect="1" noMove="1" noResize="1" noEditPoints="1" noAdjustHandles="1" noChangeArrowheads="1" noChangeShapeType="1" noTextEdit="1"/>
+              </p:cNvSpPr>
+              <p:nvPr>
+                <p:ph type="title"/>
+              </p:nvPr>
+            </p:nvSpPr>
+            <p:spPr>
+              <a:blipFill>
+                <a:blip r:embed="rId3"/>
+                <a:stretch>
+                  <a:fillRect t="-17978" b="-44944"/>
+                </a:stretch>
+              </a:blipFill>
+            </p:spPr>
+            <p:txBody>
+              <a:bodyPr/>
+              <a:lstStyle/>
+              <a:p>
+                <a:r>
+                  <a:rPr lang="ja-JP" altLang="en-US">
+                    <a:noFill/>
+                  </a:rPr>
+                  <a:t> </a:t>
+                </a:r>
+              </a:p>
+            </p:txBody>
+          </p:sp>
+        </mc:Fallback>
+      </mc:AlternateContent>
+    </p:spTree>
+    <p:extLst>
+      <p:ext uri="{BB962C8B-B14F-4D97-AF65-F5344CB8AC3E}">
+        <p14:creationId xmlns:p14="http://schemas.microsoft.com/office/powerpoint/2010/main" val="2606060336"/>
+      </p:ext>
+    </p:extLst>
+  </p:cSld>
+  <p:clrMapOvr>
+    <a:masterClrMapping/>
+  </p:clrMapOvr>
+</p:sld>
+</file>
+
+<file path=ppt/slides/slide17.xml><?xml version="1.0" encoding="utf-8"?>
+<p:sld xmlns:a="http://schemas.openxmlformats.org/drawingml/2006/main" xmlns:r="http://schemas.openxmlformats.org/officeDocument/2006/relationships" xmlns:p="http://schemas.openxmlformats.org/presentationml/2006/main">
+  <p:cSld>
+    <p:spTree>
+      <p:nvGrpSpPr>
+        <p:cNvPr id="1" name=""/>
+        <p:cNvGrpSpPr/>
+        <p:nvPr/>
+      </p:nvGrpSpPr>
+      <p:grpSpPr>
+        <a:xfrm>
+          <a:off x="0" y="0"/>
+          <a:ext cx="0" cy="0"/>
+          <a:chOff x="0" y="0"/>
+          <a:chExt cx="0" cy="0"/>
+        </a:xfrm>
+      </p:grpSpPr>
+      <mc:AlternateContent xmlns:mc="http://schemas.openxmlformats.org/markup-compatibility/2006" xmlns:a14="http://schemas.microsoft.com/office/drawing/2010/main">
+        <mc:Choice Requires="a14">
+          <p:sp>
+            <p:nvSpPr>
+              <p:cNvPr id="2" name="コンテンツ プレースホルダー 1">
+                <a:extLst>
+                  <a:ext uri="{FF2B5EF4-FFF2-40B4-BE49-F238E27FC236}">
+                    <a16:creationId xmlns:a16="http://schemas.microsoft.com/office/drawing/2014/main" id="{8E206781-1B4F-4DE4-A05E-C2CF8E585CBD}"/>
+                  </a:ext>
+                </a:extLst>
+              </p:cNvPr>
+              <p:cNvSpPr>
+                <a:spLocks noGrp="1"/>
+              </p:cNvSpPr>
+              <p:nvPr>
+                <p:ph idx="1"/>
+              </p:nvPr>
+            </p:nvSpPr>
+            <p:spPr/>
+            <p:txBody>
+              <a:bodyPr/>
+              <a:lstStyle/>
+              <a:p>
+                <a:r>
+                  <a:rPr kumimoji="1" lang="ja-JP" altLang="en-US"/>
+                  <a:t>乱数</a:t>
+                </a:r>
+                <a14:m>
+                  <m:oMath xmlns:m="http://schemas.openxmlformats.org/officeDocument/2006/math">
+                    <m:r>
+                      <a:rPr kumimoji="1" lang="en-US" altLang="ja-JP" b="0" i="1" smtClean="0">
+                        <a:latin typeface="Cambria Math" panose="02040503050406030204" pitchFamily="18" charset="0"/>
+                      </a:rPr>
+                      <m:t>h</m:t>
+                    </m:r>
+                    <m:r>
+                      <a:rPr kumimoji="1" lang="en-US" altLang="ja-JP" b="0" i="1" smtClean="0">
+                        <a:latin typeface="Cambria Math" panose="02040503050406030204" pitchFamily="18" charset="0"/>
+                      </a:rPr>
+                      <m:t>,</m:t>
+                    </m:r>
+                    <m:r>
+                      <a:rPr kumimoji="1" lang="en-US" altLang="ja-JP" b="0" i="1" smtClean="0">
+                        <a:latin typeface="Cambria Math" panose="02040503050406030204" pitchFamily="18" charset="0"/>
+                      </a:rPr>
+                      <m:t>𝑏</m:t>
+                    </m:r>
+                  </m:oMath>
+                </a14:m>
+                <a:r>
+                  <a:rPr kumimoji="1" lang="ja-JP" altLang="en-US"/>
+                  <a:t>をとり</a:t>
+                </a:r>
+                <a14:m>
+                  <m:oMath xmlns:m="http://schemas.openxmlformats.org/officeDocument/2006/math">
+                    <m:r>
+                      <a:rPr kumimoji="1" lang="en-US" altLang="ja-JP" b="0" i="1" smtClean="0">
+                        <a:latin typeface="Cambria Math" panose="02040503050406030204" pitchFamily="18" charset="0"/>
+                      </a:rPr>
+                      <m:t>𝑡</m:t>
+                    </m:r>
+                    <m:r>
+                      <a:rPr kumimoji="1" lang="en-US" altLang="ja-JP" b="0" i="1" smtClean="0">
+                        <a:latin typeface="Cambria Math" panose="02040503050406030204" pitchFamily="18" charset="0"/>
+                      </a:rPr>
+                      <m:t>=</m:t>
+                    </m:r>
+                    <m:r>
+                      <a:rPr kumimoji="1" lang="en-US" altLang="ja-JP" b="0" i="1" smtClean="0">
+                        <a:latin typeface="Cambria Math" panose="02040503050406030204" pitchFamily="18" charset="0"/>
+                      </a:rPr>
+                      <m:t>𝑏</m:t>
+                    </m:r>
+                    <m:r>
+                      <a:rPr kumimoji="1" lang="en-US" altLang="ja-JP" b="0" i="1" smtClean="0">
+                        <a:latin typeface="Cambria Math" panose="02040503050406030204" pitchFamily="18" charset="0"/>
+                      </a:rPr>
+                      <m:t>+</m:t>
+                    </m:r>
+                    <m:r>
+                      <a:rPr kumimoji="1" lang="en-US" altLang="ja-JP" b="0" i="1" smtClean="0">
+                        <a:latin typeface="Cambria Math" panose="02040503050406030204" pitchFamily="18" charset="0"/>
+                      </a:rPr>
+                      <m:t>h𝑟</m:t>
+                    </m:r>
+                  </m:oMath>
+                </a14:m>
+                <a:r>
+                  <a:rPr kumimoji="1" lang="en-US" altLang="ja-JP"/>
+                  <a:t>, </a:t>
+                </a:r>
+                <a14:m>
+                  <m:oMath xmlns:m="http://schemas.openxmlformats.org/officeDocument/2006/math">
+                    <m:r>
+                      <a:rPr kumimoji="1" lang="en-US" altLang="ja-JP" b="0" i="1" smtClean="0">
+                        <a:latin typeface="Cambria Math" panose="02040503050406030204" pitchFamily="18" charset="0"/>
+                      </a:rPr>
+                      <m:t>𝐴</m:t>
+                    </m:r>
+                    <m:r>
+                      <a:rPr kumimoji="1" lang="en-US" altLang="ja-JP" b="0" i="1" smtClean="0">
+                        <a:latin typeface="Cambria Math" panose="02040503050406030204" pitchFamily="18" charset="0"/>
+                      </a:rPr>
+                      <m:t>=(</m:t>
+                    </m:r>
+                    <m:r>
+                      <a:rPr kumimoji="1" lang="en-US" altLang="ja-JP" b="0" i="1" smtClean="0">
+                        <a:latin typeface="Cambria Math" panose="02040503050406030204" pitchFamily="18" charset="0"/>
+                      </a:rPr>
+                      <m:t>𝑡𝑄</m:t>
+                    </m:r>
+                    <m:r>
+                      <a:rPr kumimoji="1" lang="en-US" altLang="ja-JP" b="0" i="1" smtClean="0">
+                        <a:latin typeface="Cambria Math" panose="02040503050406030204" pitchFamily="18" charset="0"/>
+                      </a:rPr>
+                      <m:t>,</m:t>
+                    </m:r>
+                    <m:r>
+                      <a:rPr kumimoji="1" lang="en-US" altLang="ja-JP" b="0" i="1" smtClean="0">
+                        <a:latin typeface="Cambria Math" panose="02040503050406030204" pitchFamily="18" charset="0"/>
+                      </a:rPr>
+                      <m:t>𝑡𝑃</m:t>
+                    </m:r>
+                    <m:r>
+                      <a:rPr kumimoji="1" lang="en-US" altLang="ja-JP" b="0" i="1" smtClean="0">
+                        <a:latin typeface="Cambria Math" panose="02040503050406030204" pitchFamily="18" charset="0"/>
+                      </a:rPr>
+                      <m:t>)</m:t>
+                    </m:r>
+                  </m:oMath>
+                </a14:m>
+                <a:r>
+                  <a:rPr kumimoji="1" lang="ja-JP" altLang="en-US"/>
+                  <a:t>とする</a:t>
+                </a:r>
+                <a:br>
+                  <a:rPr lang="en-US" altLang="ja-JP"/>
+                </a:br>
+                <a14:m>
+                  <m:oMath xmlns:m="http://schemas.openxmlformats.org/officeDocument/2006/math">
+                    <m:r>
+                      <a:rPr lang="en-US" altLang="ja-JP" b="0" i="1" smtClean="0">
+                        <a:latin typeface="Cambria Math" panose="02040503050406030204" pitchFamily="18" charset="0"/>
+                      </a:rPr>
+                      <m:t>(</m:t>
+                    </m:r>
+                    <m:r>
+                      <a:rPr lang="en-US" altLang="ja-JP" b="0" i="1" smtClean="0">
+                        <a:latin typeface="Cambria Math" panose="02040503050406030204" pitchFamily="18" charset="0"/>
+                      </a:rPr>
+                      <m:t>𝐴</m:t>
+                    </m:r>
+                    <m:r>
+                      <a:rPr lang="en-US" altLang="ja-JP" b="0" i="1" smtClean="0">
+                        <a:latin typeface="Cambria Math" panose="02040503050406030204" pitchFamily="18" charset="0"/>
+                      </a:rPr>
+                      <m:t>,</m:t>
+                    </m:r>
+                    <m:r>
+                      <a:rPr lang="en-US" altLang="ja-JP" b="0" i="1" smtClean="0">
+                        <a:latin typeface="Cambria Math" panose="02040503050406030204" pitchFamily="18" charset="0"/>
+                      </a:rPr>
+                      <m:t>h</m:t>
+                    </m:r>
+                    <m:r>
+                      <a:rPr lang="en-US" altLang="ja-JP" b="0" i="1" smtClean="0">
+                        <a:latin typeface="Cambria Math" panose="02040503050406030204" pitchFamily="18" charset="0"/>
+                      </a:rPr>
+                      <m:t>,</m:t>
+                    </m:r>
+                    <m:r>
+                      <a:rPr lang="en-US" altLang="ja-JP" b="0" i="1" smtClean="0">
+                        <a:latin typeface="Cambria Math" panose="02040503050406030204" pitchFamily="18" charset="0"/>
+                      </a:rPr>
+                      <m:t>𝑏</m:t>
+                    </m:r>
+                    <m:r>
+                      <a:rPr lang="en-US" altLang="ja-JP" b="0" i="1" smtClean="0">
+                        <a:latin typeface="Cambria Math" panose="02040503050406030204" pitchFamily="18" charset="0"/>
+                      </a:rPr>
+                      <m:t>)</m:t>
+                    </m:r>
+                  </m:oMath>
+                </a14:m>
+                <a:r>
+                  <a:rPr kumimoji="1" lang="ja-JP" altLang="en-US"/>
+                  <a:t>は受理される</a:t>
+                </a:r>
+                <a:endParaRPr kumimoji="1" lang="en-US" altLang="ja-JP"/>
+              </a:p>
+              <a:p>
+                <a:pPr lvl="1"/>
+                <a14:m>
+                  <m:oMath xmlns:m="http://schemas.openxmlformats.org/officeDocument/2006/math">
+                    <m:r>
+                      <a:rPr kumimoji="1" lang="en-US" altLang="ja-JP" b="0" i="1" smtClean="0">
+                        <a:latin typeface="Cambria Math" panose="02040503050406030204" pitchFamily="18" charset="0"/>
+                      </a:rPr>
+                      <m:t>h𝐶</m:t>
+                    </m:r>
+                    <m:r>
+                      <a:rPr kumimoji="1" lang="en-US" altLang="ja-JP" b="0" i="1" smtClean="0">
+                        <a:latin typeface="Cambria Math" panose="02040503050406030204" pitchFamily="18" charset="0"/>
+                      </a:rPr>
+                      <m:t>+</m:t>
+                    </m:r>
+                    <m:r>
+                      <a:rPr kumimoji="1" lang="en-US" altLang="ja-JP" b="0" i="1" smtClean="0">
+                        <a:latin typeface="Cambria Math" panose="02040503050406030204" pitchFamily="18" charset="0"/>
+                      </a:rPr>
+                      <m:t>𝑏𝑋</m:t>
+                    </m:r>
+                    <m:r>
+                      <a:rPr kumimoji="1" lang="en-US" altLang="ja-JP" b="0" i="1" smtClean="0">
+                        <a:latin typeface="Cambria Math" panose="02040503050406030204" pitchFamily="18" charset="0"/>
+                      </a:rPr>
+                      <m:t>=</m:t>
+                    </m:r>
+                    <m:r>
+                      <a:rPr kumimoji="1" lang="en-US" altLang="ja-JP" b="0" i="1" smtClean="0">
+                        <a:latin typeface="Cambria Math" panose="02040503050406030204" pitchFamily="18" charset="0"/>
+                      </a:rPr>
+                      <m:t>h</m:t>
+                    </m:r>
+                    <m:d>
+                      <m:dPr>
+                        <m:ctrlPr>
+                          <a:rPr kumimoji="1" lang="en-US" altLang="ja-JP" b="0" i="1" smtClean="0">
+                            <a:latin typeface="Cambria Math" panose="02040503050406030204" pitchFamily="18" charset="0"/>
+                          </a:rPr>
+                        </m:ctrlPr>
+                      </m:dPr>
+                      <m:e>
+                        <m:r>
+                          <a:rPr kumimoji="1" lang="en-US" altLang="ja-JP" b="0" i="1" smtClean="0">
+                            <a:latin typeface="Cambria Math" panose="02040503050406030204" pitchFamily="18" charset="0"/>
+                          </a:rPr>
+                          <m:t>𝑟𝑄</m:t>
+                        </m:r>
+                        <m:r>
+                          <a:rPr kumimoji="1" lang="en-US" altLang="ja-JP" b="0" i="1" smtClean="0">
+                            <a:latin typeface="Cambria Math" panose="02040503050406030204" pitchFamily="18" charset="0"/>
+                          </a:rPr>
+                          <m:t>,</m:t>
+                        </m:r>
+                        <m:r>
+                          <a:rPr kumimoji="1" lang="en-US" altLang="ja-JP" b="0" i="1" smtClean="0">
+                            <a:latin typeface="Cambria Math" panose="02040503050406030204" pitchFamily="18" charset="0"/>
+                          </a:rPr>
+                          <m:t>𝑟𝑃</m:t>
+                        </m:r>
+                      </m:e>
+                    </m:d>
+                    <m:r>
+                      <a:rPr kumimoji="1" lang="en-US" altLang="ja-JP" b="0" i="1" smtClean="0">
+                        <a:latin typeface="Cambria Math" panose="02040503050406030204" pitchFamily="18" charset="0"/>
+                      </a:rPr>
+                      <m:t>+</m:t>
+                    </m:r>
+                    <m:r>
+                      <a:rPr kumimoji="1" lang="en-US" altLang="ja-JP" b="0" i="1" smtClean="0">
+                        <a:latin typeface="Cambria Math" panose="02040503050406030204" pitchFamily="18" charset="0"/>
+                      </a:rPr>
+                      <m:t>𝑏</m:t>
+                    </m:r>
+                    <m:d>
+                      <m:dPr>
+                        <m:ctrlPr>
+                          <a:rPr kumimoji="1" lang="en-US" altLang="ja-JP" b="0" i="1" smtClean="0">
+                            <a:latin typeface="Cambria Math" panose="02040503050406030204" pitchFamily="18" charset="0"/>
+                          </a:rPr>
+                        </m:ctrlPr>
+                      </m:dPr>
+                      <m:e>
+                        <m:r>
+                          <a:rPr kumimoji="1" lang="en-US" altLang="ja-JP" b="0" i="1" smtClean="0">
+                            <a:latin typeface="Cambria Math" panose="02040503050406030204" pitchFamily="18" charset="0"/>
+                          </a:rPr>
+                          <m:t>𝑄</m:t>
+                        </m:r>
+                        <m:r>
+                          <a:rPr kumimoji="1" lang="en-US" altLang="ja-JP" b="0" i="1" smtClean="0">
+                            <a:latin typeface="Cambria Math" panose="02040503050406030204" pitchFamily="18" charset="0"/>
+                          </a:rPr>
+                          <m:t>,</m:t>
+                        </m:r>
+                        <m:r>
+                          <a:rPr kumimoji="1" lang="en-US" altLang="ja-JP" b="0" i="1" smtClean="0">
+                            <a:latin typeface="Cambria Math" panose="02040503050406030204" pitchFamily="18" charset="0"/>
+                          </a:rPr>
+                          <m:t>𝑃</m:t>
+                        </m:r>
+                      </m:e>
+                    </m:d>
+                    <m:r>
+                      <a:rPr kumimoji="1" lang="en-US" altLang="ja-JP" b="0" i="1" smtClean="0">
+                        <a:latin typeface="Cambria Math" panose="02040503050406030204" pitchFamily="18" charset="0"/>
+                      </a:rPr>
+                      <m:t>=</m:t>
+                    </m:r>
+                    <m:d>
+                      <m:dPr>
+                        <m:ctrlPr>
+                          <a:rPr kumimoji="1" lang="en-US" altLang="ja-JP" b="0" i="1" smtClean="0">
+                            <a:latin typeface="Cambria Math" panose="02040503050406030204" pitchFamily="18" charset="0"/>
+                          </a:rPr>
+                        </m:ctrlPr>
+                      </m:dPr>
+                      <m:e>
+                        <m:r>
+                          <a:rPr kumimoji="1" lang="en-US" altLang="ja-JP" b="0" i="1" smtClean="0">
+                            <a:latin typeface="Cambria Math" panose="02040503050406030204" pitchFamily="18" charset="0"/>
+                          </a:rPr>
+                          <m:t>𝑡𝑄</m:t>
+                        </m:r>
+                        <m:r>
+                          <a:rPr kumimoji="1" lang="en-US" altLang="ja-JP" b="0" i="1" smtClean="0">
+                            <a:latin typeface="Cambria Math" panose="02040503050406030204" pitchFamily="18" charset="0"/>
+                          </a:rPr>
+                          <m:t>,</m:t>
+                        </m:r>
+                        <m:r>
+                          <a:rPr kumimoji="1" lang="en-US" altLang="ja-JP" b="0" i="1" smtClean="0">
+                            <a:latin typeface="Cambria Math" panose="02040503050406030204" pitchFamily="18" charset="0"/>
+                          </a:rPr>
+                          <m:t>𝑡𝑃</m:t>
+                        </m:r>
+                      </m:e>
+                    </m:d>
+                    <m:r>
+                      <a:rPr kumimoji="1" lang="en-US" altLang="ja-JP" b="0" i="1" smtClean="0">
+                        <a:latin typeface="Cambria Math" panose="02040503050406030204" pitchFamily="18" charset="0"/>
+                      </a:rPr>
+                      <m:t>=</m:t>
+                    </m:r>
+                    <m:r>
+                      <a:rPr kumimoji="1" lang="en-US" altLang="ja-JP" b="0" i="1" smtClean="0">
+                        <a:latin typeface="Cambria Math" panose="02040503050406030204" pitchFamily="18" charset="0"/>
+                      </a:rPr>
+                      <m:t>𝐴</m:t>
+                    </m:r>
+                  </m:oMath>
+                </a14:m>
+                <a:endParaRPr kumimoji="1" lang="en-US" altLang="ja-JP"/>
+              </a:p>
+              <a:p>
+                <a:pPr lvl="1"/>
+                <a:endParaRPr kumimoji="1" lang="en-US" altLang="ja-JP"/>
+              </a:p>
+            </p:txBody>
+          </p:sp>
+        </mc:Choice>
+        <mc:Fallback xmlns="">
+          <p:sp>
+            <p:nvSpPr>
+              <p:cNvPr id="2" name="コンテンツ プレースホルダー 1">
+                <a:extLst>
+                  <a:ext uri="{FF2B5EF4-FFF2-40B4-BE49-F238E27FC236}">
+                    <a16:creationId xmlns:a16="http://schemas.microsoft.com/office/drawing/2014/main" id="{8E206781-1B4F-4DE4-A05E-C2CF8E585CBD}"/>
+                  </a:ext>
+                </a:extLst>
+              </p:cNvPr>
+              <p:cNvSpPr>
+                <a:spLocks noGrp="1" noRot="1" noChangeAspect="1" noMove="1" noResize="1" noEditPoints="1" noAdjustHandles="1" noChangeArrowheads="1" noChangeShapeType="1" noTextEdit="1"/>
+              </p:cNvSpPr>
+              <p:nvPr>
+                <p:ph idx="1"/>
+              </p:nvPr>
+            </p:nvSpPr>
+            <p:spPr>
+              <a:blipFill>
+                <a:blip r:embed="rId2"/>
+                <a:stretch>
+                  <a:fillRect l="-1200" t="-1454"/>
+                </a:stretch>
+              </a:blipFill>
+            </p:spPr>
+            <p:txBody>
+              <a:bodyPr/>
+              <a:lstStyle/>
+              <a:p>
+                <a:r>
+                  <a:rPr lang="ja-JP" altLang="en-US">
+                    <a:noFill/>
+                  </a:rPr>
+                  <a:t> </a:t>
+                </a:r>
+              </a:p>
+            </p:txBody>
+          </p:sp>
+        </mc:Fallback>
+      </mc:AlternateContent>
+      <p:sp>
+        <p:nvSpPr>
+          <p:cNvPr id="4" name="タイトル 3">
+            <a:extLst>
+              <a:ext uri="{FF2B5EF4-FFF2-40B4-BE49-F238E27FC236}">
+                <a16:creationId xmlns:a16="http://schemas.microsoft.com/office/drawing/2014/main" id="{1D836643-BAE2-4E43-9532-FF4DBE250C0F}"/>
+              </a:ext>
+            </a:extLst>
+          </p:cNvPr>
+          <p:cNvSpPr>
+            <a:spLocks noGrp="1"/>
+          </p:cNvSpPr>
+          <p:nvPr>
+            <p:ph type="title"/>
+          </p:nvPr>
+        </p:nvSpPr>
+        <p:spPr/>
+        <p:txBody>
+          <a:bodyPr/>
+          <a:lstStyle/>
+          <a:p>
+            <a:r>
+              <a:rPr kumimoji="1" lang="ja-JP" altLang="en-US"/>
+              <a:t>ゼロ知識性</a:t>
+            </a:r>
+          </a:p>
+        </p:txBody>
+      </p:sp>
+    </p:spTree>
+    <p:extLst>
+      <p:ext uri="{BB962C8B-B14F-4D97-AF65-F5344CB8AC3E}">
+        <p14:creationId xmlns:p14="http://schemas.microsoft.com/office/powerpoint/2010/main" val="286558349"/>
+      </p:ext>
+    </p:extLst>
+  </p:cSld>
+  <p:clrMapOvr>
+    <a:masterClrMapping/>
+  </p:clrMapOvr>
+</p:sld>
+</file>
+
+<file path=ppt/slides/slide18.xml><?xml version="1.0" encoding="utf-8"?>
+<p:sld xmlns:a="http://schemas.openxmlformats.org/drawingml/2006/main" xmlns:r="http://schemas.openxmlformats.org/officeDocument/2006/relationships" xmlns:p="http://schemas.openxmlformats.org/presentationml/2006/main">
+  <p:cSld>
+    <p:spTree>
+      <p:nvGrpSpPr>
+        <p:cNvPr id="1" name=""/>
+        <p:cNvGrpSpPr/>
+        <p:nvPr/>
+      </p:nvGrpSpPr>
+      <p:grpSpPr>
+        <a:xfrm>
+          <a:off x="0" y="0"/>
+          <a:ext cx="0" cy="0"/>
+          <a:chOff x="0" y="0"/>
+          <a:chExt cx="0" cy="0"/>
+        </a:xfrm>
+      </p:grpSpPr>
+      <mc:AlternateContent xmlns:mc="http://schemas.openxmlformats.org/markup-compatibility/2006" xmlns:a14="http://schemas.microsoft.com/office/drawing/2010/main">
+        <mc:Choice Requires="a14">
+          <p:sp>
+            <p:nvSpPr>
+              <p:cNvPr id="2" name="コンテンツ プレースホルダー 1">
+                <a:extLst>
+                  <a:ext uri="{FF2B5EF4-FFF2-40B4-BE49-F238E27FC236}">
+                    <a16:creationId xmlns:a16="http://schemas.microsoft.com/office/drawing/2014/main" id="{FF41CBA5-0C2E-460B-BEF2-7970F3146F7D}"/>
+                  </a:ext>
+                </a:extLst>
+              </p:cNvPr>
+              <p:cNvSpPr>
+                <a:spLocks noGrp="1"/>
+              </p:cNvSpPr>
+              <p:nvPr>
+                <p:ph idx="1"/>
+              </p:nvPr>
+            </p:nvSpPr>
+            <p:spPr/>
+            <p:txBody>
+              <a:bodyPr/>
+              <a:lstStyle/>
+              <a:p>
+                <a:r>
+                  <a:rPr kumimoji="1" lang="en-US" altLang="ja-JP"/>
+                  <a:t>Σ</a:t>
+                </a:r>
+                <a:r>
+                  <a:rPr kumimoji="1" lang="ja-JP" altLang="en-US"/>
+                  <a:t>プロトコルで検証者が乱数</a:t>
+                </a:r>
+                <a14:m>
+                  <m:oMath xmlns:m="http://schemas.openxmlformats.org/officeDocument/2006/math">
+                    <m:r>
+                      <a:rPr kumimoji="1" lang="en-US" altLang="ja-JP" b="0" i="1" smtClean="0">
+                        <a:latin typeface="Cambria Math" panose="02040503050406030204" pitchFamily="18" charset="0"/>
+                      </a:rPr>
+                      <m:t>h</m:t>
+                    </m:r>
+                  </m:oMath>
+                </a14:m>
+                <a:r>
+                  <a:rPr kumimoji="1" lang="ja-JP" altLang="en-US"/>
+                  <a:t>を送る代わりに</a:t>
+                </a:r>
+                <a:br>
+                  <a:rPr kumimoji="1" lang="en-US" altLang="ja-JP"/>
+                </a:br>
+                <a:r>
+                  <a:rPr kumimoji="1" lang="ja-JP" altLang="en-US"/>
+                  <a:t>パラメータのハッシュ値を利用する</a:t>
+                </a:r>
+                <a:endParaRPr kumimoji="1" lang="en-US" altLang="ja-JP"/>
+              </a:p>
+              <a:p>
+                <a:pPr lvl="1"/>
+                <a:r>
+                  <a:rPr kumimoji="1" lang="ja-JP" altLang="en-US"/>
+                  <a:t>証明者が</a:t>
+                </a:r>
+                <a14:m>
+                  <m:oMath xmlns:m="http://schemas.openxmlformats.org/officeDocument/2006/math">
+                    <m:r>
+                      <a:rPr kumimoji="1" lang="en-US" altLang="ja-JP" b="0" i="1" smtClean="0">
+                        <a:latin typeface="Cambria Math" panose="02040503050406030204" pitchFamily="18" charset="0"/>
+                      </a:rPr>
+                      <m:t>h</m:t>
+                    </m:r>
+                  </m:oMath>
+                </a14:m>
+                <a:r>
+                  <a:rPr kumimoji="1" lang="ja-JP" altLang="en-US"/>
+                  <a:t>を制御できないなら検証者が乱数を送らなくてもよいのではという理屈</a:t>
+                </a:r>
+                <a:endParaRPr kumimoji="1" lang="en-US" altLang="ja-JP"/>
+              </a:p>
+              <a:p>
+                <a:pPr lvl="1"/>
+                <a:r>
+                  <a:rPr kumimoji="1" lang="ja-JP" altLang="en-US"/>
+                  <a:t>ハッシュ関数が理想形であるランダムオラクルモデルを仮定</a:t>
+                </a:r>
+                <a:endParaRPr kumimoji="1" lang="en-US" altLang="ja-JP"/>
+              </a:p>
+              <a:p>
+                <a:pPr lvl="1"/>
+                <a:r>
+                  <a:rPr kumimoji="1" lang="ja-JP" altLang="en-US"/>
+                  <a:t>証明者</a:t>
+                </a:r>
+                <a:r>
+                  <a:rPr kumimoji="1" lang="en-US" altLang="ja-JP"/>
+                  <a:t>P</a:t>
+                </a:r>
+                <a:r>
+                  <a:rPr kumimoji="1" lang="ja-JP" altLang="en-US"/>
+                  <a:t>が証明</a:t>
+                </a:r>
+                <a14:m>
+                  <m:oMath xmlns:m="http://schemas.openxmlformats.org/officeDocument/2006/math">
+                    <m:r>
+                      <a:rPr kumimoji="1" lang="en-US" altLang="ja-JP" b="0" i="1" smtClean="0">
+                        <a:latin typeface="Cambria Math" panose="02040503050406030204" pitchFamily="18" charset="0"/>
+                      </a:rPr>
+                      <m:t>𝜋</m:t>
+                    </m:r>
+                  </m:oMath>
+                </a14:m>
+                <a:r>
+                  <a:rPr kumimoji="1" lang="ja-JP" altLang="en-US"/>
+                  <a:t>を送るだけでよくなる</a:t>
+                </a:r>
+                <a:endParaRPr kumimoji="1" lang="en-US" altLang="ja-JP"/>
+              </a:p>
+              <a:p>
+                <a:pPr lvl="1"/>
+                <a:r>
+                  <a:rPr kumimoji="1" lang="ja-JP" altLang="en-US"/>
+                  <a:t>対話証明の非対話化</a:t>
+                </a:r>
+                <a:endParaRPr kumimoji="1" lang="en-US" altLang="ja-JP"/>
+              </a:p>
+            </p:txBody>
+          </p:sp>
+        </mc:Choice>
+        <mc:Fallback xmlns="">
+          <p:sp>
+            <p:nvSpPr>
+              <p:cNvPr id="2" name="コンテンツ プレースホルダー 1">
+                <a:extLst>
+                  <a:ext uri="{FF2B5EF4-FFF2-40B4-BE49-F238E27FC236}">
+                    <a16:creationId xmlns:a16="http://schemas.microsoft.com/office/drawing/2014/main" id="{FF41CBA5-0C2E-460B-BEF2-7970F3146F7D}"/>
+                  </a:ext>
+                </a:extLst>
+              </p:cNvPr>
+              <p:cNvSpPr>
+                <a:spLocks noGrp="1" noRot="1" noChangeAspect="1" noMove="1" noResize="1" noEditPoints="1" noAdjustHandles="1" noChangeArrowheads="1" noChangeShapeType="1" noTextEdit="1"/>
+              </p:cNvSpPr>
+              <p:nvPr>
+                <p:ph idx="1"/>
+              </p:nvPr>
+            </p:nvSpPr>
+            <p:spPr>
+              <a:blipFill>
+                <a:blip r:embed="rId2"/>
+                <a:stretch>
+                  <a:fillRect l="-1200" t="-1454" r="-467"/>
+                </a:stretch>
+              </a:blipFill>
+            </p:spPr>
+            <p:txBody>
+              <a:bodyPr/>
+              <a:lstStyle/>
+              <a:p>
+                <a:r>
+                  <a:rPr lang="ja-JP" altLang="en-US">
+                    <a:noFill/>
+                  </a:rPr>
+                  <a:t> </a:t>
+                </a:r>
+              </a:p>
+            </p:txBody>
+          </p:sp>
+        </mc:Fallback>
+      </mc:AlternateContent>
+      <p:sp>
+        <p:nvSpPr>
+          <p:cNvPr id="4" name="タイトル 3">
+            <a:extLst>
+              <a:ext uri="{FF2B5EF4-FFF2-40B4-BE49-F238E27FC236}">
+                <a16:creationId xmlns:a16="http://schemas.microsoft.com/office/drawing/2014/main" id="{F6C2E4EF-611B-4497-906C-C55D85E863D6}"/>
+              </a:ext>
+            </a:extLst>
+          </p:cNvPr>
+          <p:cNvSpPr>
+            <a:spLocks noGrp="1"/>
+          </p:cNvSpPr>
+          <p:nvPr>
+            <p:ph type="title"/>
+          </p:nvPr>
+        </p:nvSpPr>
+        <p:spPr/>
+        <p:txBody>
+          <a:bodyPr/>
+          <a:lstStyle/>
+          <a:p>
+            <a:r>
+              <a:rPr kumimoji="1" lang="en-US" altLang="ja-JP"/>
+              <a:t>Fiat-Shamir heuristic</a:t>
+            </a:r>
+            <a:endParaRPr kumimoji="1" lang="ja-JP" altLang="en-US"/>
+          </a:p>
+        </p:txBody>
+      </p:sp>
+    </p:spTree>
+    <p:extLst>
+      <p:ext uri="{BB962C8B-B14F-4D97-AF65-F5344CB8AC3E}">
+        <p14:creationId xmlns:p14="http://schemas.microsoft.com/office/powerpoint/2010/main" val="1158883595"/>
+      </p:ext>
+    </p:extLst>
+  </p:cSld>
+  <p:clrMapOvr>
+    <a:masterClrMapping/>
+  </p:clrMapOvr>
+</p:sld>
+</file>
+
+<file path=ppt/slides/slide19.xml><?xml version="1.0" encoding="utf-8"?>
+<p:sld xmlns:a="http://schemas.openxmlformats.org/drawingml/2006/main" xmlns:r="http://schemas.openxmlformats.org/officeDocument/2006/relationships" xmlns:p="http://schemas.openxmlformats.org/presentationml/2006/main">
+  <p:cSld>
+    <p:spTree>
+      <p:nvGrpSpPr>
+        <p:cNvPr id="1" name=""/>
+        <p:cNvGrpSpPr/>
+        <p:nvPr/>
+      </p:nvGrpSpPr>
+      <p:grpSpPr>
+        <a:xfrm>
+          <a:off x="0" y="0"/>
+          <a:ext cx="0" cy="0"/>
+          <a:chOff x="0" y="0"/>
+          <a:chExt cx="0" cy="0"/>
+        </a:xfrm>
+      </p:grpSpPr>
+      <mc:AlternateContent xmlns:mc="http://schemas.openxmlformats.org/markup-compatibility/2006" xmlns:a14="http://schemas.microsoft.com/office/drawing/2010/main">
+        <mc:Choice Requires="a14">
+          <p:sp>
+            <p:nvSpPr>
+              <p:cNvPr id="2" name="コンテンツ プレースホルダー 1">
+                <a:extLst>
+                  <a:ext uri="{FF2B5EF4-FFF2-40B4-BE49-F238E27FC236}">
+                    <a16:creationId xmlns:a16="http://schemas.microsoft.com/office/drawing/2014/main" id="{FF41CBA5-0C2E-460B-BEF2-7970F3146F7D}"/>
+                  </a:ext>
+                </a:extLst>
+              </p:cNvPr>
+              <p:cNvSpPr>
+                <a:spLocks noGrp="1"/>
+              </p:cNvSpPr>
+              <p:nvPr>
+                <p:ph idx="1"/>
+              </p:nvPr>
+            </p:nvSpPr>
+            <p:spPr/>
+            <p:txBody>
+              <a:bodyPr/>
+              <a:lstStyle/>
+              <a:p>
+                <a:r>
+                  <a:rPr kumimoji="1" lang="ja-JP" altLang="en-US"/>
+                  <a:t>再掲 </a:t>
+                </a:r>
+                <a:r>
+                  <a:rPr kumimoji="1" lang="en-US" altLang="ja-JP"/>
+                  <a:t>: </a:t>
+                </a:r>
+                <a:r>
+                  <a:rPr kumimoji="1" lang="ja-JP" altLang="en-US"/>
+                  <a:t>公開情報</a:t>
+                </a:r>
+                <a14:m>
+                  <m:oMath xmlns:m="http://schemas.openxmlformats.org/officeDocument/2006/math">
+                    <m:r>
+                      <a:rPr kumimoji="1" lang="en-US" altLang="ja-JP" b="0" i="1" smtClean="0">
+                        <a:latin typeface="Cambria Math" panose="02040503050406030204" pitchFamily="18" charset="0"/>
+                      </a:rPr>
+                      <m:t>𝑋</m:t>
+                    </m:r>
+                    <m:r>
+                      <a:rPr kumimoji="1" lang="en-US" altLang="ja-JP" b="0" i="1" smtClean="0">
+                        <a:latin typeface="Cambria Math" panose="02040503050406030204" pitchFamily="18" charset="0"/>
+                      </a:rPr>
+                      <m:t>=(</m:t>
+                    </m:r>
+                    <m:r>
+                      <a:rPr kumimoji="1" lang="en-US" altLang="ja-JP" b="0" i="1" smtClean="0">
+                        <a:latin typeface="Cambria Math" panose="02040503050406030204" pitchFamily="18" charset="0"/>
+                      </a:rPr>
+                      <m:t>𝑄</m:t>
+                    </m:r>
+                    <m:r>
+                      <a:rPr kumimoji="1" lang="en-US" altLang="ja-JP" b="0" i="1" smtClean="0">
+                        <a:latin typeface="Cambria Math" panose="02040503050406030204" pitchFamily="18" charset="0"/>
+                      </a:rPr>
+                      <m:t>,</m:t>
+                    </m:r>
+                    <m:r>
+                      <a:rPr kumimoji="1" lang="en-US" altLang="ja-JP" b="0" i="1" smtClean="0">
+                        <a:latin typeface="Cambria Math" panose="02040503050406030204" pitchFamily="18" charset="0"/>
+                      </a:rPr>
+                      <m:t>𝑃</m:t>
+                    </m:r>
+                    <m:r>
+                      <a:rPr kumimoji="1" lang="en-US" altLang="ja-JP" b="0" i="1" smtClean="0">
+                        <a:latin typeface="Cambria Math" panose="02040503050406030204" pitchFamily="18" charset="0"/>
+                      </a:rPr>
+                      <m:t>)</m:t>
+                    </m:r>
+                  </m:oMath>
+                </a14:m>
+                <a:r>
+                  <a:rPr kumimoji="1" lang="en-US" altLang="ja-JP"/>
+                  <a:t>, </a:t>
+                </a:r>
+                <a14:m>
+                  <m:oMath xmlns:m="http://schemas.openxmlformats.org/officeDocument/2006/math">
+                    <m:r>
+                      <a:rPr kumimoji="1" lang="en-US" altLang="ja-JP" b="0" i="1" smtClean="0">
+                        <a:latin typeface="Cambria Math" panose="02040503050406030204" pitchFamily="18" charset="0"/>
+                      </a:rPr>
+                      <m:t>𝑄</m:t>
+                    </m:r>
+                    <m:r>
+                      <a:rPr kumimoji="1" lang="en-US" altLang="ja-JP" b="0" i="1" smtClean="0">
+                        <a:latin typeface="Cambria Math" panose="02040503050406030204" pitchFamily="18" charset="0"/>
+                      </a:rPr>
+                      <m:t>=</m:t>
+                    </m:r>
+                    <m:r>
+                      <a:rPr kumimoji="1" lang="en-US" altLang="ja-JP" b="0" i="1" smtClean="0">
+                        <a:latin typeface="Cambria Math" panose="02040503050406030204" pitchFamily="18" charset="0"/>
+                      </a:rPr>
+                      <m:t>𝑠𝑃</m:t>
+                    </m:r>
+                  </m:oMath>
+                </a14:m>
+                <a:r>
+                  <a:rPr kumimoji="1" lang="en-US" altLang="ja-JP"/>
+                  <a:t>, </a:t>
+                </a:r>
+                <a:r>
+                  <a:rPr kumimoji="1" lang="ja-JP" altLang="en-US"/>
+                  <a:t>暗号文</a:t>
+                </a:r>
+                <a14:m>
+                  <m:oMath xmlns:m="http://schemas.openxmlformats.org/officeDocument/2006/math">
+                    <m:r>
+                      <a:rPr kumimoji="1" lang="en-US" altLang="ja-JP" b="0" i="1" smtClean="0">
+                        <a:latin typeface="Cambria Math" panose="02040503050406030204" pitchFamily="18" charset="0"/>
+                      </a:rPr>
+                      <m:t>𝐶</m:t>
+                    </m:r>
+                    <m:r>
+                      <a:rPr kumimoji="1" lang="en-US" altLang="ja-JP" b="0" i="1" smtClean="0">
+                        <a:latin typeface="Cambria Math" panose="02040503050406030204" pitchFamily="18" charset="0"/>
+                      </a:rPr>
+                      <m:t>= (</m:t>
+                    </m:r>
+                    <m:r>
+                      <a:rPr kumimoji="1" lang="en-US" altLang="ja-JP" b="0" i="1" smtClean="0">
+                        <a:latin typeface="Cambria Math" panose="02040503050406030204" pitchFamily="18" charset="0"/>
+                      </a:rPr>
+                      <m:t>𝑟𝑄</m:t>
+                    </m:r>
+                    <m:r>
+                      <a:rPr kumimoji="1" lang="en-US" altLang="ja-JP" b="0" i="1" smtClean="0">
+                        <a:latin typeface="Cambria Math" panose="02040503050406030204" pitchFamily="18" charset="0"/>
+                      </a:rPr>
+                      <m:t>,</m:t>
+                    </m:r>
+                    <m:r>
+                      <a:rPr kumimoji="1" lang="en-US" altLang="ja-JP" b="0" i="1" smtClean="0">
+                        <a:latin typeface="Cambria Math" panose="02040503050406030204" pitchFamily="18" charset="0"/>
+                      </a:rPr>
+                      <m:t>𝑟𝑃</m:t>
+                    </m:r>
+                    <m:r>
+                      <a:rPr kumimoji="1" lang="en-US" altLang="ja-JP" b="0" i="1" smtClean="0">
+                        <a:latin typeface="Cambria Math" panose="02040503050406030204" pitchFamily="18" charset="0"/>
+                      </a:rPr>
+                      <m:t>)</m:t>
+                    </m:r>
+                  </m:oMath>
+                </a14:m>
+                <a:endParaRPr kumimoji="1" lang="en-US" altLang="ja-JP"/>
+              </a:p>
+              <a:p>
+                <a:pPr lvl="1"/>
+                <a:r>
+                  <a:rPr kumimoji="1" lang="en-US" altLang="ja-JP"/>
+                  <a:t>P</a:t>
+                </a:r>
+                <a:r>
+                  <a:rPr kumimoji="1" lang="ja-JP" altLang="en-US"/>
+                  <a:t>→</a:t>
+                </a:r>
+                <a:r>
+                  <a:rPr kumimoji="1" lang="en-US" altLang="ja-JP"/>
+                  <a:t>V : </a:t>
+                </a:r>
+                <a:r>
+                  <a:rPr kumimoji="1" lang="ja-JP" altLang="en-US"/>
+                  <a:t>乱数</a:t>
+                </a:r>
+                <a14:m>
+                  <m:oMath xmlns:m="http://schemas.openxmlformats.org/officeDocument/2006/math">
+                    <m:r>
+                      <a:rPr kumimoji="1" lang="en-US" altLang="ja-JP" b="0" i="1" smtClean="0">
+                        <a:latin typeface="Cambria Math" panose="02040503050406030204" pitchFamily="18" charset="0"/>
+                      </a:rPr>
+                      <m:t>𝑡</m:t>
+                    </m:r>
+                  </m:oMath>
+                </a14:m>
+                <a:r>
+                  <a:rPr kumimoji="1" lang="ja-JP" altLang="en-US"/>
+                  <a:t>をとり</a:t>
+                </a:r>
+                <a14:m>
+                  <m:oMath xmlns:m="http://schemas.openxmlformats.org/officeDocument/2006/math">
+                    <m:r>
+                      <a:rPr kumimoji="1" lang="en-US" altLang="ja-JP" b="0" i="1" smtClean="0">
+                        <a:latin typeface="Cambria Math" panose="02040503050406030204" pitchFamily="18" charset="0"/>
+                      </a:rPr>
+                      <m:t>𝐴</m:t>
+                    </m:r>
+                    <m:r>
+                      <a:rPr kumimoji="1" lang="en-US" altLang="ja-JP" b="0" i="1" smtClean="0">
+                        <a:latin typeface="Cambria Math" panose="02040503050406030204" pitchFamily="18" charset="0"/>
+                      </a:rPr>
+                      <m:t>=(</m:t>
+                    </m:r>
+                    <m:r>
+                      <a:rPr kumimoji="1" lang="en-US" altLang="ja-JP" b="0" i="1" smtClean="0">
+                        <a:latin typeface="Cambria Math" panose="02040503050406030204" pitchFamily="18" charset="0"/>
+                      </a:rPr>
+                      <m:t>𝑡𝑄</m:t>
+                    </m:r>
+                    <m:r>
+                      <a:rPr kumimoji="1" lang="en-US" altLang="ja-JP" b="0" i="1" smtClean="0">
+                        <a:latin typeface="Cambria Math" panose="02040503050406030204" pitchFamily="18" charset="0"/>
+                      </a:rPr>
+                      <m:t>,</m:t>
+                    </m:r>
+                    <m:r>
+                      <a:rPr kumimoji="1" lang="en-US" altLang="ja-JP" b="0" i="1" smtClean="0">
+                        <a:latin typeface="Cambria Math" panose="02040503050406030204" pitchFamily="18" charset="0"/>
+                      </a:rPr>
+                      <m:t>𝑡𝑃</m:t>
+                    </m:r>
+                    <m:r>
+                      <a:rPr kumimoji="1" lang="en-US" altLang="ja-JP" b="0" i="1" smtClean="0">
+                        <a:latin typeface="Cambria Math" panose="02040503050406030204" pitchFamily="18" charset="0"/>
+                      </a:rPr>
+                      <m:t>)</m:t>
+                    </m:r>
+                  </m:oMath>
+                </a14:m>
+                <a:r>
+                  <a:rPr kumimoji="1" lang="ja-JP" altLang="en-US"/>
+                  <a:t>を送る</a:t>
+                </a:r>
+                <a:endParaRPr kumimoji="1" lang="en-US" altLang="ja-JP"/>
+              </a:p>
+              <a:p>
+                <a:pPr lvl="1"/>
+                <a:r>
+                  <a:rPr kumimoji="1" lang="en-US" altLang="ja-JP"/>
+                  <a:t>V</a:t>
+                </a:r>
+                <a:r>
+                  <a:rPr kumimoji="1" lang="ja-JP" altLang="en-US"/>
+                  <a:t>→</a:t>
+                </a:r>
+                <a:r>
+                  <a:rPr kumimoji="1" lang="en-US" altLang="ja-JP"/>
+                  <a:t>P : </a:t>
+                </a:r>
+                <a:r>
+                  <a:rPr kumimoji="1" lang="ja-JP" altLang="en-US"/>
+                  <a:t>乱数</a:t>
+                </a:r>
+                <a14:m>
+                  <m:oMath xmlns:m="http://schemas.openxmlformats.org/officeDocument/2006/math">
+                    <m:r>
+                      <a:rPr kumimoji="1" lang="en-US" altLang="ja-JP" b="0" i="1" smtClean="0">
+                        <a:latin typeface="Cambria Math" panose="02040503050406030204" pitchFamily="18" charset="0"/>
+                      </a:rPr>
+                      <m:t>h</m:t>
+                    </m:r>
+                  </m:oMath>
+                </a14:m>
+                <a:r>
+                  <a:rPr kumimoji="1" lang="ja-JP" altLang="en-US"/>
+                  <a:t>を送る</a:t>
+                </a:r>
+                <a:endParaRPr kumimoji="1" lang="en-US" altLang="ja-JP"/>
+              </a:p>
+              <a:p>
+                <a:pPr lvl="1"/>
+                <a:r>
+                  <a:rPr lang="en-US" altLang="ja-JP"/>
+                  <a:t>P</a:t>
+                </a:r>
+                <a:r>
+                  <a:rPr lang="ja-JP" altLang="en-US"/>
+                  <a:t>→</a:t>
+                </a:r>
+                <a:r>
+                  <a:rPr lang="en-US" altLang="ja-JP"/>
+                  <a:t>V : </a:t>
+                </a:r>
+                <a14:m>
+                  <m:oMath xmlns:m="http://schemas.openxmlformats.org/officeDocument/2006/math">
+                    <m:r>
+                      <a:rPr lang="en-US" altLang="ja-JP" b="0" i="1" smtClean="0">
+                        <a:latin typeface="Cambria Math" panose="02040503050406030204" pitchFamily="18" charset="0"/>
+                      </a:rPr>
+                      <m:t>𝑏</m:t>
+                    </m:r>
+                    <m:r>
+                      <a:rPr lang="en-US" altLang="ja-JP" b="0" i="1" smtClean="0">
+                        <a:latin typeface="Cambria Math" panose="02040503050406030204" pitchFamily="18" charset="0"/>
+                      </a:rPr>
+                      <m:t>=</m:t>
+                    </m:r>
+                    <m:r>
+                      <a:rPr lang="en-US" altLang="ja-JP" b="0" i="1" smtClean="0">
+                        <a:latin typeface="Cambria Math" panose="02040503050406030204" pitchFamily="18" charset="0"/>
+                      </a:rPr>
+                      <m:t>𝑡</m:t>
+                    </m:r>
+                    <m:r>
+                      <a:rPr lang="en-US" altLang="ja-JP" b="0" i="1" smtClean="0">
+                        <a:latin typeface="Cambria Math" panose="02040503050406030204" pitchFamily="18" charset="0"/>
+                      </a:rPr>
+                      <m:t>−</m:t>
+                    </m:r>
+                    <m:r>
+                      <a:rPr lang="en-US" altLang="ja-JP" b="0" i="1" smtClean="0">
+                        <a:latin typeface="Cambria Math" panose="02040503050406030204" pitchFamily="18" charset="0"/>
+                      </a:rPr>
+                      <m:t>h𝑟</m:t>
+                    </m:r>
+                  </m:oMath>
+                </a14:m>
+                <a:r>
+                  <a:rPr kumimoji="1" lang="ja-JP" altLang="en-US"/>
+                  <a:t>を送る</a:t>
+                </a:r>
+                <a:endParaRPr kumimoji="1" lang="en-US" altLang="ja-JP"/>
+              </a:p>
+              <a:p>
+                <a:pPr lvl="1"/>
+                <a:r>
+                  <a:rPr lang="en-US" altLang="ja-JP"/>
+                  <a:t>V : </a:t>
+                </a:r>
+                <a14:m>
+                  <m:oMath xmlns:m="http://schemas.openxmlformats.org/officeDocument/2006/math">
+                    <m:r>
+                      <a:rPr lang="en-US" altLang="ja-JP" b="0" i="1" smtClean="0">
+                        <a:latin typeface="Cambria Math" panose="02040503050406030204" pitchFamily="18" charset="0"/>
+                      </a:rPr>
+                      <m:t>h𝐶</m:t>
+                    </m:r>
+                    <m:r>
+                      <a:rPr lang="en-US" altLang="ja-JP" b="0" i="1" smtClean="0">
+                        <a:latin typeface="Cambria Math" panose="02040503050406030204" pitchFamily="18" charset="0"/>
+                      </a:rPr>
+                      <m:t>+</m:t>
+                    </m:r>
+                    <m:r>
+                      <a:rPr lang="en-US" altLang="ja-JP" b="0" i="1" smtClean="0">
+                        <a:latin typeface="Cambria Math" panose="02040503050406030204" pitchFamily="18" charset="0"/>
+                      </a:rPr>
+                      <m:t>𝑏𝑋</m:t>
+                    </m:r>
+                    <m:r>
+                      <a:rPr lang="en-US" altLang="ja-JP" b="0" i="1" smtClean="0">
+                        <a:latin typeface="Cambria Math" panose="02040503050406030204" pitchFamily="18" charset="0"/>
+                      </a:rPr>
+                      <m:t>=</m:t>
+                    </m:r>
+                    <m:r>
+                      <a:rPr lang="en-US" altLang="ja-JP" b="0" i="1" smtClean="0">
+                        <a:latin typeface="Cambria Math" panose="02040503050406030204" pitchFamily="18" charset="0"/>
+                      </a:rPr>
+                      <m:t>𝐴</m:t>
+                    </m:r>
+                  </m:oMath>
+                </a14:m>
+                <a:r>
+                  <a:rPr lang="ja-JP" altLang="en-US"/>
+                  <a:t>なら受理</a:t>
+                </a:r>
+              </a:p>
+              <a:p>
+                <a:r>
+                  <a:rPr lang="en-US" altLang="ja-JP"/>
+                  <a:t>FS</a:t>
+                </a:r>
+                <a:r>
+                  <a:rPr lang="ja-JP" altLang="en-US"/>
+                  <a:t>変換</a:t>
+                </a:r>
+                <a:endParaRPr kumimoji="1" lang="en-US" altLang="ja-JP"/>
+              </a:p>
+              <a:p>
+                <a:pPr lvl="1"/>
+                <a:r>
+                  <a:rPr kumimoji="1" lang="ja-JP" altLang="en-US"/>
+                  <a:t>証明者 </a:t>
+                </a:r>
+                <a:r>
+                  <a:rPr kumimoji="1" lang="en-US" altLang="ja-JP"/>
+                  <a:t>:</a:t>
+                </a:r>
+                <a:r>
+                  <a:rPr kumimoji="1" lang="ja-JP" altLang="en-US"/>
+                  <a:t> 乱数</a:t>
+                </a:r>
+                <a14:m>
+                  <m:oMath xmlns:m="http://schemas.openxmlformats.org/officeDocument/2006/math">
+                    <m:r>
+                      <a:rPr kumimoji="1" lang="en-US" altLang="ja-JP" b="0" i="1" smtClean="0">
+                        <a:latin typeface="Cambria Math" panose="02040503050406030204" pitchFamily="18" charset="0"/>
+                      </a:rPr>
+                      <m:t>𝑡</m:t>
+                    </m:r>
+                  </m:oMath>
+                </a14:m>
+                <a:r>
+                  <a:rPr kumimoji="1" lang="ja-JP" altLang="en-US"/>
+                  <a:t>を</a:t>
+                </a:r>
+                <a14:m>
+                  <m:oMath xmlns:m="http://schemas.openxmlformats.org/officeDocument/2006/math">
+                    <m:r>
+                      <a:rPr kumimoji="1" lang="en-US" altLang="ja-JP" b="0" i="1" smtClean="0">
+                        <a:latin typeface="Cambria Math" panose="02040503050406030204" pitchFamily="18" charset="0"/>
+                      </a:rPr>
+                      <m:t>𝐴</m:t>
+                    </m:r>
+                    <m:r>
+                      <a:rPr kumimoji="1" lang="en-US" altLang="ja-JP" b="0" i="1" smtClean="0">
+                        <a:latin typeface="Cambria Math" panose="02040503050406030204" pitchFamily="18" charset="0"/>
+                      </a:rPr>
+                      <m:t>=(</m:t>
+                    </m:r>
+                    <m:r>
+                      <a:rPr kumimoji="1" lang="en-US" altLang="ja-JP" b="0" i="1" smtClean="0">
+                        <a:latin typeface="Cambria Math" panose="02040503050406030204" pitchFamily="18" charset="0"/>
+                      </a:rPr>
+                      <m:t>𝑡𝑄</m:t>
+                    </m:r>
+                    <m:r>
+                      <a:rPr kumimoji="1" lang="en-US" altLang="ja-JP" b="0" i="1" smtClean="0">
+                        <a:latin typeface="Cambria Math" panose="02040503050406030204" pitchFamily="18" charset="0"/>
+                      </a:rPr>
+                      <m:t>,</m:t>
+                    </m:r>
+                    <m:r>
+                      <a:rPr kumimoji="1" lang="en-US" altLang="ja-JP" b="0" i="1" smtClean="0">
+                        <a:latin typeface="Cambria Math" panose="02040503050406030204" pitchFamily="18" charset="0"/>
+                      </a:rPr>
+                      <m:t>𝑡𝑃</m:t>
+                    </m:r>
+                    <m:r>
+                      <a:rPr kumimoji="1" lang="en-US" altLang="ja-JP" b="0" i="1" smtClean="0">
+                        <a:latin typeface="Cambria Math" panose="02040503050406030204" pitchFamily="18" charset="0"/>
+                      </a:rPr>
+                      <m:t>)</m:t>
+                    </m:r>
+                  </m:oMath>
+                </a14:m>
+                <a:r>
+                  <a:rPr kumimoji="1" lang="en-US" altLang="ja-JP"/>
+                  <a:t>, </a:t>
+                </a:r>
+                <a14:m>
+                  <m:oMath xmlns:m="http://schemas.openxmlformats.org/officeDocument/2006/math">
+                    <m:r>
+                      <a:rPr kumimoji="1" lang="en-US" altLang="ja-JP" b="0" i="1" smtClean="0">
+                        <a:latin typeface="Cambria Math" panose="02040503050406030204" pitchFamily="18" charset="0"/>
+                      </a:rPr>
+                      <m:t>h</m:t>
+                    </m:r>
+                    <m:r>
+                      <a:rPr kumimoji="1" lang="en-US" altLang="ja-JP" b="0" i="1" smtClean="0">
+                        <a:latin typeface="Cambria Math" panose="02040503050406030204" pitchFamily="18" charset="0"/>
+                      </a:rPr>
+                      <m:t>=</m:t>
+                    </m:r>
+                    <m:r>
+                      <a:rPr kumimoji="1" lang="en-US" altLang="ja-JP" b="0" i="1" smtClean="0">
+                        <a:latin typeface="Cambria Math" panose="02040503050406030204" pitchFamily="18" charset="0"/>
+                      </a:rPr>
+                      <m:t>𝐻</m:t>
+                    </m:r>
+                    <m:r>
+                      <a:rPr kumimoji="1" lang="en-US" altLang="ja-JP" b="0" i="1" smtClean="0">
+                        <a:latin typeface="Cambria Math" panose="02040503050406030204" pitchFamily="18" charset="0"/>
+                      </a:rPr>
+                      <m:t>(</m:t>
+                    </m:r>
+                    <m:r>
+                      <a:rPr kumimoji="1" lang="en-US" altLang="ja-JP" b="0" i="1" smtClean="0">
+                        <a:latin typeface="Cambria Math" panose="02040503050406030204" pitchFamily="18" charset="0"/>
+                      </a:rPr>
+                      <m:t>𝑋</m:t>
+                    </m:r>
+                    <m:r>
+                      <a:rPr kumimoji="1" lang="en-US" altLang="ja-JP" b="0" i="1" smtClean="0">
+                        <a:latin typeface="Cambria Math" panose="02040503050406030204" pitchFamily="18" charset="0"/>
+                      </a:rPr>
+                      <m:t>,</m:t>
+                    </m:r>
+                    <m:r>
+                      <a:rPr kumimoji="1" lang="en-US" altLang="ja-JP" b="0" i="1" smtClean="0">
+                        <a:latin typeface="Cambria Math" panose="02040503050406030204" pitchFamily="18" charset="0"/>
+                      </a:rPr>
+                      <m:t>𝐶</m:t>
+                    </m:r>
+                    <m:r>
+                      <a:rPr kumimoji="1" lang="en-US" altLang="ja-JP" b="0" i="1" smtClean="0">
+                        <a:latin typeface="Cambria Math" panose="02040503050406030204" pitchFamily="18" charset="0"/>
+                      </a:rPr>
+                      <m:t>,</m:t>
+                    </m:r>
+                    <m:r>
+                      <a:rPr kumimoji="1" lang="en-US" altLang="ja-JP" b="0" i="1" smtClean="0">
+                        <a:latin typeface="Cambria Math" panose="02040503050406030204" pitchFamily="18" charset="0"/>
+                      </a:rPr>
+                      <m:t>𝐴</m:t>
+                    </m:r>
+                    <m:r>
+                      <a:rPr kumimoji="1" lang="en-US" altLang="ja-JP" b="0" i="1" smtClean="0">
+                        <a:latin typeface="Cambria Math" panose="02040503050406030204" pitchFamily="18" charset="0"/>
+                      </a:rPr>
+                      <m:t>)</m:t>
+                    </m:r>
+                  </m:oMath>
+                </a14:m>
+                <a:r>
+                  <a:rPr kumimoji="1" lang="ja-JP" altLang="en-US"/>
+                  <a:t>とする</a:t>
+                </a:r>
+                <a:br>
+                  <a:rPr kumimoji="1" lang="en-US" altLang="ja-JP"/>
+                </a:br>
+                <a14:m>
+                  <m:oMath xmlns:m="http://schemas.openxmlformats.org/officeDocument/2006/math">
+                    <m:r>
+                      <a:rPr kumimoji="1" lang="en-US" altLang="ja-JP" b="0" i="1" smtClean="0">
+                        <a:latin typeface="Cambria Math" panose="02040503050406030204" pitchFamily="18" charset="0"/>
+                      </a:rPr>
+                      <m:t>𝑏</m:t>
+                    </m:r>
+                    <m:r>
+                      <a:rPr kumimoji="1" lang="en-US" altLang="ja-JP" b="0" i="1" smtClean="0">
+                        <a:latin typeface="Cambria Math" panose="02040503050406030204" pitchFamily="18" charset="0"/>
+                      </a:rPr>
+                      <m:t>=</m:t>
+                    </m:r>
+                    <m:r>
+                      <a:rPr kumimoji="1" lang="en-US" altLang="ja-JP" b="0" i="1" smtClean="0">
+                        <a:latin typeface="Cambria Math" panose="02040503050406030204" pitchFamily="18" charset="0"/>
+                      </a:rPr>
+                      <m:t>𝑡</m:t>
+                    </m:r>
+                    <m:r>
+                      <a:rPr kumimoji="1" lang="en-US" altLang="ja-JP" b="0" i="1" smtClean="0">
+                        <a:latin typeface="Cambria Math" panose="02040503050406030204" pitchFamily="18" charset="0"/>
+                      </a:rPr>
+                      <m:t>−</m:t>
+                    </m:r>
+                    <m:r>
+                      <a:rPr kumimoji="1" lang="en-US" altLang="ja-JP" b="0" i="1" smtClean="0">
+                        <a:latin typeface="Cambria Math" panose="02040503050406030204" pitchFamily="18" charset="0"/>
+                      </a:rPr>
+                      <m:t>h𝑟</m:t>
+                    </m:r>
+                  </m:oMath>
+                </a14:m>
+                <a:r>
+                  <a:rPr kumimoji="1" lang="ja-JP" altLang="en-US"/>
+                  <a:t>として</a:t>
+                </a:r>
+                <a14:m>
+                  <m:oMath xmlns:m="http://schemas.openxmlformats.org/officeDocument/2006/math">
+                    <m:r>
+                      <a:rPr kumimoji="1" lang="en-US" altLang="ja-JP" b="0" i="1" smtClean="0">
+                        <a:latin typeface="Cambria Math" panose="02040503050406030204" pitchFamily="18" charset="0"/>
+                      </a:rPr>
+                      <m:t>𝜋</m:t>
+                    </m:r>
+                    <m:r>
+                      <a:rPr kumimoji="1" lang="en-US" altLang="ja-JP" b="0" i="1" smtClean="0">
+                        <a:latin typeface="Cambria Math" panose="02040503050406030204" pitchFamily="18" charset="0"/>
+                      </a:rPr>
+                      <m:t>=(</m:t>
+                    </m:r>
+                    <m:r>
+                      <a:rPr kumimoji="1" lang="en-US" altLang="ja-JP" b="0" i="1" smtClean="0">
+                        <a:latin typeface="Cambria Math" panose="02040503050406030204" pitchFamily="18" charset="0"/>
+                      </a:rPr>
+                      <m:t>h</m:t>
+                    </m:r>
+                    <m:r>
+                      <a:rPr kumimoji="1" lang="en-US" altLang="ja-JP" b="0" i="1" smtClean="0">
+                        <a:latin typeface="Cambria Math" panose="02040503050406030204" pitchFamily="18" charset="0"/>
+                      </a:rPr>
+                      <m:t>,</m:t>
+                    </m:r>
+                    <m:r>
+                      <a:rPr kumimoji="1" lang="en-US" altLang="ja-JP" b="0" i="1" smtClean="0">
+                        <a:latin typeface="Cambria Math" panose="02040503050406030204" pitchFamily="18" charset="0"/>
+                      </a:rPr>
+                      <m:t>𝑏</m:t>
+                    </m:r>
+                    <m:r>
+                      <a:rPr kumimoji="1" lang="en-US" altLang="ja-JP" b="0" i="1" smtClean="0">
+                        <a:latin typeface="Cambria Math" panose="02040503050406030204" pitchFamily="18" charset="0"/>
+                      </a:rPr>
+                      <m:t>)</m:t>
+                    </m:r>
+                  </m:oMath>
+                </a14:m>
+                <a:r>
+                  <a:rPr kumimoji="1" lang="ja-JP" altLang="en-US"/>
+                  <a:t>を検証者に送る</a:t>
+                </a:r>
+                <a:endParaRPr kumimoji="1" lang="en-US" altLang="ja-JP"/>
+              </a:p>
+              <a:p>
+                <a:pPr lvl="1"/>
+                <a:r>
+                  <a:rPr kumimoji="1" lang="ja-JP" altLang="en-US"/>
+                  <a:t>検証者 </a:t>
+                </a:r>
+                <a:r>
+                  <a:rPr kumimoji="1" lang="en-US" altLang="ja-JP"/>
+                  <a:t>: </a:t>
+                </a:r>
+                <a14:m>
+                  <m:oMath xmlns:m="http://schemas.openxmlformats.org/officeDocument/2006/math">
+                    <m:sSup>
+                      <m:sSupPr>
+                        <m:ctrlPr>
+                          <a:rPr kumimoji="1" lang="en-US" altLang="ja-JP" b="0" i="1" smtClean="0">
+                            <a:latin typeface="Cambria Math" panose="02040503050406030204" pitchFamily="18" charset="0"/>
+                          </a:rPr>
+                        </m:ctrlPr>
+                      </m:sSupPr>
+                      <m:e>
+                        <m:r>
+                          <a:rPr kumimoji="1" lang="en-US" altLang="ja-JP" b="0" i="1" smtClean="0">
+                            <a:latin typeface="Cambria Math" panose="02040503050406030204" pitchFamily="18" charset="0"/>
+                          </a:rPr>
+                          <m:t>𝐴</m:t>
+                        </m:r>
+                      </m:e>
+                      <m:sup>
+                        <m:r>
+                          <a:rPr kumimoji="1" lang="en-US" altLang="ja-JP" b="0" i="1" smtClean="0">
+                            <a:latin typeface="Cambria Math" panose="02040503050406030204" pitchFamily="18" charset="0"/>
+                          </a:rPr>
+                          <m:t>′</m:t>
+                        </m:r>
+                      </m:sup>
+                    </m:sSup>
+                    <m:r>
+                      <a:rPr kumimoji="1" lang="en-US" altLang="ja-JP" b="0" i="1" smtClean="0">
+                        <a:latin typeface="Cambria Math" panose="02040503050406030204" pitchFamily="18" charset="0"/>
+                      </a:rPr>
+                      <m:t>=</m:t>
+                    </m:r>
+                    <m:r>
+                      <a:rPr kumimoji="1" lang="en-US" altLang="ja-JP" b="0" i="1" smtClean="0">
+                        <a:latin typeface="Cambria Math" panose="02040503050406030204" pitchFamily="18" charset="0"/>
+                      </a:rPr>
+                      <m:t>h𝐶</m:t>
+                    </m:r>
+                    <m:r>
+                      <a:rPr kumimoji="1" lang="en-US" altLang="ja-JP" b="0" i="1" smtClean="0">
+                        <a:latin typeface="Cambria Math" panose="02040503050406030204" pitchFamily="18" charset="0"/>
+                      </a:rPr>
+                      <m:t>+</m:t>
+                    </m:r>
+                    <m:r>
+                      <a:rPr kumimoji="1" lang="en-US" altLang="ja-JP" b="0" i="1" smtClean="0">
+                        <a:latin typeface="Cambria Math" panose="02040503050406030204" pitchFamily="18" charset="0"/>
+                      </a:rPr>
+                      <m:t>𝑏𝑋</m:t>
+                    </m:r>
+                  </m:oMath>
+                </a14:m>
+                <a:r>
+                  <a:rPr kumimoji="1" lang="en-US" altLang="ja-JP"/>
+                  <a:t>, </a:t>
+                </a:r>
+                <a14:m>
+                  <m:oMath xmlns:m="http://schemas.openxmlformats.org/officeDocument/2006/math">
+                    <m:sSup>
+                      <m:sSupPr>
+                        <m:ctrlPr>
+                          <a:rPr kumimoji="1" lang="en-US" altLang="ja-JP" b="0" i="1" smtClean="0">
+                            <a:latin typeface="Cambria Math" panose="02040503050406030204" pitchFamily="18" charset="0"/>
+                          </a:rPr>
+                        </m:ctrlPr>
+                      </m:sSupPr>
+                      <m:e>
+                        <m:r>
+                          <a:rPr kumimoji="1" lang="en-US" altLang="ja-JP" b="0" i="1" smtClean="0">
+                            <a:latin typeface="Cambria Math" panose="02040503050406030204" pitchFamily="18" charset="0"/>
+                          </a:rPr>
+                          <m:t>h</m:t>
+                        </m:r>
+                      </m:e>
+                      <m:sup>
+                        <m:r>
+                          <a:rPr kumimoji="1" lang="en-US" altLang="ja-JP" b="0" i="1" smtClean="0">
+                            <a:latin typeface="Cambria Math" panose="02040503050406030204" pitchFamily="18" charset="0"/>
+                          </a:rPr>
+                          <m:t>′</m:t>
+                        </m:r>
+                      </m:sup>
+                    </m:sSup>
+                    <m:r>
+                      <a:rPr kumimoji="1" lang="en-US" altLang="ja-JP" b="0" i="1" smtClean="0">
+                        <a:latin typeface="Cambria Math" panose="02040503050406030204" pitchFamily="18" charset="0"/>
+                      </a:rPr>
+                      <m:t>=</m:t>
+                    </m:r>
+                    <m:r>
+                      <a:rPr kumimoji="1" lang="en-US" altLang="ja-JP" b="0" i="1" smtClean="0">
+                        <a:latin typeface="Cambria Math" panose="02040503050406030204" pitchFamily="18" charset="0"/>
+                      </a:rPr>
+                      <m:t>𝐻</m:t>
+                    </m:r>
+                    <m:r>
+                      <a:rPr kumimoji="1" lang="en-US" altLang="ja-JP" b="0" i="1" smtClean="0">
+                        <a:latin typeface="Cambria Math" panose="02040503050406030204" pitchFamily="18" charset="0"/>
+                      </a:rPr>
+                      <m:t>(</m:t>
+                    </m:r>
+                    <m:r>
+                      <a:rPr kumimoji="1" lang="en-US" altLang="ja-JP" b="0" i="1" smtClean="0">
+                        <a:latin typeface="Cambria Math" panose="02040503050406030204" pitchFamily="18" charset="0"/>
+                      </a:rPr>
+                      <m:t>𝑋</m:t>
+                    </m:r>
+                    <m:r>
+                      <a:rPr kumimoji="1" lang="en-US" altLang="ja-JP" b="0" i="1" smtClean="0">
+                        <a:latin typeface="Cambria Math" panose="02040503050406030204" pitchFamily="18" charset="0"/>
+                      </a:rPr>
+                      <m:t>,</m:t>
+                    </m:r>
+                    <m:r>
+                      <a:rPr kumimoji="1" lang="en-US" altLang="ja-JP" b="0" i="1" smtClean="0">
+                        <a:latin typeface="Cambria Math" panose="02040503050406030204" pitchFamily="18" charset="0"/>
+                      </a:rPr>
+                      <m:t>𝐶</m:t>
+                    </m:r>
+                    <m:r>
+                      <a:rPr kumimoji="1" lang="en-US" altLang="ja-JP" b="0" i="1" smtClean="0">
+                        <a:latin typeface="Cambria Math" panose="02040503050406030204" pitchFamily="18" charset="0"/>
+                      </a:rPr>
+                      <m:t>,</m:t>
+                    </m:r>
+                    <m:sSup>
+                      <m:sSupPr>
+                        <m:ctrlPr>
+                          <a:rPr kumimoji="1" lang="en-US" altLang="ja-JP" b="0" i="1" smtClean="0">
+                            <a:latin typeface="Cambria Math" panose="02040503050406030204" pitchFamily="18" charset="0"/>
+                          </a:rPr>
+                        </m:ctrlPr>
+                      </m:sSupPr>
+                      <m:e>
+                        <m:r>
+                          <a:rPr kumimoji="1" lang="en-US" altLang="ja-JP" b="0" i="1" smtClean="0">
+                            <a:latin typeface="Cambria Math" panose="02040503050406030204" pitchFamily="18" charset="0"/>
+                          </a:rPr>
+                          <m:t>𝐴</m:t>
+                        </m:r>
+                      </m:e>
+                      <m:sup>
+                        <m:r>
+                          <a:rPr kumimoji="1" lang="en-US" altLang="ja-JP" b="0" i="1" smtClean="0">
+                            <a:latin typeface="Cambria Math" panose="02040503050406030204" pitchFamily="18" charset="0"/>
+                          </a:rPr>
+                          <m:t>′</m:t>
+                        </m:r>
+                      </m:sup>
+                    </m:sSup>
+                    <m:r>
+                      <a:rPr kumimoji="1" lang="en-US" altLang="ja-JP" b="0" i="1" smtClean="0">
+                        <a:latin typeface="Cambria Math" panose="02040503050406030204" pitchFamily="18" charset="0"/>
+                      </a:rPr>
+                      <m:t>)</m:t>
+                    </m:r>
+                  </m:oMath>
+                </a14:m>
+                <a:r>
+                  <a:rPr kumimoji="1" lang="ja-JP" altLang="en-US"/>
+                  <a:t>とする</a:t>
+                </a:r>
+                <a14:m>
+                  <m:oMath xmlns:m="http://schemas.openxmlformats.org/officeDocument/2006/math">
+                    <m:r>
+                      <a:rPr kumimoji="1" lang="en-US" altLang="ja-JP" b="0" i="1" smtClean="0">
+                        <a:latin typeface="Cambria Math" panose="02040503050406030204" pitchFamily="18" charset="0"/>
+                      </a:rPr>
+                      <m:t>h</m:t>
+                    </m:r>
+                    <m:r>
+                      <a:rPr kumimoji="1" lang="en-US" altLang="ja-JP" b="0" i="1" smtClean="0">
+                        <a:latin typeface="Cambria Math" panose="02040503050406030204" pitchFamily="18" charset="0"/>
+                      </a:rPr>
+                      <m:t>=</m:t>
+                    </m:r>
+                    <m:r>
+                      <a:rPr kumimoji="1" lang="en-US" altLang="ja-JP" b="0" i="1" smtClean="0">
+                        <a:latin typeface="Cambria Math" panose="02040503050406030204" pitchFamily="18" charset="0"/>
+                      </a:rPr>
+                      <m:t>h</m:t>
+                    </m:r>
+                    <m:r>
+                      <a:rPr kumimoji="1" lang="en-US" altLang="ja-JP" b="0" i="1" smtClean="0">
+                        <a:latin typeface="Cambria Math" panose="02040503050406030204" pitchFamily="18" charset="0"/>
+                      </a:rPr>
+                      <m:t>′</m:t>
+                    </m:r>
+                  </m:oMath>
+                </a14:m>
+                <a:r>
+                  <a:rPr kumimoji="1" lang="ja-JP" altLang="en-US"/>
+                  <a:t>なら受理</a:t>
+                </a:r>
+                <a:endParaRPr kumimoji="1" lang="en-US" altLang="ja-JP"/>
+              </a:p>
+              <a:p>
+                <a14:m>
+                  <m:oMath xmlns:m="http://schemas.openxmlformats.org/officeDocument/2006/math">
+                    <m:r>
+                      <a:rPr kumimoji="1" lang="en-US" altLang="ja-JP" b="0" i="1" smtClean="0">
+                        <a:latin typeface="Cambria Math" panose="02040503050406030204" pitchFamily="18" charset="0"/>
+                      </a:rPr>
+                      <m:t>𝐶</m:t>
+                    </m:r>
+                    <m:r>
+                      <a:rPr kumimoji="1" lang="en-US" altLang="ja-JP" b="0" i="1" smtClean="0">
+                        <a:latin typeface="Cambria Math" panose="02040503050406030204" pitchFamily="18" charset="0"/>
+                      </a:rPr>
+                      <m:t>=(</m:t>
+                    </m:r>
+                    <m:r>
+                      <a:rPr kumimoji="1" lang="en-US" altLang="ja-JP" b="0" i="1" smtClean="0">
+                        <a:latin typeface="Cambria Math" panose="02040503050406030204" pitchFamily="18" charset="0"/>
+                      </a:rPr>
+                      <m:t>𝑟𝑄</m:t>
+                    </m:r>
+                    <m:r>
+                      <a:rPr kumimoji="1" lang="en-US" altLang="ja-JP" b="0" i="1" smtClean="0">
+                        <a:latin typeface="Cambria Math" panose="02040503050406030204" pitchFamily="18" charset="0"/>
+                      </a:rPr>
+                      <m:t>,</m:t>
+                    </m:r>
+                    <m:sSup>
+                      <m:sSupPr>
+                        <m:ctrlPr>
+                          <a:rPr kumimoji="1" lang="en-US" altLang="ja-JP" b="0" i="1" smtClean="0">
+                            <a:latin typeface="Cambria Math" panose="02040503050406030204" pitchFamily="18" charset="0"/>
+                          </a:rPr>
+                        </m:ctrlPr>
+                      </m:sSupPr>
+                      <m:e>
+                        <m:r>
+                          <a:rPr kumimoji="1" lang="en-US" altLang="ja-JP" b="0" i="1" smtClean="0">
+                            <a:latin typeface="Cambria Math" panose="02040503050406030204" pitchFamily="18" charset="0"/>
+                          </a:rPr>
+                          <m:t>𝑟</m:t>
+                        </m:r>
+                      </m:e>
+                      <m:sup>
+                        <m:r>
+                          <a:rPr kumimoji="1" lang="en-US" altLang="ja-JP" b="0" i="1" smtClean="0">
+                            <a:latin typeface="Cambria Math" panose="02040503050406030204" pitchFamily="18" charset="0"/>
+                          </a:rPr>
+                          <m:t>′</m:t>
+                        </m:r>
+                      </m:sup>
+                    </m:sSup>
+                    <m:r>
+                      <a:rPr kumimoji="1" lang="en-US" altLang="ja-JP" b="0" i="1" smtClean="0">
+                        <a:latin typeface="Cambria Math" panose="02040503050406030204" pitchFamily="18" charset="0"/>
+                      </a:rPr>
+                      <m:t>𝑃</m:t>
+                    </m:r>
+                    <m:r>
+                      <a:rPr kumimoji="1" lang="en-US" altLang="ja-JP" b="0" i="1" smtClean="0">
+                        <a:latin typeface="Cambria Math" panose="02040503050406030204" pitchFamily="18" charset="0"/>
+                      </a:rPr>
+                      <m:t>)</m:t>
+                    </m:r>
+                  </m:oMath>
+                </a14:m>
+                <a:r>
+                  <a:rPr kumimoji="1" lang="ja-JP" altLang="en-US"/>
+                  <a:t>に対して</a:t>
+                </a:r>
+                <a14:m>
+                  <m:oMath xmlns:m="http://schemas.openxmlformats.org/officeDocument/2006/math">
+                    <m:r>
+                      <a:rPr kumimoji="1" lang="en-US" altLang="ja-JP" b="0" i="1" smtClean="0">
+                        <a:latin typeface="Cambria Math" panose="02040503050406030204" pitchFamily="18" charset="0"/>
+                      </a:rPr>
+                      <m:t>𝜋</m:t>
+                    </m:r>
+                    <m:r>
+                      <a:rPr kumimoji="1" lang="en-US" altLang="ja-JP" b="0" i="1" smtClean="0">
+                        <a:latin typeface="Cambria Math" panose="02040503050406030204" pitchFamily="18" charset="0"/>
+                      </a:rPr>
+                      <m:t>=(</m:t>
+                    </m:r>
+                    <m:r>
+                      <a:rPr kumimoji="1" lang="en-US" altLang="ja-JP" b="0" i="1" smtClean="0">
+                        <a:latin typeface="Cambria Math" panose="02040503050406030204" pitchFamily="18" charset="0"/>
+                      </a:rPr>
+                      <m:t>h</m:t>
+                    </m:r>
+                    <m:r>
+                      <a:rPr kumimoji="1" lang="en-US" altLang="ja-JP" b="0" i="1" smtClean="0">
+                        <a:latin typeface="Cambria Math" panose="02040503050406030204" pitchFamily="18" charset="0"/>
+                      </a:rPr>
+                      <m:t>,</m:t>
+                    </m:r>
+                    <m:r>
+                      <a:rPr kumimoji="1" lang="en-US" altLang="ja-JP" b="0" i="1" smtClean="0">
+                        <a:latin typeface="Cambria Math" panose="02040503050406030204" pitchFamily="18" charset="0"/>
+                      </a:rPr>
+                      <m:t>𝑏</m:t>
+                    </m:r>
+                    <m:r>
+                      <a:rPr kumimoji="1" lang="en-US" altLang="ja-JP" b="0" i="1" smtClean="0">
+                        <a:latin typeface="Cambria Math" panose="02040503050406030204" pitchFamily="18" charset="0"/>
+                      </a:rPr>
+                      <m:t>)</m:t>
+                    </m:r>
+                  </m:oMath>
+                </a14:m>
+                <a:r>
+                  <a:rPr kumimoji="1" lang="ja-JP" altLang="en-US"/>
+                  <a:t>を受理したら</a:t>
+                </a:r>
+                <a:br>
+                  <a:rPr kumimoji="1" lang="en-US" altLang="ja-JP"/>
+                </a:br>
+                <a14:m>
+                  <m:oMath xmlns:m="http://schemas.openxmlformats.org/officeDocument/2006/math">
+                    <m:sSup>
+                      <m:sSupPr>
+                        <m:ctrlPr>
+                          <a:rPr kumimoji="1" lang="en-US" altLang="ja-JP" b="0" i="1" smtClean="0">
+                            <a:latin typeface="Cambria Math" panose="02040503050406030204" pitchFamily="18" charset="0"/>
+                          </a:rPr>
+                        </m:ctrlPr>
+                      </m:sSupPr>
+                      <m:e>
+                        <m:r>
+                          <a:rPr kumimoji="1" lang="en-US" altLang="ja-JP" b="0" i="1" smtClean="0">
+                            <a:latin typeface="Cambria Math" panose="02040503050406030204" pitchFamily="18" charset="0"/>
+                          </a:rPr>
+                          <m:t>𝐴</m:t>
+                        </m:r>
+                      </m:e>
+                      <m:sup>
+                        <m:r>
+                          <a:rPr kumimoji="1" lang="en-US" altLang="ja-JP" b="0" i="1" smtClean="0">
+                            <a:latin typeface="Cambria Math" panose="02040503050406030204" pitchFamily="18" charset="0"/>
+                          </a:rPr>
+                          <m:t>′</m:t>
+                        </m:r>
+                      </m:sup>
+                    </m:sSup>
+                    <m:r>
+                      <a:rPr kumimoji="1" lang="en-US" altLang="ja-JP" b="0" i="1" smtClean="0">
+                        <a:latin typeface="Cambria Math" panose="02040503050406030204" pitchFamily="18" charset="0"/>
+                      </a:rPr>
+                      <m:t>=</m:t>
+                    </m:r>
+                    <m:r>
+                      <a:rPr kumimoji="1" lang="en-US" altLang="ja-JP" b="0" i="1" smtClean="0">
+                        <a:latin typeface="Cambria Math" panose="02040503050406030204" pitchFamily="18" charset="0"/>
+                      </a:rPr>
+                      <m:t>h𝐶</m:t>
+                    </m:r>
+                    <m:r>
+                      <a:rPr kumimoji="1" lang="en-US" altLang="ja-JP" b="0" i="1" smtClean="0">
+                        <a:latin typeface="Cambria Math" panose="02040503050406030204" pitchFamily="18" charset="0"/>
+                      </a:rPr>
+                      <m:t>+</m:t>
+                    </m:r>
+                    <m:r>
+                      <a:rPr kumimoji="1" lang="en-US" altLang="ja-JP" b="0" i="1" smtClean="0">
+                        <a:latin typeface="Cambria Math" panose="02040503050406030204" pitchFamily="18" charset="0"/>
+                      </a:rPr>
+                      <m:t>𝑏𝑋</m:t>
+                    </m:r>
+                    <m:r>
+                      <a:rPr kumimoji="1" lang="en-US" altLang="ja-JP" b="0" i="1" smtClean="0">
+                        <a:latin typeface="Cambria Math" panose="02040503050406030204" pitchFamily="18" charset="0"/>
+                      </a:rPr>
+                      <m:t>=</m:t>
+                    </m:r>
+                    <m:d>
+                      <m:dPr>
+                        <m:ctrlPr>
+                          <a:rPr kumimoji="1" lang="en-US" altLang="ja-JP" b="0" i="1" smtClean="0">
+                            <a:latin typeface="Cambria Math" panose="02040503050406030204" pitchFamily="18" charset="0"/>
+                          </a:rPr>
+                        </m:ctrlPr>
+                      </m:dPr>
+                      <m:e>
+                        <m:d>
+                          <m:dPr>
+                            <m:ctrlPr>
+                              <a:rPr kumimoji="1" lang="en-US" altLang="ja-JP" b="0" i="1" smtClean="0">
+                                <a:latin typeface="Cambria Math" panose="02040503050406030204" pitchFamily="18" charset="0"/>
+                              </a:rPr>
+                            </m:ctrlPr>
+                          </m:dPr>
+                          <m:e>
+                            <m:r>
+                              <a:rPr kumimoji="1" lang="en-US" altLang="ja-JP" b="0" i="1" smtClean="0">
+                                <a:latin typeface="Cambria Math" panose="02040503050406030204" pitchFamily="18" charset="0"/>
+                              </a:rPr>
+                              <m:t>h𝑟</m:t>
+                            </m:r>
+                            <m:r>
+                              <a:rPr kumimoji="1" lang="en-US" altLang="ja-JP" b="0" i="1" smtClean="0">
+                                <a:latin typeface="Cambria Math" panose="02040503050406030204" pitchFamily="18" charset="0"/>
+                              </a:rPr>
+                              <m:t>+</m:t>
+                            </m:r>
+                            <m:r>
+                              <a:rPr kumimoji="1" lang="en-US" altLang="ja-JP" b="0" i="1" smtClean="0">
+                                <a:latin typeface="Cambria Math" panose="02040503050406030204" pitchFamily="18" charset="0"/>
+                              </a:rPr>
+                              <m:t>𝑏</m:t>
+                            </m:r>
+                          </m:e>
+                        </m:d>
+                        <m:r>
+                          <a:rPr kumimoji="1" lang="en-US" altLang="ja-JP" b="0" i="1" smtClean="0">
+                            <a:latin typeface="Cambria Math" panose="02040503050406030204" pitchFamily="18" charset="0"/>
+                          </a:rPr>
+                          <m:t>𝑄</m:t>
+                        </m:r>
+                        <m:r>
+                          <a:rPr kumimoji="1" lang="en-US" altLang="ja-JP" b="0" i="1" smtClean="0">
+                            <a:latin typeface="Cambria Math" panose="02040503050406030204" pitchFamily="18" charset="0"/>
+                          </a:rPr>
+                          <m:t>,</m:t>
+                        </m:r>
+                        <m:d>
+                          <m:dPr>
+                            <m:ctrlPr>
+                              <a:rPr kumimoji="1" lang="en-US" altLang="ja-JP" b="0" i="1" smtClean="0">
+                                <a:latin typeface="Cambria Math" panose="02040503050406030204" pitchFamily="18" charset="0"/>
+                              </a:rPr>
+                            </m:ctrlPr>
+                          </m:dPr>
+                          <m:e>
+                            <m:r>
+                              <a:rPr kumimoji="1" lang="en-US" altLang="ja-JP" b="0" i="1" smtClean="0">
+                                <a:latin typeface="Cambria Math" panose="02040503050406030204" pitchFamily="18" charset="0"/>
+                              </a:rPr>
+                              <m:t>h</m:t>
+                            </m:r>
+                            <m:sSup>
+                              <m:sSupPr>
+                                <m:ctrlPr>
+                                  <a:rPr kumimoji="1" lang="en-US" altLang="ja-JP" b="0" i="1" smtClean="0">
+                                    <a:latin typeface="Cambria Math" panose="02040503050406030204" pitchFamily="18" charset="0"/>
+                                  </a:rPr>
+                                </m:ctrlPr>
+                              </m:sSupPr>
+                              <m:e>
+                                <m:r>
+                                  <a:rPr kumimoji="1" lang="en-US" altLang="ja-JP" b="0" i="1" smtClean="0">
+                                    <a:latin typeface="Cambria Math" panose="02040503050406030204" pitchFamily="18" charset="0"/>
+                                  </a:rPr>
+                                  <m:t>𝑟</m:t>
+                                </m:r>
+                              </m:e>
+                              <m:sup>
+                                <m:r>
+                                  <a:rPr kumimoji="1" lang="en-US" altLang="ja-JP" b="0" i="1" smtClean="0">
+                                    <a:latin typeface="Cambria Math" panose="02040503050406030204" pitchFamily="18" charset="0"/>
+                                  </a:rPr>
+                                  <m:t>′</m:t>
+                                </m:r>
+                              </m:sup>
+                            </m:sSup>
+                            <m:r>
+                              <a:rPr kumimoji="1" lang="en-US" altLang="ja-JP" b="0" i="1" smtClean="0">
+                                <a:latin typeface="Cambria Math" panose="02040503050406030204" pitchFamily="18" charset="0"/>
+                              </a:rPr>
+                              <m:t>+</m:t>
+                            </m:r>
+                            <m:r>
+                              <a:rPr kumimoji="1" lang="en-US" altLang="ja-JP" b="0" i="1" smtClean="0">
+                                <a:latin typeface="Cambria Math" panose="02040503050406030204" pitchFamily="18" charset="0"/>
+                              </a:rPr>
+                              <m:t>𝑏</m:t>
+                            </m:r>
+                          </m:e>
+                        </m:d>
+                        <m:r>
+                          <a:rPr kumimoji="1" lang="en-US" altLang="ja-JP" b="0" i="1" smtClean="0">
+                            <a:latin typeface="Cambria Math" panose="02040503050406030204" pitchFamily="18" charset="0"/>
+                          </a:rPr>
+                          <m:t>𝑃</m:t>
+                        </m:r>
+                      </m:e>
+                    </m:d>
+                  </m:oMath>
+                </a14:m>
+                <a:endParaRPr kumimoji="1" lang="en-US" altLang="ja-JP" b="0"/>
+              </a:p>
+              <a:p>
+                <a14:m>
+                  <m:oMath xmlns:m="http://schemas.openxmlformats.org/officeDocument/2006/math">
+                    <m:r>
+                      <a:rPr kumimoji="1" lang="en-US" altLang="ja-JP" b="0" i="1" smtClean="0">
+                        <a:latin typeface="Cambria Math" panose="02040503050406030204" pitchFamily="18" charset="0"/>
+                      </a:rPr>
+                      <m:t>𝑡</m:t>
+                    </m:r>
+                    <m:r>
+                      <a:rPr kumimoji="1" lang="en-US" altLang="ja-JP" b="0" i="1" smtClean="0">
+                        <a:latin typeface="Cambria Math" panose="02040503050406030204" pitchFamily="18" charset="0"/>
+                      </a:rPr>
+                      <m:t>=</m:t>
+                    </m:r>
+                    <m:r>
+                      <a:rPr kumimoji="1" lang="en-US" altLang="ja-JP" b="0" i="1" smtClean="0">
+                        <a:latin typeface="Cambria Math" panose="02040503050406030204" pitchFamily="18" charset="0"/>
+                      </a:rPr>
+                      <m:t>𝑏</m:t>
+                    </m:r>
+                    <m:r>
+                      <a:rPr kumimoji="1" lang="en-US" altLang="ja-JP" b="0" i="1" smtClean="0">
+                        <a:latin typeface="Cambria Math" panose="02040503050406030204" pitchFamily="18" charset="0"/>
+                      </a:rPr>
+                      <m:t>+</m:t>
+                    </m:r>
+                    <m:r>
+                      <a:rPr kumimoji="1" lang="en-US" altLang="ja-JP" b="0" i="1" smtClean="0">
+                        <a:latin typeface="Cambria Math" panose="02040503050406030204" pitchFamily="18" charset="0"/>
+                      </a:rPr>
+                      <m:t>h𝑟</m:t>
+                    </m:r>
+                  </m:oMath>
+                </a14:m>
+                <a:r>
+                  <a:rPr kumimoji="1" lang="ja-JP" altLang="en-US"/>
+                  <a:t>とすると</a:t>
+                </a:r>
+                <a14:m>
+                  <m:oMath xmlns:m="http://schemas.openxmlformats.org/officeDocument/2006/math">
+                    <m:r>
+                      <a:rPr kumimoji="1" lang="en-US" altLang="ja-JP" b="0" i="1" smtClean="0">
+                        <a:latin typeface="Cambria Math" panose="02040503050406030204" pitchFamily="18" charset="0"/>
+                      </a:rPr>
+                      <m:t>h</m:t>
+                    </m:r>
+                    <m:sSup>
+                      <m:sSupPr>
+                        <m:ctrlPr>
+                          <a:rPr kumimoji="1" lang="en-US" altLang="ja-JP" b="0" i="1" smtClean="0">
+                            <a:latin typeface="Cambria Math" panose="02040503050406030204" pitchFamily="18" charset="0"/>
+                          </a:rPr>
+                        </m:ctrlPr>
+                      </m:sSupPr>
+                      <m:e>
+                        <m:r>
+                          <a:rPr kumimoji="1" lang="en-US" altLang="ja-JP" b="0" i="1" smtClean="0">
+                            <a:latin typeface="Cambria Math" panose="02040503050406030204" pitchFamily="18" charset="0"/>
+                          </a:rPr>
+                          <m:t>𝑟</m:t>
+                        </m:r>
+                      </m:e>
+                      <m:sup>
+                        <m:r>
+                          <a:rPr kumimoji="1" lang="en-US" altLang="ja-JP" b="0" i="1" smtClean="0">
+                            <a:latin typeface="Cambria Math" panose="02040503050406030204" pitchFamily="18" charset="0"/>
+                          </a:rPr>
+                          <m:t>′</m:t>
+                        </m:r>
+                      </m:sup>
+                    </m:sSup>
+                    <m:r>
+                      <a:rPr kumimoji="1" lang="en-US" altLang="ja-JP" b="0" i="1" smtClean="0">
+                        <a:latin typeface="Cambria Math" panose="02040503050406030204" pitchFamily="18" charset="0"/>
+                      </a:rPr>
+                      <m:t>+</m:t>
+                    </m:r>
+                    <m:r>
+                      <a:rPr kumimoji="1" lang="en-US" altLang="ja-JP" b="0" i="1" smtClean="0">
+                        <a:latin typeface="Cambria Math" panose="02040503050406030204" pitchFamily="18" charset="0"/>
+                      </a:rPr>
+                      <m:t>𝑏</m:t>
+                    </m:r>
+                    <m:r>
+                      <a:rPr kumimoji="1" lang="en-US" altLang="ja-JP" b="0" i="1" smtClean="0">
+                        <a:latin typeface="Cambria Math" panose="02040503050406030204" pitchFamily="18" charset="0"/>
+                      </a:rPr>
+                      <m:t>=</m:t>
+                    </m:r>
+                    <m:r>
+                      <a:rPr kumimoji="1" lang="en-US" altLang="ja-JP" b="0" i="1" smtClean="0">
+                        <a:latin typeface="Cambria Math" panose="02040503050406030204" pitchFamily="18" charset="0"/>
+                      </a:rPr>
+                      <m:t>𝑡</m:t>
+                    </m:r>
+                    <m:r>
+                      <a:rPr kumimoji="1" lang="en-US" altLang="ja-JP" b="0" i="1" smtClean="0">
+                        <a:latin typeface="Cambria Math" panose="02040503050406030204" pitchFamily="18" charset="0"/>
+                      </a:rPr>
+                      <m:t>+</m:t>
+                    </m:r>
+                    <m:r>
+                      <a:rPr kumimoji="1" lang="en-US" altLang="ja-JP" b="0" i="1" smtClean="0">
+                        <a:latin typeface="Cambria Math" panose="02040503050406030204" pitchFamily="18" charset="0"/>
+                      </a:rPr>
+                      <m:t>h</m:t>
+                    </m:r>
+                    <m:r>
+                      <a:rPr kumimoji="1" lang="en-US" altLang="ja-JP" b="0" i="1" smtClean="0">
+                        <a:latin typeface="Cambria Math" panose="02040503050406030204" pitchFamily="18" charset="0"/>
+                      </a:rPr>
+                      <m:t>(</m:t>
+                    </m:r>
+                    <m:sSup>
+                      <m:sSupPr>
+                        <m:ctrlPr>
+                          <a:rPr kumimoji="1" lang="en-US" altLang="ja-JP" b="0" i="1" smtClean="0">
+                            <a:latin typeface="Cambria Math" panose="02040503050406030204" pitchFamily="18" charset="0"/>
+                          </a:rPr>
+                        </m:ctrlPr>
+                      </m:sSupPr>
+                      <m:e>
+                        <m:r>
+                          <a:rPr kumimoji="1" lang="en-US" altLang="ja-JP" b="0" i="1" smtClean="0">
+                            <a:latin typeface="Cambria Math" panose="02040503050406030204" pitchFamily="18" charset="0"/>
+                          </a:rPr>
+                          <m:t>𝑟</m:t>
+                        </m:r>
+                      </m:e>
+                      <m:sup>
+                        <m:r>
+                          <a:rPr kumimoji="1" lang="en-US" altLang="ja-JP" b="0" i="1" smtClean="0">
+                            <a:latin typeface="Cambria Math" panose="02040503050406030204" pitchFamily="18" charset="0"/>
+                          </a:rPr>
+                          <m:t>′</m:t>
+                        </m:r>
+                      </m:sup>
+                    </m:sSup>
+                    <m:r>
+                      <a:rPr kumimoji="1" lang="en-US" altLang="ja-JP" b="0" i="1" smtClean="0">
+                        <a:latin typeface="Cambria Math" panose="02040503050406030204" pitchFamily="18" charset="0"/>
+                      </a:rPr>
+                      <m:t>−</m:t>
+                    </m:r>
+                    <m:r>
+                      <a:rPr kumimoji="1" lang="en-US" altLang="ja-JP" b="0" i="1" smtClean="0">
+                        <a:latin typeface="Cambria Math" panose="02040503050406030204" pitchFamily="18" charset="0"/>
+                      </a:rPr>
+                      <m:t>𝑟</m:t>
+                    </m:r>
+                    <m:r>
+                      <a:rPr kumimoji="1" lang="en-US" altLang="ja-JP" b="0" i="1" smtClean="0">
+                        <a:latin typeface="Cambria Math" panose="02040503050406030204" pitchFamily="18" charset="0"/>
+                      </a:rPr>
+                      <m:t>)</m:t>
+                    </m:r>
+                  </m:oMath>
+                </a14:m>
+                <a:r>
+                  <a:rPr kumimoji="1" lang="ja-JP" altLang="en-US"/>
+                  <a:t>なので</a:t>
+                </a:r>
+                <a:br>
+                  <a:rPr kumimoji="1" lang="en-US" altLang="ja-JP"/>
+                </a:br>
+                <a14:m>
+                  <m:oMath xmlns:m="http://schemas.openxmlformats.org/officeDocument/2006/math">
+                    <m:r>
+                      <a:rPr kumimoji="1" lang="en-US" altLang="ja-JP" b="0" i="1" smtClean="0">
+                        <a:latin typeface="Cambria Math" panose="02040503050406030204" pitchFamily="18" charset="0"/>
+                      </a:rPr>
+                      <m:t>𝐻</m:t>
+                    </m:r>
+                    <m:r>
+                      <a:rPr kumimoji="1" lang="en-US" altLang="ja-JP" b="0" i="1" smtClean="0">
+                        <a:latin typeface="Cambria Math" panose="02040503050406030204" pitchFamily="18" charset="0"/>
+                      </a:rPr>
+                      <m:t>(</m:t>
+                    </m:r>
+                    <m:r>
+                      <a:rPr kumimoji="1" lang="en-US" altLang="ja-JP" b="0" i="1" smtClean="0">
+                        <a:latin typeface="Cambria Math" panose="02040503050406030204" pitchFamily="18" charset="0"/>
+                      </a:rPr>
+                      <m:t>𝑋</m:t>
+                    </m:r>
+                    <m:r>
+                      <a:rPr kumimoji="1" lang="en-US" altLang="ja-JP" b="0" i="1" smtClean="0">
+                        <a:latin typeface="Cambria Math" panose="02040503050406030204" pitchFamily="18" charset="0"/>
+                      </a:rPr>
+                      <m:t>,</m:t>
+                    </m:r>
+                    <m:r>
+                      <a:rPr kumimoji="1" lang="en-US" altLang="ja-JP" b="0" i="1" smtClean="0">
+                        <a:latin typeface="Cambria Math" panose="02040503050406030204" pitchFamily="18" charset="0"/>
+                      </a:rPr>
+                      <m:t>𝐶</m:t>
+                    </m:r>
+                    <m:r>
+                      <a:rPr kumimoji="1" lang="en-US" altLang="ja-JP" b="0" i="1" smtClean="0">
+                        <a:latin typeface="Cambria Math" panose="02040503050406030204" pitchFamily="18" charset="0"/>
+                      </a:rPr>
+                      <m:t>,</m:t>
+                    </m:r>
+                    <m:d>
+                      <m:dPr>
+                        <m:ctrlPr>
+                          <a:rPr kumimoji="1" lang="en-US" altLang="ja-JP" b="0" i="1" smtClean="0">
+                            <a:latin typeface="Cambria Math" panose="02040503050406030204" pitchFamily="18" charset="0"/>
+                          </a:rPr>
+                        </m:ctrlPr>
+                      </m:dPr>
+                      <m:e>
+                        <m:r>
+                          <a:rPr kumimoji="1" lang="en-US" altLang="ja-JP" b="0" i="1" smtClean="0">
+                            <a:latin typeface="Cambria Math" panose="02040503050406030204" pitchFamily="18" charset="0"/>
+                          </a:rPr>
+                          <m:t>𝑡𝑄</m:t>
+                        </m:r>
+                        <m:r>
+                          <a:rPr kumimoji="1" lang="en-US" altLang="ja-JP" b="0" i="1" smtClean="0">
+                            <a:latin typeface="Cambria Math" panose="02040503050406030204" pitchFamily="18" charset="0"/>
+                          </a:rPr>
+                          <m:t>,</m:t>
+                        </m:r>
+                        <m:d>
+                          <m:dPr>
+                            <m:ctrlPr>
+                              <a:rPr kumimoji="1" lang="en-US" altLang="ja-JP" b="0" i="1" smtClean="0">
+                                <a:latin typeface="Cambria Math" panose="02040503050406030204" pitchFamily="18" charset="0"/>
+                              </a:rPr>
+                            </m:ctrlPr>
+                          </m:dPr>
+                          <m:e>
+                            <m:r>
+                              <a:rPr kumimoji="1" lang="en-US" altLang="ja-JP" b="0" i="1" smtClean="0">
+                                <a:latin typeface="Cambria Math" panose="02040503050406030204" pitchFamily="18" charset="0"/>
+                              </a:rPr>
+                              <m:t>𝑡</m:t>
+                            </m:r>
+                            <m:r>
+                              <a:rPr kumimoji="1" lang="en-US" altLang="ja-JP" b="0" i="1" smtClean="0">
+                                <a:latin typeface="Cambria Math" panose="02040503050406030204" pitchFamily="18" charset="0"/>
+                              </a:rPr>
+                              <m:t>+</m:t>
+                            </m:r>
+                            <m:r>
+                              <a:rPr kumimoji="1" lang="en-US" altLang="ja-JP" b="0" i="1" smtClean="0">
+                                <a:latin typeface="Cambria Math" panose="02040503050406030204" pitchFamily="18" charset="0"/>
+                              </a:rPr>
+                              <m:t>h</m:t>
+                            </m:r>
+                            <m:d>
+                              <m:dPr>
+                                <m:ctrlPr>
+                                  <a:rPr kumimoji="1" lang="en-US" altLang="ja-JP" b="0" i="1" smtClean="0">
+                                    <a:latin typeface="Cambria Math" panose="02040503050406030204" pitchFamily="18" charset="0"/>
+                                  </a:rPr>
+                                </m:ctrlPr>
+                              </m:dPr>
+                              <m:e>
+                                <m:sSup>
+                                  <m:sSupPr>
+                                    <m:ctrlPr>
+                                      <a:rPr kumimoji="1" lang="en-US" altLang="ja-JP" b="0" i="1" smtClean="0">
+                                        <a:latin typeface="Cambria Math" panose="02040503050406030204" pitchFamily="18" charset="0"/>
+                                      </a:rPr>
+                                    </m:ctrlPr>
+                                  </m:sSupPr>
+                                  <m:e>
+                                    <m:r>
+                                      <a:rPr kumimoji="1" lang="en-US" altLang="ja-JP" b="0" i="1" smtClean="0">
+                                        <a:latin typeface="Cambria Math" panose="02040503050406030204" pitchFamily="18" charset="0"/>
+                                      </a:rPr>
+                                      <m:t>𝑟</m:t>
+                                    </m:r>
+                                  </m:e>
+                                  <m:sup>
+                                    <m:r>
+                                      <a:rPr kumimoji="1" lang="en-US" altLang="ja-JP" b="0" i="1" smtClean="0">
+                                        <a:latin typeface="Cambria Math" panose="02040503050406030204" pitchFamily="18" charset="0"/>
+                                      </a:rPr>
+                                      <m:t>′</m:t>
+                                    </m:r>
+                                  </m:sup>
+                                </m:sSup>
+                                <m:r>
+                                  <a:rPr kumimoji="1" lang="en-US" altLang="ja-JP" b="0" i="1" smtClean="0">
+                                    <a:latin typeface="Cambria Math" panose="02040503050406030204" pitchFamily="18" charset="0"/>
+                                  </a:rPr>
+                                  <m:t>−</m:t>
+                                </m:r>
+                                <m:r>
+                                  <a:rPr kumimoji="1" lang="en-US" altLang="ja-JP" b="0" i="1" smtClean="0">
+                                    <a:latin typeface="Cambria Math" panose="02040503050406030204" pitchFamily="18" charset="0"/>
+                                  </a:rPr>
+                                  <m:t>𝑟</m:t>
+                                </m:r>
+                              </m:e>
+                            </m:d>
+                          </m:e>
+                        </m:d>
+                        <m:r>
+                          <a:rPr kumimoji="1" lang="en-US" altLang="ja-JP" b="0" i="1" smtClean="0">
+                            <a:latin typeface="Cambria Math" panose="02040503050406030204" pitchFamily="18" charset="0"/>
+                          </a:rPr>
+                          <m:t>𝑃</m:t>
+                        </m:r>
+                      </m:e>
+                    </m:d>
+                    <m:r>
+                      <a:rPr kumimoji="1" lang="en-US" altLang="ja-JP" b="0" i="1" smtClean="0">
+                        <a:latin typeface="Cambria Math" panose="02040503050406030204" pitchFamily="18" charset="0"/>
+                      </a:rPr>
+                      <m:t>=</m:t>
+                    </m:r>
+                    <m:r>
+                      <a:rPr kumimoji="1" lang="en-US" altLang="ja-JP" b="0" i="1" smtClean="0">
+                        <a:latin typeface="Cambria Math" panose="02040503050406030204" pitchFamily="18" charset="0"/>
+                      </a:rPr>
+                      <m:t>h</m:t>
+                    </m:r>
+                  </m:oMath>
+                </a14:m>
+                <a:r>
+                  <a:rPr kumimoji="1" lang="ja-JP" altLang="en-US"/>
+                  <a:t>→</a:t>
+                </a:r>
+                <a14:m>
+                  <m:oMath xmlns:m="http://schemas.openxmlformats.org/officeDocument/2006/math">
+                    <m:sSup>
+                      <m:sSupPr>
+                        <m:ctrlPr>
+                          <a:rPr kumimoji="1" lang="en-US" altLang="ja-JP" b="0" i="1" smtClean="0">
+                            <a:latin typeface="Cambria Math" panose="02040503050406030204" pitchFamily="18" charset="0"/>
+                          </a:rPr>
+                        </m:ctrlPr>
+                      </m:sSupPr>
+                      <m:e>
+                        <m:r>
+                          <a:rPr kumimoji="1" lang="en-US" altLang="ja-JP" b="0" i="1" smtClean="0">
+                            <a:latin typeface="Cambria Math" panose="02040503050406030204" pitchFamily="18" charset="0"/>
+                          </a:rPr>
+                          <m:t>𝑟</m:t>
+                        </m:r>
+                      </m:e>
+                      <m:sup>
+                        <m:r>
+                          <a:rPr kumimoji="1" lang="en-US" altLang="ja-JP" b="0" i="1" smtClean="0">
+                            <a:latin typeface="Cambria Math" panose="02040503050406030204" pitchFamily="18" charset="0"/>
+                          </a:rPr>
+                          <m:t>′</m:t>
+                        </m:r>
+                      </m:sup>
+                    </m:sSup>
+                    <m:r>
+                      <a:rPr kumimoji="1" lang="en-US" altLang="ja-JP" b="0" i="1" smtClean="0">
+                        <a:latin typeface="Cambria Math" panose="02040503050406030204" pitchFamily="18" charset="0"/>
+                      </a:rPr>
+                      <m:t>=</m:t>
+                    </m:r>
+                    <m:r>
+                      <a:rPr kumimoji="1" lang="en-US" altLang="ja-JP" b="0" i="1" smtClean="0">
+                        <a:latin typeface="Cambria Math" panose="02040503050406030204" pitchFamily="18" charset="0"/>
+                      </a:rPr>
+                      <m:t>𝑟</m:t>
+                    </m:r>
+                  </m:oMath>
+                </a14:m>
+                <a:endParaRPr kumimoji="1" lang="en-US" altLang="ja-JP"/>
+              </a:p>
+            </p:txBody>
+          </p:sp>
+        </mc:Choice>
+        <mc:Fallback xmlns="">
+          <p:sp>
+            <p:nvSpPr>
+              <p:cNvPr id="2" name="コンテンツ プレースホルダー 1">
+                <a:extLst>
+                  <a:ext uri="{FF2B5EF4-FFF2-40B4-BE49-F238E27FC236}">
+                    <a16:creationId xmlns:a16="http://schemas.microsoft.com/office/drawing/2014/main" id="{FF41CBA5-0C2E-460B-BEF2-7970F3146F7D}"/>
+                  </a:ext>
+                </a:extLst>
+              </p:cNvPr>
+              <p:cNvSpPr>
+                <a:spLocks noGrp="1" noRot="1" noChangeAspect="1" noMove="1" noResize="1" noEditPoints="1" noAdjustHandles="1" noChangeArrowheads="1" noChangeShapeType="1" noTextEdit="1"/>
+              </p:cNvSpPr>
+              <p:nvPr>
+                <p:ph idx="1"/>
+              </p:nvPr>
+            </p:nvSpPr>
+            <p:spPr>
+              <a:blipFill>
+                <a:blip r:embed="rId2"/>
+                <a:stretch>
+                  <a:fillRect l="-1200" t="-1454" b="-6957"/>
+                </a:stretch>
+              </a:blipFill>
+            </p:spPr>
+            <p:txBody>
+              <a:bodyPr/>
+              <a:lstStyle/>
+              <a:p>
+                <a:r>
+                  <a:rPr lang="ja-JP" altLang="en-US">
+                    <a:noFill/>
+                  </a:rPr>
+                  <a:t> </a:t>
+                </a:r>
+              </a:p>
+            </p:txBody>
+          </p:sp>
+        </mc:Fallback>
+      </mc:AlternateContent>
+      <mc:AlternateContent xmlns:mc="http://schemas.openxmlformats.org/markup-compatibility/2006" xmlns:a14="http://schemas.microsoft.com/office/drawing/2010/main">
+        <mc:Choice Requires="a14">
+          <p:sp>
+            <p:nvSpPr>
+              <p:cNvPr id="4" name="タイトル 3">
+                <a:extLst>
+                  <a:ext uri="{FF2B5EF4-FFF2-40B4-BE49-F238E27FC236}">
+                    <a16:creationId xmlns:a16="http://schemas.microsoft.com/office/drawing/2014/main" id="{F6C2E4EF-611B-4497-906C-C55D85E863D6}"/>
+                  </a:ext>
+                </a:extLst>
+              </p:cNvPr>
+              <p:cNvSpPr>
+                <a:spLocks noGrp="1"/>
+              </p:cNvSpPr>
+              <p:nvPr>
+                <p:ph type="title"/>
+              </p:nvPr>
+            </p:nvSpPr>
+            <p:spPr/>
+            <p:txBody>
+              <a:bodyPr/>
+              <a:lstStyle/>
+              <a:p>
+                <a14:m>
+                  <m:oMath xmlns:m="http://schemas.openxmlformats.org/officeDocument/2006/math">
+                    <m:r>
+                      <a:rPr kumimoji="1" lang="en-US" altLang="ja-JP" b="0" i="1" smtClean="0">
+                        <a:latin typeface="Cambria Math" panose="02040503050406030204" pitchFamily="18" charset="0"/>
+                      </a:rPr>
+                      <m:t>𝐷𝑒𝑐</m:t>
+                    </m:r>
+                    <m:d>
+                      <m:dPr>
+                        <m:ctrlPr>
+                          <a:rPr kumimoji="1" lang="en-US" altLang="ja-JP" b="0" i="1" smtClean="0">
+                            <a:latin typeface="Cambria Math" panose="02040503050406030204" pitchFamily="18" charset="0"/>
+                          </a:rPr>
+                        </m:ctrlPr>
+                      </m:dPr>
+                      <m:e>
+                        <m:r>
+                          <a:rPr kumimoji="1" lang="en-US" altLang="ja-JP" b="0" i="1" smtClean="0">
+                            <a:latin typeface="Cambria Math" panose="02040503050406030204" pitchFamily="18" charset="0"/>
+                          </a:rPr>
+                          <m:t>𝑐</m:t>
+                        </m:r>
+                      </m:e>
+                    </m:d>
+                    <m:r>
+                      <a:rPr kumimoji="1" lang="en-US" altLang="ja-JP" b="0" i="1" smtClean="0">
+                        <a:latin typeface="Cambria Math" panose="02040503050406030204" pitchFamily="18" charset="0"/>
+                      </a:rPr>
+                      <m:t>=0</m:t>
+                    </m:r>
+                  </m:oMath>
+                </a14:m>
+                <a:r>
+                  <a:rPr kumimoji="1" lang="ja-JP" altLang="en-US"/>
+                  <a:t>の</a:t>
+                </a:r>
+                <a:r>
+                  <a:rPr kumimoji="1" lang="en-US" altLang="ja-JP"/>
+                  <a:t>ZKP</a:t>
+                </a:r>
+                <a:endParaRPr kumimoji="1" lang="ja-JP" altLang="en-US"/>
+              </a:p>
+            </p:txBody>
+          </p:sp>
+        </mc:Choice>
+        <mc:Fallback xmlns="">
+          <p:sp>
+            <p:nvSpPr>
+              <p:cNvPr id="4" name="タイトル 3">
+                <a:extLst>
+                  <a:ext uri="{FF2B5EF4-FFF2-40B4-BE49-F238E27FC236}">
+                    <a16:creationId xmlns:a16="http://schemas.microsoft.com/office/drawing/2014/main" id="{F6C2E4EF-611B-4497-906C-C55D85E863D6}"/>
+                  </a:ext>
+                </a:extLst>
+              </p:cNvPr>
+              <p:cNvSpPr>
+                <a:spLocks noGrp="1" noRot="1" noChangeAspect="1" noMove="1" noResize="1" noEditPoints="1" noAdjustHandles="1" noChangeArrowheads="1" noChangeShapeType="1" noTextEdit="1"/>
+              </p:cNvSpPr>
+              <p:nvPr>
+                <p:ph type="title"/>
+              </p:nvPr>
+            </p:nvSpPr>
+            <p:spPr>
+              <a:blipFill>
+                <a:blip r:embed="rId3"/>
+                <a:stretch>
+                  <a:fillRect t="-17978" b="-44944"/>
+                </a:stretch>
+              </a:blipFill>
+            </p:spPr>
+            <p:txBody>
+              <a:bodyPr/>
+              <a:lstStyle/>
+              <a:p>
+                <a:r>
+                  <a:rPr lang="ja-JP" altLang="en-US">
+                    <a:noFill/>
+                  </a:rPr>
+                  <a:t> </a:t>
+                </a:r>
+              </a:p>
+            </p:txBody>
+          </p:sp>
+        </mc:Fallback>
+      </mc:AlternateContent>
+      <p:sp>
+        <p:nvSpPr>
+          <p:cNvPr id="5" name="スライド番号プレースホルダー 4">
+            <a:extLst>
+              <a:ext uri="{FF2B5EF4-FFF2-40B4-BE49-F238E27FC236}">
+                <a16:creationId xmlns:a16="http://schemas.microsoft.com/office/drawing/2014/main" id="{EAA8FCAB-E755-4B2C-8A84-68A056B11949}"/>
+              </a:ext>
+            </a:extLst>
+          </p:cNvPr>
+          <p:cNvSpPr>
+            <a:spLocks noGrp="1"/>
+          </p:cNvSpPr>
+          <p:nvPr>
+            <p:ph type="sldNum" sz="quarter" idx="12"/>
+          </p:nvPr>
+        </p:nvSpPr>
+        <p:spPr/>
+        <p:txBody>
+          <a:bodyPr/>
+          <a:lstStyle/>
+          <a:p>
+            <a:pPr>
+              <a:defRPr/>
+            </a:pPr>
+            <a:r>
+              <a:rPr lang="en-US" altLang="ja-JP"/>
+              <a:t>    </a:t>
+            </a:r>
+            <a:fld id="{B2782DEB-472A-4FE5-AC34-C17109CF5A91}" type="slidenum">
+              <a:rPr lang="en-US" altLang="ja-JP" smtClean="0"/>
+              <a:pPr>
+                <a:defRPr/>
+              </a:pPr>
+              <a:t>19</a:t>
+            </a:fld>
+            <a:r>
+              <a:rPr lang="en-US" altLang="ja-JP"/>
+              <a:t> / 19</a:t>
+            </a:r>
+          </a:p>
+        </p:txBody>
+      </p:sp>
+    </p:spTree>
+    <p:extLst>
+      <p:ext uri="{BB962C8B-B14F-4D97-AF65-F5344CB8AC3E}">
+        <p14:creationId xmlns:p14="http://schemas.microsoft.com/office/powerpoint/2010/main" val="625675723"/>
+      </p:ext>
+    </p:extLst>
+  </p:cSld>
+  <p:clrMapOvr>
+    <a:masterClrMapping/>
+  </p:clrMapOvr>
+</p:sld>
+</file>
+
 <file path=ppt/slides/slide2.xml><?xml version="1.0" encoding="utf-8"?>
+<p:sld xmlns:a="http://schemas.openxmlformats.org/drawingml/2006/main" xmlns:r="http://schemas.openxmlformats.org/officeDocument/2006/relationships" xmlns:p="http://schemas.openxmlformats.org/presentationml/2006/main">
+  <p:cSld>
+    <p:spTree>
+      <p:nvGrpSpPr>
+        <p:cNvPr id="1" name=""/>
+        <p:cNvGrpSpPr/>
+        <p:nvPr/>
+      </p:nvGrpSpPr>
+      <p:grpSpPr>
+        <a:xfrm>
+          <a:off x="0" y="0"/>
+          <a:ext cx="0" cy="0"/>
+          <a:chOff x="0" y="0"/>
+          <a:chExt cx="0" cy="0"/>
+        </a:xfrm>
+      </p:grpSpPr>
+      <mc:AlternateContent xmlns:mc="http://schemas.openxmlformats.org/markup-compatibility/2006">
+        <mc:Choice xmlns:a14="http://schemas.microsoft.com/office/drawing/2010/main" Requires="a14">
+          <p:sp>
+            <p:nvSpPr>
+              <p:cNvPr id="2" name="コンテンツ プレースホルダー 1">
+                <a:extLst>
+                  <a:ext uri="{FF2B5EF4-FFF2-40B4-BE49-F238E27FC236}">
+                    <a16:creationId xmlns:a16="http://schemas.microsoft.com/office/drawing/2014/main" id="{B2748C97-E634-4AA1-AF3E-F321B2B4810B}"/>
+                  </a:ext>
+                </a:extLst>
+              </p:cNvPr>
+              <p:cNvSpPr>
+                <a:spLocks noGrp="1"/>
+              </p:cNvSpPr>
+              <p:nvPr>
+                <p:ph idx="1"/>
+              </p:nvPr>
+            </p:nvSpPr>
+            <p:spPr/>
+            <p:txBody>
+              <a:bodyPr/>
+              <a:lstStyle/>
+              <a:p>
+                <a:r>
+                  <a:rPr kumimoji="1" lang="ja-JP" altLang="en-US"/>
+                  <a:t>楕円曲線</a:t>
+                </a:r>
+                <a:endParaRPr kumimoji="1" lang="en-US" altLang="ja-JP"/>
+              </a:p>
+              <a:p>
+                <a:pPr lvl="1"/>
+                <a:r>
+                  <a:rPr kumimoji="1" lang="ja-JP" altLang="en-US"/>
+                  <a:t>演算</a:t>
+                </a:r>
+                <a:endParaRPr kumimoji="1" lang="en-US" altLang="ja-JP"/>
+              </a:p>
+              <a:p>
+                <a:pPr lvl="1"/>
+                <a:r>
+                  <a:rPr lang="en-US" altLang="ja-JP"/>
+                  <a:t>ECDLP</a:t>
+                </a:r>
+                <a:r>
+                  <a:rPr lang="ja-JP" altLang="en-US"/>
+                  <a:t>と</a:t>
+                </a:r>
+                <a:r>
+                  <a:rPr lang="en-US" altLang="ja-JP"/>
+                  <a:t>ECDH</a:t>
+                </a:r>
+              </a:p>
+              <a:p>
+                <a:r>
+                  <a:rPr kumimoji="1" lang="ja-JP" altLang="en-US"/>
+                  <a:t>楕円</a:t>
+                </a:r>
+                <a:r>
+                  <a:rPr kumimoji="1" lang="en-US" altLang="ja-JP"/>
+                  <a:t>ElGamal</a:t>
+                </a:r>
+                <a:r>
+                  <a:rPr kumimoji="1" lang="ja-JP" altLang="en-US"/>
+                  <a:t>暗号</a:t>
+                </a:r>
+                <a:endParaRPr kumimoji="1" lang="en-US" altLang="ja-JP"/>
+              </a:p>
+              <a:p>
+                <a:r>
+                  <a:rPr lang="ja-JP" altLang="en-US"/>
+                  <a:t>楕円</a:t>
+                </a:r>
+                <a:r>
+                  <a:rPr lang="en-US" altLang="ja-JP"/>
+                  <a:t>Lifted-ElGamal</a:t>
+                </a:r>
+                <a:r>
+                  <a:rPr lang="ja-JP" altLang="en-US"/>
+                  <a:t>暗号</a:t>
+                </a:r>
+                <a:endParaRPr kumimoji="1" lang="en-US" altLang="ja-JP"/>
+              </a:p>
+              <a:p>
+                <a:pPr lvl="1"/>
+                <a:r>
+                  <a:rPr kumimoji="1" lang="ja-JP" altLang="en-US"/>
+                  <a:t>準同型暗号</a:t>
+                </a:r>
+                <a:endParaRPr kumimoji="1" lang="en-US" altLang="ja-JP"/>
+              </a:p>
+              <a:p>
+                <a:pPr lvl="1"/>
+                <a:r>
+                  <a:rPr kumimoji="1" lang="ja-JP" altLang="en-US"/>
+                  <a:t>安全性と</a:t>
+                </a:r>
+                <a:r>
+                  <a:rPr kumimoji="1" lang="en-US" altLang="ja-JP"/>
+                  <a:t>DDH</a:t>
+                </a:r>
+              </a:p>
+              <a:p>
+                <a:r>
+                  <a:rPr lang="en-US" altLang="ja-JP"/>
+                  <a:t>ZKP</a:t>
+                </a:r>
+              </a:p>
+              <a:p>
+                <a:pPr lvl="1"/>
+                <a:r>
+                  <a:rPr kumimoji="1" lang="en-US" altLang="ja-JP"/>
+                  <a:t>Σ</a:t>
+                </a:r>
+                <a:r>
+                  <a:rPr kumimoji="1" lang="ja-JP" altLang="en-US"/>
+                  <a:t>プロトコル</a:t>
+                </a:r>
+                <a:endParaRPr kumimoji="1" lang="en-US" altLang="ja-JP"/>
+              </a:p>
+              <a:p>
+                <a:pPr lvl="1"/>
+                <a14:m>
+                  <m:oMath xmlns:m="http://schemas.openxmlformats.org/officeDocument/2006/math">
+                    <m:r>
+                      <a:rPr kumimoji="1" lang="en-US" altLang="ja-JP" b="0" i="1" smtClean="0">
+                        <a:latin typeface="Cambria Math" panose="02040503050406030204" pitchFamily="18" charset="0"/>
+                      </a:rPr>
+                      <m:t>𝐷𝑒𝑐</m:t>
+                    </m:r>
+                    <m:d>
+                      <m:dPr>
+                        <m:ctrlPr>
+                          <a:rPr kumimoji="1" lang="en-US" altLang="ja-JP" b="0" i="1" smtClean="0">
+                            <a:latin typeface="Cambria Math" panose="02040503050406030204" pitchFamily="18" charset="0"/>
+                          </a:rPr>
+                        </m:ctrlPr>
+                      </m:dPr>
+                      <m:e>
+                        <m:r>
+                          <a:rPr kumimoji="1" lang="en-US" altLang="ja-JP" b="0" i="1" smtClean="0">
+                            <a:latin typeface="Cambria Math" panose="02040503050406030204" pitchFamily="18" charset="0"/>
+                          </a:rPr>
+                          <m:t>𝑐</m:t>
+                        </m:r>
+                      </m:e>
+                    </m:d>
+                    <m:r>
+                      <a:rPr kumimoji="1" lang="en-US" altLang="ja-JP" b="0" i="1" smtClean="0">
+                        <a:latin typeface="Cambria Math" panose="02040503050406030204" pitchFamily="18" charset="0"/>
+                      </a:rPr>
+                      <m:t>=0</m:t>
+                    </m:r>
+                  </m:oMath>
+                </a14:m>
+                <a:r>
+                  <a:rPr kumimoji="1" lang="ja-JP" altLang="en-US"/>
+                  <a:t>の場合</a:t>
+                </a:r>
+                <a:endParaRPr kumimoji="1" lang="en-US" altLang="ja-JP"/>
+              </a:p>
+              <a:p>
+                <a:pPr lvl="1"/>
+                <a:r>
+                  <a:rPr lang="en-US" altLang="ja-JP"/>
+                  <a:t>Fiat-Shamir heuristic</a:t>
+                </a:r>
+                <a:endParaRPr kumimoji="1" lang="ja-JP" altLang="en-US"/>
+              </a:p>
+            </p:txBody>
+          </p:sp>
+        </mc:Choice>
+        <mc:Fallback>
+          <p:sp>
+            <p:nvSpPr>
+              <p:cNvPr id="2" name="コンテンツ プレースホルダー 1">
+                <a:extLst>
+                  <a:ext uri="{FF2B5EF4-FFF2-40B4-BE49-F238E27FC236}">
+                    <a16:creationId xmlns:a16="http://schemas.microsoft.com/office/drawing/2014/main" id="{B2748C97-E634-4AA1-AF3E-F321B2B4810B}"/>
+                  </a:ext>
+                </a:extLst>
+              </p:cNvPr>
+              <p:cNvSpPr>
+                <a:spLocks noGrp="1" noRot="1" noChangeAspect="1" noMove="1" noResize="1" noEditPoints="1" noAdjustHandles="1" noChangeArrowheads="1" noChangeShapeType="1" noTextEdit="1"/>
+              </p:cNvSpPr>
+              <p:nvPr>
+                <p:ph idx="1"/>
+              </p:nvPr>
+            </p:nvSpPr>
+            <p:spPr>
+              <a:blipFill>
+                <a:blip r:embed="rId2"/>
+                <a:stretch>
+                  <a:fillRect l="-1200" t="-1038"/>
+                </a:stretch>
+              </a:blipFill>
+            </p:spPr>
+            <p:txBody>
+              <a:bodyPr/>
+              <a:lstStyle/>
+              <a:p>
+                <a:r>
+                  <a:rPr lang="ja-JP" altLang="en-US">
+                    <a:noFill/>
+                  </a:rPr>
+                  <a:t> </a:t>
+                </a:r>
+              </a:p>
+            </p:txBody>
+          </p:sp>
+        </mc:Fallback>
+      </mc:AlternateContent>
+      <p:sp>
+        <p:nvSpPr>
+          <p:cNvPr id="4" name="タイトル 3">
+            <a:extLst>
+              <a:ext uri="{FF2B5EF4-FFF2-40B4-BE49-F238E27FC236}">
+                <a16:creationId xmlns:a16="http://schemas.microsoft.com/office/drawing/2014/main" id="{CF7E3A48-10E6-4A96-8C24-5999931C9A58}"/>
+              </a:ext>
+            </a:extLst>
+          </p:cNvPr>
+          <p:cNvSpPr>
+            <a:spLocks noGrp="1"/>
+          </p:cNvSpPr>
+          <p:nvPr>
+            <p:ph type="title"/>
+          </p:nvPr>
+        </p:nvSpPr>
+        <p:spPr/>
+        <p:txBody>
+          <a:bodyPr/>
+          <a:lstStyle/>
+          <a:p>
+            <a:r>
+              <a:rPr kumimoji="1" lang="ja-JP" altLang="en-US"/>
+              <a:t>目次</a:t>
+            </a:r>
+          </a:p>
+        </p:txBody>
+      </p:sp>
+    </p:spTree>
+    <p:extLst>
+      <p:ext uri="{BB962C8B-B14F-4D97-AF65-F5344CB8AC3E}">
+        <p14:creationId xmlns:p14="http://schemas.microsoft.com/office/powerpoint/2010/main" val="963995026"/>
+      </p:ext>
+    </p:extLst>
+  </p:cSld>
+  <p:clrMapOvr>
+    <a:masterClrMapping/>
+  </p:clrMapOvr>
+</p:sld>
+</file>
+
+<file path=ppt/slides/slide3.xml><?xml version="1.0" encoding="utf-8"?>
 <p:sld xmlns:a="http://schemas.openxmlformats.org/drawingml/2006/main" xmlns:r="http://schemas.openxmlformats.org/officeDocument/2006/relationships" xmlns:p="http://schemas.openxmlformats.org/presentationml/2006/main">
   <p:cSld>
     <p:spTree>
@@ -3834,48 +10546,6 @@
           </p:sp>
         </mc:Fallback>
       </mc:AlternateContent>
-      <p:sp>
-        <p:nvSpPr>
-          <p:cNvPr id="3" name="スライド番号プレースホルダー 2">
-            <a:extLst>
-              <a:ext uri="{FF2B5EF4-FFF2-40B4-BE49-F238E27FC236}">
-                <a16:creationId xmlns:a16="http://schemas.microsoft.com/office/drawing/2014/main" id="{F0416A37-61B2-4546-9FE3-9FABD6E1DD2E}"/>
-              </a:ext>
-            </a:extLst>
-          </p:cNvPr>
-          <p:cNvSpPr>
-            <a:spLocks noGrp="1"/>
-          </p:cNvSpPr>
-          <p:nvPr>
-            <p:ph type="sldNum" sz="quarter" idx="12"/>
-          </p:nvPr>
-        </p:nvSpPr>
-        <p:spPr/>
-        <p:txBody>
-          <a:bodyPr/>
-          <a:lstStyle/>
-          <a:p>
-            <a:pPr>
-              <a:defRPr/>
-            </a:pPr>
-            <a:r>
-              <a:rPr lang="en-US" altLang="ja-JP"/>
-              <a:t>    </a:t>
-            </a:r>
-            <a:fld id="{B2782DEB-472A-4FE5-AC34-C17109CF5A91}" type="slidenum">
-              <a:rPr lang="en-US" altLang="ja-JP" smtClean="0"/>
-              <a:pPr>
-                <a:defRPr/>
-              </a:pPr>
-              <a:t>2</a:t>
-            </a:fld>
-            <a:r>
-              <a:rPr lang="en-US" altLang="ja-JP"/>
-              <a:t> / 25</a:t>
-            </a:r>
-          </a:p>
-        </p:txBody>
-      </p:sp>
       <p:sp>
         <p:nvSpPr>
           <p:cNvPr id="4" name="タイトル 3">
@@ -5026,7 +11696,7 @@
 </p:sld>
 </file>
 
-<file path=ppt/slides/slide3.xml><?xml version="1.0" encoding="utf-8"?>
+<file path=ppt/slides/slide4.xml><?xml version="1.0" encoding="utf-8"?>
 <p:sld xmlns:a="http://schemas.openxmlformats.org/drawingml/2006/main" xmlns:r="http://schemas.openxmlformats.org/officeDocument/2006/relationships" xmlns:p="http://schemas.openxmlformats.org/presentationml/2006/main">
   <p:cSld>
     <p:spTree>
@@ -5370,48 +12040,6 @@
           </p:sp>
         </mc:Fallback>
       </mc:AlternateContent>
-      <p:sp>
-        <p:nvSpPr>
-          <p:cNvPr id="3" name="スライド番号プレースホルダー 2">
-            <a:extLst>
-              <a:ext uri="{FF2B5EF4-FFF2-40B4-BE49-F238E27FC236}">
-                <a16:creationId xmlns:a16="http://schemas.microsoft.com/office/drawing/2014/main" id="{F0416A37-61B2-4546-9FE3-9FABD6E1DD2E}"/>
-              </a:ext>
-            </a:extLst>
-          </p:cNvPr>
-          <p:cNvSpPr>
-            <a:spLocks noGrp="1"/>
-          </p:cNvSpPr>
-          <p:nvPr>
-            <p:ph type="sldNum" sz="quarter" idx="12"/>
-          </p:nvPr>
-        </p:nvSpPr>
-        <p:spPr/>
-        <p:txBody>
-          <a:bodyPr/>
-          <a:lstStyle/>
-          <a:p>
-            <a:pPr>
-              <a:defRPr/>
-            </a:pPr>
-            <a:r>
-              <a:rPr lang="en-US" altLang="ja-JP"/>
-              <a:t>    </a:t>
-            </a:r>
-            <a:fld id="{B2782DEB-472A-4FE5-AC34-C17109CF5A91}" type="slidenum">
-              <a:rPr lang="en-US" altLang="ja-JP" smtClean="0"/>
-              <a:pPr>
-                <a:defRPr/>
-              </a:pPr>
-              <a:t>3</a:t>
-            </a:fld>
-            <a:r>
-              <a:rPr lang="en-US" altLang="ja-JP"/>
-              <a:t> / 25</a:t>
-            </a:r>
-          </a:p>
-        </p:txBody>
-      </p:sp>
       <p:sp>
         <p:nvSpPr>
           <p:cNvPr id="4" name="タイトル 3">
@@ -6751,7 +13379,7 @@
 </p:sld>
 </file>
 
-<file path=ppt/slides/slide4.xml><?xml version="1.0" encoding="utf-8"?>
+<file path=ppt/slides/slide5.xml><?xml version="1.0" encoding="utf-8"?>
 <p:sld xmlns:a="http://schemas.openxmlformats.org/drawingml/2006/main" xmlns:r="http://schemas.openxmlformats.org/officeDocument/2006/relationships" xmlns:p="http://schemas.openxmlformats.org/presentationml/2006/main">
   <p:cSld>
     <p:spTree>
@@ -6831,7 +13459,7 @@
                       <a:rPr kumimoji="1" lang="en-US" altLang="ja-JP" b="0" i="1" smtClean="0">
                         <a:latin typeface="Cambria Math" panose="02040503050406030204" pitchFamily="18" charset="0"/>
                       </a:rPr>
-                      <m:t>𝑆</m:t>
+                      <m:t>𝑄</m:t>
                     </m:r>
                     <m:r>
                       <a:rPr kumimoji="1" lang="en-US" altLang="ja-JP" b="0" i="1" smtClean="0">
@@ -6964,7 +13592,7 @@
                       <a:rPr kumimoji="1" lang="en-US" altLang="ja-JP" b="0" i="1" smtClean="0">
                         <a:latin typeface="Cambria Math" panose="02040503050406030204" pitchFamily="18" charset="0"/>
                       </a:rPr>
-                      <m:t>𝑟𝑆</m:t>
+                      <m:t>𝑟𝑄</m:t>
                     </m:r>
                     <m:r>
                       <a:rPr kumimoji="1" lang="en-US" altLang="ja-JP" b="0" i="1" smtClean="0">
@@ -7202,7 +13830,7 @@
                           <a:rPr kumimoji="1" lang="en-US" altLang="ja-JP" b="0" i="1" smtClean="0">
                             <a:latin typeface="Cambria Math" panose="02040503050406030204" pitchFamily="18" charset="0"/>
                           </a:rPr>
-                          <m:t>𝑟𝑆</m:t>
+                          <m:t>𝑟𝑄</m:t>
                         </m:r>
                         <m:r>
                           <a:rPr kumimoji="1" lang="en-US" altLang="ja-JP" b="0" i="1" smtClean="0">
@@ -7240,7 +13868,7 @@
                       <a:rPr kumimoji="1" lang="en-US" altLang="ja-JP" b="0" i="1" smtClean="0">
                         <a:latin typeface="Cambria Math" panose="02040503050406030204" pitchFamily="18" charset="0"/>
                       </a:rPr>
-                      <m:t>𝑟𝑆</m:t>
+                      <m:t>𝑟𝑄</m:t>
                     </m:r>
                     <m:r>
                       <a:rPr kumimoji="1" lang="en-US" altLang="ja-JP" b="0" i="1" smtClean="0">
@@ -7357,48 +13985,6 @@
           </p:sp>
         </mc:Fallback>
       </mc:AlternateContent>
-      <p:sp>
-        <p:nvSpPr>
-          <p:cNvPr id="3" name="スライド番号プレースホルダー 2">
-            <a:extLst>
-              <a:ext uri="{FF2B5EF4-FFF2-40B4-BE49-F238E27FC236}">
-                <a16:creationId xmlns:a16="http://schemas.microsoft.com/office/drawing/2014/main" id="{15D56BAF-B681-4D27-BDD6-24CC692E56CB}"/>
-              </a:ext>
-            </a:extLst>
-          </p:cNvPr>
-          <p:cNvSpPr>
-            <a:spLocks noGrp="1"/>
-          </p:cNvSpPr>
-          <p:nvPr>
-            <p:ph type="sldNum" sz="quarter" idx="12"/>
-          </p:nvPr>
-        </p:nvSpPr>
-        <p:spPr/>
-        <p:txBody>
-          <a:bodyPr/>
-          <a:lstStyle/>
-          <a:p>
-            <a:pPr>
-              <a:defRPr/>
-            </a:pPr>
-            <a:r>
-              <a:rPr lang="en-US" altLang="ja-JP"/>
-              <a:t>    </a:t>
-            </a:r>
-            <a:fld id="{B2782DEB-472A-4FE5-AC34-C17109CF5A91}" type="slidenum">
-              <a:rPr lang="en-US" altLang="ja-JP" smtClean="0"/>
-              <a:pPr>
-                <a:defRPr/>
-              </a:pPr>
-              <a:t>4</a:t>
-            </a:fld>
-            <a:r>
-              <a:rPr lang="en-US" altLang="ja-JP"/>
-              <a:t> / 25</a:t>
-            </a:r>
-          </a:p>
-        </p:txBody>
-      </p:sp>
       <p:sp>
         <p:nvSpPr>
           <p:cNvPr id="4" name="タイトル 3">
@@ -7448,7 +14034,7 @@
 </p:sld>
 </file>
 
-<file path=ppt/slides/slide5.xml><?xml version="1.0" encoding="utf-8"?>
+<file path=ppt/slides/slide6.xml><?xml version="1.0" encoding="utf-8"?>
 <p:sld xmlns:a="http://schemas.openxmlformats.org/drawingml/2006/main" xmlns:r="http://schemas.openxmlformats.org/officeDocument/2006/relationships" xmlns:p="http://schemas.openxmlformats.org/presentationml/2006/main">
   <p:cSld>
     <p:spTree>
@@ -7514,7 +14100,7 @@
                       <a:rPr kumimoji="1" lang="en-US" altLang="ja-JP" b="0" i="1" smtClean="0">
                         <a:latin typeface="Cambria Math" panose="02040503050406030204" pitchFamily="18" charset="0"/>
                       </a:rPr>
-                      <m:t>𝑆</m:t>
+                      <m:t>𝑄</m:t>
                     </m:r>
                     <m:r>
                       <a:rPr kumimoji="1" lang="en-US" altLang="ja-JP" b="0" i="1" smtClean="0">
@@ -7579,7 +14165,7 @@
                       <a:rPr kumimoji="1" lang="en-US" altLang="ja-JP" b="0" i="1" smtClean="0">
                         <a:latin typeface="Cambria Math" panose="02040503050406030204" pitchFamily="18" charset="0"/>
                       </a:rPr>
-                      <m:t>𝑟𝑆</m:t>
+                      <m:t>𝑟𝑄</m:t>
                     </m:r>
                     <m:r>
                       <a:rPr kumimoji="1" lang="en-US" altLang="ja-JP" b="0" i="1" smtClean="0">
@@ -7625,7 +14211,7 @@
                       <a:rPr kumimoji="1" lang="en-US" altLang="ja-JP" b="0" i="1" smtClean="0">
                         <a:latin typeface="Cambria Math" panose="02040503050406030204" pitchFamily="18" charset="0"/>
                       </a:rPr>
-                      <m:t>𝑆</m:t>
+                      <m:t>𝑄</m:t>
                     </m:r>
                     <m:r>
                       <a:rPr kumimoji="1" lang="en-US" altLang="ja-JP" b="0" i="1" smtClean="0">
@@ -7665,7 +14251,7 @@
                       <a:rPr kumimoji="1" lang="en-US" altLang="ja-JP" b="0" i="1" smtClean="0">
                         <a:latin typeface="Cambria Math" panose="02040503050406030204" pitchFamily="18" charset="0"/>
                       </a:rPr>
-                      <m:t>𝑟𝑆</m:t>
+                      <m:t>𝑟𝑄</m:t>
                     </m:r>
                     <m:r>
                       <a:rPr kumimoji="1" lang="en-US" altLang="ja-JP" b="0" i="1" smtClean="0">
@@ -7807,48 +14393,6 @@
           </p:sp>
         </mc:Fallback>
       </mc:AlternateContent>
-      <p:sp>
-        <p:nvSpPr>
-          <p:cNvPr id="3" name="スライド番号プレースホルダー 2">
-            <a:extLst>
-              <a:ext uri="{FF2B5EF4-FFF2-40B4-BE49-F238E27FC236}">
-                <a16:creationId xmlns:a16="http://schemas.microsoft.com/office/drawing/2014/main" id="{DC2ACA9D-B870-4AE3-A835-632354CEED80}"/>
-              </a:ext>
-            </a:extLst>
-          </p:cNvPr>
-          <p:cNvSpPr>
-            <a:spLocks noGrp="1"/>
-          </p:cNvSpPr>
-          <p:nvPr>
-            <p:ph type="sldNum" sz="quarter" idx="12"/>
-          </p:nvPr>
-        </p:nvSpPr>
-        <p:spPr/>
-        <p:txBody>
-          <a:bodyPr/>
-          <a:lstStyle/>
-          <a:p>
-            <a:pPr>
-              <a:defRPr/>
-            </a:pPr>
-            <a:r>
-              <a:rPr lang="en-US" altLang="ja-JP"/>
-              <a:t>    </a:t>
-            </a:r>
-            <a:fld id="{B2782DEB-472A-4FE5-AC34-C17109CF5A91}" type="slidenum">
-              <a:rPr lang="en-US" altLang="ja-JP" smtClean="0"/>
-              <a:pPr>
-                <a:defRPr/>
-              </a:pPr>
-              <a:t>5</a:t>
-            </a:fld>
-            <a:r>
-              <a:rPr lang="en-US" altLang="ja-JP"/>
-              <a:t> / 25</a:t>
-            </a:r>
-          </a:p>
-        </p:txBody>
-      </p:sp>
       <p:sp>
         <p:nvSpPr>
           <p:cNvPr id="4" name="タイトル 3">
@@ -7898,7 +14442,7 @@
 </p:sld>
 </file>
 
-<file path=ppt/slides/slide6.xml><?xml version="1.0" encoding="utf-8"?>
+<file path=ppt/slides/slide7.xml><?xml version="1.0" encoding="utf-8"?>
 <p:sld xmlns:a="http://schemas.openxmlformats.org/drawingml/2006/main" xmlns:r="http://schemas.openxmlformats.org/officeDocument/2006/relationships" xmlns:p="http://schemas.openxmlformats.org/presentationml/2006/main">
   <p:cSld>
     <p:spTree>
@@ -8041,7 +14585,7 @@
                       <a:rPr kumimoji="1" lang="en-US" altLang="ja-JP" b="0" i="1" smtClean="0">
                         <a:latin typeface="Cambria Math" panose="02040503050406030204" pitchFamily="18" charset="0"/>
                       </a:rPr>
-                      <m:t>𝑆</m:t>
+                      <m:t>𝑄</m:t>
                     </m:r>
                     <m:r>
                       <a:rPr kumimoji="1" lang="en-US" altLang="ja-JP" b="0" i="1" smtClean="0">
@@ -8179,7 +14723,7 @@
                       <a:rPr kumimoji="1" lang="en-US" altLang="ja-JP" b="0" i="1" smtClean="0">
                         <a:latin typeface="Cambria Math" panose="02040503050406030204" pitchFamily="18" charset="0"/>
                       </a:rPr>
-                      <m:t>𝑟𝑆</m:t>
+                      <m:t>𝑟𝑄</m:t>
                     </m:r>
                     <m:r>
                       <a:rPr kumimoji="1" lang="en-US" altLang="ja-JP" b="0" i="1" smtClean="0">
@@ -8446,7 +14990,7 @@
                           <a:rPr kumimoji="1" lang="en-US" altLang="ja-JP" b="0" i="1" smtClean="0">
                             <a:latin typeface="Cambria Math" panose="02040503050406030204" pitchFamily="18" charset="0"/>
                           </a:rPr>
-                          <m:t>𝑟𝑆</m:t>
+                          <m:t>𝑟𝑄</m:t>
                         </m:r>
                       </m:e>
                     </m:d>
@@ -8762,7 +15306,7 @@
               <a:blipFill>
                 <a:blip r:embed="rId2"/>
                 <a:stretch>
-                  <a:fillRect l="-1200" t="-1038" r="-133" b="-3011"/>
+                  <a:fillRect l="-1200" t="-1038" r="-667" b="-3011"/>
                 </a:stretch>
               </a:blipFill>
             </p:spPr>
@@ -8781,48 +15325,6 @@
           </p:sp>
         </mc:Fallback>
       </mc:AlternateContent>
-      <p:sp>
-        <p:nvSpPr>
-          <p:cNvPr id="3" name="スライド番号プレースホルダー 2">
-            <a:extLst>
-              <a:ext uri="{FF2B5EF4-FFF2-40B4-BE49-F238E27FC236}">
-                <a16:creationId xmlns:a16="http://schemas.microsoft.com/office/drawing/2014/main" id="{86B8223F-AC33-4ED5-910B-48F7669598F3}"/>
-              </a:ext>
-            </a:extLst>
-          </p:cNvPr>
-          <p:cNvSpPr>
-            <a:spLocks noGrp="1"/>
-          </p:cNvSpPr>
-          <p:nvPr>
-            <p:ph type="sldNum" sz="quarter" idx="12"/>
-          </p:nvPr>
-        </p:nvSpPr>
-        <p:spPr/>
-        <p:txBody>
-          <a:bodyPr/>
-          <a:lstStyle/>
-          <a:p>
-            <a:pPr>
-              <a:defRPr/>
-            </a:pPr>
-            <a:r>
-              <a:rPr lang="en-US" altLang="ja-JP"/>
-              <a:t>    </a:t>
-            </a:r>
-            <a:fld id="{B2782DEB-472A-4FE5-AC34-C17109CF5A91}" type="slidenum">
-              <a:rPr lang="en-US" altLang="ja-JP" smtClean="0"/>
-              <a:pPr>
-                <a:defRPr/>
-              </a:pPr>
-              <a:t>6</a:t>
-            </a:fld>
-            <a:r>
-              <a:rPr lang="en-US" altLang="ja-JP"/>
-              <a:t> / 25</a:t>
-            </a:r>
-          </a:p>
-        </p:txBody>
-      </p:sp>
       <p:sp>
         <p:nvSpPr>
           <p:cNvPr id="4" name="タイトル 3">
@@ -8872,7 +15374,7 @@
 </p:sld>
 </file>
 
-<file path=ppt/slides/slide7.xml><?xml version="1.0" encoding="utf-8"?>
+<file path=ppt/slides/slide8.xml><?xml version="1.0" encoding="utf-8"?>
 <p:sld xmlns:a="http://schemas.openxmlformats.org/drawingml/2006/main" xmlns:r="http://schemas.openxmlformats.org/officeDocument/2006/relationships" xmlns:p="http://schemas.openxmlformats.org/presentationml/2006/main">
   <p:cSld>
     <p:spTree>
@@ -9247,48 +15749,6 @@
           </p:sp>
         </mc:Fallback>
       </mc:AlternateContent>
-      <p:sp>
-        <p:nvSpPr>
-          <p:cNvPr id="3" name="スライド番号プレースホルダー 2">
-            <a:extLst>
-              <a:ext uri="{FF2B5EF4-FFF2-40B4-BE49-F238E27FC236}">
-                <a16:creationId xmlns:a16="http://schemas.microsoft.com/office/drawing/2014/main" id="{F0E87C4C-0034-4F00-B0A0-B37C2297458E}"/>
-              </a:ext>
-            </a:extLst>
-          </p:cNvPr>
-          <p:cNvSpPr>
-            <a:spLocks noGrp="1"/>
-          </p:cNvSpPr>
-          <p:nvPr>
-            <p:ph type="sldNum" sz="quarter" idx="12"/>
-          </p:nvPr>
-        </p:nvSpPr>
-        <p:spPr/>
-        <p:txBody>
-          <a:bodyPr/>
-          <a:lstStyle/>
-          <a:p>
-            <a:pPr>
-              <a:defRPr/>
-            </a:pPr>
-            <a:r>
-              <a:rPr lang="en-US" altLang="ja-JP"/>
-              <a:t>    </a:t>
-            </a:r>
-            <a:fld id="{B2782DEB-472A-4FE5-AC34-C17109CF5A91}" type="slidenum">
-              <a:rPr lang="en-US" altLang="ja-JP" smtClean="0"/>
-              <a:pPr>
-                <a:defRPr/>
-              </a:pPr>
-              <a:t>7</a:t>
-            </a:fld>
-            <a:r>
-              <a:rPr lang="en-US" altLang="ja-JP"/>
-              <a:t> / 25</a:t>
-            </a:r>
-          </a:p>
-        </p:txBody>
-      </p:sp>
       <p:sp>
         <p:nvSpPr>
           <p:cNvPr id="4" name="タイトル 3">
@@ -9330,7 +15790,7 @@
 </p:sld>
 </file>
 
-<file path=ppt/slides/slide8.xml><?xml version="1.0" encoding="utf-8"?>
+<file path=ppt/slides/slide9.xml><?xml version="1.0" encoding="utf-8"?>
 <p:sld xmlns:a="http://schemas.openxmlformats.org/drawingml/2006/main" xmlns:r="http://schemas.openxmlformats.org/officeDocument/2006/relationships" xmlns:p="http://schemas.openxmlformats.org/presentationml/2006/main">
   <p:cSld>
     <p:spTree>
@@ -9414,7 +15874,7 @@
                       <a:rPr kumimoji="1" lang="en-US" altLang="ja-JP" b="0" i="1" smtClean="0">
                         <a:latin typeface="Cambria Math" panose="02040503050406030204" pitchFamily="18" charset="0"/>
                       </a:rPr>
-                      <m:t>𝑆</m:t>
+                      <m:t>𝑄</m:t>
                     </m:r>
                     <m:r>
                       <a:rPr kumimoji="1" lang="en-US" altLang="ja-JP" b="0" i="1" smtClean="0">
@@ -9509,7 +15969,7 @@
                       <a:rPr kumimoji="1" lang="en-US" altLang="ja-JP" b="0" i="1" smtClean="0">
                         <a:latin typeface="Cambria Math" panose="02040503050406030204" pitchFamily="18" charset="0"/>
                       </a:rPr>
-                      <m:t>𝑟𝑆</m:t>
+                      <m:t>𝑟𝑄</m:t>
                     </m:r>
                     <m:r>
                       <a:rPr kumimoji="1" lang="en-US" altLang="ja-JP" b="0" i="1" smtClean="0">
@@ -10112,7 +16572,7 @@
                           <a:rPr kumimoji="1" lang="en-US" altLang="ja-JP" b="0" i="1" smtClean="0">
                             <a:latin typeface="Cambria Math" panose="02040503050406030204" pitchFamily="18" charset="0"/>
                           </a:rPr>
-                          <m:t>𝑆</m:t>
+                          <m:t>𝑄</m:t>
                         </m:r>
                         <m:r>
                           <a:rPr kumimoji="1" lang="en-US" altLang="ja-JP" b="0" i="1" smtClean="0">
@@ -10234,7 +16694,7 @@
                           <a:rPr kumimoji="1" lang="en-US" altLang="ja-JP" b="0" i="1" smtClean="0">
                             <a:latin typeface="Cambria Math" panose="02040503050406030204" pitchFamily="18" charset="0"/>
                           </a:rPr>
-                          <m:t>𝑆</m:t>
+                          <m:t>𝑄</m:t>
                         </m:r>
                         <m:r>
                           <a:rPr kumimoji="1" lang="en-US" altLang="ja-JP" b="0" i="1" smtClean="0">
@@ -10402,7 +16862,7 @@
                           <a:rPr kumimoji="1" lang="en-US" altLang="ja-JP" b="0" i="1" smtClean="0">
                             <a:latin typeface="Cambria Math" panose="02040503050406030204" pitchFamily="18" charset="0"/>
                           </a:rPr>
-                          <m:t>𝑆</m:t>
+                          <m:t>𝑄</m:t>
                         </m:r>
                         <m:r>
                           <a:rPr kumimoji="1" lang="en-US" altLang="ja-JP" b="0" i="1" smtClean="0">
@@ -10439,7 +16899,7 @@
                           <a:rPr kumimoji="1" lang="en-US" altLang="ja-JP" b="0" i="1" smtClean="0">
                             <a:latin typeface="Cambria Math" panose="02040503050406030204" pitchFamily="18" charset="0"/>
                           </a:rPr>
-                          <m:t>𝑆</m:t>
+                          <m:t>𝑄</m:t>
                         </m:r>
                         <m:r>
                           <a:rPr kumimoji="1" lang="en-US" altLang="ja-JP" b="0" i="1" smtClean="0">
@@ -10691,7 +17151,7 @@
                           <a:rPr kumimoji="1" lang="en-US" altLang="ja-JP" b="0" i="1" smtClean="0">
                             <a:latin typeface="Cambria Math" panose="02040503050406030204" pitchFamily="18" charset="0"/>
                           </a:rPr>
-                          <m:t>𝑆</m:t>
+                          <m:t>𝑄</m:t>
                         </m:r>
                         <m:r>
                           <a:rPr kumimoji="1" lang="en-US" altLang="ja-JP" b="0" i="1" smtClean="0">
@@ -11002,48 +17462,6 @@
       </mc:AlternateContent>
       <p:sp>
         <p:nvSpPr>
-          <p:cNvPr id="3" name="スライド番号プレースホルダー 2">
-            <a:extLst>
-              <a:ext uri="{FF2B5EF4-FFF2-40B4-BE49-F238E27FC236}">
-                <a16:creationId xmlns:a16="http://schemas.microsoft.com/office/drawing/2014/main" id="{0AE15C00-4F36-4673-AE7F-F225DD537E56}"/>
-              </a:ext>
-            </a:extLst>
-          </p:cNvPr>
-          <p:cNvSpPr>
-            <a:spLocks noGrp="1"/>
-          </p:cNvSpPr>
-          <p:nvPr>
-            <p:ph type="sldNum" sz="quarter" idx="12"/>
-          </p:nvPr>
-        </p:nvSpPr>
-        <p:spPr/>
-        <p:txBody>
-          <a:bodyPr/>
-          <a:lstStyle/>
-          <a:p>
-            <a:pPr>
-              <a:defRPr/>
-            </a:pPr>
-            <a:r>
-              <a:rPr lang="en-US" altLang="ja-JP"/>
-              <a:t>    </a:t>
-            </a:r>
-            <a:fld id="{B2782DEB-472A-4FE5-AC34-C17109CF5A91}" type="slidenum">
-              <a:rPr lang="en-US" altLang="ja-JP" smtClean="0"/>
-              <a:pPr>
-                <a:defRPr/>
-              </a:pPr>
-              <a:t>8</a:t>
-            </a:fld>
-            <a:r>
-              <a:rPr lang="en-US" altLang="ja-JP"/>
-              <a:t> / 25</a:t>
-            </a:r>
-          </a:p>
-        </p:txBody>
-      </p:sp>
-      <p:sp>
-        <p:nvSpPr>
           <p:cNvPr id="4" name="タイトル 3">
             <a:extLst>
               <a:ext uri="{FF2B5EF4-FFF2-40B4-BE49-F238E27FC236}">
@@ -11078,519 +17496,6 @@
     <p:extLst>
       <p:ext uri="{BB962C8B-B14F-4D97-AF65-F5344CB8AC3E}">
         <p14:creationId xmlns:p14="http://schemas.microsoft.com/office/powerpoint/2010/main" val="1024539694"/>
-      </p:ext>
-    </p:extLst>
-  </p:cSld>
-  <p:clrMapOvr>
-    <a:masterClrMapping/>
-  </p:clrMapOvr>
-</p:sld>
-</file>
-
-<file path=ppt/slides/slide9.xml><?xml version="1.0" encoding="utf-8"?>
-<p:sld xmlns:a="http://schemas.openxmlformats.org/drawingml/2006/main" xmlns:r="http://schemas.openxmlformats.org/officeDocument/2006/relationships" xmlns:p="http://schemas.openxmlformats.org/presentationml/2006/main">
-  <p:cSld>
-    <p:spTree>
-      <p:nvGrpSpPr>
-        <p:cNvPr id="1" name=""/>
-        <p:cNvGrpSpPr/>
-        <p:nvPr/>
-      </p:nvGrpSpPr>
-      <p:grpSpPr>
-        <a:xfrm>
-          <a:off x="0" y="0"/>
-          <a:ext cx="0" cy="0"/>
-          <a:chOff x="0" y="0"/>
-          <a:chExt cx="0" cy="0"/>
-        </a:xfrm>
-      </p:grpSpPr>
-      <mc:AlternateContent xmlns:mc="http://schemas.openxmlformats.org/markup-compatibility/2006">
-        <mc:Choice xmlns:a14="http://schemas.microsoft.com/office/drawing/2010/main" Requires="a14">
-          <p:sp>
-            <p:nvSpPr>
-              <p:cNvPr id="2" name="コンテンツ プレースホルダー 1">
-                <a:extLst>
-                  <a:ext uri="{FF2B5EF4-FFF2-40B4-BE49-F238E27FC236}">
-                    <a16:creationId xmlns:a16="http://schemas.microsoft.com/office/drawing/2014/main" id="{89673A04-5970-45B3-8F32-9EF76366D92C}"/>
-                  </a:ext>
-                </a:extLst>
-              </p:cNvPr>
-              <p:cNvSpPr>
-                <a:spLocks noGrp="1"/>
-              </p:cNvSpPr>
-              <p:nvPr>
-                <p:ph idx="1"/>
-              </p:nvPr>
-            </p:nvSpPr>
-            <p:spPr/>
-            <p:txBody>
-              <a:bodyPr/>
-              <a:lstStyle/>
-              <a:p>
-                <a:r>
-                  <a:rPr kumimoji="1" lang="ja-JP" altLang="en-US"/>
-                  <a:t>攻撃者と挑戦者アリスのゲーム</a:t>
-                </a:r>
-                <a:r>
-                  <a:rPr kumimoji="1" lang="en-US" altLang="ja-JP"/>
-                  <a:t>IND(</a:t>
-                </a:r>
-                <a:r>
-                  <a:rPr lang="en-US" altLang="ja-JP"/>
-                  <a:t>istinguishability)</a:t>
-                </a:r>
-                <a:endParaRPr kumimoji="1" lang="en-US" altLang="ja-JP"/>
-              </a:p>
-              <a:p>
-                <a:pPr lvl="1"/>
-                <a:r>
-                  <a:rPr kumimoji="1" lang="ja-JP" altLang="en-US"/>
-                  <a:t>攻撃者が</a:t>
-                </a:r>
-                <a:r>
-                  <a:rPr kumimoji="1" lang="en-US" altLang="ja-JP"/>
-                  <a:t>2</a:t>
-                </a:r>
-                <a:r>
-                  <a:rPr kumimoji="1" lang="ja-JP" altLang="en-US"/>
-                  <a:t>個の平文</a:t>
-                </a:r>
-                <a14:m>
-                  <m:oMath xmlns:m="http://schemas.openxmlformats.org/officeDocument/2006/math">
-                    <m:sSub>
-                      <m:sSubPr>
-                        <m:ctrlPr>
-                          <a:rPr kumimoji="1" lang="en-US" altLang="ja-JP" b="0" i="1" smtClean="0">
-                            <a:latin typeface="Cambria Math" panose="02040503050406030204" pitchFamily="18" charset="0"/>
-                          </a:rPr>
-                        </m:ctrlPr>
-                      </m:sSubPr>
-                      <m:e>
-                        <m:r>
-                          <a:rPr kumimoji="1" lang="en-US" altLang="ja-JP" b="0" i="1" smtClean="0">
-                            <a:latin typeface="Cambria Math" panose="02040503050406030204" pitchFamily="18" charset="0"/>
-                          </a:rPr>
-                          <m:t>𝑚</m:t>
-                        </m:r>
-                      </m:e>
-                      <m:sub>
-                        <m:r>
-                          <a:rPr kumimoji="1" lang="en-US" altLang="ja-JP" b="0" i="1" smtClean="0">
-                            <a:latin typeface="Cambria Math" panose="02040503050406030204" pitchFamily="18" charset="0"/>
-                          </a:rPr>
-                          <m:t>1</m:t>
-                        </m:r>
-                      </m:sub>
-                    </m:sSub>
-                    <m:r>
-                      <a:rPr kumimoji="1" lang="en-US" altLang="ja-JP" b="0" i="1" smtClean="0">
-                        <a:latin typeface="Cambria Math" panose="02040503050406030204" pitchFamily="18" charset="0"/>
-                      </a:rPr>
-                      <m:t>,</m:t>
-                    </m:r>
-                    <m:sSub>
-                      <m:sSubPr>
-                        <m:ctrlPr>
-                          <a:rPr kumimoji="1" lang="en-US" altLang="ja-JP" b="0" i="1" smtClean="0">
-                            <a:latin typeface="Cambria Math" panose="02040503050406030204" pitchFamily="18" charset="0"/>
-                          </a:rPr>
-                        </m:ctrlPr>
-                      </m:sSubPr>
-                      <m:e>
-                        <m:r>
-                          <a:rPr kumimoji="1" lang="en-US" altLang="ja-JP" b="0" i="1" smtClean="0">
-                            <a:latin typeface="Cambria Math" panose="02040503050406030204" pitchFamily="18" charset="0"/>
-                          </a:rPr>
-                          <m:t>𝑚</m:t>
-                        </m:r>
-                      </m:e>
-                      <m:sub>
-                        <m:r>
-                          <a:rPr kumimoji="1" lang="en-US" altLang="ja-JP" b="0" i="1" smtClean="0">
-                            <a:latin typeface="Cambria Math" panose="02040503050406030204" pitchFamily="18" charset="0"/>
-                          </a:rPr>
-                          <m:t>2</m:t>
-                        </m:r>
-                      </m:sub>
-                    </m:sSub>
-                  </m:oMath>
-                </a14:m>
-                <a:r>
-                  <a:rPr kumimoji="1" lang="ja-JP" altLang="en-US"/>
-                  <a:t>を選びアリスに渡す</a:t>
-                </a:r>
-                <a:endParaRPr kumimoji="1" lang="en-US" altLang="ja-JP"/>
-              </a:p>
-              <a:p>
-                <a:pPr lvl="1"/>
-                <a:r>
-                  <a:rPr kumimoji="1" lang="ja-JP" altLang="en-US"/>
-                  <a:t>アリスはどちらかの平文を選び、その暗号文</a:t>
-                </a:r>
-                <a14:m>
-                  <m:oMath xmlns:m="http://schemas.openxmlformats.org/officeDocument/2006/math">
-                    <m:r>
-                      <a:rPr kumimoji="1" lang="en-US" altLang="ja-JP" b="0" i="1" smtClean="0">
-                        <a:latin typeface="Cambria Math" panose="02040503050406030204" pitchFamily="18" charset="0"/>
-                      </a:rPr>
-                      <m:t>𝑐</m:t>
-                    </m:r>
-                  </m:oMath>
-                </a14:m>
-                <a:r>
-                  <a:rPr kumimoji="1" lang="ja-JP" altLang="en-US"/>
-                  <a:t>を攻撃者に渡す</a:t>
-                </a:r>
-                <a:endParaRPr kumimoji="1" lang="en-US" altLang="ja-JP"/>
-              </a:p>
-              <a:p>
-                <a:pPr lvl="1"/>
-                <a:r>
-                  <a:rPr kumimoji="1" lang="ja-JP" altLang="en-US"/>
-                  <a:t>攻撃者は暗号文</a:t>
-                </a:r>
-                <a14:m>
-                  <m:oMath xmlns:m="http://schemas.openxmlformats.org/officeDocument/2006/math">
-                    <m:r>
-                      <a:rPr kumimoji="1" lang="en-US" altLang="ja-JP" b="0" i="1" smtClean="0">
-                        <a:latin typeface="Cambria Math" panose="02040503050406030204" pitchFamily="18" charset="0"/>
-                      </a:rPr>
-                      <m:t>𝑐</m:t>
-                    </m:r>
-                  </m:oMath>
-                </a14:m>
-                <a:r>
-                  <a:rPr kumimoji="1" lang="ja-JP" altLang="en-US"/>
-                  <a:t>がどちらの平文を暗号化したものか当てる</a:t>
-                </a:r>
-                <a:endParaRPr kumimoji="1" lang="en-US" altLang="ja-JP"/>
-              </a:p>
-              <a:p>
-                <a:pPr lvl="2"/>
-                <a:r>
-                  <a:rPr kumimoji="1" lang="ja-JP" altLang="en-US"/>
-                  <a:t>当てたら攻撃者の勝ち（攻撃成功）</a:t>
-                </a:r>
-                <a:endParaRPr kumimoji="1" lang="en-US" altLang="ja-JP"/>
-              </a:p>
-              <a:p>
-                <a:pPr lvl="2"/>
-                <a:r>
-                  <a:rPr kumimoji="1" lang="ja-JP" altLang="en-US"/>
-                  <a:t>攻撃者に非常に有利なゲーム</a:t>
-                </a:r>
-                <a:endParaRPr kumimoji="1" lang="en-US" altLang="ja-JP"/>
-              </a:p>
-              <a:p>
-                <a:endParaRPr kumimoji="1" lang="en-US" altLang="ja-JP"/>
-              </a:p>
-              <a:p>
-                <a:r>
-                  <a:rPr kumimoji="1" lang="ja-JP" altLang="en-US"/>
-                  <a:t>攻撃の種類</a:t>
-                </a:r>
-                <a:endParaRPr kumimoji="1" lang="en-US" altLang="ja-JP"/>
-              </a:p>
-              <a:p>
-                <a:r>
-                  <a:rPr kumimoji="1" lang="ja-JP" altLang="en-US"/>
-                  <a:t>選択平文攻撃</a:t>
-                </a:r>
-                <a:r>
-                  <a:rPr kumimoji="1" lang="en-US" altLang="ja-JP"/>
-                  <a:t>CPA</a:t>
-                </a:r>
-              </a:p>
-              <a:p>
-                <a:pPr lvl="1"/>
-                <a:r>
-                  <a:rPr kumimoji="1" lang="ja-JP" altLang="en-US"/>
-                  <a:t>自分が選んだ平文の暗号文を取得できる</a:t>
-                </a:r>
-                <a:r>
-                  <a:rPr kumimoji="1" lang="en-US" altLang="ja-JP"/>
-                  <a:t>(PKE</a:t>
-                </a:r>
-                <a:r>
-                  <a:rPr kumimoji="1" lang="ja-JP" altLang="en-US"/>
-                  <a:t>はいつでも可能</a:t>
-                </a:r>
-                <a:r>
-                  <a:rPr kumimoji="1" lang="en-US" altLang="ja-JP"/>
-                  <a:t>)</a:t>
-                </a:r>
-              </a:p>
-              <a:p>
-                <a:r>
-                  <a:rPr kumimoji="1" lang="ja-JP" altLang="en-US"/>
-                  <a:t>選択暗号文攻撃</a:t>
-                </a:r>
-                <a:r>
-                  <a:rPr kumimoji="1" lang="en-US" altLang="ja-JP"/>
-                  <a:t>CCA(</a:t>
-                </a:r>
-                <a:r>
-                  <a:rPr lang="en-US" altLang="ja-JP"/>
-                  <a:t>Chosen Ciphertext Attack</a:t>
-                </a:r>
-                <a:r>
-                  <a:rPr kumimoji="1" lang="en-US" altLang="ja-JP"/>
-                  <a:t>)</a:t>
-                </a:r>
-              </a:p>
-              <a:p>
-                <a:pPr lvl="1"/>
-                <a:r>
-                  <a:rPr kumimoji="1" lang="ja-JP" altLang="en-US"/>
-                  <a:t>自分が選んだ暗号文</a:t>
-                </a:r>
-                <a:r>
-                  <a:rPr kumimoji="1" lang="en-US" altLang="ja-JP"/>
-                  <a:t>(</a:t>
-                </a:r>
-                <a14:m>
-                  <m:oMath xmlns:m="http://schemas.openxmlformats.org/officeDocument/2006/math">
-                    <m:r>
-                      <a:rPr kumimoji="1" lang="en-US" altLang="ja-JP" b="0" i="1" smtClean="0">
-                        <a:latin typeface="Cambria Math" panose="02040503050406030204" pitchFamily="18" charset="0"/>
-                      </a:rPr>
-                      <m:t>≠</m:t>
-                    </m:r>
-                  </m:oMath>
-                </a14:m>
-                <a:r>
-                  <a:rPr kumimoji="1" lang="ja-JP" altLang="en-US"/>
-                  <a:t>ターゲット暗号文</a:t>
-                </a:r>
-                <a:r>
-                  <a:rPr kumimoji="1" lang="en-US" altLang="ja-JP"/>
-                  <a:t>)</a:t>
-                </a:r>
-                <a:r>
-                  <a:rPr kumimoji="1" lang="ja-JP" altLang="en-US"/>
-                  <a:t>の平文を取得できる</a:t>
-                </a:r>
-                <a:endParaRPr kumimoji="1" lang="en-US" altLang="ja-JP"/>
-              </a:p>
-              <a:p>
-                <a:pPr lvl="2"/>
-                <a:endParaRPr kumimoji="1" lang="ja-JP" altLang="en-US"/>
-              </a:p>
-            </p:txBody>
-          </p:sp>
-        </mc:Choice>
-        <mc:Fallback>
-          <p:sp>
-            <p:nvSpPr>
-              <p:cNvPr id="2" name="コンテンツ プレースホルダー 1">
-                <a:extLst>
-                  <a:ext uri="{FF2B5EF4-FFF2-40B4-BE49-F238E27FC236}">
-                    <a16:creationId xmlns:a16="http://schemas.microsoft.com/office/drawing/2014/main" id="{89673A04-5970-45B3-8F32-9EF76366D92C}"/>
-                  </a:ext>
-                </a:extLst>
-              </p:cNvPr>
-              <p:cNvSpPr>
-                <a:spLocks noGrp="1" noRot="1" noChangeAspect="1" noMove="1" noResize="1" noEditPoints="1" noAdjustHandles="1" noChangeArrowheads="1" noChangeShapeType="1" noTextEdit="1"/>
-              </p:cNvSpPr>
-              <p:nvPr>
-                <p:ph idx="1"/>
-              </p:nvPr>
-            </p:nvSpPr>
-            <p:spPr>
-              <a:blipFill>
-                <a:blip r:embed="rId2"/>
-                <a:stretch>
-                  <a:fillRect l="-1200" t="-1454" r="-200" b="-4361"/>
-                </a:stretch>
-              </a:blipFill>
-            </p:spPr>
-            <p:txBody>
-              <a:bodyPr/>
-              <a:lstStyle/>
-              <a:p>
-                <a:r>
-                  <a:rPr lang="ja-JP" altLang="en-US">
-                    <a:noFill/>
-                  </a:rPr>
-                  <a:t> </a:t>
-                </a:r>
-              </a:p>
-            </p:txBody>
-          </p:sp>
-        </mc:Fallback>
-      </mc:AlternateContent>
-      <p:sp>
-        <p:nvSpPr>
-          <p:cNvPr id="3" name="スライド番号プレースホルダー 2">
-            <a:extLst>
-              <a:ext uri="{FF2B5EF4-FFF2-40B4-BE49-F238E27FC236}">
-                <a16:creationId xmlns:a16="http://schemas.microsoft.com/office/drawing/2014/main" id="{E87F167A-72A1-44A3-8EF5-5B56DEF2454A}"/>
-              </a:ext>
-            </a:extLst>
-          </p:cNvPr>
-          <p:cNvSpPr>
-            <a:spLocks noGrp="1"/>
-          </p:cNvSpPr>
-          <p:nvPr>
-            <p:ph type="sldNum" sz="quarter" idx="12"/>
-          </p:nvPr>
-        </p:nvSpPr>
-        <p:spPr/>
-        <p:txBody>
-          <a:bodyPr/>
-          <a:lstStyle/>
-          <a:p>
-            <a:pPr>
-              <a:defRPr/>
-            </a:pPr>
-            <a:r>
-              <a:rPr lang="en-US" altLang="ja-JP"/>
-              <a:t>    </a:t>
-            </a:r>
-            <a:fld id="{B2782DEB-472A-4FE5-AC34-C17109CF5A91}" type="slidenum">
-              <a:rPr lang="en-US" altLang="ja-JP" smtClean="0"/>
-              <a:pPr>
-                <a:defRPr/>
-              </a:pPr>
-              <a:t>9</a:t>
-            </a:fld>
-            <a:r>
-              <a:rPr lang="en-US" altLang="ja-JP"/>
-              <a:t> / 24</a:t>
-            </a:r>
-          </a:p>
-        </p:txBody>
-      </p:sp>
-      <p:sp>
-        <p:nvSpPr>
-          <p:cNvPr id="4" name="タイトル 3">
-            <a:extLst>
-              <a:ext uri="{FF2B5EF4-FFF2-40B4-BE49-F238E27FC236}">
-                <a16:creationId xmlns:a16="http://schemas.microsoft.com/office/drawing/2014/main" id="{7820C120-FDE3-491F-B7D7-0D531084CD26}"/>
-              </a:ext>
-            </a:extLst>
-          </p:cNvPr>
-          <p:cNvSpPr>
-            <a:spLocks noGrp="1"/>
-          </p:cNvSpPr>
-          <p:nvPr>
-            <p:ph type="title"/>
-          </p:nvPr>
-        </p:nvSpPr>
-        <p:spPr/>
-        <p:txBody>
-          <a:bodyPr/>
-          <a:lstStyle/>
-          <a:p>
-            <a:r>
-              <a:rPr kumimoji="1" lang="ja-JP" altLang="en-US"/>
-              <a:t>公開鍵暗号</a:t>
-            </a:r>
-            <a:r>
-              <a:rPr lang="en-US" altLang="ja-JP"/>
-              <a:t>PKE</a:t>
-            </a:r>
-            <a:r>
-              <a:rPr kumimoji="1" lang="ja-JP" altLang="en-US"/>
-              <a:t>に求められる安全性要件</a:t>
-            </a:r>
-          </a:p>
-        </p:txBody>
-      </p:sp>
-      <p:pic>
-        <p:nvPicPr>
-          <p:cNvPr id="8" name="図 7">
-            <a:extLst>
-              <a:ext uri="{FF2B5EF4-FFF2-40B4-BE49-F238E27FC236}">
-                <a16:creationId xmlns:a16="http://schemas.microsoft.com/office/drawing/2014/main" id="{ADC35459-1D47-4969-91FF-4638E68ABB90}"/>
-              </a:ext>
-            </a:extLst>
-          </p:cNvPr>
-          <p:cNvPicPr>
-            <a:picLocks noChangeAspect="1"/>
-          </p:cNvPicPr>
-          <p:nvPr/>
-        </p:nvPicPr>
-        <p:blipFill>
-          <a:blip r:embed="rId3"/>
-          <a:stretch>
-            <a:fillRect/>
-          </a:stretch>
-        </p:blipFill>
-        <p:spPr>
-          <a:xfrm>
-            <a:off x="3312368" y="3373765"/>
-            <a:ext cx="5652120" cy="840572"/>
-          </a:xfrm>
-          <a:prstGeom prst="rect">
-            <a:avLst/>
-          </a:prstGeom>
-        </p:spPr>
-      </p:pic>
-      <p:pic>
-        <p:nvPicPr>
-          <p:cNvPr id="10" name="図 9">
-            <a:extLst>
-              <a:ext uri="{FF2B5EF4-FFF2-40B4-BE49-F238E27FC236}">
-                <a16:creationId xmlns:a16="http://schemas.microsoft.com/office/drawing/2014/main" id="{58360B0A-9703-45D7-AF2D-1E09094AC1BE}"/>
-              </a:ext>
-            </a:extLst>
-          </p:cNvPr>
-          <p:cNvPicPr>
-            <a:picLocks noChangeAspect="1"/>
-          </p:cNvPicPr>
-          <p:nvPr/>
-        </p:nvPicPr>
-        <p:blipFill>
-          <a:blip r:embed="rId4"/>
-          <a:stretch>
-            <a:fillRect/>
-          </a:stretch>
-        </p:blipFill>
-        <p:spPr>
-          <a:xfrm>
-            <a:off x="7200800" y="2581677"/>
-            <a:ext cx="1368152" cy="1062036"/>
-          </a:xfrm>
-          <a:prstGeom prst="rect">
-            <a:avLst/>
-          </a:prstGeom>
-        </p:spPr>
-      </p:pic>
-      <p:pic>
-        <p:nvPicPr>
-          <p:cNvPr id="12" name="図 11">
-            <a:extLst>
-              <a:ext uri="{FF2B5EF4-FFF2-40B4-BE49-F238E27FC236}">
-                <a16:creationId xmlns:a16="http://schemas.microsoft.com/office/drawing/2014/main" id="{56093717-79D2-460F-B84C-51F4395A40B7}"/>
-              </a:ext>
-            </a:extLst>
-          </p:cNvPr>
-          <p:cNvPicPr>
-            <a:picLocks noChangeAspect="1"/>
-          </p:cNvPicPr>
-          <p:nvPr/>
-        </p:nvPicPr>
-        <p:blipFill>
-          <a:blip r:embed="rId5"/>
-          <a:stretch>
-            <a:fillRect/>
-          </a:stretch>
-        </p:blipFill>
-        <p:spPr>
-          <a:xfrm>
-            <a:off x="3672409" y="4489263"/>
-            <a:ext cx="3528392" cy="523913"/>
-          </a:xfrm>
-          <a:prstGeom prst="rect">
-            <a:avLst/>
-          </a:prstGeom>
-        </p:spPr>
-      </p:pic>
-    </p:spTree>
-    <p:extLst>
-      <p:ext uri="{BB962C8B-B14F-4D97-AF65-F5344CB8AC3E}">
-        <p14:creationId xmlns:p14="http://schemas.microsoft.com/office/powerpoint/2010/main" val="2087405924"/>
       </p:ext>
     </p:extLst>
   </p:cSld>

--- a/lec/anninbon13.pptx
+++ b/lec/anninbon13.pptx
@@ -3425,7 +3425,7 @@
                       <a:rPr kumimoji="1" lang="en-US" altLang="ja-JP" b="0" i="1" smtClean="0">
                         <a:latin typeface="Cambria Math" panose="02040503050406030204" pitchFamily="18" charset="0"/>
                       </a:rPr>
-                      <m:t>𝑚</m:t>
+                      <m:t>𝑚𝑃</m:t>
                     </m:r>
                     <m:r>
                       <a:rPr kumimoji="1" lang="en-US" altLang="ja-JP" b="0" i="1" smtClean="0">
@@ -3485,7 +3485,7 @@
                       <a:rPr kumimoji="1" lang="en-US" altLang="ja-JP" b="0" i="1" smtClean="0">
                         <a:latin typeface="Cambria Math" panose="02040503050406030204" pitchFamily="18" charset="0"/>
                       </a:rPr>
-                      <m:t>𝑚</m:t>
+                      <m:t>𝑚𝑃</m:t>
                     </m:r>
                     <m:r>
                       <a:rPr kumimoji="1" lang="en-US" altLang="ja-JP" b="0" i="1" smtClean="0">
@@ -3909,8 +3909,8 @@
           <a:chExt cx="0" cy="0"/>
         </a:xfrm>
       </p:grpSpPr>
-      <mc:AlternateContent xmlns:mc="http://schemas.openxmlformats.org/markup-compatibility/2006" xmlns:a14="http://schemas.microsoft.com/office/drawing/2010/main">
-        <mc:Choice Requires="a14">
+      <mc:AlternateContent xmlns:mc="http://schemas.openxmlformats.org/markup-compatibility/2006">
+        <mc:Choice xmlns:a14="http://schemas.microsoft.com/office/drawing/2010/main" Requires="a14">
           <p:sp>
             <p:nvSpPr>
               <p:cNvPr id="2" name="コンテンツ プレースホルダー 1">
@@ -4017,10 +4017,6 @@
                 <a:endParaRPr lang="en-US" altLang="ja-JP"/>
               </a:p>
               <a:p>
-                <a:pPr lvl="1"/>
-                <a:endParaRPr lang="en-US" altLang="ja-JP"/>
-              </a:p>
-              <a:p>
                 <a:r>
                   <a:rPr lang="ja-JP" altLang="en-US"/>
                   <a:t>要件</a:t>
@@ -4177,6 +4173,113 @@
                 <a:r>
                   <a:rPr kumimoji="1" lang="ja-JP" altLang="en-US"/>
                   <a:t>を確認したい</a:t>
+                </a:r>
+                <a:endParaRPr kumimoji="1" lang="en-US" altLang="ja-JP"/>
+              </a:p>
+              <a:p>
+                <a:pPr lvl="1"/>
+                <a14:m>
+                  <m:oMath xmlns:m="http://schemas.openxmlformats.org/officeDocument/2006/math">
+                    <m:r>
+                      <a:rPr kumimoji="1" lang="en-US" altLang="ja-JP" b="0" i="1" smtClean="0">
+                        <a:latin typeface="Cambria Math" panose="02040503050406030204" pitchFamily="18" charset="0"/>
+                      </a:rPr>
+                      <m:t>𝐷𝑒𝑐</m:t>
+                    </m:r>
+                    <m:d>
+                      <m:dPr>
+                        <m:ctrlPr>
+                          <a:rPr kumimoji="1" lang="en-US" altLang="ja-JP" b="0" i="1" smtClean="0">
+                            <a:latin typeface="Cambria Math" panose="02040503050406030204" pitchFamily="18" charset="0"/>
+                          </a:rPr>
+                        </m:ctrlPr>
+                      </m:dPr>
+                      <m:e>
+                        <m:r>
+                          <a:rPr kumimoji="1" lang="en-US" altLang="ja-JP" b="0" i="1" smtClean="0">
+                            <a:latin typeface="Cambria Math" panose="02040503050406030204" pitchFamily="18" charset="0"/>
+                          </a:rPr>
+                          <m:t>𝑐</m:t>
+                        </m:r>
+                        <m:r>
+                          <a:rPr kumimoji="1" lang="en-US" altLang="ja-JP" b="0" i="1" smtClean="0">
+                            <a:latin typeface="Cambria Math" panose="02040503050406030204" pitchFamily="18" charset="0"/>
+                          </a:rPr>
+                          <m:t>−</m:t>
+                        </m:r>
+                        <m:r>
+                          <a:rPr kumimoji="1" lang="en-US" altLang="ja-JP" b="0" i="1" smtClean="0">
+                            <a:latin typeface="Cambria Math" panose="02040503050406030204" pitchFamily="18" charset="0"/>
+                          </a:rPr>
+                          <m:t>𝐸𝑛𝑐</m:t>
+                        </m:r>
+                        <m:d>
+                          <m:dPr>
+                            <m:ctrlPr>
+                              <a:rPr kumimoji="1" lang="en-US" altLang="ja-JP" b="0" i="1" smtClean="0">
+                                <a:latin typeface="Cambria Math" panose="02040503050406030204" pitchFamily="18" charset="0"/>
+                              </a:rPr>
+                            </m:ctrlPr>
+                          </m:dPr>
+                          <m:e>
+                            <m:r>
+                              <a:rPr kumimoji="1" lang="en-US" altLang="ja-JP" b="0" i="1" smtClean="0">
+                                <a:latin typeface="Cambria Math" panose="02040503050406030204" pitchFamily="18" charset="0"/>
+                              </a:rPr>
+                              <m:t>𝑚</m:t>
+                            </m:r>
+                          </m:e>
+                        </m:d>
+                      </m:e>
+                    </m:d>
+                    <m:r>
+                      <a:rPr kumimoji="1" lang="en-US" altLang="ja-JP" b="0" i="1" smtClean="0">
+                        <a:latin typeface="Cambria Math" panose="02040503050406030204" pitchFamily="18" charset="0"/>
+                      </a:rPr>
+                      <m:t>=0</m:t>
+                    </m:r>
+                  </m:oMath>
+                </a14:m>
+                <a:r>
+                  <a:rPr kumimoji="1" lang="ja-JP" altLang="en-US"/>
+                  <a:t>だから</a:t>
+                </a:r>
+                <a14:m>
+                  <m:oMath xmlns:m="http://schemas.openxmlformats.org/officeDocument/2006/math">
+                    <m:r>
+                      <a:rPr kumimoji="1" lang="en-US" altLang="ja-JP" b="0" i="1" smtClean="0">
+                        <a:latin typeface="Cambria Math" panose="02040503050406030204" pitchFamily="18" charset="0"/>
+                      </a:rPr>
+                      <m:t>𝐷𝑒𝑐</m:t>
+                    </m:r>
+                    <m:d>
+                      <m:dPr>
+                        <m:ctrlPr>
+                          <a:rPr kumimoji="1" lang="en-US" altLang="ja-JP" b="0" i="1" smtClean="0">
+                            <a:latin typeface="Cambria Math" panose="02040503050406030204" pitchFamily="18" charset="0"/>
+                          </a:rPr>
+                        </m:ctrlPr>
+                      </m:dPr>
+                      <m:e>
+                        <m:r>
+                          <a:rPr kumimoji="1" lang="en-US" altLang="ja-JP" b="0" i="1" smtClean="0">
+                            <a:latin typeface="Cambria Math" panose="02040503050406030204" pitchFamily="18" charset="0"/>
+                          </a:rPr>
+                          <m:t>𝑐</m:t>
+                        </m:r>
+                      </m:e>
+                    </m:d>
+                    <m:r>
+                      <a:rPr kumimoji="1" lang="en-US" altLang="ja-JP" b="0" i="1" smtClean="0">
+                        <a:latin typeface="Cambria Math" panose="02040503050406030204" pitchFamily="18" charset="0"/>
+                      </a:rPr>
+                      <m:t>=0</m:t>
+                    </m:r>
+                  </m:oMath>
+                </a14:m>
+                <a:r>
+                  <a:rPr kumimoji="1" lang="ja-JP" altLang="en-US"/>
+                  <a:t>だけ分かれば十分</a:t>
                 </a:r>
                 <a:endParaRPr kumimoji="1" lang="en-US" altLang="ja-JP"/>
               </a:p>
@@ -4189,7 +4292,7 @@
             </p:txBody>
           </p:sp>
         </mc:Choice>
-        <mc:Fallback xmlns="">
+        <mc:Fallback>
           <p:sp>
             <p:nvSpPr>
               <p:cNvPr id="2" name="コンテンツ プレースホルダー 1">
@@ -4210,7 +4313,7 @@
               <a:blipFill>
                 <a:blip r:embed="rId2"/>
                 <a:stretch>
-                  <a:fillRect l="-1200" t="-1038" b="-2181"/>
+                  <a:fillRect l="-1200" t="-1038" b="-2908"/>
                 </a:stretch>
               </a:blipFill>
             </p:spPr>
@@ -4290,8 +4393,8 @@
         </p:blipFill>
         <p:spPr>
           <a:xfrm>
-            <a:off x="3203847" y="1844824"/>
-            <a:ext cx="5661563" cy="2880320"/>
+            <a:off x="3419872" y="1700808"/>
+            <a:ext cx="5445538" cy="2770417"/>
           </a:xfrm>
           <a:prstGeom prst="rect">
             <a:avLst/>
@@ -6403,8 +6506,8 @@
           <a:chExt cx="0" cy="0"/>
         </a:xfrm>
       </p:grpSpPr>
-      <mc:AlternateContent xmlns:mc="http://schemas.openxmlformats.org/markup-compatibility/2006" xmlns:a14="http://schemas.microsoft.com/office/drawing/2010/main">
-        <mc:Choice Requires="a14">
+      <mc:AlternateContent xmlns:mc="http://schemas.openxmlformats.org/markup-compatibility/2006">
+        <mc:Choice xmlns:a14="http://schemas.microsoft.com/office/drawing/2010/main" Requires="a14">
           <p:sp>
             <p:nvSpPr>
               <p:cNvPr id="2" name="コンテンツ プレースホルダー 1">
@@ -6428,7 +6531,7 @@
               <a:p>
                 <a:r>
                   <a:rPr kumimoji="1" lang="ja-JP" altLang="en-US"/>
-                  <a:t>公開情報</a:t>
+                  <a:t>公開鍵</a:t>
                 </a:r>
                 <a14:m>
                   <m:oMath xmlns:m="http://schemas.openxmlformats.org/officeDocument/2006/math">
@@ -6516,7 +6619,48 @@
                       <a:rPr kumimoji="1" lang="en-US" altLang="ja-JP" b="0" i="1" smtClean="0">
                         <a:latin typeface="Cambria Math" panose="02040503050406030204" pitchFamily="18" charset="0"/>
                       </a:rPr>
-                      <m:t>= (</m:t>
+                      <m:t>=</m:t>
+                    </m:r>
+                    <m:d>
+                      <m:dPr>
+                        <m:ctrlPr>
+                          <a:rPr kumimoji="1" lang="en-US" altLang="ja-JP" b="0" i="1" smtClean="0">
+                            <a:latin typeface="Cambria Math" panose="02040503050406030204" pitchFamily="18" charset="0"/>
+                          </a:rPr>
+                        </m:ctrlPr>
+                      </m:dPr>
+                      <m:e>
+                        <m:r>
+                          <a:rPr kumimoji="1" lang="en-US" altLang="ja-JP" b="0" i="1" smtClean="0">
+                            <a:latin typeface="Cambria Math" panose="02040503050406030204" pitchFamily="18" charset="0"/>
+                          </a:rPr>
+                          <m:t>𝑆</m:t>
+                        </m:r>
+                        <m:r>
+                          <a:rPr kumimoji="1" lang="en-US" altLang="ja-JP" b="0" i="1" smtClean="0">
+                            <a:latin typeface="Cambria Math" panose="02040503050406030204" pitchFamily="18" charset="0"/>
+                          </a:rPr>
+                          <m:t>,</m:t>
+                        </m:r>
+                        <m:r>
+                          <a:rPr kumimoji="1" lang="en-US" altLang="ja-JP" b="0" i="1" smtClean="0">
+                            <a:latin typeface="Cambria Math" panose="02040503050406030204" pitchFamily="18" charset="0"/>
+                          </a:rPr>
+                          <m:t>𝑇</m:t>
+                        </m:r>
+                      </m:e>
+                    </m:d>
+                    <m:r>
+                      <a:rPr kumimoji="1" lang="en-US" altLang="ja-JP" b="0" i="1" smtClean="0">
+                        <a:latin typeface="Cambria Math" panose="02040503050406030204" pitchFamily="18" charset="0"/>
+                      </a:rPr>
+                      <m:t>=</m:t>
+                    </m:r>
+                    <m:r>
+                      <a:rPr kumimoji="1" lang="en-US" altLang="ja-JP" b="0" i="1" smtClean="0">
+                        <a:latin typeface="Cambria Math" panose="02040503050406030204" pitchFamily="18" charset="0"/>
+                      </a:rPr>
+                      <m:t>(</m:t>
                     </m:r>
                     <m:r>
                       <a:rPr kumimoji="1" lang="en-US" altLang="ja-JP" b="0" i="1" smtClean="0">
@@ -6530,11 +6674,36 @@
                       </a:rPr>
                       <m:t>,</m:t>
                     </m:r>
-                    <m:r>
-                      <a:rPr kumimoji="1" lang="en-US" altLang="ja-JP" b="0" i="1" smtClean="0">
-                        <a:latin typeface="Cambria Math" panose="02040503050406030204" pitchFamily="18" charset="0"/>
-                      </a:rPr>
-                      <m:t>𝑟𝑃</m:t>
+                    <m:sSup>
+                      <m:sSupPr>
+                        <m:ctrlPr>
+                          <a:rPr kumimoji="1" lang="en-US" altLang="ja-JP" b="0" i="1" smtClean="0">
+                            <a:latin typeface="Cambria Math" panose="02040503050406030204" pitchFamily="18" charset="0"/>
+                          </a:rPr>
+                        </m:ctrlPr>
+                      </m:sSupPr>
+                      <m:e>
+                        <m:r>
+                          <a:rPr kumimoji="1" lang="en-US" altLang="ja-JP" b="0" i="1" smtClean="0">
+                            <a:latin typeface="Cambria Math" panose="02040503050406030204" pitchFamily="18" charset="0"/>
+                          </a:rPr>
+                          <m:t>𝑟</m:t>
+                        </m:r>
+                      </m:e>
+                      <m:sup>
+                        <m:r>
+                          <a:rPr kumimoji="1" lang="en-US" altLang="ja-JP" b="0" i="1" smtClean="0">
+                            <a:latin typeface="Cambria Math" panose="02040503050406030204" pitchFamily="18" charset="0"/>
+                          </a:rPr>
+                          <m:t>′</m:t>
+                        </m:r>
+                      </m:sup>
+                    </m:sSup>
+                    <m:r>
+                      <a:rPr kumimoji="1" lang="en-US" altLang="ja-JP" b="0" i="1" smtClean="0">
+                        <a:latin typeface="Cambria Math" panose="02040503050406030204" pitchFamily="18" charset="0"/>
+                      </a:rPr>
+                      <m:t>𝑃</m:t>
                     </m:r>
                     <m:r>
                       <a:rPr kumimoji="1" lang="en-US" altLang="ja-JP" b="0" i="1" smtClean="0">
@@ -6547,6 +6716,164 @@
                 <a:endParaRPr kumimoji="1" lang="en-US" altLang="ja-JP"/>
               </a:p>
               <a:p>
+                <a:pPr lvl="1"/>
+                <a14:m>
+                  <m:oMath xmlns:m="http://schemas.openxmlformats.org/officeDocument/2006/math">
+                    <m:r>
+                      <a:rPr kumimoji="1" lang="en-US" altLang="ja-JP" b="0" i="1" smtClean="0">
+                        <a:latin typeface="Cambria Math" panose="02040503050406030204" pitchFamily="18" charset="0"/>
+                      </a:rPr>
+                      <m:t>𝐷𝑒𝑐</m:t>
+                    </m:r>
+                    <m:d>
+                      <m:dPr>
+                        <m:ctrlPr>
+                          <a:rPr kumimoji="1" lang="en-US" altLang="ja-JP" b="0" i="1" smtClean="0">
+                            <a:latin typeface="Cambria Math" panose="02040503050406030204" pitchFamily="18" charset="0"/>
+                          </a:rPr>
+                        </m:ctrlPr>
+                      </m:dPr>
+                      <m:e>
+                        <m:r>
+                          <a:rPr kumimoji="1" lang="en-US" altLang="ja-JP" b="0" i="1" smtClean="0">
+                            <a:latin typeface="Cambria Math" panose="02040503050406030204" pitchFamily="18" charset="0"/>
+                          </a:rPr>
+                          <m:t>𝐶</m:t>
+                        </m:r>
+                      </m:e>
+                    </m:d>
+                    <m:r>
+                      <a:rPr kumimoji="1" lang="en-US" altLang="ja-JP" b="0" i="1" smtClean="0">
+                        <a:latin typeface="Cambria Math" panose="02040503050406030204" pitchFamily="18" charset="0"/>
+                      </a:rPr>
+                      <m:t>=0</m:t>
+                    </m:r>
+                  </m:oMath>
+                </a14:m>
+                <a:r>
+                  <a:rPr kumimoji="1" lang="ja-JP" altLang="en-US"/>
+                  <a:t>であるためには</a:t>
+                </a:r>
+                <a14:m>
+                  <m:oMath xmlns:m="http://schemas.openxmlformats.org/officeDocument/2006/math">
+                    <m:r>
+                      <a:rPr kumimoji="1" lang="en-US" altLang="ja-JP" b="0" i="1" smtClean="0">
+                        <a:latin typeface="Cambria Math" panose="02040503050406030204" pitchFamily="18" charset="0"/>
+                      </a:rPr>
+                      <m:t>𝑟𝑄</m:t>
+                    </m:r>
+                    <m:r>
+                      <a:rPr kumimoji="1" lang="en-US" altLang="ja-JP" b="0" i="1" smtClean="0">
+                        <a:latin typeface="Cambria Math" panose="02040503050406030204" pitchFamily="18" charset="0"/>
+                      </a:rPr>
+                      <m:t>−</m:t>
+                    </m:r>
+                    <m:r>
+                      <a:rPr kumimoji="1" lang="en-US" altLang="ja-JP" b="0" i="1" smtClean="0">
+                        <a:latin typeface="Cambria Math" panose="02040503050406030204" pitchFamily="18" charset="0"/>
+                      </a:rPr>
+                      <m:t>𝑠</m:t>
+                    </m:r>
+                    <m:sSup>
+                      <m:sSupPr>
+                        <m:ctrlPr>
+                          <a:rPr kumimoji="1" lang="en-US" altLang="ja-JP" b="0" i="1" smtClean="0">
+                            <a:latin typeface="Cambria Math" panose="02040503050406030204" pitchFamily="18" charset="0"/>
+                          </a:rPr>
+                        </m:ctrlPr>
+                      </m:sSupPr>
+                      <m:e>
+                        <m:r>
+                          <a:rPr kumimoji="1" lang="en-US" altLang="ja-JP" b="0" i="1" smtClean="0">
+                            <a:latin typeface="Cambria Math" panose="02040503050406030204" pitchFamily="18" charset="0"/>
+                          </a:rPr>
+                          <m:t>𝑟</m:t>
+                        </m:r>
+                      </m:e>
+                      <m:sup>
+                        <m:r>
+                          <a:rPr kumimoji="1" lang="en-US" altLang="ja-JP" b="0" i="1" smtClean="0">
+                            <a:latin typeface="Cambria Math" panose="02040503050406030204" pitchFamily="18" charset="0"/>
+                          </a:rPr>
+                          <m:t>′</m:t>
+                        </m:r>
+                      </m:sup>
+                    </m:sSup>
+                    <m:r>
+                      <a:rPr kumimoji="1" lang="en-US" altLang="ja-JP" b="0" i="1" smtClean="0">
+                        <a:latin typeface="Cambria Math" panose="02040503050406030204" pitchFamily="18" charset="0"/>
+                      </a:rPr>
+                      <m:t>𝑃</m:t>
+                    </m:r>
+                    <m:r>
+                      <a:rPr kumimoji="1" lang="en-US" altLang="ja-JP" b="0" i="1" smtClean="0">
+                        <a:latin typeface="Cambria Math" panose="02040503050406030204" pitchFamily="18" charset="0"/>
+                      </a:rPr>
+                      <m:t>=0</m:t>
+                    </m:r>
+                  </m:oMath>
+                </a14:m>
+                <a:r>
+                  <a:rPr kumimoji="1" lang="ja-JP" altLang="en-US"/>
+                  <a:t>つまり</a:t>
+                </a:r>
+                <a14:m>
+                  <m:oMath xmlns:m="http://schemas.openxmlformats.org/officeDocument/2006/math">
+                    <m:r>
+                      <a:rPr kumimoji="1" lang="en-US" altLang="ja-JP" b="0" i="1" smtClean="0">
+                        <a:latin typeface="Cambria Math" panose="02040503050406030204" pitchFamily="18" charset="0"/>
+                      </a:rPr>
+                      <m:t>𝑟</m:t>
+                    </m:r>
+                    <m:r>
+                      <a:rPr kumimoji="1" lang="en-US" altLang="ja-JP" b="0" i="1" smtClean="0">
+                        <a:latin typeface="Cambria Math" panose="02040503050406030204" pitchFamily="18" charset="0"/>
+                      </a:rPr>
+                      <m:t>=</m:t>
+                    </m:r>
+                    <m:r>
+                      <a:rPr kumimoji="1" lang="en-US" altLang="ja-JP" b="0" i="1" smtClean="0">
+                        <a:latin typeface="Cambria Math" panose="02040503050406030204" pitchFamily="18" charset="0"/>
+                      </a:rPr>
+                      <m:t>𝑟</m:t>
+                    </m:r>
+                    <m:r>
+                      <a:rPr kumimoji="1" lang="en-US" altLang="ja-JP" b="0" i="1" smtClean="0">
+                        <a:latin typeface="Cambria Math" panose="02040503050406030204" pitchFamily="18" charset="0"/>
+                      </a:rPr>
+                      <m:t>′</m:t>
+                    </m:r>
+                  </m:oMath>
+                </a14:m>
+                <a:endParaRPr kumimoji="1" lang="en-US" altLang="ja-JP"/>
+              </a:p>
+              <a:p>
+                <a:r>
+                  <a:rPr kumimoji="1" lang="en-US" altLang="ja-JP"/>
+                  <a:t>(</a:t>
+                </a:r>
+                <a:r>
+                  <a:rPr kumimoji="1" lang="ja-JP" altLang="en-US"/>
+                  <a:t>秘密鍵</a:t>
+                </a:r>
+                <a14:m>
+                  <m:oMath xmlns:m="http://schemas.openxmlformats.org/officeDocument/2006/math">
+                    <m:r>
+                      <a:rPr kumimoji="1" lang="en-US" altLang="ja-JP" b="0" i="1" smtClean="0">
+                        <a:latin typeface="Cambria Math" panose="02040503050406030204" pitchFamily="18" charset="0"/>
+                      </a:rPr>
+                      <m:t>𝑠</m:t>
+                    </m:r>
+                  </m:oMath>
+                </a14:m>
+                <a:r>
+                  <a:rPr kumimoji="1" lang="ja-JP" altLang="en-US"/>
+                  <a:t>を持つ</a:t>
+                </a:r>
+                <a:r>
+                  <a:rPr kumimoji="1" lang="en-US" altLang="ja-JP"/>
+                  <a:t>)</a:t>
+                </a:r>
                 <a:r>
                   <a:rPr kumimoji="1" lang="ja-JP" altLang="en-US"/>
                   <a:t>証明者</a:t>
@@ -6561,43 +6888,13 @@
                       <a:rPr kumimoji="1" lang="en-US" altLang="ja-JP" b="0" i="1" smtClean="0">
                         <a:latin typeface="Cambria Math" panose="02040503050406030204" pitchFamily="18" charset="0"/>
                       </a:rPr>
-                      <m:t>𝐶</m:t>
-                    </m:r>
-                    <m:r>
-                      <a:rPr kumimoji="1" lang="en-US" altLang="ja-JP" b="0" i="1" smtClean="0">
-                        <a:latin typeface="Cambria Math" panose="02040503050406030204" pitchFamily="18" charset="0"/>
-                      </a:rPr>
-                      <m:t>=</m:t>
-                    </m:r>
-                    <m:r>
-                      <a:rPr kumimoji="1" lang="en-US" altLang="ja-JP" b="0" i="1" smtClean="0">
-                        <a:latin typeface="Cambria Math" panose="02040503050406030204" pitchFamily="18" charset="0"/>
-                      </a:rPr>
-                      <m:t>𝐸𝑛𝑐</m:t>
-                    </m:r>
-                    <m:r>
-                      <a:rPr kumimoji="1" lang="en-US" altLang="ja-JP" b="0" i="1" smtClean="0">
-                        <a:latin typeface="Cambria Math" panose="02040503050406030204" pitchFamily="18" charset="0"/>
-                      </a:rPr>
-                      <m:t>(0;</m:t>
-                    </m:r>
-                    <m:r>
-                      <a:rPr kumimoji="1" lang="en-US" altLang="ja-JP" b="0" i="1" smtClean="0">
-                        <a:latin typeface="Cambria Math" panose="02040503050406030204" pitchFamily="18" charset="0"/>
-                      </a:rPr>
                       <m:t>𝑟</m:t>
-                    </m:r>
-                    <m:r>
-                      <a:rPr kumimoji="1" lang="en-US" altLang="ja-JP" b="0" i="1" smtClean="0">
-                        <a:latin typeface="Cambria Math" panose="02040503050406030204" pitchFamily="18" charset="0"/>
-                      </a:rPr>
-                      <m:t>)</m:t>
                     </m:r>
                   </m:oMath>
                 </a14:m>
                 <a:r>
                   <a:rPr kumimoji="1" lang="ja-JP" altLang="en-US"/>
-                  <a:t>となる</a:t>
+                  <a:t>は未知だが</a:t>
                 </a:r>
                 <a14:m>
                   <m:oMath xmlns:m="http://schemas.openxmlformats.org/officeDocument/2006/math">
@@ -6607,11 +6904,29 @@
                       </a:rPr>
                       <m:t>𝑟</m:t>
                     </m:r>
+                    <m:r>
+                      <a:rPr kumimoji="1" lang="en-US" altLang="ja-JP" b="0" i="1" smtClean="0">
+                        <a:latin typeface="Cambria Math" panose="02040503050406030204" pitchFamily="18" charset="0"/>
+                      </a:rPr>
+                      <m:t>=</m:t>
+                    </m:r>
+                    <m:r>
+                      <a:rPr kumimoji="1" lang="en-US" altLang="ja-JP" b="0" i="1" smtClean="0">
+                        <a:latin typeface="Cambria Math" panose="02040503050406030204" pitchFamily="18" charset="0"/>
+                      </a:rPr>
+                      <m:t>𝑟</m:t>
+                    </m:r>
+                    <m:r>
+                      <a:rPr kumimoji="1" lang="en-US" altLang="ja-JP" b="0" i="1" smtClean="0">
+                        <a:latin typeface="Cambria Math" panose="02040503050406030204" pitchFamily="18" charset="0"/>
+                      </a:rPr>
+                      <m:t>′</m:t>
+                    </m:r>
                   </m:oMath>
                 </a14:m>
                 <a:r>
                   <a:rPr kumimoji="1" lang="ja-JP" altLang="en-US"/>
-                  <a:t>を知っている</a:t>
+                  <a:t>は分かる</a:t>
                 </a:r>
                 <a:endParaRPr kumimoji="1" lang="en-US" altLang="ja-JP"/>
               </a:p>
@@ -6665,7 +6980,7 @@
                       <a:rPr kumimoji="1" lang="en-US" altLang="ja-JP" b="0" i="1" smtClean="0">
                         <a:latin typeface="Cambria Math" panose="02040503050406030204" pitchFamily="18" charset="0"/>
                       </a:rPr>
-                      <m:t>𝑡𝑄</m:t>
+                      <m:t>𝑡𝑇</m:t>
                     </m:r>
                     <m:r>
                       <a:rPr kumimoji="1" lang="en-US" altLang="ja-JP" b="0" i="1" smtClean="0">
@@ -6771,80 +7086,95 @@
                       <a:rPr lang="en-US" altLang="ja-JP" b="0" i="1" smtClean="0">
                         <a:latin typeface="Cambria Math" panose="02040503050406030204" pitchFamily="18" charset="0"/>
                       </a:rPr>
-                      <m:t>h𝑟</m:t>
+                      <m:t>h𝑠</m:t>
                     </m:r>
                   </m:oMath>
                 </a14:m>
                 <a:r>
                   <a:rPr kumimoji="1" lang="ja-JP" altLang="en-US"/>
-                  <a:t>を送る</a:t>
+                  <a:t>を送り</a:t>
                 </a:r>
                 <a:r>
                   <a:rPr kumimoji="1" lang="en-US" altLang="ja-JP"/>
-                  <a:t>(</a:t>
+                  <a:t>V</a:t>
+                </a:r>
+                <a:r>
+                  <a:rPr lang="ja-JP" altLang="en-US"/>
+                  <a:t>は</a:t>
                 </a:r>
                 <a14:m>
                   <m:oMath xmlns:m="http://schemas.openxmlformats.org/officeDocument/2006/math">
                     <m:r>
-                      <a:rPr kumimoji="1" lang="en-US" altLang="ja-JP" b="0" i="1" smtClean="0">
-                        <a:latin typeface="Cambria Math" panose="02040503050406030204" pitchFamily="18" charset="0"/>
-                      </a:rPr>
-                      <m:t>𝑡</m:t>
-                    </m:r>
-                    <m:r>
-                      <a:rPr kumimoji="1" lang="en-US" altLang="ja-JP" b="0" i="1" smtClean="0">
+                      <a:rPr lang="en-US" altLang="ja-JP" b="0" i="1" smtClean="0">
+                        <a:latin typeface="Cambria Math" panose="02040503050406030204" pitchFamily="18" charset="0"/>
+                      </a:rPr>
+                      <m:t>h</m:t>
+                    </m:r>
+                    <m:r>
+                      <a:rPr lang="en-US" altLang="ja-JP" b="0" i="1" smtClean="0">
+                        <a:latin typeface="Cambria Math" panose="02040503050406030204" pitchFamily="18" charset="0"/>
+                      </a:rPr>
+                      <m:t>(</m:t>
+                    </m:r>
+                    <m:r>
+                      <a:rPr lang="en-US" altLang="ja-JP" b="0" i="1" smtClean="0">
+                        <a:latin typeface="Cambria Math" panose="02040503050406030204" pitchFamily="18" charset="0"/>
+                      </a:rPr>
+                      <m:t>𝑆</m:t>
+                    </m:r>
+                    <m:r>
+                      <a:rPr lang="en-US" altLang="ja-JP" b="0" i="1" smtClean="0">
                         <a:latin typeface="Cambria Math" panose="02040503050406030204" pitchFamily="18" charset="0"/>
                       </a:rPr>
                       <m:t>,</m:t>
                     </m:r>
                     <m:r>
-                      <a:rPr kumimoji="1" lang="en-US" altLang="ja-JP" b="0" i="1" smtClean="0">
-                        <a:latin typeface="Cambria Math" panose="02040503050406030204" pitchFamily="18" charset="0"/>
-                      </a:rPr>
-                      <m:t>𝑟</m:t>
-                    </m:r>
-                  </m:oMath>
-                </a14:m>
-                <a:r>
-                  <a:rPr kumimoji="1" lang="ja-JP" altLang="en-US"/>
-                  <a:t>が未知</a:t>
-                </a:r>
-                <a:r>
-                  <a:rPr kumimoji="1" lang="en-US" altLang="ja-JP"/>
-                  <a:t>)</a:t>
-                </a:r>
-              </a:p>
-              <a:p>
-                <a:pPr lvl="1"/>
-                <a:r>
-                  <a:rPr lang="en-US" altLang="ja-JP"/>
-                  <a:t>V : </a:t>
-                </a:r>
-                <a14:m>
-                  <m:oMath xmlns:m="http://schemas.openxmlformats.org/officeDocument/2006/math">
-                    <m:r>
                       <a:rPr lang="en-US" altLang="ja-JP" b="0" i="1" smtClean="0">
                         <a:latin typeface="Cambria Math" panose="02040503050406030204" pitchFamily="18" charset="0"/>
                       </a:rPr>
-                      <m:t>h𝐶</m:t>
+                      <m:t>𝑄</m:t>
                     </m:r>
                     <m:r>
                       <a:rPr lang="en-US" altLang="ja-JP" b="0" i="1" smtClean="0">
                         <a:latin typeface="Cambria Math" panose="02040503050406030204" pitchFamily="18" charset="0"/>
                       </a:rPr>
-                      <m:t>+</m:t>
+                      <m:t>)+</m:t>
                     </m:r>
                     <m:r>
                       <a:rPr lang="en-US" altLang="ja-JP" b="0" i="1" smtClean="0">
                         <a:latin typeface="Cambria Math" panose="02040503050406030204" pitchFamily="18" charset="0"/>
                       </a:rPr>
-                      <m:t>𝑏𝑋</m:t>
+                      <m:t>𝑏</m:t>
                     </m:r>
                     <m:r>
                       <a:rPr lang="en-US" altLang="ja-JP" b="0" i="1" smtClean="0">
                         <a:latin typeface="Cambria Math" panose="02040503050406030204" pitchFamily="18" charset="0"/>
                       </a:rPr>
-                      <m:t>=</m:t>
+                      <m:t>(</m:t>
+                    </m:r>
+                    <m:r>
+                      <a:rPr lang="en-US" altLang="ja-JP" b="0" i="1" smtClean="0">
+                        <a:latin typeface="Cambria Math" panose="02040503050406030204" pitchFamily="18" charset="0"/>
+                      </a:rPr>
+                      <m:t>𝑇</m:t>
+                    </m:r>
+                    <m:r>
+                      <a:rPr lang="en-US" altLang="ja-JP" b="0" i="1" smtClean="0">
+                        <a:latin typeface="Cambria Math" panose="02040503050406030204" pitchFamily="18" charset="0"/>
+                      </a:rPr>
+                      <m:t>,</m:t>
+                    </m:r>
+                    <m:r>
+                      <a:rPr lang="en-US" altLang="ja-JP" b="0" i="1" smtClean="0">
+                        <a:latin typeface="Cambria Math" panose="02040503050406030204" pitchFamily="18" charset="0"/>
+                      </a:rPr>
+                      <m:t>𝑃</m:t>
+                    </m:r>
+                    <m:r>
+                      <a:rPr lang="en-US" altLang="ja-JP" b="0" i="1" smtClean="0">
+                        <a:latin typeface="Cambria Math" panose="02040503050406030204" pitchFamily="18" charset="0"/>
+                      </a:rPr>
+                      <m:t>)=</m:t>
                     </m:r>
                     <m:r>
                       <a:rPr lang="en-US" altLang="ja-JP" b="0" i="1" smtClean="0">
@@ -6884,19 +7214,7 @@
                       <a:rPr lang="en-US" altLang="ja-JP" b="0" i="1" smtClean="0">
                         <a:latin typeface="Cambria Math" panose="02040503050406030204" pitchFamily="18" charset="0"/>
                       </a:rPr>
-                      <m:t>h𝐶</m:t>
-                    </m:r>
-                    <m:r>
-                      <a:rPr lang="en-US" altLang="ja-JP" b="0" i="1" smtClean="0">
-                        <a:latin typeface="Cambria Math" panose="02040503050406030204" pitchFamily="18" charset="0"/>
-                      </a:rPr>
-                      <m:t>+</m:t>
-                    </m:r>
-                    <m:r>
-                      <a:rPr lang="en-US" altLang="ja-JP" b="0" i="1" smtClean="0">
-                        <a:latin typeface="Cambria Math" panose="02040503050406030204" pitchFamily="18" charset="0"/>
-                      </a:rPr>
-                      <m:t>𝑏𝑋</m:t>
+                      <m:t>𝑙h𝑠</m:t>
                     </m:r>
                     <m:r>
                       <a:rPr lang="en-US" altLang="ja-JP" b="0" i="1" smtClean="0">
@@ -6913,40 +7231,11 @@
                         </m:ctrlPr>
                       </m:dPr>
                       <m:e>
-                        <m:d>
-                          <m:dPr>
-                            <m:ctrlPr>
-                              <a:rPr lang="en-US" altLang="ja-JP" b="0" i="1" smtClean="0">
-                                <a:latin typeface="Cambria Math" panose="02040503050406030204" pitchFamily="18" charset="0"/>
-                              </a:rPr>
-                            </m:ctrlPr>
-                          </m:dPr>
-                          <m:e>
-                            <m:r>
-                              <a:rPr lang="en-US" altLang="ja-JP" b="0" i="1" smtClean="0">
-                                <a:latin typeface="Cambria Math" panose="02040503050406030204" pitchFamily="18" charset="0"/>
-                              </a:rPr>
-                              <m:t>h𝑟</m:t>
-                            </m:r>
-                            <m:r>
-                              <a:rPr lang="en-US" altLang="ja-JP" b="0" i="1" smtClean="0">
-                                <a:latin typeface="Cambria Math" panose="02040503050406030204" pitchFamily="18" charset="0"/>
-                              </a:rPr>
-                              <m:t>+</m:t>
-                            </m:r>
-                            <m:r>
-                              <a:rPr lang="en-US" altLang="ja-JP" b="0" i="1" smtClean="0">
-                                <a:latin typeface="Cambria Math" panose="02040503050406030204" pitchFamily="18" charset="0"/>
-                              </a:rPr>
-                              <m:t>𝑏</m:t>
-                            </m:r>
-                          </m:e>
-                        </m:d>
                         <m:r>
                           <a:rPr lang="en-US" altLang="ja-JP" b="0" i="1" smtClean="0">
                             <a:latin typeface="Cambria Math" panose="02040503050406030204" pitchFamily="18" charset="0"/>
                           </a:rPr>
-                          <m:t>𝑄</m:t>
+                          <m:t>h𝑟𝑠𝑃</m:t>
                         </m:r>
                         <m:r>
                           <a:rPr lang="en-US" altLang="ja-JP" b="0" i="1" smtClean="0">
@@ -6954,40 +7243,11 @@
                           </a:rPr>
                           <m:t>,</m:t>
                         </m:r>
-                        <m:d>
-                          <m:dPr>
-                            <m:ctrlPr>
-                              <a:rPr lang="en-US" altLang="ja-JP" b="0" i="1" smtClean="0">
-                                <a:latin typeface="Cambria Math" panose="02040503050406030204" pitchFamily="18" charset="0"/>
-                              </a:rPr>
-                            </m:ctrlPr>
-                          </m:dPr>
-                          <m:e>
-                            <m:r>
-                              <a:rPr lang="en-US" altLang="ja-JP" b="0" i="1" smtClean="0">
-                                <a:latin typeface="Cambria Math" panose="02040503050406030204" pitchFamily="18" charset="0"/>
-                              </a:rPr>
-                              <m:t>h𝑟</m:t>
-                            </m:r>
-                            <m:r>
-                              <a:rPr lang="en-US" altLang="ja-JP" b="0" i="1" smtClean="0">
-                                <a:latin typeface="Cambria Math" panose="02040503050406030204" pitchFamily="18" charset="0"/>
-                              </a:rPr>
-                              <m:t>+</m:t>
-                            </m:r>
-                            <m:r>
-                              <a:rPr lang="en-US" altLang="ja-JP" b="0" i="1" smtClean="0">
-                                <a:latin typeface="Cambria Math" panose="02040503050406030204" pitchFamily="18" charset="0"/>
-                              </a:rPr>
-                              <m:t>𝑏</m:t>
-                            </m:r>
-                          </m:e>
-                        </m:d>
                         <m:r>
                           <a:rPr lang="en-US" altLang="ja-JP" b="0" i="1" smtClean="0">
                             <a:latin typeface="Cambria Math" panose="02040503050406030204" pitchFamily="18" charset="0"/>
                           </a:rPr>
-                          <m:t>𝑃</m:t>
+                          <m:t>h𝑠𝑃</m:t>
                         </m:r>
                       </m:e>
                     </m:d>
@@ -6995,48 +7255,55 @@
                       <a:rPr lang="en-US" altLang="ja-JP" b="0" i="1" smtClean="0">
                         <a:latin typeface="Cambria Math" panose="02040503050406030204" pitchFamily="18" charset="0"/>
                       </a:rPr>
-                      <m:t>=</m:t>
-                    </m:r>
-                    <m:d>
-                      <m:dPr>
-                        <m:ctrlPr>
-                          <a:rPr lang="en-US" altLang="ja-JP" b="0" i="1" smtClean="0">
-                            <a:latin typeface="Cambria Math" panose="02040503050406030204" pitchFamily="18" charset="0"/>
-                          </a:rPr>
-                        </m:ctrlPr>
-                      </m:dPr>
-                      <m:e>
-                        <m:r>
-                          <a:rPr lang="en-US" altLang="ja-JP" b="0" i="1" smtClean="0">
-                            <a:latin typeface="Cambria Math" panose="02040503050406030204" pitchFamily="18" charset="0"/>
-                          </a:rPr>
-                          <m:t>𝑡𝑄</m:t>
-                        </m:r>
-                        <m:r>
-                          <a:rPr lang="en-US" altLang="ja-JP" b="0" i="1" smtClean="0">
-                            <a:latin typeface="Cambria Math" panose="02040503050406030204" pitchFamily="18" charset="0"/>
-                          </a:rPr>
-                          <m:t>,</m:t>
-                        </m:r>
-                        <m:r>
-                          <a:rPr lang="en-US" altLang="ja-JP" b="0" i="1" smtClean="0">
-                            <a:latin typeface="Cambria Math" panose="02040503050406030204" pitchFamily="18" charset="0"/>
-                          </a:rPr>
-                          <m:t>𝑡𝑃</m:t>
-                        </m:r>
-                      </m:e>
-                    </m:d>
+                      <m:t>+(</m:t>
+                    </m:r>
                     <m:r>
                       <a:rPr lang="en-US" altLang="ja-JP" b="0" i="1" smtClean="0">
                         <a:latin typeface="Cambria Math" panose="02040503050406030204" pitchFamily="18" charset="0"/>
                       </a:rPr>
-                      <m:t>=</m:t>
+                      <m:t>𝑏𝑟𝑃</m:t>
                     </m:r>
                     <m:r>
                       <a:rPr lang="en-US" altLang="ja-JP" b="0" i="1" smtClean="0">
                         <a:latin typeface="Cambria Math" panose="02040503050406030204" pitchFamily="18" charset="0"/>
                       </a:rPr>
-                      <m:t>𝐴</m:t>
+                      <m:t>,</m:t>
+                    </m:r>
+                    <m:r>
+                      <a:rPr lang="en-US" altLang="ja-JP" b="0" i="1" smtClean="0">
+                        <a:latin typeface="Cambria Math" panose="02040503050406030204" pitchFamily="18" charset="0"/>
+                      </a:rPr>
+                      <m:t>𝑏𝑃</m:t>
+                    </m:r>
+                    <m:r>
+                      <a:rPr lang="en-US" altLang="ja-JP" b="0" i="1" smtClean="0">
+                        <a:latin typeface="Cambria Math" panose="02040503050406030204" pitchFamily="18" charset="0"/>
+                      </a:rPr>
+                      <m:t>)=(</m:t>
+                    </m:r>
+                    <m:r>
+                      <a:rPr lang="en-US" altLang="ja-JP" b="0" i="1" smtClean="0">
+                        <a:latin typeface="Cambria Math" panose="02040503050406030204" pitchFamily="18" charset="0"/>
+                      </a:rPr>
+                      <m:t>𝑡𝑟𝑃</m:t>
+                    </m:r>
+                    <m:r>
+                      <a:rPr lang="en-US" altLang="ja-JP" b="0" i="1" smtClean="0">
+                        <a:latin typeface="Cambria Math" panose="02040503050406030204" pitchFamily="18" charset="0"/>
+                      </a:rPr>
+                      <m:t>,</m:t>
+                    </m:r>
+                    <m:r>
+                      <a:rPr lang="en-US" altLang="ja-JP" b="0" i="1" smtClean="0">
+                        <a:latin typeface="Cambria Math" panose="02040503050406030204" pitchFamily="18" charset="0"/>
+                      </a:rPr>
+                      <m:t>𝑡𝑃</m:t>
+                    </m:r>
+                    <m:r>
+                      <a:rPr lang="en-US" altLang="ja-JP" b="0" i="1" smtClean="0">
+                        <a:latin typeface="Cambria Math" panose="02040503050406030204" pitchFamily="18" charset="0"/>
+                      </a:rPr>
+                      <m:t>)</m:t>
                     </m:r>
                   </m:oMath>
                 </a14:m>
@@ -7186,7 +7453,13 @@
                   <a:rPr lang="ja-JP" altLang="en-US" b="0">
                     <a:latin typeface="Cambria Math" panose="02040503050406030204" pitchFamily="18" charset="0"/>
                   </a:rPr>
-                  <a:t>を受理すれば</a:t>
+                  <a:t>を受理</a:t>
+                </a:r>
+                <a:r>
+                  <a:rPr lang="en-US" altLang="ja-JP" b="0">
+                    <a:latin typeface="Cambria Math" panose="02040503050406030204" pitchFamily="18" charset="0"/>
+                  </a:rPr>
+                  <a:t>(</a:t>
                 </a:r>
                 <a14:m>
                   <m:oMath xmlns:m="http://schemas.openxmlformats.org/officeDocument/2006/math">
@@ -7194,6 +7467,46 @@
                       <a:rPr lang="en-US" altLang="ja-JP" b="0" i="1" smtClean="0">
                         <a:latin typeface="Cambria Math" panose="02040503050406030204" pitchFamily="18" charset="0"/>
                       </a:rPr>
+                      <m:t>h</m:t>
+                    </m:r>
+                    <m:r>
+                      <a:rPr lang="en-US" altLang="ja-JP" b="0" i="1" smtClean="0">
+                        <a:latin typeface="Cambria Math" panose="02040503050406030204" pitchFamily="18" charset="0"/>
+                      </a:rPr>
+                      <m:t>≠</m:t>
+                    </m:r>
+                    <m:r>
+                      <a:rPr lang="en-US" altLang="ja-JP" b="0" i="1" smtClean="0">
+                        <a:latin typeface="Cambria Math" panose="02040503050406030204" pitchFamily="18" charset="0"/>
+                      </a:rPr>
+                      <m:t>h</m:t>
+                    </m:r>
+                    <m:r>
+                      <a:rPr lang="en-US" altLang="ja-JP" b="0" i="1" smtClean="0">
+                        <a:latin typeface="Cambria Math" panose="02040503050406030204" pitchFamily="18" charset="0"/>
+                      </a:rPr>
+                      <m:t>′</m:t>
+                    </m:r>
+                  </m:oMath>
+                </a14:m>
+                <a:r>
+                  <a:rPr lang="en-US" altLang="ja-JP" b="0">
+                    <a:latin typeface="Cambria Math" panose="02040503050406030204" pitchFamily="18" charset="0"/>
+                  </a:rPr>
+                  <a:t>)</a:t>
+                </a:r>
+                <a:r>
+                  <a:rPr lang="ja-JP" altLang="en-US" b="0">
+                    <a:latin typeface="Cambria Math" panose="02040503050406030204" pitchFamily="18" charset="0"/>
+                  </a:rPr>
+                  <a:t>すれば</a:t>
+                </a:r>
+                <a14:m>
+                  <m:oMath xmlns:m="http://schemas.openxmlformats.org/officeDocument/2006/math">
+                    <m:r>
+                      <a:rPr lang="en-US" altLang="ja-JP" b="0" i="1" smtClean="0">
+                        <a:latin typeface="Cambria Math" panose="02040503050406030204" pitchFamily="18" charset="0"/>
+                      </a:rPr>
                       <m:t>𝐶</m:t>
                     </m:r>
                     <m:r>
@@ -7206,13 +7519,7 @@
                       <a:rPr lang="en-US" altLang="ja-JP" b="0" i="1" smtClean="0">
                         <a:latin typeface="Cambria Math" panose="02040503050406030204" pitchFamily="18" charset="0"/>
                       </a:rPr>
-                      <m:t>𝑟𝑄</m:t>
-                    </m:r>
-                    <m:r>
-                      <a:rPr lang="en-US" altLang="ja-JP" b="0" i="1" smtClean="0">
-                        <a:latin typeface="Cambria Math" panose="02040503050406030204" pitchFamily="18" charset="0"/>
-                      </a:rPr>
-                      <m:t>,</m:t>
+                      <m:t>𝑟</m:t>
                     </m:r>
                     <m:sSup>
                       <m:sSupPr>
@@ -7227,7 +7534,7 @@
                           <a:rPr lang="en-US" altLang="ja-JP" b="0" i="1" smtClean="0">
                             <a:latin typeface="Cambria Math" panose="02040503050406030204" pitchFamily="18" charset="0"/>
                           </a:rPr>
-                          <m:t>𝑟</m:t>
+                          <m:t>𝑠</m:t>
                         </m:r>
                       </m:e>
                       <m:sup>
@@ -7239,6 +7546,24 @@
                         </m:r>
                       </m:sup>
                     </m:sSup>
+                    <m:r>
+                      <a:rPr lang="en-US" altLang="ja-JP" b="0" i="1" smtClean="0">
+                        <a:latin typeface="Cambria Math" panose="02040503050406030204" pitchFamily="18" charset="0"/>
+                      </a:rPr>
+                      <m:t>𝑃</m:t>
+                    </m:r>
+                    <m:r>
+                      <a:rPr lang="en-US" altLang="ja-JP" b="0" i="1" smtClean="0">
+                        <a:latin typeface="Cambria Math" panose="02040503050406030204" pitchFamily="18" charset="0"/>
+                      </a:rPr>
+                      <m:t>,</m:t>
+                    </m:r>
+                    <m:r>
+                      <a:rPr lang="en-US" altLang="ja-JP" b="0" i="1" smtClean="0">
+                        <a:latin typeface="Cambria Math" panose="02040503050406030204" pitchFamily="18" charset="0"/>
+                      </a:rPr>
+                      <m:t>𝑟</m:t>
+                    </m:r>
                     <m:r>
                       <a:rPr lang="en-US" altLang="ja-JP" b="0" i="1" smtClean="0">
                         <a:latin typeface="Cambria Math" panose="02040503050406030204" pitchFamily="18" charset="0"/>
@@ -7270,8 +7595,68 @@
                       <a:rPr lang="en-US" altLang="ja-JP" b="0" i="1" smtClean="0">
                         <a:latin typeface="Cambria Math" panose="02040503050406030204" pitchFamily="18" charset="0"/>
                       </a:rPr>
-                      <m:t>h𝐶</m:t>
-                    </m:r>
+                      <m:t>h</m:t>
+                    </m:r>
+                    <m:d>
+                      <m:dPr>
+                        <m:ctrlPr>
+                          <a:rPr lang="en-US" altLang="ja-JP" b="0" i="1" smtClean="0">
+                            <a:latin typeface="Cambria Math" panose="02040503050406030204" pitchFamily="18" charset="0"/>
+                          </a:rPr>
+                        </m:ctrlPr>
+                      </m:dPr>
+                      <m:e>
+                        <m:r>
+                          <a:rPr lang="en-US" altLang="ja-JP" b="0" i="1" smtClean="0">
+                            <a:latin typeface="Cambria Math" panose="02040503050406030204" pitchFamily="18" charset="0"/>
+                          </a:rPr>
+                          <m:t>𝑟</m:t>
+                        </m:r>
+                        <m:sSup>
+                          <m:sSupPr>
+                            <m:ctrlPr>
+                              <a:rPr lang="en-US" altLang="ja-JP" b="0" i="1" smtClean="0">
+                                <a:latin typeface="Cambria Math" panose="02040503050406030204" pitchFamily="18" charset="0"/>
+                              </a:rPr>
+                            </m:ctrlPr>
+                          </m:sSupPr>
+                          <m:e>
+                            <m:r>
+                              <a:rPr lang="en-US" altLang="ja-JP" b="0" i="1" smtClean="0">
+                                <a:latin typeface="Cambria Math" panose="02040503050406030204" pitchFamily="18" charset="0"/>
+                              </a:rPr>
+                              <m:t>𝑠</m:t>
+                            </m:r>
+                          </m:e>
+                          <m:sup>
+                            <m:r>
+                              <a:rPr lang="en-US" altLang="ja-JP" b="0" i="1" smtClean="0">
+                                <a:latin typeface="Cambria Math" panose="02040503050406030204" pitchFamily="18" charset="0"/>
+                              </a:rPr>
+                              <m:t>′</m:t>
+                            </m:r>
+                          </m:sup>
+                        </m:sSup>
+                        <m:r>
+                          <a:rPr lang="en-US" altLang="ja-JP" b="0" i="1" smtClean="0">
+                            <a:latin typeface="Cambria Math" panose="02040503050406030204" pitchFamily="18" charset="0"/>
+                          </a:rPr>
+                          <m:t>𝑃</m:t>
+                        </m:r>
+                        <m:r>
+                          <a:rPr lang="en-US" altLang="ja-JP" b="0" i="1" smtClean="0">
+                            <a:latin typeface="Cambria Math" panose="02040503050406030204" pitchFamily="18" charset="0"/>
+                          </a:rPr>
+                          <m:t>,</m:t>
+                        </m:r>
+                        <m:r>
+                          <a:rPr lang="en-US" altLang="ja-JP" b="0" i="1" smtClean="0">
+                            <a:latin typeface="Cambria Math" panose="02040503050406030204" pitchFamily="18" charset="0"/>
+                          </a:rPr>
+                          <m:t>𝑠𝑃</m:t>
+                        </m:r>
+                      </m:e>
+                    </m:d>
                     <m:r>
                       <a:rPr lang="en-US" altLang="ja-JP" b="0" i="1" smtClean="0">
                         <a:latin typeface="Cambria Math" panose="02040503050406030204" pitchFamily="18" charset="0"/>
@@ -7282,7 +7667,54 @@
                       <a:rPr lang="en-US" altLang="ja-JP" b="0" i="1" smtClean="0">
                         <a:latin typeface="Cambria Math" panose="02040503050406030204" pitchFamily="18" charset="0"/>
                       </a:rPr>
-                      <m:t>𝑏𝑋</m:t>
+                      <m:t>𝑏</m:t>
+                    </m:r>
+                    <m:d>
+                      <m:dPr>
+                        <m:ctrlPr>
+                          <a:rPr lang="en-US" altLang="ja-JP" b="0" i="1" smtClean="0">
+                            <a:latin typeface="Cambria Math" panose="02040503050406030204" pitchFamily="18" charset="0"/>
+                          </a:rPr>
+                        </m:ctrlPr>
+                      </m:dPr>
+                      <m:e>
+                        <m:r>
+                          <a:rPr lang="en-US" altLang="ja-JP" b="0" i="1" smtClean="0">
+                            <a:latin typeface="Cambria Math" panose="02040503050406030204" pitchFamily="18" charset="0"/>
+                          </a:rPr>
+                          <m:t>𝑟</m:t>
+                        </m:r>
+                        <m:r>
+                          <a:rPr lang="en-US" altLang="ja-JP" b="0" i="1" smtClean="0">
+                            <a:latin typeface="Cambria Math" panose="02040503050406030204" pitchFamily="18" charset="0"/>
+                          </a:rPr>
+                          <m:t>𝑃</m:t>
+                        </m:r>
+                        <m:r>
+                          <a:rPr lang="en-US" altLang="ja-JP" b="0" i="1" smtClean="0">
+                            <a:latin typeface="Cambria Math" panose="02040503050406030204" pitchFamily="18" charset="0"/>
+                          </a:rPr>
+                          <m:t>,</m:t>
+                        </m:r>
+                        <m:r>
+                          <a:rPr lang="en-US" altLang="ja-JP" b="0" i="1" smtClean="0">
+                            <a:latin typeface="Cambria Math" panose="02040503050406030204" pitchFamily="18" charset="0"/>
+                          </a:rPr>
+                          <m:t>𝑃</m:t>
+                        </m:r>
+                      </m:e>
+                    </m:d>
+                    <m:r>
+                      <a:rPr lang="en-US" altLang="ja-JP" b="0" i="1" smtClean="0">
+                        <a:latin typeface="Cambria Math" panose="02040503050406030204" pitchFamily="18" charset="0"/>
+                      </a:rPr>
+                      <m:t>=</m:t>
+                    </m:r>
+                    <m:r>
+                      <a:rPr lang="en-US" altLang="ja-JP" b="0" i="1" smtClean="0">
+                        <a:latin typeface="Cambria Math" panose="02040503050406030204" pitchFamily="18" charset="0"/>
+                      </a:rPr>
+                      <m:t>𝐴</m:t>
                     </m:r>
                     <m:r>
                       <a:rPr lang="en-US" altLang="ja-JP" b="0" i="1" smtClean="0">
@@ -7315,17 +7747,134 @@
                         </m:r>
                       </m:sup>
                     </m:sSup>
+                    <m:d>
+                      <m:dPr>
+                        <m:ctrlPr>
+                          <a:rPr lang="en-US" altLang="ja-JP" b="0" i="1" smtClean="0">
+                            <a:latin typeface="Cambria Math" panose="02040503050406030204" pitchFamily="18" charset="0"/>
+                          </a:rPr>
+                        </m:ctrlPr>
+                      </m:dPr>
+                      <m:e>
+                        <m:r>
+                          <a:rPr lang="en-US" altLang="ja-JP" b="0" i="1" smtClean="0">
+                            <a:latin typeface="Cambria Math" panose="02040503050406030204" pitchFamily="18" charset="0"/>
+                          </a:rPr>
+                          <m:t>𝑟</m:t>
+                        </m:r>
+                        <m:sSup>
+                          <m:sSupPr>
+                            <m:ctrlPr>
+                              <a:rPr lang="en-US" altLang="ja-JP" b="0" i="1" smtClean="0">
+                                <a:latin typeface="Cambria Math" panose="02040503050406030204" pitchFamily="18" charset="0"/>
+                              </a:rPr>
+                            </m:ctrlPr>
+                          </m:sSupPr>
+                          <m:e>
+                            <m:r>
+                              <a:rPr lang="en-US" altLang="ja-JP" b="0" i="1" smtClean="0">
+                                <a:latin typeface="Cambria Math" panose="02040503050406030204" pitchFamily="18" charset="0"/>
+                              </a:rPr>
+                              <m:t>𝑠</m:t>
+                            </m:r>
+                          </m:e>
+                          <m:sup>
+                            <m:r>
+                              <a:rPr lang="en-US" altLang="ja-JP" b="0" i="1" smtClean="0">
+                                <a:latin typeface="Cambria Math" panose="02040503050406030204" pitchFamily="18" charset="0"/>
+                              </a:rPr>
+                              <m:t>′</m:t>
+                            </m:r>
+                          </m:sup>
+                        </m:sSup>
+                        <m:r>
+                          <a:rPr lang="en-US" altLang="ja-JP" b="0" i="1" smtClean="0">
+                            <a:latin typeface="Cambria Math" panose="02040503050406030204" pitchFamily="18" charset="0"/>
+                          </a:rPr>
+                          <m:t>𝑃</m:t>
+                        </m:r>
+                        <m:r>
+                          <a:rPr lang="en-US" altLang="ja-JP" b="0" i="1" smtClean="0">
+                            <a:latin typeface="Cambria Math" panose="02040503050406030204" pitchFamily="18" charset="0"/>
+                          </a:rPr>
+                          <m:t>,</m:t>
+                        </m:r>
+                        <m:r>
+                          <a:rPr lang="en-US" altLang="ja-JP" b="0" i="1" smtClean="0">
+                            <a:latin typeface="Cambria Math" panose="02040503050406030204" pitchFamily="18" charset="0"/>
+                          </a:rPr>
+                          <m:t>𝑠𝑃</m:t>
+                        </m:r>
+                      </m:e>
+                    </m:d>
                     <m:r>
                       <a:rPr lang="en-US" altLang="ja-JP" b="0" i="1" smtClean="0">
                         <a:latin typeface="Cambria Math" panose="02040503050406030204" pitchFamily="18" charset="0"/>
                       </a:rPr>
-                      <m:t>𝐶</m:t>
+                      <m:t>+</m:t>
                     </m:r>
                     <m:r>
                       <a:rPr lang="en-US" altLang="ja-JP" b="0" i="1" smtClean="0">
                         <a:latin typeface="Cambria Math" panose="02040503050406030204" pitchFamily="18" charset="0"/>
                       </a:rPr>
-                      <m:t>+</m:t>
+                      <m:t>𝑏</m:t>
+                    </m:r>
+                    <m:r>
+                      <a:rPr lang="en-US" altLang="ja-JP" b="0" i="1" smtClean="0">
+                        <a:latin typeface="Cambria Math" panose="02040503050406030204" pitchFamily="18" charset="0"/>
+                      </a:rPr>
+                      <m:t>′(</m:t>
+                    </m:r>
+                    <m:r>
+                      <a:rPr lang="en-US" altLang="ja-JP" b="0" i="1" smtClean="0">
+                        <a:latin typeface="Cambria Math" panose="02040503050406030204" pitchFamily="18" charset="0"/>
+                      </a:rPr>
+                      <m:t>𝑟</m:t>
+                    </m:r>
+                    <m:r>
+                      <a:rPr lang="en-US" altLang="ja-JP" b="0" i="1" smtClean="0">
+                        <a:latin typeface="Cambria Math" panose="02040503050406030204" pitchFamily="18" charset="0"/>
+                      </a:rPr>
+                      <m:t>𝑃</m:t>
+                    </m:r>
+                    <m:r>
+                      <a:rPr lang="en-US" altLang="ja-JP" b="0" i="1" smtClean="0">
+                        <a:latin typeface="Cambria Math" panose="02040503050406030204" pitchFamily="18" charset="0"/>
+                      </a:rPr>
+                      <m:t>,</m:t>
+                    </m:r>
+                    <m:r>
+                      <a:rPr lang="en-US" altLang="ja-JP" b="0" i="1" smtClean="0">
+                        <a:latin typeface="Cambria Math" panose="02040503050406030204" pitchFamily="18" charset="0"/>
+                      </a:rPr>
+                      <m:t>𝑃</m:t>
+                    </m:r>
+                    <m:r>
+                      <a:rPr lang="en-US" altLang="ja-JP" b="0" i="1" smtClean="0">
+                        <a:latin typeface="Cambria Math" panose="02040503050406030204" pitchFamily="18" charset="0"/>
+                      </a:rPr>
+                      <m:t>)</m:t>
+                    </m:r>
+                  </m:oMath>
+                </a14:m>
+                <a:r>
+                  <a:rPr lang="ja-JP" altLang="en-US" b="0">
+                    <a:latin typeface="Cambria Math" panose="02040503050406030204" pitchFamily="18" charset="0"/>
+                  </a:rPr>
+                  <a:t>より</a:t>
+                </a:r>
+                <a:br>
+                  <a:rPr lang="en-US" altLang="ja-JP" b="0">
+                    <a:latin typeface="Cambria Math" panose="02040503050406030204" pitchFamily="18" charset="0"/>
+                  </a:rPr>
+                </a:br>
+                <a14:m>
+                  <m:oMath xmlns:m="http://schemas.openxmlformats.org/officeDocument/2006/math">
+                    <m:r>
+                      <a:rPr lang="en-US" altLang="ja-JP" b="0" i="1" smtClean="0">
+                        <a:latin typeface="Cambria Math" panose="02040503050406030204" pitchFamily="18" charset="0"/>
+                      </a:rPr>
+                      <m:t>h𝑟</m:t>
                     </m:r>
                     <m:sSup>
                       <m:sSupPr>
@@ -7340,7 +7889,7 @@
                           <a:rPr lang="en-US" altLang="ja-JP" b="0" i="1" smtClean="0">
                             <a:latin typeface="Cambria Math" panose="02040503050406030204" pitchFamily="18" charset="0"/>
                           </a:rPr>
-                          <m:t>𝑏</m:t>
+                          <m:t>𝑠</m:t>
                         </m:r>
                       </m:e>
                       <m:sup>
@@ -7356,8 +7905,209 @@
                       <a:rPr lang="en-US" altLang="ja-JP" b="0" i="1" smtClean="0">
                         <a:latin typeface="Cambria Math" panose="02040503050406030204" pitchFamily="18" charset="0"/>
                       </a:rPr>
-                      <m:t>𝑋</m:t>
-                    </m:r>
+                      <m:t>+</m:t>
+                    </m:r>
+                    <m:r>
+                      <a:rPr lang="en-US" altLang="ja-JP" b="0" i="1" smtClean="0">
+                        <a:latin typeface="Cambria Math" panose="02040503050406030204" pitchFamily="18" charset="0"/>
+                      </a:rPr>
+                      <m:t>𝑏𝑟</m:t>
+                    </m:r>
+                    <m:r>
+                      <a:rPr lang="en-US" altLang="ja-JP" b="0" i="1" smtClean="0">
+                        <a:latin typeface="Cambria Math" panose="02040503050406030204" pitchFamily="18" charset="0"/>
+                      </a:rPr>
+                      <m:t>=</m:t>
+                    </m:r>
+                    <m:sSup>
+                      <m:sSupPr>
+                        <m:ctrlPr>
+                          <a:rPr lang="en-US" altLang="ja-JP" b="0" i="1" smtClean="0">
+                            <a:latin typeface="Cambria Math" panose="02040503050406030204" pitchFamily="18" charset="0"/>
+                          </a:rPr>
+                        </m:ctrlPr>
+                      </m:sSupPr>
+                      <m:e>
+                        <m:r>
+                          <a:rPr lang="en-US" altLang="ja-JP" b="0" i="1" smtClean="0">
+                            <a:latin typeface="Cambria Math" panose="02040503050406030204" pitchFamily="18" charset="0"/>
+                          </a:rPr>
+                          <m:t>h</m:t>
+                        </m:r>
+                      </m:e>
+                      <m:sup>
+                        <m:r>
+                          <a:rPr lang="en-US" altLang="ja-JP" b="0" i="1" smtClean="0">
+                            <a:latin typeface="Cambria Math" panose="02040503050406030204" pitchFamily="18" charset="0"/>
+                          </a:rPr>
+                          <m:t>′</m:t>
+                        </m:r>
+                      </m:sup>
+                    </m:sSup>
+                    <m:r>
+                      <a:rPr lang="en-US" altLang="ja-JP" b="0" i="1" smtClean="0">
+                        <a:latin typeface="Cambria Math" panose="02040503050406030204" pitchFamily="18" charset="0"/>
+                      </a:rPr>
+                      <m:t>𝑟</m:t>
+                    </m:r>
+                    <m:sSup>
+                      <m:sSupPr>
+                        <m:ctrlPr>
+                          <a:rPr lang="en-US" altLang="ja-JP" b="0" i="1" smtClean="0">
+                            <a:latin typeface="Cambria Math" panose="02040503050406030204" pitchFamily="18" charset="0"/>
+                          </a:rPr>
+                        </m:ctrlPr>
+                      </m:sSupPr>
+                      <m:e>
+                        <m:r>
+                          <a:rPr lang="en-US" altLang="ja-JP" b="0" i="1" smtClean="0">
+                            <a:latin typeface="Cambria Math" panose="02040503050406030204" pitchFamily="18" charset="0"/>
+                          </a:rPr>
+                          <m:t>𝑠</m:t>
+                        </m:r>
+                      </m:e>
+                      <m:sup>
+                        <m:r>
+                          <a:rPr lang="en-US" altLang="ja-JP" b="0" i="1" smtClean="0">
+                            <a:latin typeface="Cambria Math" panose="02040503050406030204" pitchFamily="18" charset="0"/>
+                          </a:rPr>
+                          <m:t>′</m:t>
+                        </m:r>
+                      </m:sup>
+                    </m:sSup>
+                    <m:r>
+                      <a:rPr lang="en-US" altLang="ja-JP" b="0" i="1" smtClean="0">
+                        <a:latin typeface="Cambria Math" panose="02040503050406030204" pitchFamily="18" charset="0"/>
+                      </a:rPr>
+                      <m:t>+</m:t>
+                    </m:r>
+                    <m:sSup>
+                      <m:sSupPr>
+                        <m:ctrlPr>
+                          <a:rPr lang="en-US" altLang="ja-JP" b="0" i="1" smtClean="0">
+                            <a:latin typeface="Cambria Math" panose="02040503050406030204" pitchFamily="18" charset="0"/>
+                          </a:rPr>
+                        </m:ctrlPr>
+                      </m:sSupPr>
+                      <m:e>
+                        <m:r>
+                          <a:rPr lang="en-US" altLang="ja-JP" b="0" i="1" smtClean="0">
+                            <a:latin typeface="Cambria Math" panose="02040503050406030204" pitchFamily="18" charset="0"/>
+                          </a:rPr>
+                          <m:t>𝑏</m:t>
+                        </m:r>
+                      </m:e>
+                      <m:sup>
+                        <m:r>
+                          <a:rPr lang="en-US" altLang="ja-JP" b="0" i="1" smtClean="0">
+                            <a:latin typeface="Cambria Math" panose="02040503050406030204" pitchFamily="18" charset="0"/>
+                          </a:rPr>
+                          <m:t>′</m:t>
+                        </m:r>
+                      </m:sup>
+                    </m:sSup>
+                    <m:r>
+                      <a:rPr lang="en-US" altLang="ja-JP" b="0" i="1" smtClean="0">
+                        <a:latin typeface="Cambria Math" panose="02040503050406030204" pitchFamily="18" charset="0"/>
+                      </a:rPr>
+                      <m:t>𝑟</m:t>
+                    </m:r>
+                  </m:oMath>
+                </a14:m>
+                <a:r>
+                  <a:rPr lang="en-US" altLang="ja-JP" b="0">
+                    <a:latin typeface="Cambria Math" panose="02040503050406030204" pitchFamily="18" charset="0"/>
+                  </a:rPr>
+                  <a:t>, </a:t>
+                </a:r>
+                <a14:m>
+                  <m:oMath xmlns:m="http://schemas.openxmlformats.org/officeDocument/2006/math">
+                    <m:r>
+                      <a:rPr lang="en-US" altLang="ja-JP" b="0" i="1" smtClean="0">
+                        <a:latin typeface="Cambria Math" panose="02040503050406030204" pitchFamily="18" charset="0"/>
+                      </a:rPr>
+                      <m:t>h𝑠</m:t>
+                    </m:r>
+                    <m:r>
+                      <a:rPr lang="en-US" altLang="ja-JP" b="0" i="1" smtClean="0">
+                        <a:latin typeface="Cambria Math" panose="02040503050406030204" pitchFamily="18" charset="0"/>
+                      </a:rPr>
+                      <m:t>+</m:t>
+                    </m:r>
+                    <m:r>
+                      <a:rPr lang="en-US" altLang="ja-JP" b="0" i="1" smtClean="0">
+                        <a:latin typeface="Cambria Math" panose="02040503050406030204" pitchFamily="18" charset="0"/>
+                      </a:rPr>
+                      <m:t>𝑏</m:t>
+                    </m:r>
+                    <m:r>
+                      <a:rPr lang="en-US" altLang="ja-JP" b="0" i="1" smtClean="0">
+                        <a:latin typeface="Cambria Math" panose="02040503050406030204" pitchFamily="18" charset="0"/>
+                      </a:rPr>
+                      <m:t>=</m:t>
+                    </m:r>
+                    <m:sSup>
+                      <m:sSupPr>
+                        <m:ctrlPr>
+                          <a:rPr lang="en-US" altLang="ja-JP" b="0" i="1" smtClean="0">
+                            <a:latin typeface="Cambria Math" panose="02040503050406030204" pitchFamily="18" charset="0"/>
+                          </a:rPr>
+                        </m:ctrlPr>
+                      </m:sSupPr>
+                      <m:e>
+                        <m:r>
+                          <a:rPr lang="en-US" altLang="ja-JP" b="0" i="1" smtClean="0">
+                            <a:latin typeface="Cambria Math" panose="02040503050406030204" pitchFamily="18" charset="0"/>
+                          </a:rPr>
+                          <m:t>h</m:t>
+                        </m:r>
+                      </m:e>
+                      <m:sup>
+                        <m:r>
+                          <a:rPr lang="en-US" altLang="ja-JP" b="0" i="1" smtClean="0">
+                            <a:latin typeface="Cambria Math" panose="02040503050406030204" pitchFamily="18" charset="0"/>
+                          </a:rPr>
+                          <m:t>′</m:t>
+                        </m:r>
+                      </m:sup>
+                    </m:sSup>
+                    <m:r>
+                      <a:rPr lang="en-US" altLang="ja-JP" b="0" i="1" smtClean="0">
+                        <a:latin typeface="Cambria Math" panose="02040503050406030204" pitchFamily="18" charset="0"/>
+                      </a:rPr>
+                      <m:t>𝑠</m:t>
+                    </m:r>
+                    <m:r>
+                      <a:rPr lang="en-US" altLang="ja-JP" b="0" i="1" smtClean="0">
+                        <a:latin typeface="Cambria Math" panose="02040503050406030204" pitchFamily="18" charset="0"/>
+                      </a:rPr>
+                      <m:t>+</m:t>
+                    </m:r>
+                    <m:sSup>
+                      <m:sSupPr>
+                        <m:ctrlPr>
+                          <a:rPr lang="en-US" altLang="ja-JP" b="0" i="1" smtClean="0">
+                            <a:latin typeface="Cambria Math" panose="02040503050406030204" pitchFamily="18" charset="0"/>
+                          </a:rPr>
+                        </m:ctrlPr>
+                      </m:sSupPr>
+                      <m:e>
+                        <m:r>
+                          <a:rPr lang="en-US" altLang="ja-JP" b="0" i="1" smtClean="0">
+                            <a:latin typeface="Cambria Math" panose="02040503050406030204" pitchFamily="18" charset="0"/>
+                          </a:rPr>
+                          <m:t>𝑏</m:t>
+                        </m:r>
+                      </m:e>
+                      <m:sup>
+                        <m:r>
+                          <a:rPr lang="en-US" altLang="ja-JP" b="0" i="1" smtClean="0">
+                            <a:latin typeface="Cambria Math" panose="02040503050406030204" pitchFamily="18" charset="0"/>
+                          </a:rPr>
+                          <m:t>′</m:t>
+                        </m:r>
+                      </m:sup>
+                    </m:sSup>
                   </m:oMath>
                 </a14:m>
                 <a:r>
@@ -7372,7 +8122,7 @@
                       <a:rPr lang="en-US" altLang="ja-JP" b="0" i="1" smtClean="0">
                         <a:latin typeface="Cambria Math" panose="02040503050406030204" pitchFamily="18" charset="0"/>
                       </a:rPr>
-                      <m:t>𝑟</m:t>
+                      <m:t>𝑠</m:t>
                     </m:r>
                     <m:r>
                       <a:rPr lang="en-US" altLang="ja-JP" b="0" i="1" smtClean="0">
@@ -7384,7 +8134,7 @@
                       <a:rPr lang="en-US" altLang="ja-JP" b="0" i="1" smtClean="0">
                         <a:latin typeface="Cambria Math" panose="02040503050406030204" pitchFamily="18" charset="0"/>
                       </a:rPr>
-                      <m:t>𝑟</m:t>
+                      <m:t>𝑠</m:t>
                     </m:r>
                     <m:r>
                       <a:rPr lang="en-US" altLang="ja-JP" b="0" i="1" smtClean="0">
@@ -7394,14 +8144,14 @@
                     </m:r>
                   </m:oMath>
                 </a14:m>
-                <a:endParaRPr lang="en-US" altLang="ja-JP" b="0">
+                <a:endParaRPr lang="en-US" altLang="ja-JP" b="0" i="1">
                   <a:latin typeface="Cambria Math" panose="02040503050406030204" pitchFamily="18" charset="0"/>
                 </a:endParaRPr>
               </a:p>
             </p:txBody>
           </p:sp>
         </mc:Choice>
-        <mc:Fallback xmlns="">
+        <mc:Fallback>
           <p:sp>
             <p:nvSpPr>
               <p:cNvPr id="2" name="コンテンツ プレースホルダー 1">
@@ -7422,7 +8172,7 @@
               <a:blipFill>
                 <a:blip r:embed="rId2"/>
                 <a:stretch>
-                  <a:fillRect l="-1200" t="-1454"/>
+                  <a:fillRect l="-1200" t="-1454" r="-67"/>
                 </a:stretch>
               </a:blipFill>
             </p:spPr>
@@ -7666,7 +8416,7 @@
                       <a:rPr kumimoji="1" lang="en-US" altLang="ja-JP" b="0" i="1" smtClean="0">
                         <a:latin typeface="Cambria Math" panose="02040503050406030204" pitchFamily="18" charset="0"/>
                       </a:rPr>
-                      <m:t>h𝑟</m:t>
+                      <m:t>h𝑠</m:t>
                     </m:r>
                   </m:oMath>
                 </a14:m>
@@ -7692,7 +8442,7 @@
                       <a:rPr kumimoji="1" lang="en-US" altLang="ja-JP" b="0" i="1" smtClean="0">
                         <a:latin typeface="Cambria Math" panose="02040503050406030204" pitchFamily="18" charset="0"/>
                       </a:rPr>
-                      <m:t>𝑡𝑄</m:t>
+                      <m:t>𝑡𝑟𝑃</m:t>
                     </m:r>
                     <m:r>
                       <a:rPr kumimoji="1" lang="en-US" altLang="ja-JP" b="0" i="1" smtClean="0">
@@ -7716,7 +8466,7 @@
                 </a14:m>
                 <a:r>
                   <a:rPr kumimoji="1" lang="ja-JP" altLang="en-US"/>
-                  <a:t>とする</a:t>
+                  <a:t>とすると</a:t>
                 </a:r>
                 <a:br>
                   <a:rPr lang="en-US" altLang="ja-JP"/>
@@ -7778,31 +8528,7 @@
                 <a14:m>
                   <m:oMath xmlns:m="http://schemas.openxmlformats.org/officeDocument/2006/math">
                     <m:r>
-                      <a:rPr kumimoji="1" lang="en-US" altLang="ja-JP" b="0" i="1" smtClean="0">
-                        <a:latin typeface="Cambria Math" panose="02040503050406030204" pitchFamily="18" charset="0"/>
-                      </a:rPr>
-                      <m:t>h𝐶</m:t>
-                    </m:r>
-                    <m:r>
-                      <a:rPr kumimoji="1" lang="en-US" altLang="ja-JP" b="0" i="1" smtClean="0">
-                        <a:latin typeface="Cambria Math" panose="02040503050406030204" pitchFamily="18" charset="0"/>
-                      </a:rPr>
-                      <m:t>+</m:t>
-                    </m:r>
-                    <m:r>
-                      <a:rPr kumimoji="1" lang="en-US" altLang="ja-JP" b="0" i="1" smtClean="0">
-                        <a:latin typeface="Cambria Math" panose="02040503050406030204" pitchFamily="18" charset="0"/>
-                      </a:rPr>
-                      <m:t>𝑏𝑋</m:t>
-                    </m:r>
-                    <m:r>
-                      <a:rPr kumimoji="1" lang="en-US" altLang="ja-JP" b="0" i="1" smtClean="0">
-                        <a:latin typeface="Cambria Math" panose="02040503050406030204" pitchFamily="18" charset="0"/>
-                      </a:rPr>
-                      <m:t>=</m:t>
-                    </m:r>
-                    <m:r>
-                      <a:rPr kumimoji="1" lang="en-US" altLang="ja-JP" b="0" i="1" smtClean="0">
+                      <a:rPr lang="en-US" altLang="ja-JP" b="0" i="1" smtClean="0">
                         <a:latin typeface="Cambria Math" panose="02040503050406030204" pitchFamily="18" charset="0"/>
                       </a:rPr>
                       <m:t>h</m:t>
@@ -7810,40 +8536,40 @@
                     <m:d>
                       <m:dPr>
                         <m:ctrlPr>
-                          <a:rPr kumimoji="1" lang="en-US" altLang="ja-JP" b="0" i="1" smtClean="0">
+                          <a:rPr lang="en-US" altLang="ja-JP" b="0" i="1" smtClean="0">
                             <a:latin typeface="Cambria Math" panose="02040503050406030204" pitchFamily="18" charset="0"/>
                           </a:rPr>
                         </m:ctrlPr>
                       </m:dPr>
                       <m:e>
                         <m:r>
-                          <a:rPr kumimoji="1" lang="en-US" altLang="ja-JP" b="0" i="1" smtClean="0">
+                          <a:rPr lang="en-US" altLang="ja-JP" b="0" i="1" smtClean="0">
                             <a:latin typeface="Cambria Math" panose="02040503050406030204" pitchFamily="18" charset="0"/>
                           </a:rPr>
                           <m:t>𝑟𝑄</m:t>
                         </m:r>
                         <m:r>
-                          <a:rPr kumimoji="1" lang="en-US" altLang="ja-JP" b="0" i="1" smtClean="0">
+                          <a:rPr lang="en-US" altLang="ja-JP" b="0" i="1" smtClean="0">
                             <a:latin typeface="Cambria Math" panose="02040503050406030204" pitchFamily="18" charset="0"/>
                           </a:rPr>
                           <m:t>,</m:t>
                         </m:r>
                         <m:r>
-                          <a:rPr kumimoji="1" lang="en-US" altLang="ja-JP" b="0" i="1" smtClean="0">
-                            <a:latin typeface="Cambria Math" panose="02040503050406030204" pitchFamily="18" charset="0"/>
-                          </a:rPr>
-                          <m:t>𝑟𝑃</m:t>
+                          <a:rPr lang="en-US" altLang="ja-JP" b="0" i="1" smtClean="0">
+                            <a:latin typeface="Cambria Math" panose="02040503050406030204" pitchFamily="18" charset="0"/>
+                          </a:rPr>
+                          <m:t>𝑄</m:t>
                         </m:r>
                       </m:e>
                     </m:d>
                     <m:r>
-                      <a:rPr kumimoji="1" lang="en-US" altLang="ja-JP" b="0" i="1" smtClean="0">
+                      <a:rPr lang="en-US" altLang="ja-JP" b="0" i="1" smtClean="0">
                         <a:latin typeface="Cambria Math" panose="02040503050406030204" pitchFamily="18" charset="0"/>
                       </a:rPr>
                       <m:t>+</m:t>
                     </m:r>
                     <m:r>
-                      <a:rPr kumimoji="1" lang="en-US" altLang="ja-JP" b="0" i="1" smtClean="0">
+                      <a:rPr lang="en-US" altLang="ja-JP" b="0" i="1" smtClean="0">
                         <a:latin typeface="Cambria Math" panose="02040503050406030204" pitchFamily="18" charset="0"/>
                       </a:rPr>
                       <m:t>𝑏</m:t>
@@ -7851,26 +8577,26 @@
                     <m:d>
                       <m:dPr>
                         <m:ctrlPr>
-                          <a:rPr kumimoji="1" lang="en-US" altLang="ja-JP" b="0" i="1" smtClean="0">
+                          <a:rPr lang="en-US" altLang="ja-JP" b="0" i="1" smtClean="0">
                             <a:latin typeface="Cambria Math" panose="02040503050406030204" pitchFamily="18" charset="0"/>
                           </a:rPr>
                         </m:ctrlPr>
                       </m:dPr>
                       <m:e>
                         <m:r>
-                          <a:rPr kumimoji="1" lang="en-US" altLang="ja-JP" b="0" i="1" smtClean="0">
-                            <a:latin typeface="Cambria Math" panose="02040503050406030204" pitchFamily="18" charset="0"/>
-                          </a:rPr>
-                          <m:t>𝑄</m:t>
-                        </m:r>
-                        <m:r>
-                          <a:rPr kumimoji="1" lang="en-US" altLang="ja-JP" b="0" i="1" smtClean="0">
+                          <a:rPr lang="en-US" altLang="ja-JP" b="0" i="1" smtClean="0">
+                            <a:latin typeface="Cambria Math" panose="02040503050406030204" pitchFamily="18" charset="0"/>
+                          </a:rPr>
+                          <m:t>𝑟𝑃</m:t>
+                        </m:r>
+                        <m:r>
+                          <a:rPr lang="en-US" altLang="ja-JP" b="0" i="1" smtClean="0">
                             <a:latin typeface="Cambria Math" panose="02040503050406030204" pitchFamily="18" charset="0"/>
                           </a:rPr>
                           <m:t>,</m:t>
                         </m:r>
                         <m:r>
-                          <a:rPr kumimoji="1" lang="en-US" altLang="ja-JP" b="0" i="1" smtClean="0">
+                          <a:rPr lang="en-US" altLang="ja-JP" b="0" i="1" smtClean="0">
                             <a:latin typeface="Cambria Math" panose="02040503050406030204" pitchFamily="18" charset="0"/>
                           </a:rPr>
                           <m:t>𝑃</m:t>
@@ -7878,7 +8604,7 @@
                       </m:e>
                     </m:d>
                     <m:r>
-                      <a:rPr kumimoji="1" lang="en-US" altLang="ja-JP" b="0" i="1" smtClean="0">
+                      <a:rPr lang="en-US" altLang="ja-JP" b="0" i="1" smtClean="0">
                         <a:latin typeface="Cambria Math" panose="02040503050406030204" pitchFamily="18" charset="0"/>
                       </a:rPr>
                       <m:t>=</m:t>
@@ -7886,50 +8612,122 @@
                     <m:d>
                       <m:dPr>
                         <m:ctrlPr>
-                          <a:rPr kumimoji="1" lang="en-US" altLang="ja-JP" b="0" i="1" smtClean="0">
+                          <a:rPr lang="en-US" altLang="ja-JP" b="0" i="1" smtClean="0">
                             <a:latin typeface="Cambria Math" panose="02040503050406030204" pitchFamily="18" charset="0"/>
                           </a:rPr>
                         </m:ctrlPr>
                       </m:dPr>
                       <m:e>
-                        <m:r>
-                          <a:rPr kumimoji="1" lang="en-US" altLang="ja-JP" b="0" i="1" smtClean="0">
-                            <a:latin typeface="Cambria Math" panose="02040503050406030204" pitchFamily="18" charset="0"/>
-                          </a:rPr>
-                          <m:t>𝑡𝑄</m:t>
-                        </m:r>
-                        <m:r>
-                          <a:rPr kumimoji="1" lang="en-US" altLang="ja-JP" b="0" i="1" smtClean="0">
+                        <m:d>
+                          <m:dPr>
+                            <m:ctrlPr>
+                              <a:rPr lang="en-US" altLang="ja-JP" b="0" i="1" smtClean="0">
+                                <a:latin typeface="Cambria Math" panose="02040503050406030204" pitchFamily="18" charset="0"/>
+                              </a:rPr>
+                            </m:ctrlPr>
+                          </m:dPr>
+                          <m:e>
+                            <m:r>
+                              <a:rPr lang="en-US" altLang="ja-JP" b="0" i="1" smtClean="0">
+                                <a:latin typeface="Cambria Math" panose="02040503050406030204" pitchFamily="18" charset="0"/>
+                              </a:rPr>
+                              <m:t>h𝑟𝑠</m:t>
+                            </m:r>
+                            <m:r>
+                              <a:rPr lang="en-US" altLang="ja-JP" b="0" i="1" smtClean="0">
+                                <a:latin typeface="Cambria Math" panose="02040503050406030204" pitchFamily="18" charset="0"/>
+                              </a:rPr>
+                              <m:t>+</m:t>
+                            </m:r>
+                            <m:r>
+                              <a:rPr lang="en-US" altLang="ja-JP" b="0" i="1" smtClean="0">
+                                <a:latin typeface="Cambria Math" panose="02040503050406030204" pitchFamily="18" charset="0"/>
+                              </a:rPr>
+                              <m:t>𝑏𝑟</m:t>
+                            </m:r>
+                          </m:e>
+                        </m:d>
+                        <m:r>
+                          <a:rPr lang="en-US" altLang="ja-JP" b="0" i="1" smtClean="0">
+                            <a:latin typeface="Cambria Math" panose="02040503050406030204" pitchFamily="18" charset="0"/>
+                          </a:rPr>
+                          <m:t>𝑃</m:t>
+                        </m:r>
+                        <m:r>
+                          <a:rPr lang="en-US" altLang="ja-JP" b="0" i="1" smtClean="0">
                             <a:latin typeface="Cambria Math" panose="02040503050406030204" pitchFamily="18" charset="0"/>
                           </a:rPr>
                           <m:t>,</m:t>
                         </m:r>
-                        <m:r>
-                          <a:rPr kumimoji="1" lang="en-US" altLang="ja-JP" b="0" i="1" smtClean="0">
-                            <a:latin typeface="Cambria Math" panose="02040503050406030204" pitchFamily="18" charset="0"/>
-                          </a:rPr>
-                          <m:t>𝑡𝑃</m:t>
+                        <m:d>
+                          <m:dPr>
+                            <m:ctrlPr>
+                              <a:rPr lang="en-US" altLang="ja-JP" b="0" i="1" smtClean="0">
+                                <a:latin typeface="Cambria Math" panose="02040503050406030204" pitchFamily="18" charset="0"/>
+                              </a:rPr>
+                            </m:ctrlPr>
+                          </m:dPr>
+                          <m:e>
+                            <m:r>
+                              <a:rPr lang="en-US" altLang="ja-JP" b="0" i="1" smtClean="0">
+                                <a:latin typeface="Cambria Math" panose="02040503050406030204" pitchFamily="18" charset="0"/>
+                              </a:rPr>
+                              <m:t>h𝑠</m:t>
+                            </m:r>
+                            <m:r>
+                              <a:rPr lang="en-US" altLang="ja-JP" b="0" i="1" smtClean="0">
+                                <a:latin typeface="Cambria Math" panose="02040503050406030204" pitchFamily="18" charset="0"/>
+                              </a:rPr>
+                              <m:t>+</m:t>
+                            </m:r>
+                            <m:r>
+                              <a:rPr lang="en-US" altLang="ja-JP" b="0" i="1" smtClean="0">
+                                <a:latin typeface="Cambria Math" panose="02040503050406030204" pitchFamily="18" charset="0"/>
+                              </a:rPr>
+                              <m:t>𝑏</m:t>
+                            </m:r>
+                          </m:e>
+                        </m:d>
+                        <m:r>
+                          <a:rPr lang="en-US" altLang="ja-JP" b="0" i="1" smtClean="0">
+                            <a:latin typeface="Cambria Math" panose="02040503050406030204" pitchFamily="18" charset="0"/>
+                          </a:rPr>
+                          <m:t>𝑃</m:t>
                         </m:r>
                       </m:e>
                     </m:d>
                     <m:r>
-                      <a:rPr kumimoji="1" lang="en-US" altLang="ja-JP" b="0" i="1" smtClean="0">
-                        <a:latin typeface="Cambria Math" panose="02040503050406030204" pitchFamily="18" charset="0"/>
-                      </a:rPr>
-                      <m:t>=</m:t>
-                    </m:r>
-                    <m:r>
-                      <a:rPr kumimoji="1" lang="en-US" altLang="ja-JP" b="0" i="1" smtClean="0">
-                        <a:latin typeface="Cambria Math" panose="02040503050406030204" pitchFamily="18" charset="0"/>
-                      </a:rPr>
-                      <m:t>𝐴</m:t>
+                      <a:rPr lang="en-US" altLang="ja-JP" b="0" i="1" smtClean="0">
+                        <a:latin typeface="Cambria Math" panose="02040503050406030204" pitchFamily="18" charset="0"/>
+                      </a:rPr>
+                      <m:t>=(</m:t>
+                    </m:r>
+                    <m:r>
+                      <a:rPr lang="en-US" altLang="ja-JP" b="0" i="1" smtClean="0">
+                        <a:latin typeface="Cambria Math" panose="02040503050406030204" pitchFamily="18" charset="0"/>
+                      </a:rPr>
+                      <m:t>𝑡𝑟𝑃</m:t>
+                    </m:r>
+                    <m:r>
+                      <a:rPr lang="en-US" altLang="ja-JP" b="0" i="1" smtClean="0">
+                        <a:latin typeface="Cambria Math" panose="02040503050406030204" pitchFamily="18" charset="0"/>
+                      </a:rPr>
+                      <m:t>,</m:t>
+                    </m:r>
+                    <m:r>
+                      <a:rPr lang="en-US" altLang="ja-JP" b="0" i="1" smtClean="0">
+                        <a:latin typeface="Cambria Math" panose="02040503050406030204" pitchFamily="18" charset="0"/>
+                      </a:rPr>
+                      <m:t>𝑡𝑃</m:t>
+                    </m:r>
+                    <m:r>
+                      <a:rPr lang="en-US" altLang="ja-JP" b="0" i="1" smtClean="0">
+                        <a:latin typeface="Cambria Math" panose="02040503050406030204" pitchFamily="18" charset="0"/>
+                      </a:rPr>
+                      <m:t>)</m:t>
                     </m:r>
                   </m:oMath>
                 </a14:m>
-                <a:endParaRPr kumimoji="1" lang="en-US" altLang="ja-JP"/>
-              </a:p>
-              <a:p>
-                <a:pPr lvl="1"/>
                 <a:endParaRPr kumimoji="1" lang="en-US" altLang="ja-JP"/>
               </a:p>
             </p:txBody>
@@ -7998,7 +8796,7 @@
           <a:p>
             <a:r>
               <a:rPr kumimoji="1" lang="ja-JP" altLang="en-US"/>
-              <a:t>ゼロ知識性</a:t>
+              <a:t>シミュレータ</a:t>
             </a:r>
           </a:p>
         </p:txBody>
@@ -8257,8 +9055,8 @@
           <a:chExt cx="0" cy="0"/>
         </a:xfrm>
       </p:grpSpPr>
-      <mc:AlternateContent xmlns:mc="http://schemas.openxmlformats.org/markup-compatibility/2006" xmlns:a14="http://schemas.microsoft.com/office/drawing/2010/main">
-        <mc:Choice Requires="a14">
+      <mc:AlternateContent xmlns:mc="http://schemas.openxmlformats.org/markup-compatibility/2006">
+        <mc:Choice xmlns:a14="http://schemas.microsoft.com/office/drawing/2010/main" Requires="a14">
           <p:sp>
             <p:nvSpPr>
               <p:cNvPr id="2" name="コンテンツ プレースホルダー 1">
@@ -8384,7 +9182,7 @@
                       <a:rPr kumimoji="1" lang="en-US" altLang="ja-JP" b="0" i="1" smtClean="0">
                         <a:latin typeface="Cambria Math" panose="02040503050406030204" pitchFamily="18" charset="0"/>
                       </a:rPr>
-                      <m:t>𝑟𝑄</m:t>
+                      <m:t>𝑆</m:t>
                     </m:r>
                     <m:r>
                       <a:rPr kumimoji="1" lang="en-US" altLang="ja-JP" b="0" i="1" smtClean="0">
@@ -8396,7 +9194,7 @@
                       <a:rPr kumimoji="1" lang="en-US" altLang="ja-JP" b="0" i="1" smtClean="0">
                         <a:latin typeface="Cambria Math" panose="02040503050406030204" pitchFamily="18" charset="0"/>
                       </a:rPr>
-                      <m:t>𝑟𝑃</m:t>
+                      <m:t>𝑇</m:t>
                     </m:r>
                     <m:r>
                       <a:rPr kumimoji="1" lang="en-US" altLang="ja-JP" b="0" i="1" smtClean="0">
@@ -8458,7 +9256,7 @@
                       <a:rPr kumimoji="1" lang="en-US" altLang="ja-JP" b="0" i="1" smtClean="0">
                         <a:latin typeface="Cambria Math" panose="02040503050406030204" pitchFamily="18" charset="0"/>
                       </a:rPr>
-                      <m:t>𝑡𝑄</m:t>
+                      <m:t>𝑡𝑇</m:t>
                     </m:r>
                     <m:r>
                       <a:rPr kumimoji="1" lang="en-US" altLang="ja-JP" b="0" i="1" smtClean="0">
@@ -8564,85 +9362,147 @@
                       <a:rPr lang="en-US" altLang="ja-JP" b="0" i="1" smtClean="0">
                         <a:latin typeface="Cambria Math" panose="02040503050406030204" pitchFamily="18" charset="0"/>
                       </a:rPr>
-                      <m:t>h𝑟</m:t>
+                      <m:t>h𝑠</m:t>
                     </m:r>
                   </m:oMath>
                 </a14:m>
                 <a:r>
-                  <a:rPr kumimoji="1" lang="ja-JP" altLang="en-US"/>
-                  <a:t>を送る</a:t>
+                  <a:rPr lang="ja-JP" altLang="en-US"/>
+                  <a:t>を送り</a:t>
+                </a:r>
+                <a:r>
+                  <a:rPr lang="en-US" altLang="ja-JP"/>
+                  <a:t>V</a:t>
+                </a:r>
+                <a:r>
+                  <a:rPr lang="ja-JP" altLang="en-US"/>
+                  <a:t>は</a:t>
+                </a:r>
+                <a14:m>
+                  <m:oMath xmlns:m="http://schemas.openxmlformats.org/officeDocument/2006/math">
+                    <m:r>
+                      <a:rPr lang="en-US" altLang="ja-JP" i="1">
+                        <a:latin typeface="Cambria Math" panose="02040503050406030204" pitchFamily="18" charset="0"/>
+                      </a:rPr>
+                      <m:t>h</m:t>
+                    </m:r>
+                    <m:r>
+                      <a:rPr lang="en-US" altLang="ja-JP" i="1">
+                        <a:latin typeface="Cambria Math" panose="02040503050406030204" pitchFamily="18" charset="0"/>
+                      </a:rPr>
+                      <m:t>(</m:t>
+                    </m:r>
+                    <m:r>
+                      <a:rPr lang="en-US" altLang="ja-JP" i="1">
+                        <a:latin typeface="Cambria Math" panose="02040503050406030204" pitchFamily="18" charset="0"/>
+                      </a:rPr>
+                      <m:t>𝑆</m:t>
+                    </m:r>
+                    <m:r>
+                      <a:rPr lang="en-US" altLang="ja-JP" i="1">
+                        <a:latin typeface="Cambria Math" panose="02040503050406030204" pitchFamily="18" charset="0"/>
+                      </a:rPr>
+                      <m:t>,</m:t>
+                    </m:r>
+                    <m:r>
+                      <a:rPr lang="en-US" altLang="ja-JP" i="1">
+                        <a:latin typeface="Cambria Math" panose="02040503050406030204" pitchFamily="18" charset="0"/>
+                      </a:rPr>
+                      <m:t>𝑄</m:t>
+                    </m:r>
+                    <m:r>
+                      <a:rPr lang="en-US" altLang="ja-JP" i="1">
+                        <a:latin typeface="Cambria Math" panose="02040503050406030204" pitchFamily="18" charset="0"/>
+                      </a:rPr>
+                      <m:t>)+</m:t>
+                    </m:r>
+                    <m:r>
+                      <a:rPr lang="en-US" altLang="ja-JP" i="1">
+                        <a:latin typeface="Cambria Math" panose="02040503050406030204" pitchFamily="18" charset="0"/>
+                      </a:rPr>
+                      <m:t>𝑏</m:t>
+                    </m:r>
+                    <m:r>
+                      <a:rPr lang="en-US" altLang="ja-JP" i="1">
+                        <a:latin typeface="Cambria Math" panose="02040503050406030204" pitchFamily="18" charset="0"/>
+                      </a:rPr>
+                      <m:t>(</m:t>
+                    </m:r>
+                    <m:r>
+                      <a:rPr lang="en-US" altLang="ja-JP" i="1">
+                        <a:latin typeface="Cambria Math" panose="02040503050406030204" pitchFamily="18" charset="0"/>
+                      </a:rPr>
+                      <m:t>𝑇</m:t>
+                    </m:r>
+                    <m:r>
+                      <a:rPr lang="en-US" altLang="ja-JP" i="1">
+                        <a:latin typeface="Cambria Math" panose="02040503050406030204" pitchFamily="18" charset="0"/>
+                      </a:rPr>
+                      <m:t>,</m:t>
+                    </m:r>
+                    <m:r>
+                      <a:rPr lang="en-US" altLang="ja-JP" i="1">
+                        <a:latin typeface="Cambria Math" panose="02040503050406030204" pitchFamily="18" charset="0"/>
+                      </a:rPr>
+                      <m:t>𝑃</m:t>
+                    </m:r>
+                    <m:r>
+                      <a:rPr lang="en-US" altLang="ja-JP" i="1">
+                        <a:latin typeface="Cambria Math" panose="02040503050406030204" pitchFamily="18" charset="0"/>
+                      </a:rPr>
+                      <m:t>)=</m:t>
+                    </m:r>
+                    <m:r>
+                      <a:rPr lang="en-US" altLang="ja-JP" i="1">
+                        <a:latin typeface="Cambria Math" panose="02040503050406030204" pitchFamily="18" charset="0"/>
+                      </a:rPr>
+                      <m:t>𝐴</m:t>
+                    </m:r>
+                  </m:oMath>
+                </a14:m>
+                <a:r>
+                  <a:rPr lang="ja-JP" altLang="en-US"/>
+                  <a:t>なら受理</a:t>
+                </a:r>
+              </a:p>
+              <a:p>
+                <a:r>
+                  <a:rPr lang="en-US" altLang="ja-JP"/>
+                  <a:t>FS</a:t>
+                </a:r>
+                <a:r>
+                  <a:rPr lang="ja-JP" altLang="en-US"/>
+                  <a:t>変換</a:t>
                 </a:r>
                 <a:endParaRPr kumimoji="1" lang="en-US" altLang="ja-JP"/>
               </a:p>
               <a:p>
                 <a:pPr lvl="1"/>
                 <a:r>
-                  <a:rPr lang="en-US" altLang="ja-JP"/>
-                  <a:t>V : </a:t>
+                  <a:rPr kumimoji="1" lang="ja-JP" altLang="en-US"/>
+                  <a:t>証明者 </a:t>
+                </a:r>
+                <a:r>
+                  <a:rPr kumimoji="1" lang="en-US" altLang="ja-JP"/>
+                  <a:t>:</a:t>
+                </a:r>
+                <a:r>
+                  <a:rPr kumimoji="1" lang="ja-JP" altLang="en-US"/>
+                  <a:t> 乱数</a:t>
                 </a:r>
                 <a14:m>
                   <m:oMath xmlns:m="http://schemas.openxmlformats.org/officeDocument/2006/math">
                     <m:r>
-                      <a:rPr lang="en-US" altLang="ja-JP" b="0" i="1" smtClean="0">
-                        <a:latin typeface="Cambria Math" panose="02040503050406030204" pitchFamily="18" charset="0"/>
-                      </a:rPr>
-                      <m:t>h𝐶</m:t>
-                    </m:r>
-                    <m:r>
-                      <a:rPr lang="en-US" altLang="ja-JP" b="0" i="1" smtClean="0">
-                        <a:latin typeface="Cambria Math" panose="02040503050406030204" pitchFamily="18" charset="0"/>
-                      </a:rPr>
-                      <m:t>+</m:t>
-                    </m:r>
-                    <m:r>
-                      <a:rPr lang="en-US" altLang="ja-JP" b="0" i="1" smtClean="0">
-                        <a:latin typeface="Cambria Math" panose="02040503050406030204" pitchFamily="18" charset="0"/>
-                      </a:rPr>
-                      <m:t>𝑏𝑋</m:t>
-                    </m:r>
-                    <m:r>
-                      <a:rPr lang="en-US" altLang="ja-JP" b="0" i="1" smtClean="0">
-                        <a:latin typeface="Cambria Math" panose="02040503050406030204" pitchFamily="18" charset="0"/>
-                      </a:rPr>
-                      <m:t>=</m:t>
-                    </m:r>
-                    <m:r>
-                      <a:rPr lang="en-US" altLang="ja-JP" b="0" i="1" smtClean="0">
-                        <a:latin typeface="Cambria Math" panose="02040503050406030204" pitchFamily="18" charset="0"/>
-                      </a:rPr>
-                      <m:t>𝐴</m:t>
+                      <a:rPr kumimoji="1" lang="en-US" altLang="ja-JP" b="0" i="1" smtClean="0">
+                        <a:latin typeface="Cambria Math" panose="02040503050406030204" pitchFamily="18" charset="0"/>
+                      </a:rPr>
+                      <m:t>𝑡</m:t>
                     </m:r>
                   </m:oMath>
                 </a14:m>
                 <a:r>
-                  <a:rPr lang="ja-JP" altLang="en-US"/>
-                  <a:t>なら受理</a:t>
-                </a:r>
-              </a:p>
-              <a:p>
-                <a:r>
-                  <a:rPr lang="en-US" altLang="ja-JP"/>
-                  <a:t>FS</a:t>
-                </a:r>
-                <a:r>
-                  <a:rPr lang="ja-JP" altLang="en-US"/>
-                  <a:t>変換</a:t>
-                </a:r>
-                <a:endParaRPr kumimoji="1" lang="en-US" altLang="ja-JP"/>
-              </a:p>
-              <a:p>
-                <a:pPr lvl="1"/>
-                <a:r>
-                  <a:rPr kumimoji="1" lang="ja-JP" altLang="en-US"/>
-                  <a:t>証明者 </a:t>
-                </a:r>
-                <a:r>
-                  <a:rPr kumimoji="1" lang="en-US" altLang="ja-JP"/>
-                  <a:t>:</a:t>
-                </a:r>
-                <a:r>
-                  <a:rPr kumimoji="1" lang="ja-JP" altLang="en-US"/>
-                  <a:t> 乱数</a:t>
+                  <a:rPr kumimoji="1" lang="ja-JP" altLang="en-US"/>
+                  <a:t>を</a:t>
                 </a:r>
                 <a14:m>
                   <m:oMath xmlns:m="http://schemas.openxmlformats.org/officeDocument/2006/math">
@@ -8650,20 +9510,6 @@
                       <a:rPr kumimoji="1" lang="en-US" altLang="ja-JP" b="0" i="1" smtClean="0">
                         <a:latin typeface="Cambria Math" panose="02040503050406030204" pitchFamily="18" charset="0"/>
                       </a:rPr>
-                      <m:t>𝑡</m:t>
-                    </m:r>
-                  </m:oMath>
-                </a14:m>
-                <a:r>
-                  <a:rPr kumimoji="1" lang="ja-JP" altLang="en-US"/>
-                  <a:t>を</a:t>
-                </a:r>
-                <a14:m>
-                  <m:oMath xmlns:m="http://schemas.openxmlformats.org/officeDocument/2006/math">
-                    <m:r>
-                      <a:rPr kumimoji="1" lang="en-US" altLang="ja-JP" b="0" i="1" smtClean="0">
-                        <a:latin typeface="Cambria Math" panose="02040503050406030204" pitchFamily="18" charset="0"/>
-                      </a:rPr>
                       <m:t>𝐴</m:t>
                     </m:r>
                     <m:r>
@@ -8676,7 +9522,7 @@
                       <a:rPr kumimoji="1" lang="en-US" altLang="ja-JP" b="0" i="1" smtClean="0">
                         <a:latin typeface="Cambria Math" panose="02040503050406030204" pitchFamily="18" charset="0"/>
                       </a:rPr>
-                      <m:t>𝑡𝑄</m:t>
+                      <m:t>𝑡𝑇</m:t>
                     </m:r>
                     <m:r>
                       <a:rPr kumimoji="1" lang="en-US" altLang="ja-JP" b="0" i="1" smtClean="0">
@@ -8803,7 +9649,7 @@
                       <a:rPr kumimoji="1" lang="en-US" altLang="ja-JP" b="0" i="1" smtClean="0">
                         <a:latin typeface="Cambria Math" panose="02040503050406030204" pitchFamily="18" charset="0"/>
                       </a:rPr>
-                      <m:t>h𝑟</m:t>
+                      <m:t>h𝑠</m:t>
                     </m:r>
                   </m:oMath>
                 </a14:m>
@@ -8904,19 +9750,73 @@
                       <a:rPr kumimoji="1" lang="en-US" altLang="ja-JP" b="0" i="1" smtClean="0">
                         <a:latin typeface="Cambria Math" panose="02040503050406030204" pitchFamily="18" charset="0"/>
                       </a:rPr>
-                      <m:t>h𝐶</m:t>
-                    </m:r>
-                    <m:r>
-                      <a:rPr kumimoji="1" lang="en-US" altLang="ja-JP" b="0" i="1" smtClean="0">
-                        <a:latin typeface="Cambria Math" panose="02040503050406030204" pitchFamily="18" charset="0"/>
-                      </a:rPr>
-                      <m:t>+</m:t>
-                    </m:r>
-                    <m:r>
-                      <a:rPr kumimoji="1" lang="en-US" altLang="ja-JP" b="0" i="1" smtClean="0">
-                        <a:latin typeface="Cambria Math" panose="02040503050406030204" pitchFamily="18" charset="0"/>
-                      </a:rPr>
-                      <m:t>𝑏𝑋</m:t>
+                      <m:t>h</m:t>
+                    </m:r>
+                    <m:r>
+                      <a:rPr kumimoji="1" lang="en-US" altLang="ja-JP" b="0" i="1" smtClean="0">
+                        <a:latin typeface="Cambria Math" panose="02040503050406030204" pitchFamily="18" charset="0"/>
+                      </a:rPr>
+                      <m:t>(</m:t>
+                    </m:r>
+                    <m:r>
+                      <a:rPr kumimoji="1" lang="en-US" altLang="ja-JP" b="0" i="1" smtClean="0">
+                        <a:latin typeface="Cambria Math" panose="02040503050406030204" pitchFamily="18" charset="0"/>
+                      </a:rPr>
+                      <m:t>𝑆</m:t>
+                    </m:r>
+                    <m:r>
+                      <a:rPr kumimoji="1" lang="en-US" altLang="ja-JP" b="0" i="1" smtClean="0">
+                        <a:latin typeface="Cambria Math" panose="02040503050406030204" pitchFamily="18" charset="0"/>
+                      </a:rPr>
+                      <m:t>,</m:t>
+                    </m:r>
+                    <m:r>
+                      <a:rPr kumimoji="1" lang="en-US" altLang="ja-JP" b="0" i="1" smtClean="0">
+                        <a:latin typeface="Cambria Math" panose="02040503050406030204" pitchFamily="18" charset="0"/>
+                      </a:rPr>
+                      <m:t>𝑄</m:t>
+                    </m:r>
+                    <m:r>
+                      <a:rPr kumimoji="1" lang="en-US" altLang="ja-JP" b="0" i="1" smtClean="0">
+                        <a:latin typeface="Cambria Math" panose="02040503050406030204" pitchFamily="18" charset="0"/>
+                      </a:rPr>
+                      <m:t>)+</m:t>
+                    </m:r>
+                    <m:r>
+                      <a:rPr kumimoji="1" lang="en-US" altLang="ja-JP" b="0" i="1" smtClean="0">
+                        <a:latin typeface="Cambria Math" panose="02040503050406030204" pitchFamily="18" charset="0"/>
+                      </a:rPr>
+                      <m:t>𝑏</m:t>
+                    </m:r>
+                    <m:r>
+                      <a:rPr kumimoji="1" lang="en-US" altLang="ja-JP" b="0" i="1" smtClean="0">
+                        <a:latin typeface="Cambria Math" panose="02040503050406030204" pitchFamily="18" charset="0"/>
+                      </a:rPr>
+                      <m:t>(</m:t>
+                    </m:r>
+                    <m:r>
+                      <a:rPr kumimoji="1" lang="en-US" altLang="ja-JP" b="0" i="1" smtClean="0">
+                        <a:latin typeface="Cambria Math" panose="02040503050406030204" pitchFamily="18" charset="0"/>
+                      </a:rPr>
+                      <m:t>𝑇</m:t>
+                    </m:r>
+                    <m:r>
+                      <a:rPr kumimoji="1" lang="en-US" altLang="ja-JP" b="0" i="1" smtClean="0">
+                        <a:latin typeface="Cambria Math" panose="02040503050406030204" pitchFamily="18" charset="0"/>
+                      </a:rPr>
+                      <m:t>,</m:t>
+                    </m:r>
+                    <m:r>
+                      <a:rPr kumimoji="1" lang="en-US" altLang="ja-JP" b="0" i="1" smtClean="0">
+                        <a:latin typeface="Cambria Math" panose="02040503050406030204" pitchFamily="18" charset="0"/>
+                      </a:rPr>
+                      <m:t>𝑃</m:t>
+                    </m:r>
+                    <m:r>
+                      <a:rPr kumimoji="1" lang="en-US" altLang="ja-JP" b="0" i="1" smtClean="0">
+                        <a:latin typeface="Cambria Math" panose="02040503050406030204" pitchFamily="18" charset="0"/>
+                      </a:rPr>
+                      <m:t>)</m:t>
                     </m:r>
                   </m:oMath>
                 </a14:m>
@@ -8926,31 +9826,72 @@
                 </a:r>
                 <a14:m>
                   <m:oMath xmlns:m="http://schemas.openxmlformats.org/officeDocument/2006/math">
-                    <m:sSup>
-                      <m:sSupPr>
+                    <m:r>
+                      <a:rPr kumimoji="1" lang="en-US" altLang="ja-JP" b="0" i="1" smtClean="0">
+                        <a:latin typeface="Cambria Math" panose="02040503050406030204" pitchFamily="18" charset="0"/>
+                      </a:rPr>
+                      <m:t>𝐻</m:t>
+                    </m:r>
+                    <m:d>
+                      <m:dPr>
                         <m:ctrlPr>
                           <a:rPr kumimoji="1" lang="en-US" altLang="ja-JP" b="0" i="1" smtClean="0">
                             <a:latin typeface="Cambria Math" panose="02040503050406030204" pitchFamily="18" charset="0"/>
                           </a:rPr>
                         </m:ctrlPr>
-                      </m:sSupPr>
+                      </m:dPr>
                       <m:e>
                         <m:r>
                           <a:rPr kumimoji="1" lang="en-US" altLang="ja-JP" b="0" i="1" smtClean="0">
                             <a:latin typeface="Cambria Math" panose="02040503050406030204" pitchFamily="18" charset="0"/>
                           </a:rPr>
-                          <m:t>h</m:t>
-                        </m:r>
+                          <m:t>𝑋</m:t>
+                        </m:r>
+                        <m:r>
+                          <a:rPr kumimoji="1" lang="en-US" altLang="ja-JP" b="0" i="1" smtClean="0">
+                            <a:latin typeface="Cambria Math" panose="02040503050406030204" pitchFamily="18" charset="0"/>
+                          </a:rPr>
+                          <m:t>,</m:t>
+                        </m:r>
+                        <m:r>
+                          <a:rPr kumimoji="1" lang="en-US" altLang="ja-JP" b="0" i="1" smtClean="0">
+                            <a:latin typeface="Cambria Math" panose="02040503050406030204" pitchFamily="18" charset="0"/>
+                          </a:rPr>
+                          <m:t>𝐶</m:t>
+                        </m:r>
+                        <m:r>
+                          <a:rPr kumimoji="1" lang="en-US" altLang="ja-JP" b="0" i="1" smtClean="0">
+                            <a:latin typeface="Cambria Math" panose="02040503050406030204" pitchFamily="18" charset="0"/>
+                          </a:rPr>
+                          <m:t>,</m:t>
+                        </m:r>
+                        <m:sSup>
+                          <m:sSupPr>
+                            <m:ctrlPr>
+                              <a:rPr kumimoji="1" lang="en-US" altLang="ja-JP" b="0" i="1" smtClean="0">
+                                <a:latin typeface="Cambria Math" panose="02040503050406030204" pitchFamily="18" charset="0"/>
+                              </a:rPr>
+                            </m:ctrlPr>
+                          </m:sSupPr>
+                          <m:e>
+                            <m:r>
+                              <a:rPr kumimoji="1" lang="en-US" altLang="ja-JP" b="0" i="1" smtClean="0">
+                                <a:latin typeface="Cambria Math" panose="02040503050406030204" pitchFamily="18" charset="0"/>
+                              </a:rPr>
+                              <m:t>𝐴</m:t>
+                            </m:r>
+                          </m:e>
+                          <m:sup>
+                            <m:r>
+                              <a:rPr kumimoji="1" lang="en-US" altLang="ja-JP" b="0" i="1" smtClean="0">
+                                <a:latin typeface="Cambria Math" panose="02040503050406030204" pitchFamily="18" charset="0"/>
+                              </a:rPr>
+                              <m:t>′</m:t>
+                            </m:r>
+                          </m:sup>
+                        </m:sSup>
                       </m:e>
-                      <m:sup>
-                        <m:r>
-                          <a:rPr kumimoji="1" lang="en-US" altLang="ja-JP" b="0" i="1" smtClean="0">
-                            <a:latin typeface="Cambria Math" panose="02040503050406030204" pitchFamily="18" charset="0"/>
-                          </a:rPr>
-                          <m:t>′</m:t>
-                        </m:r>
-                      </m:sup>
-                    </m:sSup>
+                    </m:d>
                     <m:r>
                       <a:rPr kumimoji="1" lang="en-US" altLang="ja-JP" b="0" i="1" smtClean="0">
                         <a:latin typeface="Cambria Math" panose="02040503050406030204" pitchFamily="18" charset="0"/>
@@ -8961,100 +9902,7 @@
                       <a:rPr kumimoji="1" lang="en-US" altLang="ja-JP" b="0" i="1" smtClean="0">
                         <a:latin typeface="Cambria Math" panose="02040503050406030204" pitchFamily="18" charset="0"/>
                       </a:rPr>
-                      <m:t>𝐻</m:t>
-                    </m:r>
-                    <m:r>
-                      <a:rPr kumimoji="1" lang="en-US" altLang="ja-JP" b="0" i="1" smtClean="0">
-                        <a:latin typeface="Cambria Math" panose="02040503050406030204" pitchFamily="18" charset="0"/>
-                      </a:rPr>
-                      <m:t>(</m:t>
-                    </m:r>
-                    <m:r>
-                      <a:rPr kumimoji="1" lang="en-US" altLang="ja-JP" b="0" i="1" smtClean="0">
-                        <a:latin typeface="Cambria Math" panose="02040503050406030204" pitchFamily="18" charset="0"/>
-                      </a:rPr>
-                      <m:t>𝑋</m:t>
-                    </m:r>
-                    <m:r>
-                      <a:rPr kumimoji="1" lang="en-US" altLang="ja-JP" b="0" i="1" smtClean="0">
-                        <a:latin typeface="Cambria Math" panose="02040503050406030204" pitchFamily="18" charset="0"/>
-                      </a:rPr>
-                      <m:t>,</m:t>
-                    </m:r>
-                    <m:r>
-                      <a:rPr kumimoji="1" lang="en-US" altLang="ja-JP" b="0" i="1" smtClean="0">
-                        <a:latin typeface="Cambria Math" panose="02040503050406030204" pitchFamily="18" charset="0"/>
-                      </a:rPr>
-                      <m:t>𝐶</m:t>
-                    </m:r>
-                    <m:r>
-                      <a:rPr kumimoji="1" lang="en-US" altLang="ja-JP" b="0" i="1" smtClean="0">
-                        <a:latin typeface="Cambria Math" panose="02040503050406030204" pitchFamily="18" charset="0"/>
-                      </a:rPr>
-                      <m:t>,</m:t>
-                    </m:r>
-                    <m:sSup>
-                      <m:sSupPr>
-                        <m:ctrlPr>
-                          <a:rPr kumimoji="1" lang="en-US" altLang="ja-JP" b="0" i="1" smtClean="0">
-                            <a:latin typeface="Cambria Math" panose="02040503050406030204" pitchFamily="18" charset="0"/>
-                          </a:rPr>
-                        </m:ctrlPr>
-                      </m:sSupPr>
-                      <m:e>
-                        <m:r>
-                          <a:rPr kumimoji="1" lang="en-US" altLang="ja-JP" b="0" i="1" smtClean="0">
-                            <a:latin typeface="Cambria Math" panose="02040503050406030204" pitchFamily="18" charset="0"/>
-                          </a:rPr>
-                          <m:t>𝐴</m:t>
-                        </m:r>
-                      </m:e>
-                      <m:sup>
-                        <m:r>
-                          <a:rPr kumimoji="1" lang="en-US" altLang="ja-JP" b="0" i="1" smtClean="0">
-                            <a:latin typeface="Cambria Math" panose="02040503050406030204" pitchFamily="18" charset="0"/>
-                          </a:rPr>
-                          <m:t>′</m:t>
-                        </m:r>
-                      </m:sup>
-                    </m:sSup>
-                    <m:r>
-                      <a:rPr kumimoji="1" lang="en-US" altLang="ja-JP" b="0" i="1" smtClean="0">
-                        <a:latin typeface="Cambria Math" panose="02040503050406030204" pitchFamily="18" charset="0"/>
-                      </a:rPr>
-                      <m:t>)</m:t>
-                    </m:r>
-                  </m:oMath>
-                </a14:m>
-                <a:r>
-                  <a:rPr kumimoji="1" lang="ja-JP" altLang="en-US"/>
-                  <a:t>とする</a:t>
-                </a:r>
-                <a14:m>
-                  <m:oMath xmlns:m="http://schemas.openxmlformats.org/officeDocument/2006/math">
-                    <m:r>
-                      <a:rPr kumimoji="1" lang="en-US" altLang="ja-JP" b="0" i="1" smtClean="0">
-                        <a:latin typeface="Cambria Math" panose="02040503050406030204" pitchFamily="18" charset="0"/>
-                      </a:rPr>
                       <m:t>h</m:t>
-                    </m:r>
-                    <m:r>
-                      <a:rPr kumimoji="1" lang="en-US" altLang="ja-JP" b="0" i="1" smtClean="0">
-                        <a:latin typeface="Cambria Math" panose="02040503050406030204" pitchFamily="18" charset="0"/>
-                      </a:rPr>
-                      <m:t>=</m:t>
-                    </m:r>
-                    <m:r>
-                      <a:rPr kumimoji="1" lang="en-US" altLang="ja-JP" b="0" i="1" smtClean="0">
-                        <a:latin typeface="Cambria Math" panose="02040503050406030204" pitchFamily="18" charset="0"/>
-                      </a:rPr>
-                      <m:t>h</m:t>
-                    </m:r>
-                    <m:r>
-                      <a:rPr kumimoji="1" lang="en-US" altLang="ja-JP" b="0" i="1" smtClean="0">
-                        <a:latin typeface="Cambria Math" panose="02040503050406030204" pitchFamily="18" charset="0"/>
-                      </a:rPr>
-                      <m:t>′</m:t>
                     </m:r>
                   </m:oMath>
                 </a14:m>
@@ -9083,13 +9931,7 @@
                       <a:rPr kumimoji="1" lang="en-US" altLang="ja-JP" b="0" i="1" smtClean="0">
                         <a:latin typeface="Cambria Math" panose="02040503050406030204" pitchFamily="18" charset="0"/>
                       </a:rPr>
-                      <m:t>𝑟𝑄</m:t>
-                    </m:r>
-                    <m:r>
-                      <a:rPr kumimoji="1" lang="en-US" altLang="ja-JP" b="0" i="1" smtClean="0">
-                        <a:latin typeface="Cambria Math" panose="02040503050406030204" pitchFamily="18" charset="0"/>
-                      </a:rPr>
-                      <m:t>,</m:t>
+                      <m:t>𝑟</m:t>
                     </m:r>
                     <m:sSup>
                       <m:sSupPr>
@@ -9104,7 +9946,7 @@
                           <a:rPr kumimoji="1" lang="en-US" altLang="ja-JP" b="0" i="1" smtClean="0">
                             <a:latin typeface="Cambria Math" panose="02040503050406030204" pitchFamily="18" charset="0"/>
                           </a:rPr>
-                          <m:t>𝑟</m:t>
+                          <m:t>𝑠</m:t>
                         </m:r>
                       </m:e>
                       <m:sup>
@@ -9121,6 +9963,18 @@
                         <a:latin typeface="Cambria Math" panose="02040503050406030204" pitchFamily="18" charset="0"/>
                       </a:rPr>
                       <m:t>𝑃</m:t>
+                    </m:r>
+                    <m:r>
+                      <a:rPr kumimoji="1" lang="en-US" altLang="ja-JP" b="0" i="1" smtClean="0">
+                        <a:latin typeface="Cambria Math" panose="02040503050406030204" pitchFamily="18" charset="0"/>
+                      </a:rPr>
+                      <m:t>,</m:t>
+                    </m:r>
+                    <m:r>
+                      <a:rPr kumimoji="1" lang="en-US" altLang="ja-JP" b="0" i="1" smtClean="0">
+                        <a:latin typeface="Cambria Math" panose="02040503050406030204" pitchFamily="18" charset="0"/>
+                      </a:rPr>
+                      <m:t>𝑟𝑃</m:t>
                     </m:r>
                     <m:r>
                       <a:rPr kumimoji="1" lang="en-US" altLang="ja-JP" b="0" i="1" smtClean="0">
@@ -9212,13 +10066,120 @@
                       <a:rPr kumimoji="1" lang="en-US" altLang="ja-JP" b="0" i="1" smtClean="0">
                         <a:latin typeface="Cambria Math" panose="02040503050406030204" pitchFamily="18" charset="0"/>
                       </a:rPr>
+                      <m:t>=(</m:t>
+                    </m:r>
+                    <m:r>
+                      <a:rPr kumimoji="1" lang="en-US" altLang="ja-JP" b="0" i="1" smtClean="0">
+                        <a:latin typeface="Cambria Math" panose="02040503050406030204" pitchFamily="18" charset="0"/>
+                      </a:rPr>
+                      <m:t>h𝑟</m:t>
+                    </m:r>
+                    <m:sSup>
+                      <m:sSupPr>
+                        <m:ctrlPr>
+                          <a:rPr kumimoji="1" lang="en-US" altLang="ja-JP" b="0" i="1" smtClean="0">
+                            <a:latin typeface="Cambria Math" panose="02040503050406030204" pitchFamily="18" charset="0"/>
+                          </a:rPr>
+                        </m:ctrlPr>
+                      </m:sSupPr>
+                      <m:e>
+                        <m:r>
+                          <a:rPr kumimoji="1" lang="en-US" altLang="ja-JP" b="0" i="1" smtClean="0">
+                            <a:latin typeface="Cambria Math" panose="02040503050406030204" pitchFamily="18" charset="0"/>
+                          </a:rPr>
+                          <m:t>𝑠</m:t>
+                        </m:r>
+                      </m:e>
+                      <m:sup>
+                        <m:r>
+                          <a:rPr kumimoji="1" lang="en-US" altLang="ja-JP" b="0" i="1" smtClean="0">
+                            <a:latin typeface="Cambria Math" panose="02040503050406030204" pitchFamily="18" charset="0"/>
+                          </a:rPr>
+                          <m:t>′</m:t>
+                        </m:r>
+                      </m:sup>
+                    </m:sSup>
+                    <m:r>
+                      <a:rPr kumimoji="1" lang="en-US" altLang="ja-JP" b="0" i="1" smtClean="0">
+                        <a:latin typeface="Cambria Math" panose="02040503050406030204" pitchFamily="18" charset="0"/>
+                      </a:rPr>
+                      <m:t>𝑃</m:t>
+                    </m:r>
+                    <m:r>
+                      <a:rPr kumimoji="1" lang="en-US" altLang="ja-JP" b="0" i="1" smtClean="0">
+                        <a:latin typeface="Cambria Math" panose="02040503050406030204" pitchFamily="18" charset="0"/>
+                      </a:rPr>
+                      <m:t>+</m:t>
+                    </m:r>
+                    <m:r>
+                      <a:rPr kumimoji="1" lang="en-US" altLang="ja-JP" b="0" i="1" smtClean="0">
+                        <a:latin typeface="Cambria Math" panose="02040503050406030204" pitchFamily="18" charset="0"/>
+                      </a:rPr>
+                      <m:t>𝑏𝑟𝑃</m:t>
+                    </m:r>
+                    <m:r>
+                      <a:rPr kumimoji="1" lang="en-US" altLang="ja-JP" b="0" i="1" smtClean="0">
+                        <a:latin typeface="Cambria Math" panose="02040503050406030204" pitchFamily="18" charset="0"/>
+                      </a:rPr>
+                      <m:t>,</m:t>
+                    </m:r>
+                    <m:r>
+                      <a:rPr kumimoji="1" lang="en-US" altLang="ja-JP" b="0" i="1" smtClean="0">
+                        <a:latin typeface="Cambria Math" panose="02040503050406030204" pitchFamily="18" charset="0"/>
+                      </a:rPr>
+                      <m:t>h𝑠</m:t>
+                    </m:r>
+                    <m:r>
+                      <a:rPr kumimoji="1" lang="en-US" altLang="ja-JP" b="0" i="1" smtClean="0">
+                        <a:latin typeface="Cambria Math" panose="02040503050406030204" pitchFamily="18" charset="0"/>
+                      </a:rPr>
+                      <m:t>𝑃</m:t>
+                    </m:r>
+                    <m:r>
+                      <a:rPr kumimoji="1" lang="en-US" altLang="ja-JP" b="0" i="1" smtClean="0">
+                        <a:latin typeface="Cambria Math" panose="02040503050406030204" pitchFamily="18" charset="0"/>
+                      </a:rPr>
+                      <m:t>+</m:t>
+                    </m:r>
+                    <m:r>
+                      <a:rPr kumimoji="1" lang="en-US" altLang="ja-JP" b="0" i="1" smtClean="0">
+                        <a:latin typeface="Cambria Math" panose="02040503050406030204" pitchFamily="18" charset="0"/>
+                      </a:rPr>
+                      <m:t>𝑏𝑃</m:t>
+                    </m:r>
+                    <m:r>
+                      <a:rPr kumimoji="1" lang="en-US" altLang="ja-JP" b="0" i="1" smtClean="0">
+                        <a:latin typeface="Cambria Math" panose="02040503050406030204" pitchFamily="18" charset="0"/>
+                      </a:rPr>
+                      <m:t>)</m:t>
+                    </m:r>
+                  </m:oMath>
+                </a14:m>
+                <a:r>
+                  <a:rPr kumimoji="1" lang="en-US" altLang="ja-JP" b="0" i="1">
+                    <a:latin typeface="Cambria Math" panose="02040503050406030204" pitchFamily="18" charset="0"/>
+                  </a:rPr>
+                  <a:t>. </a:t>
+                </a:r>
+                <a14:m>
+                  <m:oMath xmlns:m="http://schemas.openxmlformats.org/officeDocument/2006/math">
+                    <m:r>
+                      <a:rPr kumimoji="1" lang="en-US" altLang="ja-JP" b="0" i="1" smtClean="0">
+                        <a:latin typeface="Cambria Math" panose="02040503050406030204" pitchFamily="18" charset="0"/>
+                      </a:rPr>
+                      <m:t>𝑡</m:t>
+                    </m:r>
+                    <m:r>
+                      <a:rPr kumimoji="1" lang="en-US" altLang="ja-JP" b="0" i="1" smtClean="0">
+                        <a:latin typeface="Cambria Math" panose="02040503050406030204" pitchFamily="18" charset="0"/>
+                      </a:rPr>
                       <m:t>=</m:t>
                     </m:r>
                     <m:r>
                       <a:rPr kumimoji="1" lang="en-US" altLang="ja-JP" b="0" i="1" smtClean="0">
                         <a:latin typeface="Cambria Math" panose="02040503050406030204" pitchFamily="18" charset="0"/>
                       </a:rPr>
-                      <m:t>h𝐶</m:t>
+                      <m:t>𝑏</m:t>
                     </m:r>
                     <m:r>
                       <a:rPr kumimoji="1" lang="en-US" altLang="ja-JP" b="0" i="1" smtClean="0">
@@ -9230,7 +10191,67 @@
                       <a:rPr kumimoji="1" lang="en-US" altLang="ja-JP" b="0" i="1" smtClean="0">
                         <a:latin typeface="Cambria Math" panose="02040503050406030204" pitchFamily="18" charset="0"/>
                       </a:rPr>
-                      <m:t>𝑏𝑋</m:t>
+                      <m:t>h𝑠</m:t>
+                    </m:r>
+                  </m:oMath>
+                </a14:m>
+                <a:r>
+                  <a:rPr kumimoji="1" lang="ja-JP" altLang="en-US"/>
+                  <a:t>とすると</a:t>
+                </a:r>
+                <a:br>
+                  <a:rPr kumimoji="1" lang="en-US" altLang="ja-JP"/>
+                </a:br>
+                <a14:m>
+                  <m:oMath xmlns:m="http://schemas.openxmlformats.org/officeDocument/2006/math">
+                    <m:r>
+                      <a:rPr kumimoji="1" lang="en-US" altLang="ja-JP" b="0" i="1" smtClean="0">
+                        <a:latin typeface="Cambria Math" panose="02040503050406030204" pitchFamily="18" charset="0"/>
+                      </a:rPr>
+                      <m:t>h</m:t>
+                    </m:r>
+                    <m:r>
+                      <a:rPr kumimoji="1" lang="en-US" altLang="ja-JP" b="0" i="1" smtClean="0">
+                        <a:latin typeface="Cambria Math" panose="02040503050406030204" pitchFamily="18" charset="0"/>
+                      </a:rPr>
+                      <m:t>𝑟</m:t>
+                    </m:r>
+                    <m:sSup>
+                      <m:sSupPr>
+                        <m:ctrlPr>
+                          <a:rPr kumimoji="1" lang="en-US" altLang="ja-JP" b="0" i="1" smtClean="0">
+                            <a:latin typeface="Cambria Math" panose="02040503050406030204" pitchFamily="18" charset="0"/>
+                          </a:rPr>
+                        </m:ctrlPr>
+                      </m:sSupPr>
+                      <m:e>
+                        <m:r>
+                          <a:rPr kumimoji="1" lang="en-US" altLang="ja-JP" b="0" i="1" smtClean="0">
+                            <a:latin typeface="Cambria Math" panose="02040503050406030204" pitchFamily="18" charset="0"/>
+                          </a:rPr>
+                          <m:t>𝑠</m:t>
+                        </m:r>
+                      </m:e>
+                      <m:sup>
+                        <m:r>
+                          <a:rPr kumimoji="1" lang="en-US" altLang="ja-JP" b="0" i="1" smtClean="0">
+                            <a:latin typeface="Cambria Math" panose="02040503050406030204" pitchFamily="18" charset="0"/>
+                          </a:rPr>
+                          <m:t>′</m:t>
+                        </m:r>
+                      </m:sup>
+                    </m:sSup>
+                    <m:r>
+                      <a:rPr kumimoji="1" lang="en-US" altLang="ja-JP" b="0" i="1" smtClean="0">
+                        <a:latin typeface="Cambria Math" panose="02040503050406030204" pitchFamily="18" charset="0"/>
+                      </a:rPr>
+                      <m:t>+</m:t>
+                    </m:r>
+                    <m:r>
+                      <a:rPr kumimoji="1" lang="en-US" altLang="ja-JP" b="0" i="1" smtClean="0">
+                        <a:latin typeface="Cambria Math" panose="02040503050406030204" pitchFamily="18" charset="0"/>
+                      </a:rPr>
+                      <m:t>𝑏𝑟</m:t>
                     </m:r>
                     <m:r>
                       <a:rPr kumimoji="1" lang="en-US" altLang="ja-JP" b="0" i="1" smtClean="0">
@@ -9247,6 +10268,24 @@
                         </m:ctrlPr>
                       </m:dPr>
                       <m:e>
+                        <m:r>
+                          <a:rPr kumimoji="1" lang="en-US" altLang="ja-JP" b="0" i="1" smtClean="0">
+                            <a:latin typeface="Cambria Math" panose="02040503050406030204" pitchFamily="18" charset="0"/>
+                          </a:rPr>
+                          <m:t>𝑡</m:t>
+                        </m:r>
+                        <m:r>
+                          <a:rPr kumimoji="1" lang="en-US" altLang="ja-JP" b="0" i="1" smtClean="0">
+                            <a:latin typeface="Cambria Math" panose="02040503050406030204" pitchFamily="18" charset="0"/>
+                          </a:rPr>
+                          <m:t>+</m:t>
+                        </m:r>
+                        <m:r>
+                          <a:rPr kumimoji="1" lang="en-US" altLang="ja-JP" b="0" i="1" smtClean="0">
+                            <a:latin typeface="Cambria Math" panose="02040503050406030204" pitchFamily="18" charset="0"/>
+                          </a:rPr>
+                          <m:t>h</m:t>
+                        </m:r>
                         <m:d>
                           <m:dPr>
                             <m:ctrlPr>
@@ -9256,53 +10295,6 @@
                             </m:ctrlPr>
                           </m:dPr>
                           <m:e>
-                            <m:r>
-                              <a:rPr kumimoji="1" lang="en-US" altLang="ja-JP" b="0" i="1" smtClean="0">
-                                <a:latin typeface="Cambria Math" panose="02040503050406030204" pitchFamily="18" charset="0"/>
-                              </a:rPr>
-                              <m:t>h𝑟</m:t>
-                            </m:r>
-                            <m:r>
-                              <a:rPr kumimoji="1" lang="en-US" altLang="ja-JP" b="0" i="1" smtClean="0">
-                                <a:latin typeface="Cambria Math" panose="02040503050406030204" pitchFamily="18" charset="0"/>
-                              </a:rPr>
-                              <m:t>+</m:t>
-                            </m:r>
-                            <m:r>
-                              <a:rPr kumimoji="1" lang="en-US" altLang="ja-JP" b="0" i="1" smtClean="0">
-                                <a:latin typeface="Cambria Math" panose="02040503050406030204" pitchFamily="18" charset="0"/>
-                              </a:rPr>
-                              <m:t>𝑏</m:t>
-                            </m:r>
-                          </m:e>
-                        </m:d>
-                        <m:r>
-                          <a:rPr kumimoji="1" lang="en-US" altLang="ja-JP" b="0" i="1" smtClean="0">
-                            <a:latin typeface="Cambria Math" panose="02040503050406030204" pitchFamily="18" charset="0"/>
-                          </a:rPr>
-                          <m:t>𝑄</m:t>
-                        </m:r>
-                        <m:r>
-                          <a:rPr kumimoji="1" lang="en-US" altLang="ja-JP" b="0" i="1" smtClean="0">
-                            <a:latin typeface="Cambria Math" panose="02040503050406030204" pitchFamily="18" charset="0"/>
-                          </a:rPr>
-                          <m:t>,</m:t>
-                        </m:r>
-                        <m:d>
-                          <m:dPr>
-                            <m:ctrlPr>
-                              <a:rPr kumimoji="1" lang="en-US" altLang="ja-JP" b="0" i="1" smtClean="0">
-                                <a:latin typeface="Cambria Math" panose="02040503050406030204" pitchFamily="18" charset="0"/>
-                              </a:rPr>
-                            </m:ctrlPr>
-                          </m:dPr>
-                          <m:e>
-                            <m:r>
-                              <a:rPr kumimoji="1" lang="en-US" altLang="ja-JP" b="0" i="1" smtClean="0">
-                                <a:latin typeface="Cambria Math" panose="02040503050406030204" pitchFamily="18" charset="0"/>
-                              </a:rPr>
-                              <m:t>h</m:t>
-                            </m:r>
                             <m:sSup>
                               <m:sSupPr>
                                 <m:ctrlPr>
@@ -9316,7 +10308,7 @@
                                   <a:rPr kumimoji="1" lang="en-US" altLang="ja-JP" b="0" i="1" smtClean="0">
                                     <a:latin typeface="Cambria Math" panose="02040503050406030204" pitchFamily="18" charset="0"/>
                                   </a:rPr>
-                                  <m:t>𝑟</m:t>
+                                  <m:t>𝑠</m:t>
                                 </m:r>
                               </m:e>
                               <m:sup>
@@ -9332,184 +10324,23 @@
                               <a:rPr kumimoji="1" lang="en-US" altLang="ja-JP" b="0" i="1" smtClean="0">
                                 <a:latin typeface="Cambria Math" panose="02040503050406030204" pitchFamily="18" charset="0"/>
                               </a:rPr>
-                              <m:t>+</m:t>
+                              <m:t>−</m:t>
                             </m:r>
                             <m:r>
                               <a:rPr kumimoji="1" lang="en-US" altLang="ja-JP" b="0" i="1" smtClean="0">
                                 <a:latin typeface="Cambria Math" panose="02040503050406030204" pitchFamily="18" charset="0"/>
                               </a:rPr>
-                              <m:t>𝑏</m:t>
+                              <m:t>𝑠</m:t>
                             </m:r>
                           </m:e>
                         </m:d>
-                        <m:r>
-                          <a:rPr kumimoji="1" lang="en-US" altLang="ja-JP" b="0" i="1" smtClean="0">
-                            <a:latin typeface="Cambria Math" panose="02040503050406030204" pitchFamily="18" charset="0"/>
-                          </a:rPr>
-                          <m:t>𝑃</m:t>
-                        </m:r>
                       </m:e>
                     </m:d>
-                  </m:oMath>
-                </a14:m>
-                <a:endParaRPr kumimoji="1" lang="en-US" altLang="ja-JP" b="0"/>
-              </a:p>
-              <a:p>
-                <a14:m>
-                  <m:oMath xmlns:m="http://schemas.openxmlformats.org/officeDocument/2006/math">
-                    <m:r>
-                      <a:rPr kumimoji="1" lang="en-US" altLang="ja-JP" b="0" i="1" smtClean="0">
-                        <a:latin typeface="Cambria Math" panose="02040503050406030204" pitchFamily="18" charset="0"/>
-                      </a:rPr>
-                      <m:t>𝑡</m:t>
-                    </m:r>
-                    <m:r>
-                      <a:rPr kumimoji="1" lang="en-US" altLang="ja-JP" b="0" i="1" smtClean="0">
-                        <a:latin typeface="Cambria Math" panose="02040503050406030204" pitchFamily="18" charset="0"/>
-                      </a:rPr>
-                      <m:t>=</m:t>
-                    </m:r>
-                    <m:r>
-                      <a:rPr kumimoji="1" lang="en-US" altLang="ja-JP" b="0" i="1" smtClean="0">
-                        <a:latin typeface="Cambria Math" panose="02040503050406030204" pitchFamily="18" charset="0"/>
-                      </a:rPr>
-                      <m:t>𝑏</m:t>
-                    </m:r>
-                    <m:r>
-                      <a:rPr kumimoji="1" lang="en-US" altLang="ja-JP" b="0" i="1" smtClean="0">
-                        <a:latin typeface="Cambria Math" panose="02040503050406030204" pitchFamily="18" charset="0"/>
-                      </a:rPr>
-                      <m:t>+</m:t>
-                    </m:r>
-                    <m:r>
-                      <a:rPr kumimoji="1" lang="en-US" altLang="ja-JP" b="0" i="1" smtClean="0">
-                        <a:latin typeface="Cambria Math" panose="02040503050406030204" pitchFamily="18" charset="0"/>
-                      </a:rPr>
-                      <m:t>h𝑟</m:t>
-                    </m:r>
-                  </m:oMath>
-                </a14:m>
-                <a:r>
-                  <a:rPr kumimoji="1" lang="ja-JP" altLang="en-US"/>
-                  <a:t>とすると</a:t>
-                </a:r>
-                <a14:m>
-                  <m:oMath xmlns:m="http://schemas.openxmlformats.org/officeDocument/2006/math">
-                    <m:r>
-                      <a:rPr kumimoji="1" lang="en-US" altLang="ja-JP" b="0" i="1" smtClean="0">
-                        <a:latin typeface="Cambria Math" panose="02040503050406030204" pitchFamily="18" charset="0"/>
-                      </a:rPr>
-                      <m:t>h</m:t>
-                    </m:r>
-                    <m:sSup>
-                      <m:sSupPr>
-                        <m:ctrlPr>
-                          <a:rPr kumimoji="1" lang="en-US" altLang="ja-JP" b="0" i="1" smtClean="0">
-                            <a:latin typeface="Cambria Math" panose="02040503050406030204" pitchFamily="18" charset="0"/>
-                          </a:rPr>
-                        </m:ctrlPr>
-                      </m:sSupPr>
-                      <m:e>
-                        <m:r>
-                          <a:rPr kumimoji="1" lang="en-US" altLang="ja-JP" b="0" i="1" smtClean="0">
-                            <a:latin typeface="Cambria Math" panose="02040503050406030204" pitchFamily="18" charset="0"/>
-                          </a:rPr>
-                          <m:t>𝑟</m:t>
-                        </m:r>
-                      </m:e>
-                      <m:sup>
-                        <m:r>
-                          <a:rPr kumimoji="1" lang="en-US" altLang="ja-JP" b="0" i="1" smtClean="0">
-                            <a:latin typeface="Cambria Math" panose="02040503050406030204" pitchFamily="18" charset="0"/>
-                          </a:rPr>
-                          <m:t>′</m:t>
-                        </m:r>
-                      </m:sup>
-                    </m:sSup>
-                    <m:r>
-                      <a:rPr kumimoji="1" lang="en-US" altLang="ja-JP" b="0" i="1" smtClean="0">
-                        <a:latin typeface="Cambria Math" panose="02040503050406030204" pitchFamily="18" charset="0"/>
-                      </a:rPr>
-                      <m:t>+</m:t>
-                    </m:r>
-                    <m:r>
-                      <a:rPr kumimoji="1" lang="en-US" altLang="ja-JP" b="0" i="1" smtClean="0">
-                        <a:latin typeface="Cambria Math" panose="02040503050406030204" pitchFamily="18" charset="0"/>
-                      </a:rPr>
-                      <m:t>𝑏</m:t>
-                    </m:r>
-                    <m:r>
-                      <a:rPr kumimoji="1" lang="en-US" altLang="ja-JP" b="0" i="1" smtClean="0">
-                        <a:latin typeface="Cambria Math" panose="02040503050406030204" pitchFamily="18" charset="0"/>
-                      </a:rPr>
-                      <m:t>=</m:t>
-                    </m:r>
-                    <m:r>
-                      <a:rPr kumimoji="1" lang="en-US" altLang="ja-JP" b="0" i="1" smtClean="0">
-                        <a:latin typeface="Cambria Math" panose="02040503050406030204" pitchFamily="18" charset="0"/>
-                      </a:rPr>
-                      <m:t>𝑡</m:t>
-                    </m:r>
-                    <m:r>
-                      <a:rPr kumimoji="1" lang="en-US" altLang="ja-JP" b="0" i="1" smtClean="0">
-                        <a:latin typeface="Cambria Math" panose="02040503050406030204" pitchFamily="18" charset="0"/>
-                      </a:rPr>
-                      <m:t>+</m:t>
-                    </m:r>
-                    <m:r>
-                      <a:rPr kumimoji="1" lang="en-US" altLang="ja-JP" b="0" i="1" smtClean="0">
-                        <a:latin typeface="Cambria Math" panose="02040503050406030204" pitchFamily="18" charset="0"/>
-                      </a:rPr>
-                      <m:t>h</m:t>
-                    </m:r>
-                    <m:r>
-                      <a:rPr kumimoji="1" lang="en-US" altLang="ja-JP" b="0" i="1" smtClean="0">
-                        <a:latin typeface="Cambria Math" panose="02040503050406030204" pitchFamily="18" charset="0"/>
-                      </a:rPr>
-                      <m:t>(</m:t>
-                    </m:r>
-                    <m:sSup>
-                      <m:sSupPr>
-                        <m:ctrlPr>
-                          <a:rPr kumimoji="1" lang="en-US" altLang="ja-JP" b="0" i="1" smtClean="0">
-                            <a:latin typeface="Cambria Math" panose="02040503050406030204" pitchFamily="18" charset="0"/>
-                          </a:rPr>
-                        </m:ctrlPr>
-                      </m:sSupPr>
-                      <m:e>
-                        <m:r>
-                          <a:rPr kumimoji="1" lang="en-US" altLang="ja-JP" b="0" i="1" smtClean="0">
-                            <a:latin typeface="Cambria Math" panose="02040503050406030204" pitchFamily="18" charset="0"/>
-                          </a:rPr>
-                          <m:t>𝑟</m:t>
-                        </m:r>
-                      </m:e>
-                      <m:sup>
-                        <m:r>
-                          <a:rPr kumimoji="1" lang="en-US" altLang="ja-JP" b="0" i="1" smtClean="0">
-                            <a:latin typeface="Cambria Math" panose="02040503050406030204" pitchFamily="18" charset="0"/>
-                          </a:rPr>
-                          <m:t>′</m:t>
-                        </m:r>
-                      </m:sup>
-                    </m:sSup>
-                    <m:r>
-                      <a:rPr kumimoji="1" lang="en-US" altLang="ja-JP" b="0" i="1" smtClean="0">
-                        <a:latin typeface="Cambria Math" panose="02040503050406030204" pitchFamily="18" charset="0"/>
-                      </a:rPr>
-                      <m:t>−</m:t>
-                    </m:r>
                     <m:r>
                       <a:rPr kumimoji="1" lang="en-US" altLang="ja-JP" b="0" i="1" smtClean="0">
                         <a:latin typeface="Cambria Math" panose="02040503050406030204" pitchFamily="18" charset="0"/>
                       </a:rPr>
                       <m:t>𝑟</m:t>
-                    </m:r>
-                    <m:r>
-                      <a:rPr kumimoji="1" lang="en-US" altLang="ja-JP" b="0" i="1" smtClean="0">
-                        <a:latin typeface="Cambria Math" panose="02040503050406030204" pitchFamily="18" charset="0"/>
-                      </a:rPr>
-                      <m:t>)</m:t>
                     </m:r>
                   </m:oMath>
                 </a14:m>
@@ -9528,36 +10359,6 @@
                       </a:rPr>
                       <m:t>𝐻</m:t>
                     </m:r>
-                    <m:r>
-                      <a:rPr kumimoji="1" lang="en-US" altLang="ja-JP" b="0" i="1" smtClean="0">
-                        <a:latin typeface="Cambria Math" panose="02040503050406030204" pitchFamily="18" charset="0"/>
-                      </a:rPr>
-                      <m:t>(</m:t>
-                    </m:r>
-                    <m:r>
-                      <a:rPr kumimoji="1" lang="en-US" altLang="ja-JP" b="0" i="1" smtClean="0">
-                        <a:latin typeface="Cambria Math" panose="02040503050406030204" pitchFamily="18" charset="0"/>
-                      </a:rPr>
-                      <m:t>𝑋</m:t>
-                    </m:r>
-                    <m:r>
-                      <a:rPr kumimoji="1" lang="en-US" altLang="ja-JP" b="0" i="1" smtClean="0">
-                        <a:latin typeface="Cambria Math" panose="02040503050406030204" pitchFamily="18" charset="0"/>
-                      </a:rPr>
-                      <m:t>,</m:t>
-                    </m:r>
-                    <m:r>
-                      <a:rPr kumimoji="1" lang="en-US" altLang="ja-JP" b="0" i="1" smtClean="0">
-                        <a:latin typeface="Cambria Math" panose="02040503050406030204" pitchFamily="18" charset="0"/>
-                      </a:rPr>
-                      <m:t>𝐶</m:t>
-                    </m:r>
-                    <m:r>
-                      <a:rPr kumimoji="1" lang="en-US" altLang="ja-JP" b="0" i="1" smtClean="0">
-                        <a:latin typeface="Cambria Math" panose="02040503050406030204" pitchFamily="18" charset="0"/>
-                      </a:rPr>
-                      <m:t>,</m:t>
-                    </m:r>
                     <m:d>
                       <m:dPr>
                         <m:ctrlPr>
@@ -9571,13 +10372,25 @@
                           <a:rPr kumimoji="1" lang="en-US" altLang="ja-JP" b="0" i="1" smtClean="0">
                             <a:latin typeface="Cambria Math" panose="02040503050406030204" pitchFamily="18" charset="0"/>
                           </a:rPr>
-                          <m:t>𝑡𝑄</m:t>
+                          <m:t>𝑋</m:t>
                         </m:r>
                         <m:r>
                           <a:rPr kumimoji="1" lang="en-US" altLang="ja-JP" b="0" i="1" smtClean="0">
                             <a:latin typeface="Cambria Math" panose="02040503050406030204" pitchFamily="18" charset="0"/>
                           </a:rPr>
                           <m:t>,</m:t>
+                        </m:r>
+                        <m:r>
+                          <a:rPr kumimoji="1" lang="en-US" altLang="ja-JP" b="0" i="1" smtClean="0">
+                            <a:latin typeface="Cambria Math" panose="02040503050406030204" pitchFamily="18" charset="0"/>
+                          </a:rPr>
+                          <m:t>𝐶</m:t>
+                        </m:r>
+                        <m:r>
+                          <a:rPr kumimoji="1" lang="en-US" altLang="ja-JP" b="0" i="1" smtClean="0">
+                            <a:latin typeface="Cambria Math" panose="02040503050406030204" pitchFamily="18" charset="0"/>
+                          </a:rPr>
+                          <m:t>, </m:t>
                         </m:r>
                         <m:d>
                           <m:dPr>
@@ -9588,24 +10401,6 @@
                             </m:ctrlPr>
                           </m:dPr>
                           <m:e>
-                            <m:r>
-                              <a:rPr kumimoji="1" lang="en-US" altLang="ja-JP" b="0" i="1" smtClean="0">
-                                <a:latin typeface="Cambria Math" panose="02040503050406030204" pitchFamily="18" charset="0"/>
-                              </a:rPr>
-                              <m:t>𝑡</m:t>
-                            </m:r>
-                            <m:r>
-                              <a:rPr kumimoji="1" lang="en-US" altLang="ja-JP" b="0" i="1" smtClean="0">
-                                <a:latin typeface="Cambria Math" panose="02040503050406030204" pitchFamily="18" charset="0"/>
-                              </a:rPr>
-                              <m:t>+</m:t>
-                            </m:r>
-                            <m:r>
-                              <a:rPr kumimoji="1" lang="en-US" altLang="ja-JP" b="0" i="1" smtClean="0">
-                                <a:latin typeface="Cambria Math" panose="02040503050406030204" pitchFamily="18" charset="0"/>
-                              </a:rPr>
-                              <m:t>h</m:t>
-                            </m:r>
                             <m:d>
                               <m:dPr>
                                 <m:ctrlPr>
@@ -9615,53 +10410,94 @@
                                 </m:ctrlPr>
                               </m:dPr>
                               <m:e>
-                                <m:sSup>
-                                  <m:sSupPr>
+                                <m:r>
+                                  <a:rPr kumimoji="1" lang="en-US" altLang="ja-JP" b="0" i="1" smtClean="0">
+                                    <a:latin typeface="Cambria Math" panose="02040503050406030204" pitchFamily="18" charset="0"/>
+                                  </a:rPr>
+                                  <m:t>𝑡</m:t>
+                                </m:r>
+                                <m:r>
+                                  <a:rPr kumimoji="1" lang="en-US" altLang="ja-JP" b="0" i="1" smtClean="0">
+                                    <a:latin typeface="Cambria Math" panose="02040503050406030204" pitchFamily="18" charset="0"/>
+                                  </a:rPr>
+                                  <m:t>+</m:t>
+                                </m:r>
+                                <m:r>
+                                  <a:rPr kumimoji="1" lang="en-US" altLang="ja-JP" b="0" i="1" smtClean="0">
+                                    <a:latin typeface="Cambria Math" panose="02040503050406030204" pitchFamily="18" charset="0"/>
+                                  </a:rPr>
+                                  <m:t>h</m:t>
+                                </m:r>
+                                <m:d>
+                                  <m:dPr>
                                     <m:ctrlPr>
                                       <a:rPr kumimoji="1" lang="en-US" altLang="ja-JP" b="0" i="1" smtClean="0">
                                         <a:latin typeface="Cambria Math" panose="02040503050406030204" pitchFamily="18" charset="0"/>
                                       </a:rPr>
                                     </m:ctrlPr>
-                                  </m:sSupPr>
+                                  </m:dPr>
                                   <m:e>
+                                    <m:sSup>
+                                      <m:sSupPr>
+                                        <m:ctrlPr>
+                                          <a:rPr kumimoji="1" lang="en-US" altLang="ja-JP" b="0" i="1" smtClean="0">
+                                            <a:latin typeface="Cambria Math" panose="02040503050406030204" pitchFamily="18" charset="0"/>
+                                          </a:rPr>
+                                        </m:ctrlPr>
+                                      </m:sSupPr>
+                                      <m:e>
+                                        <m:r>
+                                          <a:rPr kumimoji="1" lang="en-US" altLang="ja-JP" b="0" i="1" smtClean="0">
+                                            <a:latin typeface="Cambria Math" panose="02040503050406030204" pitchFamily="18" charset="0"/>
+                                          </a:rPr>
+                                          <m:t>𝑠</m:t>
+                                        </m:r>
+                                      </m:e>
+                                      <m:sup>
+                                        <m:r>
+                                          <a:rPr kumimoji="1" lang="en-US" altLang="ja-JP" b="0" i="1" smtClean="0">
+                                            <a:latin typeface="Cambria Math" panose="02040503050406030204" pitchFamily="18" charset="0"/>
+                                          </a:rPr>
+                                          <m:t>′</m:t>
+                                        </m:r>
+                                      </m:sup>
+                                    </m:sSup>
                                     <m:r>
                                       <a:rPr kumimoji="1" lang="en-US" altLang="ja-JP" b="0" i="1" smtClean="0">
                                         <a:latin typeface="Cambria Math" panose="02040503050406030204" pitchFamily="18" charset="0"/>
                                       </a:rPr>
-                                      <m:t>𝑟</m:t>
+                                      <m:t>−</m:t>
                                     </m:r>
-                                  </m:e>
-                                  <m:sup>
                                     <m:r>
                                       <a:rPr kumimoji="1" lang="en-US" altLang="ja-JP" b="0" i="1" smtClean="0">
                                         <a:latin typeface="Cambria Math" panose="02040503050406030204" pitchFamily="18" charset="0"/>
                                       </a:rPr>
-                                      <m:t>′</m:t>
+                                      <m:t>𝑠</m:t>
                                     </m:r>
-                                  </m:sup>
-                                </m:sSup>
-                                <m:r>
-                                  <a:rPr kumimoji="1" lang="en-US" altLang="ja-JP" b="0" i="1" smtClean="0">
-                                    <a:latin typeface="Cambria Math" panose="02040503050406030204" pitchFamily="18" charset="0"/>
-                                  </a:rPr>
-                                  <m:t>−</m:t>
-                                </m:r>
-                                <m:r>
-                                  <a:rPr kumimoji="1" lang="en-US" altLang="ja-JP" b="0" i="1" smtClean="0">
-                                    <a:latin typeface="Cambria Math" panose="02040503050406030204" pitchFamily="18" charset="0"/>
-                                  </a:rPr>
-                                  <m:t>𝑟</m:t>
-                                </m:r>
+                                  </m:e>
+                                </m:d>
                               </m:e>
                             </m:d>
+                            <m:r>
+                              <a:rPr kumimoji="1" lang="en-US" altLang="ja-JP" b="0" i="1" smtClean="0">
+                                <a:latin typeface="Cambria Math" panose="02040503050406030204" pitchFamily="18" charset="0"/>
+                              </a:rPr>
+                              <m:t>𝑇</m:t>
+                            </m:r>
+                            <m:r>
+                              <a:rPr kumimoji="1" lang="en-US" altLang="ja-JP" b="0" i="1" smtClean="0">
+                                <a:latin typeface="Cambria Math" panose="02040503050406030204" pitchFamily="18" charset="0"/>
+                              </a:rPr>
+                              <m:t>,</m:t>
+                            </m:r>
+                            <m:r>
+                              <a:rPr kumimoji="1" lang="en-US" altLang="ja-JP" b="0" i="1" smtClean="0">
+                                <a:latin typeface="Cambria Math" panose="02040503050406030204" pitchFamily="18" charset="0"/>
+                              </a:rPr>
+                              <m:t>𝑡𝑃</m:t>
+                            </m:r>
                           </m:e>
                         </m:d>
-                        <m:r>
-                          <a:rPr kumimoji="1" lang="en-US" altLang="ja-JP" b="0" i="1" smtClean="0">
-                            <a:latin typeface="Cambria Math" panose="02040503050406030204" pitchFamily="18" charset="0"/>
-                          </a:rPr>
-                          <m:t>𝑃</m:t>
-                        </m:r>
                       </m:e>
                     </m:d>
                     <m:r>
@@ -9680,7 +10516,7 @@
                 </a14:m>
                 <a:r>
                   <a:rPr kumimoji="1" lang="ja-JP" altLang="en-US"/>
-                  <a:t>→</a:t>
+                  <a:t> → </a:t>
                 </a:r>
                 <a14:m>
                   <m:oMath xmlns:m="http://schemas.openxmlformats.org/officeDocument/2006/math">
@@ -9697,7 +10533,7 @@
                           <a:rPr kumimoji="1" lang="en-US" altLang="ja-JP" b="0" i="1" smtClean="0">
                             <a:latin typeface="Cambria Math" panose="02040503050406030204" pitchFamily="18" charset="0"/>
                           </a:rPr>
-                          <m:t>𝑟</m:t>
+                          <m:t>𝑠</m:t>
                         </m:r>
                       </m:e>
                       <m:sup>
@@ -9719,7 +10555,7 @@
                       <a:rPr kumimoji="1" lang="en-US" altLang="ja-JP" b="0" i="1" smtClean="0">
                         <a:latin typeface="Cambria Math" panose="02040503050406030204" pitchFamily="18" charset="0"/>
                       </a:rPr>
-                      <m:t>𝑟</m:t>
+                      <m:t>𝑠</m:t>
                     </m:r>
                   </m:oMath>
                 </a14:m>
@@ -9728,7 +10564,7 @@
             </p:txBody>
           </p:sp>
         </mc:Choice>
-        <mc:Fallback xmlns="">
+        <mc:Fallback>
           <p:sp>
             <p:nvSpPr>
               <p:cNvPr id="2" name="コンテンツ プレースホルダー 1">
@@ -9749,7 +10585,7 @@
               <a:blipFill>
                 <a:blip r:embed="rId2"/>
                 <a:stretch>
-                  <a:fillRect l="-1200" t="-1454" b="-6957"/>
+                  <a:fillRect l="-1200" t="-1454" b="-519"/>
                 </a:stretch>
               </a:blipFill>
             </p:spPr>
@@ -9949,8 +10785,8 @@
           <a:chExt cx="0" cy="0"/>
         </a:xfrm>
       </p:grpSpPr>
-      <mc:AlternateContent xmlns:mc="http://schemas.openxmlformats.org/markup-compatibility/2006">
-        <mc:Choice xmlns:a14="http://schemas.microsoft.com/office/drawing/2010/main" Requires="a14">
+      <mc:AlternateContent xmlns:mc="http://schemas.openxmlformats.org/markup-compatibility/2006" xmlns:a14="http://schemas.microsoft.com/office/drawing/2010/main">
+        <mc:Choice Requires="a14">
           <p:sp>
             <p:nvSpPr>
               <p:cNvPr id="2" name="コンテンツ プレースホルダー 1">
@@ -10120,7 +10956,7 @@
             </p:txBody>
           </p:sp>
         </mc:Choice>
-        <mc:Fallback>
+        <mc:Fallback xmlns="">
           <p:sp>
             <p:nvSpPr>
               <p:cNvPr id="2" name="コンテンツ プレースホルダー 1">
